--- a/1조 project 포트폴리오(이력서용).pptx
+++ b/1조 project 포트폴리오(이력서용).pptx
@@ -7,13 +7,15 @@
   <p:sldIdLst>
     <p:sldId id="256" r:id="rId2"/>
     <p:sldId id="264" r:id="rId3"/>
-    <p:sldId id="257" r:id="rId4"/>
-    <p:sldId id="258" r:id="rId5"/>
-    <p:sldId id="259" r:id="rId6"/>
-    <p:sldId id="260" r:id="rId7"/>
-    <p:sldId id="261" r:id="rId8"/>
-    <p:sldId id="262" r:id="rId9"/>
-    <p:sldId id="263" r:id="rId10"/>
+    <p:sldId id="265" r:id="rId4"/>
+    <p:sldId id="266" r:id="rId5"/>
+    <p:sldId id="257" r:id="rId6"/>
+    <p:sldId id="258" r:id="rId7"/>
+    <p:sldId id="259" r:id="rId8"/>
+    <p:sldId id="260" r:id="rId9"/>
+    <p:sldId id="261" r:id="rId10"/>
+    <p:sldId id="262" r:id="rId11"/>
+    <p:sldId id="263" r:id="rId12"/>
   </p:sldIdLst>
   <p:sldSz cx="12192000" cy="6858000"/>
   <p:notesSz cx="6858000" cy="9144000"/>
@@ -251,7 +253,7 @@
           <a:p>
             <a:fld id="{85695E44-A86B-40ED-B5B4-EEE8D66F9E70}" type="datetimeFigureOut">
               <a:rPr lang="ko-KR" altLang="en-US" smtClean="0"/>
-              <a:t>2023-02-23</a:t>
+              <a:t>2023-02-26</a:t>
             </a:fld>
             <a:endParaRPr lang="ko-KR" altLang="en-US"/>
           </a:p>
@@ -421,7 +423,7 @@
           <a:p>
             <a:fld id="{85695E44-A86B-40ED-B5B4-EEE8D66F9E70}" type="datetimeFigureOut">
               <a:rPr lang="ko-KR" altLang="en-US" smtClean="0"/>
-              <a:t>2023-02-23</a:t>
+              <a:t>2023-02-26</a:t>
             </a:fld>
             <a:endParaRPr lang="ko-KR" altLang="en-US"/>
           </a:p>
@@ -601,7 +603,7 @@
           <a:p>
             <a:fld id="{85695E44-A86B-40ED-B5B4-EEE8D66F9E70}" type="datetimeFigureOut">
               <a:rPr lang="ko-KR" altLang="en-US" smtClean="0"/>
-              <a:t>2023-02-23</a:t>
+              <a:t>2023-02-26</a:t>
             </a:fld>
             <a:endParaRPr lang="ko-KR" altLang="en-US"/>
           </a:p>
@@ -771,7 +773,7 @@
           <a:p>
             <a:fld id="{85695E44-A86B-40ED-B5B4-EEE8D66F9E70}" type="datetimeFigureOut">
               <a:rPr lang="ko-KR" altLang="en-US" smtClean="0"/>
-              <a:t>2023-02-23</a:t>
+              <a:t>2023-02-26</a:t>
             </a:fld>
             <a:endParaRPr lang="ko-KR" altLang="en-US"/>
           </a:p>
@@ -1017,7 +1019,7 @@
           <a:p>
             <a:fld id="{85695E44-A86B-40ED-B5B4-EEE8D66F9E70}" type="datetimeFigureOut">
               <a:rPr lang="ko-KR" altLang="en-US" smtClean="0"/>
-              <a:t>2023-02-23</a:t>
+              <a:t>2023-02-26</a:t>
             </a:fld>
             <a:endParaRPr lang="ko-KR" altLang="en-US"/>
           </a:p>
@@ -1249,7 +1251,7 @@
           <a:p>
             <a:fld id="{85695E44-A86B-40ED-B5B4-EEE8D66F9E70}" type="datetimeFigureOut">
               <a:rPr lang="ko-KR" altLang="en-US" smtClean="0"/>
-              <a:t>2023-02-23</a:t>
+              <a:t>2023-02-26</a:t>
             </a:fld>
             <a:endParaRPr lang="ko-KR" altLang="en-US"/>
           </a:p>
@@ -1616,7 +1618,7 @@
           <a:p>
             <a:fld id="{85695E44-A86B-40ED-B5B4-EEE8D66F9E70}" type="datetimeFigureOut">
               <a:rPr lang="ko-KR" altLang="en-US" smtClean="0"/>
-              <a:t>2023-02-23</a:t>
+              <a:t>2023-02-26</a:t>
             </a:fld>
             <a:endParaRPr lang="ko-KR" altLang="en-US"/>
           </a:p>
@@ -1734,7 +1736,7 @@
           <a:p>
             <a:fld id="{85695E44-A86B-40ED-B5B4-EEE8D66F9E70}" type="datetimeFigureOut">
               <a:rPr lang="ko-KR" altLang="en-US" smtClean="0"/>
-              <a:t>2023-02-23</a:t>
+              <a:t>2023-02-26</a:t>
             </a:fld>
             <a:endParaRPr lang="ko-KR" altLang="en-US"/>
           </a:p>
@@ -1829,7 +1831,7 @@
           <a:p>
             <a:fld id="{85695E44-A86B-40ED-B5B4-EEE8D66F9E70}" type="datetimeFigureOut">
               <a:rPr lang="ko-KR" altLang="en-US" smtClean="0"/>
-              <a:t>2023-02-23</a:t>
+              <a:t>2023-02-26</a:t>
             </a:fld>
             <a:endParaRPr lang="ko-KR" altLang="en-US"/>
           </a:p>
@@ -2106,7 +2108,7 @@
           <a:p>
             <a:fld id="{85695E44-A86B-40ED-B5B4-EEE8D66F9E70}" type="datetimeFigureOut">
               <a:rPr lang="ko-KR" altLang="en-US" smtClean="0"/>
-              <a:t>2023-02-23</a:t>
+              <a:t>2023-02-26</a:t>
             </a:fld>
             <a:endParaRPr lang="ko-KR" altLang="en-US"/>
           </a:p>
@@ -2359,7 +2361,7 @@
           <a:p>
             <a:fld id="{85695E44-A86B-40ED-B5B4-EEE8D66F9E70}" type="datetimeFigureOut">
               <a:rPr lang="ko-KR" altLang="en-US" smtClean="0"/>
-              <a:t>2023-02-23</a:t>
+              <a:t>2023-02-26</a:t>
             </a:fld>
             <a:endParaRPr lang="ko-KR" altLang="en-US"/>
           </a:p>
@@ -2572,7 +2574,7 @@
           <a:p>
             <a:fld id="{85695E44-A86B-40ED-B5B4-EEE8D66F9E70}" type="datetimeFigureOut">
               <a:rPr lang="ko-KR" altLang="en-US" smtClean="0"/>
-              <a:t>2023-02-23</a:t>
+              <a:t>2023-02-26</a:t>
             </a:fld>
             <a:endParaRPr lang="ko-KR" altLang="en-US"/>
           </a:p>
@@ -3053,6 +3055,168 @@
 </p:sld>
 </file>
 
+<file path=ppt/slides/slide10.xml><?xml version="1.0" encoding="utf-8"?>
+<p:sld xmlns:a="http://schemas.openxmlformats.org/drawingml/2006/main" xmlns:r="http://schemas.openxmlformats.org/officeDocument/2006/relationships" xmlns:p="http://schemas.openxmlformats.org/presentationml/2006/main">
+  <p:cSld>
+    <p:spTree>
+      <p:nvGrpSpPr>
+        <p:cNvPr id="1" name=""/>
+        <p:cNvGrpSpPr/>
+        <p:nvPr/>
+      </p:nvGrpSpPr>
+      <p:grpSpPr>
+        <a:xfrm>
+          <a:off x="0" y="0"/>
+          <a:ext cx="0" cy="0"/>
+          <a:chOff x="0" y="0"/>
+          <a:chExt cx="0" cy="0"/>
+        </a:xfrm>
+      </p:grpSpPr>
+      <p:sp>
+        <p:nvSpPr>
+          <p:cNvPr id="2" name="제목 1"/>
+          <p:cNvSpPr>
+            <a:spLocks noGrp="1"/>
+          </p:cNvSpPr>
+          <p:nvPr>
+            <p:ph type="title"/>
+          </p:nvPr>
+        </p:nvSpPr>
+        <p:spPr/>
+        <p:txBody>
+          <a:bodyPr/>
+          <a:lstStyle/>
+          <a:p>
+            <a:r>
+              <a:rPr lang="ko-KR" altLang="en-US" dirty="0" err="1" smtClean="0"/>
+              <a:t>수강바구니</a:t>
+            </a:r>
+            <a:r>
+              <a:rPr lang="ko-KR" altLang="en-US" dirty="0" smtClean="0"/>
+              <a:t> 페이지</a:t>
+            </a:r>
+            <a:endParaRPr lang="ko-KR" altLang="en-US" dirty="0"/>
+          </a:p>
+        </p:txBody>
+      </p:sp>
+      <p:pic>
+        <p:nvPicPr>
+          <p:cNvPr id="4" name="내용 개체 틀 3"/>
+          <p:cNvPicPr>
+            <a:picLocks noGrp="1" noChangeAspect="1"/>
+          </p:cNvPicPr>
+          <p:nvPr>
+            <p:ph idx="1"/>
+          </p:nvPr>
+        </p:nvPicPr>
+        <p:blipFill>
+          <a:blip r:embed="rId2"/>
+          <a:stretch>
+            <a:fillRect/>
+          </a:stretch>
+        </p:blipFill>
+        <p:spPr>
+          <a:xfrm>
+            <a:off x="1679786" y="1825625"/>
+            <a:ext cx="8832428" cy="4351338"/>
+          </a:xfrm>
+          <a:prstGeom prst="rect">
+            <a:avLst/>
+          </a:prstGeom>
+        </p:spPr>
+      </p:pic>
+    </p:spTree>
+    <p:extLst>
+      <p:ext uri="{BB962C8B-B14F-4D97-AF65-F5344CB8AC3E}">
+        <p14:creationId xmlns:p14="http://schemas.microsoft.com/office/powerpoint/2010/main" val="3906069852"/>
+      </p:ext>
+    </p:extLst>
+  </p:cSld>
+  <p:clrMapOvr>
+    <a:masterClrMapping/>
+  </p:clrMapOvr>
+</p:sld>
+</file>
+
+<file path=ppt/slides/slide11.xml><?xml version="1.0" encoding="utf-8"?>
+<p:sld xmlns:a="http://schemas.openxmlformats.org/drawingml/2006/main" xmlns:r="http://schemas.openxmlformats.org/officeDocument/2006/relationships" xmlns:p="http://schemas.openxmlformats.org/presentationml/2006/main">
+  <p:cSld>
+    <p:spTree>
+      <p:nvGrpSpPr>
+        <p:cNvPr id="1" name=""/>
+        <p:cNvGrpSpPr/>
+        <p:nvPr/>
+      </p:nvGrpSpPr>
+      <p:grpSpPr>
+        <a:xfrm>
+          <a:off x="0" y="0"/>
+          <a:ext cx="0" cy="0"/>
+          <a:chOff x="0" y="0"/>
+          <a:chExt cx="0" cy="0"/>
+        </a:xfrm>
+      </p:grpSpPr>
+      <p:sp>
+        <p:nvSpPr>
+          <p:cNvPr id="2" name="제목 1"/>
+          <p:cNvSpPr>
+            <a:spLocks noGrp="1"/>
+          </p:cNvSpPr>
+          <p:nvPr>
+            <p:ph type="title"/>
+          </p:nvPr>
+        </p:nvSpPr>
+        <p:spPr/>
+        <p:txBody>
+          <a:bodyPr/>
+          <a:lstStyle/>
+          <a:p>
+            <a:r>
+              <a:rPr lang="ko-KR" altLang="en-US" dirty="0" err="1" smtClean="0"/>
+              <a:t>마이페이지</a:t>
+            </a:r>
+            <a:endParaRPr lang="ko-KR" altLang="en-US" dirty="0"/>
+          </a:p>
+        </p:txBody>
+      </p:sp>
+      <p:pic>
+        <p:nvPicPr>
+          <p:cNvPr id="4" name="내용 개체 틀 3"/>
+          <p:cNvPicPr>
+            <a:picLocks noGrp="1" noChangeAspect="1"/>
+          </p:cNvPicPr>
+          <p:nvPr>
+            <p:ph idx="1"/>
+          </p:nvPr>
+        </p:nvPicPr>
+        <p:blipFill>
+          <a:blip r:embed="rId2"/>
+          <a:stretch>
+            <a:fillRect/>
+          </a:stretch>
+        </p:blipFill>
+        <p:spPr>
+          <a:xfrm>
+            <a:off x="1698420" y="1825625"/>
+            <a:ext cx="8795159" cy="4351338"/>
+          </a:xfrm>
+          <a:prstGeom prst="rect">
+            <a:avLst/>
+          </a:prstGeom>
+        </p:spPr>
+      </p:pic>
+    </p:spTree>
+    <p:extLst>
+      <p:ext uri="{BB962C8B-B14F-4D97-AF65-F5344CB8AC3E}">
+        <p14:creationId xmlns:p14="http://schemas.microsoft.com/office/powerpoint/2010/main" val="3902283714"/>
+      </p:ext>
+    </p:extLst>
+  </p:cSld>
+  <p:clrMapOvr>
+    <a:masterClrMapping/>
+  </p:clrMapOvr>
+</p:sld>
+</file>
+
 <file path=ppt/slides/slide2.xml><?xml version="1.0" encoding="utf-8"?>
 <p:sld xmlns:a="http://schemas.openxmlformats.org/drawingml/2006/main" xmlns:r="http://schemas.openxmlformats.org/officeDocument/2006/relationships" xmlns:p="http://schemas.openxmlformats.org/presentationml/2006/main">
   <p:cSld>
@@ -3110,7 +3274,7 @@
         </p:nvSpPr>
         <p:spPr>
           <a:xfrm>
-            <a:off x="838200" y="1301923"/>
+            <a:off x="857624" y="1313876"/>
             <a:ext cx="10515600" cy="4351338"/>
           </a:xfrm>
         </p:spPr>
@@ -3251,49 +3415,395 @@
             <p:ph type="title"/>
           </p:nvPr>
         </p:nvSpPr>
-        <p:spPr/>
-        <p:txBody>
-          <a:bodyPr/>
-          <a:lstStyle/>
-          <a:p>
+        <p:spPr>
+          <a:xfrm>
+            <a:off x="838200" y="795431"/>
+            <a:ext cx="10515600" cy="656851"/>
+          </a:xfrm>
+        </p:spPr>
+        <p:txBody>
+          <a:bodyPr>
+            <a:normAutofit fontScale="90000"/>
+          </a:bodyPr>
+          <a:lstStyle/>
+          <a:p>
+            <a:r>
+              <a:rPr lang="en-US" altLang="ko-KR" dirty="0"/>
+              <a:t>1. </a:t>
+            </a:r>
+            <a:r>
+              <a:rPr lang="ko-KR" altLang="en-US" dirty="0"/>
+              <a:t>프로젝트 목표</a:t>
+            </a:r>
+            <a:r>
+              <a:rPr lang="en-US" altLang="ko-KR" dirty="0"/>
+              <a:t>, </a:t>
+            </a:r>
+            <a:r>
+              <a:rPr lang="ko-KR" altLang="en-US" dirty="0"/>
+              <a:t>선정 </a:t>
+            </a:r>
             <a:r>
               <a:rPr lang="ko-KR" altLang="en-US" dirty="0" smtClean="0"/>
-              <a:t>메인홈페이지</a:t>
+              <a:t>이유</a:t>
             </a:r>
             <a:endParaRPr lang="ko-KR" altLang="en-US" dirty="0"/>
           </a:p>
         </p:txBody>
       </p:sp>
-      <p:pic>
-        <p:nvPicPr>
-          <p:cNvPr id="7" name="내용 개체 틀 6"/>
-          <p:cNvPicPr>
-            <a:picLocks noGrp="1" noChangeAspect="1"/>
-          </p:cNvPicPr>
-          <p:nvPr>
-            <p:ph idx="1"/>
-          </p:nvPr>
-        </p:nvPicPr>
-        <p:blipFill>
-          <a:blip r:embed="rId2"/>
-          <a:stretch>
-            <a:fillRect/>
-          </a:stretch>
-        </p:blipFill>
-        <p:spPr>
-          <a:xfrm>
-            <a:off x="1151467" y="1473200"/>
-            <a:ext cx="10049933" cy="4703763"/>
+      <p:sp>
+        <p:nvSpPr>
+          <p:cNvPr id="4" name="TextBox 3"/>
+          <p:cNvSpPr txBox="1"/>
+          <p:nvPr/>
+        </p:nvSpPr>
+        <p:spPr>
+          <a:xfrm>
+            <a:off x="838200" y="1840147"/>
+            <a:ext cx="8728095" cy="369332"/>
           </a:xfrm>
           <a:prstGeom prst="rect">
             <a:avLst/>
           </a:prstGeom>
-        </p:spPr>
-      </p:pic>
+          <a:noFill/>
+        </p:spPr>
+        <p:txBody>
+          <a:bodyPr wrap="none" rtlCol="0">
+            <a:spAutoFit/>
+          </a:bodyPr>
+          <a:lstStyle/>
+          <a:p>
+            <a:r>
+              <a:rPr lang="ko-KR" altLang="en-US" dirty="0" smtClean="0"/>
+              <a:t>목표 </a:t>
+            </a:r>
+            <a:r>
+              <a:rPr lang="en-US" altLang="ko-KR" dirty="0" smtClean="0"/>
+              <a:t>1 : React </a:t>
+            </a:r>
+            <a:r>
+              <a:rPr lang="ko-KR" altLang="en-US" dirty="0" smtClean="0"/>
+              <a:t>와 </a:t>
+            </a:r>
+            <a:r>
+              <a:rPr lang="en-US" altLang="ko-KR" dirty="0" err="1" smtClean="0"/>
+              <a:t>SprintBoot</a:t>
+            </a:r>
+            <a:r>
+              <a:rPr lang="ko-KR" altLang="en-US" dirty="0" smtClean="0"/>
+              <a:t>를 사용하여 수강신청 사이트 제작</a:t>
+            </a:r>
+            <a:r>
+              <a:rPr lang="en-US" altLang="ko-KR" dirty="0" smtClean="0"/>
+              <a:t>(</a:t>
+            </a:r>
+            <a:r>
+              <a:rPr lang="ko-KR" altLang="en-US" dirty="0" smtClean="0"/>
+              <a:t>서버는 </a:t>
+            </a:r>
+            <a:r>
+              <a:rPr lang="en-US" altLang="ko-KR" dirty="0" err="1" smtClean="0"/>
+              <a:t>MySql</a:t>
+            </a:r>
+            <a:r>
+              <a:rPr lang="en-US" altLang="ko-KR" dirty="0" smtClean="0"/>
+              <a:t> </a:t>
+            </a:r>
+            <a:r>
+              <a:rPr lang="ko-KR" altLang="en-US" dirty="0" smtClean="0"/>
+              <a:t>사용</a:t>
+            </a:r>
+            <a:r>
+              <a:rPr lang="en-US" altLang="ko-KR" dirty="0" smtClean="0"/>
+              <a:t>)</a:t>
+            </a:r>
+            <a:endParaRPr lang="ko-KR" altLang="en-US" dirty="0"/>
+          </a:p>
+        </p:txBody>
+      </p:sp>
+      <p:sp>
+        <p:nvSpPr>
+          <p:cNvPr id="5" name="TextBox 4"/>
+          <p:cNvSpPr txBox="1"/>
+          <p:nvPr/>
+        </p:nvSpPr>
+        <p:spPr>
+          <a:xfrm>
+            <a:off x="838200" y="3759460"/>
+            <a:ext cx="5253361" cy="369332"/>
+          </a:xfrm>
+          <a:prstGeom prst="rect">
+            <a:avLst/>
+          </a:prstGeom>
+          <a:noFill/>
+        </p:spPr>
+        <p:txBody>
+          <a:bodyPr wrap="none" rtlCol="0">
+            <a:spAutoFit/>
+          </a:bodyPr>
+          <a:lstStyle/>
+          <a:p>
+            <a:r>
+              <a:rPr lang="ko-KR" altLang="en-US" dirty="0" smtClean="0"/>
+              <a:t>목표 </a:t>
+            </a:r>
+            <a:r>
+              <a:rPr lang="en-US" altLang="ko-KR" dirty="0" smtClean="0"/>
+              <a:t>4 : </a:t>
+            </a:r>
+            <a:r>
+              <a:rPr lang="ko-KR" altLang="en-US" dirty="0" smtClean="0"/>
+              <a:t>강의 목록 페이지 제작</a:t>
+            </a:r>
+            <a:r>
+              <a:rPr lang="en-US" altLang="ko-KR" dirty="0" smtClean="0"/>
+              <a:t> </a:t>
+            </a:r>
+            <a:r>
+              <a:rPr lang="ko-KR" altLang="en-US" dirty="0" smtClean="0"/>
+              <a:t>및 검색기능 포함</a:t>
+            </a:r>
+            <a:endParaRPr lang="ko-KR" altLang="en-US" dirty="0"/>
+          </a:p>
+        </p:txBody>
+      </p:sp>
+      <p:sp>
+        <p:nvSpPr>
+          <p:cNvPr id="6" name="TextBox 5"/>
+          <p:cNvSpPr txBox="1"/>
+          <p:nvPr/>
+        </p:nvSpPr>
+        <p:spPr>
+          <a:xfrm>
+            <a:off x="838200" y="3169012"/>
+            <a:ext cx="7124066" cy="369332"/>
+          </a:xfrm>
+          <a:prstGeom prst="rect">
+            <a:avLst/>
+          </a:prstGeom>
+          <a:noFill/>
+        </p:spPr>
+        <p:txBody>
+          <a:bodyPr wrap="none" rtlCol="0">
+            <a:spAutoFit/>
+          </a:bodyPr>
+          <a:lstStyle/>
+          <a:p>
+            <a:r>
+              <a:rPr lang="ko-KR" altLang="en-US" dirty="0" smtClean="0"/>
+              <a:t>목표 </a:t>
+            </a:r>
+            <a:r>
+              <a:rPr lang="en-US" altLang="ko-KR" dirty="0" smtClean="0"/>
+              <a:t>3 : </a:t>
+            </a:r>
+            <a:r>
+              <a:rPr lang="ko-KR" altLang="en-US" dirty="0" smtClean="0"/>
+              <a:t>수강 신청사이트에 로그인 기능 추가 </a:t>
+            </a:r>
+            <a:r>
+              <a:rPr lang="en-US" altLang="ko-KR" dirty="0" smtClean="0"/>
+              <a:t>/ </a:t>
+            </a:r>
+            <a:r>
+              <a:rPr lang="ko-KR" altLang="en-US" dirty="0" smtClean="0"/>
+              <a:t>회원가입 기능 추가</a:t>
+            </a:r>
+            <a:endParaRPr lang="ko-KR" altLang="en-US" dirty="0"/>
+          </a:p>
+        </p:txBody>
+      </p:sp>
+      <p:sp>
+        <p:nvSpPr>
+          <p:cNvPr id="7" name="TextBox 6"/>
+          <p:cNvSpPr txBox="1"/>
+          <p:nvPr/>
+        </p:nvSpPr>
+        <p:spPr>
+          <a:xfrm>
+            <a:off x="838200" y="2366080"/>
+            <a:ext cx="8116324" cy="646331"/>
+          </a:xfrm>
+          <a:prstGeom prst="rect">
+            <a:avLst/>
+          </a:prstGeom>
+          <a:noFill/>
+        </p:spPr>
+        <p:txBody>
+          <a:bodyPr wrap="none" rtlCol="0">
+            <a:spAutoFit/>
+          </a:bodyPr>
+          <a:lstStyle/>
+          <a:p>
+            <a:r>
+              <a:rPr lang="ko-KR" altLang="en-US" dirty="0" smtClean="0"/>
+              <a:t>목표 </a:t>
+            </a:r>
+            <a:r>
+              <a:rPr lang="en-US" altLang="ko-KR" dirty="0" smtClean="0"/>
+              <a:t>2 : </a:t>
+            </a:r>
+            <a:r>
+              <a:rPr lang="ko-KR" altLang="en-US" dirty="0" smtClean="0"/>
+              <a:t>수강 신청 사이트에서 강의 클릭 시 해당 강의의 </a:t>
+            </a:r>
+            <a:r>
+              <a:rPr lang="en-US" altLang="ko-KR" dirty="0" smtClean="0"/>
+              <a:t>ID</a:t>
+            </a:r>
+            <a:r>
+              <a:rPr lang="ko-KR" altLang="en-US" dirty="0" smtClean="0"/>
+              <a:t>에 따른 데이터를</a:t>
+            </a:r>
+            <a:endParaRPr lang="en-US" altLang="ko-KR" dirty="0" smtClean="0"/>
+          </a:p>
+          <a:p>
+            <a:r>
+              <a:rPr lang="en-US" altLang="ko-KR" dirty="0" smtClean="0"/>
+              <a:t>	</a:t>
+            </a:r>
+            <a:r>
+              <a:rPr lang="ko-KR" altLang="en-US" dirty="0" smtClean="0"/>
+              <a:t>서버에 요청한 뒤 강의 상세 페이지로 출력</a:t>
+            </a:r>
+            <a:endParaRPr lang="ko-KR" altLang="en-US" dirty="0"/>
+          </a:p>
+        </p:txBody>
+      </p:sp>
+      <p:sp>
+        <p:nvSpPr>
+          <p:cNvPr id="8" name="TextBox 7"/>
+          <p:cNvSpPr txBox="1"/>
+          <p:nvPr/>
+        </p:nvSpPr>
+        <p:spPr>
+          <a:xfrm>
+            <a:off x="764461" y="5419156"/>
+            <a:ext cx="1306768" cy="369332"/>
+          </a:xfrm>
+          <a:prstGeom prst="rect">
+            <a:avLst/>
+          </a:prstGeom>
+          <a:noFill/>
+        </p:spPr>
+        <p:txBody>
+          <a:bodyPr wrap="none" rtlCol="0">
+            <a:spAutoFit/>
+          </a:bodyPr>
+          <a:lstStyle/>
+          <a:p>
+            <a:r>
+              <a:rPr lang="ko-KR" altLang="en-US" dirty="0" smtClean="0"/>
+              <a:t>이유</a:t>
+            </a:r>
+            <a:r>
+              <a:rPr lang="en-US" altLang="ko-KR" dirty="0" smtClean="0"/>
+              <a:t> : ……..</a:t>
+            </a:r>
+            <a:endParaRPr lang="ko-KR" altLang="en-US" dirty="0"/>
+          </a:p>
+        </p:txBody>
+      </p:sp>
+      <p:sp>
+        <p:nvSpPr>
+          <p:cNvPr id="9" name="TextBox 8"/>
+          <p:cNvSpPr txBox="1"/>
+          <p:nvPr/>
+        </p:nvSpPr>
+        <p:spPr>
+          <a:xfrm>
+            <a:off x="838200" y="4283626"/>
+            <a:ext cx="10139314" cy="369332"/>
+          </a:xfrm>
+          <a:prstGeom prst="rect">
+            <a:avLst/>
+          </a:prstGeom>
+          <a:noFill/>
+        </p:spPr>
+        <p:txBody>
+          <a:bodyPr wrap="none" rtlCol="0">
+            <a:spAutoFit/>
+          </a:bodyPr>
+          <a:lstStyle/>
+          <a:p>
+            <a:r>
+              <a:rPr lang="ko-KR" altLang="en-US" dirty="0" smtClean="0"/>
+              <a:t>목표 </a:t>
+            </a:r>
+            <a:r>
+              <a:rPr lang="en-US" altLang="ko-KR" dirty="0" smtClean="0"/>
+              <a:t>5 : </a:t>
+            </a:r>
+            <a:r>
+              <a:rPr lang="ko-KR" altLang="en-US" dirty="0" smtClean="0"/>
+              <a:t>로그인 상태에서 장바구니 기능 활성화 </a:t>
+            </a:r>
+            <a:r>
+              <a:rPr lang="en-US" altLang="ko-KR" dirty="0" smtClean="0"/>
+              <a:t>/ </a:t>
+            </a:r>
+            <a:r>
+              <a:rPr lang="ko-KR" altLang="en-US" dirty="0" smtClean="0"/>
+              <a:t>강의 상세페이지에서 장바구니 담기 기능 추가</a:t>
+            </a:r>
+            <a:endParaRPr lang="ko-KR" altLang="en-US" dirty="0"/>
+          </a:p>
+        </p:txBody>
+      </p:sp>
+      <p:sp>
+        <p:nvSpPr>
+          <p:cNvPr id="10" name="TextBox 9"/>
+          <p:cNvSpPr txBox="1"/>
+          <p:nvPr/>
+        </p:nvSpPr>
+        <p:spPr>
+          <a:xfrm>
+            <a:off x="838200" y="4825989"/>
+            <a:ext cx="7749237" cy="369332"/>
+          </a:xfrm>
+          <a:prstGeom prst="rect">
+            <a:avLst/>
+          </a:prstGeom>
+          <a:noFill/>
+        </p:spPr>
+        <p:txBody>
+          <a:bodyPr wrap="none" rtlCol="0">
+            <a:spAutoFit/>
+          </a:bodyPr>
+          <a:lstStyle/>
+          <a:p>
+            <a:r>
+              <a:rPr lang="ko-KR" altLang="en-US" dirty="0" smtClean="0"/>
+              <a:t>목표 </a:t>
+            </a:r>
+            <a:r>
+              <a:rPr lang="en-US" altLang="ko-KR" dirty="0"/>
+              <a:t>6</a:t>
+            </a:r>
+            <a:r>
+              <a:rPr lang="en-US" altLang="ko-KR" dirty="0" smtClean="0"/>
+              <a:t> : </a:t>
+            </a:r>
+            <a:r>
+              <a:rPr lang="ko-KR" altLang="en-US" dirty="0" smtClean="0"/>
+              <a:t>장바구니에 담긴 강의 결제 기능 추가 </a:t>
+            </a:r>
+            <a:r>
+              <a:rPr lang="en-US" altLang="ko-KR" dirty="0" smtClean="0"/>
+              <a:t>/ </a:t>
+            </a:r>
+            <a:r>
+              <a:rPr lang="ko-KR" altLang="en-US" dirty="0" smtClean="0"/>
+              <a:t>결제 내역은 서버에 추가</a:t>
+            </a:r>
+            <a:endParaRPr lang="ko-KR" altLang="en-US" dirty="0"/>
+          </a:p>
+        </p:txBody>
+      </p:sp>
     </p:spTree>
     <p:extLst>
       <p:ext uri="{BB962C8B-B14F-4D97-AF65-F5344CB8AC3E}">
-        <p14:creationId xmlns:p14="http://schemas.microsoft.com/office/powerpoint/2010/main" val="3245168902"/>
+        <p14:creationId xmlns:p14="http://schemas.microsoft.com/office/powerpoint/2010/main" val="2472829638"/>
       </p:ext>
     </p:extLst>
   </p:cSld>
@@ -3330,49 +3840,502 @@
             <p:ph type="title"/>
           </p:nvPr>
         </p:nvSpPr>
-        <p:spPr/>
-        <p:txBody>
-          <a:bodyPr/>
-          <a:lstStyle/>
-          <a:p>
+        <p:spPr>
+          <a:xfrm>
+            <a:off x="838200" y="598208"/>
+            <a:ext cx="10515600" cy="848099"/>
+          </a:xfrm>
+        </p:spPr>
+        <p:txBody>
+          <a:bodyPr/>
+          <a:lstStyle/>
+          <a:p>
+            <a:r>
+              <a:rPr lang="en-US" altLang="ko-KR" dirty="0"/>
+              <a:t>2. </a:t>
+            </a:r>
+            <a:r>
+              <a:rPr lang="ko-KR" altLang="en-US" dirty="0"/>
+              <a:t>개발 </a:t>
+            </a:r>
             <a:r>
               <a:rPr lang="ko-KR" altLang="en-US" dirty="0" smtClean="0"/>
-              <a:t>로그인 페이지</a:t>
+              <a:t>환경</a:t>
             </a:r>
             <a:endParaRPr lang="ko-KR" altLang="en-US" dirty="0"/>
+          </a:p>
+        </p:txBody>
+      </p:sp>
+      <p:sp>
+        <p:nvSpPr>
+          <p:cNvPr id="4" name="직사각형 3"/>
+          <p:cNvSpPr/>
+          <p:nvPr/>
+        </p:nvSpPr>
+        <p:spPr>
+          <a:xfrm>
+            <a:off x="582220" y="1751106"/>
+            <a:ext cx="3036047" cy="4930588"/>
+          </a:xfrm>
+          <a:prstGeom prst="rect">
+            <a:avLst/>
+          </a:prstGeom>
+        </p:spPr>
+        <p:style>
+          <a:lnRef idx="2">
+            <a:schemeClr val="accent1">
+              <a:shade val="50000"/>
+            </a:schemeClr>
+          </a:lnRef>
+          <a:fillRef idx="1">
+            <a:schemeClr val="accent1"/>
+          </a:fillRef>
+          <a:effectRef idx="0">
+            <a:schemeClr val="accent1"/>
+          </a:effectRef>
+          <a:fontRef idx="minor">
+            <a:schemeClr val="lt1"/>
+          </a:fontRef>
+        </p:style>
+        <p:txBody>
+          <a:bodyPr rtlCol="0" anchor="ctr"/>
+          <a:lstStyle/>
+          <a:p>
+            <a:pPr algn="ctr"/>
+            <a:endParaRPr lang="ko-KR" altLang="en-US" dirty="0"/>
+          </a:p>
+        </p:txBody>
+      </p:sp>
+      <p:sp>
+        <p:nvSpPr>
+          <p:cNvPr id="7" name="직사각형 6"/>
+          <p:cNvSpPr/>
+          <p:nvPr/>
+        </p:nvSpPr>
+        <p:spPr>
+          <a:xfrm>
+            <a:off x="8453718" y="1751106"/>
+            <a:ext cx="3036047" cy="4930588"/>
+          </a:xfrm>
+          <a:prstGeom prst="rect">
+            <a:avLst/>
+          </a:prstGeom>
+        </p:spPr>
+        <p:style>
+          <a:lnRef idx="2">
+            <a:schemeClr val="accent1">
+              <a:shade val="50000"/>
+            </a:schemeClr>
+          </a:lnRef>
+          <a:fillRef idx="1">
+            <a:schemeClr val="accent1"/>
+          </a:fillRef>
+          <a:effectRef idx="0">
+            <a:schemeClr val="accent1"/>
+          </a:effectRef>
+          <a:fontRef idx="minor">
+            <a:schemeClr val="lt1"/>
+          </a:fontRef>
+        </p:style>
+        <p:txBody>
+          <a:bodyPr rtlCol="0" anchor="ctr"/>
+          <a:lstStyle/>
+          <a:p>
+            <a:pPr algn="ctr"/>
+            <a:endParaRPr lang="ko-KR" altLang="en-US"/>
+          </a:p>
+        </p:txBody>
+      </p:sp>
+      <p:sp>
+        <p:nvSpPr>
+          <p:cNvPr id="8" name="직사각형 7"/>
+          <p:cNvSpPr/>
+          <p:nvPr/>
+        </p:nvSpPr>
+        <p:spPr>
+          <a:xfrm>
+            <a:off x="4392706" y="1751106"/>
+            <a:ext cx="3036047" cy="4930588"/>
+          </a:xfrm>
+          <a:prstGeom prst="rect">
+            <a:avLst/>
+          </a:prstGeom>
+        </p:spPr>
+        <p:style>
+          <a:lnRef idx="2">
+            <a:schemeClr val="accent1">
+              <a:shade val="50000"/>
+            </a:schemeClr>
+          </a:lnRef>
+          <a:fillRef idx="1">
+            <a:schemeClr val="accent1"/>
+          </a:fillRef>
+          <a:effectRef idx="0">
+            <a:schemeClr val="accent1"/>
+          </a:effectRef>
+          <a:fontRef idx="minor">
+            <a:schemeClr val="lt1"/>
+          </a:fontRef>
+        </p:style>
+        <p:txBody>
+          <a:bodyPr rtlCol="0" anchor="ctr"/>
+          <a:lstStyle/>
+          <a:p>
+            <a:pPr algn="ctr"/>
+            <a:endParaRPr lang="ko-KR" altLang="en-US"/>
+          </a:p>
+        </p:txBody>
+      </p:sp>
+      <p:sp>
+        <p:nvSpPr>
+          <p:cNvPr id="9" name="TextBox 8"/>
+          <p:cNvSpPr txBox="1"/>
+          <p:nvPr/>
+        </p:nvSpPr>
+        <p:spPr>
+          <a:xfrm>
+            <a:off x="687294" y="1924424"/>
+            <a:ext cx="958917" cy="369332"/>
+          </a:xfrm>
+          <a:prstGeom prst="rect">
+            <a:avLst/>
+          </a:prstGeom>
+          <a:noFill/>
+        </p:spPr>
+        <p:txBody>
+          <a:bodyPr wrap="none" rtlCol="0">
+            <a:spAutoFit/>
+          </a:bodyPr>
+          <a:lstStyle/>
+          <a:p>
+            <a:r>
+              <a:rPr lang="ko-KR" altLang="en-US" dirty="0" smtClean="0"/>
+              <a:t>사용 툴</a:t>
+            </a:r>
+            <a:endParaRPr lang="en-US" altLang="ko-KR" dirty="0" smtClean="0"/>
+          </a:p>
+        </p:txBody>
+      </p:sp>
+      <p:sp>
+        <p:nvSpPr>
+          <p:cNvPr id="10" name="TextBox 9"/>
+          <p:cNvSpPr txBox="1"/>
+          <p:nvPr/>
+        </p:nvSpPr>
+        <p:spPr>
+          <a:xfrm>
+            <a:off x="4539130" y="1924424"/>
+            <a:ext cx="1189749" cy="369332"/>
+          </a:xfrm>
+          <a:prstGeom prst="rect">
+            <a:avLst/>
+          </a:prstGeom>
+          <a:noFill/>
+        </p:spPr>
+        <p:txBody>
+          <a:bodyPr wrap="none" rtlCol="0">
+            <a:spAutoFit/>
+          </a:bodyPr>
+          <a:lstStyle/>
+          <a:p>
+            <a:r>
+              <a:rPr lang="ko-KR" altLang="en-US" dirty="0" smtClean="0"/>
+              <a:t>사용 언어</a:t>
+            </a:r>
+            <a:endParaRPr lang="en-US" altLang="ko-KR" dirty="0" smtClean="0"/>
+          </a:p>
+        </p:txBody>
+      </p:sp>
+      <p:sp>
+        <p:nvSpPr>
+          <p:cNvPr id="11" name="TextBox 10"/>
+          <p:cNvSpPr txBox="1"/>
+          <p:nvPr/>
+        </p:nvSpPr>
+        <p:spPr>
+          <a:xfrm>
+            <a:off x="8600142" y="1924424"/>
+            <a:ext cx="1882247" cy="369332"/>
+          </a:xfrm>
+          <a:prstGeom prst="rect">
+            <a:avLst/>
+          </a:prstGeom>
+          <a:noFill/>
+        </p:spPr>
+        <p:txBody>
+          <a:bodyPr wrap="none" rtlCol="0">
+            <a:spAutoFit/>
+          </a:bodyPr>
+          <a:lstStyle/>
+          <a:p>
+            <a:r>
+              <a:rPr lang="ko-KR" altLang="en-US" dirty="0" smtClean="0"/>
+              <a:t>사용 라이브러리</a:t>
+            </a:r>
+            <a:endParaRPr lang="en-US" altLang="ko-KR" dirty="0" smtClean="0"/>
           </a:p>
         </p:txBody>
       </p:sp>
       <p:pic>
         <p:nvPicPr>
-          <p:cNvPr id="5" name="내용 개체 틀 4"/>
+          <p:cNvPr id="12" name="그림 11"/>
           <p:cNvPicPr>
-            <a:picLocks noGrp="1" noChangeAspect="1"/>
+            <a:picLocks noChangeAspect="1"/>
           </p:cNvPicPr>
-          <p:nvPr>
-            <p:ph idx="1"/>
-          </p:nvPr>
+          <p:nvPr/>
         </p:nvPicPr>
         <p:blipFill>
-          <a:blip r:embed="rId2"/>
+          <a:blip r:embed="rId2" cstate="print">
+            <a:extLst>
+              <a:ext uri="{28A0092B-C50C-407E-A947-70E740481C1C}">
+                <a14:useLocalDpi xmlns:a14="http://schemas.microsoft.com/office/drawing/2010/main" val="0"/>
+              </a:ext>
+            </a:extLst>
+          </a:blip>
           <a:stretch>
             <a:fillRect/>
           </a:stretch>
         </p:blipFill>
         <p:spPr>
           <a:xfrm>
-            <a:off x="3730181" y="1825625"/>
-            <a:ext cx="4731637" cy="4351338"/>
+            <a:off x="687294" y="2354730"/>
+            <a:ext cx="2122167" cy="1193129"/>
           </a:xfrm>
           <a:prstGeom prst="rect">
             <a:avLst/>
           </a:prstGeom>
+        </p:spPr>
+      </p:pic>
+      <p:pic>
+        <p:nvPicPr>
+          <p:cNvPr id="13" name="그림 12"/>
+          <p:cNvPicPr>
+            <a:picLocks noChangeAspect="1"/>
+          </p:cNvPicPr>
+          <p:nvPr/>
+        </p:nvPicPr>
+        <p:blipFill>
+          <a:blip r:embed="rId3" cstate="print">
+            <a:extLst>
+              <a:ext uri="{28A0092B-C50C-407E-A947-70E740481C1C}">
+                <a14:useLocalDpi xmlns:a14="http://schemas.microsoft.com/office/drawing/2010/main" val="0"/>
+              </a:ext>
+            </a:extLst>
+          </a:blip>
+          <a:stretch>
+            <a:fillRect/>
+          </a:stretch>
+        </p:blipFill>
+        <p:spPr>
+          <a:xfrm>
+            <a:off x="702783" y="3673384"/>
+            <a:ext cx="2848863" cy="666589"/>
+          </a:xfrm>
+          <a:prstGeom prst="rect">
+            <a:avLst/>
+          </a:prstGeom>
+          <a:solidFill>
+            <a:schemeClr val="bg1"/>
+          </a:solidFill>
+        </p:spPr>
+      </p:pic>
+      <p:pic>
+        <p:nvPicPr>
+          <p:cNvPr id="14" name="그림 13"/>
+          <p:cNvPicPr>
+            <a:picLocks noChangeAspect="1"/>
+          </p:cNvPicPr>
+          <p:nvPr/>
+        </p:nvPicPr>
+        <p:blipFill>
+          <a:blip r:embed="rId4" cstate="print">
+            <a:extLst>
+              <a:ext uri="{28A0092B-C50C-407E-A947-70E740481C1C}">
+                <a14:useLocalDpi xmlns:a14="http://schemas.microsoft.com/office/drawing/2010/main" val="0"/>
+              </a:ext>
+            </a:extLst>
+          </a:blip>
+          <a:stretch>
+            <a:fillRect/>
+          </a:stretch>
+        </p:blipFill>
+        <p:spPr>
+          <a:xfrm>
+            <a:off x="4640730" y="2354730"/>
+            <a:ext cx="2617044" cy="1635653"/>
+          </a:xfrm>
+          <a:prstGeom prst="rect">
+            <a:avLst/>
+          </a:prstGeom>
+          <a:solidFill>
+            <a:schemeClr val="bg1"/>
+          </a:solidFill>
+        </p:spPr>
+      </p:pic>
+      <p:pic>
+        <p:nvPicPr>
+          <p:cNvPr id="15" name="그림 14"/>
+          <p:cNvPicPr>
+            <a:picLocks noChangeAspect="1"/>
+          </p:cNvPicPr>
+          <p:nvPr/>
+        </p:nvPicPr>
+        <p:blipFill>
+          <a:blip r:embed="rId5" cstate="print">
+            <a:extLst>
+              <a:ext uri="{28A0092B-C50C-407E-A947-70E740481C1C}">
+                <a14:useLocalDpi xmlns:a14="http://schemas.microsoft.com/office/drawing/2010/main" val="0"/>
+              </a:ext>
+            </a:extLst>
+          </a:blip>
+          <a:stretch>
+            <a:fillRect/>
+          </a:stretch>
+        </p:blipFill>
+        <p:spPr>
+          <a:xfrm>
+            <a:off x="4478757" y="4121426"/>
+            <a:ext cx="2863944" cy="1612123"/>
+          </a:xfrm>
+          <a:prstGeom prst="rect">
+            <a:avLst/>
+          </a:prstGeom>
+          <a:noFill/>
+        </p:spPr>
+      </p:pic>
+      <p:pic>
+        <p:nvPicPr>
+          <p:cNvPr id="16" name="그림 15"/>
+          <p:cNvPicPr>
+            <a:picLocks noChangeAspect="1"/>
+          </p:cNvPicPr>
+          <p:nvPr/>
+        </p:nvPicPr>
+        <p:blipFill>
+          <a:blip r:embed="rId6" cstate="print">
+            <a:extLst>
+              <a:ext uri="{28A0092B-C50C-407E-A947-70E740481C1C}">
+                <a14:useLocalDpi xmlns:a14="http://schemas.microsoft.com/office/drawing/2010/main" val="0"/>
+              </a:ext>
+            </a:extLst>
+          </a:blip>
+          <a:stretch>
+            <a:fillRect/>
+          </a:stretch>
+        </p:blipFill>
+        <p:spPr>
+          <a:xfrm>
+            <a:off x="675812" y="4465498"/>
+            <a:ext cx="2133649" cy="994039"/>
+          </a:xfrm>
+          <a:prstGeom prst="rect">
+            <a:avLst/>
+          </a:prstGeom>
+        </p:spPr>
+      </p:pic>
+      <p:pic>
+        <p:nvPicPr>
+          <p:cNvPr id="17" name="그림 16"/>
+          <p:cNvPicPr>
+            <a:picLocks noChangeAspect="1"/>
+          </p:cNvPicPr>
+          <p:nvPr/>
+        </p:nvPicPr>
+        <p:blipFill>
+          <a:blip r:embed="rId7" cstate="print">
+            <a:extLst>
+              <a:ext uri="{28A0092B-C50C-407E-A947-70E740481C1C}">
+                <a14:useLocalDpi xmlns:a14="http://schemas.microsoft.com/office/drawing/2010/main" val="0"/>
+              </a:ext>
+            </a:extLst>
+          </a:blip>
+          <a:stretch>
+            <a:fillRect/>
+          </a:stretch>
+        </p:blipFill>
+        <p:spPr>
+          <a:xfrm>
+            <a:off x="8629957" y="3749627"/>
+            <a:ext cx="2723841" cy="951479"/>
+          </a:xfrm>
+          <a:prstGeom prst="rect">
+            <a:avLst/>
+          </a:prstGeom>
+          <a:solidFill>
+            <a:schemeClr val="bg1"/>
+          </a:solidFill>
+        </p:spPr>
+      </p:pic>
+      <p:pic>
+        <p:nvPicPr>
+          <p:cNvPr id="18" name="그림 17"/>
+          <p:cNvPicPr>
+            <a:picLocks noChangeAspect="1"/>
+          </p:cNvPicPr>
+          <p:nvPr/>
+        </p:nvPicPr>
+        <p:blipFill>
+          <a:blip r:embed="rId8" cstate="print">
+            <a:extLst>
+              <a:ext uri="{28A0092B-C50C-407E-A947-70E740481C1C}">
+                <a14:useLocalDpi xmlns:a14="http://schemas.microsoft.com/office/drawing/2010/main" val="0"/>
+              </a:ext>
+            </a:extLst>
+          </a:blip>
+          <a:stretch>
+            <a:fillRect/>
+          </a:stretch>
+        </p:blipFill>
+        <p:spPr>
+          <a:xfrm>
+            <a:off x="8629958" y="2363381"/>
+            <a:ext cx="2723841" cy="1167360"/>
+          </a:xfrm>
+          <a:prstGeom prst="rect">
+            <a:avLst/>
+          </a:prstGeom>
+          <a:solidFill>
+            <a:schemeClr val="bg1"/>
+          </a:solidFill>
+        </p:spPr>
+      </p:pic>
+      <p:pic>
+        <p:nvPicPr>
+          <p:cNvPr id="19" name="그림 18"/>
+          <p:cNvPicPr>
+            <a:picLocks noChangeAspect="1"/>
+          </p:cNvPicPr>
+          <p:nvPr/>
+        </p:nvPicPr>
+        <p:blipFill>
+          <a:blip r:embed="rId9" cstate="print">
+            <a:extLst>
+              <a:ext uri="{28A0092B-C50C-407E-A947-70E740481C1C}">
+                <a14:useLocalDpi xmlns:a14="http://schemas.microsoft.com/office/drawing/2010/main" val="0"/>
+              </a:ext>
+            </a:extLst>
+          </a:blip>
+          <a:stretch>
+            <a:fillRect/>
+          </a:stretch>
+        </p:blipFill>
+        <p:spPr>
+          <a:xfrm>
+            <a:off x="687293" y="5586191"/>
+            <a:ext cx="1788181" cy="925523"/>
+          </a:xfrm>
+          <a:prstGeom prst="rect">
+            <a:avLst/>
+          </a:prstGeom>
+          <a:solidFill>
+            <a:schemeClr val="bg1"/>
+          </a:solidFill>
         </p:spPr>
       </p:pic>
     </p:spTree>
     <p:extLst>
       <p:ext uri="{BB962C8B-B14F-4D97-AF65-F5344CB8AC3E}">
-        <p14:creationId xmlns:p14="http://schemas.microsoft.com/office/powerpoint/2010/main" val="4030228246"/>
+        <p14:creationId xmlns:p14="http://schemas.microsoft.com/office/powerpoint/2010/main" val="2347563992"/>
       </p:ext>
     </p:extLst>
   </p:cSld>
@@ -3416,7 +4379,7 @@
           <a:p>
             <a:r>
               <a:rPr lang="ko-KR" altLang="en-US" dirty="0" smtClean="0"/>
-              <a:t>회원가입 페이지</a:t>
+              <a:t>메인홈페이지</a:t>
             </a:r>
             <a:endParaRPr lang="ko-KR" altLang="en-US" dirty="0"/>
           </a:p>
@@ -3424,7 +4387,7 @@
       </p:sp>
       <p:pic>
         <p:nvPicPr>
-          <p:cNvPr id="4" name="내용 개체 틀 3"/>
+          <p:cNvPr id="7" name="내용 개체 틀 6"/>
           <p:cNvPicPr>
             <a:picLocks noGrp="1" noChangeAspect="1"/>
           </p:cNvPicPr>
@@ -3440,8 +4403,8 @@
         </p:blipFill>
         <p:spPr>
           <a:xfrm>
-            <a:off x="4595636" y="1825625"/>
-            <a:ext cx="3000727" cy="4351338"/>
+            <a:off x="1151467" y="1473200"/>
+            <a:ext cx="10049933" cy="4703763"/>
           </a:xfrm>
           <a:prstGeom prst="rect">
             <a:avLst/>
@@ -3451,7 +4414,7 @@
     </p:spTree>
     <p:extLst>
       <p:ext uri="{BB962C8B-B14F-4D97-AF65-F5344CB8AC3E}">
-        <p14:creationId xmlns:p14="http://schemas.microsoft.com/office/powerpoint/2010/main" val="4227334908"/>
+        <p14:creationId xmlns:p14="http://schemas.microsoft.com/office/powerpoint/2010/main" val="3245168902"/>
       </p:ext>
     </p:extLst>
   </p:cSld>
@@ -3495,7 +4458,7 @@
           <a:p>
             <a:r>
               <a:rPr lang="ko-KR" altLang="en-US" dirty="0" smtClean="0"/>
-              <a:t>강의 목록 페이지</a:t>
+              <a:t>로그인 페이지</a:t>
             </a:r>
             <a:endParaRPr lang="ko-KR" altLang="en-US" dirty="0"/>
           </a:p>
@@ -3503,7 +4466,7 @@
       </p:sp>
       <p:pic>
         <p:nvPicPr>
-          <p:cNvPr id="4" name="내용 개체 틀 3"/>
+          <p:cNvPr id="5" name="내용 개체 틀 4"/>
           <p:cNvPicPr>
             <a:picLocks noGrp="1" noChangeAspect="1"/>
           </p:cNvPicPr>
@@ -3519,8 +4482,8 @@
         </p:blipFill>
         <p:spPr>
           <a:xfrm>
-            <a:off x="1700592" y="1825625"/>
-            <a:ext cx="8790816" cy="4351338"/>
+            <a:off x="3730181" y="1825625"/>
+            <a:ext cx="4731637" cy="4351338"/>
           </a:xfrm>
           <a:prstGeom prst="rect">
             <a:avLst/>
@@ -3530,7 +4493,7 @@
     </p:spTree>
     <p:extLst>
       <p:ext uri="{BB962C8B-B14F-4D97-AF65-F5344CB8AC3E}">
-        <p14:creationId xmlns:p14="http://schemas.microsoft.com/office/powerpoint/2010/main" val="213791086"/>
+        <p14:creationId xmlns:p14="http://schemas.microsoft.com/office/powerpoint/2010/main" val="4030228246"/>
       </p:ext>
     </p:extLst>
   </p:cSld>
@@ -3574,7 +4537,7 @@
           <a:p>
             <a:r>
               <a:rPr lang="ko-KR" altLang="en-US" dirty="0" smtClean="0"/>
-              <a:t>강의 상세 페이지</a:t>
+              <a:t>회원가입 페이지</a:t>
             </a:r>
             <a:endParaRPr lang="ko-KR" altLang="en-US" dirty="0"/>
           </a:p>
@@ -3598,8 +4561,8 @@
         </p:blipFill>
         <p:spPr>
           <a:xfrm>
-            <a:off x="3557341" y="1825625"/>
-            <a:ext cx="5077317" cy="4351338"/>
+            <a:off x="4595636" y="1825625"/>
+            <a:ext cx="3000727" cy="4351338"/>
           </a:xfrm>
           <a:prstGeom prst="rect">
             <a:avLst/>
@@ -3609,7 +4572,7 @@
     </p:spTree>
     <p:extLst>
       <p:ext uri="{BB962C8B-B14F-4D97-AF65-F5344CB8AC3E}">
-        <p14:creationId xmlns:p14="http://schemas.microsoft.com/office/powerpoint/2010/main" val="528649219"/>
+        <p14:creationId xmlns:p14="http://schemas.microsoft.com/office/powerpoint/2010/main" val="4227334908"/>
       </p:ext>
     </p:extLst>
   </p:cSld>
@@ -3652,12 +4615,8 @@
           <a:lstStyle/>
           <a:p>
             <a:r>
-              <a:rPr lang="ko-KR" altLang="en-US" dirty="0" err="1" smtClean="0"/>
-              <a:t>수강바구니</a:t>
-            </a:r>
-            <a:r>
               <a:rPr lang="ko-KR" altLang="en-US" dirty="0" smtClean="0"/>
-              <a:t> 페이지</a:t>
+              <a:t>강의 목록 페이지</a:t>
             </a:r>
             <a:endParaRPr lang="ko-KR" altLang="en-US" dirty="0"/>
           </a:p>
@@ -3681,8 +4640,8 @@
         </p:blipFill>
         <p:spPr>
           <a:xfrm>
-            <a:off x="1679786" y="1825625"/>
-            <a:ext cx="8832428" cy="4351338"/>
+            <a:off x="1700592" y="1825625"/>
+            <a:ext cx="8790816" cy="4351338"/>
           </a:xfrm>
           <a:prstGeom prst="rect">
             <a:avLst/>
@@ -3692,7 +4651,7 @@
     </p:spTree>
     <p:extLst>
       <p:ext uri="{BB962C8B-B14F-4D97-AF65-F5344CB8AC3E}">
-        <p14:creationId xmlns:p14="http://schemas.microsoft.com/office/powerpoint/2010/main" val="3906069852"/>
+        <p14:creationId xmlns:p14="http://schemas.microsoft.com/office/powerpoint/2010/main" val="213791086"/>
       </p:ext>
     </p:extLst>
   </p:cSld>
@@ -3735,8 +4694,8 @@
           <a:lstStyle/>
           <a:p>
             <a:r>
-              <a:rPr lang="ko-KR" altLang="en-US" dirty="0" err="1" smtClean="0"/>
-              <a:t>마이페이지</a:t>
+              <a:rPr lang="ko-KR" altLang="en-US" dirty="0" smtClean="0"/>
+              <a:t>강의 상세 페이지</a:t>
             </a:r>
             <a:endParaRPr lang="ko-KR" altLang="en-US" dirty="0"/>
           </a:p>
@@ -3760,8 +4719,8 @@
         </p:blipFill>
         <p:spPr>
           <a:xfrm>
-            <a:off x="1698420" y="1825625"/>
-            <a:ext cx="8795159" cy="4351338"/>
+            <a:off x="3557341" y="1825625"/>
+            <a:ext cx="5077317" cy="4351338"/>
           </a:xfrm>
           <a:prstGeom prst="rect">
             <a:avLst/>
@@ -3771,7 +4730,7 @@
     </p:spTree>
     <p:extLst>
       <p:ext uri="{BB962C8B-B14F-4D97-AF65-F5344CB8AC3E}">
-        <p14:creationId xmlns:p14="http://schemas.microsoft.com/office/powerpoint/2010/main" val="3902283714"/>
+        <p14:creationId xmlns:p14="http://schemas.microsoft.com/office/powerpoint/2010/main" val="528649219"/>
       </p:ext>
     </p:extLst>
   </p:cSld>

--- a/1조 project 포트폴리오(이력서용).pptx
+++ b/1조 project 포트폴리오(이력서용).pptx
@@ -16,6 +16,7 @@
     <p:sldId id="261" r:id="rId10"/>
     <p:sldId id="262" r:id="rId11"/>
     <p:sldId id="263" r:id="rId12"/>
+    <p:sldId id="267" r:id="rId13"/>
   </p:sldIdLst>
   <p:sldSz cx="12192000" cy="6858000"/>
   <p:notesSz cx="6858000" cy="9144000"/>
@@ -253,7 +254,7 @@
           <a:p>
             <a:fld id="{85695E44-A86B-40ED-B5B4-EEE8D66F9E70}" type="datetimeFigureOut">
               <a:rPr lang="ko-KR" altLang="en-US" smtClean="0"/>
-              <a:t>2023-02-26</a:t>
+              <a:t>2023-02-27</a:t>
             </a:fld>
             <a:endParaRPr lang="ko-KR" altLang="en-US"/>
           </a:p>
@@ -423,7 +424,7 @@
           <a:p>
             <a:fld id="{85695E44-A86B-40ED-B5B4-EEE8D66F9E70}" type="datetimeFigureOut">
               <a:rPr lang="ko-KR" altLang="en-US" smtClean="0"/>
-              <a:t>2023-02-26</a:t>
+              <a:t>2023-02-27</a:t>
             </a:fld>
             <a:endParaRPr lang="ko-KR" altLang="en-US"/>
           </a:p>
@@ -603,7 +604,7 @@
           <a:p>
             <a:fld id="{85695E44-A86B-40ED-B5B4-EEE8D66F9E70}" type="datetimeFigureOut">
               <a:rPr lang="ko-KR" altLang="en-US" smtClean="0"/>
-              <a:t>2023-02-26</a:t>
+              <a:t>2023-02-27</a:t>
             </a:fld>
             <a:endParaRPr lang="ko-KR" altLang="en-US"/>
           </a:p>
@@ -773,7 +774,7 @@
           <a:p>
             <a:fld id="{85695E44-A86B-40ED-B5B4-EEE8D66F9E70}" type="datetimeFigureOut">
               <a:rPr lang="ko-KR" altLang="en-US" smtClean="0"/>
-              <a:t>2023-02-26</a:t>
+              <a:t>2023-02-27</a:t>
             </a:fld>
             <a:endParaRPr lang="ko-KR" altLang="en-US"/>
           </a:p>
@@ -1019,7 +1020,7 @@
           <a:p>
             <a:fld id="{85695E44-A86B-40ED-B5B4-EEE8D66F9E70}" type="datetimeFigureOut">
               <a:rPr lang="ko-KR" altLang="en-US" smtClean="0"/>
-              <a:t>2023-02-26</a:t>
+              <a:t>2023-02-27</a:t>
             </a:fld>
             <a:endParaRPr lang="ko-KR" altLang="en-US"/>
           </a:p>
@@ -1251,7 +1252,7 @@
           <a:p>
             <a:fld id="{85695E44-A86B-40ED-B5B4-EEE8D66F9E70}" type="datetimeFigureOut">
               <a:rPr lang="ko-KR" altLang="en-US" smtClean="0"/>
-              <a:t>2023-02-26</a:t>
+              <a:t>2023-02-27</a:t>
             </a:fld>
             <a:endParaRPr lang="ko-KR" altLang="en-US"/>
           </a:p>
@@ -1618,7 +1619,7 @@
           <a:p>
             <a:fld id="{85695E44-A86B-40ED-B5B4-EEE8D66F9E70}" type="datetimeFigureOut">
               <a:rPr lang="ko-KR" altLang="en-US" smtClean="0"/>
-              <a:t>2023-02-26</a:t>
+              <a:t>2023-02-27</a:t>
             </a:fld>
             <a:endParaRPr lang="ko-KR" altLang="en-US"/>
           </a:p>
@@ -1736,7 +1737,7 @@
           <a:p>
             <a:fld id="{85695E44-A86B-40ED-B5B4-EEE8D66F9E70}" type="datetimeFigureOut">
               <a:rPr lang="ko-KR" altLang="en-US" smtClean="0"/>
-              <a:t>2023-02-26</a:t>
+              <a:t>2023-02-27</a:t>
             </a:fld>
             <a:endParaRPr lang="ko-KR" altLang="en-US"/>
           </a:p>
@@ -1831,7 +1832,7 @@
           <a:p>
             <a:fld id="{85695E44-A86B-40ED-B5B4-EEE8D66F9E70}" type="datetimeFigureOut">
               <a:rPr lang="ko-KR" altLang="en-US" smtClean="0"/>
-              <a:t>2023-02-26</a:t>
+              <a:t>2023-02-27</a:t>
             </a:fld>
             <a:endParaRPr lang="ko-KR" altLang="en-US"/>
           </a:p>
@@ -2108,7 +2109,7 @@
           <a:p>
             <a:fld id="{85695E44-A86B-40ED-B5B4-EEE8D66F9E70}" type="datetimeFigureOut">
               <a:rPr lang="ko-KR" altLang="en-US" smtClean="0"/>
-              <a:t>2023-02-26</a:t>
+              <a:t>2023-02-27</a:t>
             </a:fld>
             <a:endParaRPr lang="ko-KR" altLang="en-US"/>
           </a:p>
@@ -2361,7 +2362,7 @@
           <a:p>
             <a:fld id="{85695E44-A86B-40ED-B5B4-EEE8D66F9E70}" type="datetimeFigureOut">
               <a:rPr lang="ko-KR" altLang="en-US" smtClean="0"/>
-              <a:t>2023-02-26</a:t>
+              <a:t>2023-02-27</a:t>
             </a:fld>
             <a:endParaRPr lang="ko-KR" altLang="en-US"/>
           </a:p>
@@ -2574,7 +2575,7 @@
           <a:p>
             <a:fld id="{85695E44-A86B-40ED-B5B4-EEE8D66F9E70}" type="datetimeFigureOut">
               <a:rPr lang="ko-KR" altLang="en-US" smtClean="0"/>
-              <a:t>2023-02-26</a:t>
+              <a:t>2023-02-27</a:t>
             </a:fld>
             <a:endParaRPr lang="ko-KR" altLang="en-US"/>
           </a:p>
@@ -3217,6 +3218,103 @@
 </p:sld>
 </file>
 
+<file path=ppt/slides/slide12.xml><?xml version="1.0" encoding="utf-8"?>
+<p:sld xmlns:a="http://schemas.openxmlformats.org/drawingml/2006/main" xmlns:r="http://schemas.openxmlformats.org/officeDocument/2006/relationships" xmlns:p="http://schemas.openxmlformats.org/presentationml/2006/main">
+  <p:cSld>
+    <p:spTree>
+      <p:nvGrpSpPr>
+        <p:cNvPr id="1" name=""/>
+        <p:cNvGrpSpPr/>
+        <p:nvPr/>
+      </p:nvGrpSpPr>
+      <p:grpSpPr>
+        <a:xfrm>
+          <a:off x="0" y="0"/>
+          <a:ext cx="0" cy="0"/>
+          <a:chOff x="0" y="0"/>
+          <a:chExt cx="0" cy="0"/>
+        </a:xfrm>
+      </p:grpSpPr>
+      <p:sp>
+        <p:nvSpPr>
+          <p:cNvPr id="2" name="제목 1"/>
+          <p:cNvSpPr>
+            <a:spLocks noGrp="1"/>
+          </p:cNvSpPr>
+          <p:nvPr>
+            <p:ph type="title"/>
+          </p:nvPr>
+        </p:nvSpPr>
+        <p:spPr/>
+        <p:txBody>
+          <a:bodyPr/>
+          <a:lstStyle/>
+          <a:p>
+            <a:r>
+              <a:rPr lang="ko-KR" altLang="en-US" dirty="0" smtClean="0"/>
+              <a:t>느낀 점</a:t>
+            </a:r>
+            <a:endParaRPr lang="ko-KR" altLang="en-US" dirty="0"/>
+          </a:p>
+        </p:txBody>
+      </p:sp>
+      <p:sp>
+        <p:nvSpPr>
+          <p:cNvPr id="3" name="TextBox 2"/>
+          <p:cNvSpPr txBox="1"/>
+          <p:nvPr/>
+        </p:nvSpPr>
+        <p:spPr>
+          <a:xfrm>
+            <a:off x="278333" y="1506022"/>
+            <a:ext cx="11493043" cy="646331"/>
+          </a:xfrm>
+          <a:prstGeom prst="rect">
+            <a:avLst/>
+          </a:prstGeom>
+          <a:noFill/>
+        </p:spPr>
+        <p:txBody>
+          <a:bodyPr wrap="square" rtlCol="0">
+            <a:spAutoFit/>
+          </a:bodyPr>
+          <a:lstStyle/>
+          <a:p>
+            <a:r>
+              <a:rPr lang="ko-KR" altLang="en-US" dirty="0" smtClean="0"/>
+              <a:t>처음 시작할 적에는 기능을 구현해야 할 것이 적다고 판단되어 웹 페이지의 디자인을 빠르게 끝내면 </a:t>
+            </a:r>
+            <a:r>
+              <a:rPr lang="en-US" altLang="ko-KR" dirty="0" smtClean="0"/>
+              <a:t>Back-End</a:t>
+            </a:r>
+          </a:p>
+          <a:p>
+            <a:r>
+              <a:rPr lang="ko-KR" altLang="en-US" dirty="0" smtClean="0"/>
+              <a:t>작업도 금방 끝낼 수 있을 것이라 생각했습니다</a:t>
+            </a:r>
+            <a:r>
+              <a:rPr lang="en-US" altLang="ko-KR" smtClean="0"/>
+              <a:t>.</a:t>
+            </a:r>
+            <a:endParaRPr lang="ko-KR" altLang="en-US" dirty="0"/>
+          </a:p>
+        </p:txBody>
+      </p:sp>
+    </p:spTree>
+    <p:extLst>
+      <p:ext uri="{BB962C8B-B14F-4D97-AF65-F5344CB8AC3E}">
+        <p14:creationId xmlns:p14="http://schemas.microsoft.com/office/powerpoint/2010/main" val="2121788198"/>
+      </p:ext>
+    </p:extLst>
+  </p:cSld>
+  <p:clrMapOvr>
+    <a:masterClrMapping/>
+  </p:clrMapOvr>
+</p:sld>
+</file>
+
 <file path=ppt/slides/slide2.xml><?xml version="1.0" encoding="utf-8"?>
 <p:sld xmlns:a="http://schemas.openxmlformats.org/drawingml/2006/main" xmlns:r="http://schemas.openxmlformats.org/officeDocument/2006/relationships" xmlns:p="http://schemas.openxmlformats.org/presentationml/2006/main">
   <p:cSld>

--- a/1조 project 포트폴리오(이력서용).pptx
+++ b/1조 project 포트폴리오(이력서용).pptx
@@ -254,7 +254,7 @@
           <a:p>
             <a:fld id="{85695E44-A86B-40ED-B5B4-EEE8D66F9E70}" type="datetimeFigureOut">
               <a:rPr lang="ko-KR" altLang="en-US" smtClean="0"/>
-              <a:t>2023-02-27</a:t>
+              <a:t>2023-02-28</a:t>
             </a:fld>
             <a:endParaRPr lang="ko-KR" altLang="en-US"/>
           </a:p>
@@ -424,7 +424,7 @@
           <a:p>
             <a:fld id="{85695E44-A86B-40ED-B5B4-EEE8D66F9E70}" type="datetimeFigureOut">
               <a:rPr lang="ko-KR" altLang="en-US" smtClean="0"/>
-              <a:t>2023-02-27</a:t>
+              <a:t>2023-02-28</a:t>
             </a:fld>
             <a:endParaRPr lang="ko-KR" altLang="en-US"/>
           </a:p>
@@ -604,7 +604,7 @@
           <a:p>
             <a:fld id="{85695E44-A86B-40ED-B5B4-EEE8D66F9E70}" type="datetimeFigureOut">
               <a:rPr lang="ko-KR" altLang="en-US" smtClean="0"/>
-              <a:t>2023-02-27</a:t>
+              <a:t>2023-02-28</a:t>
             </a:fld>
             <a:endParaRPr lang="ko-KR" altLang="en-US"/>
           </a:p>
@@ -774,7 +774,7 @@
           <a:p>
             <a:fld id="{85695E44-A86B-40ED-B5B4-EEE8D66F9E70}" type="datetimeFigureOut">
               <a:rPr lang="ko-KR" altLang="en-US" smtClean="0"/>
-              <a:t>2023-02-27</a:t>
+              <a:t>2023-02-28</a:t>
             </a:fld>
             <a:endParaRPr lang="ko-KR" altLang="en-US"/>
           </a:p>
@@ -1020,7 +1020,7 @@
           <a:p>
             <a:fld id="{85695E44-A86B-40ED-B5B4-EEE8D66F9E70}" type="datetimeFigureOut">
               <a:rPr lang="ko-KR" altLang="en-US" smtClean="0"/>
-              <a:t>2023-02-27</a:t>
+              <a:t>2023-02-28</a:t>
             </a:fld>
             <a:endParaRPr lang="ko-KR" altLang="en-US"/>
           </a:p>
@@ -1252,7 +1252,7 @@
           <a:p>
             <a:fld id="{85695E44-A86B-40ED-B5B4-EEE8D66F9E70}" type="datetimeFigureOut">
               <a:rPr lang="ko-KR" altLang="en-US" smtClean="0"/>
-              <a:t>2023-02-27</a:t>
+              <a:t>2023-02-28</a:t>
             </a:fld>
             <a:endParaRPr lang="ko-KR" altLang="en-US"/>
           </a:p>
@@ -1619,7 +1619,7 @@
           <a:p>
             <a:fld id="{85695E44-A86B-40ED-B5B4-EEE8D66F9E70}" type="datetimeFigureOut">
               <a:rPr lang="ko-KR" altLang="en-US" smtClean="0"/>
-              <a:t>2023-02-27</a:t>
+              <a:t>2023-02-28</a:t>
             </a:fld>
             <a:endParaRPr lang="ko-KR" altLang="en-US"/>
           </a:p>
@@ -1737,7 +1737,7 @@
           <a:p>
             <a:fld id="{85695E44-A86B-40ED-B5B4-EEE8D66F9E70}" type="datetimeFigureOut">
               <a:rPr lang="ko-KR" altLang="en-US" smtClean="0"/>
-              <a:t>2023-02-27</a:t>
+              <a:t>2023-02-28</a:t>
             </a:fld>
             <a:endParaRPr lang="ko-KR" altLang="en-US"/>
           </a:p>
@@ -1832,7 +1832,7 @@
           <a:p>
             <a:fld id="{85695E44-A86B-40ED-B5B4-EEE8D66F9E70}" type="datetimeFigureOut">
               <a:rPr lang="ko-KR" altLang="en-US" smtClean="0"/>
-              <a:t>2023-02-27</a:t>
+              <a:t>2023-02-28</a:t>
             </a:fld>
             <a:endParaRPr lang="ko-KR" altLang="en-US"/>
           </a:p>
@@ -2109,7 +2109,7 @@
           <a:p>
             <a:fld id="{85695E44-A86B-40ED-B5B4-EEE8D66F9E70}" type="datetimeFigureOut">
               <a:rPr lang="ko-KR" altLang="en-US" smtClean="0"/>
-              <a:t>2023-02-27</a:t>
+              <a:t>2023-02-28</a:t>
             </a:fld>
             <a:endParaRPr lang="ko-KR" altLang="en-US"/>
           </a:p>
@@ -2362,7 +2362,7 @@
           <a:p>
             <a:fld id="{85695E44-A86B-40ED-B5B4-EEE8D66F9E70}" type="datetimeFigureOut">
               <a:rPr lang="ko-KR" altLang="en-US" smtClean="0"/>
-              <a:t>2023-02-27</a:t>
+              <a:t>2023-02-28</a:t>
             </a:fld>
             <a:endParaRPr lang="ko-KR" altLang="en-US"/>
           </a:p>
@@ -2575,7 +2575,7 @@
           <a:p>
             <a:fld id="{85695E44-A86B-40ED-B5B4-EEE8D66F9E70}" type="datetimeFigureOut">
               <a:rPr lang="ko-KR" altLang="en-US" smtClean="0"/>
-              <a:t>2023-02-27</a:t>
+              <a:t>2023-02-28</a:t>
             </a:fld>
             <a:endParaRPr lang="ko-KR" altLang="en-US"/>
           </a:p>
@@ -3118,8 +3118,8 @@
         </p:blipFill>
         <p:spPr>
           <a:xfrm>
-            <a:off x="1679786" y="1825625"/>
-            <a:ext cx="8832428" cy="4351338"/>
+            <a:off x="838200" y="1690688"/>
+            <a:ext cx="5436082" cy="2678112"/>
           </a:xfrm>
           <a:prstGeom prst="rect">
             <a:avLst/>
@@ -4470,7 +4470,12 @@
             <p:ph type="title"/>
           </p:nvPr>
         </p:nvSpPr>
-        <p:spPr/>
+        <p:spPr>
+          <a:xfrm>
+            <a:off x="838200" y="99753"/>
+            <a:ext cx="10515600" cy="1000732"/>
+          </a:xfrm>
+        </p:spPr>
         <p:txBody>
           <a:bodyPr/>
           <a:lstStyle/>
@@ -4501,8 +4506,8 @@
         </p:blipFill>
         <p:spPr>
           <a:xfrm>
-            <a:off x="1151467" y="1473200"/>
-            <a:ext cx="10049933" cy="4703763"/>
+            <a:off x="838201" y="1215506"/>
+            <a:ext cx="5732774" cy="2683163"/>
           </a:xfrm>
           <a:prstGeom prst="rect">
             <a:avLst/>
@@ -4580,8 +4585,8 @@
         </p:blipFill>
         <p:spPr>
           <a:xfrm>
-            <a:off x="3730181" y="1825625"/>
-            <a:ext cx="4731637" cy="4351338"/>
+            <a:off x="838201" y="1690688"/>
+            <a:ext cx="3458546" cy="3180570"/>
           </a:xfrm>
           <a:prstGeom prst="rect">
             <a:avLst/>
@@ -4659,12 +4664,16 @@
         </p:blipFill>
         <p:spPr>
           <a:xfrm>
-            <a:off x="4595636" y="1825625"/>
+            <a:off x="838200" y="1690688"/>
             <a:ext cx="3000727" cy="4351338"/>
           </a:xfrm>
           <a:prstGeom prst="rect">
             <a:avLst/>
           </a:prstGeom>
+          <a:noFill/>
+          <a:effectLst>
+            <a:softEdge rad="63500"/>
+          </a:effectLst>
         </p:spPr>
       </p:pic>
     </p:spTree>
@@ -4738,8 +4747,8 @@
         </p:blipFill>
         <p:spPr>
           <a:xfrm>
-            <a:off x="1700592" y="1825625"/>
-            <a:ext cx="8790816" cy="4351338"/>
+            <a:off x="838200" y="1690688"/>
+            <a:ext cx="6007586" cy="2973676"/>
           </a:xfrm>
           <a:prstGeom prst="rect">
             <a:avLst/>
@@ -4817,7 +4826,7 @@
         </p:blipFill>
         <p:spPr>
           <a:xfrm>
-            <a:off x="3557341" y="1825625"/>
+            <a:off x="838200" y="1690688"/>
             <a:ext cx="5077317" cy="4351338"/>
           </a:xfrm>
           <a:prstGeom prst="rect">

--- a/1조 project 포트폴리오(이력서용).pptx
+++ b/1조 project 포트폴리오(이력서용).pptx
@@ -9,14 +9,16 @@
     <p:sldId id="264" r:id="rId3"/>
     <p:sldId id="265" r:id="rId4"/>
     <p:sldId id="266" r:id="rId5"/>
-    <p:sldId id="257" r:id="rId6"/>
-    <p:sldId id="258" r:id="rId7"/>
-    <p:sldId id="259" r:id="rId8"/>
-    <p:sldId id="260" r:id="rId9"/>
-    <p:sldId id="261" r:id="rId10"/>
-    <p:sldId id="262" r:id="rId11"/>
-    <p:sldId id="263" r:id="rId12"/>
-    <p:sldId id="267" r:id="rId13"/>
+    <p:sldId id="269" r:id="rId6"/>
+    <p:sldId id="257" r:id="rId7"/>
+    <p:sldId id="258" r:id="rId8"/>
+    <p:sldId id="259" r:id="rId9"/>
+    <p:sldId id="260" r:id="rId10"/>
+    <p:sldId id="261" r:id="rId11"/>
+    <p:sldId id="268" r:id="rId12"/>
+    <p:sldId id="262" r:id="rId13"/>
+    <p:sldId id="263" r:id="rId14"/>
+    <p:sldId id="267" r:id="rId15"/>
   </p:sldIdLst>
   <p:sldSz cx="12192000" cy="6858000"/>
   <p:notesSz cx="6858000" cy="9144000"/>
@@ -254,7 +256,7 @@
           <a:p>
             <a:fld id="{85695E44-A86B-40ED-B5B4-EEE8D66F9E70}" type="datetimeFigureOut">
               <a:rPr lang="ko-KR" altLang="en-US" smtClean="0"/>
-              <a:t>2023-02-28</a:t>
+              <a:t>2023-03-02</a:t>
             </a:fld>
             <a:endParaRPr lang="ko-KR" altLang="en-US"/>
           </a:p>
@@ -424,7 +426,7 @@
           <a:p>
             <a:fld id="{85695E44-A86B-40ED-B5B4-EEE8D66F9E70}" type="datetimeFigureOut">
               <a:rPr lang="ko-KR" altLang="en-US" smtClean="0"/>
-              <a:t>2023-02-28</a:t>
+              <a:t>2023-03-02</a:t>
             </a:fld>
             <a:endParaRPr lang="ko-KR" altLang="en-US"/>
           </a:p>
@@ -604,7 +606,7 @@
           <a:p>
             <a:fld id="{85695E44-A86B-40ED-B5B4-EEE8D66F9E70}" type="datetimeFigureOut">
               <a:rPr lang="ko-KR" altLang="en-US" smtClean="0"/>
-              <a:t>2023-02-28</a:t>
+              <a:t>2023-03-02</a:t>
             </a:fld>
             <a:endParaRPr lang="ko-KR" altLang="en-US"/>
           </a:p>
@@ -774,7 +776,7 @@
           <a:p>
             <a:fld id="{85695E44-A86B-40ED-B5B4-EEE8D66F9E70}" type="datetimeFigureOut">
               <a:rPr lang="ko-KR" altLang="en-US" smtClean="0"/>
-              <a:t>2023-02-28</a:t>
+              <a:t>2023-03-02</a:t>
             </a:fld>
             <a:endParaRPr lang="ko-KR" altLang="en-US"/>
           </a:p>
@@ -1020,7 +1022,7 @@
           <a:p>
             <a:fld id="{85695E44-A86B-40ED-B5B4-EEE8D66F9E70}" type="datetimeFigureOut">
               <a:rPr lang="ko-KR" altLang="en-US" smtClean="0"/>
-              <a:t>2023-02-28</a:t>
+              <a:t>2023-03-02</a:t>
             </a:fld>
             <a:endParaRPr lang="ko-KR" altLang="en-US"/>
           </a:p>
@@ -1252,7 +1254,7 @@
           <a:p>
             <a:fld id="{85695E44-A86B-40ED-B5B4-EEE8D66F9E70}" type="datetimeFigureOut">
               <a:rPr lang="ko-KR" altLang="en-US" smtClean="0"/>
-              <a:t>2023-02-28</a:t>
+              <a:t>2023-03-02</a:t>
             </a:fld>
             <a:endParaRPr lang="ko-KR" altLang="en-US"/>
           </a:p>
@@ -1619,7 +1621,7 @@
           <a:p>
             <a:fld id="{85695E44-A86B-40ED-B5B4-EEE8D66F9E70}" type="datetimeFigureOut">
               <a:rPr lang="ko-KR" altLang="en-US" smtClean="0"/>
-              <a:t>2023-02-28</a:t>
+              <a:t>2023-03-02</a:t>
             </a:fld>
             <a:endParaRPr lang="ko-KR" altLang="en-US"/>
           </a:p>
@@ -1737,7 +1739,7 @@
           <a:p>
             <a:fld id="{85695E44-A86B-40ED-B5B4-EEE8D66F9E70}" type="datetimeFigureOut">
               <a:rPr lang="ko-KR" altLang="en-US" smtClean="0"/>
-              <a:t>2023-02-28</a:t>
+              <a:t>2023-03-02</a:t>
             </a:fld>
             <a:endParaRPr lang="ko-KR" altLang="en-US"/>
           </a:p>
@@ -1832,7 +1834,7 @@
           <a:p>
             <a:fld id="{85695E44-A86B-40ED-B5B4-EEE8D66F9E70}" type="datetimeFigureOut">
               <a:rPr lang="ko-KR" altLang="en-US" smtClean="0"/>
-              <a:t>2023-02-28</a:t>
+              <a:t>2023-03-02</a:t>
             </a:fld>
             <a:endParaRPr lang="ko-KR" altLang="en-US"/>
           </a:p>
@@ -2109,7 +2111,7 @@
           <a:p>
             <a:fld id="{85695E44-A86B-40ED-B5B4-EEE8D66F9E70}" type="datetimeFigureOut">
               <a:rPr lang="ko-KR" altLang="en-US" smtClean="0"/>
-              <a:t>2023-02-28</a:t>
+              <a:t>2023-03-02</a:t>
             </a:fld>
             <a:endParaRPr lang="ko-KR" altLang="en-US"/>
           </a:p>
@@ -2362,7 +2364,7 @@
           <a:p>
             <a:fld id="{85695E44-A86B-40ED-B5B4-EEE8D66F9E70}" type="datetimeFigureOut">
               <a:rPr lang="ko-KR" altLang="en-US" smtClean="0"/>
-              <a:t>2023-02-28</a:t>
+              <a:t>2023-03-02</a:t>
             </a:fld>
             <a:endParaRPr lang="ko-KR" altLang="en-US"/>
           </a:p>
@@ -2575,7 +2577,7 @@
           <a:p>
             <a:fld id="{85695E44-A86B-40ED-B5B4-EEE8D66F9E70}" type="datetimeFigureOut">
               <a:rPr lang="ko-KR" altLang="en-US" smtClean="0"/>
-              <a:t>2023-02-28</a:t>
+              <a:t>2023-03-02</a:t>
             </a:fld>
             <a:endParaRPr lang="ko-KR" altLang="en-US"/>
           </a:p>
@@ -3089,12 +3091,16 @@
           <a:lstStyle/>
           <a:p>
             <a:r>
-              <a:rPr lang="ko-KR" altLang="en-US" dirty="0" err="1" smtClean="0"/>
-              <a:t>수강바구니</a:t>
-            </a:r>
-            <a:r>
-              <a:rPr lang="ko-KR" altLang="en-US" dirty="0" smtClean="0"/>
-              <a:t> 페이지</a:t>
+              <a:rPr lang="ko-KR" altLang="en-US" dirty="0" smtClean="0"/>
+              <a:t>강의 상세 </a:t>
+            </a:r>
+            <a:r>
+              <a:rPr lang="ko-KR" altLang="en-US" dirty="0" smtClean="0"/>
+              <a:t>페이지 </a:t>
+            </a:r>
+            <a:r>
+              <a:rPr lang="en-US" altLang="ko-KR" dirty="0" smtClean="0"/>
+              <a:t>- 1</a:t>
             </a:r>
             <a:endParaRPr lang="ko-KR" altLang="en-US" dirty="0"/>
           </a:p>
@@ -3119,7 +3125,7 @@
         <p:spPr>
           <a:xfrm>
             <a:off x="838200" y="1690688"/>
-            <a:ext cx="5436082" cy="2678112"/>
+            <a:ext cx="5077317" cy="4351338"/>
           </a:xfrm>
           <a:prstGeom prst="rect">
             <a:avLst/>
@@ -3129,7 +3135,7 @@
     </p:spTree>
     <p:extLst>
       <p:ext uri="{BB962C8B-B14F-4D97-AF65-F5344CB8AC3E}">
-        <p14:creationId xmlns:p14="http://schemas.microsoft.com/office/powerpoint/2010/main" val="3906069852"/>
+        <p14:creationId xmlns:p14="http://schemas.microsoft.com/office/powerpoint/2010/main" val="528649219"/>
       </p:ext>
     </p:extLst>
   </p:cSld>
@@ -3172,8 +3178,16 @@
           <a:lstStyle/>
           <a:p>
             <a:r>
-              <a:rPr lang="ko-KR" altLang="en-US" dirty="0" err="1" smtClean="0"/>
-              <a:t>마이페이지</a:t>
+              <a:rPr lang="ko-KR" altLang="en-US" dirty="0" smtClean="0"/>
+              <a:t>강의 상세 </a:t>
+            </a:r>
+            <a:r>
+              <a:rPr lang="ko-KR" altLang="en-US" dirty="0" smtClean="0"/>
+              <a:t>페이지 </a:t>
+            </a:r>
+            <a:r>
+              <a:rPr lang="en-US" altLang="ko-KR" dirty="0" smtClean="0"/>
+              <a:t>- 2</a:t>
             </a:r>
             <a:endParaRPr lang="ko-KR" altLang="en-US" dirty="0"/>
           </a:p>
@@ -3197,8 +3211,8 @@
         </p:blipFill>
         <p:spPr>
           <a:xfrm>
-            <a:off x="1698420" y="1825625"/>
-            <a:ext cx="8795159" cy="4351338"/>
+            <a:off x="838200" y="1690688"/>
+            <a:ext cx="5077317" cy="4351338"/>
           </a:xfrm>
           <a:prstGeom prst="rect">
             <a:avLst/>
@@ -3208,7 +3222,7 @@
     </p:spTree>
     <p:extLst>
       <p:ext uri="{BB962C8B-B14F-4D97-AF65-F5344CB8AC3E}">
-        <p14:creationId xmlns:p14="http://schemas.microsoft.com/office/powerpoint/2010/main" val="3902283714"/>
+        <p14:creationId xmlns:p14="http://schemas.microsoft.com/office/powerpoint/2010/main" val="1101745379"/>
       </p:ext>
     </p:extLst>
   </p:cSld>
@@ -3251,8 +3265,184 @@
           <a:lstStyle/>
           <a:p>
             <a:r>
-              <a:rPr lang="ko-KR" altLang="en-US" dirty="0" smtClean="0"/>
-              <a:t>느낀 점</a:t>
+              <a:rPr lang="ko-KR" altLang="en-US" dirty="0" err="1" smtClean="0"/>
+              <a:t>수강바구니</a:t>
+            </a:r>
+            <a:r>
+              <a:rPr lang="ko-KR" altLang="en-US" dirty="0" smtClean="0"/>
+              <a:t> 페이지</a:t>
+            </a:r>
+            <a:endParaRPr lang="ko-KR" altLang="en-US" dirty="0"/>
+          </a:p>
+        </p:txBody>
+      </p:sp>
+      <p:pic>
+        <p:nvPicPr>
+          <p:cNvPr id="4" name="내용 개체 틀 3"/>
+          <p:cNvPicPr>
+            <a:picLocks noGrp="1" noChangeAspect="1"/>
+          </p:cNvPicPr>
+          <p:nvPr>
+            <p:ph idx="1"/>
+          </p:nvPr>
+        </p:nvPicPr>
+        <p:blipFill>
+          <a:blip r:embed="rId2"/>
+          <a:stretch>
+            <a:fillRect/>
+          </a:stretch>
+        </p:blipFill>
+        <p:spPr>
+          <a:xfrm>
+            <a:off x="838200" y="1690688"/>
+            <a:ext cx="5436082" cy="2678112"/>
+          </a:xfrm>
+          <a:prstGeom prst="rect">
+            <a:avLst/>
+          </a:prstGeom>
+          <a:effectLst/>
+        </p:spPr>
+      </p:pic>
+    </p:spTree>
+    <p:extLst>
+      <p:ext uri="{BB962C8B-B14F-4D97-AF65-F5344CB8AC3E}">
+        <p14:creationId xmlns:p14="http://schemas.microsoft.com/office/powerpoint/2010/main" val="3906069852"/>
+      </p:ext>
+    </p:extLst>
+  </p:cSld>
+  <p:clrMapOvr>
+    <a:masterClrMapping/>
+  </p:clrMapOvr>
+</p:sld>
+</file>
+
+<file path=ppt/slides/slide13.xml><?xml version="1.0" encoding="utf-8"?>
+<p:sld xmlns:a="http://schemas.openxmlformats.org/drawingml/2006/main" xmlns:r="http://schemas.openxmlformats.org/officeDocument/2006/relationships" xmlns:p="http://schemas.openxmlformats.org/presentationml/2006/main">
+  <p:cSld>
+    <p:spTree>
+      <p:nvGrpSpPr>
+        <p:cNvPr id="1" name=""/>
+        <p:cNvGrpSpPr/>
+        <p:nvPr/>
+      </p:nvGrpSpPr>
+      <p:grpSpPr>
+        <a:xfrm>
+          <a:off x="0" y="0"/>
+          <a:ext cx="0" cy="0"/>
+          <a:chOff x="0" y="0"/>
+          <a:chExt cx="0" cy="0"/>
+        </a:xfrm>
+      </p:grpSpPr>
+      <p:sp>
+        <p:nvSpPr>
+          <p:cNvPr id="2" name="제목 1"/>
+          <p:cNvSpPr>
+            <a:spLocks noGrp="1"/>
+          </p:cNvSpPr>
+          <p:nvPr>
+            <p:ph type="title"/>
+          </p:nvPr>
+        </p:nvSpPr>
+        <p:spPr/>
+        <p:txBody>
+          <a:bodyPr/>
+          <a:lstStyle/>
+          <a:p>
+            <a:r>
+              <a:rPr lang="ko-KR" altLang="en-US" dirty="0" err="1" smtClean="0"/>
+              <a:t>마이페이지</a:t>
+            </a:r>
+            <a:endParaRPr lang="ko-KR" altLang="en-US" dirty="0"/>
+          </a:p>
+        </p:txBody>
+      </p:sp>
+      <p:pic>
+        <p:nvPicPr>
+          <p:cNvPr id="4" name="내용 개체 틀 3"/>
+          <p:cNvPicPr>
+            <a:picLocks noGrp="1" noChangeAspect="1"/>
+          </p:cNvPicPr>
+          <p:nvPr>
+            <p:ph idx="1"/>
+          </p:nvPr>
+        </p:nvPicPr>
+        <p:blipFill>
+          <a:blip r:embed="rId2"/>
+          <a:stretch>
+            <a:fillRect/>
+          </a:stretch>
+        </p:blipFill>
+        <p:spPr>
+          <a:xfrm>
+            <a:off x="1698420" y="1825625"/>
+            <a:ext cx="8795159" cy="4351338"/>
+          </a:xfrm>
+          <a:prstGeom prst="rect">
+            <a:avLst/>
+          </a:prstGeom>
+        </p:spPr>
+      </p:pic>
+    </p:spTree>
+    <p:extLst>
+      <p:ext uri="{BB962C8B-B14F-4D97-AF65-F5344CB8AC3E}">
+        <p14:creationId xmlns:p14="http://schemas.microsoft.com/office/powerpoint/2010/main" val="3902283714"/>
+      </p:ext>
+    </p:extLst>
+  </p:cSld>
+  <p:clrMapOvr>
+    <a:masterClrMapping/>
+  </p:clrMapOvr>
+</p:sld>
+</file>
+
+<file path=ppt/slides/slide14.xml><?xml version="1.0" encoding="utf-8"?>
+<p:sld xmlns:a="http://schemas.openxmlformats.org/drawingml/2006/main" xmlns:r="http://schemas.openxmlformats.org/officeDocument/2006/relationships" xmlns:p="http://schemas.openxmlformats.org/presentationml/2006/main">
+  <p:cSld>
+    <p:spTree>
+      <p:nvGrpSpPr>
+        <p:cNvPr id="1" name=""/>
+        <p:cNvGrpSpPr/>
+        <p:nvPr/>
+      </p:nvGrpSpPr>
+      <p:grpSpPr>
+        <a:xfrm>
+          <a:off x="0" y="0"/>
+          <a:ext cx="0" cy="0"/>
+          <a:chOff x="0" y="0"/>
+          <a:chExt cx="0" cy="0"/>
+        </a:xfrm>
+      </p:grpSpPr>
+      <p:sp>
+        <p:nvSpPr>
+          <p:cNvPr id="2" name="제목 1"/>
+          <p:cNvSpPr>
+            <a:spLocks noGrp="1"/>
+          </p:cNvSpPr>
+          <p:nvPr>
+            <p:ph type="title"/>
+          </p:nvPr>
+        </p:nvSpPr>
+        <p:spPr>
+          <a:xfrm>
+            <a:off x="236770" y="381752"/>
+            <a:ext cx="10515600" cy="1039726"/>
+          </a:xfrm>
+        </p:spPr>
+        <p:txBody>
+          <a:bodyPr/>
+          <a:lstStyle/>
+          <a:p>
+            <a:r>
+              <a:rPr lang="ko-KR" altLang="en-US" dirty="0" smtClean="0"/>
+              <a:t>느낀 </a:t>
+            </a:r>
+            <a:r>
+              <a:rPr lang="ko-KR" altLang="en-US" dirty="0" smtClean="0"/>
+              <a:t>점</a:t>
+            </a:r>
+            <a:r>
+              <a:rPr lang="en-US" altLang="ko-KR" dirty="0" smtClean="0"/>
+              <a:t>, </a:t>
             </a:r>
             <a:endParaRPr lang="ko-KR" altLang="en-US" dirty="0"/>
           </a:p>
@@ -3266,7 +3456,7 @@
         </p:nvSpPr>
         <p:spPr>
           <a:xfrm>
-            <a:off x="278333" y="1506022"/>
+            <a:off x="236770" y="1555899"/>
             <a:ext cx="11493043" cy="646331"/>
           </a:xfrm>
           <a:prstGeom prst="rect">
@@ -3295,7 +3485,7 @@
               <a:t>작업도 금방 끝낼 수 있을 것이라 생각했습니다</a:t>
             </a:r>
             <a:r>
-              <a:rPr lang="en-US" altLang="ko-KR" smtClean="0"/>
+              <a:rPr lang="en-US" altLang="ko-KR" dirty="0" smtClean="0"/>
               <a:t>.</a:t>
             </a:r>
             <a:endParaRPr lang="ko-KR" altLang="en-US" dirty="0"/>
@@ -3558,7 +3748,7 @@
         <p:spPr>
           <a:xfrm>
             <a:off x="838200" y="1840147"/>
-            <a:ext cx="8728095" cy="369332"/>
+            <a:ext cx="8949309" cy="369332"/>
           </a:xfrm>
           <a:prstGeom prst="rect">
             <a:avLst/>
@@ -3585,7 +3775,7 @@
             </a:r>
             <a:r>
               <a:rPr lang="en-US" altLang="ko-KR" dirty="0" err="1" smtClean="0"/>
-              <a:t>SprintBoot</a:t>
+              <a:t>SpringBoot</a:t>
             </a:r>
             <a:r>
               <a:rPr lang="ko-KR" altLang="en-US" dirty="0" smtClean="0"/>
@@ -3776,7 +3966,7 @@
         </p:nvSpPr>
         <p:spPr>
           <a:xfrm>
-            <a:off x="764461" y="5419156"/>
+            <a:off x="838200" y="5427825"/>
             <a:ext cx="1306768" cy="369332"/>
           </a:xfrm>
           <a:prstGeom prst="rect">
@@ -3940,7 +4130,7 @@
         </p:nvSpPr>
         <p:spPr>
           <a:xfrm>
-            <a:off x="838200" y="598208"/>
+            <a:off x="358754" y="277376"/>
             <a:ext cx="10515600" cy="848099"/>
           </a:xfrm>
         </p:spPr>
@@ -3966,18 +4156,19 @@
       </p:sp>
       <p:sp>
         <p:nvSpPr>
-          <p:cNvPr id="4" name="직사각형 3"/>
+          <p:cNvPr id="6" name="모서리가 둥근 직사각형 5"/>
           <p:cNvSpPr/>
           <p:nvPr/>
         </p:nvSpPr>
         <p:spPr>
           <a:xfrm>
-            <a:off x="582220" y="1751106"/>
-            <a:ext cx="3036047" cy="4930588"/>
-          </a:xfrm>
-          <a:prstGeom prst="rect">
+            <a:off x="141316" y="1125475"/>
+            <a:ext cx="11945389" cy="5616147"/>
+          </a:xfrm>
+          <a:prstGeom prst="roundRect">
             <a:avLst/>
           </a:prstGeom>
+          <a:noFill/>
         </p:spPr>
         <p:style>
           <a:lnRef idx="2">
@@ -4006,94 +4197,14 @@
       </p:sp>
       <p:sp>
         <p:nvSpPr>
-          <p:cNvPr id="7" name="직사각형 6"/>
-          <p:cNvSpPr/>
-          <p:nvPr/>
-        </p:nvSpPr>
-        <p:spPr>
-          <a:xfrm>
-            <a:off x="8453718" y="1751106"/>
-            <a:ext cx="3036047" cy="4930588"/>
-          </a:xfrm>
-          <a:prstGeom prst="rect">
-            <a:avLst/>
-          </a:prstGeom>
-        </p:spPr>
-        <p:style>
-          <a:lnRef idx="2">
-            <a:schemeClr val="accent1">
-              <a:shade val="50000"/>
-            </a:schemeClr>
-          </a:lnRef>
-          <a:fillRef idx="1">
-            <a:schemeClr val="accent1"/>
-          </a:fillRef>
-          <a:effectRef idx="0">
-            <a:schemeClr val="accent1"/>
-          </a:effectRef>
-          <a:fontRef idx="minor">
-            <a:schemeClr val="lt1"/>
-          </a:fontRef>
-        </p:style>
-        <p:txBody>
-          <a:bodyPr rtlCol="0" anchor="ctr"/>
-          <a:lstStyle/>
-          <a:p>
-            <a:pPr algn="ctr"/>
-            <a:endParaRPr lang="ko-KR" altLang="en-US"/>
-          </a:p>
-        </p:txBody>
-      </p:sp>
-      <p:sp>
-        <p:nvSpPr>
-          <p:cNvPr id="8" name="직사각형 7"/>
-          <p:cNvSpPr/>
-          <p:nvPr/>
-        </p:nvSpPr>
-        <p:spPr>
-          <a:xfrm>
-            <a:off x="4392706" y="1751106"/>
-            <a:ext cx="3036047" cy="4930588"/>
-          </a:xfrm>
-          <a:prstGeom prst="rect">
-            <a:avLst/>
-          </a:prstGeom>
-        </p:spPr>
-        <p:style>
-          <a:lnRef idx="2">
-            <a:schemeClr val="accent1">
-              <a:shade val="50000"/>
-            </a:schemeClr>
-          </a:lnRef>
-          <a:fillRef idx="1">
-            <a:schemeClr val="accent1"/>
-          </a:fillRef>
-          <a:effectRef idx="0">
-            <a:schemeClr val="accent1"/>
-          </a:effectRef>
-          <a:fontRef idx="minor">
-            <a:schemeClr val="lt1"/>
-          </a:fontRef>
-        </p:style>
-        <p:txBody>
-          <a:bodyPr rtlCol="0" anchor="ctr"/>
-          <a:lstStyle/>
-          <a:p>
-            <a:pPr algn="ctr"/>
-            <a:endParaRPr lang="ko-KR" altLang="en-US"/>
-          </a:p>
-        </p:txBody>
-      </p:sp>
-      <p:sp>
-        <p:nvSpPr>
-          <p:cNvPr id="9" name="TextBox 8"/>
+          <p:cNvPr id="32" name="TextBox 31"/>
           <p:cNvSpPr txBox="1"/>
           <p:nvPr/>
         </p:nvSpPr>
         <p:spPr>
           <a:xfrm>
-            <a:off x="687294" y="1924424"/>
-            <a:ext cx="958917" cy="369332"/>
+            <a:off x="656704" y="1479212"/>
+            <a:ext cx="4214615" cy="369332"/>
           </a:xfrm>
           <a:prstGeom prst="rect">
             <a:avLst/>
@@ -4108,22 +4219,34 @@
           <a:p>
             <a:r>
               <a:rPr lang="ko-KR" altLang="en-US" dirty="0" smtClean="0"/>
-              <a:t>사용 툴</a:t>
-            </a:r>
-            <a:endParaRPr lang="en-US" altLang="ko-KR" dirty="0" smtClean="0"/>
-          </a:p>
-        </p:txBody>
-      </p:sp>
-      <p:sp>
-        <p:nvSpPr>
-          <p:cNvPr id="10" name="TextBox 9"/>
+              <a:t>개발 기간 </a:t>
+            </a:r>
+            <a:r>
+              <a:rPr lang="en-US" altLang="ko-KR" dirty="0" smtClean="0"/>
+              <a:t>: 2022.12. ~ 2022.02 (3</a:t>
+            </a:r>
+            <a:r>
+              <a:rPr lang="ko-KR" altLang="en-US" dirty="0" smtClean="0"/>
+              <a:t>개월</a:t>
+            </a:r>
+            <a:r>
+              <a:rPr lang="en-US" altLang="ko-KR" dirty="0" smtClean="0"/>
+              <a:t>)</a:t>
+            </a:r>
+            <a:endParaRPr lang="ko-KR" altLang="en-US" dirty="0"/>
+          </a:p>
+        </p:txBody>
+      </p:sp>
+      <p:sp>
+        <p:nvSpPr>
+          <p:cNvPr id="33" name="TextBox 32"/>
           <p:cNvSpPr txBox="1"/>
           <p:nvPr/>
         </p:nvSpPr>
         <p:spPr>
           <a:xfrm>
-            <a:off x="4539130" y="1924424"/>
-            <a:ext cx="1189749" cy="369332"/>
+            <a:off x="656703" y="1920989"/>
+            <a:ext cx="2047355" cy="369332"/>
           </a:xfrm>
           <a:prstGeom prst="rect">
             <a:avLst/>
@@ -4138,22 +4261,26 @@
           <a:p>
             <a:r>
               <a:rPr lang="ko-KR" altLang="en-US" dirty="0" smtClean="0"/>
-              <a:t>사용 언어</a:t>
-            </a:r>
-            <a:endParaRPr lang="en-US" altLang="ko-KR" dirty="0" smtClean="0"/>
-          </a:p>
-        </p:txBody>
-      </p:sp>
-      <p:sp>
-        <p:nvSpPr>
-          <p:cNvPr id="11" name="TextBox 10"/>
+              <a:t>플랫폼 </a:t>
+            </a:r>
+            <a:r>
+              <a:rPr lang="en-US" altLang="ko-KR" dirty="0" smtClean="0"/>
+              <a:t>: Windows</a:t>
+            </a:r>
+            <a:endParaRPr lang="ko-KR" altLang="en-US" dirty="0"/>
+          </a:p>
+        </p:txBody>
+      </p:sp>
+      <p:sp>
+        <p:nvSpPr>
+          <p:cNvPr id="34" name="TextBox 33"/>
           <p:cNvSpPr txBox="1"/>
           <p:nvPr/>
         </p:nvSpPr>
         <p:spPr>
           <a:xfrm>
-            <a:off x="8600142" y="1924424"/>
-            <a:ext cx="1882247" cy="369332"/>
+            <a:off x="656703" y="2361756"/>
+            <a:ext cx="3155031" cy="369332"/>
           </a:xfrm>
           <a:prstGeom prst="rect">
             <a:avLst/>
@@ -4168,22 +4295,42 @@
           <a:p>
             <a:r>
               <a:rPr lang="ko-KR" altLang="en-US" dirty="0" smtClean="0"/>
-              <a:t>사용 라이브러리</a:t>
-            </a:r>
-            <a:endParaRPr lang="en-US" altLang="ko-KR" dirty="0" smtClean="0"/>
+              <a:t>개발 인원 </a:t>
+            </a:r>
+            <a:r>
+              <a:rPr lang="en-US" altLang="ko-KR" dirty="0" smtClean="0"/>
+              <a:t>: 5</a:t>
+            </a:r>
+            <a:r>
+              <a:rPr lang="ko-KR" altLang="en-US" dirty="0" smtClean="0"/>
+              <a:t>명</a:t>
+            </a:r>
+            <a:r>
+              <a:rPr lang="en-US" altLang="ko-KR" dirty="0" smtClean="0"/>
+              <a:t>(</a:t>
+            </a:r>
+            <a:r>
+              <a:rPr lang="ko-KR" altLang="en-US" dirty="0" smtClean="0"/>
+              <a:t>팀 프로젝트</a:t>
+            </a:r>
+            <a:r>
+              <a:rPr lang="en-US" altLang="ko-KR" dirty="0" smtClean="0"/>
+              <a:t>)</a:t>
+            </a:r>
+            <a:endParaRPr lang="ko-KR" altLang="en-US" dirty="0"/>
           </a:p>
         </p:txBody>
       </p:sp>
       <p:pic>
         <p:nvPicPr>
-          <p:cNvPr id="12" name="그림 11"/>
+          <p:cNvPr id="35" name="그림 34"/>
           <p:cNvPicPr>
             <a:picLocks noChangeAspect="1"/>
           </p:cNvPicPr>
           <p:nvPr/>
         </p:nvPicPr>
         <p:blipFill>
-          <a:blip r:embed="rId2" cstate="print">
+          <a:blip r:embed="rId2">
             <a:extLst>
               <a:ext uri="{28A0092B-C50C-407E-A947-70E740481C1C}">
                 <a14:useLocalDpi xmlns:a14="http://schemas.microsoft.com/office/drawing/2010/main" val="0"/>
@@ -4196,240 +4343,409 @@
         </p:blipFill>
         <p:spPr>
           <a:xfrm>
-            <a:off x="687294" y="2354730"/>
-            <a:ext cx="2122167" cy="1193129"/>
-          </a:xfrm>
-          <a:prstGeom prst="rect">
-            <a:avLst/>
-          </a:prstGeom>
-        </p:spPr>
-      </p:pic>
-      <p:pic>
-        <p:nvPicPr>
-          <p:cNvPr id="13" name="그림 12"/>
-          <p:cNvPicPr>
-            <a:picLocks noChangeAspect="1"/>
-          </p:cNvPicPr>
-          <p:nvPr/>
-        </p:nvPicPr>
-        <p:blipFill>
-          <a:blip r:embed="rId3" cstate="print">
-            <a:extLst>
-              <a:ext uri="{28A0092B-C50C-407E-A947-70E740481C1C}">
-                <a14:useLocalDpi xmlns:a14="http://schemas.microsoft.com/office/drawing/2010/main" val="0"/>
-              </a:ext>
-            </a:extLst>
-          </a:blip>
-          <a:stretch>
-            <a:fillRect/>
-          </a:stretch>
-        </p:blipFill>
-        <p:spPr>
-          <a:xfrm>
-            <a:off x="702783" y="3673384"/>
-            <a:ext cx="2848863" cy="666589"/>
+            <a:off x="4871319" y="1452736"/>
+            <a:ext cx="1371539" cy="714951"/>
           </a:xfrm>
           <a:prstGeom prst="rect">
             <a:avLst/>
           </a:prstGeom>
           <a:solidFill>
-            <a:schemeClr val="bg1"/>
+            <a:schemeClr val="bg2"/>
           </a:solidFill>
         </p:spPr>
       </p:pic>
-      <p:pic>
-        <p:nvPicPr>
-          <p:cNvPr id="14" name="그림 13"/>
-          <p:cNvPicPr>
-            <a:picLocks noChangeAspect="1"/>
-          </p:cNvPicPr>
+      <p:sp>
+        <p:nvSpPr>
+          <p:cNvPr id="36" name="TextBox 35"/>
+          <p:cNvSpPr txBox="1"/>
           <p:nvPr/>
-        </p:nvPicPr>
-        <p:blipFill>
-          <a:blip r:embed="rId4" cstate="print">
-            <a:extLst>
-              <a:ext uri="{28A0092B-C50C-407E-A947-70E740481C1C}">
-                <a14:useLocalDpi xmlns:a14="http://schemas.microsoft.com/office/drawing/2010/main" val="0"/>
-              </a:ext>
-            </a:extLst>
-          </a:blip>
-          <a:stretch>
-            <a:fillRect/>
-          </a:stretch>
-        </p:blipFill>
-        <p:spPr>
-          <a:xfrm>
-            <a:off x="4640730" y="2354730"/>
-            <a:ext cx="2617044" cy="1635653"/>
-          </a:xfrm>
-          <a:prstGeom prst="rect">
-            <a:avLst/>
-          </a:prstGeom>
-          <a:solidFill>
-            <a:schemeClr val="bg1"/>
-          </a:solidFill>
-        </p:spPr>
-      </p:pic>
-      <p:pic>
-        <p:nvPicPr>
-          <p:cNvPr id="15" name="그림 14"/>
-          <p:cNvPicPr>
-            <a:picLocks noChangeAspect="1"/>
-          </p:cNvPicPr>
-          <p:nvPr/>
-        </p:nvPicPr>
-        <p:blipFill>
-          <a:blip r:embed="rId5" cstate="print">
-            <a:extLst>
-              <a:ext uri="{28A0092B-C50C-407E-A947-70E740481C1C}">
-                <a14:useLocalDpi xmlns:a14="http://schemas.microsoft.com/office/drawing/2010/main" val="0"/>
-              </a:ext>
-            </a:extLst>
-          </a:blip>
-          <a:stretch>
-            <a:fillRect/>
-          </a:stretch>
-        </p:blipFill>
-        <p:spPr>
-          <a:xfrm>
-            <a:off x="4478757" y="4121426"/>
-            <a:ext cx="2863944" cy="1612123"/>
+        </p:nvSpPr>
+        <p:spPr>
+          <a:xfrm>
+            <a:off x="6336645" y="1624169"/>
+            <a:ext cx="2331087" cy="369332"/>
           </a:xfrm>
           <a:prstGeom prst="rect">
             <a:avLst/>
           </a:prstGeom>
           <a:noFill/>
         </p:spPr>
-      </p:pic>
-      <p:pic>
-        <p:nvPicPr>
-          <p:cNvPr id="16" name="그림 15"/>
-          <p:cNvPicPr>
-            <a:picLocks noChangeAspect="1"/>
-          </p:cNvPicPr>
+        <p:txBody>
+          <a:bodyPr wrap="none" rtlCol="0">
+            <a:spAutoFit/>
+          </a:bodyPr>
+          <a:lstStyle/>
+          <a:p>
+            <a:r>
+              <a:rPr lang="en-US" altLang="ko-KR" dirty="0" smtClean="0"/>
+              <a:t>| </a:t>
+            </a:r>
+            <a:r>
+              <a:rPr lang="ko-KR" altLang="en-US" dirty="0" smtClean="0"/>
+              <a:t>온라인 교육 사이트</a:t>
+            </a:r>
+            <a:endParaRPr lang="ko-KR" altLang="en-US" dirty="0"/>
+          </a:p>
+        </p:txBody>
+      </p:sp>
+      <p:sp>
+        <p:nvSpPr>
+          <p:cNvPr id="37" name="TextBox 36"/>
+          <p:cNvSpPr txBox="1"/>
           <p:nvPr/>
-        </p:nvPicPr>
-        <p:blipFill>
-          <a:blip r:embed="rId6" cstate="print">
-            <a:extLst>
-              <a:ext uri="{28A0092B-C50C-407E-A947-70E740481C1C}">
-                <a14:useLocalDpi xmlns:a14="http://schemas.microsoft.com/office/drawing/2010/main" val="0"/>
-              </a:ext>
-            </a:extLst>
-          </a:blip>
-          <a:stretch>
-            <a:fillRect/>
-          </a:stretch>
-        </p:blipFill>
-        <p:spPr>
-          <a:xfrm>
-            <a:off x="675812" y="4465498"/>
-            <a:ext cx="2133649" cy="994039"/>
+        </p:nvSpPr>
+        <p:spPr>
+          <a:xfrm>
+            <a:off x="656704" y="3802890"/>
+            <a:ext cx="1189749" cy="369332"/>
           </a:xfrm>
           <a:prstGeom prst="rect">
             <a:avLst/>
           </a:prstGeom>
-        </p:spPr>
-      </p:pic>
-      <p:pic>
-        <p:nvPicPr>
-          <p:cNvPr id="17" name="그림 16"/>
-          <p:cNvPicPr>
-            <a:picLocks noChangeAspect="1"/>
-          </p:cNvPicPr>
+          <a:noFill/>
+        </p:spPr>
+        <p:txBody>
+          <a:bodyPr wrap="none" rtlCol="0">
+            <a:spAutoFit/>
+          </a:bodyPr>
+          <a:lstStyle/>
+          <a:p>
+            <a:r>
+              <a:rPr lang="ko-KR" altLang="en-US" dirty="0" smtClean="0"/>
+              <a:t>개발 환경</a:t>
+            </a:r>
+            <a:endParaRPr lang="ko-KR" altLang="en-US" dirty="0"/>
+          </a:p>
+        </p:txBody>
+      </p:sp>
+      <p:sp>
+        <p:nvSpPr>
+          <p:cNvPr id="38" name="TextBox 37"/>
+          <p:cNvSpPr txBox="1"/>
           <p:nvPr/>
-        </p:nvPicPr>
-        <p:blipFill>
-          <a:blip r:embed="rId7" cstate="print">
-            <a:extLst>
-              <a:ext uri="{28A0092B-C50C-407E-A947-70E740481C1C}">
-                <a14:useLocalDpi xmlns:a14="http://schemas.microsoft.com/office/drawing/2010/main" val="0"/>
-              </a:ext>
-            </a:extLst>
-          </a:blip>
-          <a:stretch>
-            <a:fillRect/>
-          </a:stretch>
-        </p:blipFill>
-        <p:spPr>
-          <a:xfrm>
-            <a:off x="8629957" y="3749627"/>
-            <a:ext cx="2723841" cy="951479"/>
+        </p:nvSpPr>
+        <p:spPr>
+          <a:xfrm>
+            <a:off x="656704" y="4239491"/>
+            <a:ext cx="4672433" cy="369332"/>
           </a:xfrm>
           <a:prstGeom prst="rect">
             <a:avLst/>
           </a:prstGeom>
-          <a:solidFill>
-            <a:schemeClr val="bg1"/>
-          </a:solidFill>
-        </p:spPr>
-      </p:pic>
-      <p:pic>
-        <p:nvPicPr>
-          <p:cNvPr id="18" name="그림 17"/>
-          <p:cNvPicPr>
-            <a:picLocks noChangeAspect="1"/>
-          </p:cNvPicPr>
+          <a:noFill/>
+        </p:spPr>
+        <p:txBody>
+          <a:bodyPr wrap="none" rtlCol="0">
+            <a:spAutoFit/>
+          </a:bodyPr>
+          <a:lstStyle/>
+          <a:p>
+            <a:r>
+              <a:rPr lang="ko-KR" altLang="en-US" dirty="0" smtClean="0"/>
+              <a:t>언어 </a:t>
+            </a:r>
+            <a:r>
+              <a:rPr lang="en-US" altLang="ko-KR" dirty="0" smtClean="0"/>
+              <a:t>: Java (JDK 11), HTML/CSS, </a:t>
+            </a:r>
+            <a:r>
+              <a:rPr lang="en-US" altLang="ko-KR" dirty="0" err="1" smtClean="0"/>
+              <a:t>TypeScript</a:t>
+            </a:r>
+            <a:endParaRPr lang="ko-KR" altLang="en-US" dirty="0"/>
+          </a:p>
+        </p:txBody>
+      </p:sp>
+      <p:sp>
+        <p:nvSpPr>
+          <p:cNvPr id="39" name="TextBox 38"/>
+          <p:cNvSpPr txBox="1"/>
           <p:nvPr/>
-        </p:nvPicPr>
-        <p:blipFill>
-          <a:blip r:embed="rId8" cstate="print">
-            <a:extLst>
-              <a:ext uri="{28A0092B-C50C-407E-A947-70E740481C1C}">
-                <a14:useLocalDpi xmlns:a14="http://schemas.microsoft.com/office/drawing/2010/main" val="0"/>
-              </a:ext>
-            </a:extLst>
-          </a:blip>
-          <a:stretch>
-            <a:fillRect/>
-          </a:stretch>
-        </p:blipFill>
-        <p:spPr>
-          <a:xfrm>
-            <a:off x="8629958" y="2363381"/>
-            <a:ext cx="2723841" cy="1167360"/>
+        </p:nvSpPr>
+        <p:spPr>
+          <a:xfrm>
+            <a:off x="656704" y="4676092"/>
+            <a:ext cx="3580852" cy="369332"/>
           </a:xfrm>
           <a:prstGeom prst="rect">
             <a:avLst/>
           </a:prstGeom>
-          <a:solidFill>
-            <a:schemeClr val="bg1"/>
-          </a:solidFill>
-        </p:spPr>
-      </p:pic>
-      <p:pic>
-        <p:nvPicPr>
-          <p:cNvPr id="19" name="그림 18"/>
-          <p:cNvPicPr>
-            <a:picLocks noChangeAspect="1"/>
-          </p:cNvPicPr>
+          <a:noFill/>
+        </p:spPr>
+        <p:txBody>
+          <a:bodyPr wrap="none" rtlCol="0">
+            <a:spAutoFit/>
+          </a:bodyPr>
+          <a:lstStyle/>
+          <a:p>
+            <a:r>
+              <a:rPr lang="ko-KR" altLang="en-US" dirty="0" smtClean="0"/>
+              <a:t>프레임 워크 </a:t>
+            </a:r>
+            <a:r>
+              <a:rPr lang="en-US" altLang="ko-KR" dirty="0" smtClean="0"/>
+              <a:t>: Spring Boot, React</a:t>
+            </a:r>
+            <a:endParaRPr lang="ko-KR" altLang="en-US" dirty="0"/>
+          </a:p>
+        </p:txBody>
+      </p:sp>
+      <p:sp>
+        <p:nvSpPr>
+          <p:cNvPr id="40" name="TextBox 39"/>
+          <p:cNvSpPr txBox="1"/>
           <p:nvPr/>
-        </p:nvPicPr>
-        <p:blipFill>
-          <a:blip r:embed="rId9" cstate="print">
-            <a:extLst>
-              <a:ext uri="{28A0092B-C50C-407E-A947-70E740481C1C}">
-                <a14:useLocalDpi xmlns:a14="http://schemas.microsoft.com/office/drawing/2010/main" val="0"/>
-              </a:ext>
-            </a:extLst>
-          </a:blip>
-          <a:stretch>
-            <a:fillRect/>
-          </a:stretch>
-        </p:blipFill>
-        <p:spPr>
-          <a:xfrm>
-            <a:off x="687293" y="5586191"/>
-            <a:ext cx="1788181" cy="925523"/>
+        </p:nvSpPr>
+        <p:spPr>
+          <a:xfrm>
+            <a:off x="656703" y="5111455"/>
+            <a:ext cx="2964273" cy="369332"/>
           </a:xfrm>
           <a:prstGeom prst="rect">
             <a:avLst/>
           </a:prstGeom>
-          <a:solidFill>
-            <a:schemeClr val="bg1"/>
-          </a:solidFill>
-        </p:spPr>
-      </p:pic>
+          <a:noFill/>
+        </p:spPr>
+        <p:txBody>
+          <a:bodyPr wrap="none" rtlCol="0">
+            <a:spAutoFit/>
+          </a:bodyPr>
+          <a:lstStyle/>
+          <a:p>
+            <a:r>
+              <a:rPr lang="ko-KR" altLang="en-US" dirty="0" smtClean="0"/>
+              <a:t>데이터베이스</a:t>
+            </a:r>
+            <a:r>
+              <a:rPr lang="en-US" altLang="ko-KR" dirty="0" smtClean="0"/>
+              <a:t>(DB) : MySQL</a:t>
+            </a:r>
+            <a:endParaRPr lang="ko-KR" altLang="en-US" dirty="0"/>
+          </a:p>
+        </p:txBody>
+      </p:sp>
+      <p:sp>
+        <p:nvSpPr>
+          <p:cNvPr id="41" name="TextBox 40"/>
+          <p:cNvSpPr txBox="1"/>
+          <p:nvPr/>
+        </p:nvSpPr>
+        <p:spPr>
+          <a:xfrm>
+            <a:off x="656703" y="5544118"/>
+            <a:ext cx="7635424" cy="369332"/>
+          </a:xfrm>
+          <a:prstGeom prst="rect">
+            <a:avLst/>
+          </a:prstGeom>
+          <a:noFill/>
+        </p:spPr>
+        <p:txBody>
+          <a:bodyPr wrap="none" rtlCol="0">
+            <a:spAutoFit/>
+          </a:bodyPr>
+          <a:lstStyle/>
+          <a:p>
+            <a:r>
+              <a:rPr lang="en-US" altLang="ko-KR" dirty="0" smtClean="0"/>
+              <a:t>IDE : Eclipse 2022-12, Visual Studio Code, POSTMAN, </a:t>
+            </a:r>
+            <a:r>
+              <a:rPr lang="en-US" altLang="ko-KR" dirty="0" err="1" smtClean="0"/>
+              <a:t>HeidiSQL</a:t>
+            </a:r>
+            <a:r>
+              <a:rPr lang="en-US" altLang="ko-KR" dirty="0" smtClean="0"/>
+              <a:t>, </a:t>
+            </a:r>
+            <a:r>
+              <a:rPr lang="en-US" altLang="ko-KR" dirty="0" err="1" smtClean="0"/>
+              <a:t>Gradle</a:t>
+            </a:r>
+            <a:endParaRPr lang="ko-KR" altLang="en-US" dirty="0"/>
+          </a:p>
+        </p:txBody>
+      </p:sp>
+      <p:sp>
+        <p:nvSpPr>
+          <p:cNvPr id="42" name="TextBox 41"/>
+          <p:cNvSpPr txBox="1"/>
+          <p:nvPr/>
+        </p:nvSpPr>
+        <p:spPr>
+          <a:xfrm>
+            <a:off x="656703" y="5985895"/>
+            <a:ext cx="1933030" cy="369332"/>
+          </a:xfrm>
+          <a:prstGeom prst="rect">
+            <a:avLst/>
+          </a:prstGeom>
+          <a:noFill/>
+        </p:spPr>
+        <p:txBody>
+          <a:bodyPr wrap="none" rtlCol="0">
+            <a:spAutoFit/>
+          </a:bodyPr>
+          <a:lstStyle/>
+          <a:p>
+            <a:r>
+              <a:rPr lang="en-US" altLang="ko-KR" dirty="0" smtClean="0"/>
+              <a:t>API : RESTful API</a:t>
+            </a:r>
+            <a:endParaRPr lang="ko-KR" altLang="en-US" dirty="0"/>
+          </a:p>
+        </p:txBody>
+      </p:sp>
+      <p:sp>
+        <p:nvSpPr>
+          <p:cNvPr id="43" name="TextBox 42"/>
+          <p:cNvSpPr txBox="1"/>
+          <p:nvPr/>
+        </p:nvSpPr>
+        <p:spPr>
+          <a:xfrm>
+            <a:off x="656703" y="2806127"/>
+            <a:ext cx="9900467" cy="923330"/>
+          </a:xfrm>
+          <a:prstGeom prst="rect">
+            <a:avLst/>
+          </a:prstGeom>
+          <a:noFill/>
+        </p:spPr>
+        <p:txBody>
+          <a:bodyPr wrap="none" rtlCol="0">
+            <a:spAutoFit/>
+          </a:bodyPr>
+          <a:lstStyle/>
+          <a:p>
+            <a:r>
+              <a:rPr lang="ko-KR" altLang="en-US" dirty="0" smtClean="0"/>
+              <a:t>담당 역할 </a:t>
+            </a:r>
+            <a:r>
+              <a:rPr lang="en-US" altLang="ko-KR" dirty="0" smtClean="0"/>
+              <a:t>: </a:t>
+            </a:r>
+            <a:r>
+              <a:rPr lang="ko-KR" altLang="en-US" dirty="0" smtClean="0"/>
+              <a:t>교육 상세 페이지 </a:t>
+            </a:r>
+            <a:r>
+              <a:rPr lang="en-US" altLang="ko-KR" dirty="0" smtClean="0"/>
+              <a:t>- </a:t>
+            </a:r>
+            <a:r>
+              <a:rPr lang="ko-KR" altLang="en-US" dirty="0" err="1" smtClean="0"/>
+              <a:t>프론트엔드</a:t>
+            </a:r>
+            <a:r>
+              <a:rPr lang="en-US" altLang="ko-KR" dirty="0" smtClean="0"/>
+              <a:t>(</a:t>
+            </a:r>
+            <a:r>
+              <a:rPr lang="ko-KR" altLang="en-US" dirty="0" smtClean="0"/>
+              <a:t>기여도 </a:t>
+            </a:r>
+            <a:r>
+              <a:rPr lang="en-US" altLang="ko-KR" dirty="0" smtClean="0"/>
+              <a:t>100%), </a:t>
+            </a:r>
+            <a:r>
+              <a:rPr lang="ko-KR" altLang="en-US" dirty="0" smtClean="0"/>
+              <a:t>상세페이지</a:t>
+            </a:r>
+            <a:r>
+              <a:rPr lang="en-US" altLang="ko-KR" dirty="0" smtClean="0"/>
+              <a:t>-</a:t>
+            </a:r>
+            <a:r>
+              <a:rPr lang="ko-KR" altLang="en-US" dirty="0" smtClean="0"/>
+              <a:t>커리큘럼</a:t>
+            </a:r>
+            <a:r>
+              <a:rPr lang="en-US" altLang="ko-KR" dirty="0" smtClean="0"/>
+              <a:t>(</a:t>
+            </a:r>
+            <a:r>
+              <a:rPr lang="ko-KR" altLang="en-US" dirty="0" smtClean="0"/>
+              <a:t>기여도 </a:t>
+            </a:r>
+            <a:r>
+              <a:rPr lang="en-US" altLang="ko-KR" dirty="0" smtClean="0"/>
+              <a:t>100%)</a:t>
+            </a:r>
+          </a:p>
+          <a:p>
+            <a:r>
+              <a:rPr lang="en-US" altLang="ko-KR" dirty="0"/>
+              <a:t>		</a:t>
+            </a:r>
+            <a:r>
+              <a:rPr lang="en-US" altLang="ko-KR" dirty="0" smtClean="0"/>
+              <a:t>		</a:t>
+            </a:r>
+            <a:r>
+              <a:rPr lang="ko-KR" altLang="en-US" dirty="0" smtClean="0"/>
+              <a:t>상세페이지 </a:t>
+            </a:r>
+            <a:r>
+              <a:rPr lang="en-US" altLang="ko-KR" dirty="0" smtClean="0"/>
+              <a:t>-</a:t>
+            </a:r>
+            <a:r>
+              <a:rPr lang="ko-KR" altLang="en-US" dirty="0"/>
+              <a:t> </a:t>
+            </a:r>
+            <a:r>
+              <a:rPr lang="ko-KR" altLang="en-US" dirty="0" smtClean="0"/>
+              <a:t>강의 후기</a:t>
+            </a:r>
+            <a:r>
+              <a:rPr lang="en-US" altLang="ko-KR" dirty="0" smtClean="0"/>
+              <a:t>(</a:t>
+            </a:r>
+            <a:r>
+              <a:rPr lang="ko-KR" altLang="en-US" dirty="0" smtClean="0"/>
+              <a:t>기여도 </a:t>
+            </a:r>
+            <a:r>
+              <a:rPr lang="en-US" altLang="ko-KR" dirty="0" smtClean="0"/>
+              <a:t>100%)</a:t>
+            </a:r>
+          </a:p>
+          <a:p>
+            <a:r>
+              <a:rPr lang="en-US" altLang="ko-KR" dirty="0"/>
+              <a:t>	 </a:t>
+            </a:r>
+            <a:r>
+              <a:rPr lang="en-US" altLang="ko-KR" dirty="0" smtClean="0"/>
+              <a:t>   </a:t>
+            </a:r>
+            <a:r>
+              <a:rPr lang="ko-KR" altLang="en-US" dirty="0" smtClean="0"/>
+              <a:t>장바구니 페이지 개발</a:t>
+            </a:r>
+            <a:r>
+              <a:rPr lang="en-US" altLang="ko-KR" dirty="0" smtClean="0"/>
+              <a:t>(</a:t>
+            </a:r>
+            <a:r>
+              <a:rPr lang="ko-KR" altLang="en-US" dirty="0" smtClean="0"/>
+              <a:t>기여도 </a:t>
+            </a:r>
+            <a:r>
+              <a:rPr lang="en-US" altLang="ko-KR" dirty="0" smtClean="0"/>
+              <a:t>5%) – </a:t>
+            </a:r>
+            <a:r>
+              <a:rPr lang="ko-KR" altLang="en-US" dirty="0" smtClean="0"/>
+              <a:t>전체 선택 기능</a:t>
+            </a:r>
+            <a:endParaRPr lang="ko-KR" altLang="en-US" dirty="0"/>
+          </a:p>
+        </p:txBody>
+      </p:sp>
     </p:spTree>
     <p:extLst>
       <p:ext uri="{BB962C8B-B14F-4D97-AF65-F5344CB8AC3E}">
@@ -4462,6 +4778,186 @@
       </p:grpSpPr>
       <p:sp>
         <p:nvSpPr>
+          <p:cNvPr id="24" name="직사각형 23"/>
+          <p:cNvSpPr/>
+          <p:nvPr/>
+        </p:nvSpPr>
+        <p:spPr>
+          <a:xfrm>
+            <a:off x="6464875" y="3755272"/>
+            <a:ext cx="4167956" cy="2273919"/>
+          </a:xfrm>
+          <a:prstGeom prst="rect">
+            <a:avLst/>
+          </a:prstGeom>
+          <a:solidFill>
+            <a:schemeClr val="bg1">
+              <a:lumMod val="95000"/>
+            </a:schemeClr>
+          </a:solidFill>
+        </p:spPr>
+        <p:style>
+          <a:lnRef idx="2">
+            <a:schemeClr val="accent1">
+              <a:shade val="50000"/>
+            </a:schemeClr>
+          </a:lnRef>
+          <a:fillRef idx="1">
+            <a:schemeClr val="accent1"/>
+          </a:fillRef>
+          <a:effectRef idx="0">
+            <a:schemeClr val="accent1"/>
+          </a:effectRef>
+          <a:fontRef idx="minor">
+            <a:schemeClr val="lt1"/>
+          </a:fontRef>
+        </p:style>
+        <p:txBody>
+          <a:bodyPr rtlCol="0" anchor="ctr"/>
+          <a:lstStyle/>
+          <a:p>
+            <a:pPr algn="ctr"/>
+            <a:endParaRPr lang="ko-KR" altLang="en-US" dirty="0"/>
+          </a:p>
+        </p:txBody>
+      </p:sp>
+      <p:sp>
+        <p:nvSpPr>
+          <p:cNvPr id="20" name="직사각형 19"/>
+          <p:cNvSpPr/>
+          <p:nvPr/>
+        </p:nvSpPr>
+        <p:spPr>
+          <a:xfrm>
+            <a:off x="358755" y="3755273"/>
+            <a:ext cx="6043206" cy="1103613"/>
+          </a:xfrm>
+          <a:prstGeom prst="rect">
+            <a:avLst/>
+          </a:prstGeom>
+          <a:solidFill>
+            <a:schemeClr val="bg1">
+              <a:lumMod val="95000"/>
+            </a:schemeClr>
+          </a:solidFill>
+        </p:spPr>
+        <p:style>
+          <a:lnRef idx="2">
+            <a:schemeClr val="accent1">
+              <a:shade val="50000"/>
+            </a:schemeClr>
+          </a:lnRef>
+          <a:fillRef idx="1">
+            <a:schemeClr val="accent1"/>
+          </a:fillRef>
+          <a:effectRef idx="0">
+            <a:schemeClr val="accent1"/>
+          </a:effectRef>
+          <a:fontRef idx="minor">
+            <a:schemeClr val="lt1"/>
+          </a:fontRef>
+        </p:style>
+        <p:txBody>
+          <a:bodyPr rtlCol="0" anchor="ctr"/>
+          <a:lstStyle/>
+          <a:p>
+            <a:pPr algn="ctr"/>
+            <a:endParaRPr lang="ko-KR" altLang="en-US" dirty="0"/>
+          </a:p>
+        </p:txBody>
+      </p:sp>
+      <p:sp>
+        <p:nvSpPr>
+          <p:cNvPr id="21" name="직사각형 20"/>
+          <p:cNvSpPr/>
+          <p:nvPr/>
+        </p:nvSpPr>
+        <p:spPr>
+          <a:xfrm>
+            <a:off x="358754" y="2584967"/>
+            <a:ext cx="6043207" cy="1103613"/>
+          </a:xfrm>
+          <a:prstGeom prst="rect">
+            <a:avLst/>
+          </a:prstGeom>
+          <a:solidFill>
+            <a:schemeClr val="bg1">
+              <a:lumMod val="95000"/>
+            </a:schemeClr>
+          </a:solidFill>
+        </p:spPr>
+        <p:style>
+          <a:lnRef idx="2">
+            <a:schemeClr val="accent1">
+              <a:shade val="50000"/>
+            </a:schemeClr>
+          </a:lnRef>
+          <a:fillRef idx="1">
+            <a:schemeClr val="accent1"/>
+          </a:fillRef>
+          <a:effectRef idx="0">
+            <a:schemeClr val="accent1"/>
+          </a:effectRef>
+          <a:fontRef idx="minor">
+            <a:schemeClr val="lt1"/>
+          </a:fontRef>
+        </p:style>
+        <p:txBody>
+          <a:bodyPr rtlCol="0" anchor="ctr"/>
+          <a:lstStyle/>
+          <a:p>
+            <a:pPr algn="ctr"/>
+            <a:endParaRPr lang="ko-KR" altLang="en-US" dirty="0"/>
+          </a:p>
+        </p:txBody>
+      </p:sp>
+      <p:sp>
+        <p:nvSpPr>
+          <p:cNvPr id="22" name="직사각형 21"/>
+          <p:cNvSpPr/>
+          <p:nvPr/>
+        </p:nvSpPr>
+        <p:spPr>
+          <a:xfrm>
+            <a:off x="358755" y="4925579"/>
+            <a:ext cx="6043206" cy="1103613"/>
+          </a:xfrm>
+          <a:prstGeom prst="rect">
+            <a:avLst/>
+          </a:prstGeom>
+          <a:solidFill>
+            <a:schemeClr val="bg1">
+              <a:lumMod val="95000"/>
+            </a:schemeClr>
+          </a:solidFill>
+        </p:spPr>
+        <p:style>
+          <a:lnRef idx="2">
+            <a:schemeClr val="accent1">
+              <a:shade val="50000"/>
+            </a:schemeClr>
+          </a:lnRef>
+          <a:fillRef idx="1">
+            <a:schemeClr val="accent1"/>
+          </a:fillRef>
+          <a:effectRef idx="0">
+            <a:schemeClr val="accent1"/>
+          </a:effectRef>
+          <a:fontRef idx="minor">
+            <a:schemeClr val="lt1"/>
+          </a:fontRef>
+        </p:style>
+        <p:txBody>
+          <a:bodyPr rtlCol="0" anchor="ctr"/>
+          <a:lstStyle/>
+          <a:p>
+            <a:pPr algn="ctr"/>
+            <a:endParaRPr lang="ko-KR" altLang="en-US" dirty="0"/>
+          </a:p>
+        </p:txBody>
+      </p:sp>
+      <p:sp>
+        <p:nvSpPr>
           <p:cNvPr id="2" name="제목 1"/>
           <p:cNvSpPr>
             <a:spLocks noGrp="1"/>
@@ -4472,52 +4968,696 @@
         </p:nvSpPr>
         <p:spPr>
           <a:xfrm>
-            <a:off x="838200" y="99753"/>
-            <a:ext cx="10515600" cy="1000732"/>
-          </a:xfrm>
-        </p:spPr>
-        <p:txBody>
-          <a:bodyPr/>
-          <a:lstStyle/>
-          <a:p>
-            <a:r>
-              <a:rPr lang="ko-KR" altLang="en-US" dirty="0" smtClean="0"/>
-              <a:t>메인홈페이지</a:t>
+            <a:off x="358754" y="299963"/>
+            <a:ext cx="10515600" cy="848099"/>
+          </a:xfrm>
+        </p:spPr>
+        <p:txBody>
+          <a:bodyPr/>
+          <a:lstStyle/>
+          <a:p>
+            <a:r>
+              <a:rPr lang="en-US" altLang="ko-KR" dirty="0"/>
+              <a:t>2. </a:t>
+            </a:r>
+            <a:r>
+              <a:rPr lang="ko-KR" altLang="en-US" dirty="0"/>
+              <a:t>개발 </a:t>
+            </a:r>
+            <a:r>
+              <a:rPr lang="ko-KR" altLang="en-US" dirty="0" smtClean="0"/>
+              <a:t>환경</a:t>
             </a:r>
             <a:endParaRPr lang="ko-KR" altLang="en-US" dirty="0"/>
+          </a:p>
+        </p:txBody>
+      </p:sp>
+      <p:sp>
+        <p:nvSpPr>
+          <p:cNvPr id="4" name="직사각형 3"/>
+          <p:cNvSpPr/>
+          <p:nvPr/>
+        </p:nvSpPr>
+        <p:spPr>
+          <a:xfrm>
+            <a:off x="358755" y="1390193"/>
+            <a:ext cx="10274075" cy="1103613"/>
+          </a:xfrm>
+          <a:prstGeom prst="rect">
+            <a:avLst/>
+          </a:prstGeom>
+          <a:solidFill>
+            <a:schemeClr val="bg1">
+              <a:lumMod val="95000"/>
+            </a:schemeClr>
+          </a:solidFill>
+        </p:spPr>
+        <p:style>
+          <a:lnRef idx="2">
+            <a:schemeClr val="accent1">
+              <a:shade val="50000"/>
+            </a:schemeClr>
+          </a:lnRef>
+          <a:fillRef idx="1">
+            <a:schemeClr val="accent1"/>
+          </a:fillRef>
+          <a:effectRef idx="0">
+            <a:schemeClr val="accent1"/>
+          </a:effectRef>
+          <a:fontRef idx="minor">
+            <a:schemeClr val="lt1"/>
+          </a:fontRef>
+        </p:style>
+        <p:txBody>
+          <a:bodyPr rtlCol="0" anchor="ctr"/>
+          <a:lstStyle/>
+          <a:p>
+            <a:pPr algn="ctr"/>
+            <a:endParaRPr lang="ko-KR" altLang="en-US" dirty="0"/>
+          </a:p>
+        </p:txBody>
+      </p:sp>
+      <p:sp>
+        <p:nvSpPr>
+          <p:cNvPr id="9" name="TextBox 8"/>
+          <p:cNvSpPr txBox="1"/>
+          <p:nvPr/>
+        </p:nvSpPr>
+        <p:spPr>
+          <a:xfrm>
+            <a:off x="396656" y="1813447"/>
+            <a:ext cx="530915" cy="369332"/>
+          </a:xfrm>
+          <a:prstGeom prst="rect">
+            <a:avLst/>
+          </a:prstGeom>
+          <a:solidFill>
+            <a:schemeClr val="accent4">
+              <a:lumMod val="40000"/>
+              <a:lumOff val="60000"/>
+            </a:schemeClr>
+          </a:solidFill>
+        </p:spPr>
+        <p:txBody>
+          <a:bodyPr wrap="none" rtlCol="0">
+            <a:spAutoFit/>
+          </a:bodyPr>
+          <a:lstStyle/>
+          <a:p>
+            <a:r>
+              <a:rPr lang="en-US" altLang="ko-KR" dirty="0" smtClean="0"/>
+              <a:t>IDE</a:t>
+            </a:r>
+            <a:endParaRPr lang="en-US" altLang="ko-KR" dirty="0" smtClean="0"/>
+          </a:p>
+        </p:txBody>
+      </p:sp>
+      <p:sp>
+        <p:nvSpPr>
+          <p:cNvPr id="10" name="TextBox 9"/>
+          <p:cNvSpPr txBox="1"/>
+          <p:nvPr/>
+        </p:nvSpPr>
+        <p:spPr>
+          <a:xfrm>
+            <a:off x="396656" y="3008221"/>
+            <a:ext cx="646331" cy="369332"/>
+          </a:xfrm>
+          <a:prstGeom prst="rect">
+            <a:avLst/>
+          </a:prstGeom>
+          <a:solidFill>
+            <a:schemeClr val="accent4">
+              <a:lumMod val="40000"/>
+              <a:lumOff val="60000"/>
+            </a:schemeClr>
+          </a:solidFill>
+        </p:spPr>
+        <p:txBody>
+          <a:bodyPr wrap="none" rtlCol="0">
+            <a:spAutoFit/>
+          </a:bodyPr>
+          <a:lstStyle/>
+          <a:p>
+            <a:r>
+              <a:rPr lang="ko-KR" altLang="en-US" dirty="0" smtClean="0"/>
+              <a:t>언어</a:t>
+            </a:r>
+            <a:endParaRPr lang="en-US" altLang="ko-KR" dirty="0" smtClean="0"/>
+          </a:p>
+        </p:txBody>
+      </p:sp>
+      <p:sp>
+        <p:nvSpPr>
+          <p:cNvPr id="11" name="TextBox 10"/>
+          <p:cNvSpPr txBox="1"/>
+          <p:nvPr/>
+        </p:nvSpPr>
+        <p:spPr>
+          <a:xfrm>
+            <a:off x="396656" y="4175622"/>
+            <a:ext cx="1189749" cy="369332"/>
+          </a:xfrm>
+          <a:prstGeom prst="rect">
+            <a:avLst/>
+          </a:prstGeom>
+          <a:solidFill>
+            <a:schemeClr val="accent4">
+              <a:lumMod val="40000"/>
+              <a:lumOff val="60000"/>
+            </a:schemeClr>
+          </a:solidFill>
+        </p:spPr>
+        <p:txBody>
+          <a:bodyPr wrap="none" rtlCol="0">
+            <a:spAutoFit/>
+          </a:bodyPr>
+          <a:lstStyle/>
+          <a:p>
+            <a:r>
+              <a:rPr lang="ko-KR" altLang="en-US" dirty="0" smtClean="0"/>
+              <a:t>빌드 도구</a:t>
+            </a:r>
+            <a:endParaRPr lang="en-US" altLang="ko-KR" dirty="0" smtClean="0"/>
           </a:p>
         </p:txBody>
       </p:sp>
       <p:pic>
         <p:nvPicPr>
-          <p:cNvPr id="7" name="내용 개체 틀 6"/>
+          <p:cNvPr id="12" name="그림 11"/>
           <p:cNvPicPr>
-            <a:picLocks noGrp="1" noChangeAspect="1"/>
+            <a:picLocks noChangeAspect="1"/>
           </p:cNvPicPr>
-          <p:nvPr>
-            <p:ph idx="1"/>
-          </p:nvPr>
+          <p:nvPr/>
         </p:nvPicPr>
         <p:blipFill>
-          <a:blip r:embed="rId2"/>
+          <a:blip r:embed="rId2" cstate="print">
+            <a:extLst>
+              <a:ext uri="{28A0092B-C50C-407E-A947-70E740481C1C}">
+                <a14:useLocalDpi xmlns:a14="http://schemas.microsoft.com/office/drawing/2010/main" val="0"/>
+              </a:ext>
+            </a:extLst>
+          </a:blip>
           <a:stretch>
             <a:fillRect/>
           </a:stretch>
         </p:blipFill>
         <p:spPr>
           <a:xfrm>
-            <a:off x="838201" y="1215506"/>
-            <a:ext cx="5732774" cy="2683163"/>
+            <a:off x="1259565" y="1540103"/>
+            <a:ext cx="1500262" cy="843480"/>
           </a:xfrm>
           <a:prstGeom prst="rect">
             <a:avLst/>
           </a:prstGeom>
+        </p:spPr>
+      </p:pic>
+      <p:pic>
+        <p:nvPicPr>
+          <p:cNvPr id="13" name="그림 12"/>
+          <p:cNvPicPr>
+            <a:picLocks noChangeAspect="1"/>
+          </p:cNvPicPr>
+          <p:nvPr/>
+        </p:nvPicPr>
+        <p:blipFill>
+          <a:blip r:embed="rId3" cstate="print">
+            <a:extLst>
+              <a:ext uri="{28A0092B-C50C-407E-A947-70E740481C1C}">
+                <a14:useLocalDpi xmlns:a14="http://schemas.microsoft.com/office/drawing/2010/main" val="0"/>
+              </a:ext>
+            </a:extLst>
+          </a:blip>
+          <a:stretch>
+            <a:fillRect/>
+          </a:stretch>
+        </p:blipFill>
+        <p:spPr>
+          <a:xfrm>
+            <a:off x="2953494" y="1628548"/>
+            <a:ext cx="2848863" cy="666589"/>
+          </a:xfrm>
+          <a:prstGeom prst="rect">
+            <a:avLst/>
+          </a:prstGeom>
+          <a:solidFill>
+            <a:schemeClr val="bg1"/>
+          </a:solidFill>
+        </p:spPr>
+      </p:pic>
+      <p:pic>
+        <p:nvPicPr>
+          <p:cNvPr id="14" name="그림 13"/>
+          <p:cNvPicPr>
+            <a:picLocks noChangeAspect="1"/>
+          </p:cNvPicPr>
+          <p:nvPr/>
+        </p:nvPicPr>
+        <p:blipFill>
+          <a:blip r:embed="rId4" cstate="print">
+            <a:extLst>
+              <a:ext uri="{28A0092B-C50C-407E-A947-70E740481C1C}">
+                <a14:useLocalDpi xmlns:a14="http://schemas.microsoft.com/office/drawing/2010/main" val="0"/>
+              </a:ext>
+            </a:extLst>
+          </a:blip>
+          <a:stretch>
+            <a:fillRect/>
+          </a:stretch>
+        </p:blipFill>
+        <p:spPr>
+          <a:xfrm>
+            <a:off x="1641950" y="2855072"/>
+            <a:ext cx="1442072" cy="595415"/>
+          </a:xfrm>
+          <a:prstGeom prst="rect">
+            <a:avLst/>
+          </a:prstGeom>
+          <a:solidFill>
+            <a:schemeClr val="bg2"/>
+          </a:solidFill>
+        </p:spPr>
+      </p:pic>
+      <p:pic>
+        <p:nvPicPr>
+          <p:cNvPr id="15" name="그림 14"/>
+          <p:cNvPicPr>
+            <a:picLocks noChangeAspect="1"/>
+          </p:cNvPicPr>
+          <p:nvPr/>
+        </p:nvPicPr>
+        <p:blipFill>
+          <a:blip r:embed="rId5" cstate="print">
+            <a:extLst>
+              <a:ext uri="{28A0092B-C50C-407E-A947-70E740481C1C}">
+                <a14:useLocalDpi xmlns:a14="http://schemas.microsoft.com/office/drawing/2010/main" val="0"/>
+              </a:ext>
+            </a:extLst>
+          </a:blip>
+          <a:stretch>
+            <a:fillRect/>
+          </a:stretch>
+        </p:blipFill>
+        <p:spPr>
+          <a:xfrm>
+            <a:off x="4352235" y="2860730"/>
+            <a:ext cx="1264320" cy="589757"/>
+          </a:xfrm>
+          <a:prstGeom prst="rect">
+            <a:avLst/>
+          </a:prstGeom>
+          <a:noFill/>
+        </p:spPr>
+      </p:pic>
+      <p:pic>
+        <p:nvPicPr>
+          <p:cNvPr id="16" name="그림 15"/>
+          <p:cNvPicPr>
+            <a:picLocks noChangeAspect="1"/>
+          </p:cNvPicPr>
+          <p:nvPr/>
+        </p:nvPicPr>
+        <p:blipFill>
+          <a:blip r:embed="rId6" cstate="print">
+            <a:extLst>
+              <a:ext uri="{28A0092B-C50C-407E-A947-70E740481C1C}">
+                <a14:useLocalDpi xmlns:a14="http://schemas.microsoft.com/office/drawing/2010/main" val="0"/>
+              </a:ext>
+            </a:extLst>
+          </a:blip>
+          <a:stretch>
+            <a:fillRect/>
+          </a:stretch>
+        </p:blipFill>
+        <p:spPr>
+          <a:xfrm>
+            <a:off x="4067934" y="5054788"/>
+            <a:ext cx="1939518" cy="903596"/>
+          </a:xfrm>
+          <a:prstGeom prst="rect">
+            <a:avLst/>
+          </a:prstGeom>
+        </p:spPr>
+      </p:pic>
+      <p:pic>
+        <p:nvPicPr>
+          <p:cNvPr id="17" name="그림 16"/>
+          <p:cNvPicPr>
+            <a:picLocks noChangeAspect="1"/>
+          </p:cNvPicPr>
+          <p:nvPr/>
+        </p:nvPicPr>
+        <p:blipFill>
+          <a:blip r:embed="rId7" cstate="print">
+            <a:extLst>
+              <a:ext uri="{28A0092B-C50C-407E-A947-70E740481C1C}">
+                <a14:useLocalDpi xmlns:a14="http://schemas.microsoft.com/office/drawing/2010/main" val="0"/>
+              </a:ext>
+            </a:extLst>
+          </a:blip>
+          <a:stretch>
+            <a:fillRect/>
+          </a:stretch>
+        </p:blipFill>
+        <p:spPr>
+          <a:xfrm>
+            <a:off x="1864611" y="3993730"/>
+            <a:ext cx="2723841" cy="733116"/>
+          </a:xfrm>
+          <a:prstGeom prst="rect">
+            <a:avLst/>
+          </a:prstGeom>
+          <a:solidFill>
+            <a:schemeClr val="bg1"/>
+          </a:solidFill>
+        </p:spPr>
+      </p:pic>
+      <p:pic>
+        <p:nvPicPr>
+          <p:cNvPr id="18" name="그림 17"/>
+          <p:cNvPicPr>
+            <a:picLocks noChangeAspect="1"/>
+          </p:cNvPicPr>
+          <p:nvPr/>
+        </p:nvPicPr>
+        <p:blipFill>
+          <a:blip r:embed="rId8" cstate="print">
+            <a:extLst>
+              <a:ext uri="{28A0092B-C50C-407E-A947-70E740481C1C}">
+                <a14:useLocalDpi xmlns:a14="http://schemas.microsoft.com/office/drawing/2010/main" val="0"/>
+              </a:ext>
+            </a:extLst>
+          </a:blip>
+          <a:stretch>
+            <a:fillRect/>
+          </a:stretch>
+        </p:blipFill>
+        <p:spPr>
+          <a:xfrm>
+            <a:off x="1864611" y="5123962"/>
+            <a:ext cx="1925117" cy="816420"/>
+          </a:xfrm>
+          <a:prstGeom prst="rect">
+            <a:avLst/>
+          </a:prstGeom>
+          <a:solidFill>
+            <a:schemeClr val="bg1"/>
+          </a:solidFill>
+        </p:spPr>
+      </p:pic>
+      <p:pic>
+        <p:nvPicPr>
+          <p:cNvPr id="19" name="그림 18"/>
+          <p:cNvPicPr>
+            <a:picLocks noChangeAspect="1"/>
+          </p:cNvPicPr>
+          <p:nvPr/>
+        </p:nvPicPr>
+        <p:blipFill>
+          <a:blip r:embed="rId9" cstate="print">
+            <a:extLst>
+              <a:ext uri="{28A0092B-C50C-407E-A947-70E740481C1C}">
+                <a14:useLocalDpi xmlns:a14="http://schemas.microsoft.com/office/drawing/2010/main" val="0"/>
+              </a:ext>
+            </a:extLst>
+          </a:blip>
+          <a:stretch>
+            <a:fillRect/>
+          </a:stretch>
+        </p:blipFill>
+        <p:spPr>
+          <a:xfrm>
+            <a:off x="7047582" y="4523391"/>
+            <a:ext cx="3093404" cy="1375068"/>
+          </a:xfrm>
+          <a:prstGeom prst="rect">
+            <a:avLst/>
+          </a:prstGeom>
+          <a:solidFill>
+            <a:schemeClr val="accent1">
+              <a:lumMod val="20000"/>
+              <a:lumOff val="80000"/>
+            </a:schemeClr>
+          </a:solidFill>
+        </p:spPr>
+      </p:pic>
+      <p:sp>
+        <p:nvSpPr>
+          <p:cNvPr id="23" name="TextBox 22"/>
+          <p:cNvSpPr txBox="1"/>
+          <p:nvPr/>
+        </p:nvSpPr>
+        <p:spPr>
+          <a:xfrm>
+            <a:off x="396656" y="5348833"/>
+            <a:ext cx="1420582" cy="369332"/>
+          </a:xfrm>
+          <a:prstGeom prst="rect">
+            <a:avLst/>
+          </a:prstGeom>
+          <a:solidFill>
+            <a:schemeClr val="accent4">
+              <a:lumMod val="40000"/>
+              <a:lumOff val="60000"/>
+            </a:schemeClr>
+          </a:solidFill>
+        </p:spPr>
+        <p:txBody>
+          <a:bodyPr wrap="none" rtlCol="0">
+            <a:spAutoFit/>
+          </a:bodyPr>
+          <a:lstStyle/>
+          <a:p>
+            <a:r>
+              <a:rPr lang="ko-KR" altLang="en-US" dirty="0" smtClean="0"/>
+              <a:t>프레임 워크</a:t>
+            </a:r>
+            <a:endParaRPr lang="en-US" altLang="ko-KR" dirty="0" smtClean="0"/>
+          </a:p>
+        </p:txBody>
+      </p:sp>
+      <p:sp>
+        <p:nvSpPr>
+          <p:cNvPr id="25" name="TextBox 24"/>
+          <p:cNvSpPr txBox="1"/>
+          <p:nvPr/>
+        </p:nvSpPr>
+        <p:spPr>
+          <a:xfrm>
+            <a:off x="8271119" y="3913319"/>
+            <a:ext cx="646331" cy="369332"/>
+          </a:xfrm>
+          <a:prstGeom prst="rect">
+            <a:avLst/>
+          </a:prstGeom>
+          <a:solidFill>
+            <a:schemeClr val="accent4">
+              <a:lumMod val="40000"/>
+              <a:lumOff val="60000"/>
+            </a:schemeClr>
+          </a:solidFill>
+        </p:spPr>
+        <p:txBody>
+          <a:bodyPr wrap="none" rtlCol="0">
+            <a:spAutoFit/>
+          </a:bodyPr>
+          <a:lstStyle/>
+          <a:p>
+            <a:r>
+              <a:rPr lang="ko-KR" altLang="en-US" dirty="0" smtClean="0"/>
+              <a:t>서버</a:t>
+            </a:r>
+            <a:endParaRPr lang="en-US" altLang="ko-KR" dirty="0" smtClean="0"/>
+          </a:p>
+        </p:txBody>
+      </p:sp>
+      <p:pic>
+        <p:nvPicPr>
+          <p:cNvPr id="3" name="그림 2"/>
+          <p:cNvPicPr>
+            <a:picLocks noChangeAspect="1"/>
+          </p:cNvPicPr>
+          <p:nvPr/>
+        </p:nvPicPr>
+        <p:blipFill>
+          <a:blip r:embed="rId10" cstate="print">
+            <a:extLst>
+              <a:ext uri="{28A0092B-C50C-407E-A947-70E740481C1C}">
+                <a14:useLocalDpi xmlns:a14="http://schemas.microsoft.com/office/drawing/2010/main" val="0"/>
+              </a:ext>
+            </a:extLst>
+          </a:blip>
+          <a:stretch>
+            <a:fillRect/>
+          </a:stretch>
+        </p:blipFill>
+        <p:spPr>
+          <a:xfrm>
+            <a:off x="6069545" y="1540103"/>
+            <a:ext cx="1096025" cy="843480"/>
+          </a:xfrm>
+          <a:prstGeom prst="rect">
+            <a:avLst/>
+          </a:prstGeom>
+          <a:solidFill>
+            <a:schemeClr val="bg2"/>
+          </a:solidFill>
+        </p:spPr>
+      </p:pic>
+      <p:sp>
+        <p:nvSpPr>
+          <p:cNvPr id="29" name="직사각형 28"/>
+          <p:cNvSpPr/>
+          <p:nvPr/>
+        </p:nvSpPr>
+        <p:spPr>
+          <a:xfrm>
+            <a:off x="6464875" y="2584966"/>
+            <a:ext cx="4167955" cy="1103613"/>
+          </a:xfrm>
+          <a:prstGeom prst="rect">
+            <a:avLst/>
+          </a:prstGeom>
+          <a:solidFill>
+            <a:schemeClr val="bg1">
+              <a:lumMod val="95000"/>
+            </a:schemeClr>
+          </a:solidFill>
+        </p:spPr>
+        <p:style>
+          <a:lnRef idx="2">
+            <a:schemeClr val="accent1">
+              <a:shade val="50000"/>
+            </a:schemeClr>
+          </a:lnRef>
+          <a:fillRef idx="1">
+            <a:schemeClr val="accent1"/>
+          </a:fillRef>
+          <a:effectRef idx="0">
+            <a:schemeClr val="accent1"/>
+          </a:effectRef>
+          <a:fontRef idx="minor">
+            <a:schemeClr val="lt1"/>
+          </a:fontRef>
+        </p:style>
+        <p:txBody>
+          <a:bodyPr rtlCol="0" anchor="ctr"/>
+          <a:lstStyle/>
+          <a:p>
+            <a:pPr algn="ctr"/>
+            <a:endParaRPr lang="ko-KR" altLang="en-US" dirty="0"/>
+          </a:p>
+        </p:txBody>
+      </p:sp>
+      <p:sp>
+        <p:nvSpPr>
+          <p:cNvPr id="30" name="TextBox 29"/>
+          <p:cNvSpPr txBox="1"/>
+          <p:nvPr/>
+        </p:nvSpPr>
+        <p:spPr>
+          <a:xfrm>
+            <a:off x="6561602" y="3001881"/>
+            <a:ext cx="1933030" cy="369332"/>
+          </a:xfrm>
+          <a:prstGeom prst="rect">
+            <a:avLst/>
+          </a:prstGeom>
+          <a:solidFill>
+            <a:schemeClr val="accent4">
+              <a:lumMod val="40000"/>
+              <a:lumOff val="60000"/>
+            </a:schemeClr>
+          </a:solidFill>
+        </p:spPr>
+        <p:txBody>
+          <a:bodyPr wrap="none" rtlCol="0">
+            <a:spAutoFit/>
+          </a:bodyPr>
+          <a:lstStyle/>
+          <a:p>
+            <a:r>
+              <a:rPr lang="en-US" altLang="ko-KR" dirty="0" smtClean="0"/>
+              <a:t>API : RESTful API</a:t>
+            </a:r>
+            <a:endParaRPr lang="en-US" altLang="ko-KR" dirty="0" smtClean="0"/>
+          </a:p>
+        </p:txBody>
+      </p:sp>
+      <p:pic>
+        <p:nvPicPr>
+          <p:cNvPr id="5" name="그림 4"/>
+          <p:cNvPicPr>
+            <a:picLocks noChangeAspect="1"/>
+          </p:cNvPicPr>
+          <p:nvPr/>
+        </p:nvPicPr>
+        <p:blipFill>
+          <a:blip r:embed="rId11" cstate="print">
+            <a:extLst>
+              <a:ext uri="{28A0092B-C50C-407E-A947-70E740481C1C}">
+                <a14:useLocalDpi xmlns:a14="http://schemas.microsoft.com/office/drawing/2010/main" val="0"/>
+              </a:ext>
+            </a:extLst>
+          </a:blip>
+          <a:stretch>
+            <a:fillRect/>
+          </a:stretch>
+        </p:blipFill>
+        <p:spPr>
+          <a:xfrm>
+            <a:off x="7432758" y="1483967"/>
+            <a:ext cx="899616" cy="899616"/>
+          </a:xfrm>
+          <a:prstGeom prst="rect">
+            <a:avLst/>
+          </a:prstGeom>
+          <a:solidFill>
+            <a:schemeClr val="bg1">
+              <a:lumMod val="75000"/>
+            </a:schemeClr>
+          </a:solidFill>
+        </p:spPr>
+      </p:pic>
+      <p:pic>
+        <p:nvPicPr>
+          <p:cNvPr id="7" name="그림 6"/>
+          <p:cNvPicPr>
+            <a:picLocks noChangeAspect="1"/>
+          </p:cNvPicPr>
+          <p:nvPr/>
+        </p:nvPicPr>
+        <p:blipFill>
+          <a:blip r:embed="rId12" cstate="print">
+            <a:extLst>
+              <a:ext uri="{28A0092B-C50C-407E-A947-70E740481C1C}">
+                <a14:useLocalDpi xmlns:a14="http://schemas.microsoft.com/office/drawing/2010/main" val="0"/>
+              </a:ext>
+            </a:extLst>
+          </a:blip>
+          <a:stretch>
+            <a:fillRect/>
+          </a:stretch>
+        </p:blipFill>
+        <p:spPr>
+          <a:xfrm>
+            <a:off x="8602899" y="1480383"/>
+            <a:ext cx="629102" cy="887558"/>
+          </a:xfrm>
+          <a:prstGeom prst="rect">
+            <a:avLst/>
+          </a:prstGeom>
+          <a:solidFill>
+            <a:schemeClr val="bg1">
+              <a:lumMod val="75000"/>
+            </a:schemeClr>
+          </a:solidFill>
         </p:spPr>
       </p:pic>
     </p:spTree>
     <p:extLst>
       <p:ext uri="{BB962C8B-B14F-4D97-AF65-F5344CB8AC3E}">
-        <p14:creationId xmlns:p14="http://schemas.microsoft.com/office/powerpoint/2010/main" val="3245168902"/>
+        <p14:creationId xmlns:p14="http://schemas.microsoft.com/office/powerpoint/2010/main" val="1412665012"/>
       </p:ext>
     </p:extLst>
   </p:cSld>
@@ -4554,14 +5694,19 @@
             <p:ph type="title"/>
           </p:nvPr>
         </p:nvSpPr>
-        <p:spPr/>
-        <p:txBody>
-          <a:bodyPr/>
-          <a:lstStyle/>
-          <a:p>
-            <a:r>
-              <a:rPr lang="ko-KR" altLang="en-US" dirty="0" smtClean="0"/>
-              <a:t>로그인 페이지</a:t>
+        <p:spPr>
+          <a:xfrm>
+            <a:off x="838200" y="99753"/>
+            <a:ext cx="10515600" cy="1000732"/>
+          </a:xfrm>
+        </p:spPr>
+        <p:txBody>
+          <a:bodyPr/>
+          <a:lstStyle/>
+          <a:p>
+            <a:r>
+              <a:rPr lang="ko-KR" altLang="en-US" dirty="0" smtClean="0"/>
+              <a:t>메인홈페이지</a:t>
             </a:r>
             <a:endParaRPr lang="ko-KR" altLang="en-US" dirty="0"/>
           </a:p>
@@ -4569,7 +5714,7 @@
       </p:sp>
       <p:pic>
         <p:nvPicPr>
-          <p:cNvPr id="5" name="내용 개체 틀 4"/>
+          <p:cNvPr id="7" name="내용 개체 틀 6"/>
           <p:cNvPicPr>
             <a:picLocks noGrp="1" noChangeAspect="1"/>
           </p:cNvPicPr>
@@ -4585,8 +5730,8 @@
         </p:blipFill>
         <p:spPr>
           <a:xfrm>
-            <a:off x="838201" y="1690688"/>
-            <a:ext cx="3458546" cy="3180570"/>
+            <a:off x="272935" y="1298634"/>
+            <a:ext cx="4074621" cy="4366865"/>
           </a:xfrm>
           <a:prstGeom prst="rect">
             <a:avLst/>
@@ -4596,7 +5741,7 @@
     </p:spTree>
     <p:extLst>
       <p:ext uri="{BB962C8B-B14F-4D97-AF65-F5344CB8AC3E}">
-        <p14:creationId xmlns:p14="http://schemas.microsoft.com/office/powerpoint/2010/main" val="4030228246"/>
+        <p14:creationId xmlns:p14="http://schemas.microsoft.com/office/powerpoint/2010/main" val="3245168902"/>
       </p:ext>
     </p:extLst>
   </p:cSld>
@@ -4640,7 +5785,7 @@
           <a:p>
             <a:r>
               <a:rPr lang="ko-KR" altLang="en-US" dirty="0" smtClean="0"/>
-              <a:t>회원가입 페이지</a:t>
+              <a:t>로그인 페이지</a:t>
             </a:r>
             <a:endParaRPr lang="ko-KR" altLang="en-US" dirty="0"/>
           </a:p>
@@ -4648,7 +5793,7 @@
       </p:sp>
       <p:pic>
         <p:nvPicPr>
-          <p:cNvPr id="4" name="내용 개체 틀 3"/>
+          <p:cNvPr id="5" name="내용 개체 틀 4"/>
           <p:cNvPicPr>
             <a:picLocks noGrp="1" noChangeAspect="1"/>
           </p:cNvPicPr>
@@ -4664,22 +5809,18 @@
         </p:blipFill>
         <p:spPr>
           <a:xfrm>
-            <a:off x="838200" y="1690688"/>
-            <a:ext cx="3000727" cy="4351338"/>
+            <a:off x="838201" y="1690688"/>
+            <a:ext cx="3458546" cy="3180570"/>
           </a:xfrm>
           <a:prstGeom prst="rect">
             <a:avLst/>
           </a:prstGeom>
-          <a:noFill/>
-          <a:effectLst>
-            <a:softEdge rad="63500"/>
-          </a:effectLst>
         </p:spPr>
       </p:pic>
     </p:spTree>
     <p:extLst>
       <p:ext uri="{BB962C8B-B14F-4D97-AF65-F5344CB8AC3E}">
-        <p14:creationId xmlns:p14="http://schemas.microsoft.com/office/powerpoint/2010/main" val="4227334908"/>
+        <p14:creationId xmlns:p14="http://schemas.microsoft.com/office/powerpoint/2010/main" val="4030228246"/>
       </p:ext>
     </p:extLst>
   </p:cSld>
@@ -4723,7 +5864,7 @@
           <a:p>
             <a:r>
               <a:rPr lang="ko-KR" altLang="en-US" dirty="0" smtClean="0"/>
-              <a:t>강의 목록 페이지</a:t>
+              <a:t>회원가입 페이지</a:t>
             </a:r>
             <a:endParaRPr lang="ko-KR" altLang="en-US" dirty="0"/>
           </a:p>
@@ -4748,17 +5889,21 @@
         <p:spPr>
           <a:xfrm>
             <a:off x="838200" y="1690688"/>
-            <a:ext cx="6007586" cy="2973676"/>
+            <a:ext cx="3000727" cy="4351338"/>
           </a:xfrm>
           <a:prstGeom prst="rect">
             <a:avLst/>
           </a:prstGeom>
+          <a:noFill/>
+          <a:effectLst>
+            <a:softEdge rad="63500"/>
+          </a:effectLst>
         </p:spPr>
       </p:pic>
     </p:spTree>
     <p:extLst>
       <p:ext uri="{BB962C8B-B14F-4D97-AF65-F5344CB8AC3E}">
-        <p14:creationId xmlns:p14="http://schemas.microsoft.com/office/powerpoint/2010/main" val="213791086"/>
+        <p14:creationId xmlns:p14="http://schemas.microsoft.com/office/powerpoint/2010/main" val="4227334908"/>
       </p:ext>
     </p:extLst>
   </p:cSld>
@@ -4802,7 +5947,7 @@
           <a:p>
             <a:r>
               <a:rPr lang="ko-KR" altLang="en-US" dirty="0" smtClean="0"/>
-              <a:t>강의 상세 페이지</a:t>
+              <a:t>강의 목록 페이지</a:t>
             </a:r>
             <a:endParaRPr lang="ko-KR" altLang="en-US" dirty="0"/>
           </a:p>
@@ -4826,8 +5971,8 @@
         </p:blipFill>
         <p:spPr>
           <a:xfrm>
-            <a:off x="838200" y="1690688"/>
-            <a:ext cx="5077317" cy="4351338"/>
+            <a:off x="339436" y="1690688"/>
+            <a:ext cx="6007586" cy="2973676"/>
           </a:xfrm>
           <a:prstGeom prst="rect">
             <a:avLst/>
@@ -4837,7 +5982,7 @@
     </p:spTree>
     <p:extLst>
       <p:ext uri="{BB962C8B-B14F-4D97-AF65-F5344CB8AC3E}">
-        <p14:creationId xmlns:p14="http://schemas.microsoft.com/office/powerpoint/2010/main" val="528649219"/>
+        <p14:creationId xmlns:p14="http://schemas.microsoft.com/office/powerpoint/2010/main" val="213791086"/>
       </p:ext>
     </p:extLst>
   </p:cSld>

--- a/1조 project 포트폴리오(이력서용).pptx
+++ b/1조 project 포트폴리오(이력서용).pptx
@@ -11,14 +11,19 @@
     <p:sldId id="266" r:id="rId5"/>
     <p:sldId id="269" r:id="rId6"/>
     <p:sldId id="257" r:id="rId7"/>
-    <p:sldId id="258" r:id="rId8"/>
-    <p:sldId id="259" r:id="rId9"/>
-    <p:sldId id="260" r:id="rId10"/>
-    <p:sldId id="261" r:id="rId11"/>
-    <p:sldId id="268" r:id="rId12"/>
-    <p:sldId id="262" r:id="rId13"/>
-    <p:sldId id="263" r:id="rId14"/>
-    <p:sldId id="267" r:id="rId15"/>
+    <p:sldId id="272" r:id="rId8"/>
+    <p:sldId id="258" r:id="rId9"/>
+    <p:sldId id="259" r:id="rId10"/>
+    <p:sldId id="260" r:id="rId11"/>
+    <p:sldId id="270" r:id="rId12"/>
+    <p:sldId id="271" r:id="rId13"/>
+    <p:sldId id="261" r:id="rId14"/>
+    <p:sldId id="268" r:id="rId15"/>
+    <p:sldId id="274" r:id="rId16"/>
+    <p:sldId id="273" r:id="rId17"/>
+    <p:sldId id="262" r:id="rId18"/>
+    <p:sldId id="263" r:id="rId19"/>
+    <p:sldId id="267" r:id="rId20"/>
   </p:sldIdLst>
   <p:sldSz cx="12192000" cy="6858000"/>
   <p:notesSz cx="6858000" cy="9144000"/>
@@ -256,7 +261,7 @@
           <a:p>
             <a:fld id="{85695E44-A86B-40ED-B5B4-EEE8D66F9E70}" type="datetimeFigureOut">
               <a:rPr lang="ko-KR" altLang="en-US" smtClean="0"/>
-              <a:t>2023-03-02</a:t>
+              <a:t>2023-03-03</a:t>
             </a:fld>
             <a:endParaRPr lang="ko-KR" altLang="en-US"/>
           </a:p>
@@ -426,7 +431,7 @@
           <a:p>
             <a:fld id="{85695E44-A86B-40ED-B5B4-EEE8D66F9E70}" type="datetimeFigureOut">
               <a:rPr lang="ko-KR" altLang="en-US" smtClean="0"/>
-              <a:t>2023-03-02</a:t>
+              <a:t>2023-03-03</a:t>
             </a:fld>
             <a:endParaRPr lang="ko-KR" altLang="en-US"/>
           </a:p>
@@ -606,7 +611,7 @@
           <a:p>
             <a:fld id="{85695E44-A86B-40ED-B5B4-EEE8D66F9E70}" type="datetimeFigureOut">
               <a:rPr lang="ko-KR" altLang="en-US" smtClean="0"/>
-              <a:t>2023-03-02</a:t>
+              <a:t>2023-03-03</a:t>
             </a:fld>
             <a:endParaRPr lang="ko-KR" altLang="en-US"/>
           </a:p>
@@ -776,7 +781,7 @@
           <a:p>
             <a:fld id="{85695E44-A86B-40ED-B5B4-EEE8D66F9E70}" type="datetimeFigureOut">
               <a:rPr lang="ko-KR" altLang="en-US" smtClean="0"/>
-              <a:t>2023-03-02</a:t>
+              <a:t>2023-03-03</a:t>
             </a:fld>
             <a:endParaRPr lang="ko-KR" altLang="en-US"/>
           </a:p>
@@ -1022,7 +1027,7 @@
           <a:p>
             <a:fld id="{85695E44-A86B-40ED-B5B4-EEE8D66F9E70}" type="datetimeFigureOut">
               <a:rPr lang="ko-KR" altLang="en-US" smtClean="0"/>
-              <a:t>2023-03-02</a:t>
+              <a:t>2023-03-03</a:t>
             </a:fld>
             <a:endParaRPr lang="ko-KR" altLang="en-US"/>
           </a:p>
@@ -1254,7 +1259,7 @@
           <a:p>
             <a:fld id="{85695E44-A86B-40ED-B5B4-EEE8D66F9E70}" type="datetimeFigureOut">
               <a:rPr lang="ko-KR" altLang="en-US" smtClean="0"/>
-              <a:t>2023-03-02</a:t>
+              <a:t>2023-03-03</a:t>
             </a:fld>
             <a:endParaRPr lang="ko-KR" altLang="en-US"/>
           </a:p>
@@ -1621,7 +1626,7 @@
           <a:p>
             <a:fld id="{85695E44-A86B-40ED-B5B4-EEE8D66F9E70}" type="datetimeFigureOut">
               <a:rPr lang="ko-KR" altLang="en-US" smtClean="0"/>
-              <a:t>2023-03-02</a:t>
+              <a:t>2023-03-03</a:t>
             </a:fld>
             <a:endParaRPr lang="ko-KR" altLang="en-US"/>
           </a:p>
@@ -1739,7 +1744,7 @@
           <a:p>
             <a:fld id="{85695E44-A86B-40ED-B5B4-EEE8D66F9E70}" type="datetimeFigureOut">
               <a:rPr lang="ko-KR" altLang="en-US" smtClean="0"/>
-              <a:t>2023-03-02</a:t>
+              <a:t>2023-03-03</a:t>
             </a:fld>
             <a:endParaRPr lang="ko-KR" altLang="en-US"/>
           </a:p>
@@ -1834,7 +1839,7 @@
           <a:p>
             <a:fld id="{85695E44-A86B-40ED-B5B4-EEE8D66F9E70}" type="datetimeFigureOut">
               <a:rPr lang="ko-KR" altLang="en-US" smtClean="0"/>
-              <a:t>2023-03-02</a:t>
+              <a:t>2023-03-03</a:t>
             </a:fld>
             <a:endParaRPr lang="ko-KR" altLang="en-US"/>
           </a:p>
@@ -2111,7 +2116,7 @@
           <a:p>
             <a:fld id="{85695E44-A86B-40ED-B5B4-EEE8D66F9E70}" type="datetimeFigureOut">
               <a:rPr lang="ko-KR" altLang="en-US" smtClean="0"/>
-              <a:t>2023-03-02</a:t>
+              <a:t>2023-03-03</a:t>
             </a:fld>
             <a:endParaRPr lang="ko-KR" altLang="en-US"/>
           </a:p>
@@ -2364,7 +2369,7 @@
           <a:p>
             <a:fld id="{85695E44-A86B-40ED-B5B4-EEE8D66F9E70}" type="datetimeFigureOut">
               <a:rPr lang="ko-KR" altLang="en-US" smtClean="0"/>
-              <a:t>2023-03-02</a:t>
+              <a:t>2023-03-03</a:t>
             </a:fld>
             <a:endParaRPr lang="ko-KR" altLang="en-US"/>
           </a:p>
@@ -2577,7 +2582,7 @@
           <a:p>
             <a:fld id="{85695E44-A86B-40ED-B5B4-EEE8D66F9E70}" type="datetimeFigureOut">
               <a:rPr lang="ko-KR" altLang="en-US" smtClean="0"/>
-              <a:t>2023-03-02</a:t>
+              <a:t>2023-03-03</a:t>
             </a:fld>
             <a:endParaRPr lang="ko-KR" altLang="en-US"/>
           </a:p>
@@ -3039,7 +3044,53 @@
           <a:p>
             <a:r>
               <a:rPr lang="ko-KR" altLang="en-US" dirty="0" smtClean="0"/>
-              <a:t>온라인 강의 사이트</a:t>
+              <a:t>온라인 강의 </a:t>
+            </a:r>
+            <a:r>
+              <a:rPr lang="ko-KR" altLang="en-US" dirty="0" smtClean="0"/>
+              <a:t>사이트</a:t>
+            </a:r>
+            <a:endParaRPr lang="en-US" altLang="ko-KR" dirty="0" smtClean="0"/>
+          </a:p>
+          <a:p>
+            <a:endParaRPr lang="en-US" altLang="ko-KR" dirty="0" smtClean="0"/>
+          </a:p>
+          <a:p>
+            <a:r>
+              <a:rPr lang="ko-KR" altLang="en-US" dirty="0" err="1" smtClean="0"/>
+              <a:t>강동욱</a:t>
+            </a:r>
+            <a:r>
+              <a:rPr lang="en-US" altLang="ko-KR" dirty="0" smtClean="0"/>
+              <a:t>, </a:t>
+            </a:r>
+            <a:r>
+              <a:rPr lang="ko-KR" altLang="en-US" dirty="0" smtClean="0"/>
+              <a:t>권용범</a:t>
+            </a:r>
+            <a:r>
+              <a:rPr lang="en-US" altLang="ko-KR" dirty="0" smtClean="0"/>
+              <a:t>, </a:t>
+            </a:r>
+            <a:r>
+              <a:rPr lang="ko-KR" altLang="en-US" dirty="0" smtClean="0"/>
+              <a:t>박수현</a:t>
+            </a:r>
+            <a:r>
+              <a:rPr lang="en-US" altLang="ko-KR" dirty="0" smtClean="0"/>
+              <a:t>, </a:t>
+            </a:r>
+            <a:r>
+              <a:rPr lang="ko-KR" altLang="en-US" dirty="0" err="1" smtClean="0"/>
+              <a:t>양진구</a:t>
+            </a:r>
+            <a:r>
+              <a:rPr lang="en-US" altLang="ko-KR" dirty="0" smtClean="0"/>
+              <a:t>, </a:t>
+            </a:r>
+            <a:r>
+              <a:rPr lang="ko-KR" altLang="en-US" dirty="0" smtClean="0"/>
+              <a:t>이영인</a:t>
             </a:r>
             <a:endParaRPr lang="ko-KR" altLang="en-US" dirty="0"/>
           </a:p>
@@ -3092,15 +3143,7 @@
           <a:p>
             <a:r>
               <a:rPr lang="ko-KR" altLang="en-US" dirty="0" smtClean="0"/>
-              <a:t>강의 상세 </a:t>
-            </a:r>
-            <a:r>
-              <a:rPr lang="ko-KR" altLang="en-US" dirty="0" smtClean="0"/>
-              <a:t>페이지 </a:t>
-            </a:r>
-            <a:r>
-              <a:rPr lang="en-US" altLang="ko-KR" dirty="0" smtClean="0"/>
-              <a:t>- 1</a:t>
+              <a:t>강의 목록 페이지</a:t>
             </a:r>
             <a:endParaRPr lang="ko-KR" altLang="en-US" dirty="0"/>
           </a:p>
@@ -3124,8 +3167,8 @@
         </p:blipFill>
         <p:spPr>
           <a:xfrm>
-            <a:off x="838200" y="1690688"/>
-            <a:ext cx="5077317" cy="4351338"/>
+            <a:off x="339436" y="1690688"/>
+            <a:ext cx="6007586" cy="2973676"/>
           </a:xfrm>
           <a:prstGeom prst="rect">
             <a:avLst/>
@@ -3135,7 +3178,7 @@
     </p:spTree>
     <p:extLst>
       <p:ext uri="{BB962C8B-B14F-4D97-AF65-F5344CB8AC3E}">
-        <p14:creationId xmlns:p14="http://schemas.microsoft.com/office/powerpoint/2010/main" val="528649219"/>
+        <p14:creationId xmlns:p14="http://schemas.microsoft.com/office/powerpoint/2010/main" val="213791086"/>
       </p:ext>
     </p:extLst>
   </p:cSld>
@@ -3179,15 +3222,7 @@
           <a:p>
             <a:r>
               <a:rPr lang="ko-KR" altLang="en-US" dirty="0" smtClean="0"/>
-              <a:t>강의 상세 </a:t>
-            </a:r>
-            <a:r>
-              <a:rPr lang="ko-KR" altLang="en-US" dirty="0" smtClean="0"/>
-              <a:t>페이지 </a:t>
-            </a:r>
-            <a:r>
-              <a:rPr lang="en-US" altLang="ko-KR" dirty="0" smtClean="0"/>
-              <a:t>- 2</a:t>
+              <a:t>강의 목록 페이지</a:t>
             </a:r>
             <a:endParaRPr lang="ko-KR" altLang="en-US" dirty="0"/>
           </a:p>
@@ -3211,8 +3246,8 @@
         </p:blipFill>
         <p:spPr>
           <a:xfrm>
-            <a:off x="838200" y="1690688"/>
-            <a:ext cx="5077317" cy="4351338"/>
+            <a:off x="339436" y="1690688"/>
+            <a:ext cx="6007586" cy="2973676"/>
           </a:xfrm>
           <a:prstGeom prst="rect">
             <a:avLst/>
@@ -3222,7 +3257,7 @@
     </p:spTree>
     <p:extLst>
       <p:ext uri="{BB962C8B-B14F-4D97-AF65-F5344CB8AC3E}">
-        <p14:creationId xmlns:p14="http://schemas.microsoft.com/office/powerpoint/2010/main" val="1101745379"/>
+        <p14:creationId xmlns:p14="http://schemas.microsoft.com/office/powerpoint/2010/main" val="790637500"/>
       </p:ext>
     </p:extLst>
   </p:cSld>
@@ -3265,12 +3300,8 @@
           <a:lstStyle/>
           <a:p>
             <a:r>
-              <a:rPr lang="ko-KR" altLang="en-US" dirty="0" err="1" smtClean="0"/>
-              <a:t>수강바구니</a:t>
-            </a:r>
-            <a:r>
-              <a:rPr lang="ko-KR" altLang="en-US" dirty="0" smtClean="0"/>
-              <a:t> 페이지</a:t>
+              <a:rPr lang="ko-KR" altLang="en-US" dirty="0" smtClean="0"/>
+              <a:t>강의 목록 페이지</a:t>
             </a:r>
             <a:endParaRPr lang="ko-KR" altLang="en-US" dirty="0"/>
           </a:p>
@@ -3294,19 +3325,18 @@
         </p:blipFill>
         <p:spPr>
           <a:xfrm>
-            <a:off x="838200" y="1690688"/>
-            <a:ext cx="5436082" cy="2678112"/>
-          </a:xfrm>
-          <a:prstGeom prst="rect">
-            <a:avLst/>
-          </a:prstGeom>
-          <a:effectLst/>
+            <a:off x="339436" y="1690688"/>
+            <a:ext cx="6007586" cy="2973676"/>
+          </a:xfrm>
+          <a:prstGeom prst="rect">
+            <a:avLst/>
+          </a:prstGeom>
         </p:spPr>
       </p:pic>
     </p:spTree>
     <p:extLst>
       <p:ext uri="{BB962C8B-B14F-4D97-AF65-F5344CB8AC3E}">
-        <p14:creationId xmlns:p14="http://schemas.microsoft.com/office/powerpoint/2010/main" val="3906069852"/>
+        <p14:creationId xmlns:p14="http://schemas.microsoft.com/office/powerpoint/2010/main" val="4220909973"/>
       </p:ext>
     </p:extLst>
   </p:cSld>
@@ -3343,49 +3373,165 @@
             <p:ph type="title"/>
           </p:nvPr>
         </p:nvSpPr>
-        <p:spPr/>
-        <p:txBody>
-          <a:bodyPr/>
-          <a:lstStyle/>
-          <a:p>
-            <a:r>
-              <a:rPr lang="ko-KR" altLang="en-US" dirty="0" err="1" smtClean="0"/>
-              <a:t>마이페이지</a:t>
-            </a:r>
-            <a:endParaRPr lang="ko-KR" altLang="en-US" dirty="0"/>
+        <p:spPr>
+          <a:xfrm>
+            <a:off x="2414153" y="69191"/>
+            <a:ext cx="6729847" cy="728832"/>
+          </a:xfrm>
+        </p:spPr>
+        <p:txBody>
+          <a:bodyPr>
+            <a:normAutofit/>
+          </a:bodyPr>
+          <a:lstStyle/>
+          <a:p>
+            <a:r>
+              <a:rPr lang="ko-KR" altLang="en-US" sz="3600" dirty="0" smtClean="0"/>
+              <a:t>강의 상세 페이지 </a:t>
+            </a:r>
+            <a:r>
+              <a:rPr lang="en-US" altLang="ko-KR" sz="3600" dirty="0" smtClean="0"/>
+              <a:t>– </a:t>
+            </a:r>
+            <a:r>
+              <a:rPr lang="ko-KR" altLang="en-US" sz="3600" dirty="0" smtClean="0"/>
+              <a:t>페이지 출력</a:t>
+            </a:r>
+            <a:endParaRPr lang="ko-KR" altLang="en-US" sz="3600" dirty="0"/>
           </a:p>
         </p:txBody>
       </p:sp>
       <p:pic>
         <p:nvPicPr>
-          <p:cNvPr id="4" name="내용 개체 틀 3"/>
+          <p:cNvPr id="3" name="그림 2"/>
           <p:cNvPicPr>
-            <a:picLocks noGrp="1" noChangeAspect="1"/>
+            <a:picLocks noChangeAspect="1"/>
           </p:cNvPicPr>
-          <p:nvPr>
-            <p:ph idx="1"/>
-          </p:nvPr>
+          <p:nvPr/>
         </p:nvPicPr>
         <p:blipFill>
-          <a:blip r:embed="rId2"/>
+          <a:blip r:embed="rId2">
+            <a:extLst>
+              <a:ext uri="{28A0092B-C50C-407E-A947-70E740481C1C}">
+                <a14:useLocalDpi xmlns:a14="http://schemas.microsoft.com/office/drawing/2010/main" val="0"/>
+              </a:ext>
+            </a:extLst>
+          </a:blip>
           <a:stretch>
             <a:fillRect/>
           </a:stretch>
         </p:blipFill>
         <p:spPr>
           <a:xfrm>
-            <a:off x="1698420" y="1825625"/>
-            <a:ext cx="8795159" cy="4351338"/>
-          </a:xfrm>
-          <a:prstGeom prst="rect">
-            <a:avLst/>
-          </a:prstGeom>
+            <a:off x="108066" y="903531"/>
+            <a:ext cx="6407114" cy="3180570"/>
+          </a:xfrm>
+          <a:prstGeom prst="rect">
+            <a:avLst/>
+          </a:prstGeom>
+          <a:ln>
+            <a:solidFill>
+              <a:schemeClr val="accent1"/>
+            </a:solidFill>
+          </a:ln>
+        </p:spPr>
+      </p:pic>
+      <p:sp>
+        <p:nvSpPr>
+          <p:cNvPr id="6" name="TextBox 5"/>
+          <p:cNvSpPr txBox="1"/>
+          <p:nvPr/>
+        </p:nvSpPr>
+        <p:spPr>
+          <a:xfrm>
+            <a:off x="781396" y="4613585"/>
+            <a:ext cx="10673541" cy="646331"/>
+          </a:xfrm>
+          <a:prstGeom prst="rect">
+            <a:avLst/>
+          </a:prstGeom>
+          <a:noFill/>
+        </p:spPr>
+        <p:txBody>
+          <a:bodyPr wrap="square" rtlCol="0">
+            <a:spAutoFit/>
+          </a:bodyPr>
+          <a:lstStyle/>
+          <a:p>
+            <a:r>
+              <a:rPr lang="ko-KR" altLang="en-US" dirty="0" smtClean="0"/>
+              <a:t>메인 페이지나 목록 페이지에서 강의를 클릭 할 시</a:t>
+            </a:r>
+            <a:r>
+              <a:rPr lang="en-US" altLang="ko-KR" dirty="0" smtClean="0"/>
+              <a:t>, </a:t>
+            </a:r>
+            <a:r>
+              <a:rPr lang="ko-KR" altLang="en-US" dirty="0" smtClean="0"/>
+              <a:t>해당 강의의 클래스</a:t>
+            </a:r>
+            <a:r>
+              <a:rPr lang="en-US" altLang="ko-KR" dirty="0" smtClean="0"/>
+              <a:t>ID</a:t>
+            </a:r>
+            <a:r>
+              <a:rPr lang="ko-KR" altLang="en-US" dirty="0" smtClean="0"/>
+              <a:t>에 따라</a:t>
+            </a:r>
+            <a:endParaRPr lang="en-US" altLang="ko-KR" dirty="0" smtClean="0"/>
+          </a:p>
+          <a:p>
+            <a:r>
+              <a:rPr lang="ko-KR" altLang="en-US" dirty="0" smtClean="0"/>
+              <a:t>상세 페이지에서 출력되는 데이터가 달라지도록 설정했습니다</a:t>
+            </a:r>
+            <a:r>
+              <a:rPr lang="en-US" altLang="ko-KR" dirty="0" smtClean="0"/>
+              <a:t>.</a:t>
+            </a:r>
+            <a:endParaRPr lang="ko-KR" altLang="en-US" dirty="0"/>
+          </a:p>
+        </p:txBody>
+      </p:sp>
+      <p:pic>
+        <p:nvPicPr>
+          <p:cNvPr id="7" name="그림 6"/>
+          <p:cNvPicPr>
+            <a:picLocks noChangeAspect="1"/>
+          </p:cNvPicPr>
+          <p:nvPr/>
+        </p:nvPicPr>
+        <p:blipFill>
+          <a:blip r:embed="rId3" cstate="print">
+            <a:extLst>
+              <a:ext uri="{28A0092B-C50C-407E-A947-70E740481C1C}">
+                <a14:useLocalDpi xmlns:a14="http://schemas.microsoft.com/office/drawing/2010/main" val="0"/>
+              </a:ext>
+            </a:extLst>
+          </a:blip>
+          <a:stretch>
+            <a:fillRect/>
+          </a:stretch>
+        </p:blipFill>
+        <p:spPr>
+          <a:xfrm>
+            <a:off x="6683432" y="903531"/>
+            <a:ext cx="5210196" cy="3180570"/>
+          </a:xfrm>
+          <a:prstGeom prst="rect">
+            <a:avLst/>
+          </a:prstGeom>
+          <a:ln>
+            <a:solidFill>
+              <a:schemeClr val="accent1"/>
+            </a:solidFill>
+          </a:ln>
         </p:spPr>
       </p:pic>
     </p:spTree>
     <p:extLst>
       <p:ext uri="{BB962C8B-B14F-4D97-AF65-F5344CB8AC3E}">
-        <p14:creationId xmlns:p14="http://schemas.microsoft.com/office/powerpoint/2010/main" val="3902283714"/>
+        <p14:creationId xmlns:p14="http://schemas.microsoft.com/office/powerpoint/2010/main" val="528649219"/>
       </p:ext>
     </p:extLst>
   </p:cSld>
@@ -3424,6 +3570,679 @@
         </p:nvSpPr>
         <p:spPr>
           <a:xfrm>
+            <a:off x="112957" y="148996"/>
+            <a:ext cx="7476564" cy="806970"/>
+          </a:xfrm>
+        </p:spPr>
+        <p:txBody>
+          <a:bodyPr/>
+          <a:lstStyle/>
+          <a:p>
+            <a:r>
+              <a:rPr lang="ko-KR" altLang="en-US" dirty="0" smtClean="0"/>
+              <a:t>강의 상세 페이지 </a:t>
+            </a:r>
+            <a:r>
+              <a:rPr lang="en-US" altLang="ko-KR" dirty="0" smtClean="0"/>
+              <a:t>- </a:t>
+            </a:r>
+            <a:r>
+              <a:rPr lang="ko-KR" altLang="en-US" dirty="0" smtClean="0"/>
+              <a:t>커리큘럼</a:t>
+            </a:r>
+            <a:endParaRPr lang="ko-KR" altLang="en-US" dirty="0"/>
+          </a:p>
+        </p:txBody>
+      </p:sp>
+      <p:pic>
+        <p:nvPicPr>
+          <p:cNvPr id="5" name="내용 개체 틀 4"/>
+          <p:cNvPicPr>
+            <a:picLocks noGrp="1" noChangeAspect="1"/>
+          </p:cNvPicPr>
+          <p:nvPr>
+            <p:ph idx="1"/>
+          </p:nvPr>
+        </p:nvPicPr>
+        <p:blipFill>
+          <a:blip r:embed="rId2" cstate="print">
+            <a:extLst>
+              <a:ext uri="{28A0092B-C50C-407E-A947-70E740481C1C}">
+                <a14:useLocalDpi xmlns:a14="http://schemas.microsoft.com/office/drawing/2010/main" val="0"/>
+              </a:ext>
+            </a:extLst>
+          </a:blip>
+          <a:stretch>
+            <a:fillRect/>
+          </a:stretch>
+        </p:blipFill>
+        <p:spPr>
+          <a:xfrm>
+            <a:off x="112957" y="2272578"/>
+            <a:ext cx="2913996" cy="3305262"/>
+          </a:xfrm>
+          <a:ln>
+            <a:solidFill>
+              <a:schemeClr val="accent1"/>
+            </a:solidFill>
+          </a:ln>
+        </p:spPr>
+      </p:pic>
+      <p:pic>
+        <p:nvPicPr>
+          <p:cNvPr id="6" name="그림 5"/>
+          <p:cNvPicPr>
+            <a:picLocks noChangeAspect="1"/>
+          </p:cNvPicPr>
+          <p:nvPr/>
+        </p:nvPicPr>
+        <p:blipFill>
+          <a:blip r:embed="rId3">
+            <a:extLst>
+              <a:ext uri="{28A0092B-C50C-407E-A947-70E740481C1C}">
+                <a14:useLocalDpi xmlns:a14="http://schemas.microsoft.com/office/drawing/2010/main" val="0"/>
+              </a:ext>
+            </a:extLst>
+          </a:blip>
+          <a:stretch>
+            <a:fillRect/>
+          </a:stretch>
+        </p:blipFill>
+        <p:spPr>
+          <a:xfrm>
+            <a:off x="8000067" y="148996"/>
+            <a:ext cx="3769209" cy="2737279"/>
+          </a:xfrm>
+          <a:prstGeom prst="rect">
+            <a:avLst/>
+          </a:prstGeom>
+          <a:ln>
+            <a:solidFill>
+              <a:schemeClr val="accent1"/>
+            </a:solidFill>
+          </a:ln>
+        </p:spPr>
+      </p:pic>
+      <p:pic>
+        <p:nvPicPr>
+          <p:cNvPr id="7" name="그림 6"/>
+          <p:cNvPicPr>
+            <a:picLocks noChangeAspect="1"/>
+          </p:cNvPicPr>
+          <p:nvPr/>
+        </p:nvPicPr>
+        <p:blipFill>
+          <a:blip r:embed="rId4">
+            <a:extLst>
+              <a:ext uri="{28A0092B-C50C-407E-A947-70E740481C1C}">
+                <a14:useLocalDpi xmlns:a14="http://schemas.microsoft.com/office/drawing/2010/main" val="0"/>
+              </a:ext>
+            </a:extLst>
+          </a:blip>
+          <a:stretch>
+            <a:fillRect/>
+          </a:stretch>
+        </p:blipFill>
+        <p:spPr>
+          <a:xfrm>
+            <a:off x="7380318" y="2967643"/>
+            <a:ext cx="4388958" cy="3610021"/>
+          </a:xfrm>
+          <a:prstGeom prst="rect">
+            <a:avLst/>
+          </a:prstGeom>
+          <a:ln>
+            <a:solidFill>
+              <a:schemeClr val="accent1"/>
+            </a:solidFill>
+          </a:ln>
+        </p:spPr>
+      </p:pic>
+      <p:sp>
+        <p:nvSpPr>
+          <p:cNvPr id="8" name="TextBox 7"/>
+          <p:cNvSpPr txBox="1"/>
+          <p:nvPr/>
+        </p:nvSpPr>
+        <p:spPr>
+          <a:xfrm>
+            <a:off x="3026953" y="3075709"/>
+            <a:ext cx="4286751" cy="923330"/>
+          </a:xfrm>
+          <a:prstGeom prst="rect">
+            <a:avLst/>
+          </a:prstGeom>
+          <a:noFill/>
+        </p:spPr>
+        <p:txBody>
+          <a:bodyPr wrap="none" rtlCol="0">
+            <a:spAutoFit/>
+          </a:bodyPr>
+          <a:lstStyle/>
+          <a:p>
+            <a:r>
+              <a:rPr lang="ko-KR" altLang="en-US" dirty="0" smtClean="0"/>
+              <a:t>커리큘럼을 펼쳤을 때 콘텐츠 표시는</a:t>
+            </a:r>
+            <a:endParaRPr lang="en-US" altLang="ko-KR" dirty="0" smtClean="0"/>
+          </a:p>
+          <a:p>
+            <a:r>
+              <a:rPr lang="ko-KR" altLang="en-US" dirty="0" smtClean="0"/>
+              <a:t>해당 강의 구매 여부에 따라 표시되도록</a:t>
+            </a:r>
+            <a:endParaRPr lang="en-US" altLang="ko-KR" dirty="0" smtClean="0"/>
+          </a:p>
+          <a:p>
+            <a:r>
+              <a:rPr lang="ko-KR" altLang="en-US" dirty="0" smtClean="0"/>
+              <a:t>했습니다</a:t>
+            </a:r>
+            <a:r>
+              <a:rPr lang="en-US" altLang="ko-KR" dirty="0" smtClean="0"/>
+              <a:t>.</a:t>
+            </a:r>
+            <a:endParaRPr lang="ko-KR" altLang="en-US" dirty="0"/>
+          </a:p>
+        </p:txBody>
+      </p:sp>
+      <p:sp>
+        <p:nvSpPr>
+          <p:cNvPr id="9" name="TextBox 8"/>
+          <p:cNvSpPr txBox="1"/>
+          <p:nvPr/>
+        </p:nvSpPr>
+        <p:spPr>
+          <a:xfrm>
+            <a:off x="8129847" y="1517635"/>
+            <a:ext cx="877163" cy="369332"/>
+          </a:xfrm>
+          <a:prstGeom prst="rect">
+            <a:avLst/>
+          </a:prstGeom>
+          <a:noFill/>
+        </p:spPr>
+        <p:txBody>
+          <a:bodyPr wrap="none" rtlCol="0">
+            <a:spAutoFit/>
+          </a:bodyPr>
+          <a:lstStyle/>
+          <a:p>
+            <a:r>
+              <a:rPr lang="ko-KR" altLang="en-US" dirty="0" err="1" smtClean="0"/>
+              <a:t>미구매</a:t>
+            </a:r>
+            <a:endParaRPr lang="ko-KR" altLang="en-US" dirty="0"/>
+          </a:p>
+        </p:txBody>
+      </p:sp>
+      <p:sp>
+        <p:nvSpPr>
+          <p:cNvPr id="10" name="TextBox 9"/>
+          <p:cNvSpPr txBox="1"/>
+          <p:nvPr/>
+        </p:nvSpPr>
+        <p:spPr>
+          <a:xfrm>
+            <a:off x="7589521" y="4897952"/>
+            <a:ext cx="646331" cy="369332"/>
+          </a:xfrm>
+          <a:prstGeom prst="rect">
+            <a:avLst/>
+          </a:prstGeom>
+          <a:noFill/>
+        </p:spPr>
+        <p:txBody>
+          <a:bodyPr wrap="none" rtlCol="0">
+            <a:spAutoFit/>
+          </a:bodyPr>
+          <a:lstStyle/>
+          <a:p>
+            <a:r>
+              <a:rPr lang="ko-KR" altLang="en-US" dirty="0" smtClean="0"/>
+              <a:t>구매</a:t>
+            </a:r>
+            <a:endParaRPr lang="ko-KR" altLang="en-US" dirty="0"/>
+          </a:p>
+        </p:txBody>
+      </p:sp>
+    </p:spTree>
+    <p:extLst>
+      <p:ext uri="{BB962C8B-B14F-4D97-AF65-F5344CB8AC3E}">
+        <p14:creationId xmlns:p14="http://schemas.microsoft.com/office/powerpoint/2010/main" val="1101745379"/>
+      </p:ext>
+    </p:extLst>
+  </p:cSld>
+  <p:clrMapOvr>
+    <a:masterClrMapping/>
+  </p:clrMapOvr>
+</p:sld>
+</file>
+
+<file path=ppt/slides/slide15.xml><?xml version="1.0" encoding="utf-8"?>
+<p:sld xmlns:a="http://schemas.openxmlformats.org/drawingml/2006/main" xmlns:r="http://schemas.openxmlformats.org/officeDocument/2006/relationships" xmlns:p="http://schemas.openxmlformats.org/presentationml/2006/main">
+  <p:cSld>
+    <p:spTree>
+      <p:nvGrpSpPr>
+        <p:cNvPr id="1" name=""/>
+        <p:cNvGrpSpPr/>
+        <p:nvPr/>
+      </p:nvGrpSpPr>
+      <p:grpSpPr>
+        <a:xfrm>
+          <a:off x="0" y="0"/>
+          <a:ext cx="0" cy="0"/>
+          <a:chOff x="0" y="0"/>
+          <a:chExt cx="0" cy="0"/>
+        </a:xfrm>
+      </p:grpSpPr>
+      <p:sp>
+        <p:nvSpPr>
+          <p:cNvPr id="2" name="제목 1"/>
+          <p:cNvSpPr>
+            <a:spLocks noGrp="1"/>
+          </p:cNvSpPr>
+          <p:nvPr>
+            <p:ph type="title"/>
+          </p:nvPr>
+        </p:nvSpPr>
+        <p:spPr>
+          <a:xfrm>
+            <a:off x="112957" y="148996"/>
+            <a:ext cx="9587996" cy="806970"/>
+          </a:xfrm>
+        </p:spPr>
+        <p:txBody>
+          <a:bodyPr>
+            <a:normAutofit/>
+          </a:bodyPr>
+          <a:lstStyle/>
+          <a:p>
+            <a:r>
+              <a:rPr lang="ko-KR" altLang="en-US" dirty="0" smtClean="0"/>
+              <a:t>강의 상세 페이지 </a:t>
+            </a:r>
+            <a:r>
+              <a:rPr lang="en-US" altLang="ko-KR" dirty="0" smtClean="0"/>
+              <a:t>– </a:t>
+            </a:r>
+            <a:r>
+              <a:rPr lang="ko-KR" altLang="en-US" dirty="0" smtClean="0"/>
+              <a:t>커리큘럼</a:t>
+            </a:r>
+            <a:r>
+              <a:rPr lang="en-US" altLang="ko-KR" dirty="0" smtClean="0"/>
+              <a:t>2</a:t>
+            </a:r>
+            <a:endParaRPr lang="ko-KR" altLang="en-US" dirty="0"/>
+          </a:p>
+        </p:txBody>
+      </p:sp>
+      <p:pic>
+        <p:nvPicPr>
+          <p:cNvPr id="7" name="그림 6"/>
+          <p:cNvPicPr>
+            <a:picLocks noChangeAspect="1"/>
+          </p:cNvPicPr>
+          <p:nvPr/>
+        </p:nvPicPr>
+        <p:blipFill>
+          <a:blip r:embed="rId2">
+            <a:extLst>
+              <a:ext uri="{28A0092B-C50C-407E-A947-70E740481C1C}">
+                <a14:useLocalDpi xmlns:a14="http://schemas.microsoft.com/office/drawing/2010/main" val="0"/>
+              </a:ext>
+            </a:extLst>
+          </a:blip>
+          <a:stretch>
+            <a:fillRect/>
+          </a:stretch>
+        </p:blipFill>
+        <p:spPr>
+          <a:xfrm>
+            <a:off x="112956" y="1105592"/>
+            <a:ext cx="6569141" cy="5403273"/>
+          </a:xfrm>
+          <a:prstGeom prst="rect">
+            <a:avLst/>
+          </a:prstGeom>
+          <a:ln>
+            <a:solidFill>
+              <a:schemeClr val="accent1"/>
+            </a:solidFill>
+          </a:ln>
+        </p:spPr>
+      </p:pic>
+      <p:sp>
+        <p:nvSpPr>
+          <p:cNvPr id="4" name="TextBox 3"/>
+          <p:cNvSpPr txBox="1"/>
+          <p:nvPr/>
+        </p:nvSpPr>
+        <p:spPr>
+          <a:xfrm>
+            <a:off x="6778339" y="3437896"/>
+            <a:ext cx="5413661" cy="369332"/>
+          </a:xfrm>
+          <a:prstGeom prst="rect">
+            <a:avLst/>
+          </a:prstGeom>
+          <a:noFill/>
+        </p:spPr>
+        <p:txBody>
+          <a:bodyPr wrap="none" rtlCol="0">
+            <a:spAutoFit/>
+          </a:bodyPr>
+          <a:lstStyle/>
+          <a:p>
+            <a:r>
+              <a:rPr lang="ko-KR" altLang="en-US" dirty="0" smtClean="0"/>
+              <a:t>영상 출력은 </a:t>
+            </a:r>
+            <a:r>
+              <a:rPr lang="en-US" altLang="ko-KR" dirty="0" smtClean="0"/>
+              <a:t>Iframe </a:t>
+            </a:r>
+            <a:r>
+              <a:rPr lang="ko-KR" altLang="en-US" dirty="0" smtClean="0"/>
+              <a:t>태그를 사용하여 출력했습니다</a:t>
+            </a:r>
+            <a:r>
+              <a:rPr lang="en-US" altLang="ko-KR" dirty="0" smtClean="0"/>
+              <a:t>.</a:t>
+            </a:r>
+            <a:endParaRPr lang="ko-KR" altLang="en-US" dirty="0"/>
+          </a:p>
+        </p:txBody>
+      </p:sp>
+    </p:spTree>
+    <p:extLst>
+      <p:ext uri="{BB962C8B-B14F-4D97-AF65-F5344CB8AC3E}">
+        <p14:creationId xmlns:p14="http://schemas.microsoft.com/office/powerpoint/2010/main" val="4259233734"/>
+      </p:ext>
+    </p:extLst>
+  </p:cSld>
+  <p:clrMapOvr>
+    <a:masterClrMapping/>
+  </p:clrMapOvr>
+</p:sld>
+</file>
+
+<file path=ppt/slides/slide16.xml><?xml version="1.0" encoding="utf-8"?>
+<p:sld xmlns:a="http://schemas.openxmlformats.org/drawingml/2006/main" xmlns:r="http://schemas.openxmlformats.org/officeDocument/2006/relationships" xmlns:p="http://schemas.openxmlformats.org/presentationml/2006/main">
+  <p:cSld>
+    <p:spTree>
+      <p:nvGrpSpPr>
+        <p:cNvPr id="1" name=""/>
+        <p:cNvGrpSpPr/>
+        <p:nvPr/>
+      </p:nvGrpSpPr>
+      <p:grpSpPr>
+        <a:xfrm>
+          <a:off x="0" y="0"/>
+          <a:ext cx="0" cy="0"/>
+          <a:chOff x="0" y="0"/>
+          <a:chExt cx="0" cy="0"/>
+        </a:xfrm>
+      </p:grpSpPr>
+      <p:sp>
+        <p:nvSpPr>
+          <p:cNvPr id="2" name="제목 1"/>
+          <p:cNvSpPr>
+            <a:spLocks noGrp="1"/>
+          </p:cNvSpPr>
+          <p:nvPr>
+            <p:ph type="title"/>
+          </p:nvPr>
+        </p:nvSpPr>
+        <p:spPr/>
+        <p:txBody>
+          <a:bodyPr/>
+          <a:lstStyle/>
+          <a:p>
+            <a:r>
+              <a:rPr lang="ko-KR" altLang="en-US" dirty="0" smtClean="0"/>
+              <a:t>강의 상세 페이지 </a:t>
+            </a:r>
+            <a:r>
+              <a:rPr lang="en-US" altLang="ko-KR" dirty="0" smtClean="0"/>
+              <a:t>- 2</a:t>
+            </a:r>
+            <a:endParaRPr lang="ko-KR" altLang="en-US" dirty="0"/>
+          </a:p>
+        </p:txBody>
+      </p:sp>
+      <p:pic>
+        <p:nvPicPr>
+          <p:cNvPr id="4" name="내용 개체 틀 3"/>
+          <p:cNvPicPr>
+            <a:picLocks noGrp="1" noChangeAspect="1"/>
+          </p:cNvPicPr>
+          <p:nvPr>
+            <p:ph idx="1"/>
+          </p:nvPr>
+        </p:nvPicPr>
+        <p:blipFill>
+          <a:blip r:embed="rId2"/>
+          <a:stretch>
+            <a:fillRect/>
+          </a:stretch>
+        </p:blipFill>
+        <p:spPr>
+          <a:xfrm>
+            <a:off x="838200" y="1690688"/>
+            <a:ext cx="5077317" cy="4351338"/>
+          </a:xfrm>
+          <a:prstGeom prst="rect">
+            <a:avLst/>
+          </a:prstGeom>
+        </p:spPr>
+      </p:pic>
+    </p:spTree>
+    <p:extLst>
+      <p:ext uri="{BB962C8B-B14F-4D97-AF65-F5344CB8AC3E}">
+        <p14:creationId xmlns:p14="http://schemas.microsoft.com/office/powerpoint/2010/main" val="1338292732"/>
+      </p:ext>
+    </p:extLst>
+  </p:cSld>
+  <p:clrMapOvr>
+    <a:masterClrMapping/>
+  </p:clrMapOvr>
+</p:sld>
+</file>
+
+<file path=ppt/slides/slide17.xml><?xml version="1.0" encoding="utf-8"?>
+<p:sld xmlns:a="http://schemas.openxmlformats.org/drawingml/2006/main" xmlns:r="http://schemas.openxmlformats.org/officeDocument/2006/relationships" xmlns:p="http://schemas.openxmlformats.org/presentationml/2006/main">
+  <p:cSld>
+    <p:spTree>
+      <p:nvGrpSpPr>
+        <p:cNvPr id="1" name=""/>
+        <p:cNvGrpSpPr/>
+        <p:nvPr/>
+      </p:nvGrpSpPr>
+      <p:grpSpPr>
+        <a:xfrm>
+          <a:off x="0" y="0"/>
+          <a:ext cx="0" cy="0"/>
+          <a:chOff x="0" y="0"/>
+          <a:chExt cx="0" cy="0"/>
+        </a:xfrm>
+      </p:grpSpPr>
+      <p:sp>
+        <p:nvSpPr>
+          <p:cNvPr id="2" name="제목 1"/>
+          <p:cNvSpPr>
+            <a:spLocks noGrp="1"/>
+          </p:cNvSpPr>
+          <p:nvPr>
+            <p:ph type="title"/>
+          </p:nvPr>
+        </p:nvSpPr>
+        <p:spPr/>
+        <p:txBody>
+          <a:bodyPr/>
+          <a:lstStyle/>
+          <a:p>
+            <a:r>
+              <a:rPr lang="ko-KR" altLang="en-US" dirty="0" err="1" smtClean="0"/>
+              <a:t>수강바구니</a:t>
+            </a:r>
+            <a:r>
+              <a:rPr lang="ko-KR" altLang="en-US" dirty="0" smtClean="0"/>
+              <a:t> 페이지</a:t>
+            </a:r>
+            <a:endParaRPr lang="ko-KR" altLang="en-US" dirty="0"/>
+          </a:p>
+        </p:txBody>
+      </p:sp>
+      <p:pic>
+        <p:nvPicPr>
+          <p:cNvPr id="4" name="내용 개체 틀 3"/>
+          <p:cNvPicPr>
+            <a:picLocks noGrp="1" noChangeAspect="1"/>
+          </p:cNvPicPr>
+          <p:nvPr>
+            <p:ph idx="1"/>
+          </p:nvPr>
+        </p:nvPicPr>
+        <p:blipFill>
+          <a:blip r:embed="rId2"/>
+          <a:stretch>
+            <a:fillRect/>
+          </a:stretch>
+        </p:blipFill>
+        <p:spPr>
+          <a:xfrm>
+            <a:off x="838200" y="1690688"/>
+            <a:ext cx="5436082" cy="2678112"/>
+          </a:xfrm>
+          <a:prstGeom prst="rect">
+            <a:avLst/>
+          </a:prstGeom>
+          <a:effectLst/>
+        </p:spPr>
+      </p:pic>
+    </p:spTree>
+    <p:extLst>
+      <p:ext uri="{BB962C8B-B14F-4D97-AF65-F5344CB8AC3E}">
+        <p14:creationId xmlns:p14="http://schemas.microsoft.com/office/powerpoint/2010/main" val="3906069852"/>
+      </p:ext>
+    </p:extLst>
+  </p:cSld>
+  <p:clrMapOvr>
+    <a:masterClrMapping/>
+  </p:clrMapOvr>
+</p:sld>
+</file>
+
+<file path=ppt/slides/slide18.xml><?xml version="1.0" encoding="utf-8"?>
+<p:sld xmlns:a="http://schemas.openxmlformats.org/drawingml/2006/main" xmlns:r="http://schemas.openxmlformats.org/officeDocument/2006/relationships" xmlns:p="http://schemas.openxmlformats.org/presentationml/2006/main">
+  <p:cSld>
+    <p:spTree>
+      <p:nvGrpSpPr>
+        <p:cNvPr id="1" name=""/>
+        <p:cNvGrpSpPr/>
+        <p:nvPr/>
+      </p:nvGrpSpPr>
+      <p:grpSpPr>
+        <a:xfrm>
+          <a:off x="0" y="0"/>
+          <a:ext cx="0" cy="0"/>
+          <a:chOff x="0" y="0"/>
+          <a:chExt cx="0" cy="0"/>
+        </a:xfrm>
+      </p:grpSpPr>
+      <p:sp>
+        <p:nvSpPr>
+          <p:cNvPr id="2" name="제목 1"/>
+          <p:cNvSpPr>
+            <a:spLocks noGrp="1"/>
+          </p:cNvSpPr>
+          <p:nvPr>
+            <p:ph type="title"/>
+          </p:nvPr>
+        </p:nvSpPr>
+        <p:spPr/>
+        <p:txBody>
+          <a:bodyPr/>
+          <a:lstStyle/>
+          <a:p>
+            <a:r>
+              <a:rPr lang="ko-KR" altLang="en-US" dirty="0" err="1" smtClean="0"/>
+              <a:t>마이페이지</a:t>
+            </a:r>
+            <a:endParaRPr lang="ko-KR" altLang="en-US" dirty="0"/>
+          </a:p>
+        </p:txBody>
+      </p:sp>
+      <p:pic>
+        <p:nvPicPr>
+          <p:cNvPr id="4" name="내용 개체 틀 3"/>
+          <p:cNvPicPr>
+            <a:picLocks noGrp="1" noChangeAspect="1"/>
+          </p:cNvPicPr>
+          <p:nvPr>
+            <p:ph idx="1"/>
+          </p:nvPr>
+        </p:nvPicPr>
+        <p:blipFill>
+          <a:blip r:embed="rId2"/>
+          <a:stretch>
+            <a:fillRect/>
+          </a:stretch>
+        </p:blipFill>
+        <p:spPr>
+          <a:xfrm>
+            <a:off x="1698420" y="1825625"/>
+            <a:ext cx="8795159" cy="4351338"/>
+          </a:xfrm>
+          <a:prstGeom prst="rect">
+            <a:avLst/>
+          </a:prstGeom>
+        </p:spPr>
+      </p:pic>
+    </p:spTree>
+    <p:extLst>
+      <p:ext uri="{BB962C8B-B14F-4D97-AF65-F5344CB8AC3E}">
+        <p14:creationId xmlns:p14="http://schemas.microsoft.com/office/powerpoint/2010/main" val="3902283714"/>
+      </p:ext>
+    </p:extLst>
+  </p:cSld>
+  <p:clrMapOvr>
+    <a:masterClrMapping/>
+  </p:clrMapOvr>
+</p:sld>
+</file>
+
+<file path=ppt/slides/slide19.xml><?xml version="1.0" encoding="utf-8"?>
+<p:sld xmlns:a="http://schemas.openxmlformats.org/drawingml/2006/main" xmlns:r="http://schemas.openxmlformats.org/officeDocument/2006/relationships" xmlns:p="http://schemas.openxmlformats.org/presentationml/2006/main">
+  <p:cSld>
+    <p:spTree>
+      <p:nvGrpSpPr>
+        <p:cNvPr id="1" name=""/>
+        <p:cNvGrpSpPr/>
+        <p:nvPr/>
+      </p:nvGrpSpPr>
+      <p:grpSpPr>
+        <a:xfrm>
+          <a:off x="0" y="0"/>
+          <a:ext cx="0" cy="0"/>
+          <a:chOff x="0" y="0"/>
+          <a:chExt cx="0" cy="0"/>
+        </a:xfrm>
+      </p:grpSpPr>
+      <p:sp>
+        <p:nvSpPr>
+          <p:cNvPr id="2" name="제목 1"/>
+          <p:cNvSpPr>
+            <a:spLocks noGrp="1"/>
+          </p:cNvSpPr>
+          <p:nvPr>
+            <p:ph type="title"/>
+          </p:nvPr>
+        </p:nvSpPr>
+        <p:spPr>
+          <a:xfrm>
             <a:off x="236770" y="381752"/>
             <a:ext cx="10515600" cy="1039726"/>
           </a:xfrm>
@@ -3442,7 +4261,7 @@
             </a:r>
             <a:r>
               <a:rPr lang="en-US" altLang="ko-KR" dirty="0" smtClean="0"/>
-              <a:t>, </a:t>
+              <a:t> </a:t>
             </a:r>
             <a:endParaRPr lang="ko-KR" altLang="en-US" dirty="0"/>
           </a:p>
@@ -3457,7 +4276,7 @@
         <p:spPr>
           <a:xfrm>
             <a:off x="236770" y="1555899"/>
-            <a:ext cx="11493043" cy="646331"/>
+            <a:ext cx="11493043" cy="369332"/>
           </a:xfrm>
           <a:prstGeom prst="rect">
             <a:avLst/>
@@ -3472,21 +4291,15 @@
           <a:p>
             <a:r>
               <a:rPr lang="ko-KR" altLang="en-US" dirty="0" smtClean="0"/>
-              <a:t>처음 시작할 적에는 기능을 구현해야 할 것이 적다고 판단되어 웹 페이지의 디자인을 빠르게 끝내면 </a:t>
+              <a:t>처음 시작할 </a:t>
+            </a:r>
+            <a:r>
+              <a:rPr lang="ko-KR" altLang="en-US" dirty="0" smtClean="0"/>
+              <a:t>적에는 </a:t>
             </a:r>
             <a:r>
               <a:rPr lang="en-US" altLang="ko-KR" dirty="0" smtClean="0"/>
-              <a:t>Back-End</a:t>
-            </a:r>
-          </a:p>
-          <a:p>
-            <a:r>
-              <a:rPr lang="ko-KR" altLang="en-US" dirty="0" smtClean="0"/>
-              <a:t>작업도 금방 끝낼 수 있을 것이라 생각했습니다</a:t>
-            </a:r>
-            <a:r>
-              <a:rPr lang="en-US" altLang="ko-KR" dirty="0" smtClean="0"/>
-              <a:t>.</a:t>
+              <a:t>….</a:t>
             </a:r>
             <a:endParaRPr lang="ko-KR" altLang="en-US" dirty="0"/>
           </a:p>
@@ -5068,7 +5881,6 @@
               <a:rPr lang="en-US" altLang="ko-KR" dirty="0" smtClean="0"/>
               <a:t>IDE</a:t>
             </a:r>
-            <a:endParaRPr lang="en-US" altLang="ko-KR" dirty="0" smtClean="0"/>
           </a:p>
         </p:txBody>
       </p:sp>
@@ -5580,7 +6392,6 @@
               <a:rPr lang="en-US" altLang="ko-KR" dirty="0" smtClean="0"/>
               <a:t>API : RESTful API</a:t>
             </a:r>
-            <a:endParaRPr lang="en-US" altLang="ko-KR" dirty="0" smtClean="0"/>
           </a:p>
         </p:txBody>
       </p:sp>
@@ -5730,12 +6541,17 @@
         </p:blipFill>
         <p:spPr>
           <a:xfrm>
-            <a:off x="272935" y="1298634"/>
-            <a:ext cx="4074621" cy="4366865"/>
-          </a:xfrm>
-          <a:prstGeom prst="rect">
-            <a:avLst/>
-          </a:prstGeom>
+            <a:off x="525780" y="1100485"/>
+            <a:ext cx="11140439" cy="5396170"/>
+          </a:xfrm>
+          <a:prstGeom prst="rect">
+            <a:avLst/>
+          </a:prstGeom>
+          <a:ln>
+            <a:solidFill>
+              <a:schemeClr val="accent1"/>
+            </a:solidFill>
+          </a:ln>
         </p:spPr>
       </p:pic>
     </p:spTree>
@@ -5770,6 +6586,92 @@
       </p:grpSpPr>
       <p:sp>
         <p:nvSpPr>
+          <p:cNvPr id="18" name="직사각형 17"/>
+          <p:cNvSpPr/>
+          <p:nvPr/>
+        </p:nvSpPr>
+        <p:spPr>
+          <a:xfrm>
+            <a:off x="86681" y="1200236"/>
+            <a:ext cx="5240848" cy="5391757"/>
+          </a:xfrm>
+          <a:prstGeom prst="rect">
+            <a:avLst/>
+          </a:prstGeom>
+          <a:solidFill>
+            <a:schemeClr val="bg1"/>
+          </a:solidFill>
+        </p:spPr>
+        <p:style>
+          <a:lnRef idx="2">
+            <a:schemeClr val="accent1">
+              <a:shade val="50000"/>
+            </a:schemeClr>
+          </a:lnRef>
+          <a:fillRef idx="1">
+            <a:schemeClr val="accent1"/>
+          </a:fillRef>
+          <a:effectRef idx="0">
+            <a:schemeClr val="accent1"/>
+          </a:effectRef>
+          <a:fontRef idx="minor">
+            <a:schemeClr val="lt1"/>
+          </a:fontRef>
+        </p:style>
+        <p:txBody>
+          <a:bodyPr rtlCol="0" anchor="ctr"/>
+          <a:lstStyle/>
+          <a:p>
+            <a:pPr algn="ctr"/>
+            <a:endParaRPr lang="ko-KR" altLang="en-US"/>
+          </a:p>
+        </p:txBody>
+      </p:sp>
+      <p:sp>
+        <p:nvSpPr>
+          <p:cNvPr id="17" name="직사각형 16"/>
+          <p:cNvSpPr/>
+          <p:nvPr/>
+        </p:nvSpPr>
+        <p:spPr>
+          <a:xfrm>
+            <a:off x="5455433" y="357448"/>
+            <a:ext cx="6658495" cy="6234545"/>
+          </a:xfrm>
+          <a:prstGeom prst="rect">
+            <a:avLst/>
+          </a:prstGeom>
+          <a:solidFill>
+            <a:schemeClr val="bg1"/>
+          </a:solidFill>
+        </p:spPr>
+        <p:style>
+          <a:lnRef idx="2">
+            <a:schemeClr val="accent1">
+              <a:shade val="50000"/>
+            </a:schemeClr>
+          </a:lnRef>
+          <a:fillRef idx="1">
+            <a:schemeClr val="accent1"/>
+          </a:fillRef>
+          <a:effectRef idx="0">
+            <a:schemeClr val="accent1"/>
+          </a:effectRef>
+          <a:fontRef idx="minor">
+            <a:schemeClr val="lt1"/>
+          </a:fontRef>
+        </p:style>
+        <p:txBody>
+          <a:bodyPr rtlCol="0" anchor="ctr"/>
+          <a:lstStyle/>
+          <a:p>
+            <a:pPr algn="ctr"/>
+            <a:endParaRPr lang="ko-KR" altLang="en-US"/>
+          </a:p>
+        </p:txBody>
+      </p:sp>
+      <p:sp>
+        <p:nvSpPr>
           <p:cNvPr id="2" name="제목 1"/>
           <p:cNvSpPr>
             <a:spLocks noGrp="1"/>
@@ -5778,14 +6680,23 @@
             <p:ph type="title"/>
           </p:nvPr>
         </p:nvSpPr>
-        <p:spPr/>
+        <p:spPr>
+          <a:xfrm>
+            <a:off x="542004" y="191190"/>
+            <a:ext cx="4330202" cy="1000732"/>
+          </a:xfrm>
+        </p:spPr>
         <p:txBody>
           <a:bodyPr/>
           <a:lstStyle/>
           <a:p>
             <a:r>
               <a:rPr lang="ko-KR" altLang="en-US" dirty="0" smtClean="0"/>
-              <a:t>로그인 페이지</a:t>
+              <a:t>메인홈페이지</a:t>
+            </a:r>
+            <a:r>
+              <a:rPr lang="en-US" altLang="ko-KR" dirty="0" smtClean="0"/>
+              <a:t>-2</a:t>
             </a:r>
             <a:endParaRPr lang="ko-KR" altLang="en-US" dirty="0"/>
           </a:p>
@@ -5793,34 +6704,288 @@
       </p:sp>
       <p:pic>
         <p:nvPicPr>
-          <p:cNvPr id="5" name="내용 개체 틀 4"/>
+          <p:cNvPr id="4" name="그림 3"/>
           <p:cNvPicPr>
-            <a:picLocks noGrp="1" noChangeAspect="1"/>
+            <a:picLocks noChangeAspect="1"/>
           </p:cNvPicPr>
-          <p:nvPr>
-            <p:ph idx="1"/>
-          </p:nvPr>
+          <p:nvPr/>
         </p:nvPicPr>
         <p:blipFill>
-          <a:blip r:embed="rId2"/>
+          <a:blip r:embed="rId2" cstate="print">
+            <a:extLst>
+              <a:ext uri="{28A0092B-C50C-407E-A947-70E740481C1C}">
+                <a14:useLocalDpi xmlns:a14="http://schemas.microsoft.com/office/drawing/2010/main" val="0"/>
+              </a:ext>
+            </a:extLst>
+          </a:blip>
           <a:stretch>
             <a:fillRect/>
           </a:stretch>
         </p:blipFill>
         <p:spPr>
           <a:xfrm>
-            <a:off x="838201" y="1690688"/>
-            <a:ext cx="3458546" cy="3180570"/>
-          </a:xfrm>
-          <a:prstGeom prst="rect">
-            <a:avLst/>
-          </a:prstGeom>
+            <a:off x="214585" y="1487977"/>
+            <a:ext cx="4953817" cy="3065538"/>
+          </a:xfrm>
+          <a:prstGeom prst="rect">
+            <a:avLst/>
+          </a:prstGeom>
+          <a:ln>
+            <a:solidFill>
+              <a:schemeClr val="accent1"/>
+            </a:solidFill>
+          </a:ln>
         </p:spPr>
       </p:pic>
+      <p:pic>
+        <p:nvPicPr>
+          <p:cNvPr id="5" name="그림 4"/>
+          <p:cNvPicPr>
+            <a:picLocks noChangeAspect="1"/>
+          </p:cNvPicPr>
+          <p:nvPr/>
+        </p:nvPicPr>
+        <p:blipFill>
+          <a:blip r:embed="rId3">
+            <a:extLst>
+              <a:ext uri="{28A0092B-C50C-407E-A947-70E740481C1C}">
+                <a14:useLocalDpi xmlns:a14="http://schemas.microsoft.com/office/drawing/2010/main" val="0"/>
+              </a:ext>
+            </a:extLst>
+          </a:blip>
+          <a:stretch>
+            <a:fillRect/>
+          </a:stretch>
+        </p:blipFill>
+        <p:spPr>
+          <a:xfrm>
+            <a:off x="5664577" y="556952"/>
+            <a:ext cx="6046907" cy="3065538"/>
+          </a:xfrm>
+          <a:prstGeom prst="rect">
+            <a:avLst/>
+          </a:prstGeom>
+          <a:ln>
+            <a:solidFill>
+              <a:schemeClr val="accent1"/>
+            </a:solidFill>
+          </a:ln>
+        </p:spPr>
+      </p:pic>
+      <p:sp>
+        <p:nvSpPr>
+          <p:cNvPr id="6" name="TextBox 5"/>
+          <p:cNvSpPr txBox="1"/>
+          <p:nvPr/>
+        </p:nvSpPr>
+        <p:spPr>
+          <a:xfrm>
+            <a:off x="160992" y="4829695"/>
+            <a:ext cx="5061001" cy="646331"/>
+          </a:xfrm>
+          <a:prstGeom prst="rect">
+            <a:avLst/>
+          </a:prstGeom>
+          <a:noFill/>
+          <a:ln>
+            <a:solidFill>
+              <a:schemeClr val="accent1"/>
+            </a:solidFill>
+          </a:ln>
+        </p:spPr>
+        <p:txBody>
+          <a:bodyPr wrap="none" rtlCol="0">
+            <a:spAutoFit/>
+          </a:bodyPr>
+          <a:lstStyle/>
+          <a:p>
+            <a:r>
+              <a:rPr lang="ko-KR" altLang="en-US" dirty="0" smtClean="0"/>
+              <a:t>스크롤 기능을 통해 각 과정당 </a:t>
+            </a:r>
+            <a:r>
+              <a:rPr lang="ko-KR" altLang="en-US" dirty="0" err="1" smtClean="0"/>
+              <a:t>미리보기</a:t>
+            </a:r>
+            <a:r>
+              <a:rPr lang="ko-KR" altLang="en-US" dirty="0" smtClean="0"/>
+              <a:t> 강의를</a:t>
+            </a:r>
+            <a:endParaRPr lang="en-US" altLang="ko-KR" dirty="0" smtClean="0"/>
+          </a:p>
+          <a:p>
+            <a:r>
+              <a:rPr lang="ko-KR" altLang="en-US" dirty="0" smtClean="0"/>
+              <a:t>더 찾아 볼 수 있습니다</a:t>
+            </a:r>
+            <a:r>
+              <a:rPr lang="en-US" altLang="ko-KR" dirty="0" smtClean="0"/>
+              <a:t>.</a:t>
+            </a:r>
+            <a:endParaRPr lang="ko-KR" altLang="en-US" dirty="0"/>
+          </a:p>
+        </p:txBody>
+      </p:sp>
+      <p:sp>
+        <p:nvSpPr>
+          <p:cNvPr id="8" name="TextBox 7"/>
+          <p:cNvSpPr txBox="1"/>
+          <p:nvPr/>
+        </p:nvSpPr>
+        <p:spPr>
+          <a:xfrm>
+            <a:off x="5664577" y="3823854"/>
+            <a:ext cx="6147837" cy="646331"/>
+          </a:xfrm>
+          <a:prstGeom prst="rect">
+            <a:avLst/>
+          </a:prstGeom>
+          <a:noFill/>
+          <a:ln>
+            <a:solidFill>
+              <a:schemeClr val="accent1"/>
+            </a:solidFill>
+          </a:ln>
+        </p:spPr>
+        <p:txBody>
+          <a:bodyPr wrap="none" rtlCol="0">
+            <a:spAutoFit/>
+          </a:bodyPr>
+          <a:lstStyle/>
+          <a:p>
+            <a:r>
+              <a:rPr lang="ko-KR" altLang="en-US" dirty="0" smtClean="0"/>
+              <a:t>검색 기능을 통해 특정 키워드가 포함된 강의를 전부 찾을</a:t>
+            </a:r>
+            <a:endParaRPr lang="en-US" altLang="ko-KR" dirty="0" smtClean="0"/>
+          </a:p>
+          <a:p>
+            <a:r>
+              <a:rPr lang="ko-KR" altLang="en-US" dirty="0" smtClean="0"/>
+              <a:t>수 있습니다</a:t>
+            </a:r>
+            <a:r>
+              <a:rPr lang="en-US" altLang="ko-KR" dirty="0" smtClean="0"/>
+              <a:t>.</a:t>
+            </a:r>
+            <a:endParaRPr lang="ko-KR" altLang="en-US" dirty="0"/>
+          </a:p>
+        </p:txBody>
+      </p:sp>
+      <p:pic>
+        <p:nvPicPr>
+          <p:cNvPr id="11" name="그림 10"/>
+          <p:cNvPicPr>
+            <a:picLocks noChangeAspect="1"/>
+          </p:cNvPicPr>
+          <p:nvPr/>
+        </p:nvPicPr>
+        <p:blipFill>
+          <a:blip r:embed="rId4" cstate="print">
+            <a:extLst>
+              <a:ext uri="{28A0092B-C50C-407E-A947-70E740481C1C}">
+                <a14:useLocalDpi xmlns:a14="http://schemas.microsoft.com/office/drawing/2010/main" val="0"/>
+              </a:ext>
+            </a:extLst>
+          </a:blip>
+          <a:stretch>
+            <a:fillRect/>
+          </a:stretch>
+        </p:blipFill>
+        <p:spPr>
+          <a:xfrm>
+            <a:off x="5664577" y="5274829"/>
+            <a:ext cx="2800515" cy="700129"/>
+          </a:xfrm>
+          <a:prstGeom prst="rect">
+            <a:avLst/>
+          </a:prstGeom>
+          <a:ln>
+            <a:solidFill>
+              <a:schemeClr val="accent1"/>
+            </a:solidFill>
+          </a:ln>
+        </p:spPr>
+      </p:pic>
+      <p:pic>
+        <p:nvPicPr>
+          <p:cNvPr id="12" name="그림 11"/>
+          <p:cNvPicPr>
+            <a:picLocks noChangeAspect="1"/>
+          </p:cNvPicPr>
+          <p:nvPr/>
+        </p:nvPicPr>
+        <p:blipFill>
+          <a:blip r:embed="rId5" cstate="print">
+            <a:extLst>
+              <a:ext uri="{28A0092B-C50C-407E-A947-70E740481C1C}">
+                <a14:useLocalDpi xmlns:a14="http://schemas.microsoft.com/office/drawing/2010/main" val="0"/>
+              </a:ext>
+            </a:extLst>
+          </a:blip>
+          <a:stretch>
+            <a:fillRect/>
+          </a:stretch>
+        </p:blipFill>
+        <p:spPr>
+          <a:xfrm>
+            <a:off x="8937744" y="4910963"/>
+            <a:ext cx="2874670" cy="1427863"/>
+          </a:xfrm>
+          <a:prstGeom prst="rect">
+            <a:avLst/>
+          </a:prstGeom>
+          <a:ln>
+            <a:solidFill>
+              <a:schemeClr val="accent1"/>
+            </a:solidFill>
+          </a:ln>
+        </p:spPr>
+      </p:pic>
+      <p:sp>
+        <p:nvSpPr>
+          <p:cNvPr id="15" name="오른쪽 화살표 14"/>
+          <p:cNvSpPr/>
+          <p:nvPr/>
+        </p:nvSpPr>
+        <p:spPr>
+          <a:xfrm>
+            <a:off x="8521866" y="5394961"/>
+            <a:ext cx="373621" cy="438513"/>
+          </a:xfrm>
+          <a:prstGeom prst="rightArrow">
+            <a:avLst/>
+          </a:prstGeom>
+        </p:spPr>
+        <p:style>
+          <a:lnRef idx="2">
+            <a:schemeClr val="accent1">
+              <a:shade val="50000"/>
+            </a:schemeClr>
+          </a:lnRef>
+          <a:fillRef idx="1">
+            <a:schemeClr val="accent1"/>
+          </a:fillRef>
+          <a:effectRef idx="0">
+            <a:schemeClr val="accent1"/>
+          </a:effectRef>
+          <a:fontRef idx="minor">
+            <a:schemeClr val="lt1"/>
+          </a:fontRef>
+        </p:style>
+        <p:txBody>
+          <a:bodyPr rtlCol="0" anchor="ctr"/>
+          <a:lstStyle/>
+          <a:p>
+            <a:pPr algn="ctr"/>
+            <a:endParaRPr lang="ko-KR" altLang="en-US"/>
+          </a:p>
+        </p:txBody>
+      </p:sp>
     </p:spTree>
     <p:extLst>
       <p:ext uri="{BB962C8B-B14F-4D97-AF65-F5344CB8AC3E}">
-        <p14:creationId xmlns:p14="http://schemas.microsoft.com/office/powerpoint/2010/main" val="4030228246"/>
+        <p14:creationId xmlns:p14="http://schemas.microsoft.com/office/powerpoint/2010/main" val="2098380331"/>
       </p:ext>
     </p:extLst>
   </p:cSld>
@@ -5849,6 +7014,129 @@
       </p:grpSpPr>
       <p:sp>
         <p:nvSpPr>
+          <p:cNvPr id="12" name="직사각형 11"/>
+          <p:cNvSpPr/>
+          <p:nvPr/>
+        </p:nvSpPr>
+        <p:spPr>
+          <a:xfrm>
+            <a:off x="66502" y="1837113"/>
+            <a:ext cx="3690851" cy="4056611"/>
+          </a:xfrm>
+          <a:prstGeom prst="rect">
+            <a:avLst/>
+          </a:prstGeom>
+          <a:noFill/>
+        </p:spPr>
+        <p:style>
+          <a:lnRef idx="2">
+            <a:schemeClr val="accent1">
+              <a:shade val="50000"/>
+            </a:schemeClr>
+          </a:lnRef>
+          <a:fillRef idx="1">
+            <a:schemeClr val="accent1"/>
+          </a:fillRef>
+          <a:effectRef idx="0">
+            <a:schemeClr val="accent1"/>
+          </a:effectRef>
+          <a:fontRef idx="minor">
+            <a:schemeClr val="lt1"/>
+          </a:fontRef>
+        </p:style>
+        <p:txBody>
+          <a:bodyPr rtlCol="0" anchor="ctr"/>
+          <a:lstStyle/>
+          <a:p>
+            <a:pPr algn="ctr"/>
+            <a:endParaRPr lang="ko-KR" altLang="en-US"/>
+          </a:p>
+        </p:txBody>
+      </p:sp>
+      <p:sp>
+        <p:nvSpPr>
+          <p:cNvPr id="13" name="직사각형 12"/>
+          <p:cNvSpPr/>
+          <p:nvPr/>
+        </p:nvSpPr>
+        <p:spPr>
+          <a:xfrm>
+            <a:off x="3757354" y="1837112"/>
+            <a:ext cx="2535382" cy="4056611"/>
+          </a:xfrm>
+          <a:prstGeom prst="rect">
+            <a:avLst/>
+          </a:prstGeom>
+          <a:noFill/>
+        </p:spPr>
+        <p:style>
+          <a:lnRef idx="2">
+            <a:schemeClr val="accent1">
+              <a:shade val="50000"/>
+            </a:schemeClr>
+          </a:lnRef>
+          <a:fillRef idx="1">
+            <a:schemeClr val="accent1"/>
+          </a:fillRef>
+          <a:effectRef idx="0">
+            <a:schemeClr val="accent1"/>
+          </a:effectRef>
+          <a:fontRef idx="minor">
+            <a:schemeClr val="lt1"/>
+          </a:fontRef>
+        </p:style>
+        <p:txBody>
+          <a:bodyPr rtlCol="0" anchor="ctr"/>
+          <a:lstStyle/>
+          <a:p>
+            <a:pPr algn="ctr"/>
+            <a:endParaRPr lang="ko-KR" altLang="en-US"/>
+          </a:p>
+        </p:txBody>
+      </p:sp>
+      <p:sp>
+        <p:nvSpPr>
+          <p:cNvPr id="14" name="직사각형 13"/>
+          <p:cNvSpPr/>
+          <p:nvPr/>
+        </p:nvSpPr>
+        <p:spPr>
+          <a:xfrm>
+            <a:off x="6292735" y="1837111"/>
+            <a:ext cx="5835534" cy="4056611"/>
+          </a:xfrm>
+          <a:prstGeom prst="rect">
+            <a:avLst/>
+          </a:prstGeom>
+          <a:noFill/>
+        </p:spPr>
+        <p:style>
+          <a:lnRef idx="2">
+            <a:schemeClr val="accent1">
+              <a:shade val="50000"/>
+            </a:schemeClr>
+          </a:lnRef>
+          <a:fillRef idx="1">
+            <a:schemeClr val="accent1"/>
+          </a:fillRef>
+          <a:effectRef idx="0">
+            <a:schemeClr val="accent1"/>
+          </a:effectRef>
+          <a:fontRef idx="minor">
+            <a:schemeClr val="lt1"/>
+          </a:fontRef>
+        </p:style>
+        <p:txBody>
+          <a:bodyPr rtlCol="0" anchor="ctr"/>
+          <a:lstStyle/>
+          <a:p>
+            <a:pPr algn="ctr"/>
+            <a:endParaRPr lang="ko-KR" altLang="en-US"/>
+          </a:p>
+        </p:txBody>
+      </p:sp>
+      <p:sp>
+        <p:nvSpPr>
           <p:cNvPr id="2" name="제목 1"/>
           <p:cNvSpPr>
             <a:spLocks noGrp="1"/>
@@ -5864,7 +7152,7 @@
           <a:p>
             <a:r>
               <a:rPr lang="ko-KR" altLang="en-US" dirty="0" smtClean="0"/>
-              <a:t>회원가입 페이지</a:t>
+              <a:t>로그인 페이지</a:t>
             </a:r>
             <a:endParaRPr lang="ko-KR" altLang="en-US" dirty="0"/>
           </a:p>
@@ -5872,7 +7160,7 @@
       </p:sp>
       <p:pic>
         <p:nvPicPr>
-          <p:cNvPr id="4" name="내용 개체 틀 3"/>
+          <p:cNvPr id="5" name="내용 개체 틀 4"/>
           <p:cNvPicPr>
             <a:picLocks noGrp="1" noChangeAspect="1"/>
           </p:cNvPicPr>
@@ -5888,22 +7176,172 @@
         </p:blipFill>
         <p:spPr>
           <a:xfrm>
-            <a:off x="838200" y="1690688"/>
-            <a:ext cx="3000727" cy="4351338"/>
+            <a:off x="198121" y="2131262"/>
+            <a:ext cx="3458546" cy="3180570"/>
+          </a:xfrm>
+          <a:prstGeom prst="rect">
+            <a:avLst/>
+          </a:prstGeom>
+        </p:spPr>
+      </p:pic>
+      <p:pic>
+        <p:nvPicPr>
+          <p:cNvPr id="3" name="그림 2"/>
+          <p:cNvPicPr>
+            <a:picLocks noChangeAspect="1"/>
+          </p:cNvPicPr>
+          <p:nvPr/>
+        </p:nvPicPr>
+        <p:blipFill>
+          <a:blip r:embed="rId3">
+            <a:extLst>
+              <a:ext uri="{28A0092B-C50C-407E-A947-70E740481C1C}">
+                <a14:useLocalDpi xmlns:a14="http://schemas.microsoft.com/office/drawing/2010/main" val="0"/>
+              </a:ext>
+            </a:extLst>
+          </a:blip>
+          <a:stretch>
+            <a:fillRect/>
+          </a:stretch>
+        </p:blipFill>
+        <p:spPr>
+          <a:xfrm>
+            <a:off x="6417377" y="2621591"/>
+            <a:ext cx="5370070" cy="365745"/>
+          </a:xfrm>
+          <a:prstGeom prst="rect">
+            <a:avLst/>
+          </a:prstGeom>
+        </p:spPr>
+      </p:pic>
+      <p:pic>
+        <p:nvPicPr>
+          <p:cNvPr id="4" name="그림 3"/>
+          <p:cNvPicPr>
+            <a:picLocks noChangeAspect="1"/>
+          </p:cNvPicPr>
+          <p:nvPr/>
+        </p:nvPicPr>
+        <p:blipFill>
+          <a:blip r:embed="rId4">
+            <a:extLst>
+              <a:ext uri="{28A0092B-C50C-407E-A947-70E740481C1C}">
+                <a14:useLocalDpi xmlns:a14="http://schemas.microsoft.com/office/drawing/2010/main" val="0"/>
+              </a:ext>
+            </a:extLst>
+          </a:blip>
+          <a:stretch>
+            <a:fillRect/>
+          </a:stretch>
+        </p:blipFill>
+        <p:spPr>
+          <a:xfrm>
+            <a:off x="6417376" y="4249054"/>
+            <a:ext cx="5370070" cy="848423"/>
+          </a:xfrm>
+          <a:prstGeom prst="rect">
+            <a:avLst/>
+          </a:prstGeom>
+        </p:spPr>
+      </p:pic>
+      <p:sp>
+        <p:nvSpPr>
+          <p:cNvPr id="8" name="TextBox 7"/>
+          <p:cNvSpPr txBox="1"/>
+          <p:nvPr/>
+        </p:nvSpPr>
+        <p:spPr>
+          <a:xfrm>
+            <a:off x="6417376" y="2131262"/>
+            <a:ext cx="2507418" cy="369332"/>
           </a:xfrm>
           <a:prstGeom prst="rect">
             <a:avLst/>
           </a:prstGeom>
           <a:noFill/>
-          <a:effectLst>
-            <a:softEdge rad="63500"/>
-          </a:effectLst>
+        </p:spPr>
+        <p:txBody>
+          <a:bodyPr wrap="none" rtlCol="0">
+            <a:spAutoFit/>
+          </a:bodyPr>
+          <a:lstStyle/>
+          <a:p>
+            <a:r>
+              <a:rPr lang="ko-KR" altLang="en-US" dirty="0" smtClean="0"/>
+              <a:t>로그인 성공 시 </a:t>
+            </a:r>
+            <a:r>
+              <a:rPr lang="ko-KR" altLang="en-US" dirty="0" err="1" smtClean="0"/>
+              <a:t>상단바</a:t>
+            </a:r>
+            <a:endParaRPr lang="ko-KR" altLang="en-US" dirty="0"/>
+          </a:p>
+        </p:txBody>
+      </p:sp>
+      <p:sp>
+        <p:nvSpPr>
+          <p:cNvPr id="9" name="TextBox 8"/>
+          <p:cNvSpPr txBox="1"/>
+          <p:nvPr/>
+        </p:nvSpPr>
+        <p:spPr>
+          <a:xfrm>
+            <a:off x="6417240" y="3694342"/>
+            <a:ext cx="2194832" cy="369332"/>
+          </a:xfrm>
+          <a:prstGeom prst="rect">
+            <a:avLst/>
+          </a:prstGeom>
+          <a:noFill/>
+        </p:spPr>
+        <p:txBody>
+          <a:bodyPr wrap="none" rtlCol="0">
+            <a:spAutoFit/>
+          </a:bodyPr>
+          <a:lstStyle/>
+          <a:p>
+            <a:r>
+              <a:rPr lang="ko-KR" altLang="en-US" dirty="0" smtClean="0"/>
+              <a:t>로그아웃 기능 포함</a:t>
+            </a:r>
+            <a:endParaRPr lang="ko-KR" altLang="en-US" dirty="0"/>
+          </a:p>
+        </p:txBody>
+      </p:sp>
+      <p:pic>
+        <p:nvPicPr>
+          <p:cNvPr id="11" name="그림 10"/>
+          <p:cNvPicPr>
+            <a:picLocks noChangeAspect="1"/>
+          </p:cNvPicPr>
+          <p:nvPr/>
+        </p:nvPicPr>
+        <p:blipFill>
+          <a:blip r:embed="rId5">
+            <a:extLst>
+              <a:ext uri="{28A0092B-C50C-407E-A947-70E740481C1C}">
+                <a14:useLocalDpi xmlns:a14="http://schemas.microsoft.com/office/drawing/2010/main" val="0"/>
+              </a:ext>
+            </a:extLst>
+          </a:blip>
+          <a:stretch>
+            <a:fillRect/>
+          </a:stretch>
+        </p:blipFill>
+        <p:spPr>
+          <a:xfrm>
+            <a:off x="3882946" y="2131262"/>
+            <a:ext cx="2308152" cy="3495493"/>
+          </a:xfrm>
+          <a:prstGeom prst="rect">
+            <a:avLst/>
+          </a:prstGeom>
         </p:spPr>
       </p:pic>
     </p:spTree>
     <p:extLst>
       <p:ext uri="{BB962C8B-B14F-4D97-AF65-F5344CB8AC3E}">
-        <p14:creationId xmlns:p14="http://schemas.microsoft.com/office/powerpoint/2010/main" val="4227334908"/>
+        <p14:creationId xmlns:p14="http://schemas.microsoft.com/office/powerpoint/2010/main" val="4030228246"/>
       </p:ext>
     </p:extLst>
   </p:cSld>
@@ -5947,7 +7385,7 @@
           <a:p>
             <a:r>
               <a:rPr lang="ko-KR" altLang="en-US" dirty="0" smtClean="0"/>
-              <a:t>강의 목록 페이지</a:t>
+              <a:t>회원가입 페이지</a:t>
             </a:r>
             <a:endParaRPr lang="ko-KR" altLang="en-US" dirty="0"/>
           </a:p>
@@ -5971,18 +7409,22 @@
         </p:blipFill>
         <p:spPr>
           <a:xfrm>
-            <a:off x="339436" y="1690688"/>
-            <a:ext cx="6007586" cy="2973676"/>
-          </a:xfrm>
-          <a:prstGeom prst="rect">
-            <a:avLst/>
-          </a:prstGeom>
+            <a:off x="838200" y="1690688"/>
+            <a:ext cx="3000727" cy="4351338"/>
+          </a:xfrm>
+          <a:prstGeom prst="rect">
+            <a:avLst/>
+          </a:prstGeom>
+          <a:noFill/>
+          <a:effectLst>
+            <a:softEdge rad="63500"/>
+          </a:effectLst>
         </p:spPr>
       </p:pic>
     </p:spTree>
     <p:extLst>
       <p:ext uri="{BB962C8B-B14F-4D97-AF65-F5344CB8AC3E}">
-        <p14:creationId xmlns:p14="http://schemas.microsoft.com/office/powerpoint/2010/main" val="213791086"/>
+        <p14:creationId xmlns:p14="http://schemas.microsoft.com/office/powerpoint/2010/main" val="4227334908"/>
       </p:ext>
     </p:extLst>
   </p:cSld>

--- a/1조 project 포트폴리오(이력서용).pptx
+++ b/1조 project 포트폴리오(이력서용).pptx
@@ -261,7 +261,7 @@
           <a:p>
             <a:fld id="{85695E44-A86B-40ED-B5B4-EEE8D66F9E70}" type="datetimeFigureOut">
               <a:rPr lang="ko-KR" altLang="en-US" smtClean="0"/>
-              <a:t>2023-03-03</a:t>
+              <a:t>2023-03-06</a:t>
             </a:fld>
             <a:endParaRPr lang="ko-KR" altLang="en-US"/>
           </a:p>
@@ -431,7 +431,7 @@
           <a:p>
             <a:fld id="{85695E44-A86B-40ED-B5B4-EEE8D66F9E70}" type="datetimeFigureOut">
               <a:rPr lang="ko-KR" altLang="en-US" smtClean="0"/>
-              <a:t>2023-03-03</a:t>
+              <a:t>2023-03-06</a:t>
             </a:fld>
             <a:endParaRPr lang="ko-KR" altLang="en-US"/>
           </a:p>
@@ -611,7 +611,7 @@
           <a:p>
             <a:fld id="{85695E44-A86B-40ED-B5B4-EEE8D66F9E70}" type="datetimeFigureOut">
               <a:rPr lang="ko-KR" altLang="en-US" smtClean="0"/>
-              <a:t>2023-03-03</a:t>
+              <a:t>2023-03-06</a:t>
             </a:fld>
             <a:endParaRPr lang="ko-KR" altLang="en-US"/>
           </a:p>
@@ -781,7 +781,7 @@
           <a:p>
             <a:fld id="{85695E44-A86B-40ED-B5B4-EEE8D66F9E70}" type="datetimeFigureOut">
               <a:rPr lang="ko-KR" altLang="en-US" smtClean="0"/>
-              <a:t>2023-03-03</a:t>
+              <a:t>2023-03-06</a:t>
             </a:fld>
             <a:endParaRPr lang="ko-KR" altLang="en-US"/>
           </a:p>
@@ -1027,7 +1027,7 @@
           <a:p>
             <a:fld id="{85695E44-A86B-40ED-B5B4-EEE8D66F9E70}" type="datetimeFigureOut">
               <a:rPr lang="ko-KR" altLang="en-US" smtClean="0"/>
-              <a:t>2023-03-03</a:t>
+              <a:t>2023-03-06</a:t>
             </a:fld>
             <a:endParaRPr lang="ko-KR" altLang="en-US"/>
           </a:p>
@@ -1259,7 +1259,7 @@
           <a:p>
             <a:fld id="{85695E44-A86B-40ED-B5B4-EEE8D66F9E70}" type="datetimeFigureOut">
               <a:rPr lang="ko-KR" altLang="en-US" smtClean="0"/>
-              <a:t>2023-03-03</a:t>
+              <a:t>2023-03-06</a:t>
             </a:fld>
             <a:endParaRPr lang="ko-KR" altLang="en-US"/>
           </a:p>
@@ -1626,7 +1626,7 @@
           <a:p>
             <a:fld id="{85695E44-A86B-40ED-B5B4-EEE8D66F9E70}" type="datetimeFigureOut">
               <a:rPr lang="ko-KR" altLang="en-US" smtClean="0"/>
-              <a:t>2023-03-03</a:t>
+              <a:t>2023-03-06</a:t>
             </a:fld>
             <a:endParaRPr lang="ko-KR" altLang="en-US"/>
           </a:p>
@@ -1744,7 +1744,7 @@
           <a:p>
             <a:fld id="{85695E44-A86B-40ED-B5B4-EEE8D66F9E70}" type="datetimeFigureOut">
               <a:rPr lang="ko-KR" altLang="en-US" smtClean="0"/>
-              <a:t>2023-03-03</a:t>
+              <a:t>2023-03-06</a:t>
             </a:fld>
             <a:endParaRPr lang="ko-KR" altLang="en-US"/>
           </a:p>
@@ -1839,7 +1839,7 @@
           <a:p>
             <a:fld id="{85695E44-A86B-40ED-B5B4-EEE8D66F9E70}" type="datetimeFigureOut">
               <a:rPr lang="ko-KR" altLang="en-US" smtClean="0"/>
-              <a:t>2023-03-03</a:t>
+              <a:t>2023-03-06</a:t>
             </a:fld>
             <a:endParaRPr lang="ko-KR" altLang="en-US"/>
           </a:p>
@@ -2116,7 +2116,7 @@
           <a:p>
             <a:fld id="{85695E44-A86B-40ED-B5B4-EEE8D66F9E70}" type="datetimeFigureOut">
               <a:rPr lang="ko-KR" altLang="en-US" smtClean="0"/>
-              <a:t>2023-03-03</a:t>
+              <a:t>2023-03-06</a:t>
             </a:fld>
             <a:endParaRPr lang="ko-KR" altLang="en-US"/>
           </a:p>
@@ -2369,7 +2369,7 @@
           <a:p>
             <a:fld id="{85695E44-A86B-40ED-B5B4-EEE8D66F9E70}" type="datetimeFigureOut">
               <a:rPr lang="ko-KR" altLang="en-US" smtClean="0"/>
-              <a:t>2023-03-03</a:t>
+              <a:t>2023-03-06</a:t>
             </a:fld>
             <a:endParaRPr lang="ko-KR" altLang="en-US"/>
           </a:p>
@@ -2582,7 +2582,7 @@
           <a:p>
             <a:fld id="{85695E44-A86B-40ED-B5B4-EEE8D66F9E70}" type="datetimeFigureOut">
               <a:rPr lang="ko-KR" altLang="en-US" smtClean="0"/>
-              <a:t>2023-03-03</a:t>
+              <a:t>2023-03-06</a:t>
             </a:fld>
             <a:endParaRPr lang="ko-KR" altLang="en-US"/>
           </a:p>
@@ -3044,11 +3044,7 @@
           <a:p>
             <a:r>
               <a:rPr lang="ko-KR" altLang="en-US" dirty="0" smtClean="0"/>
-              <a:t>온라인 강의 </a:t>
-            </a:r>
-            <a:r>
-              <a:rPr lang="ko-KR" altLang="en-US" dirty="0" smtClean="0"/>
-              <a:t>사이트</a:t>
+              <a:t>온라인 강의 사이트</a:t>
             </a:r>
             <a:endParaRPr lang="en-US" altLang="ko-KR" dirty="0" smtClean="0"/>
           </a:p>
@@ -3167,7 +3163,7 @@
         </p:blipFill>
         <p:spPr>
           <a:xfrm>
-            <a:off x="339436" y="1690688"/>
+            <a:off x="441036" y="1893888"/>
             <a:ext cx="6007586" cy="2973676"/>
           </a:xfrm>
           <a:prstGeom prst="rect">
@@ -3921,7 +3917,7 @@
         </p:nvSpPr>
         <p:spPr>
           <a:xfrm>
-            <a:off x="6778339" y="3437896"/>
+            <a:off x="6778339" y="1105592"/>
             <a:ext cx="5413661" cy="369332"/>
           </a:xfrm>
           <a:prstGeom prst="rect">
@@ -4253,11 +4249,7 @@
           <a:p>
             <a:r>
               <a:rPr lang="ko-KR" altLang="en-US" dirty="0" smtClean="0"/>
-              <a:t>느낀 </a:t>
-            </a:r>
-            <a:r>
-              <a:rPr lang="ko-KR" altLang="en-US" dirty="0" smtClean="0"/>
-              <a:t>점</a:t>
+              <a:t>느낀 점</a:t>
             </a:r>
             <a:r>
               <a:rPr lang="en-US" altLang="ko-KR" dirty="0" smtClean="0"/>
@@ -4291,11 +4283,7 @@
           <a:p>
             <a:r>
               <a:rPr lang="ko-KR" altLang="en-US" dirty="0" smtClean="0"/>
-              <a:t>처음 시작할 </a:t>
-            </a:r>
-            <a:r>
-              <a:rPr lang="ko-KR" altLang="en-US" dirty="0" smtClean="0"/>
-              <a:t>적에는 </a:t>
+              <a:t>처음 시작할 적에는 </a:t>
             </a:r>
             <a:r>
               <a:rPr lang="en-US" altLang="ko-KR" dirty="0" smtClean="0"/>
@@ -4534,19 +4522,11 @@
             </a:r>
             <a:r>
               <a:rPr lang="ko-KR" altLang="en-US" dirty="0"/>
-              <a:t>프로젝트 목표</a:t>
-            </a:r>
-            <a:r>
-              <a:rPr lang="en-US" altLang="ko-KR" dirty="0"/>
-              <a:t>, </a:t>
-            </a:r>
-            <a:r>
-              <a:rPr lang="ko-KR" altLang="en-US" dirty="0"/>
-              <a:t>선정 </a:t>
-            </a:r>
-            <a:r>
-              <a:rPr lang="ko-KR" altLang="en-US" dirty="0" smtClean="0"/>
-              <a:t>이유</a:t>
+              <a:t>프로젝트 </a:t>
+            </a:r>
+            <a:r>
+              <a:rPr lang="ko-KR" altLang="en-US" dirty="0" smtClean="0"/>
+              <a:t>목표</a:t>
             </a:r>
             <a:endParaRPr lang="ko-KR" altLang="en-US" dirty="0"/>
           </a:p>
@@ -4766,40 +4746,6 @@
             <a:r>
               <a:rPr lang="ko-KR" altLang="en-US" dirty="0" smtClean="0"/>
               <a:t>서버에 요청한 뒤 강의 상세 페이지로 출력</a:t>
-            </a:r>
-            <a:endParaRPr lang="ko-KR" altLang="en-US" dirty="0"/>
-          </a:p>
-        </p:txBody>
-      </p:sp>
-      <p:sp>
-        <p:nvSpPr>
-          <p:cNvPr id="8" name="TextBox 7"/>
-          <p:cNvSpPr txBox="1"/>
-          <p:nvPr/>
-        </p:nvSpPr>
-        <p:spPr>
-          <a:xfrm>
-            <a:off x="838200" y="5427825"/>
-            <a:ext cx="1306768" cy="369332"/>
-          </a:xfrm>
-          <a:prstGeom prst="rect">
-            <a:avLst/>
-          </a:prstGeom>
-          <a:noFill/>
-        </p:spPr>
-        <p:txBody>
-          <a:bodyPr wrap="none" rtlCol="0">
-            <a:spAutoFit/>
-          </a:bodyPr>
-          <a:lstStyle/>
-          <a:p>
-            <a:r>
-              <a:rPr lang="ko-KR" altLang="en-US" dirty="0" smtClean="0"/>
-              <a:t>이유</a:t>
-            </a:r>
-            <a:r>
-              <a:rPr lang="en-US" altLang="ko-KR" dirty="0" smtClean="0"/>
-              <a:t> : ……..</a:t>
             </a:r>
             <a:endParaRPr lang="ko-KR" altLang="en-US" dirty="0"/>
           </a:p>
@@ -7409,13 +7355,16 @@
         </p:blipFill>
         <p:spPr>
           <a:xfrm>
-            <a:off x="838200" y="1690688"/>
+            <a:off x="912090" y="1829233"/>
             <a:ext cx="3000727" cy="4351338"/>
           </a:xfrm>
           <a:prstGeom prst="rect">
             <a:avLst/>
           </a:prstGeom>
           <a:noFill/>
+          <a:ln w="9525">
+            <a:noFill/>
+          </a:ln>
           <a:effectLst>
             <a:softEdge rad="63500"/>
           </a:effectLst>

--- a/1조 project 포트폴리오(이력서용).pptx
+++ b/1조 project 포트폴리오(이력서용).pptx
@@ -9,21 +9,26 @@
     <p:sldId id="264" r:id="rId3"/>
     <p:sldId id="265" r:id="rId4"/>
     <p:sldId id="266" r:id="rId5"/>
-    <p:sldId id="269" r:id="rId6"/>
-    <p:sldId id="257" r:id="rId7"/>
-    <p:sldId id="272" r:id="rId8"/>
-    <p:sldId id="258" r:id="rId9"/>
-    <p:sldId id="259" r:id="rId10"/>
-    <p:sldId id="260" r:id="rId11"/>
-    <p:sldId id="270" r:id="rId12"/>
-    <p:sldId id="271" r:id="rId13"/>
-    <p:sldId id="261" r:id="rId14"/>
-    <p:sldId id="268" r:id="rId15"/>
+    <p:sldId id="279" r:id="rId6"/>
+    <p:sldId id="269" r:id="rId7"/>
+    <p:sldId id="257" r:id="rId8"/>
+    <p:sldId id="272" r:id="rId9"/>
+    <p:sldId id="258" r:id="rId10"/>
+    <p:sldId id="259" r:id="rId11"/>
+    <p:sldId id="260" r:id="rId12"/>
+    <p:sldId id="270" r:id="rId13"/>
+    <p:sldId id="271" r:id="rId14"/>
+    <p:sldId id="261" r:id="rId15"/>
     <p:sldId id="274" r:id="rId16"/>
-    <p:sldId id="273" r:id="rId17"/>
-    <p:sldId id="262" r:id="rId18"/>
-    <p:sldId id="263" r:id="rId19"/>
-    <p:sldId id="267" r:id="rId20"/>
+    <p:sldId id="268" r:id="rId17"/>
+    <p:sldId id="273" r:id="rId18"/>
+    <p:sldId id="275" r:id="rId19"/>
+    <p:sldId id="277" r:id="rId20"/>
+    <p:sldId id="276" r:id="rId21"/>
+    <p:sldId id="278" r:id="rId22"/>
+    <p:sldId id="262" r:id="rId23"/>
+    <p:sldId id="263" r:id="rId24"/>
+    <p:sldId id="267" r:id="rId25"/>
   </p:sldIdLst>
   <p:sldSz cx="12192000" cy="6858000"/>
   <p:notesSz cx="6858000" cy="9144000"/>
@@ -261,7 +266,7 @@
           <a:p>
             <a:fld id="{85695E44-A86B-40ED-B5B4-EEE8D66F9E70}" type="datetimeFigureOut">
               <a:rPr lang="ko-KR" altLang="en-US" smtClean="0"/>
-              <a:t>2023-03-06</a:t>
+              <a:t>2023-03-08</a:t>
             </a:fld>
             <a:endParaRPr lang="ko-KR" altLang="en-US"/>
           </a:p>
@@ -431,7 +436,7 @@
           <a:p>
             <a:fld id="{85695E44-A86B-40ED-B5B4-EEE8D66F9E70}" type="datetimeFigureOut">
               <a:rPr lang="ko-KR" altLang="en-US" smtClean="0"/>
-              <a:t>2023-03-06</a:t>
+              <a:t>2023-03-08</a:t>
             </a:fld>
             <a:endParaRPr lang="ko-KR" altLang="en-US"/>
           </a:p>
@@ -611,7 +616,7 @@
           <a:p>
             <a:fld id="{85695E44-A86B-40ED-B5B4-EEE8D66F9E70}" type="datetimeFigureOut">
               <a:rPr lang="ko-KR" altLang="en-US" smtClean="0"/>
-              <a:t>2023-03-06</a:t>
+              <a:t>2023-03-08</a:t>
             </a:fld>
             <a:endParaRPr lang="ko-KR" altLang="en-US"/>
           </a:p>
@@ -781,7 +786,7 @@
           <a:p>
             <a:fld id="{85695E44-A86B-40ED-B5B4-EEE8D66F9E70}" type="datetimeFigureOut">
               <a:rPr lang="ko-KR" altLang="en-US" smtClean="0"/>
-              <a:t>2023-03-06</a:t>
+              <a:t>2023-03-08</a:t>
             </a:fld>
             <a:endParaRPr lang="ko-KR" altLang="en-US"/>
           </a:p>
@@ -1027,7 +1032,7 @@
           <a:p>
             <a:fld id="{85695E44-A86B-40ED-B5B4-EEE8D66F9E70}" type="datetimeFigureOut">
               <a:rPr lang="ko-KR" altLang="en-US" smtClean="0"/>
-              <a:t>2023-03-06</a:t>
+              <a:t>2023-03-08</a:t>
             </a:fld>
             <a:endParaRPr lang="ko-KR" altLang="en-US"/>
           </a:p>
@@ -1259,7 +1264,7 @@
           <a:p>
             <a:fld id="{85695E44-A86B-40ED-B5B4-EEE8D66F9E70}" type="datetimeFigureOut">
               <a:rPr lang="ko-KR" altLang="en-US" smtClean="0"/>
-              <a:t>2023-03-06</a:t>
+              <a:t>2023-03-08</a:t>
             </a:fld>
             <a:endParaRPr lang="ko-KR" altLang="en-US"/>
           </a:p>
@@ -1626,7 +1631,7 @@
           <a:p>
             <a:fld id="{85695E44-A86B-40ED-B5B4-EEE8D66F9E70}" type="datetimeFigureOut">
               <a:rPr lang="ko-KR" altLang="en-US" smtClean="0"/>
-              <a:t>2023-03-06</a:t>
+              <a:t>2023-03-08</a:t>
             </a:fld>
             <a:endParaRPr lang="ko-KR" altLang="en-US"/>
           </a:p>
@@ -1744,7 +1749,7 @@
           <a:p>
             <a:fld id="{85695E44-A86B-40ED-B5B4-EEE8D66F9E70}" type="datetimeFigureOut">
               <a:rPr lang="ko-KR" altLang="en-US" smtClean="0"/>
-              <a:t>2023-03-06</a:t>
+              <a:t>2023-03-08</a:t>
             </a:fld>
             <a:endParaRPr lang="ko-KR" altLang="en-US"/>
           </a:p>
@@ -1839,7 +1844,7 @@
           <a:p>
             <a:fld id="{85695E44-A86B-40ED-B5B4-EEE8D66F9E70}" type="datetimeFigureOut">
               <a:rPr lang="ko-KR" altLang="en-US" smtClean="0"/>
-              <a:t>2023-03-06</a:t>
+              <a:t>2023-03-08</a:t>
             </a:fld>
             <a:endParaRPr lang="ko-KR" altLang="en-US"/>
           </a:p>
@@ -2116,7 +2121,7 @@
           <a:p>
             <a:fld id="{85695E44-A86B-40ED-B5B4-EEE8D66F9E70}" type="datetimeFigureOut">
               <a:rPr lang="ko-KR" altLang="en-US" smtClean="0"/>
-              <a:t>2023-03-06</a:t>
+              <a:t>2023-03-08</a:t>
             </a:fld>
             <a:endParaRPr lang="ko-KR" altLang="en-US"/>
           </a:p>
@@ -2369,7 +2374,7 @@
           <a:p>
             <a:fld id="{85695E44-A86B-40ED-B5B4-EEE8D66F9E70}" type="datetimeFigureOut">
               <a:rPr lang="ko-KR" altLang="en-US" smtClean="0"/>
-              <a:t>2023-03-06</a:t>
+              <a:t>2023-03-08</a:t>
             </a:fld>
             <a:endParaRPr lang="ko-KR" altLang="en-US"/>
           </a:p>
@@ -2582,7 +2587,7 @@
           <a:p>
             <a:fld id="{85695E44-A86B-40ED-B5B4-EEE8D66F9E70}" type="datetimeFigureOut">
               <a:rPr lang="ko-KR" altLang="en-US" smtClean="0"/>
-              <a:t>2023-03-06</a:t>
+              <a:t>2023-03-08</a:t>
             </a:fld>
             <a:endParaRPr lang="ko-KR" altLang="en-US"/>
           </a:p>
@@ -3035,11 +3040,13 @@
         <p:spPr>
           <a:xfrm>
             <a:off x="1524000" y="4158991"/>
-            <a:ext cx="9144000" cy="1655762"/>
-          </a:xfrm>
-        </p:spPr>
-        <p:txBody>
-          <a:bodyPr/>
+            <a:ext cx="9144000" cy="1950864"/>
+          </a:xfrm>
+        </p:spPr>
+        <p:txBody>
+          <a:bodyPr>
+            <a:normAutofit fontScale="92500" lnSpcReduction="10000"/>
+          </a:bodyPr>
           <a:lstStyle/>
           <a:p>
             <a:r>
@@ -3053,40 +3060,25 @@
           </a:p>
           <a:p>
             <a:r>
-              <a:rPr lang="ko-KR" altLang="en-US" dirty="0" err="1" smtClean="0"/>
+              <a:rPr lang="ko-KR" altLang="en-US" b="1" dirty="0" err="1" smtClean="0"/>
               <a:t>강동욱</a:t>
             </a:r>
-            <a:r>
-              <a:rPr lang="en-US" altLang="ko-KR" dirty="0" smtClean="0"/>
-              <a:t>, </a:t>
-            </a:r>
-            <a:r>
-              <a:rPr lang="ko-KR" altLang="en-US" dirty="0" smtClean="0"/>
-              <a:t>권용범</a:t>
-            </a:r>
-            <a:r>
-              <a:rPr lang="en-US" altLang="ko-KR" dirty="0" smtClean="0"/>
-              <a:t>, </a:t>
-            </a:r>
-            <a:r>
-              <a:rPr lang="ko-KR" altLang="en-US" dirty="0" smtClean="0"/>
-              <a:t>박수현</a:t>
-            </a:r>
-            <a:r>
-              <a:rPr lang="en-US" altLang="ko-KR" dirty="0" smtClean="0"/>
-              <a:t>, </a:t>
-            </a:r>
-            <a:r>
-              <a:rPr lang="ko-KR" altLang="en-US" dirty="0" err="1" smtClean="0"/>
-              <a:t>양진구</a:t>
-            </a:r>
-            <a:r>
-              <a:rPr lang="en-US" altLang="ko-KR" dirty="0" smtClean="0"/>
-              <a:t>, </a:t>
-            </a:r>
-            <a:r>
-              <a:rPr lang="ko-KR" altLang="en-US" dirty="0" smtClean="0"/>
-              <a:t>이영인</a:t>
+            <a:endParaRPr lang="en-US" altLang="ko-KR" b="1" dirty="0" smtClean="0"/>
+          </a:p>
+          <a:p>
+            <a:r>
+              <a:rPr lang="en-US" altLang="ko-KR" dirty="0" smtClean="0"/>
+              <a:t>Tel : 010-5220-4331</a:t>
+            </a:r>
+          </a:p>
+          <a:p>
+            <a:r>
+              <a:rPr lang="en-US" altLang="ko-KR" dirty="0" err="1" smtClean="0"/>
+              <a:t>eMail</a:t>
+            </a:r>
+            <a:r>
+              <a:rPr lang="en-US" altLang="ko-KR" dirty="0" smtClean="0"/>
+              <a:t> : ebyul96428@naver.com</a:t>
             </a:r>
             <a:endParaRPr lang="ko-KR" altLang="en-US" dirty="0"/>
           </a:p>
@@ -3139,7 +3131,7 @@
           <a:p>
             <a:r>
               <a:rPr lang="ko-KR" altLang="en-US" dirty="0" smtClean="0"/>
-              <a:t>강의 목록 페이지</a:t>
+              <a:t>회원가입 페이지</a:t>
             </a:r>
             <a:endParaRPr lang="ko-KR" altLang="en-US" dirty="0"/>
           </a:p>
@@ -3163,18 +3155,25 @@
         </p:blipFill>
         <p:spPr>
           <a:xfrm>
-            <a:off x="441036" y="1893888"/>
-            <a:ext cx="6007586" cy="2973676"/>
-          </a:xfrm>
-          <a:prstGeom prst="rect">
-            <a:avLst/>
-          </a:prstGeom>
+            <a:off x="912090" y="1829233"/>
+            <a:ext cx="3000727" cy="4351338"/>
+          </a:xfrm>
+          <a:prstGeom prst="rect">
+            <a:avLst/>
+          </a:prstGeom>
+          <a:noFill/>
+          <a:ln w="9525">
+            <a:noFill/>
+          </a:ln>
+          <a:effectLst>
+            <a:softEdge rad="63500"/>
+          </a:effectLst>
         </p:spPr>
       </p:pic>
     </p:spTree>
     <p:extLst>
       <p:ext uri="{BB962C8B-B14F-4D97-AF65-F5344CB8AC3E}">
-        <p14:creationId xmlns:p14="http://schemas.microsoft.com/office/powerpoint/2010/main" val="213791086"/>
+        <p14:creationId xmlns:p14="http://schemas.microsoft.com/office/powerpoint/2010/main" val="4227334908"/>
       </p:ext>
     </p:extLst>
   </p:cSld>
@@ -3242,7 +3241,7 @@
         </p:blipFill>
         <p:spPr>
           <a:xfrm>
-            <a:off x="339436" y="1690688"/>
+            <a:off x="441036" y="1893888"/>
             <a:ext cx="6007586" cy="2973676"/>
           </a:xfrm>
           <a:prstGeom prst="rect">
@@ -3253,7 +3252,7 @@
     </p:spTree>
     <p:extLst>
       <p:ext uri="{BB962C8B-B14F-4D97-AF65-F5344CB8AC3E}">
-        <p14:creationId xmlns:p14="http://schemas.microsoft.com/office/powerpoint/2010/main" val="790637500"/>
+        <p14:creationId xmlns:p14="http://schemas.microsoft.com/office/powerpoint/2010/main" val="213791086"/>
       </p:ext>
     </p:extLst>
   </p:cSld>
@@ -3332,7 +3331,7 @@
     </p:spTree>
     <p:extLst>
       <p:ext uri="{BB962C8B-B14F-4D97-AF65-F5344CB8AC3E}">
-        <p14:creationId xmlns:p14="http://schemas.microsoft.com/office/powerpoint/2010/main" val="4220909973"/>
+        <p14:creationId xmlns:p14="http://schemas.microsoft.com/office/powerpoint/2010/main" val="790637500"/>
       </p:ext>
     </p:extLst>
   </p:cSld>
@@ -3369,165 +3368,49 @@
             <p:ph type="title"/>
           </p:nvPr>
         </p:nvSpPr>
-        <p:spPr>
-          <a:xfrm>
-            <a:off x="2414153" y="69191"/>
-            <a:ext cx="6729847" cy="728832"/>
-          </a:xfrm>
-        </p:spPr>
-        <p:txBody>
-          <a:bodyPr>
-            <a:normAutofit/>
-          </a:bodyPr>
-          <a:lstStyle/>
-          <a:p>
-            <a:r>
-              <a:rPr lang="ko-KR" altLang="en-US" sz="3600" dirty="0" smtClean="0"/>
-              <a:t>강의 상세 페이지 </a:t>
-            </a:r>
-            <a:r>
-              <a:rPr lang="en-US" altLang="ko-KR" sz="3600" dirty="0" smtClean="0"/>
-              <a:t>– </a:t>
-            </a:r>
-            <a:r>
-              <a:rPr lang="ko-KR" altLang="en-US" sz="3600" dirty="0" smtClean="0"/>
-              <a:t>페이지 출력</a:t>
-            </a:r>
-            <a:endParaRPr lang="ko-KR" altLang="en-US" sz="3600" dirty="0"/>
+        <p:spPr/>
+        <p:txBody>
+          <a:bodyPr/>
+          <a:lstStyle/>
+          <a:p>
+            <a:r>
+              <a:rPr lang="ko-KR" altLang="en-US" dirty="0" smtClean="0"/>
+              <a:t>강의 목록 페이지</a:t>
+            </a:r>
+            <a:endParaRPr lang="ko-KR" altLang="en-US" dirty="0"/>
           </a:p>
         </p:txBody>
       </p:sp>
       <p:pic>
         <p:nvPicPr>
-          <p:cNvPr id="3" name="그림 2"/>
+          <p:cNvPr id="4" name="내용 개체 틀 3"/>
           <p:cNvPicPr>
-            <a:picLocks noChangeAspect="1"/>
+            <a:picLocks noGrp="1" noChangeAspect="1"/>
           </p:cNvPicPr>
-          <p:nvPr/>
+          <p:nvPr>
+            <p:ph idx="1"/>
+          </p:nvPr>
         </p:nvPicPr>
         <p:blipFill>
-          <a:blip r:embed="rId2">
-            <a:extLst>
-              <a:ext uri="{28A0092B-C50C-407E-A947-70E740481C1C}">
-                <a14:useLocalDpi xmlns:a14="http://schemas.microsoft.com/office/drawing/2010/main" val="0"/>
-              </a:ext>
-            </a:extLst>
-          </a:blip>
+          <a:blip r:embed="rId2"/>
           <a:stretch>
             <a:fillRect/>
           </a:stretch>
         </p:blipFill>
         <p:spPr>
           <a:xfrm>
-            <a:off x="108066" y="903531"/>
-            <a:ext cx="6407114" cy="3180570"/>
-          </a:xfrm>
-          <a:prstGeom prst="rect">
-            <a:avLst/>
-          </a:prstGeom>
-          <a:ln>
-            <a:solidFill>
-              <a:schemeClr val="accent1"/>
-            </a:solidFill>
-          </a:ln>
-        </p:spPr>
-      </p:pic>
-      <p:sp>
-        <p:nvSpPr>
-          <p:cNvPr id="6" name="TextBox 5"/>
-          <p:cNvSpPr txBox="1"/>
-          <p:nvPr/>
-        </p:nvSpPr>
-        <p:spPr>
-          <a:xfrm>
-            <a:off x="781396" y="4613585"/>
-            <a:ext cx="10673541" cy="646331"/>
-          </a:xfrm>
-          <a:prstGeom prst="rect">
-            <a:avLst/>
-          </a:prstGeom>
-          <a:noFill/>
-        </p:spPr>
-        <p:txBody>
-          <a:bodyPr wrap="square" rtlCol="0">
-            <a:spAutoFit/>
-          </a:bodyPr>
-          <a:lstStyle/>
-          <a:p>
-            <a:r>
-              <a:rPr lang="ko-KR" altLang="en-US" dirty="0" smtClean="0"/>
-              <a:t>메인 페이지나 목록 페이지에서 강의를 클릭 할 시</a:t>
-            </a:r>
-            <a:r>
-              <a:rPr lang="en-US" altLang="ko-KR" dirty="0" smtClean="0"/>
-              <a:t>, </a:t>
-            </a:r>
-            <a:r>
-              <a:rPr lang="ko-KR" altLang="en-US" dirty="0" smtClean="0"/>
-              <a:t>해당 강의의 클래스</a:t>
-            </a:r>
-            <a:r>
-              <a:rPr lang="en-US" altLang="ko-KR" dirty="0" smtClean="0"/>
-              <a:t>ID</a:t>
-            </a:r>
-            <a:r>
-              <a:rPr lang="ko-KR" altLang="en-US" dirty="0" smtClean="0"/>
-              <a:t>에 따라</a:t>
-            </a:r>
-            <a:endParaRPr lang="en-US" altLang="ko-KR" dirty="0" smtClean="0"/>
-          </a:p>
-          <a:p>
-            <a:r>
-              <a:rPr lang="ko-KR" altLang="en-US" dirty="0" smtClean="0"/>
-              <a:t>상세 페이지에서 출력되는 데이터가 달라지도록 설정했습니다</a:t>
-            </a:r>
-            <a:r>
-              <a:rPr lang="en-US" altLang="ko-KR" dirty="0" smtClean="0"/>
-              <a:t>.</a:t>
-            </a:r>
-            <a:endParaRPr lang="ko-KR" altLang="en-US" dirty="0"/>
-          </a:p>
-        </p:txBody>
-      </p:sp>
-      <p:pic>
-        <p:nvPicPr>
-          <p:cNvPr id="7" name="그림 6"/>
-          <p:cNvPicPr>
-            <a:picLocks noChangeAspect="1"/>
-          </p:cNvPicPr>
-          <p:nvPr/>
-        </p:nvPicPr>
-        <p:blipFill>
-          <a:blip r:embed="rId3" cstate="print">
-            <a:extLst>
-              <a:ext uri="{28A0092B-C50C-407E-A947-70E740481C1C}">
-                <a14:useLocalDpi xmlns:a14="http://schemas.microsoft.com/office/drawing/2010/main" val="0"/>
-              </a:ext>
-            </a:extLst>
-          </a:blip>
-          <a:stretch>
-            <a:fillRect/>
-          </a:stretch>
-        </p:blipFill>
-        <p:spPr>
-          <a:xfrm>
-            <a:off x="6683432" y="903531"/>
-            <a:ext cx="5210196" cy="3180570"/>
-          </a:xfrm>
-          <a:prstGeom prst="rect">
-            <a:avLst/>
-          </a:prstGeom>
-          <a:ln>
-            <a:solidFill>
-              <a:schemeClr val="accent1"/>
-            </a:solidFill>
-          </a:ln>
+            <a:off x="339436" y="1690688"/>
+            <a:ext cx="6007586" cy="2973676"/>
+          </a:xfrm>
+          <a:prstGeom prst="rect">
+            <a:avLst/>
+          </a:prstGeom>
         </p:spPr>
       </p:pic>
     </p:spTree>
     <p:extLst>
       <p:ext uri="{BB962C8B-B14F-4D97-AF65-F5344CB8AC3E}">
-        <p14:creationId xmlns:p14="http://schemas.microsoft.com/office/powerpoint/2010/main" val="528649219"/>
+        <p14:creationId xmlns:p14="http://schemas.microsoft.com/office/powerpoint/2010/main" val="4220909973"/>
       </p:ext>
     </p:extLst>
   </p:cSld>
@@ -3566,42 +3449,42 @@
         </p:nvSpPr>
         <p:spPr>
           <a:xfrm>
-            <a:off x="112957" y="148996"/>
-            <a:ext cx="7476564" cy="806970"/>
-          </a:xfrm>
-        </p:spPr>
-        <p:txBody>
-          <a:bodyPr/>
-          <a:lstStyle/>
-          <a:p>
-            <a:r>
-              <a:rPr lang="ko-KR" altLang="en-US" dirty="0" smtClean="0"/>
+            <a:off x="2414153" y="69191"/>
+            <a:ext cx="6729847" cy="728832"/>
+          </a:xfrm>
+        </p:spPr>
+        <p:txBody>
+          <a:bodyPr>
+            <a:normAutofit/>
+          </a:bodyPr>
+          <a:lstStyle/>
+          <a:p>
+            <a:r>
+              <a:rPr lang="ko-KR" altLang="en-US" sz="3600" dirty="0" smtClean="0"/>
               <a:t>강의 상세 페이지 </a:t>
             </a:r>
             <a:r>
-              <a:rPr lang="en-US" altLang="ko-KR" dirty="0" smtClean="0"/>
-              <a:t>- </a:t>
-            </a:r>
-            <a:r>
-              <a:rPr lang="ko-KR" altLang="en-US" dirty="0" smtClean="0"/>
-              <a:t>커리큘럼</a:t>
-            </a:r>
-            <a:endParaRPr lang="ko-KR" altLang="en-US" dirty="0"/>
+              <a:rPr lang="en-US" altLang="ko-KR" sz="3600" dirty="0" smtClean="0"/>
+              <a:t>– </a:t>
+            </a:r>
+            <a:r>
+              <a:rPr lang="ko-KR" altLang="en-US" sz="3600" dirty="0" smtClean="0"/>
+              <a:t>페이지 출력</a:t>
+            </a:r>
+            <a:endParaRPr lang="ko-KR" altLang="en-US" sz="3600" dirty="0"/>
           </a:p>
         </p:txBody>
       </p:sp>
       <p:pic>
         <p:nvPicPr>
-          <p:cNvPr id="5" name="내용 개체 틀 4"/>
+          <p:cNvPr id="3" name="그림 2"/>
           <p:cNvPicPr>
-            <a:picLocks noGrp="1" noChangeAspect="1"/>
+            <a:picLocks noChangeAspect="1"/>
           </p:cNvPicPr>
-          <p:nvPr>
-            <p:ph idx="1"/>
-          </p:nvPr>
+          <p:nvPr/>
         </p:nvPicPr>
         <p:blipFill>
-          <a:blip r:embed="rId2" cstate="print">
+          <a:blip r:embed="rId2">
             <a:extLst>
               <a:ext uri="{28A0092B-C50C-407E-A947-70E740481C1C}">
                 <a14:useLocalDpi xmlns:a14="http://schemas.microsoft.com/office/drawing/2010/main" val="0"/>
@@ -3614,9 +3497,12 @@
         </p:blipFill>
         <p:spPr>
           <a:xfrm>
-            <a:off x="112957" y="2272578"/>
-            <a:ext cx="2913996" cy="3305262"/>
-          </a:xfrm>
+            <a:off x="108067" y="903531"/>
+            <a:ext cx="6407114" cy="3180570"/>
+          </a:xfrm>
+          <a:prstGeom prst="rect">
+            <a:avLst/>
+          </a:prstGeom>
           <a:ln>
             <a:solidFill>
               <a:schemeClr val="accent1"/>
@@ -3624,16 +3510,73 @@
           </a:ln>
         </p:spPr>
       </p:pic>
+      <p:sp>
+        <p:nvSpPr>
+          <p:cNvPr id="6" name="TextBox 5"/>
+          <p:cNvSpPr txBox="1"/>
+          <p:nvPr/>
+        </p:nvSpPr>
+        <p:spPr>
+          <a:xfrm>
+            <a:off x="108067" y="4189609"/>
+            <a:ext cx="8462356" cy="646331"/>
+          </a:xfrm>
+          <a:prstGeom prst="rect">
+            <a:avLst/>
+          </a:prstGeom>
+          <a:noFill/>
+        </p:spPr>
+        <p:txBody>
+          <a:bodyPr wrap="square" rtlCol="0">
+            <a:spAutoFit/>
+          </a:bodyPr>
+          <a:lstStyle/>
+          <a:p>
+            <a:r>
+              <a:rPr lang="ko-KR" altLang="en-US" dirty="0" smtClean="0"/>
+              <a:t>메인 페이지나 목록 페이지에서 강의를 클릭 할 시</a:t>
+            </a:r>
+            <a:r>
+              <a:rPr lang="en-US" altLang="ko-KR" dirty="0" smtClean="0"/>
+              <a:t>, </a:t>
+            </a:r>
+            <a:r>
+              <a:rPr lang="ko-KR" altLang="en-US" dirty="0" smtClean="0"/>
+              <a:t>해당 강의의 클래스</a:t>
+            </a:r>
+            <a:r>
+              <a:rPr lang="en-US" altLang="ko-KR" dirty="0" smtClean="0"/>
+              <a:t>ID</a:t>
+            </a:r>
+            <a:r>
+              <a:rPr lang="ko-KR" altLang="en-US" dirty="0" smtClean="0"/>
+              <a:t>에 따라</a:t>
+            </a:r>
+            <a:endParaRPr lang="en-US" altLang="ko-KR" dirty="0" smtClean="0"/>
+          </a:p>
+          <a:p>
+            <a:r>
+              <a:rPr lang="ko-KR" altLang="en-US" dirty="0" smtClean="0"/>
+              <a:t>상세 페이지에서 출력되는 데이터가 달라지도록 설정했습니다</a:t>
+            </a:r>
+            <a:r>
+              <a:rPr lang="en-US" altLang="ko-KR" dirty="0" smtClean="0"/>
+              <a:t>.</a:t>
+            </a:r>
+            <a:endParaRPr lang="ko-KR" altLang="en-US" dirty="0"/>
+          </a:p>
+        </p:txBody>
+      </p:sp>
       <p:pic>
         <p:nvPicPr>
-          <p:cNvPr id="6" name="그림 5"/>
+          <p:cNvPr id="7" name="그림 6"/>
           <p:cNvPicPr>
             <a:picLocks noChangeAspect="1"/>
           </p:cNvPicPr>
           <p:nvPr/>
         </p:nvPicPr>
         <p:blipFill>
-          <a:blip r:embed="rId3">
+          <a:blip r:embed="rId3" cstate="print">
             <a:extLst>
               <a:ext uri="{28A0092B-C50C-407E-A947-70E740481C1C}">
                 <a14:useLocalDpi xmlns:a14="http://schemas.microsoft.com/office/drawing/2010/main" val="0"/>
@@ -3646,8 +3589,8 @@
         </p:blipFill>
         <p:spPr>
           <a:xfrm>
-            <a:off x="8000067" y="148996"/>
-            <a:ext cx="3769209" cy="2737279"/>
+            <a:off x="6683432" y="903531"/>
+            <a:ext cx="5210196" cy="3180570"/>
           </a:xfrm>
           <a:prstGeom prst="rect">
             <a:avLst/>
@@ -3659,51 +3602,16 @@
           </a:ln>
         </p:spPr>
       </p:pic>
-      <p:pic>
-        <p:nvPicPr>
-          <p:cNvPr id="7" name="그림 6"/>
-          <p:cNvPicPr>
-            <a:picLocks noChangeAspect="1"/>
-          </p:cNvPicPr>
-          <p:nvPr/>
-        </p:nvPicPr>
-        <p:blipFill>
-          <a:blip r:embed="rId4">
-            <a:extLst>
-              <a:ext uri="{28A0092B-C50C-407E-A947-70E740481C1C}">
-                <a14:useLocalDpi xmlns:a14="http://schemas.microsoft.com/office/drawing/2010/main" val="0"/>
-              </a:ext>
-            </a:extLst>
-          </a:blip>
-          <a:stretch>
-            <a:fillRect/>
-          </a:stretch>
-        </p:blipFill>
-        <p:spPr>
-          <a:xfrm>
-            <a:off x="7380318" y="2967643"/>
-            <a:ext cx="4388958" cy="3610021"/>
-          </a:xfrm>
-          <a:prstGeom prst="rect">
-            <a:avLst/>
-          </a:prstGeom>
-          <a:ln>
-            <a:solidFill>
-              <a:schemeClr val="accent1"/>
-            </a:solidFill>
-          </a:ln>
-        </p:spPr>
-      </p:pic>
-      <p:sp>
-        <p:nvSpPr>
-          <p:cNvPr id="8" name="TextBox 7"/>
+      <p:sp>
+        <p:nvSpPr>
+          <p:cNvPr id="4" name="TextBox 3"/>
           <p:cNvSpPr txBox="1"/>
           <p:nvPr/>
         </p:nvSpPr>
         <p:spPr>
           <a:xfrm>
-            <a:off x="3026953" y="3075709"/>
-            <a:ext cx="4286751" cy="923330"/>
+            <a:off x="108067" y="4941448"/>
+            <a:ext cx="4139082" cy="338554"/>
           </a:xfrm>
           <a:prstGeom prst="rect">
             <a:avLst/>
@@ -3717,95 +3625,41 @@
           <a:lstStyle/>
           <a:p>
             <a:r>
-              <a:rPr lang="ko-KR" altLang="en-US" dirty="0" smtClean="0"/>
-              <a:t>커리큘럼을 펼쳤을 때 콘텐츠 표시는</a:t>
-            </a:r>
-            <a:endParaRPr lang="en-US" altLang="ko-KR" dirty="0" smtClean="0"/>
-          </a:p>
-          <a:p>
-            <a:r>
-              <a:rPr lang="ko-KR" altLang="en-US" dirty="0" smtClean="0"/>
-              <a:t>해당 강의 구매 여부에 따라 표시되도록</a:t>
-            </a:r>
-            <a:endParaRPr lang="en-US" altLang="ko-KR" dirty="0" smtClean="0"/>
-          </a:p>
-          <a:p>
-            <a:r>
-              <a:rPr lang="ko-KR" altLang="en-US" dirty="0" smtClean="0"/>
-              <a:t>했습니다</a:t>
-            </a:r>
-            <a:r>
-              <a:rPr lang="en-US" altLang="ko-KR" dirty="0" smtClean="0"/>
-              <a:t>.</a:t>
-            </a:r>
-            <a:endParaRPr lang="ko-KR" altLang="en-US" dirty="0"/>
-          </a:p>
-        </p:txBody>
-      </p:sp>
-      <p:sp>
-        <p:nvSpPr>
-          <p:cNvPr id="9" name="TextBox 8"/>
-          <p:cNvSpPr txBox="1"/>
-          <p:nvPr/>
-        </p:nvSpPr>
-        <p:spPr>
-          <a:xfrm>
-            <a:off x="8129847" y="1517635"/>
-            <a:ext cx="877163" cy="369332"/>
-          </a:xfrm>
-          <a:prstGeom prst="rect">
-            <a:avLst/>
-          </a:prstGeom>
-          <a:noFill/>
-        </p:spPr>
-        <p:txBody>
-          <a:bodyPr wrap="none" rtlCol="0">
-            <a:spAutoFit/>
-          </a:bodyPr>
-          <a:lstStyle/>
-          <a:p>
-            <a:r>
-              <a:rPr lang="ko-KR" altLang="en-US" dirty="0" err="1" smtClean="0"/>
-              <a:t>미구매</a:t>
-            </a:r>
-            <a:endParaRPr lang="ko-KR" altLang="en-US" dirty="0"/>
-          </a:p>
-        </p:txBody>
-      </p:sp>
-      <p:sp>
-        <p:nvSpPr>
-          <p:cNvPr id="10" name="TextBox 9"/>
-          <p:cNvSpPr txBox="1"/>
-          <p:nvPr/>
-        </p:nvSpPr>
-        <p:spPr>
-          <a:xfrm>
-            <a:off x="7589521" y="4897952"/>
-            <a:ext cx="646331" cy="369332"/>
-          </a:xfrm>
-          <a:prstGeom prst="rect">
-            <a:avLst/>
-          </a:prstGeom>
-          <a:noFill/>
-        </p:spPr>
-        <p:txBody>
-          <a:bodyPr wrap="none" rtlCol="0">
-            <a:spAutoFit/>
-          </a:bodyPr>
-          <a:lstStyle/>
-          <a:p>
-            <a:r>
-              <a:rPr lang="ko-KR" altLang="en-US" dirty="0" smtClean="0"/>
-              <a:t>구매</a:t>
-            </a:r>
-            <a:endParaRPr lang="ko-KR" altLang="en-US" dirty="0"/>
+              <a:rPr lang="en-US" altLang="ko-KR" sz="1600" b="1" dirty="0" err="1"/>
+              <a:t>const</a:t>
+            </a:r>
+            <a:r>
+              <a:rPr lang="en-US" altLang="ko-KR" sz="1600" b="1" dirty="0"/>
+              <a:t> { </a:t>
+            </a:r>
+            <a:r>
+              <a:rPr lang="en-US" altLang="ko-KR" sz="1600" b="1" dirty="0" err="1"/>
+              <a:t>idClass</a:t>
+            </a:r>
+            <a:r>
+              <a:rPr lang="en-US" altLang="ko-KR" sz="1600" b="1" dirty="0"/>
+              <a:t> } = </a:t>
+            </a:r>
+            <a:r>
+              <a:rPr lang="en-US" altLang="ko-KR" sz="1600" b="1" dirty="0" err="1"/>
+              <a:t>useParams</a:t>
+            </a:r>
+            <a:r>
+              <a:rPr lang="en-US" altLang="ko-KR" sz="1600" b="1" dirty="0"/>
+              <a:t>&lt;string</a:t>
+            </a:r>
+            <a:r>
+              <a:rPr lang="en-US" altLang="ko-KR" sz="1600" b="1" dirty="0" smtClean="0"/>
+              <a:t>&gt;();</a:t>
+            </a:r>
+            <a:endParaRPr lang="en-US" altLang="ko-KR" sz="1600" b="1" dirty="0"/>
           </a:p>
         </p:txBody>
       </p:sp>
     </p:spTree>
     <p:extLst>
       <p:ext uri="{BB962C8B-B14F-4D97-AF65-F5344CB8AC3E}">
-        <p14:creationId xmlns:p14="http://schemas.microsoft.com/office/powerpoint/2010/main" val="1101745379"/>
+        <p14:creationId xmlns:p14="http://schemas.microsoft.com/office/powerpoint/2010/main" val="528649219"/>
       </p:ext>
     </p:extLst>
   </p:cSld>
@@ -3844,8 +3698,8 @@
         </p:nvSpPr>
         <p:spPr>
           <a:xfrm>
-            <a:off x="112957" y="148996"/>
-            <a:ext cx="9587996" cy="806970"/>
+            <a:off x="2414153" y="69191"/>
+            <a:ext cx="6729847" cy="728832"/>
           </a:xfrm>
         </p:spPr>
         <p:txBody>
@@ -3855,20 +3709,64 @@
           <a:lstStyle/>
           <a:p>
             <a:r>
-              <a:rPr lang="ko-KR" altLang="en-US" dirty="0" smtClean="0"/>
+              <a:rPr lang="ko-KR" altLang="en-US" sz="3600" dirty="0" smtClean="0"/>
               <a:t>강의 상세 페이지 </a:t>
             </a:r>
             <a:r>
-              <a:rPr lang="en-US" altLang="ko-KR" dirty="0" smtClean="0"/>
+              <a:rPr lang="en-US" altLang="ko-KR" sz="3600" dirty="0" smtClean="0"/>
               <a:t>– </a:t>
             </a:r>
             <a:r>
-              <a:rPr lang="ko-KR" altLang="en-US" dirty="0" smtClean="0"/>
-              <a:t>커리큘럼</a:t>
-            </a:r>
-            <a:r>
-              <a:rPr lang="en-US" altLang="ko-KR" dirty="0" smtClean="0"/>
-              <a:t>2</a:t>
+              <a:rPr lang="ko-KR" altLang="en-US" sz="3600" dirty="0" smtClean="0"/>
+              <a:t>페이지 출력</a:t>
+            </a:r>
+            <a:endParaRPr lang="ko-KR" altLang="en-US" sz="3600" dirty="0"/>
+          </a:p>
+        </p:txBody>
+      </p:sp>
+      <p:sp>
+        <p:nvSpPr>
+          <p:cNvPr id="6" name="TextBox 5"/>
+          <p:cNvSpPr txBox="1"/>
+          <p:nvPr/>
+        </p:nvSpPr>
+        <p:spPr>
+          <a:xfrm>
+            <a:off x="316804" y="4802484"/>
+            <a:ext cx="4653522" cy="923330"/>
+          </a:xfrm>
+          <a:prstGeom prst="rect">
+            <a:avLst/>
+          </a:prstGeom>
+          <a:noFill/>
+        </p:spPr>
+        <p:txBody>
+          <a:bodyPr wrap="square" rtlCol="0">
+            <a:spAutoFit/>
+          </a:bodyPr>
+          <a:lstStyle/>
+          <a:p>
+            <a:r>
+              <a:rPr lang="ko-KR" altLang="en-US" dirty="0" smtClean="0"/>
+              <a:t>상세 페이지에 네비게이션 바를 탑재하여</a:t>
+            </a:r>
+            <a:endParaRPr lang="en-US" altLang="ko-KR" dirty="0" smtClean="0"/>
+          </a:p>
+          <a:p>
+            <a:r>
+              <a:rPr lang="ko-KR" altLang="en-US" dirty="0" smtClean="0"/>
+              <a:t>클릭 시 각각의 이름에 맞는 위치로</a:t>
+            </a:r>
+            <a:endParaRPr lang="en-US" altLang="ko-KR" dirty="0" smtClean="0"/>
+          </a:p>
+          <a:p>
+            <a:r>
+              <a:rPr lang="ko-KR" altLang="en-US" dirty="0" smtClean="0"/>
+              <a:t>찾아갈 수 있게 설정했습니다</a:t>
+            </a:r>
+            <a:r>
+              <a:rPr lang="en-US" altLang="ko-KR" dirty="0" smtClean="0"/>
+              <a:t>.</a:t>
             </a:r>
             <a:endParaRPr lang="ko-KR" altLang="en-US" dirty="0"/>
           </a:p>
@@ -3876,7 +3774,7 @@
       </p:sp>
       <p:pic>
         <p:nvPicPr>
-          <p:cNvPr id="7" name="그림 6"/>
+          <p:cNvPr id="4" name="그림 3"/>
           <p:cNvPicPr>
             <a:picLocks noChangeAspect="1"/>
           </p:cNvPicPr>
@@ -3896,8 +3794,8 @@
         </p:blipFill>
         <p:spPr>
           <a:xfrm>
-            <a:off x="112956" y="1105592"/>
-            <a:ext cx="6569141" cy="5403273"/>
+            <a:off x="127023" y="1169862"/>
+            <a:ext cx="5033083" cy="3535142"/>
           </a:xfrm>
           <a:prstGeom prst="rect">
             <a:avLst/>
@@ -3909,16 +3807,121 @@
           </a:ln>
         </p:spPr>
       </p:pic>
-      <p:sp>
-        <p:nvSpPr>
-          <p:cNvPr id="4" name="TextBox 3"/>
+      <p:pic>
+        <p:nvPicPr>
+          <p:cNvPr id="5" name="그림 4"/>
+          <p:cNvPicPr>
+            <a:picLocks noChangeAspect="1"/>
+          </p:cNvPicPr>
+          <p:nvPr/>
+        </p:nvPicPr>
+        <p:blipFill>
+          <a:blip r:embed="rId3" cstate="print">
+            <a:extLst>
+              <a:ext uri="{28A0092B-C50C-407E-A947-70E740481C1C}">
+                <a14:useLocalDpi xmlns:a14="http://schemas.microsoft.com/office/drawing/2010/main" val="0"/>
+              </a:ext>
+            </a:extLst>
+          </a:blip>
+          <a:stretch>
+            <a:fillRect/>
+          </a:stretch>
+        </p:blipFill>
+        <p:spPr>
+          <a:xfrm>
+            <a:off x="5234903" y="899911"/>
+            <a:ext cx="2336052" cy="2746168"/>
+          </a:xfrm>
+          <a:prstGeom prst="rect">
+            <a:avLst/>
+          </a:prstGeom>
+          <a:ln>
+            <a:solidFill>
+              <a:schemeClr val="accent1"/>
+            </a:solidFill>
+          </a:ln>
+        </p:spPr>
+      </p:pic>
+      <p:pic>
+        <p:nvPicPr>
+          <p:cNvPr id="8" name="그림 7"/>
+          <p:cNvPicPr>
+            <a:picLocks noChangeAspect="1"/>
+          </p:cNvPicPr>
+          <p:nvPr/>
+        </p:nvPicPr>
+        <p:blipFill>
+          <a:blip r:embed="rId4">
+            <a:extLst>
+              <a:ext uri="{28A0092B-C50C-407E-A947-70E740481C1C}">
+                <a14:useLocalDpi xmlns:a14="http://schemas.microsoft.com/office/drawing/2010/main" val="0"/>
+              </a:ext>
+            </a:extLst>
+          </a:blip>
+          <a:stretch>
+            <a:fillRect/>
+          </a:stretch>
+        </p:blipFill>
+        <p:spPr>
+          <a:xfrm>
+            <a:off x="8005241" y="899912"/>
+            <a:ext cx="2542748" cy="2746168"/>
+          </a:xfrm>
+          <a:prstGeom prst="rect">
+            <a:avLst/>
+          </a:prstGeom>
+          <a:ln>
+            <a:solidFill>
+              <a:schemeClr val="accent1"/>
+            </a:solidFill>
+          </a:ln>
+        </p:spPr>
+      </p:pic>
+      <p:pic>
+        <p:nvPicPr>
+          <p:cNvPr id="9" name="그림 8"/>
+          <p:cNvPicPr>
+            <a:picLocks noChangeAspect="1"/>
+          </p:cNvPicPr>
+          <p:nvPr/>
+        </p:nvPicPr>
+        <p:blipFill>
+          <a:blip r:embed="rId5">
+            <a:extLst>
+              <a:ext uri="{28A0092B-C50C-407E-A947-70E740481C1C}">
+                <a14:useLocalDpi xmlns:a14="http://schemas.microsoft.com/office/drawing/2010/main" val="0"/>
+              </a:ext>
+            </a:extLst>
+          </a:blip>
+          <a:stretch>
+            <a:fillRect/>
+          </a:stretch>
+        </p:blipFill>
+        <p:spPr>
+          <a:xfrm>
+            <a:off x="5244998" y="3822832"/>
+            <a:ext cx="2325957" cy="2882633"/>
+          </a:xfrm>
+          <a:prstGeom prst="rect">
+            <a:avLst/>
+          </a:prstGeom>
+          <a:ln>
+            <a:solidFill>
+              <a:schemeClr val="accent1"/>
+            </a:solidFill>
+          </a:ln>
+        </p:spPr>
+      </p:pic>
+      <p:sp>
+        <p:nvSpPr>
+          <p:cNvPr id="10" name="TextBox 9"/>
           <p:cNvSpPr txBox="1"/>
           <p:nvPr/>
         </p:nvSpPr>
         <p:spPr>
           <a:xfrm>
-            <a:off x="6778339" y="1105592"/>
-            <a:ext cx="5413661" cy="369332"/>
+            <a:off x="5998469" y="1337233"/>
+            <a:ext cx="1487908" cy="338554"/>
           </a:xfrm>
           <a:prstGeom prst="rect">
             <a:avLst/>
@@ -3932,29 +3935,85 @@
           <a:lstStyle/>
           <a:p>
             <a:r>
-              <a:rPr lang="ko-KR" altLang="en-US" dirty="0" smtClean="0"/>
-              <a:t>영상 출력은 </a:t>
-            </a:r>
-            <a:r>
-              <a:rPr lang="en-US" altLang="ko-KR" dirty="0" smtClean="0"/>
-              <a:t>Iframe </a:t>
-            </a:r>
-            <a:r>
-              <a:rPr lang="ko-KR" altLang="en-US" dirty="0" smtClean="0"/>
-              <a:t>태그를 사용하여 출력했습니다</a:t>
-            </a:r>
-            <a:r>
-              <a:rPr lang="en-US" altLang="ko-KR" dirty="0" smtClean="0"/>
-              <a:t>.</a:t>
-            </a:r>
-            <a:endParaRPr lang="ko-KR" altLang="en-US" dirty="0"/>
+              <a:rPr lang="ko-KR" altLang="en-US" sz="1600" dirty="0" err="1" smtClean="0"/>
+              <a:t>강의소개</a:t>
+            </a:r>
+            <a:r>
+              <a:rPr lang="ko-KR" altLang="en-US" sz="1600" dirty="0" smtClean="0"/>
+              <a:t> 클릭</a:t>
+            </a:r>
+            <a:endParaRPr lang="ko-KR" altLang="en-US" sz="1600" dirty="0"/>
+          </a:p>
+        </p:txBody>
+      </p:sp>
+      <p:sp>
+        <p:nvSpPr>
+          <p:cNvPr id="11" name="TextBox 10"/>
+          <p:cNvSpPr txBox="1"/>
+          <p:nvPr/>
+        </p:nvSpPr>
+        <p:spPr>
+          <a:xfrm>
+            <a:off x="8647886" y="2752767"/>
+            <a:ext cx="1553196" cy="338554"/>
+          </a:xfrm>
+          <a:prstGeom prst="rect">
+            <a:avLst/>
+          </a:prstGeom>
+          <a:noFill/>
+        </p:spPr>
+        <p:txBody>
+          <a:bodyPr wrap="square" rtlCol="0">
+            <a:spAutoFit/>
+          </a:bodyPr>
+          <a:lstStyle/>
+          <a:p>
+            <a:r>
+              <a:rPr lang="ko-KR" altLang="en-US" sz="1600" dirty="0" smtClean="0"/>
+              <a:t>커리큘럼 클릭</a:t>
+            </a:r>
+            <a:endParaRPr lang="ko-KR" altLang="en-US" sz="1600" dirty="0"/>
+          </a:p>
+        </p:txBody>
+      </p:sp>
+      <p:sp>
+        <p:nvSpPr>
+          <p:cNvPr id="12" name="TextBox 11"/>
+          <p:cNvSpPr txBox="1"/>
+          <p:nvPr/>
+        </p:nvSpPr>
+        <p:spPr>
+          <a:xfrm>
+            <a:off x="5692638" y="5541148"/>
+            <a:ext cx="1282723" cy="338554"/>
+          </a:xfrm>
+          <a:prstGeom prst="rect">
+            <a:avLst/>
+          </a:prstGeom>
+          <a:noFill/>
+        </p:spPr>
+        <p:txBody>
+          <a:bodyPr wrap="none" rtlCol="0">
+            <a:spAutoFit/>
+          </a:bodyPr>
+          <a:lstStyle/>
+          <a:p>
+            <a:r>
+              <a:rPr lang="ko-KR" altLang="en-US" sz="1600" dirty="0" err="1" smtClean="0"/>
+              <a:t>수강평</a:t>
+            </a:r>
+            <a:r>
+              <a:rPr lang="ko-KR" altLang="en-US" sz="1600" dirty="0" smtClean="0"/>
+              <a:t> 클릭</a:t>
+            </a:r>
+            <a:endParaRPr lang="ko-KR" altLang="en-US" sz="1600" dirty="0"/>
           </a:p>
         </p:txBody>
       </p:sp>
     </p:spTree>
     <p:extLst>
       <p:ext uri="{BB962C8B-B14F-4D97-AF65-F5344CB8AC3E}">
-        <p14:creationId xmlns:p14="http://schemas.microsoft.com/office/powerpoint/2010/main" val="4259233734"/>
+        <p14:creationId xmlns:p14="http://schemas.microsoft.com/office/powerpoint/2010/main" val="1632438753"/>
       </p:ext>
     </p:extLst>
   </p:cSld>
@@ -3991,7 +4050,12 @@
             <p:ph type="title"/>
           </p:nvPr>
         </p:nvSpPr>
-        <p:spPr/>
+        <p:spPr>
+          <a:xfrm>
+            <a:off x="112957" y="148996"/>
+            <a:ext cx="7476564" cy="806970"/>
+          </a:xfrm>
+        </p:spPr>
         <p:txBody>
           <a:bodyPr/>
           <a:lstStyle/>
@@ -4002,7 +4066,11 @@
             </a:r>
             <a:r>
               <a:rPr lang="en-US" altLang="ko-KR" dirty="0" smtClean="0"/>
-              <a:t>- 2</a:t>
+              <a:t>- </a:t>
+            </a:r>
+            <a:r>
+              <a:rPr lang="ko-KR" altLang="en-US" dirty="0" smtClean="0"/>
+              <a:t>커리큘럼</a:t>
             </a:r>
             <a:endParaRPr lang="ko-KR" altLang="en-US" dirty="0"/>
           </a:p>
@@ -4010,7 +4078,7 @@
       </p:sp>
       <p:pic>
         <p:nvPicPr>
-          <p:cNvPr id="4" name="내용 개체 틀 3"/>
+          <p:cNvPr id="5" name="내용 개체 틀 4"/>
           <p:cNvPicPr>
             <a:picLocks noGrp="1" noChangeAspect="1"/>
           </p:cNvPicPr>
@@ -4019,25 +4087,288 @@
           </p:nvPr>
         </p:nvPicPr>
         <p:blipFill>
-          <a:blip r:embed="rId2"/>
+          <a:blip r:embed="rId2" cstate="print">
+            <a:extLst>
+              <a:ext uri="{28A0092B-C50C-407E-A947-70E740481C1C}">
+                <a14:useLocalDpi xmlns:a14="http://schemas.microsoft.com/office/drawing/2010/main" val="0"/>
+              </a:ext>
+            </a:extLst>
+          </a:blip>
           <a:stretch>
             <a:fillRect/>
           </a:stretch>
         </p:blipFill>
         <p:spPr>
           <a:xfrm>
-            <a:off x="838200" y="1690688"/>
-            <a:ext cx="5077317" cy="4351338"/>
-          </a:xfrm>
-          <a:prstGeom prst="rect">
-            <a:avLst/>
-          </a:prstGeom>
+            <a:off x="112957" y="1702301"/>
+            <a:ext cx="2913996" cy="3305262"/>
+          </a:xfrm>
+          <a:ln>
+            <a:solidFill>
+              <a:schemeClr val="accent1"/>
+            </a:solidFill>
+          </a:ln>
         </p:spPr>
       </p:pic>
+      <p:pic>
+        <p:nvPicPr>
+          <p:cNvPr id="6" name="그림 5"/>
+          <p:cNvPicPr>
+            <a:picLocks noChangeAspect="1"/>
+          </p:cNvPicPr>
+          <p:nvPr/>
+        </p:nvPicPr>
+        <p:blipFill>
+          <a:blip r:embed="rId3">
+            <a:extLst>
+              <a:ext uri="{28A0092B-C50C-407E-A947-70E740481C1C}">
+                <a14:useLocalDpi xmlns:a14="http://schemas.microsoft.com/office/drawing/2010/main" val="0"/>
+              </a:ext>
+            </a:extLst>
+          </a:blip>
+          <a:stretch>
+            <a:fillRect/>
+          </a:stretch>
+        </p:blipFill>
+        <p:spPr>
+          <a:xfrm>
+            <a:off x="8000067" y="148996"/>
+            <a:ext cx="3769209" cy="2737279"/>
+          </a:xfrm>
+          <a:prstGeom prst="rect">
+            <a:avLst/>
+          </a:prstGeom>
+          <a:ln>
+            <a:solidFill>
+              <a:schemeClr val="accent1"/>
+            </a:solidFill>
+          </a:ln>
+        </p:spPr>
+      </p:pic>
+      <p:pic>
+        <p:nvPicPr>
+          <p:cNvPr id="7" name="그림 6"/>
+          <p:cNvPicPr>
+            <a:picLocks noChangeAspect="1"/>
+          </p:cNvPicPr>
+          <p:nvPr/>
+        </p:nvPicPr>
+        <p:blipFill>
+          <a:blip r:embed="rId4">
+            <a:extLst>
+              <a:ext uri="{28A0092B-C50C-407E-A947-70E740481C1C}">
+                <a14:useLocalDpi xmlns:a14="http://schemas.microsoft.com/office/drawing/2010/main" val="0"/>
+              </a:ext>
+            </a:extLst>
+          </a:blip>
+          <a:stretch>
+            <a:fillRect/>
+          </a:stretch>
+        </p:blipFill>
+        <p:spPr>
+          <a:xfrm>
+            <a:off x="7380318" y="2967643"/>
+            <a:ext cx="4388958" cy="3610021"/>
+          </a:xfrm>
+          <a:prstGeom prst="rect">
+            <a:avLst/>
+          </a:prstGeom>
+          <a:ln>
+            <a:solidFill>
+              <a:schemeClr val="accent1"/>
+            </a:solidFill>
+          </a:ln>
+        </p:spPr>
+      </p:pic>
+      <p:sp>
+        <p:nvSpPr>
+          <p:cNvPr id="8" name="TextBox 7"/>
+          <p:cNvSpPr txBox="1"/>
+          <p:nvPr/>
+        </p:nvSpPr>
+        <p:spPr>
+          <a:xfrm>
+            <a:off x="3026953" y="3075709"/>
+            <a:ext cx="4286751" cy="923330"/>
+          </a:xfrm>
+          <a:prstGeom prst="rect">
+            <a:avLst/>
+          </a:prstGeom>
+          <a:noFill/>
+        </p:spPr>
+        <p:txBody>
+          <a:bodyPr wrap="none" rtlCol="0">
+            <a:spAutoFit/>
+          </a:bodyPr>
+          <a:lstStyle/>
+          <a:p>
+            <a:r>
+              <a:rPr lang="ko-KR" altLang="en-US" dirty="0" smtClean="0"/>
+              <a:t>커리큘럼을 펼쳤을 때 콘텐츠 표시는</a:t>
+            </a:r>
+            <a:endParaRPr lang="en-US" altLang="ko-KR" dirty="0" smtClean="0"/>
+          </a:p>
+          <a:p>
+            <a:r>
+              <a:rPr lang="ko-KR" altLang="en-US" dirty="0" smtClean="0"/>
+              <a:t>해당 강의 구매 여부에 따라 표시되도록</a:t>
+            </a:r>
+            <a:endParaRPr lang="en-US" altLang="ko-KR" dirty="0" smtClean="0"/>
+          </a:p>
+          <a:p>
+            <a:r>
+              <a:rPr lang="ko-KR" altLang="en-US" dirty="0" smtClean="0"/>
+              <a:t>했습니다</a:t>
+            </a:r>
+            <a:r>
+              <a:rPr lang="en-US" altLang="ko-KR" dirty="0" smtClean="0"/>
+              <a:t>.</a:t>
+            </a:r>
+            <a:endParaRPr lang="ko-KR" altLang="en-US" dirty="0"/>
+          </a:p>
+        </p:txBody>
+      </p:sp>
+      <p:sp>
+        <p:nvSpPr>
+          <p:cNvPr id="9" name="TextBox 8"/>
+          <p:cNvSpPr txBox="1"/>
+          <p:nvPr/>
+        </p:nvSpPr>
+        <p:spPr>
+          <a:xfrm>
+            <a:off x="8000067" y="1517635"/>
+            <a:ext cx="958917" cy="369332"/>
+          </a:xfrm>
+          <a:prstGeom prst="rect">
+            <a:avLst/>
+          </a:prstGeom>
+          <a:noFill/>
+        </p:spPr>
+        <p:txBody>
+          <a:bodyPr wrap="none" rtlCol="0">
+            <a:spAutoFit/>
+          </a:bodyPr>
+          <a:lstStyle/>
+          <a:p>
+            <a:r>
+              <a:rPr lang="ko-KR" altLang="en-US" dirty="0" smtClean="0"/>
+              <a:t>미 구매</a:t>
+            </a:r>
+            <a:endParaRPr lang="ko-KR" altLang="en-US" dirty="0"/>
+          </a:p>
+        </p:txBody>
+      </p:sp>
+      <p:sp>
+        <p:nvSpPr>
+          <p:cNvPr id="10" name="TextBox 9"/>
+          <p:cNvSpPr txBox="1"/>
+          <p:nvPr/>
+        </p:nvSpPr>
+        <p:spPr>
+          <a:xfrm>
+            <a:off x="7589521" y="4897952"/>
+            <a:ext cx="646331" cy="369332"/>
+          </a:xfrm>
+          <a:prstGeom prst="rect">
+            <a:avLst/>
+          </a:prstGeom>
+          <a:noFill/>
+        </p:spPr>
+        <p:txBody>
+          <a:bodyPr wrap="none" rtlCol="0">
+            <a:spAutoFit/>
+          </a:bodyPr>
+          <a:lstStyle/>
+          <a:p>
+            <a:r>
+              <a:rPr lang="ko-KR" altLang="en-US" dirty="0" smtClean="0"/>
+              <a:t>구매</a:t>
+            </a:r>
+            <a:endParaRPr lang="ko-KR" altLang="en-US" dirty="0"/>
+          </a:p>
+        </p:txBody>
+      </p:sp>
+      <p:sp>
+        <p:nvSpPr>
+          <p:cNvPr id="11" name="TextBox 10"/>
+          <p:cNvSpPr txBox="1"/>
+          <p:nvPr/>
+        </p:nvSpPr>
+        <p:spPr>
+          <a:xfrm>
+            <a:off x="1900043" y="6182574"/>
+            <a:ext cx="5413661" cy="369332"/>
+          </a:xfrm>
+          <a:prstGeom prst="rect">
+            <a:avLst/>
+          </a:prstGeom>
+          <a:noFill/>
+        </p:spPr>
+        <p:txBody>
+          <a:bodyPr wrap="none" rtlCol="0">
+            <a:spAutoFit/>
+          </a:bodyPr>
+          <a:lstStyle/>
+          <a:p>
+            <a:r>
+              <a:rPr lang="ko-KR" altLang="en-US" dirty="0" smtClean="0"/>
+              <a:t>영상 출력은 </a:t>
+            </a:r>
+            <a:r>
+              <a:rPr lang="en-US" altLang="ko-KR" dirty="0" smtClean="0"/>
+              <a:t>Iframe </a:t>
+            </a:r>
+            <a:r>
+              <a:rPr lang="ko-KR" altLang="en-US" dirty="0" smtClean="0"/>
+              <a:t>태그를 사용하여 출력했습니다</a:t>
+            </a:r>
+            <a:r>
+              <a:rPr lang="en-US" altLang="ko-KR" dirty="0" smtClean="0"/>
+              <a:t>.</a:t>
+            </a:r>
+            <a:endParaRPr lang="ko-KR" altLang="en-US" dirty="0"/>
+          </a:p>
+        </p:txBody>
+      </p:sp>
+      <p:sp>
+        <p:nvSpPr>
+          <p:cNvPr id="12" name="TextBox 11"/>
+          <p:cNvSpPr txBox="1"/>
+          <p:nvPr/>
+        </p:nvSpPr>
+        <p:spPr>
+          <a:xfrm>
+            <a:off x="99850" y="1174139"/>
+            <a:ext cx="2927104" cy="369332"/>
+          </a:xfrm>
+          <a:prstGeom prst="rect">
+            <a:avLst/>
+          </a:prstGeom>
+          <a:noFill/>
+          <a:ln>
+            <a:solidFill>
+              <a:schemeClr val="accent1"/>
+            </a:solidFill>
+          </a:ln>
+        </p:spPr>
+        <p:txBody>
+          <a:bodyPr wrap="square" rtlCol="0">
+            <a:spAutoFit/>
+          </a:bodyPr>
+          <a:lstStyle/>
+          <a:p>
+            <a:r>
+              <a:rPr lang="ko-KR" altLang="en-US" dirty="0" smtClean="0"/>
+              <a:t>기본 모습</a:t>
+            </a:r>
+            <a:endParaRPr lang="ko-KR" altLang="en-US" dirty="0"/>
+          </a:p>
+        </p:txBody>
+      </p:sp>
     </p:spTree>
     <p:extLst>
       <p:ext uri="{BB962C8B-B14F-4D97-AF65-F5344CB8AC3E}">
-        <p14:creationId xmlns:p14="http://schemas.microsoft.com/office/powerpoint/2010/main" val="1338292732"/>
+        <p14:creationId xmlns:p14="http://schemas.microsoft.com/office/powerpoint/2010/main" val="1101745379"/>
       </p:ext>
     </p:extLst>
   </p:cSld>
@@ -4074,18 +4405,27 @@
             <p:ph type="title"/>
           </p:nvPr>
         </p:nvSpPr>
-        <p:spPr/>
+        <p:spPr>
+          <a:xfrm>
+            <a:off x="223058" y="148994"/>
+            <a:ext cx="10026535" cy="964911"/>
+          </a:xfrm>
+        </p:spPr>
         <p:txBody>
           <a:bodyPr/>
           <a:lstStyle/>
           <a:p>
             <a:r>
+              <a:rPr lang="ko-KR" altLang="en-US" dirty="0" smtClean="0"/>
+              <a:t>강의 상세 페이지 </a:t>
+            </a:r>
+            <a:r>
+              <a:rPr lang="en-US" altLang="ko-KR" dirty="0" smtClean="0"/>
+              <a:t>– </a:t>
+            </a:r>
+            <a:r>
               <a:rPr lang="ko-KR" altLang="en-US" dirty="0" err="1" smtClean="0"/>
-              <a:t>수강바구니</a:t>
-            </a:r>
-            <a:r>
-              <a:rPr lang="ko-KR" altLang="en-US" dirty="0" smtClean="0"/>
-              <a:t> 페이지</a:t>
+              <a:t>수강평</a:t>
             </a:r>
             <a:endParaRPr lang="ko-KR" altLang="en-US" dirty="0"/>
           </a:p>
@@ -4093,35 +4433,191 @@
       </p:sp>
       <p:pic>
         <p:nvPicPr>
-          <p:cNvPr id="4" name="내용 개체 틀 3"/>
+          <p:cNvPr id="6" name="그림 5"/>
           <p:cNvPicPr>
-            <a:picLocks noGrp="1" noChangeAspect="1"/>
+            <a:picLocks noChangeAspect="1"/>
           </p:cNvPicPr>
-          <p:nvPr>
-            <p:ph idx="1"/>
-          </p:nvPr>
+          <p:nvPr/>
         </p:nvPicPr>
         <p:blipFill>
-          <a:blip r:embed="rId2"/>
+          <a:blip r:embed="rId2">
+            <a:extLst>
+              <a:ext uri="{28A0092B-C50C-407E-A947-70E740481C1C}">
+                <a14:useLocalDpi xmlns:a14="http://schemas.microsoft.com/office/drawing/2010/main" val="0"/>
+              </a:ext>
+            </a:extLst>
+          </a:blip>
           <a:stretch>
             <a:fillRect/>
           </a:stretch>
         </p:blipFill>
         <p:spPr>
           <a:xfrm>
-            <a:off x="838200" y="1690688"/>
-            <a:ext cx="5436082" cy="2678112"/>
-          </a:xfrm>
-          <a:prstGeom prst="rect">
-            <a:avLst/>
-          </a:prstGeom>
-          <a:effectLst/>
+            <a:off x="223057" y="1113905"/>
+            <a:ext cx="4889269" cy="3895015"/>
+          </a:xfrm>
+          <a:prstGeom prst="rect">
+            <a:avLst/>
+          </a:prstGeom>
+          <a:ln>
+            <a:solidFill>
+              <a:schemeClr val="accent1"/>
+            </a:solidFill>
+          </a:ln>
         </p:spPr>
       </p:pic>
+      <p:pic>
+        <p:nvPicPr>
+          <p:cNvPr id="7" name="그림 6"/>
+          <p:cNvPicPr>
+            <a:picLocks noChangeAspect="1"/>
+          </p:cNvPicPr>
+          <p:nvPr/>
+        </p:nvPicPr>
+        <p:blipFill>
+          <a:blip r:embed="rId3">
+            <a:extLst>
+              <a:ext uri="{28A0092B-C50C-407E-A947-70E740481C1C}">
+                <a14:useLocalDpi xmlns:a14="http://schemas.microsoft.com/office/drawing/2010/main" val="0"/>
+              </a:ext>
+            </a:extLst>
+          </a:blip>
+          <a:stretch>
+            <a:fillRect/>
+          </a:stretch>
+        </p:blipFill>
+        <p:spPr>
+          <a:xfrm>
+            <a:off x="6359236" y="1113905"/>
+            <a:ext cx="5002695" cy="3797046"/>
+          </a:xfrm>
+          <a:prstGeom prst="rect">
+            <a:avLst/>
+          </a:prstGeom>
+          <a:ln>
+            <a:solidFill>
+              <a:schemeClr val="accent1"/>
+            </a:solidFill>
+          </a:ln>
+        </p:spPr>
+      </p:pic>
+      <p:sp>
+        <p:nvSpPr>
+          <p:cNvPr id="8" name="TextBox 7"/>
+          <p:cNvSpPr txBox="1"/>
+          <p:nvPr/>
+        </p:nvSpPr>
+        <p:spPr>
+          <a:xfrm>
+            <a:off x="6125916" y="5140770"/>
+            <a:ext cx="6066084" cy="923330"/>
+          </a:xfrm>
+          <a:prstGeom prst="rect">
+            <a:avLst/>
+          </a:prstGeom>
+          <a:noFill/>
+        </p:spPr>
+        <p:txBody>
+          <a:bodyPr wrap="none" rtlCol="0">
+            <a:spAutoFit/>
+          </a:bodyPr>
+          <a:lstStyle/>
+          <a:p>
+            <a:r>
+              <a:rPr lang="ko-KR" altLang="en-US" dirty="0" smtClean="0"/>
+              <a:t>로그인 된 상태이며</a:t>
+            </a:r>
+            <a:r>
+              <a:rPr lang="en-US" altLang="ko-KR" dirty="0" smtClean="0"/>
+              <a:t>, </a:t>
+            </a:r>
+            <a:r>
+              <a:rPr lang="ko-KR" altLang="en-US" dirty="0" smtClean="0"/>
+              <a:t>해당 강의를 구입한 유저에게만</a:t>
+            </a:r>
+            <a:endParaRPr lang="en-US" altLang="ko-KR" dirty="0" smtClean="0"/>
+          </a:p>
+          <a:p>
+            <a:r>
+              <a:rPr lang="ko-KR" altLang="en-US" dirty="0" smtClean="0"/>
+              <a:t>작성하기 버튼과 자신이 작성한 </a:t>
+            </a:r>
+            <a:r>
+              <a:rPr lang="ko-KR" altLang="en-US" dirty="0" err="1" smtClean="0"/>
+              <a:t>수강평의</a:t>
+            </a:r>
+            <a:r>
+              <a:rPr lang="ko-KR" altLang="en-US" dirty="0" smtClean="0"/>
+              <a:t> 수정 및 삭제가</a:t>
+            </a:r>
+            <a:endParaRPr lang="en-US" altLang="ko-KR" dirty="0" smtClean="0"/>
+          </a:p>
+          <a:p>
+            <a:r>
+              <a:rPr lang="ko-KR" altLang="en-US" dirty="0" smtClean="0"/>
+              <a:t>가능하도록 설정하였습니다</a:t>
+            </a:r>
+            <a:r>
+              <a:rPr lang="en-US" altLang="ko-KR" dirty="0" smtClean="0"/>
+              <a:t>.</a:t>
+            </a:r>
+            <a:endParaRPr lang="ko-KR" altLang="en-US" dirty="0"/>
+          </a:p>
+        </p:txBody>
+      </p:sp>
+      <p:sp>
+        <p:nvSpPr>
+          <p:cNvPr id="9" name="TextBox 8"/>
+          <p:cNvSpPr txBox="1"/>
+          <p:nvPr/>
+        </p:nvSpPr>
+        <p:spPr>
+          <a:xfrm>
+            <a:off x="223057" y="5140770"/>
+            <a:ext cx="5210081" cy="646331"/>
+          </a:xfrm>
+          <a:prstGeom prst="rect">
+            <a:avLst/>
+          </a:prstGeom>
+          <a:noFill/>
+        </p:spPr>
+        <p:txBody>
+          <a:bodyPr wrap="none" rtlCol="0">
+            <a:spAutoFit/>
+          </a:bodyPr>
+          <a:lstStyle/>
+          <a:p>
+            <a:r>
+              <a:rPr lang="ko-KR" altLang="en-US" dirty="0" err="1" smtClean="0"/>
+              <a:t>로그인이</a:t>
+            </a:r>
+            <a:r>
+              <a:rPr lang="ko-KR" altLang="en-US" dirty="0" smtClean="0"/>
+              <a:t> 안되어 있는 상태이면 등록된 </a:t>
+            </a:r>
+            <a:r>
+              <a:rPr lang="ko-KR" altLang="en-US" dirty="0" err="1" smtClean="0"/>
+              <a:t>수강평을</a:t>
+            </a:r>
+            <a:endParaRPr lang="en-US" altLang="ko-KR" dirty="0" smtClean="0"/>
+          </a:p>
+          <a:p>
+            <a:r>
+              <a:rPr lang="ko-KR" altLang="en-US" dirty="0" smtClean="0"/>
+              <a:t>확인만 가능하도록 설정하였습니다</a:t>
+            </a:r>
+            <a:r>
+              <a:rPr lang="en-US" altLang="ko-KR" dirty="0" smtClean="0"/>
+              <a:t>.</a:t>
+            </a:r>
+            <a:endParaRPr lang="ko-KR" altLang="en-US" dirty="0"/>
+          </a:p>
+        </p:txBody>
+      </p:sp>
     </p:spTree>
     <p:extLst>
       <p:ext uri="{BB962C8B-B14F-4D97-AF65-F5344CB8AC3E}">
-        <p14:creationId xmlns:p14="http://schemas.microsoft.com/office/powerpoint/2010/main" val="3906069852"/>
+        <p14:creationId xmlns:p14="http://schemas.microsoft.com/office/powerpoint/2010/main" val="1338292732"/>
       </p:ext>
     </p:extLst>
   </p:cSld>
@@ -4158,14 +4654,35 @@
             <p:ph type="title"/>
           </p:nvPr>
         </p:nvSpPr>
-        <p:spPr/>
+        <p:spPr>
+          <a:xfrm>
+            <a:off x="223058" y="148994"/>
+            <a:ext cx="10026535" cy="964911"/>
+          </a:xfrm>
+        </p:spPr>
         <p:txBody>
           <a:bodyPr/>
           <a:lstStyle/>
           <a:p>
             <a:r>
+              <a:rPr lang="ko-KR" altLang="en-US" dirty="0" smtClean="0"/>
+              <a:t>강의 상세 페이지 </a:t>
+            </a:r>
+            <a:r>
+              <a:rPr lang="en-US" altLang="ko-KR" dirty="0" smtClean="0"/>
+              <a:t>– </a:t>
+            </a:r>
+            <a:r>
               <a:rPr lang="ko-KR" altLang="en-US" dirty="0" err="1" smtClean="0"/>
-              <a:t>마이페이지</a:t>
+              <a:t>수강평</a:t>
+            </a:r>
+            <a:r>
+              <a:rPr lang="en-US" altLang="ko-KR" dirty="0"/>
+              <a:t> </a:t>
+            </a:r>
+            <a:r>
+              <a:rPr lang="ko-KR" altLang="en-US" dirty="0" smtClean="0"/>
+              <a:t>작성</a:t>
             </a:r>
             <a:endParaRPr lang="ko-KR" altLang="en-US" dirty="0"/>
           </a:p>
@@ -4173,34 +4690,258 @@
       </p:sp>
       <p:pic>
         <p:nvPicPr>
-          <p:cNvPr id="4" name="내용 개체 틀 3"/>
+          <p:cNvPr id="7" name="그림 6"/>
           <p:cNvPicPr>
-            <a:picLocks noGrp="1" noChangeAspect="1"/>
+            <a:picLocks noChangeAspect="1"/>
           </p:cNvPicPr>
-          <p:nvPr>
-            <p:ph idx="1"/>
-          </p:nvPr>
+          <p:nvPr/>
         </p:nvPicPr>
         <p:blipFill>
-          <a:blip r:embed="rId2"/>
+          <a:blip r:embed="rId2">
+            <a:extLst>
+              <a:ext uri="{28A0092B-C50C-407E-A947-70E740481C1C}">
+                <a14:useLocalDpi xmlns:a14="http://schemas.microsoft.com/office/drawing/2010/main" val="0"/>
+              </a:ext>
+            </a:extLst>
+          </a:blip>
           <a:stretch>
             <a:fillRect/>
           </a:stretch>
         </p:blipFill>
         <p:spPr>
           <a:xfrm>
-            <a:off x="1698420" y="1825625"/>
-            <a:ext cx="8795159" cy="4351338"/>
-          </a:xfrm>
-          <a:prstGeom prst="rect">
-            <a:avLst/>
-          </a:prstGeom>
+            <a:off x="233630" y="1113905"/>
+            <a:ext cx="5002695" cy="3797046"/>
+          </a:xfrm>
+          <a:prstGeom prst="rect">
+            <a:avLst/>
+          </a:prstGeom>
+          <a:ln>
+            <a:solidFill>
+              <a:schemeClr val="accent1"/>
+            </a:solidFill>
+          </a:ln>
         </p:spPr>
       </p:pic>
+      <p:sp>
+        <p:nvSpPr>
+          <p:cNvPr id="8" name="TextBox 7"/>
+          <p:cNvSpPr txBox="1"/>
+          <p:nvPr/>
+        </p:nvSpPr>
+        <p:spPr>
+          <a:xfrm>
+            <a:off x="98367" y="5090895"/>
+            <a:ext cx="5573962" cy="646331"/>
+          </a:xfrm>
+          <a:prstGeom prst="rect">
+            <a:avLst/>
+          </a:prstGeom>
+          <a:noFill/>
+        </p:spPr>
+        <p:txBody>
+          <a:bodyPr wrap="none" rtlCol="0">
+            <a:spAutoFit/>
+          </a:bodyPr>
+          <a:lstStyle/>
+          <a:p>
+            <a:r>
+              <a:rPr lang="ko-KR" altLang="en-US" dirty="0" smtClean="0"/>
+              <a:t>해당 강의를 구매했을 때</a:t>
+            </a:r>
+            <a:r>
+              <a:rPr lang="en-US" altLang="ko-KR" dirty="0" smtClean="0"/>
+              <a:t>, </a:t>
+            </a:r>
+            <a:r>
+              <a:rPr lang="ko-KR" altLang="en-US" dirty="0" smtClean="0"/>
+              <a:t>작성하기 버튼을 클릭하여</a:t>
+            </a:r>
+            <a:endParaRPr lang="en-US" altLang="ko-KR" dirty="0" smtClean="0"/>
+          </a:p>
+          <a:p>
+            <a:r>
+              <a:rPr lang="ko-KR" altLang="en-US" dirty="0" err="1" smtClean="0"/>
+              <a:t>수강평을</a:t>
+            </a:r>
+            <a:r>
+              <a:rPr lang="ko-KR" altLang="en-US" dirty="0" smtClean="0"/>
+              <a:t> 작성 할 수 있습니다</a:t>
+            </a:r>
+            <a:r>
+              <a:rPr lang="en-US" altLang="ko-KR" dirty="0" smtClean="0"/>
+              <a:t>.</a:t>
+            </a:r>
+            <a:endParaRPr lang="ko-KR" altLang="en-US" dirty="0"/>
+          </a:p>
+        </p:txBody>
+      </p:sp>
+      <p:pic>
+        <p:nvPicPr>
+          <p:cNvPr id="3" name="그림 2"/>
+          <p:cNvPicPr>
+            <a:picLocks noChangeAspect="1"/>
+          </p:cNvPicPr>
+          <p:nvPr/>
+        </p:nvPicPr>
+        <p:blipFill>
+          <a:blip r:embed="rId3" cstate="print">
+            <a:extLst>
+              <a:ext uri="{28A0092B-C50C-407E-A947-70E740481C1C}">
+                <a14:useLocalDpi xmlns:a14="http://schemas.microsoft.com/office/drawing/2010/main" val="0"/>
+              </a:ext>
+            </a:extLst>
+          </a:blip>
+          <a:stretch>
+            <a:fillRect/>
+          </a:stretch>
+        </p:blipFill>
+        <p:spPr>
+          <a:xfrm>
+            <a:off x="6561791" y="1113905"/>
+            <a:ext cx="5102157" cy="3797046"/>
+          </a:xfrm>
+          <a:prstGeom prst="rect">
+            <a:avLst/>
+          </a:prstGeom>
+          <a:ln>
+            <a:solidFill>
+              <a:schemeClr val="accent1"/>
+            </a:solidFill>
+          </a:ln>
+        </p:spPr>
+      </p:pic>
+      <p:sp>
+        <p:nvSpPr>
+          <p:cNvPr id="4" name="타원 3"/>
+          <p:cNvSpPr/>
+          <p:nvPr/>
+        </p:nvSpPr>
+        <p:spPr>
+          <a:xfrm>
+            <a:off x="2394065" y="3898669"/>
+            <a:ext cx="656706" cy="698269"/>
+          </a:xfrm>
+          <a:prstGeom prst="ellipse">
+            <a:avLst/>
+          </a:prstGeom>
+          <a:noFill/>
+        </p:spPr>
+        <p:style>
+          <a:lnRef idx="2">
+            <a:schemeClr val="accent1"/>
+          </a:lnRef>
+          <a:fillRef idx="1">
+            <a:schemeClr val="lt1"/>
+          </a:fillRef>
+          <a:effectRef idx="0">
+            <a:schemeClr val="accent1"/>
+          </a:effectRef>
+          <a:fontRef idx="minor">
+            <a:schemeClr val="dk1"/>
+          </a:fontRef>
+        </p:style>
+        <p:txBody>
+          <a:bodyPr rtlCol="0" anchor="ctr"/>
+          <a:lstStyle/>
+          <a:p>
+            <a:pPr algn="ctr"/>
+            <a:endParaRPr lang="ko-KR" altLang="en-US"/>
+          </a:p>
+        </p:txBody>
+      </p:sp>
+      <p:sp>
+        <p:nvSpPr>
+          <p:cNvPr id="5" name="TextBox 4"/>
+          <p:cNvSpPr txBox="1"/>
+          <p:nvPr/>
+        </p:nvSpPr>
+        <p:spPr>
+          <a:xfrm>
+            <a:off x="6561791" y="5212080"/>
+            <a:ext cx="4897495" cy="646331"/>
+          </a:xfrm>
+          <a:prstGeom prst="rect">
+            <a:avLst/>
+          </a:prstGeom>
+          <a:noFill/>
+        </p:spPr>
+        <p:txBody>
+          <a:bodyPr wrap="none" rtlCol="0">
+            <a:spAutoFit/>
+          </a:bodyPr>
+          <a:lstStyle/>
+          <a:p>
+            <a:r>
+              <a:rPr lang="ko-KR" altLang="en-US" dirty="0" err="1" smtClean="0"/>
+              <a:t>수강평은</a:t>
+            </a:r>
+            <a:r>
+              <a:rPr lang="ko-KR" altLang="en-US" dirty="0" smtClean="0"/>
+              <a:t> 상세페이지에서 작성하는 것이 아닌</a:t>
+            </a:r>
+            <a:endParaRPr lang="en-US" altLang="ko-KR" dirty="0" smtClean="0"/>
+          </a:p>
+          <a:p>
+            <a:r>
+              <a:rPr lang="ko-KR" altLang="en-US" dirty="0" err="1" smtClean="0"/>
+              <a:t>수강평</a:t>
+            </a:r>
+            <a:r>
+              <a:rPr lang="ko-KR" altLang="en-US" dirty="0" smtClean="0"/>
+              <a:t> 작성 페이지로 넘어가서 작성합니다</a:t>
+            </a:r>
+            <a:r>
+              <a:rPr lang="en-US" altLang="ko-KR" dirty="0" smtClean="0"/>
+              <a:t>.</a:t>
+            </a:r>
+          </a:p>
+        </p:txBody>
+      </p:sp>
+      <p:sp>
+        <p:nvSpPr>
+          <p:cNvPr id="13" name="오른쪽 화살표 12"/>
+          <p:cNvSpPr/>
+          <p:nvPr/>
+        </p:nvSpPr>
+        <p:spPr>
+          <a:xfrm>
+            <a:off x="5361709" y="2560320"/>
+            <a:ext cx="1130531" cy="1413164"/>
+          </a:xfrm>
+          <a:prstGeom prst="rightArrow">
+            <a:avLst/>
+          </a:prstGeom>
+        </p:spPr>
+        <p:style>
+          <a:lnRef idx="2">
+            <a:schemeClr val="accent1">
+              <a:shade val="50000"/>
+            </a:schemeClr>
+          </a:lnRef>
+          <a:fillRef idx="1">
+            <a:schemeClr val="accent1"/>
+          </a:fillRef>
+          <a:effectRef idx="0">
+            <a:schemeClr val="accent1"/>
+          </a:effectRef>
+          <a:fontRef idx="minor">
+            <a:schemeClr val="lt1"/>
+          </a:fontRef>
+        </p:style>
+        <p:txBody>
+          <a:bodyPr rtlCol="0" anchor="ctr"/>
+          <a:lstStyle/>
+          <a:p>
+            <a:pPr algn="ctr"/>
+            <a:endParaRPr lang="ko-KR" altLang="en-US"/>
+          </a:p>
+        </p:txBody>
+      </p:sp>
     </p:spTree>
     <p:extLst>
       <p:ext uri="{BB962C8B-B14F-4D97-AF65-F5344CB8AC3E}">
-        <p14:creationId xmlns:p14="http://schemas.microsoft.com/office/powerpoint/2010/main" val="3902283714"/>
+        <p14:creationId xmlns:p14="http://schemas.microsoft.com/office/powerpoint/2010/main" val="2020289598"/>
       </p:ext>
     </p:extLst>
   </p:cSld>
@@ -4239,8 +4980,8 @@
         </p:nvSpPr>
         <p:spPr>
           <a:xfrm>
-            <a:off x="236770" y="381752"/>
-            <a:ext cx="10515600" cy="1039726"/>
+            <a:off x="223058" y="148994"/>
+            <a:ext cx="10026535" cy="964911"/>
           </a:xfrm>
         </p:spPr>
         <p:txBody>
@@ -4249,31 +4990,416 @@
           <a:p>
             <a:r>
               <a:rPr lang="ko-KR" altLang="en-US" dirty="0" smtClean="0"/>
-              <a:t>느낀 점</a:t>
-            </a:r>
-            <a:r>
-              <a:rPr lang="en-US" altLang="ko-KR" dirty="0" smtClean="0"/>
+              <a:t>강의 상세 페이지 </a:t>
+            </a:r>
+            <a:r>
+              <a:rPr lang="en-US" altLang="ko-KR" dirty="0" smtClean="0"/>
+              <a:t>– </a:t>
+            </a:r>
+            <a:r>
+              <a:rPr lang="ko-KR" altLang="en-US" dirty="0" err="1" smtClean="0"/>
+              <a:t>수강평</a:t>
+            </a:r>
+            <a:r>
+              <a:rPr lang="en-US" altLang="ko-KR" dirty="0"/>
               <a:t> </a:t>
             </a:r>
+            <a:r>
+              <a:rPr lang="ko-KR" altLang="en-US" dirty="0" smtClean="0"/>
+              <a:t>작성</a:t>
+            </a:r>
+            <a:r>
+              <a:rPr lang="en-US" altLang="ko-KR" dirty="0" smtClean="0"/>
+              <a:t>2</a:t>
+            </a:r>
             <a:endParaRPr lang="ko-KR" altLang="en-US" dirty="0"/>
           </a:p>
         </p:txBody>
       </p:sp>
       <p:sp>
         <p:nvSpPr>
-          <p:cNvPr id="3" name="TextBox 2"/>
+          <p:cNvPr id="8" name="TextBox 7"/>
           <p:cNvSpPr txBox="1"/>
           <p:nvPr/>
         </p:nvSpPr>
         <p:spPr>
           <a:xfrm>
-            <a:off x="236770" y="1555899"/>
-            <a:ext cx="11493043" cy="369332"/>
+            <a:off x="5035735" y="1220501"/>
+            <a:ext cx="5492209" cy="923330"/>
           </a:xfrm>
           <a:prstGeom prst="rect">
             <a:avLst/>
           </a:prstGeom>
           <a:noFill/>
+          <a:ln>
+            <a:solidFill>
+              <a:schemeClr val="accent1"/>
+            </a:solidFill>
+          </a:ln>
+        </p:spPr>
+        <p:txBody>
+          <a:bodyPr wrap="none" rtlCol="0">
+            <a:spAutoFit/>
+          </a:bodyPr>
+          <a:lstStyle/>
+          <a:p>
+            <a:r>
+              <a:rPr lang="ko-KR" altLang="en-US" dirty="0" smtClean="0"/>
+              <a:t>표시되는 아이디는 작성하기 버튼을 클릭하고</a:t>
+            </a:r>
+            <a:r>
+              <a:rPr lang="en-US" altLang="ko-KR" dirty="0" smtClean="0"/>
+              <a:t>, </a:t>
+            </a:r>
+            <a:r>
+              <a:rPr lang="ko-KR" altLang="en-US" dirty="0" smtClean="0"/>
+              <a:t>해당</a:t>
+            </a:r>
+            <a:endParaRPr lang="en-US" altLang="ko-KR" dirty="0" smtClean="0"/>
+          </a:p>
+          <a:p>
+            <a:r>
+              <a:rPr lang="ko-KR" altLang="en-US" dirty="0" smtClean="0"/>
+              <a:t>페이지로 이동될 때 아이디 정보를 함께 넘겨</a:t>
+            </a:r>
+            <a:endParaRPr lang="en-US" altLang="ko-KR" dirty="0" smtClean="0"/>
+          </a:p>
+          <a:p>
+            <a:r>
+              <a:rPr lang="ko-KR" altLang="en-US" dirty="0" smtClean="0"/>
+              <a:t>표시합니다</a:t>
+            </a:r>
+            <a:r>
+              <a:rPr lang="en-US" altLang="ko-KR" dirty="0" smtClean="0"/>
+              <a:t>.</a:t>
+            </a:r>
+            <a:endParaRPr lang="ko-KR" altLang="en-US" dirty="0"/>
+          </a:p>
+        </p:txBody>
+      </p:sp>
+      <p:pic>
+        <p:nvPicPr>
+          <p:cNvPr id="3" name="그림 2"/>
+          <p:cNvPicPr>
+            <a:picLocks noChangeAspect="1"/>
+          </p:cNvPicPr>
+          <p:nvPr/>
+        </p:nvPicPr>
+        <p:blipFill>
+          <a:blip r:embed="rId2">
+            <a:extLst>
+              <a:ext uri="{28A0092B-C50C-407E-A947-70E740481C1C}">
+                <a14:useLocalDpi xmlns:a14="http://schemas.microsoft.com/office/drawing/2010/main" val="0"/>
+              </a:ext>
+            </a:extLst>
+          </a:blip>
+          <a:stretch>
+            <a:fillRect/>
+          </a:stretch>
+        </p:blipFill>
+        <p:spPr>
+          <a:xfrm>
+            <a:off x="223058" y="1220501"/>
+            <a:ext cx="4701066" cy="4689847"/>
+          </a:xfrm>
+          <a:prstGeom prst="rect">
+            <a:avLst/>
+          </a:prstGeom>
+          <a:ln>
+            <a:solidFill>
+              <a:schemeClr val="accent1"/>
+            </a:solidFill>
+          </a:ln>
+        </p:spPr>
+      </p:pic>
+      <p:sp>
+        <p:nvSpPr>
+          <p:cNvPr id="10" name="TextBox 9"/>
+          <p:cNvSpPr txBox="1"/>
+          <p:nvPr/>
+        </p:nvSpPr>
+        <p:spPr>
+          <a:xfrm>
+            <a:off x="5035735" y="2343389"/>
+            <a:ext cx="6319359" cy="646331"/>
+          </a:xfrm>
+          <a:prstGeom prst="rect">
+            <a:avLst/>
+          </a:prstGeom>
+          <a:noFill/>
+          <a:ln>
+            <a:solidFill>
+              <a:schemeClr val="accent1"/>
+            </a:solidFill>
+          </a:ln>
+        </p:spPr>
+        <p:txBody>
+          <a:bodyPr wrap="none" rtlCol="0">
+            <a:spAutoFit/>
+          </a:bodyPr>
+          <a:lstStyle/>
+          <a:p>
+            <a:r>
+              <a:rPr lang="ko-KR" altLang="en-US" dirty="0" err="1" smtClean="0"/>
+              <a:t>별점</a:t>
+            </a:r>
+            <a:r>
+              <a:rPr lang="ko-KR" altLang="en-US" dirty="0" smtClean="0"/>
+              <a:t> 기능을 추가하여 </a:t>
+            </a:r>
+            <a:r>
+              <a:rPr lang="en-US" altLang="ko-KR" dirty="0" smtClean="0"/>
+              <a:t>1</a:t>
+            </a:r>
+            <a:r>
+              <a:rPr lang="ko-KR" altLang="en-US" dirty="0" smtClean="0"/>
+              <a:t>점부터 </a:t>
+            </a:r>
+            <a:r>
+              <a:rPr lang="en-US" altLang="ko-KR" dirty="0" smtClean="0"/>
+              <a:t>5</a:t>
+            </a:r>
+            <a:r>
+              <a:rPr lang="ko-KR" altLang="en-US" dirty="0" smtClean="0"/>
+              <a:t>점까지 원하는 점수를 매겨</a:t>
+            </a:r>
+            <a:endParaRPr lang="en-US" altLang="ko-KR" dirty="0" smtClean="0"/>
+          </a:p>
+          <a:p>
+            <a:r>
+              <a:rPr lang="ko-KR" altLang="en-US" dirty="0" err="1" smtClean="0"/>
+              <a:t>수강평으로</a:t>
+            </a:r>
+            <a:r>
+              <a:rPr lang="ko-KR" altLang="en-US" dirty="0" smtClean="0"/>
+              <a:t> 등록할 수 있습니다</a:t>
+            </a:r>
+            <a:r>
+              <a:rPr lang="en-US" altLang="ko-KR" dirty="0" smtClean="0"/>
+              <a:t>.</a:t>
+            </a:r>
+            <a:endParaRPr lang="ko-KR" altLang="en-US" dirty="0"/>
+          </a:p>
+        </p:txBody>
+      </p:sp>
+      <p:pic>
+        <p:nvPicPr>
+          <p:cNvPr id="15" name="그림 14"/>
+          <p:cNvPicPr>
+            <a:picLocks noChangeAspect="1"/>
+          </p:cNvPicPr>
+          <p:nvPr/>
+        </p:nvPicPr>
+        <p:blipFill>
+          <a:blip r:embed="rId3">
+            <a:extLst>
+              <a:ext uri="{28A0092B-C50C-407E-A947-70E740481C1C}">
+                <a14:useLocalDpi xmlns:a14="http://schemas.microsoft.com/office/drawing/2010/main" val="0"/>
+              </a:ext>
+            </a:extLst>
+          </a:blip>
+          <a:stretch>
+            <a:fillRect/>
+          </a:stretch>
+        </p:blipFill>
+        <p:spPr>
+          <a:xfrm>
+            <a:off x="5620577" y="3074998"/>
+            <a:ext cx="2692150" cy="2835350"/>
+          </a:xfrm>
+          <a:prstGeom prst="rect">
+            <a:avLst/>
+          </a:prstGeom>
+          <a:ln>
+            <a:solidFill>
+              <a:schemeClr val="accent1"/>
+            </a:solidFill>
+          </a:ln>
+        </p:spPr>
+      </p:pic>
+      <p:sp>
+        <p:nvSpPr>
+          <p:cNvPr id="16" name="오른쪽 화살표 15"/>
+          <p:cNvSpPr/>
+          <p:nvPr/>
+        </p:nvSpPr>
+        <p:spPr>
+          <a:xfrm>
+            <a:off x="5035735" y="4072880"/>
+            <a:ext cx="467290" cy="839586"/>
+          </a:xfrm>
+          <a:prstGeom prst="rightArrow">
+            <a:avLst/>
+          </a:prstGeom>
+        </p:spPr>
+        <p:style>
+          <a:lnRef idx="2">
+            <a:schemeClr val="accent1">
+              <a:shade val="50000"/>
+            </a:schemeClr>
+          </a:lnRef>
+          <a:fillRef idx="1">
+            <a:schemeClr val="accent1"/>
+          </a:fillRef>
+          <a:effectRef idx="0">
+            <a:schemeClr val="accent1"/>
+          </a:effectRef>
+          <a:fontRef idx="minor">
+            <a:schemeClr val="lt1"/>
+          </a:fontRef>
+        </p:style>
+        <p:txBody>
+          <a:bodyPr rtlCol="0" anchor="ctr"/>
+          <a:lstStyle/>
+          <a:p>
+            <a:pPr algn="ctr"/>
+            <a:endParaRPr lang="ko-KR" altLang="en-US"/>
+          </a:p>
+        </p:txBody>
+      </p:sp>
+      <p:sp>
+        <p:nvSpPr>
+          <p:cNvPr id="19" name="타원 18"/>
+          <p:cNvSpPr/>
+          <p:nvPr/>
+        </p:nvSpPr>
+        <p:spPr>
+          <a:xfrm>
+            <a:off x="2457215" y="5404574"/>
+            <a:ext cx="310926" cy="304800"/>
+          </a:xfrm>
+          <a:prstGeom prst="ellipse">
+            <a:avLst/>
+          </a:prstGeom>
+          <a:noFill/>
+        </p:spPr>
+        <p:style>
+          <a:lnRef idx="2">
+            <a:schemeClr val="accent1">
+              <a:shade val="50000"/>
+            </a:schemeClr>
+          </a:lnRef>
+          <a:fillRef idx="1">
+            <a:schemeClr val="accent1"/>
+          </a:fillRef>
+          <a:effectRef idx="0">
+            <a:schemeClr val="accent1"/>
+          </a:effectRef>
+          <a:fontRef idx="minor">
+            <a:schemeClr val="lt1"/>
+          </a:fontRef>
+        </p:style>
+        <p:txBody>
+          <a:bodyPr rtlCol="0" anchor="ctr"/>
+          <a:lstStyle/>
+          <a:p>
+            <a:pPr algn="ctr"/>
+            <a:endParaRPr lang="ko-KR" altLang="en-US"/>
+          </a:p>
+        </p:txBody>
+      </p:sp>
+      <p:sp>
+        <p:nvSpPr>
+          <p:cNvPr id="20" name="타원 19"/>
+          <p:cNvSpPr/>
+          <p:nvPr/>
+        </p:nvSpPr>
+        <p:spPr>
+          <a:xfrm>
+            <a:off x="2076216" y="5046476"/>
+            <a:ext cx="1072923" cy="304800"/>
+          </a:xfrm>
+          <a:prstGeom prst="ellipse">
+            <a:avLst/>
+          </a:prstGeom>
+          <a:noFill/>
+        </p:spPr>
+        <p:style>
+          <a:lnRef idx="2">
+            <a:schemeClr val="accent1">
+              <a:shade val="50000"/>
+            </a:schemeClr>
+          </a:lnRef>
+          <a:fillRef idx="1">
+            <a:schemeClr val="accent1"/>
+          </a:fillRef>
+          <a:effectRef idx="0">
+            <a:schemeClr val="accent1"/>
+          </a:effectRef>
+          <a:fontRef idx="minor">
+            <a:schemeClr val="lt1"/>
+          </a:fontRef>
+        </p:style>
+        <p:txBody>
+          <a:bodyPr rtlCol="0" anchor="ctr"/>
+          <a:lstStyle/>
+          <a:p>
+            <a:pPr algn="ctr"/>
+            <a:endParaRPr lang="ko-KR" altLang="en-US"/>
+          </a:p>
+        </p:txBody>
+      </p:sp>
+      <p:sp>
+        <p:nvSpPr>
+          <p:cNvPr id="21" name="타원 20"/>
+          <p:cNvSpPr/>
+          <p:nvPr/>
+        </p:nvSpPr>
+        <p:spPr>
+          <a:xfrm>
+            <a:off x="3149139" y="1271447"/>
+            <a:ext cx="1190105" cy="304800"/>
+          </a:xfrm>
+          <a:prstGeom prst="ellipse">
+            <a:avLst/>
+          </a:prstGeom>
+          <a:noFill/>
+        </p:spPr>
+        <p:style>
+          <a:lnRef idx="2">
+            <a:schemeClr val="accent1">
+              <a:shade val="50000"/>
+            </a:schemeClr>
+          </a:lnRef>
+          <a:fillRef idx="1">
+            <a:schemeClr val="accent1"/>
+          </a:fillRef>
+          <a:effectRef idx="0">
+            <a:schemeClr val="accent1"/>
+          </a:effectRef>
+          <a:fontRef idx="minor">
+            <a:schemeClr val="lt1"/>
+          </a:fontRef>
+        </p:style>
+        <p:txBody>
+          <a:bodyPr rtlCol="0" anchor="ctr"/>
+          <a:lstStyle/>
+          <a:p>
+            <a:pPr algn="ctr"/>
+            <a:endParaRPr lang="ko-KR" altLang="en-US"/>
+          </a:p>
+        </p:txBody>
+      </p:sp>
+      <p:sp>
+        <p:nvSpPr>
+          <p:cNvPr id="22" name="TextBox 21"/>
+          <p:cNvSpPr txBox="1"/>
+          <p:nvPr/>
+        </p:nvSpPr>
+        <p:spPr>
+          <a:xfrm>
+            <a:off x="8430279" y="3074998"/>
+            <a:ext cx="3390419" cy="1200329"/>
+          </a:xfrm>
+          <a:prstGeom prst="rect">
+            <a:avLst/>
+          </a:prstGeom>
+          <a:noFill/>
+          <a:ln>
+            <a:solidFill>
+              <a:schemeClr val="accent1"/>
+            </a:solidFill>
+          </a:ln>
         </p:spPr>
         <p:txBody>
           <a:bodyPr wrap="square" rtlCol="0">
@@ -4283,11 +5409,48 @@
           <a:p>
             <a:r>
               <a:rPr lang="ko-KR" altLang="en-US" dirty="0" smtClean="0"/>
-              <a:t>처음 시작할 적에는 </a:t>
-            </a:r>
-            <a:r>
-              <a:rPr lang="en-US" altLang="ko-KR" dirty="0" smtClean="0"/>
-              <a:t>….</a:t>
+              <a:t>작성 버튼을 눌러 서버에 해당</a:t>
+            </a:r>
+            <a:endParaRPr lang="en-US" altLang="ko-KR" dirty="0" smtClean="0"/>
+          </a:p>
+          <a:p>
+            <a:r>
+              <a:rPr lang="ko-KR" altLang="en-US" dirty="0" err="1" smtClean="0"/>
+              <a:t>수강평을</a:t>
+            </a:r>
+            <a:r>
+              <a:rPr lang="ko-KR" altLang="en-US" dirty="0" smtClean="0"/>
+              <a:t> 저장하고</a:t>
+            </a:r>
+            <a:r>
+              <a:rPr lang="en-US" altLang="ko-KR" dirty="0" smtClean="0"/>
+              <a:t>, </a:t>
+            </a:r>
+            <a:r>
+              <a:rPr lang="ko-KR" altLang="en-US" dirty="0" smtClean="0"/>
+              <a:t>저장된</a:t>
+            </a:r>
+            <a:endParaRPr lang="en-US" altLang="ko-KR" dirty="0" smtClean="0"/>
+          </a:p>
+          <a:p>
+            <a:r>
+              <a:rPr lang="ko-KR" altLang="en-US" dirty="0" err="1" smtClean="0"/>
+              <a:t>수강평을</a:t>
+            </a:r>
+            <a:r>
+              <a:rPr lang="ko-KR" altLang="en-US" dirty="0" smtClean="0"/>
+              <a:t> 바로 확인할 수</a:t>
+            </a:r>
+            <a:endParaRPr lang="en-US" altLang="ko-KR" dirty="0" smtClean="0"/>
+          </a:p>
+          <a:p>
+            <a:r>
+              <a:rPr lang="ko-KR" altLang="en-US" dirty="0" smtClean="0"/>
+              <a:t>있습니다</a:t>
+            </a:r>
+            <a:r>
+              <a:rPr lang="en-US" altLang="ko-KR" dirty="0" smtClean="0"/>
+              <a:t>.</a:t>
             </a:r>
             <a:endParaRPr lang="ko-KR" altLang="en-US" dirty="0"/>
           </a:p>
@@ -4296,7 +5459,7 @@
     </p:spTree>
     <p:extLst>
       <p:ext uri="{BB962C8B-B14F-4D97-AF65-F5344CB8AC3E}">
-        <p14:creationId xmlns:p14="http://schemas.microsoft.com/office/powerpoint/2010/main" val="2121788198"/>
+        <p14:creationId xmlns:p14="http://schemas.microsoft.com/office/powerpoint/2010/main" val="3290376153"/>
       </p:ext>
     </p:extLst>
   </p:cSld>
@@ -4371,38 +5534,26 @@
           <a:bodyPr/>
           <a:lstStyle/>
           <a:p>
-            <a:pPr marL="0" indent="0">
-              <a:buNone/>
+            <a:pPr marL="514350" indent="-514350">
+              <a:buAutoNum type="arabicPeriod"/>
             </a:pPr>
             <a:r>
-              <a:rPr lang="en-US" altLang="ko-KR" dirty="0" smtClean="0"/>
-              <a:t>1. </a:t>
-            </a:r>
-            <a:r>
               <a:rPr lang="ko-KR" altLang="en-US" dirty="0" smtClean="0"/>
               <a:t>프로젝트 목표</a:t>
             </a:r>
-            <a:r>
-              <a:rPr lang="en-US" altLang="ko-KR" dirty="0" smtClean="0"/>
-              <a:t>, </a:t>
-            </a:r>
-            <a:r>
-              <a:rPr lang="ko-KR" altLang="en-US" dirty="0" smtClean="0"/>
-              <a:t>선정 이유</a:t>
-            </a:r>
             <a:endParaRPr lang="en-US" altLang="ko-KR" dirty="0" smtClean="0"/>
           </a:p>
           <a:p>
-            <a:pPr marL="0" indent="0">
-              <a:buNone/>
+            <a:pPr marL="514350" indent="-514350">
+              <a:buAutoNum type="arabicPeriod"/>
             </a:pPr>
             <a:r>
-              <a:rPr lang="en-US" altLang="ko-KR" dirty="0" smtClean="0"/>
-              <a:t>2. </a:t>
+              <a:rPr lang="ko-KR" altLang="en-US" dirty="0" smtClean="0"/>
+              <a:t>개발 </a:t>
             </a:r>
             <a:r>
               <a:rPr lang="ko-KR" altLang="en-US" dirty="0"/>
-              <a:t>개발 환경</a:t>
+              <a:t>환경</a:t>
             </a:r>
             <a:endParaRPr lang="en-US" altLang="ko-KR" dirty="0" smtClean="0"/>
           </a:p>
@@ -4468,6 +5619,1025 @@
     <p:extLst>
       <p:ext uri="{BB962C8B-B14F-4D97-AF65-F5344CB8AC3E}">
         <p14:creationId xmlns:p14="http://schemas.microsoft.com/office/powerpoint/2010/main" val="349223288"/>
+      </p:ext>
+    </p:extLst>
+  </p:cSld>
+  <p:clrMapOvr>
+    <a:masterClrMapping/>
+  </p:clrMapOvr>
+</p:sld>
+</file>
+
+<file path=ppt/slides/slide20.xml><?xml version="1.0" encoding="utf-8"?>
+<p:sld xmlns:a="http://schemas.openxmlformats.org/drawingml/2006/main" xmlns:r="http://schemas.openxmlformats.org/officeDocument/2006/relationships" xmlns:p="http://schemas.openxmlformats.org/presentationml/2006/main">
+  <p:cSld>
+    <p:spTree>
+      <p:nvGrpSpPr>
+        <p:cNvPr id="1" name=""/>
+        <p:cNvGrpSpPr/>
+        <p:nvPr/>
+      </p:nvGrpSpPr>
+      <p:grpSpPr>
+        <a:xfrm>
+          <a:off x="0" y="0"/>
+          <a:ext cx="0" cy="0"/>
+          <a:chOff x="0" y="0"/>
+          <a:chExt cx="0" cy="0"/>
+        </a:xfrm>
+      </p:grpSpPr>
+      <p:sp>
+        <p:nvSpPr>
+          <p:cNvPr id="2" name="제목 1"/>
+          <p:cNvSpPr>
+            <a:spLocks noGrp="1"/>
+          </p:cNvSpPr>
+          <p:nvPr>
+            <p:ph type="title"/>
+          </p:nvPr>
+        </p:nvSpPr>
+        <p:spPr>
+          <a:xfrm>
+            <a:off x="223058" y="148994"/>
+            <a:ext cx="11489575" cy="964911"/>
+          </a:xfrm>
+        </p:spPr>
+        <p:txBody>
+          <a:bodyPr>
+            <a:normAutofit/>
+          </a:bodyPr>
+          <a:lstStyle/>
+          <a:p>
+            <a:r>
+              <a:rPr lang="ko-KR" altLang="en-US" dirty="0" smtClean="0"/>
+              <a:t>강의 상세 페이지 </a:t>
+            </a:r>
+            <a:r>
+              <a:rPr lang="en-US" altLang="ko-KR" dirty="0" smtClean="0"/>
+              <a:t>– </a:t>
+            </a:r>
+            <a:r>
+              <a:rPr lang="ko-KR" altLang="en-US" dirty="0" err="1" smtClean="0"/>
+              <a:t>수강평</a:t>
+            </a:r>
+            <a:r>
+              <a:rPr lang="ko-KR" altLang="en-US" dirty="0" smtClean="0"/>
+              <a:t> 수정 및 삭제</a:t>
+            </a:r>
+            <a:endParaRPr lang="ko-KR" altLang="en-US" dirty="0"/>
+          </a:p>
+        </p:txBody>
+      </p:sp>
+      <p:sp>
+        <p:nvSpPr>
+          <p:cNvPr id="8" name="TextBox 7"/>
+          <p:cNvSpPr txBox="1"/>
+          <p:nvPr/>
+        </p:nvSpPr>
+        <p:spPr>
+          <a:xfrm>
+            <a:off x="4662876" y="1250143"/>
+            <a:ext cx="7338869" cy="923330"/>
+          </a:xfrm>
+          <a:prstGeom prst="rect">
+            <a:avLst/>
+          </a:prstGeom>
+          <a:noFill/>
+          <a:ln>
+            <a:solidFill>
+              <a:schemeClr val="accent1"/>
+            </a:solidFill>
+          </a:ln>
+        </p:spPr>
+        <p:txBody>
+          <a:bodyPr wrap="none" rtlCol="0">
+            <a:spAutoFit/>
+          </a:bodyPr>
+          <a:lstStyle/>
+          <a:p>
+            <a:r>
+              <a:rPr lang="ko-KR" altLang="en-US" dirty="0" smtClean="0"/>
+              <a:t>수정하기 버튼 및 삭제하기 버튼의 활성화는</a:t>
+            </a:r>
+            <a:endParaRPr lang="en-US" altLang="ko-KR" dirty="0" smtClean="0"/>
+          </a:p>
+          <a:p>
+            <a:r>
+              <a:rPr lang="ko-KR" altLang="en-US" dirty="0" smtClean="0"/>
+              <a:t>로그인 상태여야 하며</a:t>
+            </a:r>
+            <a:r>
+              <a:rPr lang="en-US" altLang="ko-KR" dirty="0" smtClean="0"/>
+              <a:t>, </a:t>
+            </a:r>
+            <a:r>
+              <a:rPr lang="ko-KR" altLang="en-US" dirty="0" smtClean="0"/>
+              <a:t>등록된 </a:t>
+            </a:r>
+            <a:r>
+              <a:rPr lang="ko-KR" altLang="en-US" dirty="0" err="1" smtClean="0"/>
+              <a:t>수강평에</a:t>
+            </a:r>
+            <a:r>
+              <a:rPr lang="ko-KR" altLang="en-US" dirty="0" smtClean="0"/>
+              <a:t> 있는 아이디 정보와</a:t>
+            </a:r>
+            <a:endParaRPr lang="en-US" altLang="ko-KR" dirty="0" smtClean="0"/>
+          </a:p>
+          <a:p>
+            <a:r>
+              <a:rPr lang="ko-KR" altLang="en-US" dirty="0" err="1" smtClean="0"/>
+              <a:t>로그인된</a:t>
+            </a:r>
+            <a:r>
+              <a:rPr lang="ko-KR" altLang="en-US" dirty="0" smtClean="0"/>
+              <a:t> 아이디정보가 일치해야 활성화되어 보이도록 설정했습니다</a:t>
+            </a:r>
+            <a:r>
+              <a:rPr lang="en-US" altLang="ko-KR" dirty="0" smtClean="0"/>
+              <a:t>.</a:t>
+            </a:r>
+            <a:endParaRPr lang="ko-KR" altLang="en-US" dirty="0"/>
+          </a:p>
+        </p:txBody>
+      </p:sp>
+      <p:pic>
+        <p:nvPicPr>
+          <p:cNvPr id="10" name="그림 9"/>
+          <p:cNvPicPr>
+            <a:picLocks noChangeAspect="1"/>
+          </p:cNvPicPr>
+          <p:nvPr/>
+        </p:nvPicPr>
+        <p:blipFill>
+          <a:blip r:embed="rId2">
+            <a:extLst>
+              <a:ext uri="{28A0092B-C50C-407E-A947-70E740481C1C}">
+                <a14:useLocalDpi xmlns:a14="http://schemas.microsoft.com/office/drawing/2010/main" val="0"/>
+              </a:ext>
+            </a:extLst>
+          </a:blip>
+          <a:stretch>
+            <a:fillRect/>
+          </a:stretch>
+        </p:blipFill>
+        <p:spPr>
+          <a:xfrm>
+            <a:off x="447028" y="1250143"/>
+            <a:ext cx="3978373" cy="5219972"/>
+          </a:xfrm>
+          <a:prstGeom prst="rect">
+            <a:avLst/>
+          </a:prstGeom>
+          <a:ln>
+            <a:solidFill>
+              <a:schemeClr val="accent1"/>
+            </a:solidFill>
+          </a:ln>
+        </p:spPr>
+      </p:pic>
+      <p:pic>
+        <p:nvPicPr>
+          <p:cNvPr id="3" name="그림 2"/>
+          <p:cNvPicPr>
+            <a:picLocks noChangeAspect="1"/>
+          </p:cNvPicPr>
+          <p:nvPr/>
+        </p:nvPicPr>
+        <p:blipFill>
+          <a:blip r:embed="rId3">
+            <a:extLst>
+              <a:ext uri="{28A0092B-C50C-407E-A947-70E740481C1C}">
+                <a14:useLocalDpi xmlns:a14="http://schemas.microsoft.com/office/drawing/2010/main" val="0"/>
+              </a:ext>
+            </a:extLst>
+          </a:blip>
+          <a:stretch>
+            <a:fillRect/>
+          </a:stretch>
+        </p:blipFill>
+        <p:spPr>
+          <a:xfrm>
+            <a:off x="4662876" y="2309711"/>
+            <a:ext cx="3745331" cy="4160404"/>
+          </a:xfrm>
+          <a:prstGeom prst="rect">
+            <a:avLst/>
+          </a:prstGeom>
+          <a:ln>
+            <a:solidFill>
+              <a:schemeClr val="accent1"/>
+            </a:solidFill>
+          </a:ln>
+        </p:spPr>
+      </p:pic>
+      <p:pic>
+        <p:nvPicPr>
+          <p:cNvPr id="4" name="그림 3"/>
+          <p:cNvPicPr>
+            <a:picLocks noChangeAspect="1"/>
+          </p:cNvPicPr>
+          <p:nvPr/>
+        </p:nvPicPr>
+        <p:blipFill>
+          <a:blip r:embed="rId4">
+            <a:extLst>
+              <a:ext uri="{28A0092B-C50C-407E-A947-70E740481C1C}">
+                <a14:useLocalDpi xmlns:a14="http://schemas.microsoft.com/office/drawing/2010/main" val="0"/>
+              </a:ext>
+            </a:extLst>
+          </a:blip>
+          <a:stretch>
+            <a:fillRect/>
+          </a:stretch>
+        </p:blipFill>
+        <p:spPr>
+          <a:xfrm>
+            <a:off x="9716116" y="2317092"/>
+            <a:ext cx="1811735" cy="2306942"/>
+          </a:xfrm>
+          <a:prstGeom prst="rect">
+            <a:avLst/>
+          </a:prstGeom>
+          <a:ln>
+            <a:solidFill>
+              <a:schemeClr val="accent1"/>
+            </a:solidFill>
+          </a:ln>
+        </p:spPr>
+      </p:pic>
+      <p:sp>
+        <p:nvSpPr>
+          <p:cNvPr id="5" name="오른쪽 화살표 4"/>
+          <p:cNvSpPr/>
+          <p:nvPr/>
+        </p:nvSpPr>
+        <p:spPr>
+          <a:xfrm>
+            <a:off x="8512233" y="2984269"/>
+            <a:ext cx="1080654" cy="972589"/>
+          </a:xfrm>
+          <a:prstGeom prst="rightArrow">
+            <a:avLst/>
+          </a:prstGeom>
+        </p:spPr>
+        <p:style>
+          <a:lnRef idx="2">
+            <a:schemeClr val="accent1">
+              <a:shade val="50000"/>
+            </a:schemeClr>
+          </a:lnRef>
+          <a:fillRef idx="1">
+            <a:schemeClr val="accent1"/>
+          </a:fillRef>
+          <a:effectRef idx="0">
+            <a:schemeClr val="accent1"/>
+          </a:effectRef>
+          <a:fontRef idx="minor">
+            <a:schemeClr val="lt1"/>
+          </a:fontRef>
+        </p:style>
+        <p:txBody>
+          <a:bodyPr rtlCol="0" anchor="ctr"/>
+          <a:lstStyle/>
+          <a:p>
+            <a:pPr algn="ctr"/>
+            <a:endParaRPr lang="ko-KR" altLang="en-US"/>
+          </a:p>
+        </p:txBody>
+      </p:sp>
+      <p:sp>
+        <p:nvSpPr>
+          <p:cNvPr id="11" name="타원 10"/>
+          <p:cNvSpPr/>
+          <p:nvPr/>
+        </p:nvSpPr>
+        <p:spPr>
+          <a:xfrm>
+            <a:off x="5687643" y="5960226"/>
+            <a:ext cx="1695796" cy="390698"/>
+          </a:xfrm>
+          <a:prstGeom prst="ellipse">
+            <a:avLst/>
+          </a:prstGeom>
+          <a:noFill/>
+        </p:spPr>
+        <p:style>
+          <a:lnRef idx="2">
+            <a:schemeClr val="accent1">
+              <a:shade val="50000"/>
+            </a:schemeClr>
+          </a:lnRef>
+          <a:fillRef idx="1">
+            <a:schemeClr val="accent1"/>
+          </a:fillRef>
+          <a:effectRef idx="0">
+            <a:schemeClr val="accent1"/>
+          </a:effectRef>
+          <a:fontRef idx="minor">
+            <a:schemeClr val="lt1"/>
+          </a:fontRef>
+        </p:style>
+        <p:txBody>
+          <a:bodyPr rtlCol="0" anchor="ctr"/>
+          <a:lstStyle/>
+          <a:p>
+            <a:pPr algn="ctr"/>
+            <a:endParaRPr lang="ko-KR" altLang="en-US"/>
+          </a:p>
+        </p:txBody>
+      </p:sp>
+      <p:sp>
+        <p:nvSpPr>
+          <p:cNvPr id="12" name="TextBox 11"/>
+          <p:cNvSpPr txBox="1"/>
+          <p:nvPr/>
+        </p:nvSpPr>
+        <p:spPr>
+          <a:xfrm>
+            <a:off x="8512233" y="4715789"/>
+            <a:ext cx="3604787" cy="1754326"/>
+          </a:xfrm>
+          <a:prstGeom prst="rect">
+            <a:avLst/>
+          </a:prstGeom>
+          <a:noFill/>
+          <a:ln>
+            <a:solidFill>
+              <a:schemeClr val="accent1"/>
+            </a:solidFill>
+          </a:ln>
+        </p:spPr>
+        <p:txBody>
+          <a:bodyPr wrap="square" rtlCol="0">
+            <a:spAutoFit/>
+          </a:bodyPr>
+          <a:lstStyle/>
+          <a:p>
+            <a:r>
+              <a:rPr lang="ko-KR" altLang="en-US" dirty="0" smtClean="0"/>
+              <a:t>수정하기 버튼을 클릭했을 때</a:t>
+            </a:r>
+            <a:endParaRPr lang="en-US" altLang="ko-KR" dirty="0" smtClean="0"/>
+          </a:p>
+          <a:p>
+            <a:r>
+              <a:rPr lang="ko-KR" altLang="en-US" dirty="0" smtClean="0"/>
+              <a:t>내용 수정 페이지로 이동할 수</a:t>
+            </a:r>
+            <a:endParaRPr lang="en-US" altLang="ko-KR" dirty="0" smtClean="0"/>
+          </a:p>
+          <a:p>
+            <a:r>
+              <a:rPr lang="ko-KR" altLang="en-US" dirty="0" smtClean="0"/>
+              <a:t>있으며</a:t>
+            </a:r>
+            <a:r>
+              <a:rPr lang="en-US" altLang="ko-KR" dirty="0" smtClean="0"/>
+              <a:t>, </a:t>
+            </a:r>
+            <a:r>
+              <a:rPr lang="ko-KR" altLang="en-US" dirty="0" smtClean="0"/>
+              <a:t>수정 후 작성 버튼을</a:t>
+            </a:r>
+            <a:endParaRPr lang="en-US" altLang="ko-KR" dirty="0" smtClean="0"/>
+          </a:p>
+          <a:p>
+            <a:r>
+              <a:rPr lang="ko-KR" altLang="en-US" dirty="0" smtClean="0"/>
+              <a:t>클릭 시 수정된 내용이 서버에</a:t>
+            </a:r>
+            <a:endParaRPr lang="en-US" altLang="ko-KR" dirty="0" smtClean="0"/>
+          </a:p>
+          <a:p>
+            <a:r>
+              <a:rPr lang="ko-KR" altLang="en-US" dirty="0" smtClean="0"/>
+              <a:t>저장되어 출력할 수 있게</a:t>
+            </a:r>
+            <a:endParaRPr lang="en-US" altLang="ko-KR" dirty="0" smtClean="0"/>
+          </a:p>
+          <a:p>
+            <a:r>
+              <a:rPr lang="ko-KR" altLang="en-US" dirty="0" smtClean="0"/>
+              <a:t>하였습니다</a:t>
+            </a:r>
+            <a:r>
+              <a:rPr lang="en-US" altLang="ko-KR" dirty="0" smtClean="0"/>
+              <a:t>.</a:t>
+            </a:r>
+            <a:endParaRPr lang="ko-KR" altLang="en-US" dirty="0"/>
+          </a:p>
+        </p:txBody>
+      </p:sp>
+      <p:sp>
+        <p:nvSpPr>
+          <p:cNvPr id="14" name="타원 13"/>
+          <p:cNvSpPr/>
+          <p:nvPr/>
+        </p:nvSpPr>
+        <p:spPr>
+          <a:xfrm>
+            <a:off x="1108948" y="5611092"/>
+            <a:ext cx="1243553" cy="590204"/>
+          </a:xfrm>
+          <a:prstGeom prst="ellipse">
+            <a:avLst/>
+          </a:prstGeom>
+          <a:noFill/>
+        </p:spPr>
+        <p:style>
+          <a:lnRef idx="2">
+            <a:schemeClr val="accent1">
+              <a:shade val="50000"/>
+            </a:schemeClr>
+          </a:lnRef>
+          <a:fillRef idx="1">
+            <a:schemeClr val="accent1"/>
+          </a:fillRef>
+          <a:effectRef idx="0">
+            <a:schemeClr val="accent1"/>
+          </a:effectRef>
+          <a:fontRef idx="minor">
+            <a:schemeClr val="lt1"/>
+          </a:fontRef>
+        </p:style>
+        <p:txBody>
+          <a:bodyPr rtlCol="0" anchor="ctr"/>
+          <a:lstStyle/>
+          <a:p>
+            <a:pPr algn="ctr"/>
+            <a:endParaRPr lang="ko-KR" altLang="en-US"/>
+          </a:p>
+        </p:txBody>
+      </p:sp>
+    </p:spTree>
+    <p:extLst>
+      <p:ext uri="{BB962C8B-B14F-4D97-AF65-F5344CB8AC3E}">
+        <p14:creationId xmlns:p14="http://schemas.microsoft.com/office/powerpoint/2010/main" val="2146683802"/>
+      </p:ext>
+    </p:extLst>
+  </p:cSld>
+  <p:clrMapOvr>
+    <a:masterClrMapping/>
+  </p:clrMapOvr>
+</p:sld>
+</file>
+
+<file path=ppt/slides/slide21.xml><?xml version="1.0" encoding="utf-8"?>
+<p:sld xmlns:a="http://schemas.openxmlformats.org/drawingml/2006/main" xmlns:r="http://schemas.openxmlformats.org/officeDocument/2006/relationships" xmlns:p="http://schemas.openxmlformats.org/presentationml/2006/main">
+  <p:cSld>
+    <p:spTree>
+      <p:nvGrpSpPr>
+        <p:cNvPr id="1" name=""/>
+        <p:cNvGrpSpPr/>
+        <p:nvPr/>
+      </p:nvGrpSpPr>
+      <p:grpSpPr>
+        <a:xfrm>
+          <a:off x="0" y="0"/>
+          <a:ext cx="0" cy="0"/>
+          <a:chOff x="0" y="0"/>
+          <a:chExt cx="0" cy="0"/>
+        </a:xfrm>
+      </p:grpSpPr>
+      <p:sp>
+        <p:nvSpPr>
+          <p:cNvPr id="2" name="제목 1"/>
+          <p:cNvSpPr>
+            <a:spLocks noGrp="1"/>
+          </p:cNvSpPr>
+          <p:nvPr>
+            <p:ph type="title"/>
+          </p:nvPr>
+        </p:nvSpPr>
+        <p:spPr>
+          <a:xfrm>
+            <a:off x="223058" y="148994"/>
+            <a:ext cx="11489575" cy="964911"/>
+          </a:xfrm>
+        </p:spPr>
+        <p:txBody>
+          <a:bodyPr>
+            <a:normAutofit/>
+          </a:bodyPr>
+          <a:lstStyle/>
+          <a:p>
+            <a:r>
+              <a:rPr lang="ko-KR" altLang="en-US" dirty="0" smtClean="0"/>
+              <a:t>강의 상세 페이지 </a:t>
+            </a:r>
+            <a:r>
+              <a:rPr lang="en-US" altLang="ko-KR" dirty="0" smtClean="0"/>
+              <a:t>– </a:t>
+            </a:r>
+            <a:r>
+              <a:rPr lang="ko-KR" altLang="en-US" dirty="0" err="1" smtClean="0"/>
+              <a:t>수강평</a:t>
+            </a:r>
+            <a:r>
+              <a:rPr lang="ko-KR" altLang="en-US" dirty="0" smtClean="0"/>
+              <a:t> 수정 및 삭제</a:t>
+            </a:r>
+            <a:endParaRPr lang="ko-KR" altLang="en-US" dirty="0"/>
+          </a:p>
+        </p:txBody>
+      </p:sp>
+      <p:sp>
+        <p:nvSpPr>
+          <p:cNvPr id="8" name="TextBox 7"/>
+          <p:cNvSpPr txBox="1"/>
+          <p:nvPr/>
+        </p:nvSpPr>
+        <p:spPr>
+          <a:xfrm>
+            <a:off x="5078513" y="1371281"/>
+            <a:ext cx="6378669" cy="369332"/>
+          </a:xfrm>
+          <a:prstGeom prst="rect">
+            <a:avLst/>
+          </a:prstGeom>
+          <a:noFill/>
+          <a:ln>
+            <a:solidFill>
+              <a:schemeClr val="accent1"/>
+            </a:solidFill>
+          </a:ln>
+        </p:spPr>
+        <p:txBody>
+          <a:bodyPr wrap="none" rtlCol="0">
+            <a:spAutoFit/>
+          </a:bodyPr>
+          <a:lstStyle/>
+          <a:p>
+            <a:r>
+              <a:rPr lang="ko-KR" altLang="en-US" dirty="0" smtClean="0"/>
+              <a:t>삭제하기 버튼을 눌러 등록된 </a:t>
+            </a:r>
+            <a:r>
+              <a:rPr lang="ko-KR" altLang="en-US" dirty="0" err="1" smtClean="0"/>
+              <a:t>수강평을</a:t>
+            </a:r>
+            <a:r>
+              <a:rPr lang="ko-KR" altLang="en-US" dirty="0" smtClean="0"/>
+              <a:t> 삭제 할 수 있습니다</a:t>
+            </a:r>
+            <a:r>
+              <a:rPr lang="en-US" altLang="ko-KR" dirty="0" smtClean="0"/>
+              <a:t>.</a:t>
+            </a:r>
+            <a:endParaRPr lang="ko-KR" altLang="en-US" dirty="0"/>
+          </a:p>
+        </p:txBody>
+      </p:sp>
+      <p:pic>
+        <p:nvPicPr>
+          <p:cNvPr id="6" name="그림 5"/>
+          <p:cNvPicPr>
+            <a:picLocks noChangeAspect="1"/>
+          </p:cNvPicPr>
+          <p:nvPr/>
+        </p:nvPicPr>
+        <p:blipFill>
+          <a:blip r:embed="rId2">
+            <a:extLst>
+              <a:ext uri="{28A0092B-C50C-407E-A947-70E740481C1C}">
+                <a14:useLocalDpi xmlns:a14="http://schemas.microsoft.com/office/drawing/2010/main" val="0"/>
+              </a:ext>
+            </a:extLst>
+          </a:blip>
+          <a:stretch>
+            <a:fillRect/>
+          </a:stretch>
+        </p:blipFill>
+        <p:spPr>
+          <a:xfrm>
+            <a:off x="223058" y="1371281"/>
+            <a:ext cx="4695433" cy="5034279"/>
+          </a:xfrm>
+          <a:prstGeom prst="rect">
+            <a:avLst/>
+          </a:prstGeom>
+          <a:ln>
+            <a:solidFill>
+              <a:schemeClr val="accent1"/>
+            </a:solidFill>
+          </a:ln>
+        </p:spPr>
+      </p:pic>
+      <p:sp>
+        <p:nvSpPr>
+          <p:cNvPr id="14" name="타원 13"/>
+          <p:cNvSpPr/>
+          <p:nvPr/>
+        </p:nvSpPr>
+        <p:spPr>
+          <a:xfrm>
+            <a:off x="2494803" y="5815356"/>
+            <a:ext cx="1243553" cy="590204"/>
+          </a:xfrm>
+          <a:prstGeom prst="ellipse">
+            <a:avLst/>
+          </a:prstGeom>
+          <a:noFill/>
+        </p:spPr>
+        <p:style>
+          <a:lnRef idx="2">
+            <a:schemeClr val="accent1">
+              <a:shade val="50000"/>
+            </a:schemeClr>
+          </a:lnRef>
+          <a:fillRef idx="1">
+            <a:schemeClr val="accent1"/>
+          </a:fillRef>
+          <a:effectRef idx="0">
+            <a:schemeClr val="accent1"/>
+          </a:effectRef>
+          <a:fontRef idx="minor">
+            <a:schemeClr val="lt1"/>
+          </a:fontRef>
+        </p:style>
+        <p:txBody>
+          <a:bodyPr rtlCol="0" anchor="ctr"/>
+          <a:lstStyle/>
+          <a:p>
+            <a:pPr algn="ctr"/>
+            <a:endParaRPr lang="ko-KR" altLang="en-US"/>
+          </a:p>
+        </p:txBody>
+      </p:sp>
+      <p:pic>
+        <p:nvPicPr>
+          <p:cNvPr id="7" name="그림 6"/>
+          <p:cNvPicPr>
+            <a:picLocks noChangeAspect="1"/>
+          </p:cNvPicPr>
+          <p:nvPr/>
+        </p:nvPicPr>
+        <p:blipFill>
+          <a:blip r:embed="rId3">
+            <a:extLst>
+              <a:ext uri="{28A0092B-C50C-407E-A947-70E740481C1C}">
+                <a14:useLocalDpi xmlns:a14="http://schemas.microsoft.com/office/drawing/2010/main" val="0"/>
+              </a:ext>
+            </a:extLst>
+          </a:blip>
+          <a:stretch>
+            <a:fillRect/>
+          </a:stretch>
+        </p:blipFill>
+        <p:spPr>
+          <a:xfrm>
+            <a:off x="6799286" y="1997989"/>
+            <a:ext cx="3292700" cy="4547062"/>
+          </a:xfrm>
+          <a:prstGeom prst="rect">
+            <a:avLst/>
+          </a:prstGeom>
+          <a:ln>
+            <a:solidFill>
+              <a:schemeClr val="accent1"/>
+            </a:solidFill>
+          </a:ln>
+        </p:spPr>
+      </p:pic>
+      <p:sp>
+        <p:nvSpPr>
+          <p:cNvPr id="9" name="오른쪽 화살표 8"/>
+          <p:cNvSpPr/>
+          <p:nvPr/>
+        </p:nvSpPr>
+        <p:spPr>
+          <a:xfrm>
+            <a:off x="5323609" y="3224116"/>
+            <a:ext cx="1288472" cy="2094807"/>
+          </a:xfrm>
+          <a:prstGeom prst="rightArrow">
+            <a:avLst/>
+          </a:prstGeom>
+        </p:spPr>
+        <p:style>
+          <a:lnRef idx="2">
+            <a:schemeClr val="accent1">
+              <a:shade val="50000"/>
+            </a:schemeClr>
+          </a:lnRef>
+          <a:fillRef idx="1">
+            <a:schemeClr val="accent1"/>
+          </a:fillRef>
+          <a:effectRef idx="0">
+            <a:schemeClr val="accent1"/>
+          </a:effectRef>
+          <a:fontRef idx="minor">
+            <a:schemeClr val="lt1"/>
+          </a:fontRef>
+        </p:style>
+        <p:txBody>
+          <a:bodyPr rtlCol="0" anchor="ctr"/>
+          <a:lstStyle/>
+          <a:p>
+            <a:pPr algn="ctr"/>
+            <a:endParaRPr lang="ko-KR" altLang="en-US"/>
+          </a:p>
+        </p:txBody>
+      </p:sp>
+    </p:spTree>
+    <p:extLst>
+      <p:ext uri="{BB962C8B-B14F-4D97-AF65-F5344CB8AC3E}">
+        <p14:creationId xmlns:p14="http://schemas.microsoft.com/office/powerpoint/2010/main" val="4140697812"/>
+      </p:ext>
+    </p:extLst>
+  </p:cSld>
+  <p:clrMapOvr>
+    <a:masterClrMapping/>
+  </p:clrMapOvr>
+  <p:timing>
+    <p:tnLst>
+      <p:par>
+        <p:cTn id="1" dur="indefinite" restart="never" nodeType="tmRoot"/>
+      </p:par>
+    </p:tnLst>
+  </p:timing>
+</p:sld>
+</file>
+
+<file path=ppt/slides/slide22.xml><?xml version="1.0" encoding="utf-8"?>
+<p:sld xmlns:a="http://schemas.openxmlformats.org/drawingml/2006/main" xmlns:r="http://schemas.openxmlformats.org/officeDocument/2006/relationships" xmlns:p="http://schemas.openxmlformats.org/presentationml/2006/main">
+  <p:cSld>
+    <p:spTree>
+      <p:nvGrpSpPr>
+        <p:cNvPr id="1" name=""/>
+        <p:cNvGrpSpPr/>
+        <p:nvPr/>
+      </p:nvGrpSpPr>
+      <p:grpSpPr>
+        <a:xfrm>
+          <a:off x="0" y="0"/>
+          <a:ext cx="0" cy="0"/>
+          <a:chOff x="0" y="0"/>
+          <a:chExt cx="0" cy="0"/>
+        </a:xfrm>
+      </p:grpSpPr>
+      <p:sp>
+        <p:nvSpPr>
+          <p:cNvPr id="2" name="제목 1"/>
+          <p:cNvSpPr>
+            <a:spLocks noGrp="1"/>
+          </p:cNvSpPr>
+          <p:nvPr>
+            <p:ph type="title"/>
+          </p:nvPr>
+        </p:nvSpPr>
+        <p:spPr/>
+        <p:txBody>
+          <a:bodyPr/>
+          <a:lstStyle/>
+          <a:p>
+            <a:r>
+              <a:rPr lang="ko-KR" altLang="en-US" dirty="0" err="1" smtClean="0"/>
+              <a:t>수강바구니</a:t>
+            </a:r>
+            <a:r>
+              <a:rPr lang="ko-KR" altLang="en-US" dirty="0" smtClean="0"/>
+              <a:t> 페이지</a:t>
+            </a:r>
+            <a:endParaRPr lang="ko-KR" altLang="en-US" dirty="0"/>
+          </a:p>
+        </p:txBody>
+      </p:sp>
+      <p:pic>
+        <p:nvPicPr>
+          <p:cNvPr id="4" name="내용 개체 틀 3"/>
+          <p:cNvPicPr>
+            <a:picLocks noGrp="1" noChangeAspect="1"/>
+          </p:cNvPicPr>
+          <p:nvPr>
+            <p:ph idx="1"/>
+          </p:nvPr>
+        </p:nvPicPr>
+        <p:blipFill>
+          <a:blip r:embed="rId2"/>
+          <a:stretch>
+            <a:fillRect/>
+          </a:stretch>
+        </p:blipFill>
+        <p:spPr>
+          <a:xfrm>
+            <a:off x="838200" y="1690688"/>
+            <a:ext cx="5436082" cy="2678112"/>
+          </a:xfrm>
+          <a:prstGeom prst="rect">
+            <a:avLst/>
+          </a:prstGeom>
+          <a:effectLst/>
+        </p:spPr>
+      </p:pic>
+    </p:spTree>
+    <p:extLst>
+      <p:ext uri="{BB962C8B-B14F-4D97-AF65-F5344CB8AC3E}">
+        <p14:creationId xmlns:p14="http://schemas.microsoft.com/office/powerpoint/2010/main" val="3906069852"/>
+      </p:ext>
+    </p:extLst>
+  </p:cSld>
+  <p:clrMapOvr>
+    <a:masterClrMapping/>
+  </p:clrMapOvr>
+</p:sld>
+</file>
+
+<file path=ppt/slides/slide23.xml><?xml version="1.0" encoding="utf-8"?>
+<p:sld xmlns:a="http://schemas.openxmlformats.org/drawingml/2006/main" xmlns:r="http://schemas.openxmlformats.org/officeDocument/2006/relationships" xmlns:p="http://schemas.openxmlformats.org/presentationml/2006/main">
+  <p:cSld>
+    <p:spTree>
+      <p:nvGrpSpPr>
+        <p:cNvPr id="1" name=""/>
+        <p:cNvGrpSpPr/>
+        <p:nvPr/>
+      </p:nvGrpSpPr>
+      <p:grpSpPr>
+        <a:xfrm>
+          <a:off x="0" y="0"/>
+          <a:ext cx="0" cy="0"/>
+          <a:chOff x="0" y="0"/>
+          <a:chExt cx="0" cy="0"/>
+        </a:xfrm>
+      </p:grpSpPr>
+      <p:sp>
+        <p:nvSpPr>
+          <p:cNvPr id="2" name="제목 1"/>
+          <p:cNvSpPr>
+            <a:spLocks noGrp="1"/>
+          </p:cNvSpPr>
+          <p:nvPr>
+            <p:ph type="title"/>
+          </p:nvPr>
+        </p:nvSpPr>
+        <p:spPr/>
+        <p:txBody>
+          <a:bodyPr/>
+          <a:lstStyle/>
+          <a:p>
+            <a:r>
+              <a:rPr lang="ko-KR" altLang="en-US" dirty="0" err="1" smtClean="0"/>
+              <a:t>마이페이지</a:t>
+            </a:r>
+            <a:endParaRPr lang="ko-KR" altLang="en-US" dirty="0"/>
+          </a:p>
+        </p:txBody>
+      </p:sp>
+      <p:pic>
+        <p:nvPicPr>
+          <p:cNvPr id="4" name="내용 개체 틀 3"/>
+          <p:cNvPicPr>
+            <a:picLocks noGrp="1" noChangeAspect="1"/>
+          </p:cNvPicPr>
+          <p:nvPr>
+            <p:ph idx="1"/>
+          </p:nvPr>
+        </p:nvPicPr>
+        <p:blipFill>
+          <a:blip r:embed="rId2"/>
+          <a:stretch>
+            <a:fillRect/>
+          </a:stretch>
+        </p:blipFill>
+        <p:spPr>
+          <a:xfrm>
+            <a:off x="1698420" y="1825625"/>
+            <a:ext cx="8795159" cy="4351338"/>
+          </a:xfrm>
+          <a:prstGeom prst="rect">
+            <a:avLst/>
+          </a:prstGeom>
+        </p:spPr>
+      </p:pic>
+    </p:spTree>
+    <p:extLst>
+      <p:ext uri="{BB962C8B-B14F-4D97-AF65-F5344CB8AC3E}">
+        <p14:creationId xmlns:p14="http://schemas.microsoft.com/office/powerpoint/2010/main" val="3902283714"/>
+      </p:ext>
+    </p:extLst>
+  </p:cSld>
+  <p:clrMapOvr>
+    <a:masterClrMapping/>
+  </p:clrMapOvr>
+</p:sld>
+</file>
+
+<file path=ppt/slides/slide24.xml><?xml version="1.0" encoding="utf-8"?>
+<p:sld xmlns:a="http://schemas.openxmlformats.org/drawingml/2006/main" xmlns:r="http://schemas.openxmlformats.org/officeDocument/2006/relationships" xmlns:p="http://schemas.openxmlformats.org/presentationml/2006/main">
+  <p:cSld>
+    <p:spTree>
+      <p:nvGrpSpPr>
+        <p:cNvPr id="1" name=""/>
+        <p:cNvGrpSpPr/>
+        <p:nvPr/>
+      </p:nvGrpSpPr>
+      <p:grpSpPr>
+        <a:xfrm>
+          <a:off x="0" y="0"/>
+          <a:ext cx="0" cy="0"/>
+          <a:chOff x="0" y="0"/>
+          <a:chExt cx="0" cy="0"/>
+        </a:xfrm>
+      </p:grpSpPr>
+      <p:sp>
+        <p:nvSpPr>
+          <p:cNvPr id="2" name="제목 1"/>
+          <p:cNvSpPr>
+            <a:spLocks noGrp="1"/>
+          </p:cNvSpPr>
+          <p:nvPr>
+            <p:ph type="title"/>
+          </p:nvPr>
+        </p:nvSpPr>
+        <p:spPr>
+          <a:xfrm>
+            <a:off x="236770" y="381752"/>
+            <a:ext cx="10515600" cy="1039726"/>
+          </a:xfrm>
+        </p:spPr>
+        <p:txBody>
+          <a:bodyPr/>
+          <a:lstStyle/>
+          <a:p>
+            <a:r>
+              <a:rPr lang="ko-KR" altLang="en-US" dirty="0" smtClean="0"/>
+              <a:t>후기</a:t>
+            </a:r>
+            <a:endParaRPr lang="ko-KR" altLang="en-US" dirty="0"/>
+          </a:p>
+        </p:txBody>
+      </p:sp>
+      <p:sp>
+        <p:nvSpPr>
+          <p:cNvPr id="3" name="TextBox 2"/>
+          <p:cNvSpPr txBox="1"/>
+          <p:nvPr/>
+        </p:nvSpPr>
+        <p:spPr>
+          <a:xfrm>
+            <a:off x="236770" y="1555899"/>
+            <a:ext cx="11493043" cy="369332"/>
+          </a:xfrm>
+          <a:prstGeom prst="rect">
+            <a:avLst/>
+          </a:prstGeom>
+          <a:noFill/>
+        </p:spPr>
+        <p:txBody>
+          <a:bodyPr wrap="square" rtlCol="0">
+            <a:spAutoFit/>
+          </a:bodyPr>
+          <a:lstStyle/>
+          <a:p>
+            <a:r>
+              <a:rPr lang="ko-KR" altLang="en-US" dirty="0" smtClean="0"/>
+              <a:t>아쉬운 점 </a:t>
+            </a:r>
+            <a:r>
+              <a:rPr lang="en-US" altLang="ko-KR" dirty="0" smtClean="0"/>
+              <a:t>– </a:t>
+            </a:r>
+          </a:p>
+        </p:txBody>
+      </p:sp>
+      <p:sp>
+        <p:nvSpPr>
+          <p:cNvPr id="4" name="TextBox 3"/>
+          <p:cNvSpPr txBox="1"/>
+          <p:nvPr/>
+        </p:nvSpPr>
+        <p:spPr>
+          <a:xfrm>
+            <a:off x="236770" y="3281377"/>
+            <a:ext cx="11493043" cy="369332"/>
+          </a:xfrm>
+          <a:prstGeom prst="rect">
+            <a:avLst/>
+          </a:prstGeom>
+          <a:noFill/>
+        </p:spPr>
+        <p:txBody>
+          <a:bodyPr wrap="square" rtlCol="0">
+            <a:spAutoFit/>
+          </a:bodyPr>
+          <a:lstStyle/>
+          <a:p>
+            <a:r>
+              <a:rPr lang="ko-KR" altLang="en-US" dirty="0" smtClean="0"/>
+              <a:t>힘들었던 점 </a:t>
+            </a:r>
+            <a:r>
+              <a:rPr lang="en-US" altLang="ko-KR" dirty="0" smtClean="0"/>
+              <a:t>- </a:t>
+            </a:r>
+            <a:endParaRPr lang="ko-KR" altLang="en-US" dirty="0"/>
+          </a:p>
+        </p:txBody>
+      </p:sp>
+    </p:spTree>
+    <p:extLst>
+      <p:ext uri="{BB962C8B-B14F-4D97-AF65-F5344CB8AC3E}">
+        <p14:creationId xmlns:p14="http://schemas.microsoft.com/office/powerpoint/2010/main" val="2121788198"/>
       </p:ext>
     </p:extLst>
   </p:cSld>
@@ -4982,7 +7152,7 @@
             </a:r>
             <a:r>
               <a:rPr lang="en-US" altLang="ko-KR" dirty="0" smtClean="0"/>
-              <a:t>: 2022.12. ~ 2022.02 (3</a:t>
+              <a:t>: 2023.01. ~ 2023.02 (2</a:t>
             </a:r>
             <a:r>
               <a:rPr lang="ko-KR" altLang="en-US" dirty="0" smtClean="0"/>
@@ -5038,7 +7208,7 @@
         </p:nvSpPr>
         <p:spPr>
           <a:xfrm>
-            <a:off x="656703" y="2361756"/>
+            <a:off x="656703" y="2352897"/>
             <a:ext cx="3155031" cy="369332"/>
           </a:xfrm>
           <a:prstGeom prst="rect">
@@ -5537,23 +7707,63 @@
       </p:grpSpPr>
       <p:sp>
         <p:nvSpPr>
-          <p:cNvPr id="24" name="직사각형 23"/>
+          <p:cNvPr id="2" name="제목 1"/>
+          <p:cNvSpPr>
+            <a:spLocks noGrp="1"/>
+          </p:cNvSpPr>
+          <p:nvPr>
+            <p:ph type="title"/>
+          </p:nvPr>
+        </p:nvSpPr>
+        <p:spPr>
+          <a:xfrm>
+            <a:off x="358754" y="277376"/>
+            <a:ext cx="10515600" cy="848099"/>
+          </a:xfrm>
+        </p:spPr>
+        <p:txBody>
+          <a:bodyPr/>
+          <a:lstStyle/>
+          <a:p>
+            <a:r>
+              <a:rPr lang="en-US" altLang="ko-KR" dirty="0"/>
+              <a:t>2. </a:t>
+            </a:r>
+            <a:r>
+              <a:rPr lang="ko-KR" altLang="en-US" dirty="0"/>
+              <a:t>개발 </a:t>
+            </a:r>
+            <a:r>
+              <a:rPr lang="ko-KR" altLang="en-US" dirty="0" smtClean="0"/>
+              <a:t>환경 </a:t>
+            </a:r>
+            <a:r>
+              <a:rPr lang="en-US" altLang="ko-KR" dirty="0" smtClean="0"/>
+              <a:t>- </a:t>
+            </a:r>
+            <a:r>
+              <a:rPr lang="ko-KR" altLang="en-US" dirty="0" smtClean="0"/>
+              <a:t>개요</a:t>
+            </a:r>
+            <a:endParaRPr lang="ko-KR" altLang="en-US" dirty="0"/>
+          </a:p>
+        </p:txBody>
+      </p:sp>
+      <p:sp>
+        <p:nvSpPr>
+          <p:cNvPr id="6" name="모서리가 둥근 직사각형 5"/>
           <p:cNvSpPr/>
           <p:nvPr/>
         </p:nvSpPr>
         <p:spPr>
           <a:xfrm>
-            <a:off x="6464875" y="3755272"/>
-            <a:ext cx="4167956" cy="2273919"/>
-          </a:xfrm>
-          <a:prstGeom prst="rect">
-            <a:avLst/>
-          </a:prstGeom>
-          <a:solidFill>
-            <a:schemeClr val="bg1">
-              <a:lumMod val="95000"/>
-            </a:schemeClr>
-          </a:solidFill>
+            <a:off x="141316" y="1125475"/>
+            <a:ext cx="11945389" cy="5616147"/>
+          </a:xfrm>
+          <a:prstGeom prst="roundRect">
+            <a:avLst/>
+          </a:prstGeom>
+          <a:noFill/>
         </p:spPr>
         <p:style>
           <a:lnRef idx="2">
@@ -5582,240 +7792,19 @@
       </p:sp>
       <p:sp>
         <p:nvSpPr>
-          <p:cNvPr id="20" name="직사각형 19"/>
-          <p:cNvSpPr/>
-          <p:nvPr/>
-        </p:nvSpPr>
-        <p:spPr>
-          <a:xfrm>
-            <a:off x="358755" y="3755273"/>
-            <a:ext cx="6043206" cy="1103613"/>
-          </a:xfrm>
-          <a:prstGeom prst="rect">
-            <a:avLst/>
-          </a:prstGeom>
-          <a:solidFill>
-            <a:schemeClr val="bg1">
-              <a:lumMod val="95000"/>
-            </a:schemeClr>
-          </a:solidFill>
-        </p:spPr>
-        <p:style>
-          <a:lnRef idx="2">
-            <a:schemeClr val="accent1">
-              <a:shade val="50000"/>
-            </a:schemeClr>
-          </a:lnRef>
-          <a:fillRef idx="1">
-            <a:schemeClr val="accent1"/>
-          </a:fillRef>
-          <a:effectRef idx="0">
-            <a:schemeClr val="accent1"/>
-          </a:effectRef>
-          <a:fontRef idx="minor">
-            <a:schemeClr val="lt1"/>
-          </a:fontRef>
-        </p:style>
-        <p:txBody>
-          <a:bodyPr rtlCol="0" anchor="ctr"/>
-          <a:lstStyle/>
-          <a:p>
-            <a:pPr algn="ctr"/>
-            <a:endParaRPr lang="ko-KR" altLang="en-US" dirty="0"/>
-          </a:p>
-        </p:txBody>
-      </p:sp>
-      <p:sp>
-        <p:nvSpPr>
-          <p:cNvPr id="21" name="직사각형 20"/>
-          <p:cNvSpPr/>
-          <p:nvPr/>
-        </p:nvSpPr>
-        <p:spPr>
-          <a:xfrm>
-            <a:off x="358754" y="2584967"/>
-            <a:ext cx="6043207" cy="1103613"/>
-          </a:xfrm>
-          <a:prstGeom prst="rect">
-            <a:avLst/>
-          </a:prstGeom>
-          <a:solidFill>
-            <a:schemeClr val="bg1">
-              <a:lumMod val="95000"/>
-            </a:schemeClr>
-          </a:solidFill>
-        </p:spPr>
-        <p:style>
-          <a:lnRef idx="2">
-            <a:schemeClr val="accent1">
-              <a:shade val="50000"/>
-            </a:schemeClr>
-          </a:lnRef>
-          <a:fillRef idx="1">
-            <a:schemeClr val="accent1"/>
-          </a:fillRef>
-          <a:effectRef idx="0">
-            <a:schemeClr val="accent1"/>
-          </a:effectRef>
-          <a:fontRef idx="minor">
-            <a:schemeClr val="lt1"/>
-          </a:fontRef>
-        </p:style>
-        <p:txBody>
-          <a:bodyPr rtlCol="0" anchor="ctr"/>
-          <a:lstStyle/>
-          <a:p>
-            <a:pPr algn="ctr"/>
-            <a:endParaRPr lang="ko-KR" altLang="en-US" dirty="0"/>
-          </a:p>
-        </p:txBody>
-      </p:sp>
-      <p:sp>
-        <p:nvSpPr>
-          <p:cNvPr id="22" name="직사각형 21"/>
-          <p:cNvSpPr/>
-          <p:nvPr/>
-        </p:nvSpPr>
-        <p:spPr>
-          <a:xfrm>
-            <a:off x="358755" y="4925579"/>
-            <a:ext cx="6043206" cy="1103613"/>
-          </a:xfrm>
-          <a:prstGeom prst="rect">
-            <a:avLst/>
-          </a:prstGeom>
-          <a:solidFill>
-            <a:schemeClr val="bg1">
-              <a:lumMod val="95000"/>
-            </a:schemeClr>
-          </a:solidFill>
-        </p:spPr>
-        <p:style>
-          <a:lnRef idx="2">
-            <a:schemeClr val="accent1">
-              <a:shade val="50000"/>
-            </a:schemeClr>
-          </a:lnRef>
-          <a:fillRef idx="1">
-            <a:schemeClr val="accent1"/>
-          </a:fillRef>
-          <a:effectRef idx="0">
-            <a:schemeClr val="accent1"/>
-          </a:effectRef>
-          <a:fontRef idx="minor">
-            <a:schemeClr val="lt1"/>
-          </a:fontRef>
-        </p:style>
-        <p:txBody>
-          <a:bodyPr rtlCol="0" anchor="ctr"/>
-          <a:lstStyle/>
-          <a:p>
-            <a:pPr algn="ctr"/>
-            <a:endParaRPr lang="ko-KR" altLang="en-US" dirty="0"/>
-          </a:p>
-        </p:txBody>
-      </p:sp>
-      <p:sp>
-        <p:nvSpPr>
-          <p:cNvPr id="2" name="제목 1"/>
-          <p:cNvSpPr>
-            <a:spLocks noGrp="1"/>
-          </p:cNvSpPr>
-          <p:nvPr>
-            <p:ph type="title"/>
-          </p:nvPr>
-        </p:nvSpPr>
-        <p:spPr>
-          <a:xfrm>
-            <a:off x="358754" y="299963"/>
-            <a:ext cx="10515600" cy="848099"/>
-          </a:xfrm>
-        </p:spPr>
-        <p:txBody>
-          <a:bodyPr/>
-          <a:lstStyle/>
-          <a:p>
-            <a:r>
-              <a:rPr lang="en-US" altLang="ko-KR" dirty="0"/>
-              <a:t>2. </a:t>
-            </a:r>
-            <a:r>
-              <a:rPr lang="ko-KR" altLang="en-US" dirty="0"/>
-              <a:t>개발 </a:t>
-            </a:r>
-            <a:r>
-              <a:rPr lang="ko-KR" altLang="en-US" dirty="0" smtClean="0"/>
-              <a:t>환경</a:t>
-            </a:r>
-            <a:endParaRPr lang="ko-KR" altLang="en-US" dirty="0"/>
-          </a:p>
-        </p:txBody>
-      </p:sp>
-      <p:sp>
-        <p:nvSpPr>
-          <p:cNvPr id="4" name="직사각형 3"/>
-          <p:cNvSpPr/>
-          <p:nvPr/>
-        </p:nvSpPr>
-        <p:spPr>
-          <a:xfrm>
-            <a:off x="358755" y="1390193"/>
-            <a:ext cx="10274075" cy="1103613"/>
-          </a:xfrm>
-          <a:prstGeom prst="rect">
-            <a:avLst/>
-          </a:prstGeom>
-          <a:solidFill>
-            <a:schemeClr val="bg1">
-              <a:lumMod val="95000"/>
-            </a:schemeClr>
-          </a:solidFill>
-        </p:spPr>
-        <p:style>
-          <a:lnRef idx="2">
-            <a:schemeClr val="accent1">
-              <a:shade val="50000"/>
-            </a:schemeClr>
-          </a:lnRef>
-          <a:fillRef idx="1">
-            <a:schemeClr val="accent1"/>
-          </a:fillRef>
-          <a:effectRef idx="0">
-            <a:schemeClr val="accent1"/>
-          </a:effectRef>
-          <a:fontRef idx="minor">
-            <a:schemeClr val="lt1"/>
-          </a:fontRef>
-        </p:style>
-        <p:txBody>
-          <a:bodyPr rtlCol="0" anchor="ctr"/>
-          <a:lstStyle/>
-          <a:p>
-            <a:pPr algn="ctr"/>
-            <a:endParaRPr lang="ko-KR" altLang="en-US" dirty="0"/>
-          </a:p>
-        </p:txBody>
-      </p:sp>
-      <p:sp>
-        <p:nvSpPr>
-          <p:cNvPr id="9" name="TextBox 8"/>
+          <p:cNvPr id="32" name="TextBox 31"/>
           <p:cNvSpPr txBox="1"/>
           <p:nvPr/>
         </p:nvSpPr>
         <p:spPr>
           <a:xfrm>
-            <a:off x="396656" y="1813447"/>
-            <a:ext cx="530915" cy="369332"/>
-          </a:xfrm>
-          <a:prstGeom prst="rect">
-            <a:avLst/>
-          </a:prstGeom>
-          <a:solidFill>
-            <a:schemeClr val="accent4">
-              <a:lumMod val="40000"/>
-              <a:lumOff val="60000"/>
-            </a:schemeClr>
-          </a:solidFill>
+            <a:off x="656704" y="1479212"/>
+            <a:ext cx="4214615" cy="369332"/>
+          </a:xfrm>
+          <a:prstGeom prst="rect">
+            <a:avLst/>
+          </a:prstGeom>
+          <a:noFill/>
         </p:spPr>
         <p:txBody>
           <a:bodyPr wrap="none" rtlCol="0">
@@ -5824,32 +7813,40 @@
           <a:lstStyle/>
           <a:p>
             <a:r>
-              <a:rPr lang="en-US" altLang="ko-KR" dirty="0" smtClean="0"/>
-              <a:t>IDE</a:t>
-            </a:r>
-          </a:p>
-        </p:txBody>
-      </p:sp>
-      <p:sp>
-        <p:nvSpPr>
-          <p:cNvPr id="10" name="TextBox 9"/>
+              <a:rPr lang="ko-KR" altLang="en-US" dirty="0" smtClean="0"/>
+              <a:t>개발 기간 </a:t>
+            </a:r>
+            <a:r>
+              <a:rPr lang="en-US" altLang="ko-KR" dirty="0" smtClean="0"/>
+              <a:t>: 2023.01. ~ 2023.02 (2</a:t>
+            </a:r>
+            <a:r>
+              <a:rPr lang="ko-KR" altLang="en-US" dirty="0" smtClean="0"/>
+              <a:t>개월</a:t>
+            </a:r>
+            <a:r>
+              <a:rPr lang="en-US" altLang="ko-KR" dirty="0" smtClean="0"/>
+              <a:t>)</a:t>
+            </a:r>
+            <a:endParaRPr lang="ko-KR" altLang="en-US" dirty="0"/>
+          </a:p>
+        </p:txBody>
+      </p:sp>
+      <p:sp>
+        <p:nvSpPr>
+          <p:cNvPr id="33" name="TextBox 32"/>
           <p:cNvSpPr txBox="1"/>
           <p:nvPr/>
         </p:nvSpPr>
         <p:spPr>
           <a:xfrm>
-            <a:off x="396656" y="3008221"/>
-            <a:ext cx="646331" cy="369332"/>
-          </a:xfrm>
-          <a:prstGeom prst="rect">
-            <a:avLst/>
-          </a:prstGeom>
-          <a:solidFill>
-            <a:schemeClr val="accent4">
-              <a:lumMod val="40000"/>
-              <a:lumOff val="60000"/>
-            </a:schemeClr>
-          </a:solidFill>
+            <a:off x="656703" y="1920989"/>
+            <a:ext cx="2047355" cy="369332"/>
+          </a:xfrm>
+          <a:prstGeom prst="rect">
+            <a:avLst/>
+          </a:prstGeom>
+          <a:noFill/>
         </p:spPr>
         <p:txBody>
           <a:bodyPr wrap="none" rtlCol="0">
@@ -5859,32 +7856,31 @@
           <a:p>
             <a:r>
               <a:rPr lang="ko-KR" altLang="en-US" dirty="0" smtClean="0"/>
-              <a:t>언어</a:t>
-            </a:r>
-            <a:endParaRPr lang="en-US" altLang="ko-KR" dirty="0" smtClean="0"/>
-          </a:p>
-        </p:txBody>
-      </p:sp>
-      <p:sp>
-        <p:nvSpPr>
-          <p:cNvPr id="11" name="TextBox 10"/>
+              <a:t>플랫폼 </a:t>
+            </a:r>
+            <a:r>
+              <a:rPr lang="en-US" altLang="ko-KR" dirty="0" smtClean="0"/>
+              <a:t>: Windows</a:t>
+            </a:r>
+            <a:endParaRPr lang="ko-KR" altLang="en-US" dirty="0"/>
+          </a:p>
+        </p:txBody>
+      </p:sp>
+      <p:sp>
+        <p:nvSpPr>
+          <p:cNvPr id="34" name="TextBox 33"/>
           <p:cNvSpPr txBox="1"/>
           <p:nvPr/>
         </p:nvSpPr>
         <p:spPr>
           <a:xfrm>
-            <a:off x="396656" y="4175622"/>
-            <a:ext cx="1189749" cy="369332"/>
-          </a:xfrm>
-          <a:prstGeom prst="rect">
-            <a:avLst/>
-          </a:prstGeom>
-          <a:solidFill>
-            <a:schemeClr val="accent4">
-              <a:lumMod val="40000"/>
-              <a:lumOff val="60000"/>
-            </a:schemeClr>
-          </a:solidFill>
+            <a:off x="656703" y="2352897"/>
+            <a:ext cx="3155031" cy="369332"/>
+          </a:xfrm>
+          <a:prstGeom prst="rect">
+            <a:avLst/>
+          </a:prstGeom>
+          <a:noFill/>
         </p:spPr>
         <p:txBody>
           <a:bodyPr wrap="none" rtlCol="0">
@@ -5894,22 +7890,42 @@
           <a:p>
             <a:r>
               <a:rPr lang="ko-KR" altLang="en-US" dirty="0" smtClean="0"/>
-              <a:t>빌드 도구</a:t>
-            </a:r>
-            <a:endParaRPr lang="en-US" altLang="ko-KR" dirty="0" smtClean="0"/>
+              <a:t>개발 인원 </a:t>
+            </a:r>
+            <a:r>
+              <a:rPr lang="en-US" altLang="ko-KR" dirty="0" smtClean="0"/>
+              <a:t>: 5</a:t>
+            </a:r>
+            <a:r>
+              <a:rPr lang="ko-KR" altLang="en-US" dirty="0" smtClean="0"/>
+              <a:t>명</a:t>
+            </a:r>
+            <a:r>
+              <a:rPr lang="en-US" altLang="ko-KR" dirty="0" smtClean="0"/>
+              <a:t>(</a:t>
+            </a:r>
+            <a:r>
+              <a:rPr lang="ko-KR" altLang="en-US" dirty="0" smtClean="0"/>
+              <a:t>팀 프로젝트</a:t>
+            </a:r>
+            <a:r>
+              <a:rPr lang="en-US" altLang="ko-KR" dirty="0" smtClean="0"/>
+              <a:t>)</a:t>
+            </a:r>
+            <a:endParaRPr lang="ko-KR" altLang="en-US" dirty="0"/>
           </a:p>
         </p:txBody>
       </p:sp>
       <p:pic>
         <p:nvPicPr>
-          <p:cNvPr id="12" name="그림 11"/>
+          <p:cNvPr id="35" name="그림 34"/>
           <p:cNvPicPr>
             <a:picLocks noChangeAspect="1"/>
           </p:cNvPicPr>
           <p:nvPr/>
         </p:nvPicPr>
         <p:blipFill>
-          <a:blip r:embed="rId2" cstate="print">
+          <a:blip r:embed="rId2">
             <a:extLst>
               <a:ext uri="{28A0092B-C50C-407E-A947-70E740481C1C}">
                 <a14:useLocalDpi xmlns:a14="http://schemas.microsoft.com/office/drawing/2010/main" val="0"/>
@@ -5922,71 +7938,8 @@
         </p:blipFill>
         <p:spPr>
           <a:xfrm>
-            <a:off x="1259565" y="1540103"/>
-            <a:ext cx="1500262" cy="843480"/>
-          </a:xfrm>
-          <a:prstGeom prst="rect">
-            <a:avLst/>
-          </a:prstGeom>
-        </p:spPr>
-      </p:pic>
-      <p:pic>
-        <p:nvPicPr>
-          <p:cNvPr id="13" name="그림 12"/>
-          <p:cNvPicPr>
-            <a:picLocks noChangeAspect="1"/>
-          </p:cNvPicPr>
-          <p:nvPr/>
-        </p:nvPicPr>
-        <p:blipFill>
-          <a:blip r:embed="rId3" cstate="print">
-            <a:extLst>
-              <a:ext uri="{28A0092B-C50C-407E-A947-70E740481C1C}">
-                <a14:useLocalDpi xmlns:a14="http://schemas.microsoft.com/office/drawing/2010/main" val="0"/>
-              </a:ext>
-            </a:extLst>
-          </a:blip>
-          <a:stretch>
-            <a:fillRect/>
-          </a:stretch>
-        </p:blipFill>
-        <p:spPr>
-          <a:xfrm>
-            <a:off x="2953494" y="1628548"/>
-            <a:ext cx="2848863" cy="666589"/>
-          </a:xfrm>
-          <a:prstGeom prst="rect">
-            <a:avLst/>
-          </a:prstGeom>
-          <a:solidFill>
-            <a:schemeClr val="bg1"/>
-          </a:solidFill>
-        </p:spPr>
-      </p:pic>
-      <p:pic>
-        <p:nvPicPr>
-          <p:cNvPr id="14" name="그림 13"/>
-          <p:cNvPicPr>
-            <a:picLocks noChangeAspect="1"/>
-          </p:cNvPicPr>
-          <p:nvPr/>
-        </p:nvPicPr>
-        <p:blipFill>
-          <a:blip r:embed="rId4" cstate="print">
-            <a:extLst>
-              <a:ext uri="{28A0092B-C50C-407E-A947-70E740481C1C}">
-                <a14:useLocalDpi xmlns:a14="http://schemas.microsoft.com/office/drawing/2010/main" val="0"/>
-              </a:ext>
-            </a:extLst>
-          </a:blip>
-          <a:stretch>
-            <a:fillRect/>
-          </a:stretch>
-        </p:blipFill>
-        <p:spPr>
-          <a:xfrm>
-            <a:off x="1641950" y="2855072"/>
-            <a:ext cx="1442072" cy="595415"/>
+            <a:off x="4871319" y="1452736"/>
+            <a:ext cx="1371539" cy="714951"/>
           </a:xfrm>
           <a:prstGeom prst="rect">
             <a:avLst/>
@@ -5996,189 +7949,21 @@
           </a:solidFill>
         </p:spPr>
       </p:pic>
-      <p:pic>
-        <p:nvPicPr>
-          <p:cNvPr id="15" name="그림 14"/>
-          <p:cNvPicPr>
-            <a:picLocks noChangeAspect="1"/>
-          </p:cNvPicPr>
-          <p:nvPr/>
-        </p:nvPicPr>
-        <p:blipFill>
-          <a:blip r:embed="rId5" cstate="print">
-            <a:extLst>
-              <a:ext uri="{28A0092B-C50C-407E-A947-70E740481C1C}">
-                <a14:useLocalDpi xmlns:a14="http://schemas.microsoft.com/office/drawing/2010/main" val="0"/>
-              </a:ext>
-            </a:extLst>
-          </a:blip>
-          <a:stretch>
-            <a:fillRect/>
-          </a:stretch>
-        </p:blipFill>
-        <p:spPr>
-          <a:xfrm>
-            <a:off x="4352235" y="2860730"/>
-            <a:ext cx="1264320" cy="589757"/>
+      <p:sp>
+        <p:nvSpPr>
+          <p:cNvPr id="36" name="TextBox 35"/>
+          <p:cNvSpPr txBox="1"/>
+          <p:nvPr/>
+        </p:nvSpPr>
+        <p:spPr>
+          <a:xfrm>
+            <a:off x="6336645" y="1624169"/>
+            <a:ext cx="2331087" cy="369332"/>
           </a:xfrm>
           <a:prstGeom prst="rect">
             <a:avLst/>
           </a:prstGeom>
           <a:noFill/>
-        </p:spPr>
-      </p:pic>
-      <p:pic>
-        <p:nvPicPr>
-          <p:cNvPr id="16" name="그림 15"/>
-          <p:cNvPicPr>
-            <a:picLocks noChangeAspect="1"/>
-          </p:cNvPicPr>
-          <p:nvPr/>
-        </p:nvPicPr>
-        <p:blipFill>
-          <a:blip r:embed="rId6" cstate="print">
-            <a:extLst>
-              <a:ext uri="{28A0092B-C50C-407E-A947-70E740481C1C}">
-                <a14:useLocalDpi xmlns:a14="http://schemas.microsoft.com/office/drawing/2010/main" val="0"/>
-              </a:ext>
-            </a:extLst>
-          </a:blip>
-          <a:stretch>
-            <a:fillRect/>
-          </a:stretch>
-        </p:blipFill>
-        <p:spPr>
-          <a:xfrm>
-            <a:off x="4067934" y="5054788"/>
-            <a:ext cx="1939518" cy="903596"/>
-          </a:xfrm>
-          <a:prstGeom prst="rect">
-            <a:avLst/>
-          </a:prstGeom>
-        </p:spPr>
-      </p:pic>
-      <p:pic>
-        <p:nvPicPr>
-          <p:cNvPr id="17" name="그림 16"/>
-          <p:cNvPicPr>
-            <a:picLocks noChangeAspect="1"/>
-          </p:cNvPicPr>
-          <p:nvPr/>
-        </p:nvPicPr>
-        <p:blipFill>
-          <a:blip r:embed="rId7" cstate="print">
-            <a:extLst>
-              <a:ext uri="{28A0092B-C50C-407E-A947-70E740481C1C}">
-                <a14:useLocalDpi xmlns:a14="http://schemas.microsoft.com/office/drawing/2010/main" val="0"/>
-              </a:ext>
-            </a:extLst>
-          </a:blip>
-          <a:stretch>
-            <a:fillRect/>
-          </a:stretch>
-        </p:blipFill>
-        <p:spPr>
-          <a:xfrm>
-            <a:off x="1864611" y="3993730"/>
-            <a:ext cx="2723841" cy="733116"/>
-          </a:xfrm>
-          <a:prstGeom prst="rect">
-            <a:avLst/>
-          </a:prstGeom>
-          <a:solidFill>
-            <a:schemeClr val="bg1"/>
-          </a:solidFill>
-        </p:spPr>
-      </p:pic>
-      <p:pic>
-        <p:nvPicPr>
-          <p:cNvPr id="18" name="그림 17"/>
-          <p:cNvPicPr>
-            <a:picLocks noChangeAspect="1"/>
-          </p:cNvPicPr>
-          <p:nvPr/>
-        </p:nvPicPr>
-        <p:blipFill>
-          <a:blip r:embed="rId8" cstate="print">
-            <a:extLst>
-              <a:ext uri="{28A0092B-C50C-407E-A947-70E740481C1C}">
-                <a14:useLocalDpi xmlns:a14="http://schemas.microsoft.com/office/drawing/2010/main" val="0"/>
-              </a:ext>
-            </a:extLst>
-          </a:blip>
-          <a:stretch>
-            <a:fillRect/>
-          </a:stretch>
-        </p:blipFill>
-        <p:spPr>
-          <a:xfrm>
-            <a:off x="1864611" y="5123962"/>
-            <a:ext cx="1925117" cy="816420"/>
-          </a:xfrm>
-          <a:prstGeom prst="rect">
-            <a:avLst/>
-          </a:prstGeom>
-          <a:solidFill>
-            <a:schemeClr val="bg1"/>
-          </a:solidFill>
-        </p:spPr>
-      </p:pic>
-      <p:pic>
-        <p:nvPicPr>
-          <p:cNvPr id="19" name="그림 18"/>
-          <p:cNvPicPr>
-            <a:picLocks noChangeAspect="1"/>
-          </p:cNvPicPr>
-          <p:nvPr/>
-        </p:nvPicPr>
-        <p:blipFill>
-          <a:blip r:embed="rId9" cstate="print">
-            <a:extLst>
-              <a:ext uri="{28A0092B-C50C-407E-A947-70E740481C1C}">
-                <a14:useLocalDpi xmlns:a14="http://schemas.microsoft.com/office/drawing/2010/main" val="0"/>
-              </a:ext>
-            </a:extLst>
-          </a:blip>
-          <a:stretch>
-            <a:fillRect/>
-          </a:stretch>
-        </p:blipFill>
-        <p:spPr>
-          <a:xfrm>
-            <a:off x="7047582" y="4523391"/>
-            <a:ext cx="3093404" cy="1375068"/>
-          </a:xfrm>
-          <a:prstGeom prst="rect">
-            <a:avLst/>
-          </a:prstGeom>
-          <a:solidFill>
-            <a:schemeClr val="accent1">
-              <a:lumMod val="20000"/>
-              <a:lumOff val="80000"/>
-            </a:schemeClr>
-          </a:solidFill>
-        </p:spPr>
-      </p:pic>
-      <p:sp>
-        <p:nvSpPr>
-          <p:cNvPr id="23" name="TextBox 22"/>
-          <p:cNvSpPr txBox="1"/>
-          <p:nvPr/>
-        </p:nvSpPr>
-        <p:spPr>
-          <a:xfrm>
-            <a:off x="396656" y="5348833"/>
-            <a:ext cx="1420582" cy="369332"/>
-          </a:xfrm>
-          <a:prstGeom prst="rect">
-            <a:avLst/>
-          </a:prstGeom>
-          <a:solidFill>
-            <a:schemeClr val="accent4">
-              <a:lumMod val="40000"/>
-              <a:lumOff val="60000"/>
-            </a:schemeClr>
-          </a:solidFill>
         </p:spPr>
         <p:txBody>
           <a:bodyPr wrap="none" rtlCol="0">
@@ -6187,33 +7972,32 @@
           <a:lstStyle/>
           <a:p>
             <a:r>
-              <a:rPr lang="ko-KR" altLang="en-US" dirty="0" smtClean="0"/>
-              <a:t>프레임 워크</a:t>
-            </a:r>
-            <a:endParaRPr lang="en-US" altLang="ko-KR" dirty="0" smtClean="0"/>
-          </a:p>
-        </p:txBody>
-      </p:sp>
-      <p:sp>
-        <p:nvSpPr>
-          <p:cNvPr id="25" name="TextBox 24"/>
+              <a:rPr lang="en-US" altLang="ko-KR" dirty="0" smtClean="0"/>
+              <a:t>| </a:t>
+            </a:r>
+            <a:r>
+              <a:rPr lang="ko-KR" altLang="en-US" dirty="0" smtClean="0"/>
+              <a:t>온라인 교육 사이트</a:t>
+            </a:r>
+            <a:endParaRPr lang="ko-KR" altLang="en-US" dirty="0"/>
+          </a:p>
+        </p:txBody>
+      </p:sp>
+      <p:sp>
+        <p:nvSpPr>
+          <p:cNvPr id="43" name="TextBox 42"/>
           <p:cNvSpPr txBox="1"/>
           <p:nvPr/>
         </p:nvSpPr>
         <p:spPr>
           <a:xfrm>
-            <a:off x="8271119" y="3913319"/>
-            <a:ext cx="646331" cy="369332"/>
-          </a:xfrm>
-          <a:prstGeom prst="rect">
-            <a:avLst/>
-          </a:prstGeom>
-          <a:solidFill>
-            <a:schemeClr val="accent4">
-              <a:lumMod val="40000"/>
-              <a:lumOff val="60000"/>
-            </a:schemeClr>
-          </a:solidFill>
+            <a:off x="656703" y="2806127"/>
+            <a:ext cx="9900467" cy="923330"/>
+          </a:xfrm>
+          <a:prstGeom prst="rect">
+            <a:avLst/>
+          </a:prstGeom>
+          <a:noFill/>
         </p:spPr>
         <p:txBody>
           <a:bodyPr wrap="none" rtlCol="0">
@@ -6223,198 +8007,136 @@
           <a:p>
             <a:r>
               <a:rPr lang="ko-KR" altLang="en-US" dirty="0" smtClean="0"/>
-              <a:t>서버</a:t>
-            </a:r>
-            <a:endParaRPr lang="en-US" altLang="ko-KR" dirty="0" smtClean="0"/>
-          </a:p>
-        </p:txBody>
-      </p:sp>
-      <p:pic>
-        <p:nvPicPr>
-          <p:cNvPr id="3" name="그림 2"/>
-          <p:cNvPicPr>
-            <a:picLocks noChangeAspect="1"/>
-          </p:cNvPicPr>
-          <p:nvPr/>
-        </p:nvPicPr>
-        <p:blipFill>
-          <a:blip r:embed="rId10" cstate="print">
-            <a:extLst>
-              <a:ext uri="{28A0092B-C50C-407E-A947-70E740481C1C}">
-                <a14:useLocalDpi xmlns:a14="http://schemas.microsoft.com/office/drawing/2010/main" val="0"/>
-              </a:ext>
-            </a:extLst>
-          </a:blip>
-          <a:stretch>
-            <a:fillRect/>
-          </a:stretch>
-        </p:blipFill>
-        <p:spPr>
-          <a:xfrm>
-            <a:off x="6069545" y="1540103"/>
-            <a:ext cx="1096025" cy="843480"/>
-          </a:xfrm>
-          <a:prstGeom prst="rect">
-            <a:avLst/>
-          </a:prstGeom>
-          <a:solidFill>
-            <a:schemeClr val="bg2"/>
-          </a:solidFill>
-        </p:spPr>
-      </p:pic>
-      <p:sp>
-        <p:nvSpPr>
-          <p:cNvPr id="29" name="직사각형 28"/>
-          <p:cNvSpPr/>
-          <p:nvPr/>
-        </p:nvSpPr>
-        <p:spPr>
-          <a:xfrm>
-            <a:off x="6464875" y="2584966"/>
-            <a:ext cx="4167955" cy="1103613"/>
-          </a:xfrm>
-          <a:prstGeom prst="rect">
-            <a:avLst/>
-          </a:prstGeom>
-          <a:solidFill>
-            <a:schemeClr val="bg1">
-              <a:lumMod val="95000"/>
-            </a:schemeClr>
-          </a:solidFill>
-        </p:spPr>
-        <p:style>
-          <a:lnRef idx="2">
-            <a:schemeClr val="accent1">
-              <a:shade val="50000"/>
-            </a:schemeClr>
-          </a:lnRef>
-          <a:fillRef idx="1">
-            <a:schemeClr val="accent1"/>
-          </a:fillRef>
-          <a:effectRef idx="0">
-            <a:schemeClr val="accent1"/>
-          </a:effectRef>
-          <a:fontRef idx="minor">
-            <a:schemeClr val="lt1"/>
-          </a:fontRef>
-        </p:style>
-        <p:txBody>
-          <a:bodyPr rtlCol="0" anchor="ctr"/>
-          <a:lstStyle/>
-          <a:p>
-            <a:pPr algn="ctr"/>
+              <a:t>담당 역할 </a:t>
+            </a:r>
+            <a:r>
+              <a:rPr lang="en-US" altLang="ko-KR" dirty="0" smtClean="0"/>
+              <a:t>: </a:t>
+            </a:r>
+            <a:r>
+              <a:rPr lang="ko-KR" altLang="en-US" dirty="0" smtClean="0"/>
+              <a:t>교육 상세 페이지 </a:t>
+            </a:r>
+            <a:r>
+              <a:rPr lang="en-US" altLang="ko-KR" dirty="0" smtClean="0"/>
+              <a:t>- </a:t>
+            </a:r>
+            <a:r>
+              <a:rPr lang="ko-KR" altLang="en-US" dirty="0" err="1" smtClean="0"/>
+              <a:t>프론트엔드</a:t>
+            </a:r>
+            <a:r>
+              <a:rPr lang="en-US" altLang="ko-KR" dirty="0" smtClean="0"/>
+              <a:t>(</a:t>
+            </a:r>
+            <a:r>
+              <a:rPr lang="ko-KR" altLang="en-US" dirty="0" smtClean="0"/>
+              <a:t>기여도 </a:t>
+            </a:r>
+            <a:r>
+              <a:rPr lang="en-US" altLang="ko-KR" dirty="0" smtClean="0"/>
+              <a:t>100%), </a:t>
+            </a:r>
+            <a:r>
+              <a:rPr lang="ko-KR" altLang="en-US" dirty="0" smtClean="0"/>
+              <a:t>상세페이지</a:t>
+            </a:r>
+            <a:r>
+              <a:rPr lang="en-US" altLang="ko-KR" dirty="0" smtClean="0"/>
+              <a:t>-</a:t>
+            </a:r>
+            <a:r>
+              <a:rPr lang="ko-KR" altLang="en-US" dirty="0" smtClean="0"/>
+              <a:t>커리큘럼</a:t>
+            </a:r>
+            <a:r>
+              <a:rPr lang="en-US" altLang="ko-KR" dirty="0" smtClean="0"/>
+              <a:t>(</a:t>
+            </a:r>
+            <a:r>
+              <a:rPr lang="ko-KR" altLang="en-US" dirty="0" smtClean="0"/>
+              <a:t>기여도 </a:t>
+            </a:r>
+            <a:r>
+              <a:rPr lang="en-US" altLang="ko-KR" dirty="0" smtClean="0"/>
+              <a:t>100%)</a:t>
+            </a:r>
+          </a:p>
+          <a:p>
+            <a:r>
+              <a:rPr lang="en-US" altLang="ko-KR" dirty="0"/>
+              <a:t>		</a:t>
+            </a:r>
+            <a:r>
+              <a:rPr lang="en-US" altLang="ko-KR" dirty="0" smtClean="0"/>
+              <a:t>		</a:t>
+            </a:r>
+            <a:r>
+              <a:rPr lang="ko-KR" altLang="en-US" dirty="0" smtClean="0"/>
+              <a:t>상세페이지 </a:t>
+            </a:r>
+            <a:r>
+              <a:rPr lang="en-US" altLang="ko-KR" dirty="0" smtClean="0"/>
+              <a:t>-</a:t>
+            </a:r>
+            <a:r>
+              <a:rPr lang="ko-KR" altLang="en-US" dirty="0"/>
+              <a:t> </a:t>
+            </a:r>
+            <a:r>
+              <a:rPr lang="ko-KR" altLang="en-US" dirty="0" smtClean="0"/>
+              <a:t>강의 후기</a:t>
+            </a:r>
+            <a:r>
+              <a:rPr lang="en-US" altLang="ko-KR" dirty="0" smtClean="0"/>
+              <a:t>(</a:t>
+            </a:r>
+            <a:r>
+              <a:rPr lang="ko-KR" altLang="en-US" dirty="0" smtClean="0"/>
+              <a:t>기여도 </a:t>
+            </a:r>
+            <a:r>
+              <a:rPr lang="en-US" altLang="ko-KR" dirty="0" smtClean="0"/>
+              <a:t>100%)</a:t>
+            </a:r>
+          </a:p>
+          <a:p>
+            <a:r>
+              <a:rPr lang="en-US" altLang="ko-KR" dirty="0"/>
+              <a:t>	 </a:t>
+            </a:r>
+            <a:r>
+              <a:rPr lang="en-US" altLang="ko-KR" dirty="0" smtClean="0"/>
+              <a:t>   </a:t>
+            </a:r>
+            <a:r>
+              <a:rPr lang="ko-KR" altLang="en-US" dirty="0" smtClean="0"/>
+              <a:t>장바구니 페이지 개발</a:t>
+            </a:r>
+            <a:r>
+              <a:rPr lang="en-US" altLang="ko-KR" dirty="0" smtClean="0"/>
+              <a:t>(</a:t>
+            </a:r>
+            <a:r>
+              <a:rPr lang="ko-KR" altLang="en-US" dirty="0" smtClean="0"/>
+              <a:t>기여도 </a:t>
+            </a:r>
+            <a:r>
+              <a:rPr lang="en-US" altLang="ko-KR" dirty="0" smtClean="0"/>
+              <a:t>5%) – </a:t>
+            </a:r>
+            <a:r>
+              <a:rPr lang="ko-KR" altLang="en-US" dirty="0" smtClean="0"/>
+              <a:t>전체 선택 기능</a:t>
+            </a:r>
             <a:endParaRPr lang="ko-KR" altLang="en-US" dirty="0"/>
           </a:p>
         </p:txBody>
       </p:sp>
-      <p:sp>
-        <p:nvSpPr>
-          <p:cNvPr id="30" name="TextBox 29"/>
-          <p:cNvSpPr txBox="1"/>
-          <p:nvPr/>
-        </p:nvSpPr>
-        <p:spPr>
-          <a:xfrm>
-            <a:off x="6561602" y="3001881"/>
-            <a:ext cx="1933030" cy="369332"/>
-          </a:xfrm>
-          <a:prstGeom prst="rect">
-            <a:avLst/>
-          </a:prstGeom>
-          <a:solidFill>
-            <a:schemeClr val="accent4">
-              <a:lumMod val="40000"/>
-              <a:lumOff val="60000"/>
-            </a:schemeClr>
-          </a:solidFill>
-        </p:spPr>
-        <p:txBody>
-          <a:bodyPr wrap="none" rtlCol="0">
-            <a:spAutoFit/>
-          </a:bodyPr>
-          <a:lstStyle/>
-          <a:p>
-            <a:r>
-              <a:rPr lang="en-US" altLang="ko-KR" dirty="0" smtClean="0"/>
-              <a:t>API : RESTful API</a:t>
-            </a:r>
-          </a:p>
-        </p:txBody>
-      </p:sp>
-      <p:pic>
-        <p:nvPicPr>
-          <p:cNvPr id="5" name="그림 4"/>
-          <p:cNvPicPr>
-            <a:picLocks noChangeAspect="1"/>
-          </p:cNvPicPr>
-          <p:nvPr/>
-        </p:nvPicPr>
-        <p:blipFill>
-          <a:blip r:embed="rId11" cstate="print">
-            <a:extLst>
-              <a:ext uri="{28A0092B-C50C-407E-A947-70E740481C1C}">
-                <a14:useLocalDpi xmlns:a14="http://schemas.microsoft.com/office/drawing/2010/main" val="0"/>
-              </a:ext>
-            </a:extLst>
-          </a:blip>
-          <a:stretch>
-            <a:fillRect/>
-          </a:stretch>
-        </p:blipFill>
-        <p:spPr>
-          <a:xfrm>
-            <a:off x="7432758" y="1483967"/>
-            <a:ext cx="899616" cy="899616"/>
-          </a:xfrm>
-          <a:prstGeom prst="rect">
-            <a:avLst/>
-          </a:prstGeom>
-          <a:solidFill>
-            <a:schemeClr val="bg1">
-              <a:lumMod val="75000"/>
-            </a:schemeClr>
-          </a:solidFill>
-        </p:spPr>
-      </p:pic>
-      <p:pic>
-        <p:nvPicPr>
-          <p:cNvPr id="7" name="그림 6"/>
-          <p:cNvPicPr>
-            <a:picLocks noChangeAspect="1"/>
-          </p:cNvPicPr>
-          <p:nvPr/>
-        </p:nvPicPr>
-        <p:blipFill>
-          <a:blip r:embed="rId12" cstate="print">
-            <a:extLst>
-              <a:ext uri="{28A0092B-C50C-407E-A947-70E740481C1C}">
-                <a14:useLocalDpi xmlns:a14="http://schemas.microsoft.com/office/drawing/2010/main" val="0"/>
-              </a:ext>
-            </a:extLst>
-          </a:blip>
-          <a:stretch>
-            <a:fillRect/>
-          </a:stretch>
-        </p:blipFill>
-        <p:spPr>
-          <a:xfrm>
-            <a:off x="8602899" y="1480383"/>
-            <a:ext cx="629102" cy="887558"/>
-          </a:xfrm>
-          <a:prstGeom prst="rect">
-            <a:avLst/>
-          </a:prstGeom>
-          <a:solidFill>
-            <a:schemeClr val="bg1">
-              <a:lumMod val="75000"/>
-            </a:schemeClr>
-          </a:solidFill>
-        </p:spPr>
-      </p:pic>
     </p:spTree>
     <p:extLst>
       <p:ext uri="{BB962C8B-B14F-4D97-AF65-F5344CB8AC3E}">
-        <p14:creationId xmlns:p14="http://schemas.microsoft.com/office/powerpoint/2010/main" val="1412665012"/>
+        <p14:creationId xmlns:p14="http://schemas.microsoft.com/office/powerpoint/2010/main" val="1605742126"/>
       </p:ext>
     </p:extLst>
   </p:cSld>
@@ -6443,6 +8165,186 @@
       </p:grpSpPr>
       <p:sp>
         <p:nvSpPr>
+          <p:cNvPr id="24" name="직사각형 23"/>
+          <p:cNvSpPr/>
+          <p:nvPr/>
+        </p:nvSpPr>
+        <p:spPr>
+          <a:xfrm>
+            <a:off x="7195631" y="3755273"/>
+            <a:ext cx="4665868" cy="2273919"/>
+          </a:xfrm>
+          <a:prstGeom prst="rect">
+            <a:avLst/>
+          </a:prstGeom>
+          <a:solidFill>
+            <a:schemeClr val="bg1">
+              <a:lumMod val="95000"/>
+            </a:schemeClr>
+          </a:solidFill>
+        </p:spPr>
+        <p:style>
+          <a:lnRef idx="2">
+            <a:schemeClr val="accent1">
+              <a:shade val="50000"/>
+            </a:schemeClr>
+          </a:lnRef>
+          <a:fillRef idx="1">
+            <a:schemeClr val="accent1"/>
+          </a:fillRef>
+          <a:effectRef idx="0">
+            <a:schemeClr val="accent1"/>
+          </a:effectRef>
+          <a:fontRef idx="minor">
+            <a:schemeClr val="lt1"/>
+          </a:fontRef>
+        </p:style>
+        <p:txBody>
+          <a:bodyPr rtlCol="0" anchor="ctr"/>
+          <a:lstStyle/>
+          <a:p>
+            <a:pPr algn="ctr"/>
+            <a:endParaRPr lang="ko-KR" altLang="en-US" dirty="0"/>
+          </a:p>
+        </p:txBody>
+      </p:sp>
+      <p:sp>
+        <p:nvSpPr>
+          <p:cNvPr id="20" name="직사각형 19"/>
+          <p:cNvSpPr/>
+          <p:nvPr/>
+        </p:nvSpPr>
+        <p:spPr>
+          <a:xfrm>
+            <a:off x="358754" y="3755273"/>
+            <a:ext cx="6765139" cy="1103613"/>
+          </a:xfrm>
+          <a:prstGeom prst="rect">
+            <a:avLst/>
+          </a:prstGeom>
+          <a:solidFill>
+            <a:schemeClr val="bg1">
+              <a:lumMod val="95000"/>
+            </a:schemeClr>
+          </a:solidFill>
+        </p:spPr>
+        <p:style>
+          <a:lnRef idx="2">
+            <a:schemeClr val="accent1">
+              <a:shade val="50000"/>
+            </a:schemeClr>
+          </a:lnRef>
+          <a:fillRef idx="1">
+            <a:schemeClr val="accent1"/>
+          </a:fillRef>
+          <a:effectRef idx="0">
+            <a:schemeClr val="accent1"/>
+          </a:effectRef>
+          <a:fontRef idx="minor">
+            <a:schemeClr val="lt1"/>
+          </a:fontRef>
+        </p:style>
+        <p:txBody>
+          <a:bodyPr rtlCol="0" anchor="ctr"/>
+          <a:lstStyle/>
+          <a:p>
+            <a:pPr algn="ctr"/>
+            <a:endParaRPr lang="ko-KR" altLang="en-US" dirty="0"/>
+          </a:p>
+        </p:txBody>
+      </p:sp>
+      <p:sp>
+        <p:nvSpPr>
+          <p:cNvPr id="21" name="직사각형 20"/>
+          <p:cNvSpPr/>
+          <p:nvPr/>
+        </p:nvSpPr>
+        <p:spPr>
+          <a:xfrm>
+            <a:off x="358754" y="2584967"/>
+            <a:ext cx="6765140" cy="1103613"/>
+          </a:xfrm>
+          <a:prstGeom prst="rect">
+            <a:avLst/>
+          </a:prstGeom>
+          <a:solidFill>
+            <a:schemeClr val="bg1">
+              <a:lumMod val="95000"/>
+            </a:schemeClr>
+          </a:solidFill>
+        </p:spPr>
+        <p:style>
+          <a:lnRef idx="2">
+            <a:schemeClr val="accent1">
+              <a:shade val="50000"/>
+            </a:schemeClr>
+          </a:lnRef>
+          <a:fillRef idx="1">
+            <a:schemeClr val="accent1"/>
+          </a:fillRef>
+          <a:effectRef idx="0">
+            <a:schemeClr val="accent1"/>
+          </a:effectRef>
+          <a:fontRef idx="minor">
+            <a:schemeClr val="lt1"/>
+          </a:fontRef>
+        </p:style>
+        <p:txBody>
+          <a:bodyPr rtlCol="0" anchor="ctr"/>
+          <a:lstStyle/>
+          <a:p>
+            <a:pPr algn="ctr"/>
+            <a:endParaRPr lang="ko-KR" altLang="en-US" dirty="0"/>
+          </a:p>
+        </p:txBody>
+      </p:sp>
+      <p:sp>
+        <p:nvSpPr>
+          <p:cNvPr id="22" name="직사각형 21"/>
+          <p:cNvSpPr/>
+          <p:nvPr/>
+        </p:nvSpPr>
+        <p:spPr>
+          <a:xfrm>
+            <a:off x="358754" y="4925579"/>
+            <a:ext cx="6765139" cy="1103613"/>
+          </a:xfrm>
+          <a:prstGeom prst="rect">
+            <a:avLst/>
+          </a:prstGeom>
+          <a:solidFill>
+            <a:schemeClr val="bg1">
+              <a:lumMod val="95000"/>
+            </a:schemeClr>
+          </a:solidFill>
+        </p:spPr>
+        <p:style>
+          <a:lnRef idx="2">
+            <a:schemeClr val="accent1">
+              <a:shade val="50000"/>
+            </a:schemeClr>
+          </a:lnRef>
+          <a:fillRef idx="1">
+            <a:schemeClr val="accent1"/>
+          </a:fillRef>
+          <a:effectRef idx="0">
+            <a:schemeClr val="accent1"/>
+          </a:effectRef>
+          <a:fontRef idx="minor">
+            <a:schemeClr val="lt1"/>
+          </a:fontRef>
+        </p:style>
+        <p:txBody>
+          <a:bodyPr rtlCol="0" anchor="ctr"/>
+          <a:lstStyle/>
+          <a:p>
+            <a:pPr algn="ctr"/>
+            <a:endParaRPr lang="ko-KR" altLang="en-US" dirty="0"/>
+          </a:p>
+        </p:txBody>
+      </p:sp>
+      <p:sp>
+        <p:nvSpPr>
           <p:cNvPr id="2" name="제목 1"/>
           <p:cNvSpPr>
             <a:spLocks noGrp="1"/>
@@ -6453,8 +8355,8 @@
         </p:nvSpPr>
         <p:spPr>
           <a:xfrm>
-            <a:off x="838200" y="99753"/>
-            <a:ext cx="10515600" cy="1000732"/>
+            <a:off x="358754" y="299963"/>
+            <a:ext cx="10515600" cy="848099"/>
           </a:xfrm>
         </p:spPr>
         <p:txBody>
@@ -6462,33 +8364,205 @@
           <a:lstStyle/>
           <a:p>
             <a:r>
-              <a:rPr lang="ko-KR" altLang="en-US" dirty="0" smtClean="0"/>
-              <a:t>메인홈페이지</a:t>
+              <a:rPr lang="en-US" altLang="ko-KR" dirty="0"/>
+              <a:t>2. </a:t>
+            </a:r>
+            <a:r>
+              <a:rPr lang="ko-KR" altLang="en-US" dirty="0"/>
+              <a:t>개발 </a:t>
+            </a:r>
+            <a:r>
+              <a:rPr lang="ko-KR" altLang="en-US" dirty="0" smtClean="0"/>
+              <a:t>환경 </a:t>
+            </a:r>
+            <a:r>
+              <a:rPr lang="en-US" altLang="ko-KR" dirty="0" smtClean="0"/>
+              <a:t>– </a:t>
+            </a:r>
+            <a:r>
+              <a:rPr lang="en-US" altLang="ko-KR" dirty="0" smtClean="0"/>
+              <a:t>Main</a:t>
             </a:r>
             <a:endParaRPr lang="ko-KR" altLang="en-US" dirty="0"/>
+          </a:p>
+        </p:txBody>
+      </p:sp>
+      <p:sp>
+        <p:nvSpPr>
+          <p:cNvPr id="4" name="직사각형 3"/>
+          <p:cNvSpPr/>
+          <p:nvPr/>
+        </p:nvSpPr>
+        <p:spPr>
+          <a:xfrm>
+            <a:off x="358755" y="1390193"/>
+            <a:ext cx="11501436" cy="1103613"/>
+          </a:xfrm>
+          <a:prstGeom prst="rect">
+            <a:avLst/>
+          </a:prstGeom>
+          <a:solidFill>
+            <a:schemeClr val="bg1">
+              <a:lumMod val="95000"/>
+            </a:schemeClr>
+          </a:solidFill>
+        </p:spPr>
+        <p:style>
+          <a:lnRef idx="2">
+            <a:schemeClr val="accent1">
+              <a:shade val="50000"/>
+            </a:schemeClr>
+          </a:lnRef>
+          <a:fillRef idx="1">
+            <a:schemeClr val="accent1"/>
+          </a:fillRef>
+          <a:effectRef idx="0">
+            <a:schemeClr val="accent1"/>
+          </a:effectRef>
+          <a:fontRef idx="minor">
+            <a:schemeClr val="lt1"/>
+          </a:fontRef>
+        </p:style>
+        <p:txBody>
+          <a:bodyPr rtlCol="0" anchor="ctr"/>
+          <a:lstStyle/>
+          <a:p>
+            <a:pPr algn="ctr"/>
+            <a:endParaRPr lang="ko-KR" altLang="en-US" dirty="0"/>
+          </a:p>
+        </p:txBody>
+      </p:sp>
+      <p:sp>
+        <p:nvSpPr>
+          <p:cNvPr id="9" name="TextBox 8"/>
+          <p:cNvSpPr txBox="1"/>
+          <p:nvPr/>
+        </p:nvSpPr>
+        <p:spPr>
+          <a:xfrm>
+            <a:off x="396656" y="1813447"/>
+            <a:ext cx="594339" cy="369332"/>
+          </a:xfrm>
+          <a:prstGeom prst="rect">
+            <a:avLst/>
+          </a:prstGeom>
+          <a:solidFill>
+            <a:schemeClr val="accent4">
+              <a:lumMod val="40000"/>
+              <a:lumOff val="60000"/>
+            </a:schemeClr>
+          </a:solidFill>
+        </p:spPr>
+        <p:txBody>
+          <a:bodyPr wrap="square" rtlCol="0">
+            <a:spAutoFit/>
+          </a:bodyPr>
+          <a:lstStyle/>
+          <a:p>
+            <a:pPr algn="ctr"/>
+            <a:r>
+              <a:rPr lang="en-US" altLang="ko-KR" dirty="0" smtClean="0"/>
+              <a:t>IDE</a:t>
+            </a:r>
+          </a:p>
+        </p:txBody>
+      </p:sp>
+      <p:sp>
+        <p:nvSpPr>
+          <p:cNvPr id="10" name="TextBox 9"/>
+          <p:cNvSpPr txBox="1"/>
+          <p:nvPr/>
+        </p:nvSpPr>
+        <p:spPr>
+          <a:xfrm>
+            <a:off x="396656" y="3008221"/>
+            <a:ext cx="723543" cy="369332"/>
+          </a:xfrm>
+          <a:prstGeom prst="rect">
+            <a:avLst/>
+          </a:prstGeom>
+          <a:solidFill>
+            <a:schemeClr val="accent4">
+              <a:lumMod val="40000"/>
+              <a:lumOff val="60000"/>
+            </a:schemeClr>
+          </a:solidFill>
+        </p:spPr>
+        <p:txBody>
+          <a:bodyPr wrap="square" rtlCol="0">
+            <a:spAutoFit/>
+          </a:bodyPr>
+          <a:lstStyle/>
+          <a:p>
+            <a:pPr algn="ctr"/>
+            <a:r>
+              <a:rPr lang="ko-KR" altLang="en-US" dirty="0" smtClean="0"/>
+              <a:t>언어</a:t>
+            </a:r>
+            <a:endParaRPr lang="en-US" altLang="ko-KR" dirty="0" smtClean="0"/>
+          </a:p>
+        </p:txBody>
+      </p:sp>
+      <p:sp>
+        <p:nvSpPr>
+          <p:cNvPr id="11" name="TextBox 10"/>
+          <p:cNvSpPr txBox="1"/>
+          <p:nvPr/>
+        </p:nvSpPr>
+        <p:spPr>
+          <a:xfrm>
+            <a:off x="396656" y="4175622"/>
+            <a:ext cx="1331879" cy="369332"/>
+          </a:xfrm>
+          <a:prstGeom prst="rect">
+            <a:avLst/>
+          </a:prstGeom>
+          <a:solidFill>
+            <a:schemeClr val="accent4">
+              <a:lumMod val="40000"/>
+              <a:lumOff val="60000"/>
+            </a:schemeClr>
+          </a:solidFill>
+        </p:spPr>
+        <p:txBody>
+          <a:bodyPr wrap="square" rtlCol="0">
+            <a:spAutoFit/>
+          </a:bodyPr>
+          <a:lstStyle/>
+          <a:p>
+            <a:pPr algn="ctr"/>
+            <a:r>
+              <a:rPr lang="ko-KR" altLang="en-US" dirty="0" smtClean="0"/>
+              <a:t>빌드 도구</a:t>
+            </a:r>
+            <a:endParaRPr lang="en-US" altLang="ko-KR" dirty="0" smtClean="0"/>
           </a:p>
         </p:txBody>
       </p:sp>
       <p:pic>
         <p:nvPicPr>
-          <p:cNvPr id="7" name="내용 개체 틀 6"/>
+          <p:cNvPr id="12" name="그림 11"/>
           <p:cNvPicPr>
-            <a:picLocks noGrp="1" noChangeAspect="1"/>
+            <a:picLocks noChangeAspect="1"/>
           </p:cNvPicPr>
-          <p:nvPr>
-            <p:ph idx="1"/>
-          </p:nvPr>
+          <p:nvPr/>
         </p:nvPicPr>
         <p:blipFill>
-          <a:blip r:embed="rId2"/>
+          <a:blip r:embed="rId2" cstate="print">
+            <a:extLst>
+              <a:ext uri="{28A0092B-C50C-407E-A947-70E740481C1C}">
+                <a14:useLocalDpi xmlns:a14="http://schemas.microsoft.com/office/drawing/2010/main" val="0"/>
+              </a:ext>
+            </a:extLst>
+          </a:blip>
           <a:stretch>
             <a:fillRect/>
           </a:stretch>
         </p:blipFill>
         <p:spPr>
           <a:xfrm>
-            <a:off x="525780" y="1100485"/>
-            <a:ext cx="11140439" cy="5396170"/>
+            <a:off x="1259565" y="1540103"/>
+            <a:ext cx="1679486" cy="843480"/>
           </a:xfrm>
           <a:prstGeom prst="rect">
             <a:avLst/>
@@ -6500,10 +8574,539 @@
           </a:ln>
         </p:spPr>
       </p:pic>
+      <p:pic>
+        <p:nvPicPr>
+          <p:cNvPr id="13" name="그림 12"/>
+          <p:cNvPicPr>
+            <a:picLocks noChangeAspect="1"/>
+          </p:cNvPicPr>
+          <p:nvPr/>
+        </p:nvPicPr>
+        <p:blipFill>
+          <a:blip r:embed="rId3" cstate="print">
+            <a:extLst>
+              <a:ext uri="{28A0092B-C50C-407E-A947-70E740481C1C}">
+                <a14:useLocalDpi xmlns:a14="http://schemas.microsoft.com/office/drawing/2010/main" val="0"/>
+              </a:ext>
+            </a:extLst>
+          </a:blip>
+          <a:stretch>
+            <a:fillRect/>
+          </a:stretch>
+        </p:blipFill>
+        <p:spPr>
+          <a:xfrm>
+            <a:off x="3054627" y="1538509"/>
+            <a:ext cx="4043128" cy="845074"/>
+          </a:xfrm>
+          <a:prstGeom prst="rect">
+            <a:avLst/>
+          </a:prstGeom>
+          <a:solidFill>
+            <a:schemeClr val="bg1"/>
+          </a:solidFill>
+          <a:ln>
+            <a:solidFill>
+              <a:schemeClr val="accent1"/>
+            </a:solidFill>
+          </a:ln>
+        </p:spPr>
+      </p:pic>
+      <p:pic>
+        <p:nvPicPr>
+          <p:cNvPr id="14" name="그림 13"/>
+          <p:cNvPicPr>
+            <a:picLocks noChangeAspect="1"/>
+          </p:cNvPicPr>
+          <p:nvPr/>
+        </p:nvPicPr>
+        <p:blipFill>
+          <a:blip r:embed="rId4" cstate="print">
+            <a:extLst>
+              <a:ext uri="{28A0092B-C50C-407E-A947-70E740481C1C}">
+                <a14:useLocalDpi xmlns:a14="http://schemas.microsoft.com/office/drawing/2010/main" val="0"/>
+              </a:ext>
+            </a:extLst>
+          </a:blip>
+          <a:stretch>
+            <a:fillRect/>
+          </a:stretch>
+        </p:blipFill>
+        <p:spPr>
+          <a:xfrm>
+            <a:off x="1641949" y="2855072"/>
+            <a:ext cx="1614345" cy="595415"/>
+          </a:xfrm>
+          <a:prstGeom prst="rect">
+            <a:avLst/>
+          </a:prstGeom>
+          <a:solidFill>
+            <a:schemeClr val="bg2"/>
+          </a:solidFill>
+          <a:ln>
+            <a:solidFill>
+              <a:schemeClr val="accent1"/>
+            </a:solidFill>
+          </a:ln>
+        </p:spPr>
+      </p:pic>
+      <p:pic>
+        <p:nvPicPr>
+          <p:cNvPr id="15" name="그림 14"/>
+          <p:cNvPicPr>
+            <a:picLocks noChangeAspect="1"/>
+          </p:cNvPicPr>
+          <p:nvPr/>
+        </p:nvPicPr>
+        <p:blipFill>
+          <a:blip r:embed="rId5" cstate="print">
+            <a:extLst>
+              <a:ext uri="{28A0092B-C50C-407E-A947-70E740481C1C}">
+                <a14:useLocalDpi xmlns:a14="http://schemas.microsoft.com/office/drawing/2010/main" val="0"/>
+              </a:ext>
+            </a:extLst>
+          </a:blip>
+          <a:stretch>
+            <a:fillRect/>
+          </a:stretch>
+        </p:blipFill>
+        <p:spPr>
+          <a:xfrm>
+            <a:off x="3363837" y="2855072"/>
+            <a:ext cx="1415358" cy="589757"/>
+          </a:xfrm>
+          <a:prstGeom prst="rect">
+            <a:avLst/>
+          </a:prstGeom>
+          <a:noFill/>
+          <a:ln>
+            <a:solidFill>
+              <a:schemeClr val="accent1"/>
+            </a:solidFill>
+          </a:ln>
+        </p:spPr>
+      </p:pic>
+      <p:pic>
+        <p:nvPicPr>
+          <p:cNvPr id="16" name="그림 15"/>
+          <p:cNvPicPr>
+            <a:picLocks noChangeAspect="1"/>
+          </p:cNvPicPr>
+          <p:nvPr/>
+        </p:nvPicPr>
+        <p:blipFill>
+          <a:blip r:embed="rId6" cstate="print">
+            <a:extLst>
+              <a:ext uri="{28A0092B-C50C-407E-A947-70E740481C1C}">
+                <a14:useLocalDpi xmlns:a14="http://schemas.microsoft.com/office/drawing/2010/main" val="0"/>
+              </a:ext>
+            </a:extLst>
+          </a:blip>
+          <a:stretch>
+            <a:fillRect/>
+          </a:stretch>
+        </p:blipFill>
+        <p:spPr>
+          <a:xfrm>
+            <a:off x="4733060" y="5052420"/>
+            <a:ext cx="2171217" cy="903596"/>
+          </a:xfrm>
+          <a:prstGeom prst="rect">
+            <a:avLst/>
+          </a:prstGeom>
+          <a:ln>
+            <a:solidFill>
+              <a:schemeClr val="accent1"/>
+            </a:solidFill>
+          </a:ln>
+        </p:spPr>
+      </p:pic>
+      <p:pic>
+        <p:nvPicPr>
+          <p:cNvPr id="17" name="그림 16"/>
+          <p:cNvPicPr>
+            <a:picLocks noChangeAspect="1"/>
+          </p:cNvPicPr>
+          <p:nvPr/>
+        </p:nvPicPr>
+        <p:blipFill>
+          <a:blip r:embed="rId7" cstate="print">
+            <a:extLst>
+              <a:ext uri="{28A0092B-C50C-407E-A947-70E740481C1C}">
+                <a14:useLocalDpi xmlns:a14="http://schemas.microsoft.com/office/drawing/2010/main" val="0"/>
+              </a:ext>
+            </a:extLst>
+          </a:blip>
+          <a:stretch>
+            <a:fillRect/>
+          </a:stretch>
+        </p:blipFill>
+        <p:spPr>
+          <a:xfrm>
+            <a:off x="2099308" y="3993730"/>
+            <a:ext cx="3049236" cy="733116"/>
+          </a:xfrm>
+          <a:prstGeom prst="rect">
+            <a:avLst/>
+          </a:prstGeom>
+          <a:solidFill>
+            <a:schemeClr val="bg1"/>
+          </a:solidFill>
+          <a:ln>
+            <a:solidFill>
+              <a:schemeClr val="accent1"/>
+            </a:solidFill>
+          </a:ln>
+        </p:spPr>
+      </p:pic>
+      <p:pic>
+        <p:nvPicPr>
+          <p:cNvPr id="18" name="그림 17"/>
+          <p:cNvPicPr>
+            <a:picLocks noChangeAspect="1"/>
+          </p:cNvPicPr>
+          <p:nvPr/>
+        </p:nvPicPr>
+        <p:blipFill>
+          <a:blip r:embed="rId8" cstate="print">
+            <a:extLst>
+              <a:ext uri="{28A0092B-C50C-407E-A947-70E740481C1C}">
+                <a14:useLocalDpi xmlns:a14="http://schemas.microsoft.com/office/drawing/2010/main" val="0"/>
+              </a:ext>
+            </a:extLst>
+          </a:blip>
+          <a:stretch>
+            <a:fillRect/>
+          </a:stretch>
+        </p:blipFill>
+        <p:spPr>
+          <a:xfrm>
+            <a:off x="2099308" y="5052420"/>
+            <a:ext cx="2385213" cy="903596"/>
+          </a:xfrm>
+          <a:prstGeom prst="rect">
+            <a:avLst/>
+          </a:prstGeom>
+          <a:solidFill>
+            <a:schemeClr val="bg1"/>
+          </a:solidFill>
+          <a:ln>
+            <a:solidFill>
+              <a:schemeClr val="accent1"/>
+            </a:solidFill>
+          </a:ln>
+        </p:spPr>
+      </p:pic>
+      <p:pic>
+        <p:nvPicPr>
+          <p:cNvPr id="19" name="그림 18"/>
+          <p:cNvPicPr>
+            <a:picLocks noChangeAspect="1"/>
+          </p:cNvPicPr>
+          <p:nvPr/>
+        </p:nvPicPr>
+        <p:blipFill>
+          <a:blip r:embed="rId9" cstate="print">
+            <a:extLst>
+              <a:ext uri="{28A0092B-C50C-407E-A947-70E740481C1C}">
+                <a14:useLocalDpi xmlns:a14="http://schemas.microsoft.com/office/drawing/2010/main" val="0"/>
+              </a:ext>
+            </a:extLst>
+          </a:blip>
+          <a:stretch>
+            <a:fillRect/>
+          </a:stretch>
+        </p:blipFill>
+        <p:spPr>
+          <a:xfrm>
+            <a:off x="7778338" y="4523392"/>
+            <a:ext cx="3462948" cy="1375068"/>
+          </a:xfrm>
+          <a:prstGeom prst="rect">
+            <a:avLst/>
+          </a:prstGeom>
+          <a:solidFill>
+            <a:schemeClr val="accent1">
+              <a:lumMod val="20000"/>
+              <a:lumOff val="80000"/>
+            </a:schemeClr>
+          </a:solidFill>
+          <a:ln>
+            <a:solidFill>
+              <a:schemeClr val="accent1"/>
+            </a:solidFill>
+          </a:ln>
+        </p:spPr>
+      </p:pic>
+      <p:sp>
+        <p:nvSpPr>
+          <p:cNvPr id="23" name="TextBox 22"/>
+          <p:cNvSpPr txBox="1"/>
+          <p:nvPr/>
+        </p:nvSpPr>
+        <p:spPr>
+          <a:xfrm>
+            <a:off x="396655" y="5348833"/>
+            <a:ext cx="1590287" cy="369332"/>
+          </a:xfrm>
+          <a:prstGeom prst="rect">
+            <a:avLst/>
+          </a:prstGeom>
+          <a:solidFill>
+            <a:schemeClr val="accent4">
+              <a:lumMod val="40000"/>
+              <a:lumOff val="60000"/>
+            </a:schemeClr>
+          </a:solidFill>
+        </p:spPr>
+        <p:txBody>
+          <a:bodyPr wrap="square" rtlCol="0">
+            <a:spAutoFit/>
+          </a:bodyPr>
+          <a:lstStyle/>
+          <a:p>
+            <a:pPr algn="ctr"/>
+            <a:r>
+              <a:rPr lang="ko-KR" altLang="en-US" dirty="0" smtClean="0"/>
+              <a:t>프레임 워크</a:t>
+            </a:r>
+            <a:endParaRPr lang="en-US" altLang="ko-KR" dirty="0" smtClean="0"/>
+          </a:p>
+        </p:txBody>
+      </p:sp>
+      <p:sp>
+        <p:nvSpPr>
+          <p:cNvPr id="25" name="TextBox 24"/>
+          <p:cNvSpPr txBox="1"/>
+          <p:nvPr/>
+        </p:nvSpPr>
+        <p:spPr>
+          <a:xfrm>
+            <a:off x="9148040" y="3954667"/>
+            <a:ext cx="652665" cy="369332"/>
+          </a:xfrm>
+          <a:prstGeom prst="rect">
+            <a:avLst/>
+          </a:prstGeom>
+          <a:solidFill>
+            <a:schemeClr val="accent4">
+              <a:lumMod val="40000"/>
+              <a:lumOff val="60000"/>
+            </a:schemeClr>
+          </a:solidFill>
+        </p:spPr>
+        <p:txBody>
+          <a:bodyPr wrap="square" rtlCol="0">
+            <a:spAutoFit/>
+          </a:bodyPr>
+          <a:lstStyle/>
+          <a:p>
+            <a:pPr algn="ctr"/>
+            <a:r>
+              <a:rPr lang="ko-KR" altLang="en-US" dirty="0" smtClean="0"/>
+              <a:t>서버</a:t>
+            </a:r>
+            <a:endParaRPr lang="en-US" altLang="ko-KR" dirty="0" smtClean="0"/>
+          </a:p>
+        </p:txBody>
+      </p:sp>
+      <p:pic>
+        <p:nvPicPr>
+          <p:cNvPr id="3" name="그림 2"/>
+          <p:cNvPicPr>
+            <a:picLocks noChangeAspect="1"/>
+          </p:cNvPicPr>
+          <p:nvPr/>
+        </p:nvPicPr>
+        <p:blipFill>
+          <a:blip r:embed="rId10" cstate="print">
+            <a:extLst>
+              <a:ext uri="{28A0092B-C50C-407E-A947-70E740481C1C}">
+                <a14:useLocalDpi xmlns:a14="http://schemas.microsoft.com/office/drawing/2010/main" val="0"/>
+              </a:ext>
+            </a:extLst>
+          </a:blip>
+          <a:stretch>
+            <a:fillRect/>
+          </a:stretch>
+        </p:blipFill>
+        <p:spPr>
+          <a:xfrm>
+            <a:off x="7432758" y="1532493"/>
+            <a:ext cx="1238028" cy="851090"/>
+          </a:xfrm>
+          <a:prstGeom prst="rect">
+            <a:avLst/>
+          </a:prstGeom>
+          <a:solidFill>
+            <a:schemeClr val="bg2"/>
+          </a:solidFill>
+          <a:ln>
+            <a:solidFill>
+              <a:schemeClr val="accent1"/>
+            </a:solidFill>
+          </a:ln>
+        </p:spPr>
+      </p:pic>
+      <p:sp>
+        <p:nvSpPr>
+          <p:cNvPr id="29" name="직사각형 28"/>
+          <p:cNvSpPr/>
+          <p:nvPr/>
+        </p:nvSpPr>
+        <p:spPr>
+          <a:xfrm>
+            <a:off x="7194324" y="2584966"/>
+            <a:ext cx="4665867" cy="1103613"/>
+          </a:xfrm>
+          <a:prstGeom prst="rect">
+            <a:avLst/>
+          </a:prstGeom>
+          <a:solidFill>
+            <a:schemeClr val="bg1">
+              <a:lumMod val="95000"/>
+            </a:schemeClr>
+          </a:solidFill>
+        </p:spPr>
+        <p:style>
+          <a:lnRef idx="2">
+            <a:schemeClr val="accent1">
+              <a:shade val="50000"/>
+            </a:schemeClr>
+          </a:lnRef>
+          <a:fillRef idx="1">
+            <a:schemeClr val="accent1"/>
+          </a:fillRef>
+          <a:effectRef idx="0">
+            <a:schemeClr val="accent1"/>
+          </a:effectRef>
+          <a:fontRef idx="minor">
+            <a:schemeClr val="lt1"/>
+          </a:fontRef>
+        </p:style>
+        <p:txBody>
+          <a:bodyPr rtlCol="0" anchor="ctr"/>
+          <a:lstStyle/>
+          <a:p>
+            <a:pPr algn="ctr"/>
+            <a:endParaRPr lang="ko-KR" altLang="en-US" dirty="0"/>
+          </a:p>
+        </p:txBody>
+      </p:sp>
+      <p:sp>
+        <p:nvSpPr>
+          <p:cNvPr id="30" name="TextBox 29"/>
+          <p:cNvSpPr txBox="1"/>
+          <p:nvPr/>
+        </p:nvSpPr>
+        <p:spPr>
+          <a:xfrm>
+            <a:off x="8439844" y="2952106"/>
+            <a:ext cx="2163954" cy="369332"/>
+          </a:xfrm>
+          <a:prstGeom prst="rect">
+            <a:avLst/>
+          </a:prstGeom>
+          <a:solidFill>
+            <a:schemeClr val="accent4">
+              <a:lumMod val="40000"/>
+              <a:lumOff val="60000"/>
+            </a:schemeClr>
+          </a:solidFill>
+        </p:spPr>
+        <p:txBody>
+          <a:bodyPr wrap="square" rtlCol="0">
+            <a:spAutoFit/>
+          </a:bodyPr>
+          <a:lstStyle/>
+          <a:p>
+            <a:pPr algn="ctr"/>
+            <a:r>
+              <a:rPr lang="en-US" altLang="ko-KR" dirty="0" smtClean="0"/>
+              <a:t>API : RESTful API</a:t>
+            </a:r>
+          </a:p>
+        </p:txBody>
+      </p:sp>
+      <p:pic>
+        <p:nvPicPr>
+          <p:cNvPr id="5" name="그림 4"/>
+          <p:cNvPicPr>
+            <a:picLocks noChangeAspect="1"/>
+          </p:cNvPicPr>
+          <p:nvPr/>
+        </p:nvPicPr>
+        <p:blipFill>
+          <a:blip r:embed="rId11" cstate="print">
+            <a:extLst>
+              <a:ext uri="{28A0092B-C50C-407E-A947-70E740481C1C}">
+                <a14:useLocalDpi xmlns:a14="http://schemas.microsoft.com/office/drawing/2010/main" val="0"/>
+              </a:ext>
+            </a:extLst>
+          </a:blip>
+          <a:stretch>
+            <a:fillRect/>
+          </a:stretch>
+        </p:blipFill>
+        <p:spPr>
+          <a:xfrm>
+            <a:off x="9148040" y="1532493"/>
+            <a:ext cx="952763" cy="851090"/>
+          </a:xfrm>
+          <a:prstGeom prst="rect">
+            <a:avLst/>
+          </a:prstGeom>
+          <a:solidFill>
+            <a:schemeClr val="bg1">
+              <a:lumMod val="75000"/>
+            </a:schemeClr>
+          </a:solidFill>
+          <a:ln>
+            <a:solidFill>
+              <a:schemeClr val="accent1"/>
+            </a:solidFill>
+          </a:ln>
+        </p:spPr>
+      </p:pic>
+      <p:pic>
+        <p:nvPicPr>
+          <p:cNvPr id="7" name="그림 6"/>
+          <p:cNvPicPr>
+            <a:picLocks noChangeAspect="1"/>
+          </p:cNvPicPr>
+          <p:nvPr/>
+        </p:nvPicPr>
+        <p:blipFill>
+          <a:blip r:embed="rId12" cstate="print">
+            <a:extLst>
+              <a:ext uri="{28A0092B-C50C-407E-A947-70E740481C1C}">
+                <a14:useLocalDpi xmlns:a14="http://schemas.microsoft.com/office/drawing/2010/main" val="0"/>
+              </a:ext>
+            </a:extLst>
+          </a:blip>
+          <a:stretch>
+            <a:fillRect/>
+          </a:stretch>
+        </p:blipFill>
+        <p:spPr>
+          <a:xfrm>
+            <a:off x="5466540" y="2706171"/>
+            <a:ext cx="704256" cy="887558"/>
+          </a:xfrm>
+          <a:prstGeom prst="rect">
+            <a:avLst/>
+          </a:prstGeom>
+          <a:solidFill>
+            <a:schemeClr val="bg1">
+              <a:lumMod val="75000"/>
+            </a:schemeClr>
+          </a:solidFill>
+        </p:spPr>
+      </p:pic>
     </p:spTree>
     <p:extLst>
       <p:ext uri="{BB962C8B-B14F-4D97-AF65-F5344CB8AC3E}">
-        <p14:creationId xmlns:p14="http://schemas.microsoft.com/office/powerpoint/2010/main" val="3245168902"/>
+        <p14:creationId xmlns:p14="http://schemas.microsoft.com/office/powerpoint/2010/main" val="1412665012"/>
       </p:ext>
     </p:extLst>
   </p:cSld>
@@ -6532,92 +9135,6 @@
       </p:grpSpPr>
       <p:sp>
         <p:nvSpPr>
-          <p:cNvPr id="18" name="직사각형 17"/>
-          <p:cNvSpPr/>
-          <p:nvPr/>
-        </p:nvSpPr>
-        <p:spPr>
-          <a:xfrm>
-            <a:off x="86681" y="1200236"/>
-            <a:ext cx="5240848" cy="5391757"/>
-          </a:xfrm>
-          <a:prstGeom prst="rect">
-            <a:avLst/>
-          </a:prstGeom>
-          <a:solidFill>
-            <a:schemeClr val="bg1"/>
-          </a:solidFill>
-        </p:spPr>
-        <p:style>
-          <a:lnRef idx="2">
-            <a:schemeClr val="accent1">
-              <a:shade val="50000"/>
-            </a:schemeClr>
-          </a:lnRef>
-          <a:fillRef idx="1">
-            <a:schemeClr val="accent1"/>
-          </a:fillRef>
-          <a:effectRef idx="0">
-            <a:schemeClr val="accent1"/>
-          </a:effectRef>
-          <a:fontRef idx="minor">
-            <a:schemeClr val="lt1"/>
-          </a:fontRef>
-        </p:style>
-        <p:txBody>
-          <a:bodyPr rtlCol="0" anchor="ctr"/>
-          <a:lstStyle/>
-          <a:p>
-            <a:pPr algn="ctr"/>
-            <a:endParaRPr lang="ko-KR" altLang="en-US"/>
-          </a:p>
-        </p:txBody>
-      </p:sp>
-      <p:sp>
-        <p:nvSpPr>
-          <p:cNvPr id="17" name="직사각형 16"/>
-          <p:cNvSpPr/>
-          <p:nvPr/>
-        </p:nvSpPr>
-        <p:spPr>
-          <a:xfrm>
-            <a:off x="5455433" y="357448"/>
-            <a:ext cx="6658495" cy="6234545"/>
-          </a:xfrm>
-          <a:prstGeom prst="rect">
-            <a:avLst/>
-          </a:prstGeom>
-          <a:solidFill>
-            <a:schemeClr val="bg1"/>
-          </a:solidFill>
-        </p:spPr>
-        <p:style>
-          <a:lnRef idx="2">
-            <a:schemeClr val="accent1">
-              <a:shade val="50000"/>
-            </a:schemeClr>
-          </a:lnRef>
-          <a:fillRef idx="1">
-            <a:schemeClr val="accent1"/>
-          </a:fillRef>
-          <a:effectRef idx="0">
-            <a:schemeClr val="accent1"/>
-          </a:effectRef>
-          <a:fontRef idx="minor">
-            <a:schemeClr val="lt1"/>
-          </a:fontRef>
-        </p:style>
-        <p:txBody>
-          <a:bodyPr rtlCol="0" anchor="ctr"/>
-          <a:lstStyle/>
-          <a:p>
-            <a:pPr algn="ctr"/>
-            <a:endParaRPr lang="ko-KR" altLang="en-US"/>
-          </a:p>
-        </p:txBody>
-      </p:sp>
-      <p:sp>
-        <p:nvSpPr>
           <p:cNvPr id="2" name="제목 1"/>
           <p:cNvSpPr>
             <a:spLocks noGrp="1"/>
@@ -6628,8 +9145,8 @@
         </p:nvSpPr>
         <p:spPr>
           <a:xfrm>
-            <a:off x="542004" y="191190"/>
-            <a:ext cx="4330202" cy="1000732"/>
+            <a:off x="838200" y="99753"/>
+            <a:ext cx="10515600" cy="1000732"/>
           </a:xfrm>
         </p:spPr>
         <p:txBody>
@@ -6639,10 +9156,6 @@
             <a:r>
               <a:rPr lang="ko-KR" altLang="en-US" dirty="0" smtClean="0"/>
               <a:t>메인홈페이지</a:t>
-            </a:r>
-            <a:r>
-              <a:rPr lang="en-US" altLang="ko-KR" dirty="0" smtClean="0"/>
-              <a:t>-2</a:t>
             </a:r>
             <a:endParaRPr lang="ko-KR" altLang="en-US" dirty="0"/>
           </a:p>
@@ -6650,28 +9163,24 @@
       </p:sp>
       <p:pic>
         <p:nvPicPr>
-          <p:cNvPr id="4" name="그림 3"/>
+          <p:cNvPr id="7" name="내용 개체 틀 6"/>
           <p:cNvPicPr>
-            <a:picLocks noChangeAspect="1"/>
+            <a:picLocks noGrp="1" noChangeAspect="1"/>
           </p:cNvPicPr>
-          <p:nvPr/>
+          <p:nvPr>
+            <p:ph idx="1"/>
+          </p:nvPr>
         </p:nvPicPr>
         <p:blipFill>
-          <a:blip r:embed="rId2" cstate="print">
-            <a:extLst>
-              <a:ext uri="{28A0092B-C50C-407E-A947-70E740481C1C}">
-                <a14:useLocalDpi xmlns:a14="http://schemas.microsoft.com/office/drawing/2010/main" val="0"/>
-              </a:ext>
-            </a:extLst>
-          </a:blip>
+          <a:blip r:embed="rId2"/>
           <a:stretch>
             <a:fillRect/>
           </a:stretch>
         </p:blipFill>
         <p:spPr>
           <a:xfrm>
-            <a:off x="214585" y="1487977"/>
-            <a:ext cx="4953817" cy="3065538"/>
+            <a:off x="525780" y="1100485"/>
+            <a:ext cx="11140439" cy="5396170"/>
           </a:xfrm>
           <a:prstGeom prst="rect">
             <a:avLst/>
@@ -6683,255 +9192,10 @@
           </a:ln>
         </p:spPr>
       </p:pic>
-      <p:pic>
-        <p:nvPicPr>
-          <p:cNvPr id="5" name="그림 4"/>
-          <p:cNvPicPr>
-            <a:picLocks noChangeAspect="1"/>
-          </p:cNvPicPr>
-          <p:nvPr/>
-        </p:nvPicPr>
-        <p:blipFill>
-          <a:blip r:embed="rId3">
-            <a:extLst>
-              <a:ext uri="{28A0092B-C50C-407E-A947-70E740481C1C}">
-                <a14:useLocalDpi xmlns:a14="http://schemas.microsoft.com/office/drawing/2010/main" val="0"/>
-              </a:ext>
-            </a:extLst>
-          </a:blip>
-          <a:stretch>
-            <a:fillRect/>
-          </a:stretch>
-        </p:blipFill>
-        <p:spPr>
-          <a:xfrm>
-            <a:off x="5664577" y="556952"/>
-            <a:ext cx="6046907" cy="3065538"/>
-          </a:xfrm>
-          <a:prstGeom prst="rect">
-            <a:avLst/>
-          </a:prstGeom>
-          <a:ln>
-            <a:solidFill>
-              <a:schemeClr val="accent1"/>
-            </a:solidFill>
-          </a:ln>
-        </p:spPr>
-      </p:pic>
-      <p:sp>
-        <p:nvSpPr>
-          <p:cNvPr id="6" name="TextBox 5"/>
-          <p:cNvSpPr txBox="1"/>
-          <p:nvPr/>
-        </p:nvSpPr>
-        <p:spPr>
-          <a:xfrm>
-            <a:off x="160992" y="4829695"/>
-            <a:ext cx="5061001" cy="646331"/>
-          </a:xfrm>
-          <a:prstGeom prst="rect">
-            <a:avLst/>
-          </a:prstGeom>
-          <a:noFill/>
-          <a:ln>
-            <a:solidFill>
-              <a:schemeClr val="accent1"/>
-            </a:solidFill>
-          </a:ln>
-        </p:spPr>
-        <p:txBody>
-          <a:bodyPr wrap="none" rtlCol="0">
-            <a:spAutoFit/>
-          </a:bodyPr>
-          <a:lstStyle/>
-          <a:p>
-            <a:r>
-              <a:rPr lang="ko-KR" altLang="en-US" dirty="0" smtClean="0"/>
-              <a:t>스크롤 기능을 통해 각 과정당 </a:t>
-            </a:r>
-            <a:r>
-              <a:rPr lang="ko-KR" altLang="en-US" dirty="0" err="1" smtClean="0"/>
-              <a:t>미리보기</a:t>
-            </a:r>
-            <a:r>
-              <a:rPr lang="ko-KR" altLang="en-US" dirty="0" smtClean="0"/>
-              <a:t> 강의를</a:t>
-            </a:r>
-            <a:endParaRPr lang="en-US" altLang="ko-KR" dirty="0" smtClean="0"/>
-          </a:p>
-          <a:p>
-            <a:r>
-              <a:rPr lang="ko-KR" altLang="en-US" dirty="0" smtClean="0"/>
-              <a:t>더 찾아 볼 수 있습니다</a:t>
-            </a:r>
-            <a:r>
-              <a:rPr lang="en-US" altLang="ko-KR" dirty="0" smtClean="0"/>
-              <a:t>.</a:t>
-            </a:r>
-            <a:endParaRPr lang="ko-KR" altLang="en-US" dirty="0"/>
-          </a:p>
-        </p:txBody>
-      </p:sp>
-      <p:sp>
-        <p:nvSpPr>
-          <p:cNvPr id="8" name="TextBox 7"/>
-          <p:cNvSpPr txBox="1"/>
-          <p:nvPr/>
-        </p:nvSpPr>
-        <p:spPr>
-          <a:xfrm>
-            <a:off x="5664577" y="3823854"/>
-            <a:ext cx="6147837" cy="646331"/>
-          </a:xfrm>
-          <a:prstGeom prst="rect">
-            <a:avLst/>
-          </a:prstGeom>
-          <a:noFill/>
-          <a:ln>
-            <a:solidFill>
-              <a:schemeClr val="accent1"/>
-            </a:solidFill>
-          </a:ln>
-        </p:spPr>
-        <p:txBody>
-          <a:bodyPr wrap="none" rtlCol="0">
-            <a:spAutoFit/>
-          </a:bodyPr>
-          <a:lstStyle/>
-          <a:p>
-            <a:r>
-              <a:rPr lang="ko-KR" altLang="en-US" dirty="0" smtClean="0"/>
-              <a:t>검색 기능을 통해 특정 키워드가 포함된 강의를 전부 찾을</a:t>
-            </a:r>
-            <a:endParaRPr lang="en-US" altLang="ko-KR" dirty="0" smtClean="0"/>
-          </a:p>
-          <a:p>
-            <a:r>
-              <a:rPr lang="ko-KR" altLang="en-US" dirty="0" smtClean="0"/>
-              <a:t>수 있습니다</a:t>
-            </a:r>
-            <a:r>
-              <a:rPr lang="en-US" altLang="ko-KR" dirty="0" smtClean="0"/>
-              <a:t>.</a:t>
-            </a:r>
-            <a:endParaRPr lang="ko-KR" altLang="en-US" dirty="0"/>
-          </a:p>
-        </p:txBody>
-      </p:sp>
-      <p:pic>
-        <p:nvPicPr>
-          <p:cNvPr id="11" name="그림 10"/>
-          <p:cNvPicPr>
-            <a:picLocks noChangeAspect="1"/>
-          </p:cNvPicPr>
-          <p:nvPr/>
-        </p:nvPicPr>
-        <p:blipFill>
-          <a:blip r:embed="rId4" cstate="print">
-            <a:extLst>
-              <a:ext uri="{28A0092B-C50C-407E-A947-70E740481C1C}">
-                <a14:useLocalDpi xmlns:a14="http://schemas.microsoft.com/office/drawing/2010/main" val="0"/>
-              </a:ext>
-            </a:extLst>
-          </a:blip>
-          <a:stretch>
-            <a:fillRect/>
-          </a:stretch>
-        </p:blipFill>
-        <p:spPr>
-          <a:xfrm>
-            <a:off x="5664577" y="5274829"/>
-            <a:ext cx="2800515" cy="700129"/>
-          </a:xfrm>
-          <a:prstGeom prst="rect">
-            <a:avLst/>
-          </a:prstGeom>
-          <a:ln>
-            <a:solidFill>
-              <a:schemeClr val="accent1"/>
-            </a:solidFill>
-          </a:ln>
-        </p:spPr>
-      </p:pic>
-      <p:pic>
-        <p:nvPicPr>
-          <p:cNvPr id="12" name="그림 11"/>
-          <p:cNvPicPr>
-            <a:picLocks noChangeAspect="1"/>
-          </p:cNvPicPr>
-          <p:nvPr/>
-        </p:nvPicPr>
-        <p:blipFill>
-          <a:blip r:embed="rId5" cstate="print">
-            <a:extLst>
-              <a:ext uri="{28A0092B-C50C-407E-A947-70E740481C1C}">
-                <a14:useLocalDpi xmlns:a14="http://schemas.microsoft.com/office/drawing/2010/main" val="0"/>
-              </a:ext>
-            </a:extLst>
-          </a:blip>
-          <a:stretch>
-            <a:fillRect/>
-          </a:stretch>
-        </p:blipFill>
-        <p:spPr>
-          <a:xfrm>
-            <a:off x="8937744" y="4910963"/>
-            <a:ext cx="2874670" cy="1427863"/>
-          </a:xfrm>
-          <a:prstGeom prst="rect">
-            <a:avLst/>
-          </a:prstGeom>
-          <a:ln>
-            <a:solidFill>
-              <a:schemeClr val="accent1"/>
-            </a:solidFill>
-          </a:ln>
-        </p:spPr>
-      </p:pic>
-      <p:sp>
-        <p:nvSpPr>
-          <p:cNvPr id="15" name="오른쪽 화살표 14"/>
-          <p:cNvSpPr/>
-          <p:nvPr/>
-        </p:nvSpPr>
-        <p:spPr>
-          <a:xfrm>
-            <a:off x="8521866" y="5394961"/>
-            <a:ext cx="373621" cy="438513"/>
-          </a:xfrm>
-          <a:prstGeom prst="rightArrow">
-            <a:avLst/>
-          </a:prstGeom>
-        </p:spPr>
-        <p:style>
-          <a:lnRef idx="2">
-            <a:schemeClr val="accent1">
-              <a:shade val="50000"/>
-            </a:schemeClr>
-          </a:lnRef>
-          <a:fillRef idx="1">
-            <a:schemeClr val="accent1"/>
-          </a:fillRef>
-          <a:effectRef idx="0">
-            <a:schemeClr val="accent1"/>
-          </a:effectRef>
-          <a:fontRef idx="minor">
-            <a:schemeClr val="lt1"/>
-          </a:fontRef>
-        </p:style>
-        <p:txBody>
-          <a:bodyPr rtlCol="0" anchor="ctr"/>
-          <a:lstStyle/>
-          <a:p>
-            <a:pPr algn="ctr"/>
-            <a:endParaRPr lang="ko-KR" altLang="en-US"/>
-          </a:p>
-        </p:txBody>
-      </p:sp>
     </p:spTree>
     <p:extLst>
       <p:ext uri="{BB962C8B-B14F-4D97-AF65-F5344CB8AC3E}">
-        <p14:creationId xmlns:p14="http://schemas.microsoft.com/office/powerpoint/2010/main" val="2098380331"/>
+        <p14:creationId xmlns:p14="http://schemas.microsoft.com/office/powerpoint/2010/main" val="3245168902"/>
       </p:ext>
     </p:extLst>
   </p:cSld>
@@ -6960,19 +9224,21 @@
       </p:grpSpPr>
       <p:sp>
         <p:nvSpPr>
-          <p:cNvPr id="12" name="직사각형 11"/>
+          <p:cNvPr id="18" name="직사각형 17"/>
           <p:cNvSpPr/>
           <p:nvPr/>
         </p:nvSpPr>
         <p:spPr>
           <a:xfrm>
-            <a:off x="66502" y="1837113"/>
-            <a:ext cx="3690851" cy="4056611"/>
-          </a:xfrm>
-          <a:prstGeom prst="rect">
-            <a:avLst/>
-          </a:prstGeom>
-          <a:noFill/>
+            <a:off x="86681" y="1200236"/>
+            <a:ext cx="5240848" cy="5391757"/>
+          </a:xfrm>
+          <a:prstGeom prst="rect">
+            <a:avLst/>
+          </a:prstGeom>
+          <a:solidFill>
+            <a:schemeClr val="bg1"/>
+          </a:solidFill>
         </p:spPr>
         <p:style>
           <a:lnRef idx="2">
@@ -7001,19 +9267,21 @@
       </p:sp>
       <p:sp>
         <p:nvSpPr>
-          <p:cNvPr id="13" name="직사각형 12"/>
+          <p:cNvPr id="17" name="직사각형 16"/>
           <p:cNvSpPr/>
           <p:nvPr/>
         </p:nvSpPr>
         <p:spPr>
           <a:xfrm>
-            <a:off x="3757354" y="1837112"/>
-            <a:ext cx="2535382" cy="4056611"/>
-          </a:xfrm>
-          <a:prstGeom prst="rect">
-            <a:avLst/>
-          </a:prstGeom>
-          <a:noFill/>
+            <a:off x="5455433" y="357448"/>
+            <a:ext cx="6658495" cy="6234545"/>
+          </a:xfrm>
+          <a:prstGeom prst="rect">
+            <a:avLst/>
+          </a:prstGeom>
+          <a:solidFill>
+            <a:schemeClr val="bg1"/>
+          </a:solidFill>
         </p:spPr>
         <p:style>
           <a:lnRef idx="2">
@@ -7042,19 +9310,290 @@
       </p:sp>
       <p:sp>
         <p:nvSpPr>
-          <p:cNvPr id="14" name="직사각형 13"/>
+          <p:cNvPr id="2" name="제목 1"/>
+          <p:cNvSpPr>
+            <a:spLocks noGrp="1"/>
+          </p:cNvSpPr>
+          <p:nvPr>
+            <p:ph type="title"/>
+          </p:nvPr>
+        </p:nvSpPr>
+        <p:spPr>
+          <a:xfrm>
+            <a:off x="542004" y="191190"/>
+            <a:ext cx="4330202" cy="1000732"/>
+          </a:xfrm>
+        </p:spPr>
+        <p:txBody>
+          <a:bodyPr/>
+          <a:lstStyle/>
+          <a:p>
+            <a:r>
+              <a:rPr lang="ko-KR" altLang="en-US" dirty="0" smtClean="0"/>
+              <a:t>메인홈페이지</a:t>
+            </a:r>
+            <a:r>
+              <a:rPr lang="en-US" altLang="ko-KR" dirty="0" smtClean="0"/>
+              <a:t>-2</a:t>
+            </a:r>
+            <a:endParaRPr lang="ko-KR" altLang="en-US" dirty="0"/>
+          </a:p>
+        </p:txBody>
+      </p:sp>
+      <p:pic>
+        <p:nvPicPr>
+          <p:cNvPr id="4" name="그림 3"/>
+          <p:cNvPicPr>
+            <a:picLocks noChangeAspect="1"/>
+          </p:cNvPicPr>
+          <p:nvPr/>
+        </p:nvPicPr>
+        <p:blipFill>
+          <a:blip r:embed="rId2" cstate="print">
+            <a:extLst>
+              <a:ext uri="{28A0092B-C50C-407E-A947-70E740481C1C}">
+                <a14:useLocalDpi xmlns:a14="http://schemas.microsoft.com/office/drawing/2010/main" val="0"/>
+              </a:ext>
+            </a:extLst>
+          </a:blip>
+          <a:stretch>
+            <a:fillRect/>
+          </a:stretch>
+        </p:blipFill>
+        <p:spPr>
+          <a:xfrm>
+            <a:off x="214585" y="1487977"/>
+            <a:ext cx="4953817" cy="3065538"/>
+          </a:xfrm>
+          <a:prstGeom prst="rect">
+            <a:avLst/>
+          </a:prstGeom>
+          <a:ln>
+            <a:solidFill>
+              <a:schemeClr val="accent1"/>
+            </a:solidFill>
+          </a:ln>
+        </p:spPr>
+      </p:pic>
+      <p:pic>
+        <p:nvPicPr>
+          <p:cNvPr id="5" name="그림 4"/>
+          <p:cNvPicPr>
+            <a:picLocks noChangeAspect="1"/>
+          </p:cNvPicPr>
+          <p:nvPr/>
+        </p:nvPicPr>
+        <p:blipFill>
+          <a:blip r:embed="rId3">
+            <a:extLst>
+              <a:ext uri="{28A0092B-C50C-407E-A947-70E740481C1C}">
+                <a14:useLocalDpi xmlns:a14="http://schemas.microsoft.com/office/drawing/2010/main" val="0"/>
+              </a:ext>
+            </a:extLst>
+          </a:blip>
+          <a:stretch>
+            <a:fillRect/>
+          </a:stretch>
+        </p:blipFill>
+        <p:spPr>
+          <a:xfrm>
+            <a:off x="5664577" y="556952"/>
+            <a:ext cx="6046907" cy="3065538"/>
+          </a:xfrm>
+          <a:prstGeom prst="rect">
+            <a:avLst/>
+          </a:prstGeom>
+          <a:ln>
+            <a:solidFill>
+              <a:schemeClr val="accent1"/>
+            </a:solidFill>
+          </a:ln>
+        </p:spPr>
+      </p:pic>
+      <p:sp>
+        <p:nvSpPr>
+          <p:cNvPr id="6" name="TextBox 5"/>
+          <p:cNvSpPr txBox="1"/>
+          <p:nvPr/>
+        </p:nvSpPr>
+        <p:spPr>
+          <a:xfrm>
+            <a:off x="160992" y="4829695"/>
+            <a:ext cx="5061001" cy="646331"/>
+          </a:xfrm>
+          <a:prstGeom prst="rect">
+            <a:avLst/>
+          </a:prstGeom>
+          <a:noFill/>
+          <a:ln>
+            <a:solidFill>
+              <a:schemeClr val="accent1"/>
+            </a:solidFill>
+          </a:ln>
+        </p:spPr>
+        <p:txBody>
+          <a:bodyPr wrap="none" rtlCol="0">
+            <a:spAutoFit/>
+          </a:bodyPr>
+          <a:lstStyle/>
+          <a:p>
+            <a:r>
+              <a:rPr lang="ko-KR" altLang="en-US" dirty="0" smtClean="0"/>
+              <a:t>스크롤 기능을 통해 각 과정당 </a:t>
+            </a:r>
+            <a:r>
+              <a:rPr lang="ko-KR" altLang="en-US" dirty="0" err="1" smtClean="0"/>
+              <a:t>미리보기</a:t>
+            </a:r>
+            <a:r>
+              <a:rPr lang="ko-KR" altLang="en-US" dirty="0" smtClean="0"/>
+              <a:t> 강의를</a:t>
+            </a:r>
+            <a:endParaRPr lang="en-US" altLang="ko-KR" dirty="0" smtClean="0"/>
+          </a:p>
+          <a:p>
+            <a:r>
+              <a:rPr lang="ko-KR" altLang="en-US" dirty="0" smtClean="0"/>
+              <a:t>더 찾아 볼 수 있습니다</a:t>
+            </a:r>
+            <a:r>
+              <a:rPr lang="en-US" altLang="ko-KR" dirty="0" smtClean="0"/>
+              <a:t>.</a:t>
+            </a:r>
+            <a:endParaRPr lang="ko-KR" altLang="en-US" dirty="0"/>
+          </a:p>
+        </p:txBody>
+      </p:sp>
+      <p:sp>
+        <p:nvSpPr>
+          <p:cNvPr id="8" name="TextBox 7"/>
+          <p:cNvSpPr txBox="1"/>
+          <p:nvPr/>
+        </p:nvSpPr>
+        <p:spPr>
+          <a:xfrm>
+            <a:off x="5664577" y="3823854"/>
+            <a:ext cx="6147837" cy="646331"/>
+          </a:xfrm>
+          <a:prstGeom prst="rect">
+            <a:avLst/>
+          </a:prstGeom>
+          <a:noFill/>
+          <a:ln>
+            <a:solidFill>
+              <a:schemeClr val="accent1"/>
+            </a:solidFill>
+          </a:ln>
+        </p:spPr>
+        <p:txBody>
+          <a:bodyPr wrap="none" rtlCol="0">
+            <a:spAutoFit/>
+          </a:bodyPr>
+          <a:lstStyle/>
+          <a:p>
+            <a:r>
+              <a:rPr lang="ko-KR" altLang="en-US" dirty="0" smtClean="0"/>
+              <a:t>검색 기능을 통해 특정 키워드가 포함된 강의를 전부 찾을</a:t>
+            </a:r>
+            <a:endParaRPr lang="en-US" altLang="ko-KR" dirty="0" smtClean="0"/>
+          </a:p>
+          <a:p>
+            <a:r>
+              <a:rPr lang="ko-KR" altLang="en-US" dirty="0" smtClean="0"/>
+              <a:t>수 있습니다</a:t>
+            </a:r>
+            <a:r>
+              <a:rPr lang="en-US" altLang="ko-KR" dirty="0" smtClean="0"/>
+              <a:t>.</a:t>
+            </a:r>
+            <a:endParaRPr lang="ko-KR" altLang="en-US" dirty="0"/>
+          </a:p>
+        </p:txBody>
+      </p:sp>
+      <p:pic>
+        <p:nvPicPr>
+          <p:cNvPr id="11" name="그림 10"/>
+          <p:cNvPicPr>
+            <a:picLocks noChangeAspect="1"/>
+          </p:cNvPicPr>
+          <p:nvPr/>
+        </p:nvPicPr>
+        <p:blipFill>
+          <a:blip r:embed="rId4" cstate="print">
+            <a:extLst>
+              <a:ext uri="{28A0092B-C50C-407E-A947-70E740481C1C}">
+                <a14:useLocalDpi xmlns:a14="http://schemas.microsoft.com/office/drawing/2010/main" val="0"/>
+              </a:ext>
+            </a:extLst>
+          </a:blip>
+          <a:stretch>
+            <a:fillRect/>
+          </a:stretch>
+        </p:blipFill>
+        <p:spPr>
+          <a:xfrm>
+            <a:off x="5664577" y="5274829"/>
+            <a:ext cx="2800515" cy="700129"/>
+          </a:xfrm>
+          <a:prstGeom prst="rect">
+            <a:avLst/>
+          </a:prstGeom>
+          <a:ln>
+            <a:solidFill>
+              <a:schemeClr val="accent1"/>
+            </a:solidFill>
+          </a:ln>
+        </p:spPr>
+      </p:pic>
+      <p:pic>
+        <p:nvPicPr>
+          <p:cNvPr id="12" name="그림 11"/>
+          <p:cNvPicPr>
+            <a:picLocks noChangeAspect="1"/>
+          </p:cNvPicPr>
+          <p:nvPr/>
+        </p:nvPicPr>
+        <p:blipFill>
+          <a:blip r:embed="rId5" cstate="print">
+            <a:extLst>
+              <a:ext uri="{28A0092B-C50C-407E-A947-70E740481C1C}">
+                <a14:useLocalDpi xmlns:a14="http://schemas.microsoft.com/office/drawing/2010/main" val="0"/>
+              </a:ext>
+            </a:extLst>
+          </a:blip>
+          <a:stretch>
+            <a:fillRect/>
+          </a:stretch>
+        </p:blipFill>
+        <p:spPr>
+          <a:xfrm>
+            <a:off x="8937744" y="4910963"/>
+            <a:ext cx="2874670" cy="1427863"/>
+          </a:xfrm>
+          <a:prstGeom prst="rect">
+            <a:avLst/>
+          </a:prstGeom>
+          <a:ln>
+            <a:solidFill>
+              <a:schemeClr val="accent1"/>
+            </a:solidFill>
+          </a:ln>
+        </p:spPr>
+      </p:pic>
+      <p:sp>
+        <p:nvSpPr>
+          <p:cNvPr id="15" name="오른쪽 화살표 14"/>
           <p:cNvSpPr/>
           <p:nvPr/>
         </p:nvSpPr>
         <p:spPr>
           <a:xfrm>
-            <a:off x="6292735" y="1837111"/>
-            <a:ext cx="5835534" cy="4056611"/>
-          </a:xfrm>
-          <a:prstGeom prst="rect">
-            <a:avLst/>
-          </a:prstGeom>
-          <a:noFill/>
+            <a:off x="8521866" y="5394961"/>
+            <a:ext cx="373621" cy="438513"/>
+          </a:xfrm>
+          <a:prstGeom prst="rightArrow">
+            <a:avLst/>
+          </a:prstGeom>
         </p:spPr>
         <p:style>
           <a:lnRef idx="2">
@@ -7081,213 +9620,10 @@
           </a:p>
         </p:txBody>
       </p:sp>
-      <p:sp>
-        <p:nvSpPr>
-          <p:cNvPr id="2" name="제목 1"/>
-          <p:cNvSpPr>
-            <a:spLocks noGrp="1"/>
-          </p:cNvSpPr>
-          <p:nvPr>
-            <p:ph type="title"/>
-          </p:nvPr>
-        </p:nvSpPr>
-        <p:spPr/>
-        <p:txBody>
-          <a:bodyPr/>
-          <a:lstStyle/>
-          <a:p>
-            <a:r>
-              <a:rPr lang="ko-KR" altLang="en-US" dirty="0" smtClean="0"/>
-              <a:t>로그인 페이지</a:t>
-            </a:r>
-            <a:endParaRPr lang="ko-KR" altLang="en-US" dirty="0"/>
-          </a:p>
-        </p:txBody>
-      </p:sp>
-      <p:pic>
-        <p:nvPicPr>
-          <p:cNvPr id="5" name="내용 개체 틀 4"/>
-          <p:cNvPicPr>
-            <a:picLocks noGrp="1" noChangeAspect="1"/>
-          </p:cNvPicPr>
-          <p:nvPr>
-            <p:ph idx="1"/>
-          </p:nvPr>
-        </p:nvPicPr>
-        <p:blipFill>
-          <a:blip r:embed="rId2"/>
-          <a:stretch>
-            <a:fillRect/>
-          </a:stretch>
-        </p:blipFill>
-        <p:spPr>
-          <a:xfrm>
-            <a:off x="198121" y="2131262"/>
-            <a:ext cx="3458546" cy="3180570"/>
-          </a:xfrm>
-          <a:prstGeom prst="rect">
-            <a:avLst/>
-          </a:prstGeom>
-        </p:spPr>
-      </p:pic>
-      <p:pic>
-        <p:nvPicPr>
-          <p:cNvPr id="3" name="그림 2"/>
-          <p:cNvPicPr>
-            <a:picLocks noChangeAspect="1"/>
-          </p:cNvPicPr>
-          <p:nvPr/>
-        </p:nvPicPr>
-        <p:blipFill>
-          <a:blip r:embed="rId3">
-            <a:extLst>
-              <a:ext uri="{28A0092B-C50C-407E-A947-70E740481C1C}">
-                <a14:useLocalDpi xmlns:a14="http://schemas.microsoft.com/office/drawing/2010/main" val="0"/>
-              </a:ext>
-            </a:extLst>
-          </a:blip>
-          <a:stretch>
-            <a:fillRect/>
-          </a:stretch>
-        </p:blipFill>
-        <p:spPr>
-          <a:xfrm>
-            <a:off x="6417377" y="2621591"/>
-            <a:ext cx="5370070" cy="365745"/>
-          </a:xfrm>
-          <a:prstGeom prst="rect">
-            <a:avLst/>
-          </a:prstGeom>
-        </p:spPr>
-      </p:pic>
-      <p:pic>
-        <p:nvPicPr>
-          <p:cNvPr id="4" name="그림 3"/>
-          <p:cNvPicPr>
-            <a:picLocks noChangeAspect="1"/>
-          </p:cNvPicPr>
-          <p:nvPr/>
-        </p:nvPicPr>
-        <p:blipFill>
-          <a:blip r:embed="rId4">
-            <a:extLst>
-              <a:ext uri="{28A0092B-C50C-407E-A947-70E740481C1C}">
-                <a14:useLocalDpi xmlns:a14="http://schemas.microsoft.com/office/drawing/2010/main" val="0"/>
-              </a:ext>
-            </a:extLst>
-          </a:blip>
-          <a:stretch>
-            <a:fillRect/>
-          </a:stretch>
-        </p:blipFill>
-        <p:spPr>
-          <a:xfrm>
-            <a:off x="6417376" y="4249054"/>
-            <a:ext cx="5370070" cy="848423"/>
-          </a:xfrm>
-          <a:prstGeom prst="rect">
-            <a:avLst/>
-          </a:prstGeom>
-        </p:spPr>
-      </p:pic>
-      <p:sp>
-        <p:nvSpPr>
-          <p:cNvPr id="8" name="TextBox 7"/>
-          <p:cNvSpPr txBox="1"/>
-          <p:nvPr/>
-        </p:nvSpPr>
-        <p:spPr>
-          <a:xfrm>
-            <a:off x="6417376" y="2131262"/>
-            <a:ext cx="2507418" cy="369332"/>
-          </a:xfrm>
-          <a:prstGeom prst="rect">
-            <a:avLst/>
-          </a:prstGeom>
-          <a:noFill/>
-        </p:spPr>
-        <p:txBody>
-          <a:bodyPr wrap="none" rtlCol="0">
-            <a:spAutoFit/>
-          </a:bodyPr>
-          <a:lstStyle/>
-          <a:p>
-            <a:r>
-              <a:rPr lang="ko-KR" altLang="en-US" dirty="0" smtClean="0"/>
-              <a:t>로그인 성공 시 </a:t>
-            </a:r>
-            <a:r>
-              <a:rPr lang="ko-KR" altLang="en-US" dirty="0" err="1" smtClean="0"/>
-              <a:t>상단바</a:t>
-            </a:r>
-            <a:endParaRPr lang="ko-KR" altLang="en-US" dirty="0"/>
-          </a:p>
-        </p:txBody>
-      </p:sp>
-      <p:sp>
-        <p:nvSpPr>
-          <p:cNvPr id="9" name="TextBox 8"/>
-          <p:cNvSpPr txBox="1"/>
-          <p:nvPr/>
-        </p:nvSpPr>
-        <p:spPr>
-          <a:xfrm>
-            <a:off x="6417240" y="3694342"/>
-            <a:ext cx="2194832" cy="369332"/>
-          </a:xfrm>
-          <a:prstGeom prst="rect">
-            <a:avLst/>
-          </a:prstGeom>
-          <a:noFill/>
-        </p:spPr>
-        <p:txBody>
-          <a:bodyPr wrap="none" rtlCol="0">
-            <a:spAutoFit/>
-          </a:bodyPr>
-          <a:lstStyle/>
-          <a:p>
-            <a:r>
-              <a:rPr lang="ko-KR" altLang="en-US" dirty="0" smtClean="0"/>
-              <a:t>로그아웃 기능 포함</a:t>
-            </a:r>
-            <a:endParaRPr lang="ko-KR" altLang="en-US" dirty="0"/>
-          </a:p>
-        </p:txBody>
-      </p:sp>
-      <p:pic>
-        <p:nvPicPr>
-          <p:cNvPr id="11" name="그림 10"/>
-          <p:cNvPicPr>
-            <a:picLocks noChangeAspect="1"/>
-          </p:cNvPicPr>
-          <p:nvPr/>
-        </p:nvPicPr>
-        <p:blipFill>
-          <a:blip r:embed="rId5">
-            <a:extLst>
-              <a:ext uri="{28A0092B-C50C-407E-A947-70E740481C1C}">
-                <a14:useLocalDpi xmlns:a14="http://schemas.microsoft.com/office/drawing/2010/main" val="0"/>
-              </a:ext>
-            </a:extLst>
-          </a:blip>
-          <a:stretch>
-            <a:fillRect/>
-          </a:stretch>
-        </p:blipFill>
-        <p:spPr>
-          <a:xfrm>
-            <a:off x="3882946" y="2131262"/>
-            <a:ext cx="2308152" cy="3495493"/>
-          </a:xfrm>
-          <a:prstGeom prst="rect">
-            <a:avLst/>
-          </a:prstGeom>
-        </p:spPr>
-      </p:pic>
     </p:spTree>
     <p:extLst>
       <p:ext uri="{BB962C8B-B14F-4D97-AF65-F5344CB8AC3E}">
-        <p14:creationId xmlns:p14="http://schemas.microsoft.com/office/powerpoint/2010/main" val="4030228246"/>
+        <p14:creationId xmlns:p14="http://schemas.microsoft.com/office/powerpoint/2010/main" val="2098380331"/>
       </p:ext>
     </p:extLst>
   </p:cSld>
@@ -7316,6 +9652,129 @@
       </p:grpSpPr>
       <p:sp>
         <p:nvSpPr>
+          <p:cNvPr id="12" name="직사각형 11"/>
+          <p:cNvSpPr/>
+          <p:nvPr/>
+        </p:nvSpPr>
+        <p:spPr>
+          <a:xfrm>
+            <a:off x="66502" y="1837113"/>
+            <a:ext cx="3690851" cy="4056611"/>
+          </a:xfrm>
+          <a:prstGeom prst="rect">
+            <a:avLst/>
+          </a:prstGeom>
+          <a:noFill/>
+        </p:spPr>
+        <p:style>
+          <a:lnRef idx="2">
+            <a:schemeClr val="accent1">
+              <a:shade val="50000"/>
+            </a:schemeClr>
+          </a:lnRef>
+          <a:fillRef idx="1">
+            <a:schemeClr val="accent1"/>
+          </a:fillRef>
+          <a:effectRef idx="0">
+            <a:schemeClr val="accent1"/>
+          </a:effectRef>
+          <a:fontRef idx="minor">
+            <a:schemeClr val="lt1"/>
+          </a:fontRef>
+        </p:style>
+        <p:txBody>
+          <a:bodyPr rtlCol="0" anchor="ctr"/>
+          <a:lstStyle/>
+          <a:p>
+            <a:pPr algn="ctr"/>
+            <a:endParaRPr lang="ko-KR" altLang="en-US"/>
+          </a:p>
+        </p:txBody>
+      </p:sp>
+      <p:sp>
+        <p:nvSpPr>
+          <p:cNvPr id="13" name="직사각형 12"/>
+          <p:cNvSpPr/>
+          <p:nvPr/>
+        </p:nvSpPr>
+        <p:spPr>
+          <a:xfrm>
+            <a:off x="3757354" y="1837112"/>
+            <a:ext cx="2535382" cy="4056611"/>
+          </a:xfrm>
+          <a:prstGeom prst="rect">
+            <a:avLst/>
+          </a:prstGeom>
+          <a:noFill/>
+        </p:spPr>
+        <p:style>
+          <a:lnRef idx="2">
+            <a:schemeClr val="accent1">
+              <a:shade val="50000"/>
+            </a:schemeClr>
+          </a:lnRef>
+          <a:fillRef idx="1">
+            <a:schemeClr val="accent1"/>
+          </a:fillRef>
+          <a:effectRef idx="0">
+            <a:schemeClr val="accent1"/>
+          </a:effectRef>
+          <a:fontRef idx="minor">
+            <a:schemeClr val="lt1"/>
+          </a:fontRef>
+        </p:style>
+        <p:txBody>
+          <a:bodyPr rtlCol="0" anchor="ctr"/>
+          <a:lstStyle/>
+          <a:p>
+            <a:pPr algn="ctr"/>
+            <a:endParaRPr lang="ko-KR" altLang="en-US"/>
+          </a:p>
+        </p:txBody>
+      </p:sp>
+      <p:sp>
+        <p:nvSpPr>
+          <p:cNvPr id="14" name="직사각형 13"/>
+          <p:cNvSpPr/>
+          <p:nvPr/>
+        </p:nvSpPr>
+        <p:spPr>
+          <a:xfrm>
+            <a:off x="6292735" y="1837111"/>
+            <a:ext cx="5835534" cy="4056611"/>
+          </a:xfrm>
+          <a:prstGeom prst="rect">
+            <a:avLst/>
+          </a:prstGeom>
+          <a:noFill/>
+        </p:spPr>
+        <p:style>
+          <a:lnRef idx="2">
+            <a:schemeClr val="accent1">
+              <a:shade val="50000"/>
+            </a:schemeClr>
+          </a:lnRef>
+          <a:fillRef idx="1">
+            <a:schemeClr val="accent1"/>
+          </a:fillRef>
+          <a:effectRef idx="0">
+            <a:schemeClr val="accent1"/>
+          </a:effectRef>
+          <a:fontRef idx="minor">
+            <a:schemeClr val="lt1"/>
+          </a:fontRef>
+        </p:style>
+        <p:txBody>
+          <a:bodyPr rtlCol="0" anchor="ctr"/>
+          <a:lstStyle/>
+          <a:p>
+            <a:pPr algn="ctr"/>
+            <a:endParaRPr lang="ko-KR" altLang="en-US"/>
+          </a:p>
+        </p:txBody>
+      </p:sp>
+      <p:sp>
+        <p:nvSpPr>
           <p:cNvPr id="2" name="제목 1"/>
           <p:cNvSpPr>
             <a:spLocks noGrp="1"/>
@@ -7331,7 +9790,7 @@
           <a:p>
             <a:r>
               <a:rPr lang="ko-KR" altLang="en-US" dirty="0" smtClean="0"/>
-              <a:t>회원가입 페이지</a:t>
+              <a:t>로그인 페이지</a:t>
             </a:r>
             <a:endParaRPr lang="ko-KR" altLang="en-US" dirty="0"/>
           </a:p>
@@ -7339,7 +9798,7 @@
       </p:sp>
       <p:pic>
         <p:nvPicPr>
-          <p:cNvPr id="4" name="내용 개체 틀 3"/>
+          <p:cNvPr id="5" name="내용 개체 틀 4"/>
           <p:cNvPicPr>
             <a:picLocks noGrp="1" noChangeAspect="1"/>
           </p:cNvPicPr>
@@ -7355,25 +9814,172 @@
         </p:blipFill>
         <p:spPr>
           <a:xfrm>
-            <a:off x="912090" y="1829233"/>
-            <a:ext cx="3000727" cy="4351338"/>
+            <a:off x="198121" y="2131262"/>
+            <a:ext cx="3458546" cy="3180570"/>
+          </a:xfrm>
+          <a:prstGeom prst="rect">
+            <a:avLst/>
+          </a:prstGeom>
+        </p:spPr>
+      </p:pic>
+      <p:pic>
+        <p:nvPicPr>
+          <p:cNvPr id="3" name="그림 2"/>
+          <p:cNvPicPr>
+            <a:picLocks noChangeAspect="1"/>
+          </p:cNvPicPr>
+          <p:nvPr/>
+        </p:nvPicPr>
+        <p:blipFill>
+          <a:blip r:embed="rId3">
+            <a:extLst>
+              <a:ext uri="{28A0092B-C50C-407E-A947-70E740481C1C}">
+                <a14:useLocalDpi xmlns:a14="http://schemas.microsoft.com/office/drawing/2010/main" val="0"/>
+              </a:ext>
+            </a:extLst>
+          </a:blip>
+          <a:stretch>
+            <a:fillRect/>
+          </a:stretch>
+        </p:blipFill>
+        <p:spPr>
+          <a:xfrm>
+            <a:off x="6417377" y="2621591"/>
+            <a:ext cx="5370070" cy="365745"/>
+          </a:xfrm>
+          <a:prstGeom prst="rect">
+            <a:avLst/>
+          </a:prstGeom>
+        </p:spPr>
+      </p:pic>
+      <p:pic>
+        <p:nvPicPr>
+          <p:cNvPr id="4" name="그림 3"/>
+          <p:cNvPicPr>
+            <a:picLocks noChangeAspect="1"/>
+          </p:cNvPicPr>
+          <p:nvPr/>
+        </p:nvPicPr>
+        <p:blipFill>
+          <a:blip r:embed="rId4">
+            <a:extLst>
+              <a:ext uri="{28A0092B-C50C-407E-A947-70E740481C1C}">
+                <a14:useLocalDpi xmlns:a14="http://schemas.microsoft.com/office/drawing/2010/main" val="0"/>
+              </a:ext>
+            </a:extLst>
+          </a:blip>
+          <a:stretch>
+            <a:fillRect/>
+          </a:stretch>
+        </p:blipFill>
+        <p:spPr>
+          <a:xfrm>
+            <a:off x="6417376" y="4249054"/>
+            <a:ext cx="5370070" cy="848423"/>
+          </a:xfrm>
+          <a:prstGeom prst="rect">
+            <a:avLst/>
+          </a:prstGeom>
+        </p:spPr>
+      </p:pic>
+      <p:sp>
+        <p:nvSpPr>
+          <p:cNvPr id="8" name="TextBox 7"/>
+          <p:cNvSpPr txBox="1"/>
+          <p:nvPr/>
+        </p:nvSpPr>
+        <p:spPr>
+          <a:xfrm>
+            <a:off x="6417376" y="2131262"/>
+            <a:ext cx="2507418" cy="369332"/>
           </a:xfrm>
           <a:prstGeom prst="rect">
             <a:avLst/>
           </a:prstGeom>
           <a:noFill/>
-          <a:ln w="9525">
-            <a:noFill/>
-          </a:ln>
-          <a:effectLst>
-            <a:softEdge rad="63500"/>
-          </a:effectLst>
+        </p:spPr>
+        <p:txBody>
+          <a:bodyPr wrap="none" rtlCol="0">
+            <a:spAutoFit/>
+          </a:bodyPr>
+          <a:lstStyle/>
+          <a:p>
+            <a:r>
+              <a:rPr lang="ko-KR" altLang="en-US" dirty="0" smtClean="0"/>
+              <a:t>로그인 성공 시 </a:t>
+            </a:r>
+            <a:r>
+              <a:rPr lang="ko-KR" altLang="en-US" dirty="0" err="1" smtClean="0"/>
+              <a:t>상단바</a:t>
+            </a:r>
+            <a:endParaRPr lang="ko-KR" altLang="en-US" dirty="0"/>
+          </a:p>
+        </p:txBody>
+      </p:sp>
+      <p:sp>
+        <p:nvSpPr>
+          <p:cNvPr id="9" name="TextBox 8"/>
+          <p:cNvSpPr txBox="1"/>
+          <p:nvPr/>
+        </p:nvSpPr>
+        <p:spPr>
+          <a:xfrm>
+            <a:off x="6417240" y="3694342"/>
+            <a:ext cx="2194832" cy="369332"/>
+          </a:xfrm>
+          <a:prstGeom prst="rect">
+            <a:avLst/>
+          </a:prstGeom>
+          <a:noFill/>
+        </p:spPr>
+        <p:txBody>
+          <a:bodyPr wrap="none" rtlCol="0">
+            <a:spAutoFit/>
+          </a:bodyPr>
+          <a:lstStyle/>
+          <a:p>
+            <a:r>
+              <a:rPr lang="ko-KR" altLang="en-US" dirty="0" smtClean="0"/>
+              <a:t>로그아웃 기능 포함</a:t>
+            </a:r>
+            <a:endParaRPr lang="ko-KR" altLang="en-US" dirty="0"/>
+          </a:p>
+        </p:txBody>
+      </p:sp>
+      <p:pic>
+        <p:nvPicPr>
+          <p:cNvPr id="11" name="그림 10"/>
+          <p:cNvPicPr>
+            <a:picLocks noChangeAspect="1"/>
+          </p:cNvPicPr>
+          <p:nvPr/>
+        </p:nvPicPr>
+        <p:blipFill>
+          <a:blip r:embed="rId5">
+            <a:extLst>
+              <a:ext uri="{28A0092B-C50C-407E-A947-70E740481C1C}">
+                <a14:useLocalDpi xmlns:a14="http://schemas.microsoft.com/office/drawing/2010/main" val="0"/>
+              </a:ext>
+            </a:extLst>
+          </a:blip>
+          <a:stretch>
+            <a:fillRect/>
+          </a:stretch>
+        </p:blipFill>
+        <p:spPr>
+          <a:xfrm>
+            <a:off x="3882946" y="2131262"/>
+            <a:ext cx="2308152" cy="3495493"/>
+          </a:xfrm>
+          <a:prstGeom prst="rect">
+            <a:avLst/>
+          </a:prstGeom>
         </p:spPr>
       </p:pic>
     </p:spTree>
     <p:extLst>
       <p:ext uri="{BB962C8B-B14F-4D97-AF65-F5344CB8AC3E}">
-        <p14:creationId xmlns:p14="http://schemas.microsoft.com/office/powerpoint/2010/main" val="4227334908"/>
+        <p14:creationId xmlns:p14="http://schemas.microsoft.com/office/powerpoint/2010/main" val="4030228246"/>
       </p:ext>
     </p:extLst>
   </p:cSld>

--- a/1조 project 포트폴리오(이력서용).pptx
+++ b/1조 project 포트폴리오(이력서용).pptx
@@ -11,24 +11,27 @@
     <p:sldId id="266" r:id="rId5"/>
     <p:sldId id="279" r:id="rId6"/>
     <p:sldId id="269" r:id="rId7"/>
-    <p:sldId id="257" r:id="rId8"/>
-    <p:sldId id="272" r:id="rId9"/>
-    <p:sldId id="258" r:id="rId10"/>
-    <p:sldId id="259" r:id="rId11"/>
-    <p:sldId id="260" r:id="rId12"/>
-    <p:sldId id="270" r:id="rId13"/>
-    <p:sldId id="271" r:id="rId14"/>
-    <p:sldId id="261" r:id="rId15"/>
-    <p:sldId id="274" r:id="rId16"/>
-    <p:sldId id="268" r:id="rId17"/>
-    <p:sldId id="273" r:id="rId18"/>
-    <p:sldId id="275" r:id="rId19"/>
-    <p:sldId id="277" r:id="rId20"/>
-    <p:sldId id="276" r:id="rId21"/>
-    <p:sldId id="278" r:id="rId22"/>
-    <p:sldId id="262" r:id="rId23"/>
-    <p:sldId id="263" r:id="rId24"/>
-    <p:sldId id="267" r:id="rId25"/>
+    <p:sldId id="280" r:id="rId8"/>
+    <p:sldId id="281" r:id="rId9"/>
+    <p:sldId id="257" r:id="rId10"/>
+    <p:sldId id="272" r:id="rId11"/>
+    <p:sldId id="282" r:id="rId12"/>
+    <p:sldId id="283" r:id="rId13"/>
+    <p:sldId id="258" r:id="rId14"/>
+    <p:sldId id="259" r:id="rId15"/>
+    <p:sldId id="260" r:id="rId16"/>
+    <p:sldId id="271" r:id="rId17"/>
+    <p:sldId id="261" r:id="rId18"/>
+    <p:sldId id="274" r:id="rId19"/>
+    <p:sldId id="268" r:id="rId20"/>
+    <p:sldId id="273" r:id="rId21"/>
+    <p:sldId id="275" r:id="rId22"/>
+    <p:sldId id="277" r:id="rId23"/>
+    <p:sldId id="276" r:id="rId24"/>
+    <p:sldId id="278" r:id="rId25"/>
+    <p:sldId id="262" r:id="rId26"/>
+    <p:sldId id="263" r:id="rId27"/>
+    <p:sldId id="267" r:id="rId28"/>
   </p:sldIdLst>
   <p:sldSz cx="12192000" cy="6858000"/>
   <p:notesSz cx="6858000" cy="9144000"/>
@@ -266,7 +269,7 @@
           <a:p>
             <a:fld id="{85695E44-A86B-40ED-B5B4-EEE8D66F9E70}" type="datetimeFigureOut">
               <a:rPr lang="ko-KR" altLang="en-US" smtClean="0"/>
-              <a:t>2023-03-08</a:t>
+              <a:t>2023-03-09</a:t>
             </a:fld>
             <a:endParaRPr lang="ko-KR" altLang="en-US"/>
           </a:p>
@@ -436,7 +439,7 @@
           <a:p>
             <a:fld id="{85695E44-A86B-40ED-B5B4-EEE8D66F9E70}" type="datetimeFigureOut">
               <a:rPr lang="ko-KR" altLang="en-US" smtClean="0"/>
-              <a:t>2023-03-08</a:t>
+              <a:t>2023-03-09</a:t>
             </a:fld>
             <a:endParaRPr lang="ko-KR" altLang="en-US"/>
           </a:p>
@@ -616,7 +619,7 @@
           <a:p>
             <a:fld id="{85695E44-A86B-40ED-B5B4-EEE8D66F9E70}" type="datetimeFigureOut">
               <a:rPr lang="ko-KR" altLang="en-US" smtClean="0"/>
-              <a:t>2023-03-08</a:t>
+              <a:t>2023-03-09</a:t>
             </a:fld>
             <a:endParaRPr lang="ko-KR" altLang="en-US"/>
           </a:p>
@@ -786,7 +789,7 @@
           <a:p>
             <a:fld id="{85695E44-A86B-40ED-B5B4-EEE8D66F9E70}" type="datetimeFigureOut">
               <a:rPr lang="ko-KR" altLang="en-US" smtClean="0"/>
-              <a:t>2023-03-08</a:t>
+              <a:t>2023-03-09</a:t>
             </a:fld>
             <a:endParaRPr lang="ko-KR" altLang="en-US"/>
           </a:p>
@@ -1032,7 +1035,7 @@
           <a:p>
             <a:fld id="{85695E44-A86B-40ED-B5B4-EEE8D66F9E70}" type="datetimeFigureOut">
               <a:rPr lang="ko-KR" altLang="en-US" smtClean="0"/>
-              <a:t>2023-03-08</a:t>
+              <a:t>2023-03-09</a:t>
             </a:fld>
             <a:endParaRPr lang="ko-KR" altLang="en-US"/>
           </a:p>
@@ -1264,7 +1267,7 @@
           <a:p>
             <a:fld id="{85695E44-A86B-40ED-B5B4-EEE8D66F9E70}" type="datetimeFigureOut">
               <a:rPr lang="ko-KR" altLang="en-US" smtClean="0"/>
-              <a:t>2023-03-08</a:t>
+              <a:t>2023-03-09</a:t>
             </a:fld>
             <a:endParaRPr lang="ko-KR" altLang="en-US"/>
           </a:p>
@@ -1631,7 +1634,7 @@
           <a:p>
             <a:fld id="{85695E44-A86B-40ED-B5B4-EEE8D66F9E70}" type="datetimeFigureOut">
               <a:rPr lang="ko-KR" altLang="en-US" smtClean="0"/>
-              <a:t>2023-03-08</a:t>
+              <a:t>2023-03-09</a:t>
             </a:fld>
             <a:endParaRPr lang="ko-KR" altLang="en-US"/>
           </a:p>
@@ -1749,7 +1752,7 @@
           <a:p>
             <a:fld id="{85695E44-A86B-40ED-B5B4-EEE8D66F9E70}" type="datetimeFigureOut">
               <a:rPr lang="ko-KR" altLang="en-US" smtClean="0"/>
-              <a:t>2023-03-08</a:t>
+              <a:t>2023-03-09</a:t>
             </a:fld>
             <a:endParaRPr lang="ko-KR" altLang="en-US"/>
           </a:p>
@@ -1844,7 +1847,7 @@
           <a:p>
             <a:fld id="{85695E44-A86B-40ED-B5B4-EEE8D66F9E70}" type="datetimeFigureOut">
               <a:rPr lang="ko-KR" altLang="en-US" smtClean="0"/>
-              <a:t>2023-03-08</a:t>
+              <a:t>2023-03-09</a:t>
             </a:fld>
             <a:endParaRPr lang="ko-KR" altLang="en-US"/>
           </a:p>
@@ -2121,7 +2124,7 @@
           <a:p>
             <a:fld id="{85695E44-A86B-40ED-B5B4-EEE8D66F9E70}" type="datetimeFigureOut">
               <a:rPr lang="ko-KR" altLang="en-US" smtClean="0"/>
-              <a:t>2023-03-08</a:t>
+              <a:t>2023-03-09</a:t>
             </a:fld>
             <a:endParaRPr lang="ko-KR" altLang="en-US"/>
           </a:p>
@@ -2374,7 +2377,7 @@
           <a:p>
             <a:fld id="{85695E44-A86B-40ED-B5B4-EEE8D66F9E70}" type="datetimeFigureOut">
               <a:rPr lang="ko-KR" altLang="en-US" smtClean="0"/>
-              <a:t>2023-03-08</a:t>
+              <a:t>2023-03-09</a:t>
             </a:fld>
             <a:endParaRPr lang="ko-KR" altLang="en-US"/>
           </a:p>
@@ -2587,7 +2590,7 @@
           <a:p>
             <a:fld id="{85695E44-A86B-40ED-B5B4-EEE8D66F9E70}" type="datetimeFigureOut">
               <a:rPr lang="ko-KR" altLang="en-US" smtClean="0"/>
-              <a:t>2023-03-08</a:t>
+              <a:t>2023-03-09</a:t>
             </a:fld>
             <a:endParaRPr lang="ko-KR" altLang="en-US"/>
           </a:p>
@@ -3002,7 +3005,12 @@
             <p:ph type="ctrTitle"/>
           </p:nvPr>
         </p:nvSpPr>
-        <p:spPr/>
+        <p:spPr>
+          <a:xfrm>
+            <a:off x="1524000" y="1122363"/>
+            <a:ext cx="9144000" cy="2277542"/>
+          </a:xfrm>
+        </p:spPr>
         <p:txBody>
           <a:bodyPr/>
           <a:lstStyle/>
@@ -3050,13 +3058,13 @@
           <a:lstStyle/>
           <a:p>
             <a:r>
-              <a:rPr lang="ko-KR" altLang="en-US" dirty="0" smtClean="0"/>
+              <a:rPr lang="ko-KR" altLang="en-US" b="1" dirty="0" smtClean="0"/>
               <a:t>온라인 강의 사이트</a:t>
             </a:r>
-            <a:endParaRPr lang="en-US" altLang="ko-KR" dirty="0" smtClean="0"/>
-          </a:p>
-          <a:p>
-            <a:endParaRPr lang="en-US" altLang="ko-KR" dirty="0" smtClean="0"/>
+            <a:endParaRPr lang="en-US" altLang="ko-KR" b="1" dirty="0" smtClean="0"/>
+          </a:p>
+          <a:p>
+            <a:endParaRPr lang="en-US" altLang="ko-KR" b="1" dirty="0" smtClean="0"/>
           </a:p>
           <a:p>
             <a:r>
@@ -3066,21 +3074,27 @@
             <a:endParaRPr lang="en-US" altLang="ko-KR" b="1" dirty="0" smtClean="0"/>
           </a:p>
           <a:p>
-            <a:r>
-              <a:rPr lang="en-US" altLang="ko-KR" dirty="0" smtClean="0"/>
+            <a:pPr algn="r"/>
+            <a:r>
+              <a:rPr lang="en-US" altLang="ko-KR" b="1" dirty="0" smtClean="0"/>
               <a:t>Tel : 010-5220-4331</a:t>
             </a:r>
           </a:p>
           <a:p>
-            <a:r>
-              <a:rPr lang="en-US" altLang="ko-KR" dirty="0" err="1" smtClean="0"/>
-              <a:t>eMail</a:t>
-            </a:r>
-            <a:r>
-              <a:rPr lang="en-US" altLang="ko-KR" dirty="0" smtClean="0"/>
-              <a:t> : ebyul96428@naver.com</a:t>
-            </a:r>
-            <a:endParaRPr lang="ko-KR" altLang="en-US" dirty="0"/>
+            <a:pPr algn="r"/>
+            <a:r>
+              <a:rPr lang="en-US" altLang="ko-KR" b="1" dirty="0" smtClean="0"/>
+              <a:t>E-m</a:t>
+            </a:r>
+            <a:r>
+              <a:rPr lang="en-US" altLang="ko-KR" b="1" dirty="0" smtClean="0"/>
+              <a:t>ail </a:t>
+            </a:r>
+            <a:r>
+              <a:rPr lang="en-US" altLang="ko-KR" b="1" dirty="0" smtClean="0"/>
+              <a:t>: ebyul96428@naver.com</a:t>
+            </a:r>
+            <a:endParaRPr lang="ko-KR" altLang="en-US" b="1" dirty="0"/>
           </a:p>
         </p:txBody>
       </p:sp>
@@ -3116,6 +3130,92 @@
       </p:grpSpPr>
       <p:sp>
         <p:nvSpPr>
+          <p:cNvPr id="18" name="직사각형 17"/>
+          <p:cNvSpPr/>
+          <p:nvPr/>
+        </p:nvSpPr>
+        <p:spPr>
+          <a:xfrm>
+            <a:off x="86681" y="1200236"/>
+            <a:ext cx="5240848" cy="5391757"/>
+          </a:xfrm>
+          <a:prstGeom prst="rect">
+            <a:avLst/>
+          </a:prstGeom>
+          <a:solidFill>
+            <a:schemeClr val="bg1"/>
+          </a:solidFill>
+        </p:spPr>
+        <p:style>
+          <a:lnRef idx="2">
+            <a:schemeClr val="accent1">
+              <a:shade val="50000"/>
+            </a:schemeClr>
+          </a:lnRef>
+          <a:fillRef idx="1">
+            <a:schemeClr val="accent1"/>
+          </a:fillRef>
+          <a:effectRef idx="0">
+            <a:schemeClr val="accent1"/>
+          </a:effectRef>
+          <a:fontRef idx="minor">
+            <a:schemeClr val="lt1"/>
+          </a:fontRef>
+        </p:style>
+        <p:txBody>
+          <a:bodyPr rtlCol="0" anchor="ctr"/>
+          <a:lstStyle/>
+          <a:p>
+            <a:pPr algn="ctr"/>
+            <a:endParaRPr lang="ko-KR" altLang="en-US"/>
+          </a:p>
+        </p:txBody>
+      </p:sp>
+      <p:sp>
+        <p:nvSpPr>
+          <p:cNvPr id="17" name="직사각형 16"/>
+          <p:cNvSpPr/>
+          <p:nvPr/>
+        </p:nvSpPr>
+        <p:spPr>
+          <a:xfrm>
+            <a:off x="5455433" y="357448"/>
+            <a:ext cx="6658495" cy="6234545"/>
+          </a:xfrm>
+          <a:prstGeom prst="rect">
+            <a:avLst/>
+          </a:prstGeom>
+          <a:solidFill>
+            <a:schemeClr val="bg1"/>
+          </a:solidFill>
+        </p:spPr>
+        <p:style>
+          <a:lnRef idx="2">
+            <a:schemeClr val="accent1">
+              <a:shade val="50000"/>
+            </a:schemeClr>
+          </a:lnRef>
+          <a:fillRef idx="1">
+            <a:schemeClr val="accent1"/>
+          </a:fillRef>
+          <a:effectRef idx="0">
+            <a:schemeClr val="accent1"/>
+          </a:effectRef>
+          <a:fontRef idx="minor">
+            <a:schemeClr val="lt1"/>
+          </a:fontRef>
+        </p:style>
+        <p:txBody>
+          <a:bodyPr rtlCol="0" anchor="ctr"/>
+          <a:lstStyle/>
+          <a:p>
+            <a:pPr algn="ctr"/>
+            <a:endParaRPr lang="ko-KR" altLang="en-US"/>
+          </a:p>
+        </p:txBody>
+      </p:sp>
+      <p:sp>
+        <p:nvSpPr>
           <p:cNvPr id="2" name="제목 1"/>
           <p:cNvSpPr>
             <a:spLocks noGrp="1"/>
@@ -3124,14 +3224,23 @@
             <p:ph type="title"/>
           </p:nvPr>
         </p:nvSpPr>
-        <p:spPr/>
+        <p:spPr>
+          <a:xfrm>
+            <a:off x="542004" y="191190"/>
+            <a:ext cx="4330202" cy="1000732"/>
+          </a:xfrm>
+        </p:spPr>
         <p:txBody>
           <a:bodyPr/>
           <a:lstStyle/>
           <a:p>
             <a:r>
               <a:rPr lang="ko-KR" altLang="en-US" dirty="0" smtClean="0"/>
-              <a:t>회원가입 페이지</a:t>
+              <a:t>메인홈페이지</a:t>
+            </a:r>
+            <a:r>
+              <a:rPr lang="en-US" altLang="ko-KR" dirty="0" smtClean="0"/>
+              <a:t>-2</a:t>
             </a:r>
             <a:endParaRPr lang="ko-KR" altLang="en-US" dirty="0"/>
           </a:p>
@@ -3139,41 +3248,288 @@
       </p:sp>
       <p:pic>
         <p:nvPicPr>
-          <p:cNvPr id="4" name="내용 개체 틀 3"/>
+          <p:cNvPr id="4" name="그림 3"/>
           <p:cNvPicPr>
-            <a:picLocks noGrp="1" noChangeAspect="1"/>
+            <a:picLocks noChangeAspect="1"/>
           </p:cNvPicPr>
-          <p:nvPr>
-            <p:ph idx="1"/>
-          </p:nvPr>
+          <p:nvPr/>
         </p:nvPicPr>
         <p:blipFill>
-          <a:blip r:embed="rId2"/>
+          <a:blip r:embed="rId2" cstate="print">
+            <a:extLst>
+              <a:ext uri="{28A0092B-C50C-407E-A947-70E740481C1C}">
+                <a14:useLocalDpi xmlns:a14="http://schemas.microsoft.com/office/drawing/2010/main" val="0"/>
+              </a:ext>
+            </a:extLst>
+          </a:blip>
           <a:stretch>
             <a:fillRect/>
           </a:stretch>
         </p:blipFill>
         <p:spPr>
           <a:xfrm>
-            <a:off x="912090" y="1829233"/>
-            <a:ext cx="3000727" cy="4351338"/>
+            <a:off x="214585" y="1487977"/>
+            <a:ext cx="4953817" cy="3065538"/>
+          </a:xfrm>
+          <a:prstGeom prst="rect">
+            <a:avLst/>
+          </a:prstGeom>
+          <a:ln>
+            <a:solidFill>
+              <a:schemeClr val="accent1"/>
+            </a:solidFill>
+          </a:ln>
+        </p:spPr>
+      </p:pic>
+      <p:pic>
+        <p:nvPicPr>
+          <p:cNvPr id="5" name="그림 4"/>
+          <p:cNvPicPr>
+            <a:picLocks noChangeAspect="1"/>
+          </p:cNvPicPr>
+          <p:nvPr/>
+        </p:nvPicPr>
+        <p:blipFill>
+          <a:blip r:embed="rId3">
+            <a:extLst>
+              <a:ext uri="{28A0092B-C50C-407E-A947-70E740481C1C}">
+                <a14:useLocalDpi xmlns:a14="http://schemas.microsoft.com/office/drawing/2010/main" val="0"/>
+              </a:ext>
+            </a:extLst>
+          </a:blip>
+          <a:stretch>
+            <a:fillRect/>
+          </a:stretch>
+        </p:blipFill>
+        <p:spPr>
+          <a:xfrm>
+            <a:off x="5664577" y="556952"/>
+            <a:ext cx="6046907" cy="3065538"/>
+          </a:xfrm>
+          <a:prstGeom prst="rect">
+            <a:avLst/>
+          </a:prstGeom>
+          <a:ln>
+            <a:solidFill>
+              <a:schemeClr val="accent1"/>
+            </a:solidFill>
+          </a:ln>
+        </p:spPr>
+      </p:pic>
+      <p:sp>
+        <p:nvSpPr>
+          <p:cNvPr id="6" name="TextBox 5"/>
+          <p:cNvSpPr txBox="1"/>
+          <p:nvPr/>
+        </p:nvSpPr>
+        <p:spPr>
+          <a:xfrm>
+            <a:off x="160992" y="4829695"/>
+            <a:ext cx="5061001" cy="646331"/>
           </a:xfrm>
           <a:prstGeom prst="rect">
             <a:avLst/>
           </a:prstGeom>
           <a:noFill/>
-          <a:ln w="9525">
-            <a:noFill/>
+          <a:ln>
+            <a:solidFill>
+              <a:schemeClr val="accent1"/>
+            </a:solidFill>
           </a:ln>
-          <a:effectLst>
-            <a:softEdge rad="63500"/>
-          </a:effectLst>
+        </p:spPr>
+        <p:txBody>
+          <a:bodyPr wrap="none" rtlCol="0">
+            <a:spAutoFit/>
+          </a:bodyPr>
+          <a:lstStyle/>
+          <a:p>
+            <a:r>
+              <a:rPr lang="ko-KR" altLang="en-US" dirty="0" smtClean="0"/>
+              <a:t>스크롤 기능을 통해 각 과정당 </a:t>
+            </a:r>
+            <a:r>
+              <a:rPr lang="ko-KR" altLang="en-US" dirty="0" err="1" smtClean="0"/>
+              <a:t>미리보기</a:t>
+            </a:r>
+            <a:r>
+              <a:rPr lang="ko-KR" altLang="en-US" dirty="0" smtClean="0"/>
+              <a:t> 강의를</a:t>
+            </a:r>
+            <a:endParaRPr lang="en-US" altLang="ko-KR" dirty="0" smtClean="0"/>
+          </a:p>
+          <a:p>
+            <a:r>
+              <a:rPr lang="ko-KR" altLang="en-US" dirty="0" smtClean="0"/>
+              <a:t>더 찾아 볼 수 있습니다</a:t>
+            </a:r>
+            <a:r>
+              <a:rPr lang="en-US" altLang="ko-KR" dirty="0" smtClean="0"/>
+              <a:t>.</a:t>
+            </a:r>
+            <a:endParaRPr lang="ko-KR" altLang="en-US" dirty="0"/>
+          </a:p>
+        </p:txBody>
+      </p:sp>
+      <p:sp>
+        <p:nvSpPr>
+          <p:cNvPr id="8" name="TextBox 7"/>
+          <p:cNvSpPr txBox="1"/>
+          <p:nvPr/>
+        </p:nvSpPr>
+        <p:spPr>
+          <a:xfrm>
+            <a:off x="5664577" y="3823854"/>
+            <a:ext cx="6147837" cy="646331"/>
+          </a:xfrm>
+          <a:prstGeom prst="rect">
+            <a:avLst/>
+          </a:prstGeom>
+          <a:noFill/>
+          <a:ln>
+            <a:solidFill>
+              <a:schemeClr val="accent1"/>
+            </a:solidFill>
+          </a:ln>
+        </p:spPr>
+        <p:txBody>
+          <a:bodyPr wrap="none" rtlCol="0">
+            <a:spAutoFit/>
+          </a:bodyPr>
+          <a:lstStyle/>
+          <a:p>
+            <a:r>
+              <a:rPr lang="ko-KR" altLang="en-US" dirty="0" smtClean="0"/>
+              <a:t>검색 기능을 통해 특정 키워드가 포함된 강의를 전부 찾을</a:t>
+            </a:r>
+            <a:endParaRPr lang="en-US" altLang="ko-KR" dirty="0" smtClean="0"/>
+          </a:p>
+          <a:p>
+            <a:r>
+              <a:rPr lang="ko-KR" altLang="en-US" dirty="0" smtClean="0"/>
+              <a:t>수 있습니다</a:t>
+            </a:r>
+            <a:r>
+              <a:rPr lang="en-US" altLang="ko-KR" dirty="0" smtClean="0"/>
+              <a:t>.</a:t>
+            </a:r>
+            <a:endParaRPr lang="ko-KR" altLang="en-US" dirty="0"/>
+          </a:p>
+        </p:txBody>
+      </p:sp>
+      <p:pic>
+        <p:nvPicPr>
+          <p:cNvPr id="11" name="그림 10"/>
+          <p:cNvPicPr>
+            <a:picLocks noChangeAspect="1"/>
+          </p:cNvPicPr>
+          <p:nvPr/>
+        </p:nvPicPr>
+        <p:blipFill>
+          <a:blip r:embed="rId4" cstate="print">
+            <a:extLst>
+              <a:ext uri="{28A0092B-C50C-407E-A947-70E740481C1C}">
+                <a14:useLocalDpi xmlns:a14="http://schemas.microsoft.com/office/drawing/2010/main" val="0"/>
+              </a:ext>
+            </a:extLst>
+          </a:blip>
+          <a:stretch>
+            <a:fillRect/>
+          </a:stretch>
+        </p:blipFill>
+        <p:spPr>
+          <a:xfrm>
+            <a:off x="5664577" y="5274829"/>
+            <a:ext cx="2800515" cy="700129"/>
+          </a:xfrm>
+          <a:prstGeom prst="rect">
+            <a:avLst/>
+          </a:prstGeom>
+          <a:ln>
+            <a:solidFill>
+              <a:schemeClr val="accent1"/>
+            </a:solidFill>
+          </a:ln>
         </p:spPr>
       </p:pic>
+      <p:pic>
+        <p:nvPicPr>
+          <p:cNvPr id="12" name="그림 11"/>
+          <p:cNvPicPr>
+            <a:picLocks noChangeAspect="1"/>
+          </p:cNvPicPr>
+          <p:nvPr/>
+        </p:nvPicPr>
+        <p:blipFill>
+          <a:blip r:embed="rId5" cstate="print">
+            <a:extLst>
+              <a:ext uri="{28A0092B-C50C-407E-A947-70E740481C1C}">
+                <a14:useLocalDpi xmlns:a14="http://schemas.microsoft.com/office/drawing/2010/main" val="0"/>
+              </a:ext>
+            </a:extLst>
+          </a:blip>
+          <a:stretch>
+            <a:fillRect/>
+          </a:stretch>
+        </p:blipFill>
+        <p:spPr>
+          <a:xfrm>
+            <a:off x="8937744" y="4910963"/>
+            <a:ext cx="2874670" cy="1427863"/>
+          </a:xfrm>
+          <a:prstGeom prst="rect">
+            <a:avLst/>
+          </a:prstGeom>
+          <a:ln>
+            <a:solidFill>
+              <a:schemeClr val="accent1"/>
+            </a:solidFill>
+          </a:ln>
+        </p:spPr>
+      </p:pic>
+      <p:sp>
+        <p:nvSpPr>
+          <p:cNvPr id="15" name="오른쪽 화살표 14"/>
+          <p:cNvSpPr/>
+          <p:nvPr/>
+        </p:nvSpPr>
+        <p:spPr>
+          <a:xfrm>
+            <a:off x="8521866" y="5394961"/>
+            <a:ext cx="373621" cy="438513"/>
+          </a:xfrm>
+          <a:prstGeom prst="rightArrow">
+            <a:avLst/>
+          </a:prstGeom>
+        </p:spPr>
+        <p:style>
+          <a:lnRef idx="2">
+            <a:schemeClr val="accent1">
+              <a:shade val="50000"/>
+            </a:schemeClr>
+          </a:lnRef>
+          <a:fillRef idx="1">
+            <a:schemeClr val="accent1"/>
+          </a:fillRef>
+          <a:effectRef idx="0">
+            <a:schemeClr val="accent1"/>
+          </a:effectRef>
+          <a:fontRef idx="minor">
+            <a:schemeClr val="lt1"/>
+          </a:fontRef>
+        </p:style>
+        <p:txBody>
+          <a:bodyPr rtlCol="0" anchor="ctr"/>
+          <a:lstStyle/>
+          <a:p>
+            <a:pPr algn="ctr"/>
+            <a:endParaRPr lang="ko-KR" altLang="en-US"/>
+          </a:p>
+        </p:txBody>
+      </p:sp>
     </p:spTree>
     <p:extLst>
       <p:ext uri="{BB962C8B-B14F-4D97-AF65-F5344CB8AC3E}">
-        <p14:creationId xmlns:p14="http://schemas.microsoft.com/office/powerpoint/2010/main" val="4227334908"/>
+        <p14:creationId xmlns:p14="http://schemas.microsoft.com/office/powerpoint/2010/main" val="2098380331"/>
       </p:ext>
     </p:extLst>
   </p:cSld>
@@ -3202,6 +3558,96 @@
       </p:grpSpPr>
       <p:sp>
         <p:nvSpPr>
+          <p:cNvPr id="18" name="직사각형 17"/>
+          <p:cNvSpPr/>
+          <p:nvPr/>
+        </p:nvSpPr>
+        <p:spPr>
+          <a:xfrm>
+            <a:off x="128245" y="1200236"/>
+            <a:ext cx="5989922" cy="5391757"/>
+          </a:xfrm>
+          <a:prstGeom prst="rect">
+            <a:avLst/>
+          </a:prstGeom>
+          <a:solidFill>
+            <a:schemeClr val="bg1"/>
+          </a:solidFill>
+        </p:spPr>
+        <p:style>
+          <a:lnRef idx="2">
+            <a:schemeClr val="accent1">
+              <a:shade val="50000"/>
+            </a:schemeClr>
+          </a:lnRef>
+          <a:fillRef idx="1">
+            <a:schemeClr val="accent1"/>
+          </a:fillRef>
+          <a:effectRef idx="0">
+            <a:schemeClr val="accent1"/>
+          </a:effectRef>
+          <a:fontRef idx="minor">
+            <a:schemeClr val="lt1"/>
+          </a:fontRef>
+        </p:style>
+        <p:txBody>
+          <a:bodyPr rtlCol="0" anchor="ctr"/>
+          <a:lstStyle/>
+          <a:p>
+            <a:pPr algn="ctr"/>
+            <a:r>
+              <a:rPr lang="ko-KR" altLang="en-US" smtClean="0"/>
+              <a:t>ㅁ</a:t>
+            </a:r>
+            <a:endParaRPr lang="ko-KR" altLang="en-US" dirty="0"/>
+          </a:p>
+        </p:txBody>
+      </p:sp>
+      <p:sp>
+        <p:nvSpPr>
+          <p:cNvPr id="17" name="직사각형 16"/>
+          <p:cNvSpPr/>
+          <p:nvPr/>
+        </p:nvSpPr>
+        <p:spPr>
+          <a:xfrm>
+            <a:off x="6118167" y="1200236"/>
+            <a:ext cx="5927965" cy="5391757"/>
+          </a:xfrm>
+          <a:prstGeom prst="rect">
+            <a:avLst/>
+          </a:prstGeom>
+          <a:solidFill>
+            <a:schemeClr val="bg1"/>
+          </a:solidFill>
+        </p:spPr>
+        <p:style>
+          <a:lnRef idx="2">
+            <a:schemeClr val="accent1">
+              <a:shade val="50000"/>
+            </a:schemeClr>
+          </a:lnRef>
+          <a:fillRef idx="1">
+            <a:schemeClr val="accent1"/>
+          </a:fillRef>
+          <a:effectRef idx="0">
+            <a:schemeClr val="accent1"/>
+          </a:effectRef>
+          <a:fontRef idx="minor">
+            <a:schemeClr val="lt1"/>
+          </a:fontRef>
+        </p:style>
+        <p:txBody>
+          <a:bodyPr rtlCol="0" anchor="ctr"/>
+          <a:lstStyle/>
+          <a:p>
+            <a:pPr algn="ctr"/>
+            <a:endParaRPr lang="ko-KR" altLang="en-US"/>
+          </a:p>
+        </p:txBody>
+      </p:sp>
+      <p:sp>
+        <p:nvSpPr>
           <p:cNvPr id="2" name="제목 1"/>
           <p:cNvSpPr>
             <a:spLocks noGrp="1"/>
@@ -3210,14 +3656,99 @@
             <p:ph type="title"/>
           </p:nvPr>
         </p:nvSpPr>
-        <p:spPr/>
+        <p:spPr>
+          <a:xfrm>
+            <a:off x="542004" y="191190"/>
+            <a:ext cx="4330202" cy="1000732"/>
+          </a:xfrm>
+        </p:spPr>
         <p:txBody>
           <a:bodyPr/>
           <a:lstStyle/>
           <a:p>
             <a:r>
               <a:rPr lang="ko-KR" altLang="en-US" dirty="0" smtClean="0"/>
-              <a:t>강의 목록 페이지</a:t>
+              <a:t>메인홈페이지</a:t>
+            </a:r>
+            <a:r>
+              <a:rPr lang="en-US" altLang="ko-KR" dirty="0" smtClean="0"/>
+              <a:t>-3</a:t>
+            </a:r>
+            <a:endParaRPr lang="ko-KR" altLang="en-US" dirty="0"/>
+          </a:p>
+        </p:txBody>
+      </p:sp>
+      <p:sp>
+        <p:nvSpPr>
+          <p:cNvPr id="3" name="TextBox 2"/>
+          <p:cNvSpPr txBox="1"/>
+          <p:nvPr/>
+        </p:nvSpPr>
+        <p:spPr>
+          <a:xfrm>
+            <a:off x="1821799" y="1396538"/>
+            <a:ext cx="1770611" cy="369332"/>
+          </a:xfrm>
+          <a:prstGeom prst="rect">
+            <a:avLst/>
+          </a:prstGeom>
+          <a:noFill/>
+        </p:spPr>
+        <p:txBody>
+          <a:bodyPr wrap="square" rtlCol="0">
+            <a:spAutoFit/>
+          </a:bodyPr>
+          <a:lstStyle/>
+          <a:p>
+            <a:r>
+              <a:rPr lang="ko-KR" altLang="en-US" dirty="0" err="1" smtClean="0"/>
+              <a:t>메인페이지</a:t>
+            </a:r>
+            <a:r>
+              <a:rPr lang="ko-KR" altLang="en-US" dirty="0"/>
+              <a:t> </a:t>
+            </a:r>
+            <a:r>
+              <a:rPr lang="en-US" altLang="ko-KR" dirty="0" smtClean="0"/>
+              <a:t>- 1</a:t>
+            </a:r>
+            <a:endParaRPr lang="ko-KR" altLang="en-US" dirty="0"/>
+          </a:p>
+        </p:txBody>
+      </p:sp>
+      <p:sp>
+        <p:nvSpPr>
+          <p:cNvPr id="13" name="TextBox 12"/>
+          <p:cNvSpPr txBox="1"/>
+          <p:nvPr/>
+        </p:nvSpPr>
+        <p:spPr>
+          <a:xfrm>
+            <a:off x="8196844" y="1400110"/>
+            <a:ext cx="1770611" cy="369332"/>
+          </a:xfrm>
+          <a:prstGeom prst="rect">
+            <a:avLst/>
+          </a:prstGeom>
+          <a:noFill/>
+        </p:spPr>
+        <p:txBody>
+          <a:bodyPr wrap="square" rtlCol="0">
+            <a:spAutoFit/>
+          </a:bodyPr>
+          <a:lstStyle/>
+          <a:p>
+            <a:r>
+              <a:rPr lang="ko-KR" altLang="en-US" dirty="0" err="1" smtClean="0"/>
+              <a:t>메인페이지</a:t>
+            </a:r>
+            <a:r>
+              <a:rPr lang="ko-KR" altLang="en-US" dirty="0"/>
+              <a:t> </a:t>
+            </a:r>
+            <a:r>
+              <a:rPr lang="en-US" altLang="ko-KR" dirty="0" smtClean="0"/>
+              <a:t>- 2</a:t>
             </a:r>
             <a:endParaRPr lang="ko-KR" altLang="en-US" dirty="0"/>
           </a:p>
@@ -3225,34 +3756,171 @@
       </p:sp>
       <p:pic>
         <p:nvPicPr>
-          <p:cNvPr id="4" name="내용 개체 틀 3"/>
+          <p:cNvPr id="7" name="그림 6"/>
           <p:cNvPicPr>
-            <a:picLocks noGrp="1" noChangeAspect="1"/>
+            <a:picLocks noChangeAspect="1"/>
           </p:cNvPicPr>
-          <p:nvPr>
-            <p:ph idx="1"/>
-          </p:nvPr>
+          <p:nvPr/>
         </p:nvPicPr>
         <p:blipFill>
-          <a:blip r:embed="rId2"/>
+          <a:blip r:embed="rId2">
+            <a:extLst>
+              <a:ext uri="{28A0092B-C50C-407E-A947-70E740481C1C}">
+                <a14:useLocalDpi xmlns:a14="http://schemas.microsoft.com/office/drawing/2010/main" val="0"/>
+              </a:ext>
+            </a:extLst>
+          </a:blip>
           <a:stretch>
             <a:fillRect/>
           </a:stretch>
         </p:blipFill>
         <p:spPr>
           <a:xfrm>
-            <a:off x="441036" y="1893888"/>
-            <a:ext cx="6007586" cy="2973676"/>
+            <a:off x="256886" y="1962172"/>
+            <a:ext cx="2819794" cy="2562583"/>
           </a:xfrm>
           <a:prstGeom prst="rect">
             <a:avLst/>
           </a:prstGeom>
         </p:spPr>
       </p:pic>
+      <p:pic>
+        <p:nvPicPr>
+          <p:cNvPr id="9" name="그림 8"/>
+          <p:cNvPicPr>
+            <a:picLocks noChangeAspect="1"/>
+          </p:cNvPicPr>
+          <p:nvPr/>
+        </p:nvPicPr>
+        <p:blipFill>
+          <a:blip r:embed="rId3">
+            <a:extLst>
+              <a:ext uri="{28A0092B-C50C-407E-A947-70E740481C1C}">
+                <a14:useLocalDpi xmlns:a14="http://schemas.microsoft.com/office/drawing/2010/main" val="0"/>
+              </a:ext>
+            </a:extLst>
+          </a:blip>
+          <a:stretch>
+            <a:fillRect/>
+          </a:stretch>
+        </p:blipFill>
+        <p:spPr>
+          <a:xfrm>
+            <a:off x="3238009" y="1962172"/>
+            <a:ext cx="2734057" cy="3191320"/>
+          </a:xfrm>
+          <a:prstGeom prst="rect">
+            <a:avLst/>
+          </a:prstGeom>
+        </p:spPr>
+      </p:pic>
+      <p:pic>
+        <p:nvPicPr>
+          <p:cNvPr id="10" name="그림 9"/>
+          <p:cNvPicPr>
+            <a:picLocks noChangeAspect="1"/>
+          </p:cNvPicPr>
+          <p:nvPr/>
+        </p:nvPicPr>
+        <p:blipFill>
+          <a:blip r:embed="rId4">
+            <a:extLst>
+              <a:ext uri="{28A0092B-C50C-407E-A947-70E740481C1C}">
+                <a14:useLocalDpi xmlns:a14="http://schemas.microsoft.com/office/drawing/2010/main" val="0"/>
+              </a:ext>
+            </a:extLst>
+          </a:blip>
+          <a:stretch>
+            <a:fillRect/>
+          </a:stretch>
+        </p:blipFill>
+        <p:spPr>
+          <a:xfrm>
+            <a:off x="6246808" y="1962172"/>
+            <a:ext cx="3314998" cy="4222497"/>
+          </a:xfrm>
+          <a:prstGeom prst="rect">
+            <a:avLst/>
+          </a:prstGeom>
+        </p:spPr>
+      </p:pic>
+      <p:sp>
+        <p:nvSpPr>
+          <p:cNvPr id="14" name="TextBox 13"/>
+          <p:cNvSpPr txBox="1"/>
+          <p:nvPr/>
+        </p:nvSpPr>
+        <p:spPr>
+          <a:xfrm>
+            <a:off x="9606365" y="1969316"/>
+            <a:ext cx="2395207" cy="1754326"/>
+          </a:xfrm>
+          <a:prstGeom prst="rect">
+            <a:avLst/>
+          </a:prstGeom>
+          <a:noFill/>
+        </p:spPr>
+        <p:txBody>
+          <a:bodyPr wrap="none" rtlCol="0">
+            <a:spAutoFit/>
+          </a:bodyPr>
+          <a:lstStyle/>
+          <a:p>
+            <a:r>
+              <a:rPr lang="en-US" altLang="ko-KR" dirty="0" err="1" smtClean="0"/>
+              <a:t>connectionCarousel</a:t>
+            </a:r>
+            <a:endParaRPr lang="en-US" altLang="ko-KR" dirty="0" smtClean="0"/>
+          </a:p>
+          <a:p>
+            <a:r>
+              <a:rPr lang="ko-KR" altLang="en-US" dirty="0" smtClean="0"/>
+              <a:t>에서 서버에 저장된</a:t>
+            </a:r>
+            <a:endParaRPr lang="en-US" altLang="ko-KR" dirty="0" smtClean="0"/>
+          </a:p>
+          <a:p>
+            <a:r>
+              <a:rPr lang="ko-KR" altLang="en-US" dirty="0" err="1" smtClean="0"/>
+              <a:t>강의목록</a:t>
+            </a:r>
+            <a:r>
+              <a:rPr lang="ko-KR" altLang="en-US" dirty="0" smtClean="0"/>
+              <a:t> 중 일부를</a:t>
+            </a:r>
+            <a:endParaRPr lang="en-US" altLang="ko-KR" dirty="0" smtClean="0"/>
+          </a:p>
+          <a:p>
+            <a:r>
+              <a:rPr lang="ko-KR" altLang="en-US" dirty="0" smtClean="0"/>
+              <a:t>각 항목에 맞춰</a:t>
+            </a:r>
+            <a:endParaRPr lang="en-US" altLang="ko-KR" dirty="0" smtClean="0"/>
+          </a:p>
+          <a:p>
+            <a:r>
+              <a:rPr lang="ko-KR" altLang="en-US" dirty="0" smtClean="0"/>
+              <a:t>메인페이지에서 출력</a:t>
+            </a:r>
+            <a:endParaRPr lang="en-US" altLang="ko-KR" dirty="0" smtClean="0"/>
+          </a:p>
+          <a:p>
+            <a:r>
+              <a:rPr lang="ko-KR" altLang="en-US" dirty="0" smtClean="0"/>
+              <a:t>되도록 설정했습니다</a:t>
+            </a:r>
+            <a:r>
+              <a:rPr lang="en-US" altLang="ko-KR" dirty="0" smtClean="0"/>
+              <a:t>.</a:t>
+            </a:r>
+            <a:endParaRPr lang="ko-KR" altLang="en-US" dirty="0" smtClean="0"/>
+          </a:p>
+        </p:txBody>
+      </p:sp>
     </p:spTree>
     <p:extLst>
       <p:ext uri="{BB962C8B-B14F-4D97-AF65-F5344CB8AC3E}">
-        <p14:creationId xmlns:p14="http://schemas.microsoft.com/office/powerpoint/2010/main" val="213791086"/>
+        <p14:creationId xmlns:p14="http://schemas.microsoft.com/office/powerpoint/2010/main" val="2374128539"/>
       </p:ext>
     </p:extLst>
   </p:cSld>
@@ -3281,6 +3949,129 @@
       </p:grpSpPr>
       <p:sp>
         <p:nvSpPr>
+          <p:cNvPr id="12" name="직사각형 11"/>
+          <p:cNvSpPr/>
+          <p:nvPr/>
+        </p:nvSpPr>
+        <p:spPr>
+          <a:xfrm>
+            <a:off x="66502" y="1117112"/>
+            <a:ext cx="3690851" cy="4056611"/>
+          </a:xfrm>
+          <a:prstGeom prst="rect">
+            <a:avLst/>
+          </a:prstGeom>
+          <a:noFill/>
+        </p:spPr>
+        <p:style>
+          <a:lnRef idx="2">
+            <a:schemeClr val="accent1">
+              <a:shade val="50000"/>
+            </a:schemeClr>
+          </a:lnRef>
+          <a:fillRef idx="1">
+            <a:schemeClr val="accent1"/>
+          </a:fillRef>
+          <a:effectRef idx="0">
+            <a:schemeClr val="accent1"/>
+          </a:effectRef>
+          <a:fontRef idx="minor">
+            <a:schemeClr val="lt1"/>
+          </a:fontRef>
+        </p:style>
+        <p:txBody>
+          <a:bodyPr rtlCol="0" anchor="ctr"/>
+          <a:lstStyle/>
+          <a:p>
+            <a:pPr algn="ctr"/>
+            <a:endParaRPr lang="ko-KR" altLang="en-US"/>
+          </a:p>
+        </p:txBody>
+      </p:sp>
+      <p:sp>
+        <p:nvSpPr>
+          <p:cNvPr id="13" name="직사각형 12"/>
+          <p:cNvSpPr/>
+          <p:nvPr/>
+        </p:nvSpPr>
+        <p:spPr>
+          <a:xfrm>
+            <a:off x="3757354" y="1117111"/>
+            <a:ext cx="2535382" cy="4056611"/>
+          </a:xfrm>
+          <a:prstGeom prst="rect">
+            <a:avLst/>
+          </a:prstGeom>
+          <a:noFill/>
+        </p:spPr>
+        <p:style>
+          <a:lnRef idx="2">
+            <a:schemeClr val="accent1">
+              <a:shade val="50000"/>
+            </a:schemeClr>
+          </a:lnRef>
+          <a:fillRef idx="1">
+            <a:schemeClr val="accent1"/>
+          </a:fillRef>
+          <a:effectRef idx="0">
+            <a:schemeClr val="accent1"/>
+          </a:effectRef>
+          <a:fontRef idx="minor">
+            <a:schemeClr val="lt1"/>
+          </a:fontRef>
+        </p:style>
+        <p:txBody>
+          <a:bodyPr rtlCol="0" anchor="ctr"/>
+          <a:lstStyle/>
+          <a:p>
+            <a:pPr algn="ctr"/>
+            <a:endParaRPr lang="ko-KR" altLang="en-US"/>
+          </a:p>
+        </p:txBody>
+      </p:sp>
+      <p:sp>
+        <p:nvSpPr>
+          <p:cNvPr id="14" name="직사각형 13"/>
+          <p:cNvSpPr/>
+          <p:nvPr/>
+        </p:nvSpPr>
+        <p:spPr>
+          <a:xfrm>
+            <a:off x="6292735" y="1117110"/>
+            <a:ext cx="5835534" cy="4056611"/>
+          </a:xfrm>
+          <a:prstGeom prst="rect">
+            <a:avLst/>
+          </a:prstGeom>
+          <a:noFill/>
+        </p:spPr>
+        <p:style>
+          <a:lnRef idx="2">
+            <a:schemeClr val="accent1">
+              <a:shade val="50000"/>
+            </a:schemeClr>
+          </a:lnRef>
+          <a:fillRef idx="1">
+            <a:schemeClr val="accent1"/>
+          </a:fillRef>
+          <a:effectRef idx="0">
+            <a:schemeClr val="accent1"/>
+          </a:effectRef>
+          <a:fontRef idx="minor">
+            <a:schemeClr val="lt1"/>
+          </a:fontRef>
+        </p:style>
+        <p:txBody>
+          <a:bodyPr rtlCol="0" anchor="ctr"/>
+          <a:lstStyle/>
+          <a:p>
+            <a:pPr algn="ctr"/>
+            <a:endParaRPr lang="ko-KR" altLang="en-US"/>
+          </a:p>
+        </p:txBody>
+      </p:sp>
+      <p:sp>
+        <p:nvSpPr>
           <p:cNvPr id="2" name="제목 1"/>
           <p:cNvSpPr>
             <a:spLocks noGrp="1"/>
@@ -3289,14 +4080,19 @@
             <p:ph type="title"/>
           </p:nvPr>
         </p:nvSpPr>
-        <p:spPr/>
+        <p:spPr>
+          <a:xfrm>
+            <a:off x="131619" y="122266"/>
+            <a:ext cx="3841865" cy="994843"/>
+          </a:xfrm>
+        </p:spPr>
         <p:txBody>
           <a:bodyPr/>
           <a:lstStyle/>
           <a:p>
             <a:r>
               <a:rPr lang="ko-KR" altLang="en-US" dirty="0" smtClean="0"/>
-              <a:t>강의 목록 페이지</a:t>
+              <a:t>로그인 페이지</a:t>
             </a:r>
             <a:endParaRPr lang="ko-KR" altLang="en-US" dirty="0"/>
           </a:p>
@@ -3304,7 +4100,7 @@
       </p:sp>
       <p:pic>
         <p:nvPicPr>
-          <p:cNvPr id="4" name="내용 개체 틀 3"/>
+          <p:cNvPr id="5" name="내용 개체 틀 4"/>
           <p:cNvPicPr>
             <a:picLocks noGrp="1" noChangeAspect="1"/>
           </p:cNvPicPr>
@@ -3320,8 +4116,162 @@
         </p:blipFill>
         <p:spPr>
           <a:xfrm>
-            <a:off x="339436" y="1690688"/>
-            <a:ext cx="6007586" cy="2973676"/>
+            <a:off x="198121" y="1411261"/>
+            <a:ext cx="3458546" cy="3180570"/>
+          </a:xfrm>
+          <a:prstGeom prst="rect">
+            <a:avLst/>
+          </a:prstGeom>
+        </p:spPr>
+      </p:pic>
+      <p:pic>
+        <p:nvPicPr>
+          <p:cNvPr id="3" name="그림 2"/>
+          <p:cNvPicPr>
+            <a:picLocks noChangeAspect="1"/>
+          </p:cNvPicPr>
+          <p:nvPr/>
+        </p:nvPicPr>
+        <p:blipFill>
+          <a:blip r:embed="rId3">
+            <a:extLst>
+              <a:ext uri="{28A0092B-C50C-407E-A947-70E740481C1C}">
+                <a14:useLocalDpi xmlns:a14="http://schemas.microsoft.com/office/drawing/2010/main" val="0"/>
+              </a:ext>
+            </a:extLst>
+          </a:blip>
+          <a:stretch>
+            <a:fillRect/>
+          </a:stretch>
+        </p:blipFill>
+        <p:spPr>
+          <a:xfrm>
+            <a:off x="6417377" y="1901590"/>
+            <a:ext cx="5370070" cy="365745"/>
+          </a:xfrm>
+          <a:prstGeom prst="rect">
+            <a:avLst/>
+          </a:prstGeom>
+        </p:spPr>
+      </p:pic>
+      <p:pic>
+        <p:nvPicPr>
+          <p:cNvPr id="4" name="그림 3"/>
+          <p:cNvPicPr>
+            <a:picLocks noChangeAspect="1"/>
+          </p:cNvPicPr>
+          <p:nvPr/>
+        </p:nvPicPr>
+        <p:blipFill>
+          <a:blip r:embed="rId4">
+            <a:extLst>
+              <a:ext uri="{28A0092B-C50C-407E-A947-70E740481C1C}">
+                <a14:useLocalDpi xmlns:a14="http://schemas.microsoft.com/office/drawing/2010/main" val="0"/>
+              </a:ext>
+            </a:extLst>
+          </a:blip>
+          <a:stretch>
+            <a:fillRect/>
+          </a:stretch>
+        </p:blipFill>
+        <p:spPr>
+          <a:xfrm>
+            <a:off x="6417376" y="3529053"/>
+            <a:ext cx="5370070" cy="848423"/>
+          </a:xfrm>
+          <a:prstGeom prst="rect">
+            <a:avLst/>
+          </a:prstGeom>
+        </p:spPr>
+      </p:pic>
+      <p:sp>
+        <p:nvSpPr>
+          <p:cNvPr id="8" name="TextBox 7"/>
+          <p:cNvSpPr txBox="1"/>
+          <p:nvPr/>
+        </p:nvSpPr>
+        <p:spPr>
+          <a:xfrm>
+            <a:off x="6417376" y="1411261"/>
+            <a:ext cx="2507418" cy="369332"/>
+          </a:xfrm>
+          <a:prstGeom prst="rect">
+            <a:avLst/>
+          </a:prstGeom>
+          <a:noFill/>
+        </p:spPr>
+        <p:txBody>
+          <a:bodyPr wrap="none" rtlCol="0">
+            <a:spAutoFit/>
+          </a:bodyPr>
+          <a:lstStyle/>
+          <a:p>
+            <a:r>
+              <a:rPr lang="ko-KR" altLang="en-US" dirty="0" smtClean="0"/>
+              <a:t>로그인 성공 시 </a:t>
+            </a:r>
+            <a:r>
+              <a:rPr lang="ko-KR" altLang="en-US" dirty="0" err="1" smtClean="0"/>
+              <a:t>상단바</a:t>
+            </a:r>
+            <a:endParaRPr lang="ko-KR" altLang="en-US" dirty="0"/>
+          </a:p>
+        </p:txBody>
+      </p:sp>
+      <p:sp>
+        <p:nvSpPr>
+          <p:cNvPr id="9" name="TextBox 8"/>
+          <p:cNvSpPr txBox="1"/>
+          <p:nvPr/>
+        </p:nvSpPr>
+        <p:spPr>
+          <a:xfrm>
+            <a:off x="6417240" y="2974341"/>
+            <a:ext cx="2194832" cy="369332"/>
+          </a:xfrm>
+          <a:prstGeom prst="rect">
+            <a:avLst/>
+          </a:prstGeom>
+          <a:noFill/>
+        </p:spPr>
+        <p:txBody>
+          <a:bodyPr wrap="none" rtlCol="0">
+            <a:spAutoFit/>
+          </a:bodyPr>
+          <a:lstStyle/>
+          <a:p>
+            <a:r>
+              <a:rPr lang="ko-KR" altLang="en-US" dirty="0" smtClean="0"/>
+              <a:t>로그아웃 기능 포함</a:t>
+            </a:r>
+            <a:endParaRPr lang="ko-KR" altLang="en-US" dirty="0"/>
+          </a:p>
+        </p:txBody>
+      </p:sp>
+      <p:pic>
+        <p:nvPicPr>
+          <p:cNvPr id="11" name="그림 10"/>
+          <p:cNvPicPr>
+            <a:picLocks noChangeAspect="1"/>
+          </p:cNvPicPr>
+          <p:nvPr/>
+        </p:nvPicPr>
+        <p:blipFill>
+          <a:blip r:embed="rId5">
+            <a:extLst>
+              <a:ext uri="{28A0092B-C50C-407E-A947-70E740481C1C}">
+                <a14:useLocalDpi xmlns:a14="http://schemas.microsoft.com/office/drawing/2010/main" val="0"/>
+              </a:ext>
+            </a:extLst>
+          </a:blip>
+          <a:stretch>
+            <a:fillRect/>
+          </a:stretch>
+        </p:blipFill>
+        <p:spPr>
+          <a:xfrm>
+            <a:off x="3882946" y="1411261"/>
+            <a:ext cx="2308152" cy="3495493"/>
           </a:xfrm>
           <a:prstGeom prst="rect">
             <a:avLst/>
@@ -3331,7 +4281,7 @@
     </p:spTree>
     <p:extLst>
       <p:ext uri="{BB962C8B-B14F-4D97-AF65-F5344CB8AC3E}">
-        <p14:creationId xmlns:p14="http://schemas.microsoft.com/office/powerpoint/2010/main" val="790637500"/>
+        <p14:creationId xmlns:p14="http://schemas.microsoft.com/office/powerpoint/2010/main" val="220854036"/>
       </p:ext>
     </p:extLst>
   </p:cSld>
@@ -3360,6 +4310,88 @@
       </p:grpSpPr>
       <p:sp>
         <p:nvSpPr>
+          <p:cNvPr id="18" name="직사각형 17"/>
+          <p:cNvSpPr/>
+          <p:nvPr/>
+        </p:nvSpPr>
+        <p:spPr>
+          <a:xfrm>
+            <a:off x="92757" y="964709"/>
+            <a:ext cx="6947618" cy="5560782"/>
+          </a:xfrm>
+          <a:prstGeom prst="rect">
+            <a:avLst/>
+          </a:prstGeom>
+          <a:noFill/>
+        </p:spPr>
+        <p:style>
+          <a:lnRef idx="2">
+            <a:schemeClr val="accent1">
+              <a:shade val="50000"/>
+            </a:schemeClr>
+          </a:lnRef>
+          <a:fillRef idx="1">
+            <a:schemeClr val="accent1"/>
+          </a:fillRef>
+          <a:effectRef idx="0">
+            <a:schemeClr val="accent1"/>
+          </a:effectRef>
+          <a:fontRef idx="minor">
+            <a:schemeClr val="lt1"/>
+          </a:fontRef>
+        </p:style>
+        <p:txBody>
+          <a:bodyPr rtlCol="0" anchor="ctr"/>
+          <a:lstStyle/>
+          <a:p>
+            <a:pPr algn="ctr"/>
+            <a:endParaRPr lang="ko-KR" altLang="en-US"/>
+          </a:p>
+        </p:txBody>
+      </p:sp>
+      <p:sp>
+        <p:nvSpPr>
+          <p:cNvPr id="17" name="직사각형 16"/>
+          <p:cNvSpPr/>
+          <p:nvPr/>
+        </p:nvSpPr>
+        <p:spPr>
+          <a:xfrm>
+            <a:off x="7173884" y="498764"/>
+            <a:ext cx="4364181" cy="6026727"/>
+          </a:xfrm>
+          <a:prstGeom prst="rect">
+            <a:avLst/>
+          </a:prstGeom>
+          <a:noFill/>
+        </p:spPr>
+        <p:style>
+          <a:lnRef idx="2">
+            <a:schemeClr val="accent1">
+              <a:shade val="50000"/>
+            </a:schemeClr>
+          </a:lnRef>
+          <a:fillRef idx="1">
+            <a:schemeClr val="accent1"/>
+          </a:fillRef>
+          <a:effectRef idx="0">
+            <a:schemeClr val="accent1"/>
+          </a:effectRef>
+          <a:fontRef idx="minor">
+            <a:schemeClr val="lt1"/>
+          </a:fontRef>
+        </p:style>
+        <p:txBody>
+          <a:bodyPr rtlCol="0" anchor="ctr"/>
+          <a:lstStyle/>
+          <a:p>
+            <a:pPr algn="ctr"/>
+            <a:endParaRPr lang="ko-KR" altLang="en-US"/>
+          </a:p>
+        </p:txBody>
+      </p:sp>
+      <p:sp>
+        <p:nvSpPr>
           <p:cNvPr id="2" name="제목 1"/>
           <p:cNvSpPr>
             <a:spLocks noGrp="1"/>
@@ -3368,14 +4400,19 @@
             <p:ph type="title"/>
           </p:nvPr>
         </p:nvSpPr>
-        <p:spPr/>
+        <p:spPr>
+          <a:xfrm>
+            <a:off x="131619" y="122266"/>
+            <a:ext cx="3841865" cy="994843"/>
+          </a:xfrm>
+        </p:spPr>
         <p:txBody>
           <a:bodyPr/>
           <a:lstStyle/>
           <a:p>
             <a:r>
               <a:rPr lang="ko-KR" altLang="en-US" dirty="0" smtClean="0"/>
-              <a:t>강의 목록 페이지</a:t>
+              <a:t>로그인 페이지</a:t>
             </a:r>
             <a:endParaRPr lang="ko-KR" altLang="en-US" dirty="0"/>
           </a:p>
@@ -3383,34 +4420,151 @@
       </p:sp>
       <p:pic>
         <p:nvPicPr>
-          <p:cNvPr id="4" name="내용 개체 틀 3"/>
+          <p:cNvPr id="6" name="그림 5"/>
           <p:cNvPicPr>
-            <a:picLocks noGrp="1" noChangeAspect="1"/>
+            <a:picLocks noChangeAspect="1"/>
           </p:cNvPicPr>
-          <p:nvPr>
-            <p:ph idx="1"/>
-          </p:nvPr>
+          <p:nvPr/>
         </p:nvPicPr>
         <p:blipFill>
-          <a:blip r:embed="rId2"/>
+          <a:blip r:embed="rId2">
+            <a:extLst>
+              <a:ext uri="{28A0092B-C50C-407E-A947-70E740481C1C}">
+                <a14:useLocalDpi xmlns:a14="http://schemas.microsoft.com/office/drawing/2010/main" val="0"/>
+              </a:ext>
+            </a:extLst>
+          </a:blip>
           <a:stretch>
             <a:fillRect/>
           </a:stretch>
         </p:blipFill>
         <p:spPr>
           <a:xfrm>
-            <a:off x="339436" y="1690688"/>
-            <a:ext cx="6007586" cy="2973676"/>
+            <a:off x="211678" y="1180406"/>
+            <a:ext cx="4008694" cy="5079078"/>
           </a:xfrm>
           <a:prstGeom prst="rect">
             <a:avLst/>
           </a:prstGeom>
         </p:spPr>
       </p:pic>
+      <p:pic>
+        <p:nvPicPr>
+          <p:cNvPr id="7" name="그림 6"/>
+          <p:cNvPicPr>
+            <a:picLocks noChangeAspect="1"/>
+          </p:cNvPicPr>
+          <p:nvPr/>
+        </p:nvPicPr>
+        <p:blipFill>
+          <a:blip r:embed="rId3">
+            <a:extLst>
+              <a:ext uri="{28A0092B-C50C-407E-A947-70E740481C1C}">
+                <a14:useLocalDpi xmlns:a14="http://schemas.microsoft.com/office/drawing/2010/main" val="0"/>
+              </a:ext>
+            </a:extLst>
+          </a:blip>
+          <a:stretch>
+            <a:fillRect/>
+          </a:stretch>
+        </p:blipFill>
+        <p:spPr>
+          <a:xfrm>
+            <a:off x="7584975" y="1180406"/>
+            <a:ext cx="3590524" cy="5079078"/>
+          </a:xfrm>
+          <a:prstGeom prst="rect">
+            <a:avLst/>
+          </a:prstGeom>
+        </p:spPr>
+      </p:pic>
+      <p:sp>
+        <p:nvSpPr>
+          <p:cNvPr id="15" name="TextBox 14"/>
+          <p:cNvSpPr txBox="1"/>
+          <p:nvPr/>
+        </p:nvSpPr>
+        <p:spPr>
+          <a:xfrm>
+            <a:off x="7970236" y="747777"/>
+            <a:ext cx="2820003" cy="369332"/>
+          </a:xfrm>
+          <a:prstGeom prst="rect">
+            <a:avLst/>
+          </a:prstGeom>
+          <a:noFill/>
+        </p:spPr>
+        <p:txBody>
+          <a:bodyPr wrap="none" rtlCol="0">
+            <a:spAutoFit/>
+          </a:bodyPr>
+          <a:lstStyle/>
+          <a:p>
+            <a:r>
+              <a:rPr lang="ko-KR" altLang="en-US" dirty="0" smtClean="0"/>
+              <a:t>로그인 성공 및 실패 코드</a:t>
+            </a:r>
+            <a:endParaRPr lang="ko-KR" altLang="en-US" dirty="0"/>
+          </a:p>
+        </p:txBody>
+      </p:sp>
+      <p:sp>
+        <p:nvSpPr>
+          <p:cNvPr id="16" name="TextBox 15"/>
+          <p:cNvSpPr txBox="1"/>
+          <p:nvPr/>
+        </p:nvSpPr>
+        <p:spPr>
+          <a:xfrm>
+            <a:off x="4220372" y="2329967"/>
+            <a:ext cx="2416752" cy="646331"/>
+          </a:xfrm>
+          <a:prstGeom prst="rect">
+            <a:avLst/>
+          </a:prstGeom>
+          <a:noFill/>
+        </p:spPr>
+        <p:txBody>
+          <a:bodyPr wrap="none" rtlCol="0">
+            <a:spAutoFit/>
+          </a:bodyPr>
+          <a:lstStyle/>
+          <a:p>
+            <a:r>
+              <a:rPr lang="ko-KR" altLang="en-US" dirty="0" smtClean="0"/>
+              <a:t>로그인 창</a:t>
+            </a:r>
+            <a:endParaRPr lang="en-US" altLang="ko-KR" dirty="0" smtClean="0"/>
+          </a:p>
+          <a:p>
+            <a:r>
+              <a:rPr lang="en-US" altLang="ko-KR" dirty="0" smtClean="0"/>
+              <a:t>html </a:t>
+            </a:r>
+            <a:r>
+              <a:rPr lang="ko-KR" altLang="en-US" dirty="0" smtClean="0"/>
+              <a:t>문서</a:t>
+            </a:r>
+            <a:r>
+              <a:rPr lang="en-US" altLang="ko-KR" dirty="0" smtClean="0"/>
+              <a:t>(</a:t>
+            </a:r>
+            <a:r>
+              <a:rPr lang="en-US" altLang="ko-KR" dirty="0" err="1" smtClean="0"/>
+              <a:t>TypeScript</a:t>
+            </a:r>
+            <a:r>
+              <a:rPr lang="en-US" altLang="ko-KR" dirty="0" smtClean="0"/>
+              <a:t>)</a:t>
+            </a:r>
+            <a:endParaRPr lang="ko-KR" altLang="en-US" dirty="0"/>
+          </a:p>
+        </p:txBody>
+      </p:sp>
     </p:spTree>
     <p:extLst>
       <p:ext uri="{BB962C8B-B14F-4D97-AF65-F5344CB8AC3E}">
-        <p14:creationId xmlns:p14="http://schemas.microsoft.com/office/powerpoint/2010/main" val="4220909973"/>
+        <p14:creationId xmlns:p14="http://schemas.microsoft.com/office/powerpoint/2010/main" val="4030228246"/>
       </p:ext>
     </p:extLst>
   </p:cSld>
@@ -3449,32 +4603,53 @@
         </p:nvSpPr>
         <p:spPr>
           <a:xfrm>
-            <a:off x="2414153" y="69191"/>
-            <a:ext cx="6729847" cy="728832"/>
-          </a:xfrm>
-        </p:spPr>
-        <p:txBody>
-          <a:bodyPr>
-            <a:normAutofit/>
-          </a:bodyPr>
-          <a:lstStyle/>
-          <a:p>
-            <a:r>
-              <a:rPr lang="ko-KR" altLang="en-US" sz="3600" dirty="0" smtClean="0"/>
-              <a:t>강의 상세 페이지 </a:t>
-            </a:r>
-            <a:r>
-              <a:rPr lang="en-US" altLang="ko-KR" sz="3600" dirty="0" smtClean="0"/>
-              <a:t>– </a:t>
-            </a:r>
-            <a:r>
-              <a:rPr lang="ko-KR" altLang="en-US" sz="3600" dirty="0" smtClean="0"/>
-              <a:t>페이지 출력</a:t>
-            </a:r>
-            <a:endParaRPr lang="ko-KR" altLang="en-US" sz="3600" dirty="0"/>
-          </a:p>
-        </p:txBody>
-      </p:sp>
+            <a:off x="297873" y="157307"/>
+            <a:ext cx="4631574" cy="1325563"/>
+          </a:xfrm>
+        </p:spPr>
+        <p:txBody>
+          <a:bodyPr/>
+          <a:lstStyle/>
+          <a:p>
+            <a:r>
+              <a:rPr lang="ko-KR" altLang="en-US" dirty="0" smtClean="0"/>
+              <a:t>회원가입 페이지</a:t>
+            </a:r>
+            <a:endParaRPr lang="ko-KR" altLang="en-US" dirty="0"/>
+          </a:p>
+        </p:txBody>
+      </p:sp>
+      <p:pic>
+        <p:nvPicPr>
+          <p:cNvPr id="4" name="내용 개체 틀 3"/>
+          <p:cNvPicPr>
+            <a:picLocks noGrp="1" noChangeAspect="1"/>
+          </p:cNvPicPr>
+          <p:nvPr>
+            <p:ph idx="1"/>
+          </p:nvPr>
+        </p:nvPicPr>
+        <p:blipFill>
+          <a:blip r:embed="rId2"/>
+          <a:stretch>
+            <a:fillRect/>
+          </a:stretch>
+        </p:blipFill>
+        <p:spPr>
+          <a:xfrm>
+            <a:off x="149629" y="1755672"/>
+            <a:ext cx="3233303" cy="4871922"/>
+          </a:xfrm>
+          <a:prstGeom prst="rect">
+            <a:avLst/>
+          </a:prstGeom>
+          <a:ln>
+            <a:solidFill>
+              <a:schemeClr val="accent1"/>
+            </a:solidFill>
+          </a:ln>
+        </p:spPr>
+      </p:pic>
       <p:pic>
         <p:nvPicPr>
           <p:cNvPr id="3" name="그림 2"/>
@@ -3484,7 +4659,7 @@
           <p:nvPr/>
         </p:nvPicPr>
         <p:blipFill>
-          <a:blip r:embed="rId2">
+          <a:blip r:embed="rId3">
             <a:extLst>
               <a:ext uri="{28A0092B-C50C-407E-A947-70E740481C1C}">
                 <a14:useLocalDpi xmlns:a14="http://schemas.microsoft.com/office/drawing/2010/main" val="0"/>
@@ -3497,8 +4672,8 @@
         </p:blipFill>
         <p:spPr>
           <a:xfrm>
-            <a:off x="108067" y="903531"/>
-            <a:ext cx="6407114" cy="3180570"/>
+            <a:off x="3770452" y="2058762"/>
+            <a:ext cx="2268290" cy="3959654"/>
           </a:xfrm>
           <a:prstGeom prst="rect">
             <a:avLst/>
@@ -3512,14 +4687,14 @@
       </p:pic>
       <p:sp>
         <p:nvSpPr>
-          <p:cNvPr id="6" name="TextBox 5"/>
+          <p:cNvPr id="5" name="TextBox 4"/>
           <p:cNvSpPr txBox="1"/>
           <p:nvPr/>
         </p:nvSpPr>
         <p:spPr>
           <a:xfrm>
-            <a:off x="108067" y="4189609"/>
-            <a:ext cx="8462356" cy="646331"/>
+            <a:off x="4062863" y="1571006"/>
+            <a:ext cx="1733167" cy="369332"/>
           </a:xfrm>
           <a:prstGeom prst="rect">
             <a:avLst/>
@@ -3527,41 +4702,14 @@
           <a:noFill/>
         </p:spPr>
         <p:txBody>
-          <a:bodyPr wrap="square" rtlCol="0">
+          <a:bodyPr wrap="none" rtlCol="0">
             <a:spAutoFit/>
           </a:bodyPr>
           <a:lstStyle/>
           <a:p>
             <a:r>
               <a:rPr lang="ko-KR" altLang="en-US" dirty="0" smtClean="0"/>
-              <a:t>메인 페이지나 목록 페이지에서 강의를 클릭 할 시</a:t>
-            </a:r>
-            <a:r>
-              <a:rPr lang="en-US" altLang="ko-KR" dirty="0" smtClean="0"/>
-              <a:t>, </a:t>
-            </a:r>
-            <a:r>
-              <a:rPr lang="ko-KR" altLang="en-US" dirty="0" smtClean="0"/>
-              <a:t>해당 강의의 클래스</a:t>
-            </a:r>
-            <a:r>
-              <a:rPr lang="en-US" altLang="ko-KR" dirty="0" smtClean="0"/>
-              <a:t>ID</a:t>
-            </a:r>
-            <a:r>
-              <a:rPr lang="ko-KR" altLang="en-US" dirty="0" smtClean="0"/>
-              <a:t>에 따라</a:t>
-            </a:r>
-            <a:endParaRPr lang="en-US" altLang="ko-KR" dirty="0" smtClean="0"/>
-          </a:p>
-          <a:p>
-            <a:r>
-              <a:rPr lang="ko-KR" altLang="en-US" dirty="0" smtClean="0"/>
-              <a:t>상세 페이지에서 출력되는 데이터가 달라지도록 설정했습니다</a:t>
-            </a:r>
-            <a:r>
-              <a:rPr lang="en-US" altLang="ko-KR" dirty="0" smtClean="0"/>
-              <a:t>.</a:t>
+              <a:t>회원 가입 성공</a:t>
             </a:r>
             <a:endParaRPr lang="ko-KR" altLang="en-US" dirty="0"/>
           </a:p>
@@ -3569,14 +4717,14 @@
       </p:sp>
       <p:pic>
         <p:nvPicPr>
-          <p:cNvPr id="7" name="그림 6"/>
+          <p:cNvPr id="6" name="그림 5"/>
           <p:cNvPicPr>
             <a:picLocks noChangeAspect="1"/>
           </p:cNvPicPr>
           <p:nvPr/>
         </p:nvPicPr>
         <p:blipFill>
-          <a:blip r:embed="rId3" cstate="print">
+          <a:blip r:embed="rId4">
             <a:extLst>
               <a:ext uri="{28A0092B-C50C-407E-A947-70E740481C1C}">
                 <a14:useLocalDpi xmlns:a14="http://schemas.microsoft.com/office/drawing/2010/main" val="0"/>
@@ -3589,8 +4737,8 @@
         </p:blipFill>
         <p:spPr>
           <a:xfrm>
-            <a:off x="6683432" y="903531"/>
-            <a:ext cx="5210196" cy="3180570"/>
+            <a:off x="6426262" y="2058763"/>
+            <a:ext cx="2150581" cy="3959654"/>
           </a:xfrm>
           <a:prstGeom prst="rect">
             <a:avLst/>
@@ -3604,14 +4752,14 @@
       </p:pic>
       <p:sp>
         <p:nvSpPr>
-          <p:cNvPr id="4" name="TextBox 3"/>
+          <p:cNvPr id="7" name="TextBox 6"/>
           <p:cNvSpPr txBox="1"/>
           <p:nvPr/>
         </p:nvSpPr>
         <p:spPr>
           <a:xfrm>
-            <a:off x="108067" y="4941448"/>
-            <a:ext cx="4139082" cy="338554"/>
+            <a:off x="6634968" y="1571006"/>
+            <a:ext cx="1733167" cy="369332"/>
           </a:xfrm>
           <a:prstGeom prst="rect">
             <a:avLst/>
@@ -3625,41 +4773,87 @@
           <a:lstStyle/>
           <a:p>
             <a:r>
-              <a:rPr lang="en-US" altLang="ko-KR" sz="1600" b="1" dirty="0" err="1"/>
-              <a:t>const</a:t>
-            </a:r>
-            <a:r>
-              <a:rPr lang="en-US" altLang="ko-KR" sz="1600" b="1" dirty="0"/>
-              <a:t> { </a:t>
-            </a:r>
-            <a:r>
-              <a:rPr lang="en-US" altLang="ko-KR" sz="1600" b="1" dirty="0" err="1"/>
-              <a:t>idClass</a:t>
-            </a:r>
-            <a:r>
-              <a:rPr lang="en-US" altLang="ko-KR" sz="1600" b="1" dirty="0"/>
-              <a:t> } = </a:t>
-            </a:r>
-            <a:r>
-              <a:rPr lang="en-US" altLang="ko-KR" sz="1600" b="1" dirty="0" err="1"/>
-              <a:t>useParams</a:t>
-            </a:r>
-            <a:r>
-              <a:rPr lang="en-US" altLang="ko-KR" sz="1600" b="1" dirty="0"/>
-              <a:t>&lt;string</a:t>
-            </a:r>
-            <a:r>
-              <a:rPr lang="en-US" altLang="ko-KR" sz="1600" b="1" dirty="0" smtClean="0"/>
-              <a:t>&gt;();</a:t>
-            </a:r>
-            <a:endParaRPr lang="en-US" altLang="ko-KR" sz="1600" b="1" dirty="0"/>
-          </a:p>
-        </p:txBody>
-      </p:sp>
+              <a:rPr lang="ko-KR" altLang="en-US" dirty="0" smtClean="0"/>
+              <a:t>회원 가입 실패</a:t>
+            </a:r>
+            <a:endParaRPr lang="ko-KR" altLang="en-US" dirty="0"/>
+          </a:p>
+        </p:txBody>
+      </p:sp>
+      <p:sp>
+        <p:nvSpPr>
+          <p:cNvPr id="8" name="오른쪽 화살표 7"/>
+          <p:cNvSpPr/>
+          <p:nvPr/>
+        </p:nvSpPr>
+        <p:spPr>
+          <a:xfrm>
+            <a:off x="3450685" y="3414393"/>
+            <a:ext cx="252014" cy="1554480"/>
+          </a:xfrm>
+          <a:prstGeom prst="rightArrow">
+            <a:avLst/>
+          </a:prstGeom>
+        </p:spPr>
+        <p:style>
+          <a:lnRef idx="2">
+            <a:schemeClr val="accent1">
+              <a:shade val="50000"/>
+            </a:schemeClr>
+          </a:lnRef>
+          <a:fillRef idx="1">
+            <a:schemeClr val="accent1"/>
+          </a:fillRef>
+          <a:effectRef idx="0">
+            <a:schemeClr val="accent1"/>
+          </a:effectRef>
+          <a:fontRef idx="minor">
+            <a:schemeClr val="lt1"/>
+          </a:fontRef>
+        </p:style>
+        <p:txBody>
+          <a:bodyPr rtlCol="0" anchor="ctr"/>
+          <a:lstStyle/>
+          <a:p>
+            <a:pPr algn="ctr"/>
+            <a:endParaRPr lang="ko-KR" altLang="en-US"/>
+          </a:p>
+        </p:txBody>
+      </p:sp>
+      <p:pic>
+        <p:nvPicPr>
+          <p:cNvPr id="9" name="그림 8"/>
+          <p:cNvPicPr>
+            <a:picLocks noChangeAspect="1"/>
+          </p:cNvPicPr>
+          <p:nvPr/>
+        </p:nvPicPr>
+        <p:blipFill>
+          <a:blip r:embed="rId5">
+            <a:extLst>
+              <a:ext uri="{28A0092B-C50C-407E-A947-70E740481C1C}">
+                <a14:useLocalDpi xmlns:a14="http://schemas.microsoft.com/office/drawing/2010/main" val="0"/>
+              </a:ext>
+            </a:extLst>
+          </a:blip>
+          <a:stretch>
+            <a:fillRect/>
+          </a:stretch>
+        </p:blipFill>
+        <p:spPr>
+          <a:xfrm>
+            <a:off x="8697371" y="1571006"/>
+            <a:ext cx="3399798" cy="4447410"/>
+          </a:xfrm>
+          <a:prstGeom prst="rect">
+            <a:avLst/>
+          </a:prstGeom>
+        </p:spPr>
+      </p:pic>
     </p:spTree>
     <p:extLst>
       <p:ext uri="{BB962C8B-B14F-4D97-AF65-F5344CB8AC3E}">
-        <p14:creationId xmlns:p14="http://schemas.microsoft.com/office/powerpoint/2010/main" val="528649219"/>
+        <p14:creationId xmlns:p14="http://schemas.microsoft.com/office/powerpoint/2010/main" val="4227334908"/>
       </p:ext>
     </p:extLst>
   </p:cSld>
@@ -3698,75 +4892,29 @@
         </p:nvSpPr>
         <p:spPr>
           <a:xfrm>
-            <a:off x="2414153" y="69191"/>
-            <a:ext cx="6729847" cy="728832"/>
-          </a:xfrm>
-        </p:spPr>
-        <p:txBody>
-          <a:bodyPr>
-            <a:normAutofit/>
-          </a:bodyPr>
-          <a:lstStyle/>
-          <a:p>
-            <a:r>
-              <a:rPr lang="ko-KR" altLang="en-US" sz="3600" dirty="0" smtClean="0"/>
-              <a:t>강의 상세 페이지 </a:t>
-            </a:r>
-            <a:r>
-              <a:rPr lang="en-US" altLang="ko-KR" sz="3600" dirty="0" smtClean="0"/>
-              <a:t>– </a:t>
-            </a:r>
-            <a:r>
-              <a:rPr lang="ko-KR" altLang="en-US" sz="3600" dirty="0" smtClean="0"/>
-              <a:t>페이지 출력</a:t>
-            </a:r>
-            <a:endParaRPr lang="ko-KR" altLang="en-US" sz="3600" dirty="0"/>
-          </a:p>
-        </p:txBody>
-      </p:sp>
-      <p:sp>
-        <p:nvSpPr>
-          <p:cNvPr id="6" name="TextBox 5"/>
-          <p:cNvSpPr txBox="1"/>
-          <p:nvPr/>
-        </p:nvSpPr>
-        <p:spPr>
-          <a:xfrm>
-            <a:off x="316804" y="4802484"/>
-            <a:ext cx="4653522" cy="923330"/>
-          </a:xfrm>
-          <a:prstGeom prst="rect">
-            <a:avLst/>
-          </a:prstGeom>
-          <a:noFill/>
-        </p:spPr>
-        <p:txBody>
-          <a:bodyPr wrap="square" rtlCol="0">
-            <a:spAutoFit/>
-          </a:bodyPr>
-          <a:lstStyle/>
-          <a:p>
-            <a:r>
-              <a:rPr lang="ko-KR" altLang="en-US" dirty="0" smtClean="0"/>
-              <a:t>상세 페이지에 네비게이션 바를 탑재하여</a:t>
-            </a:r>
-            <a:endParaRPr lang="en-US" altLang="ko-KR" dirty="0" smtClean="0"/>
-          </a:p>
-          <a:p>
-            <a:r>
-              <a:rPr lang="ko-KR" altLang="en-US" dirty="0" smtClean="0"/>
-              <a:t>클릭 시 각각의 이름에 맞는 위치로</a:t>
-            </a:r>
-            <a:endParaRPr lang="en-US" altLang="ko-KR" dirty="0" smtClean="0"/>
-          </a:p>
-          <a:p>
-            <a:r>
-              <a:rPr lang="ko-KR" altLang="en-US" dirty="0" smtClean="0"/>
-              <a:t>찾아갈 수 있게 설정했습니다</a:t>
-            </a:r>
-            <a:r>
-              <a:rPr lang="en-US" altLang="ko-KR" dirty="0" smtClean="0"/>
-              <a:t>.</a:t>
+            <a:off x="216593" y="190558"/>
+            <a:ext cx="6242396" cy="1325563"/>
+          </a:xfrm>
+        </p:spPr>
+        <p:txBody>
+          <a:bodyPr/>
+          <a:lstStyle/>
+          <a:p>
+            <a:r>
+              <a:rPr lang="ko-KR" altLang="en-US" dirty="0" smtClean="0"/>
+              <a:t>강의 목록 </a:t>
+            </a:r>
+            <a:r>
+              <a:rPr lang="ko-KR" altLang="en-US" dirty="0" smtClean="0"/>
+              <a:t>페이지 </a:t>
+            </a:r>
+            <a:r>
+              <a:rPr lang="en-US" altLang="ko-KR" dirty="0" smtClean="0"/>
+              <a:t>- </a:t>
+            </a:r>
+            <a:r>
+              <a:rPr lang="ko-KR" altLang="en-US" dirty="0" smtClean="0"/>
+              <a:t>분류</a:t>
             </a:r>
             <a:endParaRPr lang="ko-KR" altLang="en-US" dirty="0"/>
           </a:p>
@@ -3774,28 +4922,24 @@
       </p:sp>
       <p:pic>
         <p:nvPicPr>
-          <p:cNvPr id="4" name="그림 3"/>
+          <p:cNvPr id="4" name="내용 개체 틀 3"/>
           <p:cNvPicPr>
-            <a:picLocks noChangeAspect="1"/>
+            <a:picLocks noGrp="1" noChangeAspect="1"/>
           </p:cNvPicPr>
-          <p:nvPr/>
+          <p:nvPr>
+            <p:ph idx="1"/>
+          </p:nvPr>
         </p:nvPicPr>
         <p:blipFill>
-          <a:blip r:embed="rId2">
-            <a:extLst>
-              <a:ext uri="{28A0092B-C50C-407E-A947-70E740481C1C}">
-                <a14:useLocalDpi xmlns:a14="http://schemas.microsoft.com/office/drawing/2010/main" val="0"/>
-              </a:ext>
-            </a:extLst>
-          </a:blip>
+          <a:blip r:embed="rId2"/>
           <a:stretch>
             <a:fillRect/>
           </a:stretch>
         </p:blipFill>
         <p:spPr>
           <a:xfrm>
-            <a:off x="127023" y="1169862"/>
-            <a:ext cx="5033083" cy="3535142"/>
+            <a:off x="99173" y="1362120"/>
+            <a:ext cx="4945611" cy="2973676"/>
           </a:xfrm>
           <a:prstGeom prst="rect">
             <a:avLst/>
@@ -3807,6 +4951,36 @@
           </a:ln>
         </p:spPr>
       </p:pic>
+      <p:sp>
+        <p:nvSpPr>
+          <p:cNvPr id="3" name="TextBox 2"/>
+          <p:cNvSpPr txBox="1"/>
+          <p:nvPr/>
+        </p:nvSpPr>
+        <p:spPr>
+          <a:xfrm>
+            <a:off x="216593" y="2741292"/>
+            <a:ext cx="1107996" cy="369332"/>
+          </a:xfrm>
+          <a:prstGeom prst="rect">
+            <a:avLst/>
+          </a:prstGeom>
+          <a:noFill/>
+        </p:spPr>
+        <p:txBody>
+          <a:bodyPr wrap="none" rtlCol="0">
+            <a:spAutoFit/>
+          </a:bodyPr>
+          <a:lstStyle/>
+          <a:p>
+            <a:r>
+              <a:rPr lang="ko-KR" altLang="en-US" smtClean="0"/>
+              <a:t>전체강의</a:t>
+            </a:r>
+            <a:endParaRPr lang="ko-KR" altLang="en-US" dirty="0"/>
+          </a:p>
+        </p:txBody>
+      </p:sp>
       <p:pic>
         <p:nvPicPr>
           <p:cNvPr id="5" name="그림 4"/>
@@ -3829,8 +5003,8 @@
         </p:blipFill>
         <p:spPr>
           <a:xfrm>
-            <a:off x="5234903" y="899911"/>
-            <a:ext cx="2336052" cy="2746168"/>
+            <a:off x="5173026" y="1362120"/>
+            <a:ext cx="3182153" cy="2436796"/>
           </a:xfrm>
           <a:prstGeom prst="rect">
             <a:avLst/>
@@ -3844,14 +5018,14 @@
       </p:pic>
       <p:pic>
         <p:nvPicPr>
-          <p:cNvPr id="8" name="그림 7"/>
+          <p:cNvPr id="6" name="그림 5"/>
           <p:cNvPicPr>
             <a:picLocks noChangeAspect="1"/>
           </p:cNvPicPr>
           <p:nvPr/>
         </p:nvPicPr>
         <p:blipFill>
-          <a:blip r:embed="rId4">
+          <a:blip r:embed="rId4" cstate="print">
             <a:extLst>
               <a:ext uri="{28A0092B-C50C-407E-A947-70E740481C1C}">
                 <a14:useLocalDpi xmlns:a14="http://schemas.microsoft.com/office/drawing/2010/main" val="0"/>
@@ -3864,8 +5038,8 @@
         </p:blipFill>
         <p:spPr>
           <a:xfrm>
-            <a:off x="8005241" y="899912"/>
-            <a:ext cx="2542748" cy="2746168"/>
+            <a:off x="99173" y="4454790"/>
+            <a:ext cx="3317444" cy="2212354"/>
           </a:xfrm>
           <a:prstGeom prst="rect">
             <a:avLst/>
@@ -3879,14 +5053,14 @@
       </p:pic>
       <p:pic>
         <p:nvPicPr>
-          <p:cNvPr id="9" name="그림 8"/>
+          <p:cNvPr id="7" name="그림 6"/>
           <p:cNvPicPr>
             <a:picLocks noChangeAspect="1"/>
           </p:cNvPicPr>
           <p:nvPr/>
         </p:nvPicPr>
         <p:blipFill>
-          <a:blip r:embed="rId5">
+          <a:blip r:embed="rId5" cstate="print">
             <a:extLst>
               <a:ext uri="{28A0092B-C50C-407E-A947-70E740481C1C}">
                 <a14:useLocalDpi xmlns:a14="http://schemas.microsoft.com/office/drawing/2010/main" val="0"/>
@@ -3899,8 +5073,8 @@
         </p:blipFill>
         <p:spPr>
           <a:xfrm>
-            <a:off x="5244998" y="3822832"/>
-            <a:ext cx="2325957" cy="2882633"/>
+            <a:off x="3582189" y="4454790"/>
+            <a:ext cx="3181914" cy="2215926"/>
           </a:xfrm>
           <a:prstGeom prst="rect">
             <a:avLst/>
@@ -3914,14 +5088,14 @@
       </p:pic>
       <p:sp>
         <p:nvSpPr>
-          <p:cNvPr id="10" name="TextBox 9"/>
+          <p:cNvPr id="8" name="TextBox 7"/>
           <p:cNvSpPr txBox="1"/>
           <p:nvPr/>
         </p:nvSpPr>
         <p:spPr>
           <a:xfrm>
-            <a:off x="5998469" y="1337233"/>
-            <a:ext cx="1487908" cy="338554"/>
+            <a:off x="6968502" y="1516121"/>
+            <a:ext cx="877163" cy="369332"/>
           </a:xfrm>
           <a:prstGeom prst="rect">
             <a:avLst/>
@@ -3935,27 +5109,23 @@
           <a:lstStyle/>
           <a:p>
             <a:r>
-              <a:rPr lang="ko-KR" altLang="en-US" sz="1600" dirty="0" err="1" smtClean="0"/>
-              <a:t>강의소개</a:t>
-            </a:r>
-            <a:r>
-              <a:rPr lang="ko-KR" altLang="en-US" sz="1600" dirty="0" smtClean="0"/>
-              <a:t> 클릭</a:t>
-            </a:r>
-            <a:endParaRPr lang="ko-KR" altLang="en-US" sz="1600" dirty="0"/>
-          </a:p>
-        </p:txBody>
-      </p:sp>
-      <p:sp>
-        <p:nvSpPr>
-          <p:cNvPr id="11" name="TextBox 10"/>
+              <a:rPr lang="ko-KR" altLang="en-US" dirty="0" err="1" smtClean="0"/>
+              <a:t>백엔드</a:t>
+            </a:r>
+            <a:endParaRPr lang="ko-KR" altLang="en-US" dirty="0"/>
+          </a:p>
+        </p:txBody>
+      </p:sp>
+      <p:sp>
+        <p:nvSpPr>
+          <p:cNvPr id="9" name="TextBox 8"/>
           <p:cNvSpPr txBox="1"/>
           <p:nvPr/>
         </p:nvSpPr>
         <p:spPr>
           <a:xfrm>
-            <a:off x="8647886" y="2752767"/>
-            <a:ext cx="1553196" cy="338554"/>
+            <a:off x="1855703" y="4611995"/>
+            <a:ext cx="1560913" cy="369332"/>
           </a:xfrm>
           <a:prstGeom prst="rect">
             <a:avLst/>
@@ -3969,23 +5139,23 @@
           <a:lstStyle/>
           <a:p>
             <a:r>
-              <a:rPr lang="ko-KR" altLang="en-US" sz="1600" dirty="0" smtClean="0"/>
-              <a:t>커리큘럼 클릭</a:t>
-            </a:r>
-            <a:endParaRPr lang="ko-KR" altLang="en-US" sz="1600" dirty="0"/>
-          </a:p>
-        </p:txBody>
-      </p:sp>
-      <p:sp>
-        <p:nvSpPr>
-          <p:cNvPr id="12" name="TextBox 11"/>
+              <a:rPr lang="ko-KR" altLang="en-US" dirty="0" smtClean="0"/>
+              <a:t>데이터베이스</a:t>
+            </a:r>
+            <a:endParaRPr lang="ko-KR" altLang="en-US" dirty="0"/>
+          </a:p>
+        </p:txBody>
+      </p:sp>
+      <p:sp>
+        <p:nvSpPr>
+          <p:cNvPr id="10" name="TextBox 9"/>
           <p:cNvSpPr txBox="1"/>
           <p:nvPr/>
         </p:nvSpPr>
         <p:spPr>
           <a:xfrm>
-            <a:off x="5692638" y="5541148"/>
-            <a:ext cx="1282723" cy="338554"/>
+            <a:off x="5319106" y="4578030"/>
+            <a:ext cx="883175" cy="369332"/>
           </a:xfrm>
           <a:prstGeom prst="rect">
             <a:avLst/>
@@ -3993,27 +5163,53 @@
           <a:noFill/>
         </p:spPr>
         <p:txBody>
-          <a:bodyPr wrap="none" rtlCol="0">
+          <a:bodyPr wrap="square" rtlCol="0">
             <a:spAutoFit/>
           </a:bodyPr>
           <a:lstStyle/>
           <a:p>
             <a:r>
-              <a:rPr lang="ko-KR" altLang="en-US" sz="1600" dirty="0" err="1" smtClean="0"/>
-              <a:t>수강평</a:t>
-            </a:r>
-            <a:r>
-              <a:rPr lang="ko-KR" altLang="en-US" sz="1600" dirty="0" smtClean="0"/>
-              <a:t> 클릭</a:t>
-            </a:r>
-            <a:endParaRPr lang="ko-KR" altLang="en-US" sz="1600" dirty="0"/>
-          </a:p>
-        </p:txBody>
-      </p:sp>
+              <a:rPr lang="ko-KR" altLang="en-US" smtClean="0"/>
+              <a:t>풀스택</a:t>
+            </a:r>
+            <a:endParaRPr lang="ko-KR" altLang="en-US" dirty="0"/>
+          </a:p>
+        </p:txBody>
+      </p:sp>
+      <p:pic>
+        <p:nvPicPr>
+          <p:cNvPr id="11" name="그림 10"/>
+          <p:cNvPicPr>
+            <a:picLocks noChangeAspect="1"/>
+          </p:cNvPicPr>
+          <p:nvPr/>
+        </p:nvPicPr>
+        <p:blipFill>
+          <a:blip r:embed="rId6">
+            <a:extLst>
+              <a:ext uri="{28A0092B-C50C-407E-A947-70E740481C1C}">
+                <a14:useLocalDpi xmlns:a14="http://schemas.microsoft.com/office/drawing/2010/main" val="0"/>
+              </a:ext>
+            </a:extLst>
+          </a:blip>
+          <a:stretch>
+            <a:fillRect/>
+          </a:stretch>
+        </p:blipFill>
+        <p:spPr>
+          <a:xfrm>
+            <a:off x="8592550" y="1362120"/>
+            <a:ext cx="3523618" cy="4897364"/>
+          </a:xfrm>
+          <a:prstGeom prst="rect">
+            <a:avLst/>
+          </a:prstGeom>
+        </p:spPr>
+      </p:pic>
     </p:spTree>
     <p:extLst>
       <p:ext uri="{BB962C8B-B14F-4D97-AF65-F5344CB8AC3E}">
-        <p14:creationId xmlns:p14="http://schemas.microsoft.com/office/powerpoint/2010/main" val="1632438753"/>
+        <p14:creationId xmlns:p14="http://schemas.microsoft.com/office/powerpoint/2010/main" val="213791086"/>
       </p:ext>
     </p:extLst>
   </p:cSld>
@@ -4052,8 +5248,8 @@
         </p:nvSpPr>
         <p:spPr>
           <a:xfrm>
-            <a:off x="112957" y="148996"/>
-            <a:ext cx="7476564" cy="806970"/>
+            <a:off x="256308" y="240434"/>
+            <a:ext cx="6244245" cy="1325563"/>
           </a:xfrm>
         </p:spPr>
         <p:txBody>
@@ -4062,7 +5258,11 @@
           <a:p>
             <a:r>
               <a:rPr lang="ko-KR" altLang="en-US" dirty="0" smtClean="0"/>
-              <a:t>강의 상세 페이지 </a:t>
+              <a:t>강의 목록 </a:t>
+            </a:r>
+            <a:r>
+              <a:rPr lang="ko-KR" altLang="en-US" dirty="0" smtClean="0"/>
+              <a:t>페이지 </a:t>
             </a:r>
             <a:r>
               <a:rPr lang="en-US" altLang="ko-KR" dirty="0" smtClean="0"/>
@@ -4070,7 +5270,7 @@
             </a:r>
             <a:r>
               <a:rPr lang="ko-KR" altLang="en-US" dirty="0" smtClean="0"/>
-              <a:t>커리큘럼</a:t>
+              <a:t>검색</a:t>
             </a:r>
             <a:endParaRPr lang="ko-KR" altLang="en-US" dirty="0"/>
           </a:p>
@@ -4078,7 +5278,7 @@
       </p:sp>
       <p:pic>
         <p:nvPicPr>
-          <p:cNvPr id="5" name="내용 개체 틀 4"/>
+          <p:cNvPr id="4" name="내용 개체 틀 3"/>
           <p:cNvPicPr>
             <a:picLocks noGrp="1" noChangeAspect="1"/>
           </p:cNvPicPr>
@@ -4087,22 +5287,19 @@
           </p:nvPr>
         </p:nvPicPr>
         <p:blipFill>
-          <a:blip r:embed="rId2" cstate="print">
-            <a:extLst>
-              <a:ext uri="{28A0092B-C50C-407E-A947-70E740481C1C}">
-                <a14:useLocalDpi xmlns:a14="http://schemas.microsoft.com/office/drawing/2010/main" val="0"/>
-              </a:ext>
-            </a:extLst>
-          </a:blip>
+          <a:blip r:embed="rId2"/>
           <a:stretch>
             <a:fillRect/>
           </a:stretch>
         </p:blipFill>
         <p:spPr>
           <a:xfrm>
-            <a:off x="112957" y="1702301"/>
-            <a:ext cx="2913996" cy="3305262"/>
-          </a:xfrm>
+            <a:off x="256308" y="1565996"/>
+            <a:ext cx="5396347" cy="2671121"/>
+          </a:xfrm>
+          <a:prstGeom prst="rect">
+            <a:avLst/>
+          </a:prstGeom>
           <a:ln>
             <a:solidFill>
               <a:schemeClr val="accent1"/>
@@ -4110,265 +5307,10 @@
           </a:ln>
         </p:spPr>
       </p:pic>
-      <p:pic>
-        <p:nvPicPr>
-          <p:cNvPr id="6" name="그림 5"/>
-          <p:cNvPicPr>
-            <a:picLocks noChangeAspect="1"/>
-          </p:cNvPicPr>
-          <p:nvPr/>
-        </p:nvPicPr>
-        <p:blipFill>
-          <a:blip r:embed="rId3">
-            <a:extLst>
-              <a:ext uri="{28A0092B-C50C-407E-A947-70E740481C1C}">
-                <a14:useLocalDpi xmlns:a14="http://schemas.microsoft.com/office/drawing/2010/main" val="0"/>
-              </a:ext>
-            </a:extLst>
-          </a:blip>
-          <a:stretch>
-            <a:fillRect/>
-          </a:stretch>
-        </p:blipFill>
-        <p:spPr>
-          <a:xfrm>
-            <a:off x="8000067" y="148996"/>
-            <a:ext cx="3769209" cy="2737279"/>
-          </a:xfrm>
-          <a:prstGeom prst="rect">
-            <a:avLst/>
-          </a:prstGeom>
-          <a:ln>
-            <a:solidFill>
-              <a:schemeClr val="accent1"/>
-            </a:solidFill>
-          </a:ln>
-        </p:spPr>
-      </p:pic>
-      <p:pic>
-        <p:nvPicPr>
-          <p:cNvPr id="7" name="그림 6"/>
-          <p:cNvPicPr>
-            <a:picLocks noChangeAspect="1"/>
-          </p:cNvPicPr>
-          <p:nvPr/>
-        </p:nvPicPr>
-        <p:blipFill>
-          <a:blip r:embed="rId4">
-            <a:extLst>
-              <a:ext uri="{28A0092B-C50C-407E-A947-70E740481C1C}">
-                <a14:useLocalDpi xmlns:a14="http://schemas.microsoft.com/office/drawing/2010/main" val="0"/>
-              </a:ext>
-            </a:extLst>
-          </a:blip>
-          <a:stretch>
-            <a:fillRect/>
-          </a:stretch>
-        </p:blipFill>
-        <p:spPr>
-          <a:xfrm>
-            <a:off x="7380318" y="2967643"/>
-            <a:ext cx="4388958" cy="3610021"/>
-          </a:xfrm>
-          <a:prstGeom prst="rect">
-            <a:avLst/>
-          </a:prstGeom>
-          <a:ln>
-            <a:solidFill>
-              <a:schemeClr val="accent1"/>
-            </a:solidFill>
-          </a:ln>
-        </p:spPr>
-      </p:pic>
-      <p:sp>
-        <p:nvSpPr>
-          <p:cNvPr id="8" name="TextBox 7"/>
-          <p:cNvSpPr txBox="1"/>
-          <p:nvPr/>
-        </p:nvSpPr>
-        <p:spPr>
-          <a:xfrm>
-            <a:off x="3026953" y="3075709"/>
-            <a:ext cx="4286751" cy="923330"/>
-          </a:xfrm>
-          <a:prstGeom prst="rect">
-            <a:avLst/>
-          </a:prstGeom>
-          <a:noFill/>
-        </p:spPr>
-        <p:txBody>
-          <a:bodyPr wrap="none" rtlCol="0">
-            <a:spAutoFit/>
-          </a:bodyPr>
-          <a:lstStyle/>
-          <a:p>
-            <a:r>
-              <a:rPr lang="ko-KR" altLang="en-US" dirty="0" smtClean="0"/>
-              <a:t>커리큘럼을 펼쳤을 때 콘텐츠 표시는</a:t>
-            </a:r>
-            <a:endParaRPr lang="en-US" altLang="ko-KR" dirty="0" smtClean="0"/>
-          </a:p>
-          <a:p>
-            <a:r>
-              <a:rPr lang="ko-KR" altLang="en-US" dirty="0" smtClean="0"/>
-              <a:t>해당 강의 구매 여부에 따라 표시되도록</a:t>
-            </a:r>
-            <a:endParaRPr lang="en-US" altLang="ko-KR" dirty="0" smtClean="0"/>
-          </a:p>
-          <a:p>
-            <a:r>
-              <a:rPr lang="ko-KR" altLang="en-US" dirty="0" smtClean="0"/>
-              <a:t>했습니다</a:t>
-            </a:r>
-            <a:r>
-              <a:rPr lang="en-US" altLang="ko-KR" dirty="0" smtClean="0"/>
-              <a:t>.</a:t>
-            </a:r>
-            <a:endParaRPr lang="ko-KR" altLang="en-US" dirty="0"/>
-          </a:p>
-        </p:txBody>
-      </p:sp>
-      <p:sp>
-        <p:nvSpPr>
-          <p:cNvPr id="9" name="TextBox 8"/>
-          <p:cNvSpPr txBox="1"/>
-          <p:nvPr/>
-        </p:nvSpPr>
-        <p:spPr>
-          <a:xfrm>
-            <a:off x="8000067" y="1517635"/>
-            <a:ext cx="958917" cy="369332"/>
-          </a:xfrm>
-          <a:prstGeom prst="rect">
-            <a:avLst/>
-          </a:prstGeom>
-          <a:noFill/>
-        </p:spPr>
-        <p:txBody>
-          <a:bodyPr wrap="none" rtlCol="0">
-            <a:spAutoFit/>
-          </a:bodyPr>
-          <a:lstStyle/>
-          <a:p>
-            <a:r>
-              <a:rPr lang="ko-KR" altLang="en-US" dirty="0" smtClean="0"/>
-              <a:t>미 구매</a:t>
-            </a:r>
-            <a:endParaRPr lang="ko-KR" altLang="en-US" dirty="0"/>
-          </a:p>
-        </p:txBody>
-      </p:sp>
-      <p:sp>
-        <p:nvSpPr>
-          <p:cNvPr id="10" name="TextBox 9"/>
-          <p:cNvSpPr txBox="1"/>
-          <p:nvPr/>
-        </p:nvSpPr>
-        <p:spPr>
-          <a:xfrm>
-            <a:off x="7589521" y="4897952"/>
-            <a:ext cx="646331" cy="369332"/>
-          </a:xfrm>
-          <a:prstGeom prst="rect">
-            <a:avLst/>
-          </a:prstGeom>
-          <a:noFill/>
-        </p:spPr>
-        <p:txBody>
-          <a:bodyPr wrap="none" rtlCol="0">
-            <a:spAutoFit/>
-          </a:bodyPr>
-          <a:lstStyle/>
-          <a:p>
-            <a:r>
-              <a:rPr lang="ko-KR" altLang="en-US" dirty="0" smtClean="0"/>
-              <a:t>구매</a:t>
-            </a:r>
-            <a:endParaRPr lang="ko-KR" altLang="en-US" dirty="0"/>
-          </a:p>
-        </p:txBody>
-      </p:sp>
-      <p:sp>
-        <p:nvSpPr>
-          <p:cNvPr id="11" name="TextBox 10"/>
-          <p:cNvSpPr txBox="1"/>
-          <p:nvPr/>
-        </p:nvSpPr>
-        <p:spPr>
-          <a:xfrm>
-            <a:off x="1900043" y="6182574"/>
-            <a:ext cx="5413661" cy="369332"/>
-          </a:xfrm>
-          <a:prstGeom prst="rect">
-            <a:avLst/>
-          </a:prstGeom>
-          <a:noFill/>
-        </p:spPr>
-        <p:txBody>
-          <a:bodyPr wrap="none" rtlCol="0">
-            <a:spAutoFit/>
-          </a:bodyPr>
-          <a:lstStyle/>
-          <a:p>
-            <a:r>
-              <a:rPr lang="ko-KR" altLang="en-US" dirty="0" smtClean="0"/>
-              <a:t>영상 출력은 </a:t>
-            </a:r>
-            <a:r>
-              <a:rPr lang="en-US" altLang="ko-KR" dirty="0" smtClean="0"/>
-              <a:t>Iframe </a:t>
-            </a:r>
-            <a:r>
-              <a:rPr lang="ko-KR" altLang="en-US" dirty="0" smtClean="0"/>
-              <a:t>태그를 사용하여 출력했습니다</a:t>
-            </a:r>
-            <a:r>
-              <a:rPr lang="en-US" altLang="ko-KR" dirty="0" smtClean="0"/>
-              <a:t>.</a:t>
-            </a:r>
-            <a:endParaRPr lang="ko-KR" altLang="en-US" dirty="0"/>
-          </a:p>
-        </p:txBody>
-      </p:sp>
-      <p:sp>
-        <p:nvSpPr>
-          <p:cNvPr id="12" name="TextBox 11"/>
-          <p:cNvSpPr txBox="1"/>
-          <p:nvPr/>
-        </p:nvSpPr>
-        <p:spPr>
-          <a:xfrm>
-            <a:off x="99850" y="1174139"/>
-            <a:ext cx="2927104" cy="369332"/>
-          </a:xfrm>
-          <a:prstGeom prst="rect">
-            <a:avLst/>
-          </a:prstGeom>
-          <a:noFill/>
-          <a:ln>
-            <a:solidFill>
-              <a:schemeClr val="accent1"/>
-            </a:solidFill>
-          </a:ln>
-        </p:spPr>
-        <p:txBody>
-          <a:bodyPr wrap="square" rtlCol="0">
-            <a:spAutoFit/>
-          </a:bodyPr>
-          <a:lstStyle/>
-          <a:p>
-            <a:r>
-              <a:rPr lang="ko-KR" altLang="en-US" dirty="0" smtClean="0"/>
-              <a:t>기본 모습</a:t>
-            </a:r>
-            <a:endParaRPr lang="ko-KR" altLang="en-US" dirty="0"/>
-          </a:p>
-        </p:txBody>
-      </p:sp>
     </p:spTree>
     <p:extLst>
       <p:ext uri="{BB962C8B-B14F-4D97-AF65-F5344CB8AC3E}">
-        <p14:creationId xmlns:p14="http://schemas.microsoft.com/office/powerpoint/2010/main" val="1101745379"/>
+        <p14:creationId xmlns:p14="http://schemas.microsoft.com/office/powerpoint/2010/main" val="4220909973"/>
       </p:ext>
     </p:extLst>
   </p:cSld>
@@ -4407,33 +5349,35 @@
         </p:nvSpPr>
         <p:spPr>
           <a:xfrm>
-            <a:off x="223058" y="148994"/>
-            <a:ext cx="10026535" cy="964911"/>
-          </a:xfrm>
-        </p:spPr>
-        <p:txBody>
-          <a:bodyPr/>
-          <a:lstStyle/>
-          <a:p>
-            <a:r>
-              <a:rPr lang="ko-KR" altLang="en-US" dirty="0" smtClean="0"/>
+            <a:off x="2414153" y="69191"/>
+            <a:ext cx="6729847" cy="728832"/>
+          </a:xfrm>
+        </p:spPr>
+        <p:txBody>
+          <a:bodyPr>
+            <a:normAutofit/>
+          </a:bodyPr>
+          <a:lstStyle/>
+          <a:p>
+            <a:r>
+              <a:rPr lang="ko-KR" altLang="en-US" sz="3600" dirty="0" smtClean="0"/>
               <a:t>강의 상세 페이지 </a:t>
             </a:r>
             <a:r>
-              <a:rPr lang="en-US" altLang="ko-KR" dirty="0" smtClean="0"/>
+              <a:rPr lang="en-US" altLang="ko-KR" sz="3600" dirty="0" smtClean="0"/>
               <a:t>– </a:t>
             </a:r>
             <a:r>
-              <a:rPr lang="ko-KR" altLang="en-US" dirty="0" err="1" smtClean="0"/>
-              <a:t>수강평</a:t>
-            </a:r>
-            <a:endParaRPr lang="ko-KR" altLang="en-US" dirty="0"/>
+              <a:rPr lang="ko-KR" altLang="en-US" sz="3600" dirty="0" smtClean="0"/>
+              <a:t>페이지 출력</a:t>
+            </a:r>
+            <a:endParaRPr lang="ko-KR" altLang="en-US" sz="3600" dirty="0"/>
           </a:p>
         </p:txBody>
       </p:sp>
       <p:pic>
         <p:nvPicPr>
-          <p:cNvPr id="6" name="그림 5"/>
+          <p:cNvPr id="3" name="그림 2"/>
           <p:cNvPicPr>
             <a:picLocks noChangeAspect="1"/>
           </p:cNvPicPr>
@@ -4453,8 +5397,8 @@
         </p:blipFill>
         <p:spPr>
           <a:xfrm>
-            <a:off x="223057" y="1113905"/>
-            <a:ext cx="4889269" cy="3895015"/>
+            <a:off x="108067" y="903531"/>
+            <a:ext cx="6407114" cy="3180570"/>
           </a:xfrm>
           <a:prstGeom prst="rect">
             <a:avLst/>
@@ -4466,6 +5410,63 @@
           </a:ln>
         </p:spPr>
       </p:pic>
+      <p:sp>
+        <p:nvSpPr>
+          <p:cNvPr id="6" name="TextBox 5"/>
+          <p:cNvSpPr txBox="1"/>
+          <p:nvPr/>
+        </p:nvSpPr>
+        <p:spPr>
+          <a:xfrm>
+            <a:off x="108067" y="4189609"/>
+            <a:ext cx="8462356" cy="646331"/>
+          </a:xfrm>
+          <a:prstGeom prst="rect">
+            <a:avLst/>
+          </a:prstGeom>
+          <a:noFill/>
+        </p:spPr>
+        <p:txBody>
+          <a:bodyPr wrap="square" rtlCol="0">
+            <a:spAutoFit/>
+          </a:bodyPr>
+          <a:lstStyle/>
+          <a:p>
+            <a:r>
+              <a:rPr lang="ko-KR" altLang="en-US" dirty="0" smtClean="0"/>
+              <a:t>메인 페이지나 목록 페이지에서 강의를 클릭 할 시</a:t>
+            </a:r>
+            <a:r>
+              <a:rPr lang="en-US" altLang="ko-KR" dirty="0" smtClean="0"/>
+              <a:t>, </a:t>
+            </a:r>
+            <a:r>
+              <a:rPr lang="ko-KR" altLang="en-US" dirty="0" smtClean="0"/>
+              <a:t>해당 강의의 클래스</a:t>
+            </a:r>
+            <a:r>
+              <a:rPr lang="en-US" altLang="ko-KR" dirty="0" smtClean="0"/>
+              <a:t>ID</a:t>
+            </a:r>
+            <a:r>
+              <a:rPr lang="ko-KR" altLang="en-US" dirty="0" smtClean="0"/>
+              <a:t>에 따라</a:t>
+            </a:r>
+            <a:endParaRPr lang="en-US" altLang="ko-KR" dirty="0" smtClean="0"/>
+          </a:p>
+          <a:p>
+            <a:r>
+              <a:rPr lang="ko-KR" altLang="en-US" dirty="0" smtClean="0"/>
+              <a:t>상세 페이지에서 출력되는 데이터가 달라지도록 설정했습니다</a:t>
+            </a:r>
+            <a:r>
+              <a:rPr lang="en-US" altLang="ko-KR" dirty="0" smtClean="0"/>
+              <a:t>.</a:t>
+            </a:r>
+            <a:endParaRPr lang="ko-KR" altLang="en-US" dirty="0"/>
+          </a:p>
+        </p:txBody>
+      </p:sp>
       <p:pic>
         <p:nvPicPr>
           <p:cNvPr id="7" name="그림 6"/>
@@ -4475,7 +5476,7 @@
           <p:nvPr/>
         </p:nvPicPr>
         <p:blipFill>
-          <a:blip r:embed="rId3">
+          <a:blip r:embed="rId3" cstate="print">
             <a:extLst>
               <a:ext uri="{28A0092B-C50C-407E-A947-70E740481C1C}">
                 <a14:useLocalDpi xmlns:a14="http://schemas.microsoft.com/office/drawing/2010/main" val="0"/>
@@ -4488,8 +5489,8 @@
         </p:blipFill>
         <p:spPr>
           <a:xfrm>
-            <a:off x="6359236" y="1113905"/>
-            <a:ext cx="5002695" cy="3797046"/>
+            <a:off x="6683432" y="903531"/>
+            <a:ext cx="5210196" cy="3180570"/>
           </a:xfrm>
           <a:prstGeom prst="rect">
             <a:avLst/>
@@ -4501,123 +5502,100 @@
           </a:ln>
         </p:spPr>
       </p:pic>
-      <p:sp>
-        <p:nvSpPr>
-          <p:cNvPr id="8" name="TextBox 7"/>
-          <p:cNvSpPr txBox="1"/>
-          <p:nvPr/>
-        </p:nvSpPr>
-        <p:spPr>
-          <a:xfrm>
-            <a:off x="6125916" y="5140770"/>
-            <a:ext cx="6066084" cy="923330"/>
-          </a:xfrm>
-          <a:prstGeom prst="rect">
-            <a:avLst/>
-          </a:prstGeom>
-          <a:noFill/>
-        </p:spPr>
-        <p:txBody>
-          <a:bodyPr wrap="none" rtlCol="0">
-            <a:spAutoFit/>
-          </a:bodyPr>
-          <a:lstStyle/>
-          <a:p>
-            <a:r>
-              <a:rPr lang="ko-KR" altLang="en-US" dirty="0" smtClean="0"/>
-              <a:t>로그인 된 상태이며</a:t>
-            </a:r>
-            <a:r>
-              <a:rPr lang="en-US" altLang="ko-KR" dirty="0" smtClean="0"/>
-              <a:t>, </a:t>
-            </a:r>
-            <a:r>
-              <a:rPr lang="ko-KR" altLang="en-US" dirty="0" smtClean="0"/>
-              <a:t>해당 강의를 구입한 유저에게만</a:t>
-            </a:r>
-            <a:endParaRPr lang="en-US" altLang="ko-KR" dirty="0" smtClean="0"/>
-          </a:p>
-          <a:p>
-            <a:r>
-              <a:rPr lang="ko-KR" altLang="en-US" dirty="0" smtClean="0"/>
-              <a:t>작성하기 버튼과 자신이 작성한 </a:t>
-            </a:r>
-            <a:r>
-              <a:rPr lang="ko-KR" altLang="en-US" dirty="0" err="1" smtClean="0"/>
-              <a:t>수강평의</a:t>
-            </a:r>
-            <a:r>
-              <a:rPr lang="ko-KR" altLang="en-US" dirty="0" smtClean="0"/>
-              <a:t> 수정 및 삭제가</a:t>
-            </a:r>
-            <a:endParaRPr lang="en-US" altLang="ko-KR" dirty="0" smtClean="0"/>
-          </a:p>
-          <a:p>
-            <a:r>
-              <a:rPr lang="ko-KR" altLang="en-US" dirty="0" smtClean="0"/>
-              <a:t>가능하도록 설정하였습니다</a:t>
-            </a:r>
-            <a:r>
-              <a:rPr lang="en-US" altLang="ko-KR" dirty="0" smtClean="0"/>
-              <a:t>.</a:t>
-            </a:r>
-            <a:endParaRPr lang="ko-KR" altLang="en-US" dirty="0"/>
-          </a:p>
-        </p:txBody>
-      </p:sp>
-      <p:sp>
-        <p:nvSpPr>
-          <p:cNvPr id="9" name="TextBox 8"/>
-          <p:cNvSpPr txBox="1"/>
-          <p:nvPr/>
-        </p:nvSpPr>
-        <p:spPr>
-          <a:xfrm>
-            <a:off x="223057" y="5140770"/>
-            <a:ext cx="5210081" cy="646331"/>
-          </a:xfrm>
-          <a:prstGeom prst="rect">
-            <a:avLst/>
-          </a:prstGeom>
-          <a:noFill/>
-        </p:spPr>
-        <p:txBody>
-          <a:bodyPr wrap="none" rtlCol="0">
-            <a:spAutoFit/>
-          </a:bodyPr>
-          <a:lstStyle/>
-          <a:p>
-            <a:r>
-              <a:rPr lang="ko-KR" altLang="en-US" dirty="0" err="1" smtClean="0"/>
-              <a:t>로그인이</a:t>
-            </a:r>
-            <a:r>
-              <a:rPr lang="ko-KR" altLang="en-US" dirty="0" smtClean="0"/>
-              <a:t> 안되어 있는 상태이면 등록된 </a:t>
-            </a:r>
-            <a:r>
-              <a:rPr lang="ko-KR" altLang="en-US" dirty="0" err="1" smtClean="0"/>
-              <a:t>수강평을</a:t>
-            </a:r>
-            <a:endParaRPr lang="en-US" altLang="ko-KR" dirty="0" smtClean="0"/>
-          </a:p>
-          <a:p>
-            <a:r>
-              <a:rPr lang="ko-KR" altLang="en-US" dirty="0" smtClean="0"/>
-              <a:t>확인만 가능하도록 설정하였습니다</a:t>
-            </a:r>
-            <a:r>
-              <a:rPr lang="en-US" altLang="ko-KR" dirty="0" smtClean="0"/>
-              <a:t>.</a:t>
-            </a:r>
-            <a:endParaRPr lang="ko-KR" altLang="en-US" dirty="0"/>
-          </a:p>
-        </p:txBody>
-      </p:sp>
+      <p:pic>
+        <p:nvPicPr>
+          <p:cNvPr id="5" name="그림 4"/>
+          <p:cNvPicPr>
+            <a:picLocks noChangeAspect="1"/>
+          </p:cNvPicPr>
+          <p:nvPr/>
+        </p:nvPicPr>
+        <p:blipFill>
+          <a:blip r:embed="rId4">
+            <a:extLst>
+              <a:ext uri="{28A0092B-C50C-407E-A947-70E740481C1C}">
+                <a14:useLocalDpi xmlns:a14="http://schemas.microsoft.com/office/drawing/2010/main" val="0"/>
+              </a:ext>
+            </a:extLst>
+          </a:blip>
+          <a:stretch>
+            <a:fillRect/>
+          </a:stretch>
+        </p:blipFill>
+        <p:spPr>
+          <a:xfrm>
+            <a:off x="108067" y="4866136"/>
+            <a:ext cx="2800741" cy="495369"/>
+          </a:xfrm>
+          <a:prstGeom prst="rect">
+            <a:avLst/>
+          </a:prstGeom>
+        </p:spPr>
+      </p:pic>
+      <p:pic>
+        <p:nvPicPr>
+          <p:cNvPr id="8" name="그림 7"/>
+          <p:cNvPicPr>
+            <a:picLocks noChangeAspect="1"/>
+          </p:cNvPicPr>
+          <p:nvPr/>
+        </p:nvPicPr>
+        <p:blipFill>
+          <a:blip r:embed="rId5">
+            <a:extLst>
+              <a:ext uri="{28A0092B-C50C-407E-A947-70E740481C1C}">
+                <a14:useLocalDpi xmlns:a14="http://schemas.microsoft.com/office/drawing/2010/main" val="0"/>
+              </a:ext>
+            </a:extLst>
+          </a:blip>
+          <a:stretch>
+            <a:fillRect/>
+          </a:stretch>
+        </p:blipFill>
+        <p:spPr>
+          <a:xfrm>
+            <a:off x="108067" y="5519289"/>
+            <a:ext cx="3372321" cy="1200318"/>
+          </a:xfrm>
+          <a:prstGeom prst="rect">
+            <a:avLst/>
+          </a:prstGeom>
+        </p:spPr>
+      </p:pic>
+      <p:pic>
+        <p:nvPicPr>
+          <p:cNvPr id="9" name="그림 8"/>
+          <p:cNvPicPr>
+            <a:picLocks noChangeAspect="1"/>
+          </p:cNvPicPr>
+          <p:nvPr/>
+        </p:nvPicPr>
+        <p:blipFill>
+          <a:blip r:embed="rId6">
+            <a:extLst>
+              <a:ext uri="{28A0092B-C50C-407E-A947-70E740481C1C}">
+                <a14:useLocalDpi xmlns:a14="http://schemas.microsoft.com/office/drawing/2010/main" val="0"/>
+              </a:ext>
+            </a:extLst>
+          </a:blip>
+          <a:stretch>
+            <a:fillRect/>
+          </a:stretch>
+        </p:blipFill>
+        <p:spPr>
+          <a:xfrm>
+            <a:off x="3811827" y="4835940"/>
+            <a:ext cx="2871605" cy="1883667"/>
+          </a:xfrm>
+          <a:prstGeom prst="rect">
+            <a:avLst/>
+          </a:prstGeom>
+        </p:spPr>
+      </p:pic>
     </p:spTree>
     <p:extLst>
       <p:ext uri="{BB962C8B-B14F-4D97-AF65-F5344CB8AC3E}">
-        <p14:creationId xmlns:p14="http://schemas.microsoft.com/office/powerpoint/2010/main" val="1338292732"/>
+        <p14:creationId xmlns:p14="http://schemas.microsoft.com/office/powerpoint/2010/main" val="528649219"/>
       </p:ext>
     </p:extLst>
   </p:cSld>
@@ -4656,33 +5634,75 @@
         </p:nvSpPr>
         <p:spPr>
           <a:xfrm>
-            <a:off x="223058" y="148994"/>
-            <a:ext cx="10026535" cy="964911"/>
-          </a:xfrm>
-        </p:spPr>
-        <p:txBody>
-          <a:bodyPr/>
-          <a:lstStyle/>
-          <a:p>
-            <a:r>
-              <a:rPr lang="ko-KR" altLang="en-US" dirty="0" smtClean="0"/>
+            <a:off x="2414153" y="69191"/>
+            <a:ext cx="6729847" cy="728832"/>
+          </a:xfrm>
+        </p:spPr>
+        <p:txBody>
+          <a:bodyPr>
+            <a:normAutofit/>
+          </a:bodyPr>
+          <a:lstStyle/>
+          <a:p>
+            <a:r>
+              <a:rPr lang="ko-KR" altLang="en-US" sz="3600" dirty="0" smtClean="0"/>
               <a:t>강의 상세 페이지 </a:t>
             </a:r>
             <a:r>
-              <a:rPr lang="en-US" altLang="ko-KR" dirty="0" smtClean="0"/>
+              <a:rPr lang="en-US" altLang="ko-KR" sz="3600" dirty="0" smtClean="0"/>
               <a:t>– </a:t>
             </a:r>
             <a:r>
-              <a:rPr lang="ko-KR" altLang="en-US" dirty="0" err="1" smtClean="0"/>
-              <a:t>수강평</a:t>
-            </a:r>
-            <a:r>
-              <a:rPr lang="en-US" altLang="ko-KR" dirty="0"/>
-              <a:t> </a:t>
-            </a:r>
-            <a:r>
-              <a:rPr lang="ko-KR" altLang="en-US" dirty="0" smtClean="0"/>
-              <a:t>작성</a:t>
+              <a:rPr lang="ko-KR" altLang="en-US" sz="3600" dirty="0" smtClean="0"/>
+              <a:t>페이지 출력</a:t>
+            </a:r>
+            <a:endParaRPr lang="ko-KR" altLang="en-US" sz="3600" dirty="0"/>
+          </a:p>
+        </p:txBody>
+      </p:sp>
+      <p:sp>
+        <p:nvSpPr>
+          <p:cNvPr id="6" name="TextBox 5"/>
+          <p:cNvSpPr txBox="1"/>
+          <p:nvPr/>
+        </p:nvSpPr>
+        <p:spPr>
+          <a:xfrm>
+            <a:off x="316804" y="4802484"/>
+            <a:ext cx="4653522" cy="923330"/>
+          </a:xfrm>
+          <a:prstGeom prst="rect">
+            <a:avLst/>
+          </a:prstGeom>
+          <a:noFill/>
+        </p:spPr>
+        <p:txBody>
+          <a:bodyPr wrap="square" rtlCol="0">
+            <a:spAutoFit/>
+          </a:bodyPr>
+          <a:lstStyle/>
+          <a:p>
+            <a:r>
+              <a:rPr lang="ko-KR" altLang="en-US" dirty="0" smtClean="0"/>
+              <a:t>상세 페이지에 네비게이션 바를 탑재하여</a:t>
+            </a:r>
+            <a:endParaRPr lang="en-US" altLang="ko-KR" dirty="0" smtClean="0"/>
+          </a:p>
+          <a:p>
+            <a:r>
+              <a:rPr lang="ko-KR" altLang="en-US" dirty="0" smtClean="0"/>
+              <a:t>클릭 시 각각의 이름에 맞는 위치로</a:t>
+            </a:r>
+            <a:endParaRPr lang="en-US" altLang="ko-KR" dirty="0" smtClean="0"/>
+          </a:p>
+          <a:p>
+            <a:r>
+              <a:rPr lang="ko-KR" altLang="en-US" dirty="0" smtClean="0"/>
+              <a:t>찾아갈 수 있게 설정했습니다</a:t>
+            </a:r>
+            <a:r>
+              <a:rPr lang="en-US" altLang="ko-KR" dirty="0" smtClean="0"/>
+              <a:t>.</a:t>
             </a:r>
             <a:endParaRPr lang="ko-KR" altLang="en-US" dirty="0"/>
           </a:p>
@@ -4690,7 +5710,7 @@
       </p:sp>
       <p:pic>
         <p:nvPicPr>
-          <p:cNvPr id="7" name="그림 6"/>
+          <p:cNvPr id="4" name="그림 3"/>
           <p:cNvPicPr>
             <a:picLocks noChangeAspect="1"/>
           </p:cNvPicPr>
@@ -4710,8 +5730,8 @@
         </p:blipFill>
         <p:spPr>
           <a:xfrm>
-            <a:off x="233630" y="1113905"/>
-            <a:ext cx="5002695" cy="3797046"/>
+            <a:off x="127023" y="1169862"/>
+            <a:ext cx="5033083" cy="3535142"/>
           </a:xfrm>
           <a:prstGeom prst="rect">
             <a:avLst/>
@@ -4723,62 +5743,9 @@
           </a:ln>
         </p:spPr>
       </p:pic>
-      <p:sp>
-        <p:nvSpPr>
-          <p:cNvPr id="8" name="TextBox 7"/>
-          <p:cNvSpPr txBox="1"/>
-          <p:nvPr/>
-        </p:nvSpPr>
-        <p:spPr>
-          <a:xfrm>
-            <a:off x="98367" y="5090895"/>
-            <a:ext cx="5573962" cy="646331"/>
-          </a:xfrm>
-          <a:prstGeom prst="rect">
-            <a:avLst/>
-          </a:prstGeom>
-          <a:noFill/>
-        </p:spPr>
-        <p:txBody>
-          <a:bodyPr wrap="none" rtlCol="0">
-            <a:spAutoFit/>
-          </a:bodyPr>
-          <a:lstStyle/>
-          <a:p>
-            <a:r>
-              <a:rPr lang="ko-KR" altLang="en-US" dirty="0" smtClean="0"/>
-              <a:t>해당 강의를 구매했을 때</a:t>
-            </a:r>
-            <a:r>
-              <a:rPr lang="en-US" altLang="ko-KR" dirty="0" smtClean="0"/>
-              <a:t>, </a:t>
-            </a:r>
-            <a:r>
-              <a:rPr lang="ko-KR" altLang="en-US" dirty="0" smtClean="0"/>
-              <a:t>작성하기 버튼을 클릭하여</a:t>
-            </a:r>
-            <a:endParaRPr lang="en-US" altLang="ko-KR" dirty="0" smtClean="0"/>
-          </a:p>
-          <a:p>
-            <a:r>
-              <a:rPr lang="ko-KR" altLang="en-US" dirty="0" err="1" smtClean="0"/>
-              <a:t>수강평을</a:t>
-            </a:r>
-            <a:r>
-              <a:rPr lang="ko-KR" altLang="en-US" dirty="0" smtClean="0"/>
-              <a:t> 작성 할 수 있습니다</a:t>
-            </a:r>
-            <a:r>
-              <a:rPr lang="en-US" altLang="ko-KR" dirty="0" smtClean="0"/>
-              <a:t>.</a:t>
-            </a:r>
-            <a:endParaRPr lang="ko-KR" altLang="en-US" dirty="0"/>
-          </a:p>
-        </p:txBody>
-      </p:sp>
       <p:pic>
         <p:nvPicPr>
-          <p:cNvPr id="3" name="그림 2"/>
+          <p:cNvPr id="5" name="그림 4"/>
           <p:cNvPicPr>
             <a:picLocks noChangeAspect="1"/>
           </p:cNvPicPr>
@@ -4798,8 +5765,8 @@
         </p:blipFill>
         <p:spPr>
           <a:xfrm>
-            <a:off x="6561791" y="1113905"/>
-            <a:ext cx="5102157" cy="3797046"/>
+            <a:off x="5347867" y="899912"/>
+            <a:ext cx="2336052" cy="2746168"/>
           </a:xfrm>
           <a:prstGeom prst="rect">
             <a:avLst/>
@@ -4811,55 +5778,86 @@
           </a:ln>
         </p:spPr>
       </p:pic>
-      <p:sp>
-        <p:nvSpPr>
-          <p:cNvPr id="4" name="타원 3"/>
-          <p:cNvSpPr/>
-          <p:nvPr/>
-        </p:nvSpPr>
-        <p:spPr>
-          <a:xfrm>
-            <a:off x="2394065" y="3898669"/>
-            <a:ext cx="656706" cy="698269"/>
-          </a:xfrm>
-          <a:prstGeom prst="ellipse">
-            <a:avLst/>
-          </a:prstGeom>
-          <a:noFill/>
-        </p:spPr>
-        <p:style>
-          <a:lnRef idx="2">
-            <a:schemeClr val="accent1"/>
-          </a:lnRef>
-          <a:fillRef idx="1">
-            <a:schemeClr val="lt1"/>
-          </a:fillRef>
-          <a:effectRef idx="0">
-            <a:schemeClr val="accent1"/>
-          </a:effectRef>
-          <a:fontRef idx="minor">
-            <a:schemeClr val="dk1"/>
-          </a:fontRef>
-        </p:style>
-        <p:txBody>
-          <a:bodyPr rtlCol="0" anchor="ctr"/>
-          <a:lstStyle/>
-          <a:p>
-            <a:pPr algn="ctr"/>
-            <a:endParaRPr lang="ko-KR" altLang="en-US"/>
-          </a:p>
-        </p:txBody>
-      </p:sp>
-      <p:sp>
-        <p:nvSpPr>
-          <p:cNvPr id="5" name="TextBox 4"/>
+      <p:pic>
+        <p:nvPicPr>
+          <p:cNvPr id="8" name="그림 7"/>
+          <p:cNvPicPr>
+            <a:picLocks noChangeAspect="1"/>
+          </p:cNvPicPr>
+          <p:nvPr/>
+        </p:nvPicPr>
+        <p:blipFill>
+          <a:blip r:embed="rId4">
+            <a:extLst>
+              <a:ext uri="{28A0092B-C50C-407E-A947-70E740481C1C}">
+                <a14:useLocalDpi xmlns:a14="http://schemas.microsoft.com/office/drawing/2010/main" val="0"/>
+              </a:ext>
+            </a:extLst>
+          </a:blip>
+          <a:stretch>
+            <a:fillRect/>
+          </a:stretch>
+        </p:blipFill>
+        <p:spPr>
+          <a:xfrm>
+            <a:off x="8005241" y="899912"/>
+            <a:ext cx="2542748" cy="2746168"/>
+          </a:xfrm>
+          <a:prstGeom prst="rect">
+            <a:avLst/>
+          </a:prstGeom>
+          <a:ln>
+            <a:solidFill>
+              <a:schemeClr val="accent1"/>
+            </a:solidFill>
+          </a:ln>
+        </p:spPr>
+      </p:pic>
+      <p:pic>
+        <p:nvPicPr>
+          <p:cNvPr id="9" name="그림 8"/>
+          <p:cNvPicPr>
+            <a:picLocks noChangeAspect="1"/>
+          </p:cNvPicPr>
+          <p:nvPr/>
+        </p:nvPicPr>
+        <p:blipFill>
+          <a:blip r:embed="rId5">
+            <a:extLst>
+              <a:ext uri="{28A0092B-C50C-407E-A947-70E740481C1C}">
+                <a14:useLocalDpi xmlns:a14="http://schemas.microsoft.com/office/drawing/2010/main" val="0"/>
+              </a:ext>
+            </a:extLst>
+          </a:blip>
+          <a:stretch>
+            <a:fillRect/>
+          </a:stretch>
+        </p:blipFill>
+        <p:spPr>
+          <a:xfrm>
+            <a:off x="5357962" y="3822833"/>
+            <a:ext cx="2325957" cy="2882633"/>
+          </a:xfrm>
+          <a:prstGeom prst="rect">
+            <a:avLst/>
+          </a:prstGeom>
+          <a:ln>
+            <a:solidFill>
+              <a:schemeClr val="accent1"/>
+            </a:solidFill>
+          </a:ln>
+        </p:spPr>
+      </p:pic>
+      <p:sp>
+        <p:nvSpPr>
+          <p:cNvPr id="10" name="TextBox 9"/>
           <p:cNvSpPr txBox="1"/>
           <p:nvPr/>
         </p:nvSpPr>
         <p:spPr>
           <a:xfrm>
-            <a:off x="6561791" y="5212080"/>
-            <a:ext cx="4897495" cy="646331"/>
+            <a:off x="6101061" y="1327312"/>
+            <a:ext cx="1487908" cy="338554"/>
           </a:xfrm>
           <a:prstGeom prst="rect">
             <a:avLst/>
@@ -4873,75 +5871,85 @@
           <a:lstStyle/>
           <a:p>
             <a:r>
-              <a:rPr lang="ko-KR" altLang="en-US" dirty="0" err="1" smtClean="0"/>
-              <a:t>수강평은</a:t>
-            </a:r>
-            <a:r>
-              <a:rPr lang="ko-KR" altLang="en-US" dirty="0" smtClean="0"/>
-              <a:t> 상세페이지에서 작성하는 것이 아닌</a:t>
-            </a:r>
-            <a:endParaRPr lang="en-US" altLang="ko-KR" dirty="0" smtClean="0"/>
-          </a:p>
-          <a:p>
-            <a:r>
-              <a:rPr lang="ko-KR" altLang="en-US" dirty="0" err="1" smtClean="0"/>
+              <a:rPr lang="ko-KR" altLang="en-US" sz="1600" dirty="0" err="1" smtClean="0"/>
+              <a:t>강의소개</a:t>
+            </a:r>
+            <a:r>
+              <a:rPr lang="ko-KR" altLang="en-US" sz="1600" dirty="0" smtClean="0"/>
+              <a:t> 클릭</a:t>
+            </a:r>
+            <a:endParaRPr lang="ko-KR" altLang="en-US" sz="1600" dirty="0"/>
+          </a:p>
+        </p:txBody>
+      </p:sp>
+      <p:sp>
+        <p:nvSpPr>
+          <p:cNvPr id="11" name="TextBox 10"/>
+          <p:cNvSpPr txBox="1"/>
+          <p:nvPr/>
+        </p:nvSpPr>
+        <p:spPr>
+          <a:xfrm>
+            <a:off x="8500017" y="2411946"/>
+            <a:ext cx="1553196" cy="338554"/>
+          </a:xfrm>
+          <a:prstGeom prst="rect">
+            <a:avLst/>
+          </a:prstGeom>
+          <a:noFill/>
+        </p:spPr>
+        <p:txBody>
+          <a:bodyPr wrap="square" rtlCol="0">
+            <a:spAutoFit/>
+          </a:bodyPr>
+          <a:lstStyle/>
+          <a:p>
+            <a:r>
+              <a:rPr lang="ko-KR" altLang="en-US" sz="1600" dirty="0" smtClean="0"/>
+              <a:t>커리큘럼 클릭</a:t>
+            </a:r>
+            <a:endParaRPr lang="ko-KR" altLang="en-US" sz="1600" dirty="0"/>
+          </a:p>
+        </p:txBody>
+      </p:sp>
+      <p:sp>
+        <p:nvSpPr>
+          <p:cNvPr id="12" name="TextBox 11"/>
+          <p:cNvSpPr txBox="1"/>
+          <p:nvPr/>
+        </p:nvSpPr>
+        <p:spPr>
+          <a:xfrm>
+            <a:off x="6101061" y="4292672"/>
+            <a:ext cx="1282723" cy="338554"/>
+          </a:xfrm>
+          <a:prstGeom prst="rect">
+            <a:avLst/>
+          </a:prstGeom>
+          <a:noFill/>
+        </p:spPr>
+        <p:txBody>
+          <a:bodyPr wrap="none" rtlCol="0">
+            <a:spAutoFit/>
+          </a:bodyPr>
+          <a:lstStyle/>
+          <a:p>
+            <a:r>
+              <a:rPr lang="ko-KR" altLang="en-US" sz="1600" dirty="0" err="1" smtClean="0"/>
               <a:t>수강평</a:t>
             </a:r>
             <a:r>
-              <a:rPr lang="ko-KR" altLang="en-US" dirty="0" smtClean="0"/>
-              <a:t> 작성 페이지로 넘어가서 작성합니다</a:t>
-            </a:r>
-            <a:r>
-              <a:rPr lang="en-US" altLang="ko-KR" dirty="0" smtClean="0"/>
-              <a:t>.</a:t>
-            </a:r>
-          </a:p>
-        </p:txBody>
-      </p:sp>
-      <p:sp>
-        <p:nvSpPr>
-          <p:cNvPr id="13" name="오른쪽 화살표 12"/>
-          <p:cNvSpPr/>
-          <p:nvPr/>
-        </p:nvSpPr>
-        <p:spPr>
-          <a:xfrm>
-            <a:off x="5361709" y="2560320"/>
-            <a:ext cx="1130531" cy="1413164"/>
-          </a:xfrm>
-          <a:prstGeom prst="rightArrow">
-            <a:avLst/>
-          </a:prstGeom>
-        </p:spPr>
-        <p:style>
-          <a:lnRef idx="2">
-            <a:schemeClr val="accent1">
-              <a:shade val="50000"/>
-            </a:schemeClr>
-          </a:lnRef>
-          <a:fillRef idx="1">
-            <a:schemeClr val="accent1"/>
-          </a:fillRef>
-          <a:effectRef idx="0">
-            <a:schemeClr val="accent1"/>
-          </a:effectRef>
-          <a:fontRef idx="minor">
-            <a:schemeClr val="lt1"/>
-          </a:fontRef>
-        </p:style>
-        <p:txBody>
-          <a:bodyPr rtlCol="0" anchor="ctr"/>
-          <a:lstStyle/>
-          <a:p>
-            <a:pPr algn="ctr"/>
-            <a:endParaRPr lang="ko-KR" altLang="en-US"/>
+              <a:rPr lang="ko-KR" altLang="en-US" sz="1600" dirty="0" smtClean="0"/>
+              <a:t> 클릭</a:t>
+            </a:r>
+            <a:endParaRPr lang="ko-KR" altLang="en-US" sz="1600" dirty="0"/>
           </a:p>
         </p:txBody>
       </p:sp>
     </p:spTree>
     <p:extLst>
       <p:ext uri="{BB962C8B-B14F-4D97-AF65-F5344CB8AC3E}">
-        <p14:creationId xmlns:p14="http://schemas.microsoft.com/office/powerpoint/2010/main" val="2020289598"/>
+        <p14:creationId xmlns:p14="http://schemas.microsoft.com/office/powerpoint/2010/main" val="1632438753"/>
       </p:ext>
     </p:extLst>
   </p:cSld>
@@ -4980,8 +5988,8 @@
         </p:nvSpPr>
         <p:spPr>
           <a:xfrm>
-            <a:off x="223058" y="148994"/>
-            <a:ext cx="10026535" cy="964911"/>
+            <a:off x="112957" y="148996"/>
+            <a:ext cx="7476564" cy="806970"/>
           </a:xfrm>
         </p:spPr>
         <p:txBody>
@@ -4994,84 +6002,11 @@
             </a:r>
             <a:r>
               <a:rPr lang="en-US" altLang="ko-KR" dirty="0" smtClean="0"/>
-              <a:t>– </a:t>
-            </a:r>
-            <a:r>
-              <a:rPr lang="ko-KR" altLang="en-US" dirty="0" err="1" smtClean="0"/>
-              <a:t>수강평</a:t>
-            </a:r>
-            <a:r>
-              <a:rPr lang="en-US" altLang="ko-KR" dirty="0"/>
-              <a:t> </a:t>
-            </a:r>
-            <a:r>
-              <a:rPr lang="ko-KR" altLang="en-US" dirty="0" smtClean="0"/>
-              <a:t>작성</a:t>
-            </a:r>
-            <a:r>
-              <a:rPr lang="en-US" altLang="ko-KR" dirty="0" smtClean="0"/>
-              <a:t>2</a:t>
-            </a:r>
-            <a:endParaRPr lang="ko-KR" altLang="en-US" dirty="0"/>
-          </a:p>
-        </p:txBody>
-      </p:sp>
-      <p:sp>
-        <p:nvSpPr>
-          <p:cNvPr id="8" name="TextBox 7"/>
-          <p:cNvSpPr txBox="1"/>
-          <p:nvPr/>
-        </p:nvSpPr>
-        <p:spPr>
-          <a:xfrm>
-            <a:off x="5035735" y="1220501"/>
-            <a:ext cx="5492209" cy="923330"/>
-          </a:xfrm>
-          <a:prstGeom prst="rect">
-            <a:avLst/>
-          </a:prstGeom>
-          <a:noFill/>
-          <a:ln>
-            <a:solidFill>
-              <a:schemeClr val="accent1"/>
-            </a:solidFill>
-          </a:ln>
-        </p:spPr>
-        <p:txBody>
-          <a:bodyPr wrap="none" rtlCol="0">
-            <a:spAutoFit/>
-          </a:bodyPr>
-          <a:lstStyle/>
-          <a:p>
-            <a:r>
-              <a:rPr lang="ko-KR" altLang="en-US" dirty="0" smtClean="0"/>
-              <a:t>표시되는 아이디는 작성하기 버튼을 클릭하고</a:t>
-            </a:r>
-            <a:r>
-              <a:rPr lang="en-US" altLang="ko-KR" dirty="0" smtClean="0"/>
-              <a:t>, </a:t>
-            </a:r>
-            <a:r>
-              <a:rPr lang="ko-KR" altLang="en-US" dirty="0" smtClean="0"/>
-              <a:t>해당</a:t>
-            </a:r>
-            <a:endParaRPr lang="en-US" altLang="ko-KR" dirty="0" smtClean="0"/>
-          </a:p>
-          <a:p>
-            <a:r>
-              <a:rPr lang="ko-KR" altLang="en-US" dirty="0" smtClean="0"/>
-              <a:t>페이지로 이동될 때 아이디 정보를 함께 넘겨</a:t>
-            </a:r>
-            <a:endParaRPr lang="en-US" altLang="ko-KR" dirty="0" smtClean="0"/>
-          </a:p>
-          <a:p>
-            <a:r>
-              <a:rPr lang="ko-KR" altLang="en-US" dirty="0" smtClean="0"/>
-              <a:t>표시합니다</a:t>
-            </a:r>
-            <a:r>
-              <a:rPr lang="en-US" altLang="ko-KR" dirty="0" smtClean="0"/>
-              <a:t>.</a:t>
+              <a:t>- </a:t>
+            </a:r>
+            <a:r>
+              <a:rPr lang="ko-KR" altLang="en-US" dirty="0" smtClean="0"/>
+              <a:t>커리큘럼</a:t>
             </a:r>
             <a:endParaRPr lang="ko-KR" altLang="en-US" dirty="0"/>
           </a:p>
@@ -5079,14 +6014,16 @@
       </p:sp>
       <p:pic>
         <p:nvPicPr>
-          <p:cNvPr id="3" name="그림 2"/>
+          <p:cNvPr id="5" name="내용 개체 틀 4"/>
           <p:cNvPicPr>
-            <a:picLocks noChangeAspect="1"/>
+            <a:picLocks noGrp="1" noChangeAspect="1"/>
           </p:cNvPicPr>
-          <p:nvPr/>
+          <p:nvPr>
+            <p:ph idx="1"/>
+          </p:nvPr>
         </p:nvPicPr>
         <p:blipFill>
-          <a:blip r:embed="rId2">
+          <a:blip r:embed="rId2" cstate="print">
             <a:extLst>
               <a:ext uri="{28A0092B-C50C-407E-A947-70E740481C1C}">
                 <a14:useLocalDpi xmlns:a14="http://schemas.microsoft.com/office/drawing/2010/main" val="0"/>
@@ -5099,12 +6036,9 @@
         </p:blipFill>
         <p:spPr>
           <a:xfrm>
-            <a:off x="223058" y="1220501"/>
-            <a:ext cx="4701066" cy="4689847"/>
-          </a:xfrm>
-          <a:prstGeom prst="rect">
-            <a:avLst/>
-          </a:prstGeom>
+            <a:off x="112957" y="1702301"/>
+            <a:ext cx="2913996" cy="3305262"/>
+          </a:xfrm>
           <a:ln>
             <a:solidFill>
               <a:schemeClr val="accent1"/>
@@ -5112,79 +6046,9 @@
           </a:ln>
         </p:spPr>
       </p:pic>
-      <p:sp>
-        <p:nvSpPr>
-          <p:cNvPr id="10" name="TextBox 9"/>
-          <p:cNvSpPr txBox="1"/>
-          <p:nvPr/>
-        </p:nvSpPr>
-        <p:spPr>
-          <a:xfrm>
-            <a:off x="5035735" y="2343389"/>
-            <a:ext cx="6319359" cy="646331"/>
-          </a:xfrm>
-          <a:prstGeom prst="rect">
-            <a:avLst/>
-          </a:prstGeom>
-          <a:noFill/>
-          <a:ln>
-            <a:solidFill>
-              <a:schemeClr val="accent1"/>
-            </a:solidFill>
-          </a:ln>
-        </p:spPr>
-        <p:txBody>
-          <a:bodyPr wrap="none" rtlCol="0">
-            <a:spAutoFit/>
-          </a:bodyPr>
-          <a:lstStyle/>
-          <a:p>
-            <a:r>
-              <a:rPr lang="ko-KR" altLang="en-US" dirty="0" err="1" smtClean="0"/>
-              <a:t>별점</a:t>
-            </a:r>
-            <a:r>
-              <a:rPr lang="ko-KR" altLang="en-US" dirty="0" smtClean="0"/>
-              <a:t> 기능을 추가하여 </a:t>
-            </a:r>
-            <a:r>
-              <a:rPr lang="en-US" altLang="ko-KR" dirty="0" smtClean="0"/>
-              <a:t>1</a:t>
-            </a:r>
-            <a:r>
-              <a:rPr lang="ko-KR" altLang="en-US" dirty="0" smtClean="0"/>
-              <a:t>점부터 </a:t>
-            </a:r>
-            <a:r>
-              <a:rPr lang="en-US" altLang="ko-KR" dirty="0" smtClean="0"/>
-              <a:t>5</a:t>
-            </a:r>
-            <a:r>
-              <a:rPr lang="ko-KR" altLang="en-US" dirty="0" smtClean="0"/>
-              <a:t>점까지 원하는 점수를 매겨</a:t>
-            </a:r>
-            <a:endParaRPr lang="en-US" altLang="ko-KR" dirty="0" smtClean="0"/>
-          </a:p>
-          <a:p>
-            <a:r>
-              <a:rPr lang="ko-KR" altLang="en-US" dirty="0" err="1" smtClean="0"/>
-              <a:t>수강평으로</a:t>
-            </a:r>
-            <a:r>
-              <a:rPr lang="ko-KR" altLang="en-US" dirty="0" smtClean="0"/>
-              <a:t> 등록할 수 있습니다</a:t>
-            </a:r>
-            <a:r>
-              <a:rPr lang="en-US" altLang="ko-KR" dirty="0" smtClean="0"/>
-              <a:t>.</a:t>
-            </a:r>
-            <a:endParaRPr lang="ko-KR" altLang="en-US" dirty="0"/>
-          </a:p>
-        </p:txBody>
-      </p:sp>
       <p:pic>
         <p:nvPicPr>
-          <p:cNvPr id="15" name="그림 14"/>
+          <p:cNvPr id="6" name="그림 5"/>
           <p:cNvPicPr>
             <a:picLocks noChangeAspect="1"/>
           </p:cNvPicPr>
@@ -5204,8 +6068,8 @@
         </p:blipFill>
         <p:spPr>
           <a:xfrm>
-            <a:off x="5620577" y="3074998"/>
-            <a:ext cx="2692150" cy="2835350"/>
+            <a:off x="8000067" y="148996"/>
+            <a:ext cx="3769209" cy="2737279"/>
           </a:xfrm>
           <a:prstGeom prst="rect">
             <a:avLst/>
@@ -5217,179 +6081,201 @@
           </a:ln>
         </p:spPr>
       </p:pic>
-      <p:sp>
-        <p:nvSpPr>
-          <p:cNvPr id="16" name="오른쪽 화살표 15"/>
-          <p:cNvSpPr/>
-          <p:nvPr/>
-        </p:nvSpPr>
-        <p:spPr>
-          <a:xfrm>
-            <a:off x="5035735" y="4072880"/>
-            <a:ext cx="467290" cy="839586"/>
-          </a:xfrm>
-          <a:prstGeom prst="rightArrow">
-            <a:avLst/>
-          </a:prstGeom>
-        </p:spPr>
-        <p:style>
-          <a:lnRef idx="2">
-            <a:schemeClr val="accent1">
-              <a:shade val="50000"/>
-            </a:schemeClr>
-          </a:lnRef>
-          <a:fillRef idx="1">
-            <a:schemeClr val="accent1"/>
-          </a:fillRef>
-          <a:effectRef idx="0">
-            <a:schemeClr val="accent1"/>
-          </a:effectRef>
-          <a:fontRef idx="minor">
-            <a:schemeClr val="lt1"/>
-          </a:fontRef>
-        </p:style>
-        <p:txBody>
-          <a:bodyPr rtlCol="0" anchor="ctr"/>
-          <a:lstStyle/>
-          <a:p>
-            <a:pPr algn="ctr"/>
-            <a:endParaRPr lang="ko-KR" altLang="en-US"/>
-          </a:p>
-        </p:txBody>
-      </p:sp>
-      <p:sp>
-        <p:nvSpPr>
-          <p:cNvPr id="19" name="타원 18"/>
-          <p:cNvSpPr/>
-          <p:nvPr/>
-        </p:nvSpPr>
-        <p:spPr>
-          <a:xfrm>
-            <a:off x="2457215" y="5404574"/>
-            <a:ext cx="310926" cy="304800"/>
-          </a:xfrm>
-          <a:prstGeom prst="ellipse">
+      <p:pic>
+        <p:nvPicPr>
+          <p:cNvPr id="7" name="그림 6"/>
+          <p:cNvPicPr>
+            <a:picLocks noChangeAspect="1"/>
+          </p:cNvPicPr>
+          <p:nvPr/>
+        </p:nvPicPr>
+        <p:blipFill>
+          <a:blip r:embed="rId4">
+            <a:extLst>
+              <a:ext uri="{28A0092B-C50C-407E-A947-70E740481C1C}">
+                <a14:useLocalDpi xmlns:a14="http://schemas.microsoft.com/office/drawing/2010/main" val="0"/>
+              </a:ext>
+            </a:extLst>
+          </a:blip>
+          <a:stretch>
+            <a:fillRect/>
+          </a:stretch>
+        </p:blipFill>
+        <p:spPr>
+          <a:xfrm>
+            <a:off x="7380318" y="2967643"/>
+            <a:ext cx="4388958" cy="3610021"/>
+          </a:xfrm>
+          <a:prstGeom prst="rect">
+            <a:avLst/>
+          </a:prstGeom>
+          <a:ln>
+            <a:solidFill>
+              <a:schemeClr val="accent1"/>
+            </a:solidFill>
+          </a:ln>
+        </p:spPr>
+      </p:pic>
+      <p:sp>
+        <p:nvSpPr>
+          <p:cNvPr id="8" name="TextBox 7"/>
+          <p:cNvSpPr txBox="1"/>
+          <p:nvPr/>
+        </p:nvSpPr>
+        <p:spPr>
+          <a:xfrm>
+            <a:off x="3026953" y="3075709"/>
+            <a:ext cx="4286751" cy="923330"/>
+          </a:xfrm>
+          <a:prstGeom prst="rect">
             <a:avLst/>
           </a:prstGeom>
           <a:noFill/>
         </p:spPr>
-        <p:style>
-          <a:lnRef idx="2">
-            <a:schemeClr val="accent1">
-              <a:shade val="50000"/>
-            </a:schemeClr>
-          </a:lnRef>
-          <a:fillRef idx="1">
-            <a:schemeClr val="accent1"/>
-          </a:fillRef>
-          <a:effectRef idx="0">
-            <a:schemeClr val="accent1"/>
-          </a:effectRef>
-          <a:fontRef idx="minor">
-            <a:schemeClr val="lt1"/>
-          </a:fontRef>
-        </p:style>
-        <p:txBody>
-          <a:bodyPr rtlCol="0" anchor="ctr"/>
-          <a:lstStyle/>
-          <a:p>
-            <a:pPr algn="ctr"/>
-            <a:endParaRPr lang="ko-KR" altLang="en-US"/>
-          </a:p>
-        </p:txBody>
-      </p:sp>
-      <p:sp>
-        <p:nvSpPr>
-          <p:cNvPr id="20" name="타원 19"/>
-          <p:cNvSpPr/>
-          <p:nvPr/>
-        </p:nvSpPr>
-        <p:spPr>
-          <a:xfrm>
-            <a:off x="2076216" y="5046476"/>
-            <a:ext cx="1072923" cy="304800"/>
-          </a:xfrm>
-          <a:prstGeom prst="ellipse">
+        <p:txBody>
+          <a:bodyPr wrap="none" rtlCol="0">
+            <a:spAutoFit/>
+          </a:bodyPr>
+          <a:lstStyle/>
+          <a:p>
+            <a:r>
+              <a:rPr lang="ko-KR" altLang="en-US" dirty="0" smtClean="0"/>
+              <a:t>커리큘럼을 펼쳤을 때 콘텐츠 표시는</a:t>
+            </a:r>
+            <a:endParaRPr lang="en-US" altLang="ko-KR" dirty="0" smtClean="0"/>
+          </a:p>
+          <a:p>
+            <a:r>
+              <a:rPr lang="ko-KR" altLang="en-US" dirty="0" smtClean="0"/>
+              <a:t>해당 강의 구매 여부에 따라 표시되도록</a:t>
+            </a:r>
+            <a:endParaRPr lang="en-US" altLang="ko-KR" dirty="0" smtClean="0"/>
+          </a:p>
+          <a:p>
+            <a:r>
+              <a:rPr lang="ko-KR" altLang="en-US" dirty="0" smtClean="0"/>
+              <a:t>했습니다</a:t>
+            </a:r>
+            <a:r>
+              <a:rPr lang="en-US" altLang="ko-KR" dirty="0" smtClean="0"/>
+              <a:t>.</a:t>
+            </a:r>
+            <a:endParaRPr lang="ko-KR" altLang="en-US" dirty="0"/>
+          </a:p>
+        </p:txBody>
+      </p:sp>
+      <p:sp>
+        <p:nvSpPr>
+          <p:cNvPr id="9" name="TextBox 8"/>
+          <p:cNvSpPr txBox="1"/>
+          <p:nvPr/>
+        </p:nvSpPr>
+        <p:spPr>
+          <a:xfrm>
+            <a:off x="8000067" y="1517635"/>
+            <a:ext cx="958917" cy="369332"/>
+          </a:xfrm>
+          <a:prstGeom prst="rect">
             <a:avLst/>
           </a:prstGeom>
           <a:noFill/>
         </p:spPr>
-        <p:style>
-          <a:lnRef idx="2">
-            <a:schemeClr val="accent1">
-              <a:shade val="50000"/>
-            </a:schemeClr>
-          </a:lnRef>
-          <a:fillRef idx="1">
-            <a:schemeClr val="accent1"/>
-          </a:fillRef>
-          <a:effectRef idx="0">
-            <a:schemeClr val="accent1"/>
-          </a:effectRef>
-          <a:fontRef idx="minor">
-            <a:schemeClr val="lt1"/>
-          </a:fontRef>
-        </p:style>
-        <p:txBody>
-          <a:bodyPr rtlCol="0" anchor="ctr"/>
-          <a:lstStyle/>
-          <a:p>
-            <a:pPr algn="ctr"/>
-            <a:endParaRPr lang="ko-KR" altLang="en-US"/>
-          </a:p>
-        </p:txBody>
-      </p:sp>
-      <p:sp>
-        <p:nvSpPr>
-          <p:cNvPr id="21" name="타원 20"/>
-          <p:cNvSpPr/>
-          <p:nvPr/>
-        </p:nvSpPr>
-        <p:spPr>
-          <a:xfrm>
-            <a:off x="3149139" y="1271447"/>
-            <a:ext cx="1190105" cy="304800"/>
-          </a:xfrm>
-          <a:prstGeom prst="ellipse">
+        <p:txBody>
+          <a:bodyPr wrap="none" rtlCol="0">
+            <a:spAutoFit/>
+          </a:bodyPr>
+          <a:lstStyle/>
+          <a:p>
+            <a:r>
+              <a:rPr lang="ko-KR" altLang="en-US" dirty="0" smtClean="0"/>
+              <a:t>미 구매</a:t>
+            </a:r>
+            <a:endParaRPr lang="ko-KR" altLang="en-US" dirty="0"/>
+          </a:p>
+        </p:txBody>
+      </p:sp>
+      <p:sp>
+        <p:nvSpPr>
+          <p:cNvPr id="10" name="TextBox 9"/>
+          <p:cNvSpPr txBox="1"/>
+          <p:nvPr/>
+        </p:nvSpPr>
+        <p:spPr>
+          <a:xfrm>
+            <a:off x="7589521" y="4897952"/>
+            <a:ext cx="646331" cy="369332"/>
+          </a:xfrm>
+          <a:prstGeom prst="rect">
             <a:avLst/>
           </a:prstGeom>
           <a:noFill/>
         </p:spPr>
-        <p:style>
-          <a:lnRef idx="2">
-            <a:schemeClr val="accent1">
-              <a:shade val="50000"/>
-            </a:schemeClr>
-          </a:lnRef>
-          <a:fillRef idx="1">
-            <a:schemeClr val="accent1"/>
-          </a:fillRef>
-          <a:effectRef idx="0">
-            <a:schemeClr val="accent1"/>
-          </a:effectRef>
-          <a:fontRef idx="minor">
-            <a:schemeClr val="lt1"/>
-          </a:fontRef>
-        </p:style>
-        <p:txBody>
-          <a:bodyPr rtlCol="0" anchor="ctr"/>
-          <a:lstStyle/>
-          <a:p>
-            <a:pPr algn="ctr"/>
-            <a:endParaRPr lang="ko-KR" altLang="en-US"/>
-          </a:p>
-        </p:txBody>
-      </p:sp>
-      <p:sp>
-        <p:nvSpPr>
-          <p:cNvPr id="22" name="TextBox 21"/>
+        <p:txBody>
+          <a:bodyPr wrap="none" rtlCol="0">
+            <a:spAutoFit/>
+          </a:bodyPr>
+          <a:lstStyle/>
+          <a:p>
+            <a:r>
+              <a:rPr lang="ko-KR" altLang="en-US" dirty="0" smtClean="0"/>
+              <a:t>구매</a:t>
+            </a:r>
+            <a:endParaRPr lang="ko-KR" altLang="en-US" dirty="0"/>
+          </a:p>
+        </p:txBody>
+      </p:sp>
+      <p:sp>
+        <p:nvSpPr>
+          <p:cNvPr id="11" name="TextBox 10"/>
           <p:cNvSpPr txBox="1"/>
           <p:nvPr/>
         </p:nvSpPr>
         <p:spPr>
           <a:xfrm>
-            <a:off x="8430279" y="3074998"/>
-            <a:ext cx="3390419" cy="1200329"/>
+            <a:off x="1900043" y="6182574"/>
+            <a:ext cx="5413661" cy="369332"/>
+          </a:xfrm>
+          <a:prstGeom prst="rect">
+            <a:avLst/>
+          </a:prstGeom>
+          <a:noFill/>
+        </p:spPr>
+        <p:txBody>
+          <a:bodyPr wrap="none" rtlCol="0">
+            <a:spAutoFit/>
+          </a:bodyPr>
+          <a:lstStyle/>
+          <a:p>
+            <a:r>
+              <a:rPr lang="ko-KR" altLang="en-US" dirty="0" smtClean="0"/>
+              <a:t>영상 출력은 </a:t>
+            </a:r>
+            <a:r>
+              <a:rPr lang="en-US" altLang="ko-KR" dirty="0" smtClean="0"/>
+              <a:t>Iframe </a:t>
+            </a:r>
+            <a:r>
+              <a:rPr lang="ko-KR" altLang="en-US" dirty="0" smtClean="0"/>
+              <a:t>태그를 사용하여 출력했습니다</a:t>
+            </a:r>
+            <a:r>
+              <a:rPr lang="en-US" altLang="ko-KR" dirty="0" smtClean="0"/>
+              <a:t>.</a:t>
+            </a:r>
+            <a:endParaRPr lang="ko-KR" altLang="en-US" dirty="0"/>
+          </a:p>
+        </p:txBody>
+      </p:sp>
+      <p:sp>
+        <p:nvSpPr>
+          <p:cNvPr id="12" name="TextBox 11"/>
+          <p:cNvSpPr txBox="1"/>
+          <p:nvPr/>
+        </p:nvSpPr>
+        <p:spPr>
+          <a:xfrm>
+            <a:off x="99850" y="1174139"/>
+            <a:ext cx="2927104" cy="369332"/>
           </a:xfrm>
           <a:prstGeom prst="rect">
             <a:avLst/>
@@ -5409,48 +6295,7 @@
           <a:p>
             <a:r>
               <a:rPr lang="ko-KR" altLang="en-US" dirty="0" smtClean="0"/>
-              <a:t>작성 버튼을 눌러 서버에 해당</a:t>
-            </a:r>
-            <a:endParaRPr lang="en-US" altLang="ko-KR" dirty="0" smtClean="0"/>
-          </a:p>
-          <a:p>
-            <a:r>
-              <a:rPr lang="ko-KR" altLang="en-US" dirty="0" err="1" smtClean="0"/>
-              <a:t>수강평을</a:t>
-            </a:r>
-            <a:r>
-              <a:rPr lang="ko-KR" altLang="en-US" dirty="0" smtClean="0"/>
-              <a:t> 저장하고</a:t>
-            </a:r>
-            <a:r>
-              <a:rPr lang="en-US" altLang="ko-KR" dirty="0" smtClean="0"/>
-              <a:t>, </a:t>
-            </a:r>
-            <a:r>
-              <a:rPr lang="ko-KR" altLang="en-US" dirty="0" smtClean="0"/>
-              <a:t>저장된</a:t>
-            </a:r>
-            <a:endParaRPr lang="en-US" altLang="ko-KR" dirty="0" smtClean="0"/>
-          </a:p>
-          <a:p>
-            <a:r>
-              <a:rPr lang="ko-KR" altLang="en-US" dirty="0" err="1" smtClean="0"/>
-              <a:t>수강평을</a:t>
-            </a:r>
-            <a:r>
-              <a:rPr lang="ko-KR" altLang="en-US" dirty="0" smtClean="0"/>
-              <a:t> 바로 확인할 수</a:t>
-            </a:r>
-            <a:endParaRPr lang="en-US" altLang="ko-KR" dirty="0" smtClean="0"/>
-          </a:p>
-          <a:p>
-            <a:r>
-              <a:rPr lang="ko-KR" altLang="en-US" dirty="0" smtClean="0"/>
-              <a:t>있습니다</a:t>
-            </a:r>
-            <a:r>
-              <a:rPr lang="en-US" altLang="ko-KR" dirty="0" smtClean="0"/>
-              <a:t>.</a:t>
+              <a:t>기본 모습</a:t>
             </a:r>
             <a:endParaRPr lang="ko-KR" altLang="en-US" dirty="0"/>
           </a:p>
@@ -5459,7 +6304,7 @@
     </p:spTree>
     <p:extLst>
       <p:ext uri="{BB962C8B-B14F-4D97-AF65-F5344CB8AC3E}">
-        <p14:creationId xmlns:p14="http://schemas.microsoft.com/office/powerpoint/2010/main" val="3290376153"/>
+        <p14:creationId xmlns:p14="http://schemas.microsoft.com/office/powerpoint/2010/main" val="1101745379"/>
       </p:ext>
     </p:extLst>
   </p:cSld>
@@ -5658,13 +6503,11 @@
         <p:spPr>
           <a:xfrm>
             <a:off x="223058" y="148994"/>
-            <a:ext cx="11489575" cy="964911"/>
-          </a:xfrm>
-        </p:spPr>
-        <p:txBody>
-          <a:bodyPr>
-            <a:normAutofit/>
-          </a:bodyPr>
+            <a:ext cx="10026535" cy="964911"/>
+          </a:xfrm>
+        </p:spPr>
+        <p:txBody>
+          <a:bodyPr/>
           <a:lstStyle/>
           <a:p>
             <a:r>
@@ -5679,90 +6522,13 @@
               <a:rPr lang="ko-KR" altLang="en-US" dirty="0" err="1" smtClean="0"/>
               <a:t>수강평</a:t>
             </a:r>
-            <a:r>
-              <a:rPr lang="ko-KR" altLang="en-US" dirty="0" smtClean="0"/>
-              <a:t> 수정 및 삭제</a:t>
-            </a:r>
-            <a:endParaRPr lang="ko-KR" altLang="en-US" dirty="0"/>
-          </a:p>
-        </p:txBody>
-      </p:sp>
-      <p:sp>
-        <p:nvSpPr>
-          <p:cNvPr id="8" name="TextBox 7"/>
-          <p:cNvSpPr txBox="1"/>
-          <p:nvPr/>
-        </p:nvSpPr>
-        <p:spPr>
-          <a:xfrm>
-            <a:off x="4662876" y="1250143"/>
-            <a:ext cx="7338869" cy="923330"/>
-          </a:xfrm>
-          <a:prstGeom prst="rect">
-            <a:avLst/>
-          </a:prstGeom>
-          <a:noFill/>
-          <a:ln>
-            <a:solidFill>
-              <a:schemeClr val="accent1"/>
-            </a:solidFill>
-          </a:ln>
-        </p:spPr>
-        <p:txBody>
-          <a:bodyPr wrap="none" rtlCol="0">
-            <a:spAutoFit/>
-          </a:bodyPr>
-          <a:lstStyle/>
-          <a:p>
-            <a:r>
-              <a:rPr lang="ko-KR" altLang="en-US" dirty="0" smtClean="0"/>
-              <a:t>수정하기 버튼 및 삭제하기 버튼의 활성화는</a:t>
-            </a:r>
-            <a:endParaRPr lang="en-US" altLang="ko-KR" dirty="0" smtClean="0"/>
-          </a:p>
-          <a:p>
-            <a:r>
-              <a:rPr lang="ko-KR" altLang="en-US" dirty="0" smtClean="0"/>
-              <a:t>로그인 상태여야 하며</a:t>
-            </a:r>
-            <a:r>
-              <a:rPr lang="en-US" altLang="ko-KR" dirty="0" smtClean="0"/>
-              <a:t>, </a:t>
-            </a:r>
-            <a:r>
-              <a:rPr lang="ko-KR" altLang="en-US" dirty="0" smtClean="0"/>
-              <a:t>등록된 </a:t>
-            </a:r>
-            <a:r>
-              <a:rPr lang="ko-KR" altLang="en-US" dirty="0" err="1" smtClean="0"/>
-              <a:t>수강평에</a:t>
-            </a:r>
-            <a:r>
-              <a:rPr lang="ko-KR" altLang="en-US" dirty="0" smtClean="0"/>
-              <a:t> 있는 아이디 정보와</a:t>
-            </a:r>
-            <a:endParaRPr lang="en-US" altLang="ko-KR" dirty="0" smtClean="0"/>
-          </a:p>
-          <a:p>
-            <a:r>
-              <a:rPr lang="ko-KR" altLang="en-US" dirty="0" err="1" smtClean="0"/>
-              <a:t>로그인된</a:t>
-            </a:r>
-            <a:r>
-              <a:rPr lang="ko-KR" altLang="en-US" dirty="0" smtClean="0"/>
-              <a:t> 아이디정보가 일치해야 활성화되어 보이도록 설정했습니다</a:t>
-            </a:r>
-            <a:r>
-              <a:rPr lang="en-US" altLang="ko-KR" dirty="0" smtClean="0"/>
-              <a:t>.</a:t>
-            </a:r>
             <a:endParaRPr lang="ko-KR" altLang="en-US" dirty="0"/>
           </a:p>
         </p:txBody>
       </p:sp>
       <p:pic>
         <p:nvPicPr>
-          <p:cNvPr id="10" name="그림 9"/>
+          <p:cNvPr id="6" name="그림 5"/>
           <p:cNvPicPr>
             <a:picLocks noChangeAspect="1"/>
           </p:cNvPicPr>
@@ -5782,8 +6548,8 @@
         </p:blipFill>
         <p:spPr>
           <a:xfrm>
-            <a:off x="447028" y="1250143"/>
-            <a:ext cx="3978373" cy="5219972"/>
+            <a:off x="223057" y="1113905"/>
+            <a:ext cx="4889269" cy="3895015"/>
           </a:xfrm>
           <a:prstGeom prst="rect">
             <a:avLst/>
@@ -5797,7 +6563,7 @@
       </p:pic>
       <p:pic>
         <p:nvPicPr>
-          <p:cNvPr id="3" name="그림 2"/>
+          <p:cNvPr id="7" name="그림 6"/>
           <p:cNvPicPr>
             <a:picLocks noChangeAspect="1"/>
           </p:cNvPicPr>
@@ -5817,8 +6583,8 @@
         </p:blipFill>
         <p:spPr>
           <a:xfrm>
-            <a:off x="4662876" y="2309711"/>
-            <a:ext cx="3745331" cy="4160404"/>
+            <a:off x="6359236" y="1113905"/>
+            <a:ext cx="5002695" cy="3797046"/>
           </a:xfrm>
           <a:prstGeom prst="rect">
             <a:avLst/>
@@ -5830,118 +6596,186 @@
           </a:ln>
         </p:spPr>
       </p:pic>
-      <p:pic>
-        <p:nvPicPr>
-          <p:cNvPr id="4" name="그림 3"/>
-          <p:cNvPicPr>
-            <a:picLocks noChangeAspect="1"/>
-          </p:cNvPicPr>
-          <p:nvPr/>
-        </p:nvPicPr>
-        <p:blipFill>
-          <a:blip r:embed="rId4">
-            <a:extLst>
-              <a:ext uri="{28A0092B-C50C-407E-A947-70E740481C1C}">
-                <a14:useLocalDpi xmlns:a14="http://schemas.microsoft.com/office/drawing/2010/main" val="0"/>
-              </a:ext>
-            </a:extLst>
-          </a:blip>
-          <a:stretch>
-            <a:fillRect/>
-          </a:stretch>
-        </p:blipFill>
-        <p:spPr>
-          <a:xfrm>
-            <a:off x="9716116" y="2317092"/>
-            <a:ext cx="1811735" cy="2306942"/>
-          </a:xfrm>
-          <a:prstGeom prst="rect">
-            <a:avLst/>
-          </a:prstGeom>
-          <a:ln>
-            <a:solidFill>
-              <a:schemeClr val="accent1"/>
-            </a:solidFill>
-          </a:ln>
-        </p:spPr>
-      </p:pic>
-      <p:sp>
-        <p:nvSpPr>
-          <p:cNvPr id="5" name="오른쪽 화살표 4"/>
-          <p:cNvSpPr/>
-          <p:nvPr/>
-        </p:nvSpPr>
-        <p:spPr>
-          <a:xfrm>
-            <a:off x="8512233" y="2984269"/>
-            <a:ext cx="1080654" cy="972589"/>
-          </a:xfrm>
-          <a:prstGeom prst="rightArrow">
+      <p:sp>
+        <p:nvSpPr>
+          <p:cNvPr id="8" name="TextBox 7"/>
+          <p:cNvSpPr txBox="1"/>
+          <p:nvPr/>
+        </p:nvSpPr>
+        <p:spPr>
+          <a:xfrm>
+            <a:off x="6125916" y="5140770"/>
+            <a:ext cx="6066084" cy="923330"/>
+          </a:xfrm>
+          <a:prstGeom prst="rect">
+            <a:avLst/>
+          </a:prstGeom>
+          <a:noFill/>
+        </p:spPr>
+        <p:txBody>
+          <a:bodyPr wrap="none" rtlCol="0">
+            <a:spAutoFit/>
+          </a:bodyPr>
+          <a:lstStyle/>
+          <a:p>
+            <a:r>
+              <a:rPr lang="ko-KR" altLang="en-US" dirty="0" smtClean="0"/>
+              <a:t>로그인 된 상태이며</a:t>
+            </a:r>
+            <a:r>
+              <a:rPr lang="en-US" altLang="ko-KR" dirty="0" smtClean="0"/>
+              <a:t>, </a:t>
+            </a:r>
+            <a:r>
+              <a:rPr lang="ko-KR" altLang="en-US" dirty="0" smtClean="0"/>
+              <a:t>해당 강의를 구입한 유저에게만</a:t>
+            </a:r>
+            <a:endParaRPr lang="en-US" altLang="ko-KR" dirty="0" smtClean="0"/>
+          </a:p>
+          <a:p>
+            <a:r>
+              <a:rPr lang="ko-KR" altLang="en-US" dirty="0" smtClean="0"/>
+              <a:t>작성하기 버튼과 자신이 작성한 </a:t>
+            </a:r>
+            <a:r>
+              <a:rPr lang="ko-KR" altLang="en-US" dirty="0" err="1" smtClean="0"/>
+              <a:t>수강평의</a:t>
+            </a:r>
+            <a:r>
+              <a:rPr lang="ko-KR" altLang="en-US" dirty="0" smtClean="0"/>
+              <a:t> 수정 및 삭제가</a:t>
+            </a:r>
+            <a:endParaRPr lang="en-US" altLang="ko-KR" dirty="0" smtClean="0"/>
+          </a:p>
+          <a:p>
+            <a:r>
+              <a:rPr lang="ko-KR" altLang="en-US" dirty="0" smtClean="0"/>
+              <a:t>가능하도록 설정하였습니다</a:t>
+            </a:r>
+            <a:r>
+              <a:rPr lang="en-US" altLang="ko-KR" dirty="0" smtClean="0"/>
+              <a:t>.</a:t>
+            </a:r>
+            <a:endParaRPr lang="ko-KR" altLang="en-US" dirty="0"/>
+          </a:p>
+        </p:txBody>
+      </p:sp>
+      <p:sp>
+        <p:nvSpPr>
+          <p:cNvPr id="9" name="TextBox 8"/>
+          <p:cNvSpPr txBox="1"/>
+          <p:nvPr/>
+        </p:nvSpPr>
+        <p:spPr>
+          <a:xfrm>
+            <a:off x="223057" y="5140770"/>
+            <a:ext cx="5291833" cy="923330"/>
+          </a:xfrm>
+          <a:prstGeom prst="rect">
+            <a:avLst/>
+          </a:prstGeom>
+          <a:noFill/>
+        </p:spPr>
+        <p:txBody>
+          <a:bodyPr wrap="none" rtlCol="0">
+            <a:spAutoFit/>
+          </a:bodyPr>
+          <a:lstStyle/>
+          <a:p>
+            <a:r>
+              <a:rPr lang="ko-KR" altLang="en-US" dirty="0" smtClean="0"/>
+              <a:t>로그인 상태가 아니거나 </a:t>
+            </a:r>
+            <a:r>
+              <a:rPr lang="ko-KR" altLang="en-US" dirty="0" err="1" smtClean="0"/>
+              <a:t>로그인을</a:t>
+            </a:r>
+            <a:r>
+              <a:rPr lang="ko-KR" altLang="en-US" dirty="0" smtClean="0"/>
+              <a:t> 했지만</a:t>
+            </a:r>
+            <a:endParaRPr lang="en-US" altLang="ko-KR" dirty="0" smtClean="0"/>
+          </a:p>
+          <a:p>
+            <a:r>
+              <a:rPr lang="ko-KR" altLang="en-US" dirty="0" smtClean="0"/>
+              <a:t>해당 강의를 구입하지 않은 상태이면 해당 강의의</a:t>
+            </a:r>
+            <a:endParaRPr lang="en-US" altLang="ko-KR" dirty="0" smtClean="0"/>
+          </a:p>
+          <a:p>
+            <a:r>
+              <a:rPr lang="ko-KR" altLang="en-US" dirty="0" err="1" smtClean="0"/>
+              <a:t>수강평만</a:t>
+            </a:r>
+            <a:r>
+              <a:rPr lang="ko-KR" altLang="en-US" dirty="0" smtClean="0"/>
+              <a:t> 확인 할 수 있습니다</a:t>
+            </a:r>
+            <a:r>
+              <a:rPr lang="en-US" altLang="ko-KR" dirty="0" smtClean="0"/>
+              <a:t>.</a:t>
+            </a:r>
+            <a:endParaRPr lang="ko-KR" altLang="en-US" dirty="0"/>
+          </a:p>
+        </p:txBody>
+      </p:sp>
+      <p:cxnSp>
+        <p:nvCxnSpPr>
+          <p:cNvPr id="4" name="직선 연결선 3"/>
+          <p:cNvCxnSpPr/>
+          <p:nvPr/>
+        </p:nvCxnSpPr>
+        <p:spPr>
+          <a:xfrm>
+            <a:off x="5680965" y="1005839"/>
+            <a:ext cx="8312" cy="5170517"/>
+          </a:xfrm>
+          <a:prstGeom prst="line">
             <a:avLst/>
           </a:prstGeom>
         </p:spPr>
         <p:style>
-          <a:lnRef idx="2">
-            <a:schemeClr val="accent1">
-              <a:shade val="50000"/>
-            </a:schemeClr>
+          <a:lnRef idx="3">
+            <a:schemeClr val="accent1"/>
           </a:lnRef>
-          <a:fillRef idx="1">
+          <a:fillRef idx="0">
             <a:schemeClr val="accent1"/>
           </a:fillRef>
-          <a:effectRef idx="0">
+          <a:effectRef idx="2">
             <a:schemeClr val="accent1"/>
           </a:effectRef>
           <a:fontRef idx="minor">
-            <a:schemeClr val="lt1"/>
+            <a:schemeClr val="tx1"/>
           </a:fontRef>
         </p:style>
-        <p:txBody>
-          <a:bodyPr rtlCol="0" anchor="ctr"/>
-          <a:lstStyle/>
-          <a:p>
-            <a:pPr algn="ctr"/>
-            <a:endParaRPr lang="ko-KR" altLang="en-US"/>
-          </a:p>
-        </p:txBody>
-      </p:sp>
-      <p:sp>
-        <p:nvSpPr>
-          <p:cNvPr id="11" name="타원 10"/>
-          <p:cNvSpPr/>
-          <p:nvPr/>
-        </p:nvSpPr>
-        <p:spPr>
-          <a:xfrm>
-            <a:off x="5687643" y="5960226"/>
-            <a:ext cx="1695796" cy="390698"/>
-          </a:xfrm>
-          <a:prstGeom prst="ellipse">
+      </p:cxnSp>
+      <p:sp>
+        <p:nvSpPr>
+          <p:cNvPr id="11" name="TextBox 10"/>
+          <p:cNvSpPr txBox="1"/>
+          <p:nvPr/>
+        </p:nvSpPr>
+        <p:spPr>
+          <a:xfrm>
+            <a:off x="3546022" y="1321724"/>
+            <a:ext cx="1189749" cy="369332"/>
+          </a:xfrm>
+          <a:prstGeom prst="rect">
             <a:avLst/>
           </a:prstGeom>
           <a:noFill/>
         </p:spPr>
-        <p:style>
-          <a:lnRef idx="2">
-            <a:schemeClr val="accent1">
-              <a:shade val="50000"/>
-            </a:schemeClr>
-          </a:lnRef>
-          <a:fillRef idx="1">
-            <a:schemeClr val="accent1"/>
-          </a:fillRef>
-          <a:effectRef idx="0">
-            <a:schemeClr val="accent1"/>
-          </a:effectRef>
-          <a:fontRef idx="minor">
-            <a:schemeClr val="lt1"/>
-          </a:fontRef>
-        </p:style>
-        <p:txBody>
-          <a:bodyPr rtlCol="0" anchor="ctr"/>
-          <a:lstStyle/>
-          <a:p>
-            <a:pPr algn="ctr"/>
+        <p:txBody>
+          <a:bodyPr wrap="none" rtlCol="0">
+            <a:spAutoFit/>
+          </a:bodyPr>
+          <a:lstStyle/>
+          <a:p>
+            <a:r>
+              <a:rPr lang="ko-KR" altLang="en-US" smtClean="0"/>
+              <a:t>로그인 전</a:t>
+            </a:r>
             <a:endParaRPr lang="ko-KR" altLang="en-US"/>
           </a:p>
         </p:txBody>
@@ -5954,125 +6788,32 @@
         </p:nvSpPr>
         <p:spPr>
           <a:xfrm>
-            <a:off x="8512233" y="4715789"/>
-            <a:ext cx="3604787" cy="1754326"/>
+            <a:off x="9500706" y="1321724"/>
+            <a:ext cx="1189749" cy="369332"/>
           </a:xfrm>
           <a:prstGeom prst="rect">
             <a:avLst/>
           </a:prstGeom>
           <a:noFill/>
-          <a:ln>
-            <a:solidFill>
-              <a:schemeClr val="accent1"/>
-            </a:solidFill>
-          </a:ln>
-        </p:spPr>
-        <p:txBody>
-          <a:bodyPr wrap="square" rtlCol="0">
+        </p:spPr>
+        <p:txBody>
+          <a:bodyPr wrap="none" rtlCol="0">
             <a:spAutoFit/>
           </a:bodyPr>
           <a:lstStyle/>
           <a:p>
             <a:r>
               <a:rPr lang="ko-KR" altLang="en-US" dirty="0" smtClean="0"/>
-              <a:t>수정하기 버튼을 클릭했을 때</a:t>
-            </a:r>
-            <a:endParaRPr lang="en-US" altLang="ko-KR" dirty="0" smtClean="0"/>
-          </a:p>
-          <a:p>
-            <a:r>
-              <a:rPr lang="ko-KR" altLang="en-US" dirty="0" smtClean="0"/>
-              <a:t>내용 수정 페이지로 이동할 수</a:t>
-            </a:r>
-            <a:endParaRPr lang="en-US" altLang="ko-KR" dirty="0" smtClean="0"/>
-          </a:p>
-          <a:p>
-            <a:r>
-              <a:rPr lang="ko-KR" altLang="en-US" dirty="0" smtClean="0"/>
-              <a:t>있으며</a:t>
-            </a:r>
-            <a:r>
-              <a:rPr lang="en-US" altLang="ko-KR" dirty="0" smtClean="0"/>
-              <a:t>, </a:t>
-            </a:r>
-            <a:r>
-              <a:rPr lang="ko-KR" altLang="en-US" dirty="0" smtClean="0"/>
-              <a:t>수정 후 작성 버튼을</a:t>
-            </a:r>
-            <a:endParaRPr lang="en-US" altLang="ko-KR" dirty="0" smtClean="0"/>
-          </a:p>
-          <a:p>
-            <a:r>
-              <a:rPr lang="ko-KR" altLang="en-US" dirty="0" smtClean="0"/>
-              <a:t>클릭 시 수정된 내용이 서버에</a:t>
-            </a:r>
-            <a:endParaRPr lang="en-US" altLang="ko-KR" dirty="0" smtClean="0"/>
-          </a:p>
-          <a:p>
-            <a:r>
-              <a:rPr lang="ko-KR" altLang="en-US" dirty="0" smtClean="0"/>
-              <a:t>저장되어 출력할 수 있게</a:t>
-            </a:r>
-            <a:endParaRPr lang="en-US" altLang="ko-KR" dirty="0" smtClean="0"/>
-          </a:p>
-          <a:p>
-            <a:r>
-              <a:rPr lang="ko-KR" altLang="en-US" dirty="0" smtClean="0"/>
-              <a:t>하였습니다</a:t>
-            </a:r>
-            <a:r>
-              <a:rPr lang="en-US" altLang="ko-KR" dirty="0" smtClean="0"/>
-              <a:t>.</a:t>
+              <a:t>로그인 후</a:t>
             </a:r>
             <a:endParaRPr lang="ko-KR" altLang="en-US" dirty="0"/>
-          </a:p>
-        </p:txBody>
-      </p:sp>
-      <p:sp>
-        <p:nvSpPr>
-          <p:cNvPr id="14" name="타원 13"/>
-          <p:cNvSpPr/>
-          <p:nvPr/>
-        </p:nvSpPr>
-        <p:spPr>
-          <a:xfrm>
-            <a:off x="1108948" y="5611092"/>
-            <a:ext cx="1243553" cy="590204"/>
-          </a:xfrm>
-          <a:prstGeom prst="ellipse">
-            <a:avLst/>
-          </a:prstGeom>
-          <a:noFill/>
-        </p:spPr>
-        <p:style>
-          <a:lnRef idx="2">
-            <a:schemeClr val="accent1">
-              <a:shade val="50000"/>
-            </a:schemeClr>
-          </a:lnRef>
-          <a:fillRef idx="1">
-            <a:schemeClr val="accent1"/>
-          </a:fillRef>
-          <a:effectRef idx="0">
-            <a:schemeClr val="accent1"/>
-          </a:effectRef>
-          <a:fontRef idx="minor">
-            <a:schemeClr val="lt1"/>
-          </a:fontRef>
-        </p:style>
-        <p:txBody>
-          <a:bodyPr rtlCol="0" anchor="ctr"/>
-          <a:lstStyle/>
-          <a:p>
-            <a:pPr algn="ctr"/>
-            <a:endParaRPr lang="ko-KR" altLang="en-US"/>
           </a:p>
         </p:txBody>
       </p:sp>
     </p:spTree>
     <p:extLst>
       <p:ext uri="{BB962C8B-B14F-4D97-AF65-F5344CB8AC3E}">
-        <p14:creationId xmlns:p14="http://schemas.microsoft.com/office/powerpoint/2010/main" val="2146683802"/>
+        <p14:creationId xmlns:p14="http://schemas.microsoft.com/office/powerpoint/2010/main" val="1338292732"/>
       </p:ext>
     </p:extLst>
   </p:cSld>
@@ -6112,13 +6853,11 @@
         <p:spPr>
           <a:xfrm>
             <a:off x="223058" y="148994"/>
-            <a:ext cx="11489575" cy="964911"/>
-          </a:xfrm>
-        </p:spPr>
-        <p:txBody>
-          <a:bodyPr>
-            <a:normAutofit/>
-          </a:bodyPr>
+            <a:ext cx="10026535" cy="964911"/>
+          </a:xfrm>
+        </p:spPr>
+        <p:txBody>
+          <a:bodyPr/>
           <a:lstStyle/>
           <a:p>
             <a:r>
@@ -6134,55 +6873,12 @@
               <a:t>수강평</a:t>
             </a:r>
             <a:r>
-              <a:rPr lang="ko-KR" altLang="en-US" dirty="0" smtClean="0"/>
-              <a:t> 수정 및 삭제</a:t>
-            </a:r>
-            <a:endParaRPr lang="ko-KR" altLang="en-US" dirty="0"/>
-          </a:p>
-        </p:txBody>
-      </p:sp>
-      <p:sp>
-        <p:nvSpPr>
-          <p:cNvPr id="8" name="TextBox 7"/>
-          <p:cNvSpPr txBox="1"/>
-          <p:nvPr/>
-        </p:nvSpPr>
-        <p:spPr>
-          <a:xfrm>
-            <a:off x="5078513" y="1371281"/>
-            <a:ext cx="6378669" cy="369332"/>
-          </a:xfrm>
-          <a:prstGeom prst="rect">
-            <a:avLst/>
-          </a:prstGeom>
-          <a:noFill/>
-          <a:ln>
-            <a:solidFill>
-              <a:schemeClr val="accent1"/>
-            </a:solidFill>
-          </a:ln>
-        </p:spPr>
-        <p:txBody>
-          <a:bodyPr wrap="none" rtlCol="0">
-            <a:spAutoFit/>
-          </a:bodyPr>
-          <a:lstStyle/>
-          <a:p>
-            <a:r>
-              <a:rPr lang="ko-KR" altLang="en-US" dirty="0" smtClean="0"/>
-              <a:t>삭제하기 버튼을 눌러 등록된 </a:t>
-            </a:r>
-            <a:r>
-              <a:rPr lang="ko-KR" altLang="en-US" dirty="0" err="1" smtClean="0"/>
-              <a:t>수강평을</a:t>
-            </a:r>
-            <a:r>
-              <a:rPr lang="ko-KR" altLang="en-US" dirty="0" smtClean="0"/>
-              <a:t> 삭제 할 수 있습니다</a:t>
-            </a:r>
-            <a:r>
-              <a:rPr lang="en-US" altLang="ko-KR" dirty="0" smtClean="0"/>
-              <a:t>.</a:t>
+              <a:rPr lang="en-US" altLang="ko-KR" dirty="0"/>
+              <a:t> </a:t>
+            </a:r>
+            <a:r>
+              <a:rPr lang="ko-KR" altLang="en-US" dirty="0" smtClean="0"/>
+              <a:t>작성</a:t>
             </a:r>
             <a:endParaRPr lang="ko-KR" altLang="en-US" dirty="0"/>
           </a:p>
@@ -6190,7 +6886,7 @@
       </p:sp>
       <p:pic>
         <p:nvPicPr>
-          <p:cNvPr id="6" name="그림 5"/>
+          <p:cNvPr id="7" name="그림 6"/>
           <p:cNvPicPr>
             <a:picLocks noChangeAspect="1"/>
           </p:cNvPicPr>
@@ -6210,8 +6906,8 @@
         </p:blipFill>
         <p:spPr>
           <a:xfrm>
-            <a:off x="223058" y="1371281"/>
-            <a:ext cx="4695433" cy="5034279"/>
+            <a:off x="233630" y="1113905"/>
+            <a:ext cx="5002695" cy="3797046"/>
           </a:xfrm>
           <a:prstGeom prst="rect">
             <a:avLst/>
@@ -6225,19 +6921,193 @@
       </p:pic>
       <p:sp>
         <p:nvSpPr>
-          <p:cNvPr id="14" name="타원 13"/>
+          <p:cNvPr id="8" name="TextBox 7"/>
+          <p:cNvSpPr txBox="1"/>
+          <p:nvPr/>
+        </p:nvSpPr>
+        <p:spPr>
+          <a:xfrm>
+            <a:off x="98367" y="5090895"/>
+            <a:ext cx="5573962" cy="646331"/>
+          </a:xfrm>
+          <a:prstGeom prst="rect">
+            <a:avLst/>
+          </a:prstGeom>
+          <a:noFill/>
+        </p:spPr>
+        <p:txBody>
+          <a:bodyPr wrap="none" rtlCol="0">
+            <a:spAutoFit/>
+          </a:bodyPr>
+          <a:lstStyle/>
+          <a:p>
+            <a:r>
+              <a:rPr lang="ko-KR" altLang="en-US" dirty="0" smtClean="0"/>
+              <a:t>해당 강의를 구매했을 때</a:t>
+            </a:r>
+            <a:r>
+              <a:rPr lang="en-US" altLang="ko-KR" dirty="0" smtClean="0"/>
+              <a:t>, </a:t>
+            </a:r>
+            <a:r>
+              <a:rPr lang="ko-KR" altLang="en-US" dirty="0" smtClean="0"/>
+              <a:t>작성하기 버튼을 클릭하여</a:t>
+            </a:r>
+            <a:endParaRPr lang="en-US" altLang="ko-KR" dirty="0" smtClean="0"/>
+          </a:p>
+          <a:p>
+            <a:r>
+              <a:rPr lang="ko-KR" altLang="en-US" dirty="0" err="1" smtClean="0"/>
+              <a:t>수강평을</a:t>
+            </a:r>
+            <a:r>
+              <a:rPr lang="ko-KR" altLang="en-US" dirty="0" smtClean="0"/>
+              <a:t> 작성 할 수 있습니다</a:t>
+            </a:r>
+            <a:r>
+              <a:rPr lang="en-US" altLang="ko-KR" dirty="0" smtClean="0"/>
+              <a:t>.</a:t>
+            </a:r>
+            <a:endParaRPr lang="ko-KR" altLang="en-US" dirty="0"/>
+          </a:p>
+        </p:txBody>
+      </p:sp>
+      <p:pic>
+        <p:nvPicPr>
+          <p:cNvPr id="3" name="그림 2"/>
+          <p:cNvPicPr>
+            <a:picLocks noChangeAspect="1"/>
+          </p:cNvPicPr>
+          <p:nvPr/>
+        </p:nvPicPr>
+        <p:blipFill>
+          <a:blip r:embed="rId3" cstate="print">
+            <a:extLst>
+              <a:ext uri="{28A0092B-C50C-407E-A947-70E740481C1C}">
+                <a14:useLocalDpi xmlns:a14="http://schemas.microsoft.com/office/drawing/2010/main" val="0"/>
+              </a:ext>
+            </a:extLst>
+          </a:blip>
+          <a:stretch>
+            <a:fillRect/>
+          </a:stretch>
+        </p:blipFill>
+        <p:spPr>
+          <a:xfrm>
+            <a:off x="6561791" y="1113905"/>
+            <a:ext cx="5102157" cy="3797046"/>
+          </a:xfrm>
+          <a:prstGeom prst="rect">
+            <a:avLst/>
+          </a:prstGeom>
+          <a:ln>
+            <a:solidFill>
+              <a:schemeClr val="accent1"/>
+            </a:solidFill>
+          </a:ln>
+        </p:spPr>
+      </p:pic>
+      <p:sp>
+        <p:nvSpPr>
+          <p:cNvPr id="4" name="타원 3"/>
           <p:cNvSpPr/>
           <p:nvPr/>
         </p:nvSpPr>
         <p:spPr>
           <a:xfrm>
-            <a:off x="2494803" y="5815356"/>
-            <a:ext cx="1243553" cy="590204"/>
+            <a:off x="2394065" y="3898669"/>
+            <a:ext cx="656706" cy="698269"/>
           </a:xfrm>
           <a:prstGeom prst="ellipse">
             <a:avLst/>
           </a:prstGeom>
           <a:noFill/>
+        </p:spPr>
+        <p:style>
+          <a:lnRef idx="2">
+            <a:schemeClr val="accent1"/>
+          </a:lnRef>
+          <a:fillRef idx="1">
+            <a:schemeClr val="lt1"/>
+          </a:fillRef>
+          <a:effectRef idx="0">
+            <a:schemeClr val="accent1"/>
+          </a:effectRef>
+          <a:fontRef idx="minor">
+            <a:schemeClr val="dk1"/>
+          </a:fontRef>
+        </p:style>
+        <p:txBody>
+          <a:bodyPr rtlCol="0" anchor="ctr"/>
+          <a:lstStyle/>
+          <a:p>
+            <a:pPr algn="ctr"/>
+            <a:endParaRPr lang="ko-KR" altLang="en-US"/>
+          </a:p>
+        </p:txBody>
+      </p:sp>
+      <p:sp>
+        <p:nvSpPr>
+          <p:cNvPr id="5" name="TextBox 4"/>
+          <p:cNvSpPr txBox="1"/>
+          <p:nvPr/>
+        </p:nvSpPr>
+        <p:spPr>
+          <a:xfrm>
+            <a:off x="6561791" y="5212080"/>
+            <a:ext cx="4897495" cy="646331"/>
+          </a:xfrm>
+          <a:prstGeom prst="rect">
+            <a:avLst/>
+          </a:prstGeom>
+          <a:noFill/>
+        </p:spPr>
+        <p:txBody>
+          <a:bodyPr wrap="none" rtlCol="0">
+            <a:spAutoFit/>
+          </a:bodyPr>
+          <a:lstStyle/>
+          <a:p>
+            <a:r>
+              <a:rPr lang="ko-KR" altLang="en-US" dirty="0" err="1" smtClean="0"/>
+              <a:t>수강평은</a:t>
+            </a:r>
+            <a:r>
+              <a:rPr lang="ko-KR" altLang="en-US" dirty="0" smtClean="0"/>
+              <a:t> 상세페이지에서 작성하는 것이 아닌</a:t>
+            </a:r>
+            <a:endParaRPr lang="en-US" altLang="ko-KR" dirty="0" smtClean="0"/>
+          </a:p>
+          <a:p>
+            <a:r>
+              <a:rPr lang="ko-KR" altLang="en-US" dirty="0" err="1" smtClean="0"/>
+              <a:t>수강평</a:t>
+            </a:r>
+            <a:r>
+              <a:rPr lang="ko-KR" altLang="en-US" dirty="0" smtClean="0"/>
+              <a:t> 작성 페이지로 넘어가서 작성합니다</a:t>
+            </a:r>
+            <a:r>
+              <a:rPr lang="en-US" altLang="ko-KR" dirty="0" smtClean="0"/>
+              <a:t>.</a:t>
+            </a:r>
+          </a:p>
+        </p:txBody>
+      </p:sp>
+      <p:sp>
+        <p:nvSpPr>
+          <p:cNvPr id="13" name="오른쪽 화살표 12"/>
+          <p:cNvSpPr/>
+          <p:nvPr/>
+        </p:nvSpPr>
+        <p:spPr>
+          <a:xfrm>
+            <a:off x="5361709" y="2560320"/>
+            <a:ext cx="1130531" cy="1413164"/>
+          </a:xfrm>
+          <a:prstGeom prst="rightArrow">
+            <a:avLst/>
+          </a:prstGeom>
         </p:spPr>
         <p:style>
           <a:lnRef idx="2">
@@ -6264,98 +7134,16 @@
           </a:p>
         </p:txBody>
       </p:sp>
-      <p:pic>
-        <p:nvPicPr>
-          <p:cNvPr id="7" name="그림 6"/>
-          <p:cNvPicPr>
-            <a:picLocks noChangeAspect="1"/>
-          </p:cNvPicPr>
-          <p:nvPr/>
-        </p:nvPicPr>
-        <p:blipFill>
-          <a:blip r:embed="rId3">
-            <a:extLst>
-              <a:ext uri="{28A0092B-C50C-407E-A947-70E740481C1C}">
-                <a14:useLocalDpi xmlns:a14="http://schemas.microsoft.com/office/drawing/2010/main" val="0"/>
-              </a:ext>
-            </a:extLst>
-          </a:blip>
-          <a:stretch>
-            <a:fillRect/>
-          </a:stretch>
-        </p:blipFill>
-        <p:spPr>
-          <a:xfrm>
-            <a:off x="6799286" y="1997989"/>
-            <a:ext cx="3292700" cy="4547062"/>
-          </a:xfrm>
-          <a:prstGeom prst="rect">
-            <a:avLst/>
-          </a:prstGeom>
-          <a:ln>
-            <a:solidFill>
-              <a:schemeClr val="accent1"/>
-            </a:solidFill>
-          </a:ln>
-        </p:spPr>
-      </p:pic>
-      <p:sp>
-        <p:nvSpPr>
-          <p:cNvPr id="9" name="오른쪽 화살표 8"/>
-          <p:cNvSpPr/>
-          <p:nvPr/>
-        </p:nvSpPr>
-        <p:spPr>
-          <a:xfrm>
-            <a:off x="5323609" y="3224116"/>
-            <a:ext cx="1288472" cy="2094807"/>
-          </a:xfrm>
-          <a:prstGeom prst="rightArrow">
-            <a:avLst/>
-          </a:prstGeom>
-        </p:spPr>
-        <p:style>
-          <a:lnRef idx="2">
-            <a:schemeClr val="accent1">
-              <a:shade val="50000"/>
-            </a:schemeClr>
-          </a:lnRef>
-          <a:fillRef idx="1">
-            <a:schemeClr val="accent1"/>
-          </a:fillRef>
-          <a:effectRef idx="0">
-            <a:schemeClr val="accent1"/>
-          </a:effectRef>
-          <a:fontRef idx="minor">
-            <a:schemeClr val="lt1"/>
-          </a:fontRef>
-        </p:style>
-        <p:txBody>
-          <a:bodyPr rtlCol="0" anchor="ctr"/>
-          <a:lstStyle/>
-          <a:p>
-            <a:pPr algn="ctr"/>
-            <a:endParaRPr lang="ko-KR" altLang="en-US"/>
-          </a:p>
-        </p:txBody>
-      </p:sp>
     </p:spTree>
     <p:extLst>
       <p:ext uri="{BB962C8B-B14F-4D97-AF65-F5344CB8AC3E}">
-        <p14:creationId xmlns:p14="http://schemas.microsoft.com/office/powerpoint/2010/main" val="4140697812"/>
+        <p14:creationId xmlns:p14="http://schemas.microsoft.com/office/powerpoint/2010/main" val="2020289598"/>
       </p:ext>
     </p:extLst>
   </p:cSld>
   <p:clrMapOvr>
     <a:masterClrMapping/>
   </p:clrMapOvr>
-  <p:timing>
-    <p:tnLst>
-      <p:par>
-        <p:cTn id="1" dur="indefinite" restart="never" nodeType="tmRoot"/>
-      </p:par>
-    </p:tnLst>
-  </p:timing>
 </p:sld>
 </file>
 
@@ -6386,18 +7174,100 @@
             <p:ph type="title"/>
           </p:nvPr>
         </p:nvSpPr>
-        <p:spPr/>
+        <p:spPr>
+          <a:xfrm>
+            <a:off x="223058" y="148994"/>
+            <a:ext cx="10026535" cy="964911"/>
+          </a:xfrm>
+        </p:spPr>
         <p:txBody>
           <a:bodyPr/>
           <a:lstStyle/>
           <a:p>
             <a:r>
+              <a:rPr lang="ko-KR" altLang="en-US" dirty="0" smtClean="0"/>
+              <a:t>강의 상세 페이지 </a:t>
+            </a:r>
+            <a:r>
+              <a:rPr lang="en-US" altLang="ko-KR" dirty="0" smtClean="0"/>
+              <a:t>– </a:t>
+            </a:r>
+            <a:r>
               <a:rPr lang="ko-KR" altLang="en-US" dirty="0" err="1" smtClean="0"/>
-              <a:t>수강바구니</a:t>
-            </a:r>
-            <a:r>
-              <a:rPr lang="ko-KR" altLang="en-US" dirty="0" smtClean="0"/>
-              <a:t> 페이지</a:t>
+              <a:t>수강평</a:t>
+            </a:r>
+            <a:r>
+              <a:rPr lang="en-US" altLang="ko-KR" dirty="0"/>
+              <a:t> </a:t>
+            </a:r>
+            <a:r>
+              <a:rPr lang="ko-KR" altLang="en-US" dirty="0" smtClean="0"/>
+              <a:t>작성</a:t>
+            </a:r>
+            <a:r>
+              <a:rPr lang="en-US" altLang="ko-KR" dirty="0" smtClean="0"/>
+              <a:t>2</a:t>
+            </a:r>
+            <a:endParaRPr lang="ko-KR" altLang="en-US" dirty="0"/>
+          </a:p>
+        </p:txBody>
+      </p:sp>
+      <p:sp>
+        <p:nvSpPr>
+          <p:cNvPr id="8" name="TextBox 7"/>
+          <p:cNvSpPr txBox="1"/>
+          <p:nvPr/>
+        </p:nvSpPr>
+        <p:spPr>
+          <a:xfrm>
+            <a:off x="5035735" y="1220501"/>
+            <a:ext cx="5492209" cy="923330"/>
+          </a:xfrm>
+          <a:prstGeom prst="rect">
+            <a:avLst/>
+          </a:prstGeom>
+          <a:noFill/>
+          <a:ln>
+            <a:solidFill>
+              <a:schemeClr val="accent1"/>
+            </a:solidFill>
+          </a:ln>
+        </p:spPr>
+        <p:txBody>
+          <a:bodyPr wrap="none" rtlCol="0">
+            <a:spAutoFit/>
+          </a:bodyPr>
+          <a:lstStyle/>
+          <a:p>
+            <a:r>
+              <a:rPr lang="ko-KR" altLang="en-US" dirty="0" smtClean="0"/>
+              <a:t>표시되는 아이디는 작성하기 버튼을 클릭하고</a:t>
+            </a:r>
+            <a:r>
+              <a:rPr lang="en-US" altLang="ko-KR" dirty="0" smtClean="0"/>
+              <a:t>, </a:t>
+            </a:r>
+            <a:r>
+              <a:rPr lang="ko-KR" altLang="en-US" dirty="0" smtClean="0"/>
+              <a:t>해당</a:t>
+            </a:r>
+            <a:endParaRPr lang="en-US" altLang="ko-KR" dirty="0" smtClean="0"/>
+          </a:p>
+          <a:p>
+            <a:r>
+              <a:rPr lang="ko-KR" altLang="en-US" dirty="0" smtClean="0"/>
+              <a:t>페이지로 이동될 때 아이디 정보를 함께 넘겨</a:t>
+            </a:r>
+            <a:endParaRPr lang="en-US" altLang="ko-KR" dirty="0" smtClean="0"/>
+          </a:p>
+          <a:p>
+            <a:r>
+              <a:rPr lang="ko-KR" altLang="en-US" dirty="0" smtClean="0"/>
+              <a:t>표시합니다</a:t>
+            </a:r>
+            <a:r>
+              <a:rPr lang="en-US" altLang="ko-KR" dirty="0" smtClean="0"/>
+              <a:t>.</a:t>
             </a:r>
             <a:endParaRPr lang="ko-KR" altLang="en-US" dirty="0"/>
           </a:p>
@@ -6405,35 +7275,387 @@
       </p:sp>
       <p:pic>
         <p:nvPicPr>
-          <p:cNvPr id="4" name="내용 개체 틀 3"/>
+          <p:cNvPr id="3" name="그림 2"/>
           <p:cNvPicPr>
-            <a:picLocks noGrp="1" noChangeAspect="1"/>
+            <a:picLocks noChangeAspect="1"/>
           </p:cNvPicPr>
-          <p:nvPr>
-            <p:ph idx="1"/>
-          </p:nvPr>
+          <p:nvPr/>
         </p:nvPicPr>
         <p:blipFill>
-          <a:blip r:embed="rId2"/>
+          <a:blip r:embed="rId2">
+            <a:extLst>
+              <a:ext uri="{28A0092B-C50C-407E-A947-70E740481C1C}">
+                <a14:useLocalDpi xmlns:a14="http://schemas.microsoft.com/office/drawing/2010/main" val="0"/>
+              </a:ext>
+            </a:extLst>
+          </a:blip>
           <a:stretch>
             <a:fillRect/>
           </a:stretch>
         </p:blipFill>
         <p:spPr>
           <a:xfrm>
-            <a:off x="838200" y="1690688"/>
-            <a:ext cx="5436082" cy="2678112"/>
-          </a:xfrm>
-          <a:prstGeom prst="rect">
-            <a:avLst/>
-          </a:prstGeom>
-          <a:effectLst/>
+            <a:off x="223058" y="1220501"/>
+            <a:ext cx="4701066" cy="4689847"/>
+          </a:xfrm>
+          <a:prstGeom prst="rect">
+            <a:avLst/>
+          </a:prstGeom>
+          <a:ln>
+            <a:solidFill>
+              <a:schemeClr val="accent1"/>
+            </a:solidFill>
+          </a:ln>
         </p:spPr>
       </p:pic>
+      <p:sp>
+        <p:nvSpPr>
+          <p:cNvPr id="10" name="TextBox 9"/>
+          <p:cNvSpPr txBox="1"/>
+          <p:nvPr/>
+        </p:nvSpPr>
+        <p:spPr>
+          <a:xfrm>
+            <a:off x="5035735" y="2343389"/>
+            <a:ext cx="6319359" cy="646331"/>
+          </a:xfrm>
+          <a:prstGeom prst="rect">
+            <a:avLst/>
+          </a:prstGeom>
+          <a:noFill/>
+          <a:ln>
+            <a:solidFill>
+              <a:schemeClr val="accent1"/>
+            </a:solidFill>
+          </a:ln>
+        </p:spPr>
+        <p:txBody>
+          <a:bodyPr wrap="none" rtlCol="0">
+            <a:spAutoFit/>
+          </a:bodyPr>
+          <a:lstStyle/>
+          <a:p>
+            <a:r>
+              <a:rPr lang="ko-KR" altLang="en-US" dirty="0" err="1" smtClean="0"/>
+              <a:t>별점</a:t>
+            </a:r>
+            <a:r>
+              <a:rPr lang="ko-KR" altLang="en-US" dirty="0" smtClean="0"/>
+              <a:t> 기능을 추가하여 </a:t>
+            </a:r>
+            <a:r>
+              <a:rPr lang="en-US" altLang="ko-KR" dirty="0" smtClean="0"/>
+              <a:t>1</a:t>
+            </a:r>
+            <a:r>
+              <a:rPr lang="ko-KR" altLang="en-US" dirty="0" smtClean="0"/>
+              <a:t>점부터 </a:t>
+            </a:r>
+            <a:r>
+              <a:rPr lang="en-US" altLang="ko-KR" dirty="0" smtClean="0"/>
+              <a:t>5</a:t>
+            </a:r>
+            <a:r>
+              <a:rPr lang="ko-KR" altLang="en-US" dirty="0" smtClean="0"/>
+              <a:t>점까지 원하는 점수를 매겨</a:t>
+            </a:r>
+            <a:endParaRPr lang="en-US" altLang="ko-KR" dirty="0" smtClean="0"/>
+          </a:p>
+          <a:p>
+            <a:r>
+              <a:rPr lang="ko-KR" altLang="en-US" dirty="0" err="1" smtClean="0"/>
+              <a:t>수강평으로</a:t>
+            </a:r>
+            <a:r>
+              <a:rPr lang="ko-KR" altLang="en-US" dirty="0" smtClean="0"/>
+              <a:t> 등록할 수 있습니다</a:t>
+            </a:r>
+            <a:r>
+              <a:rPr lang="en-US" altLang="ko-KR" dirty="0" smtClean="0"/>
+              <a:t>.</a:t>
+            </a:r>
+            <a:endParaRPr lang="ko-KR" altLang="en-US" dirty="0"/>
+          </a:p>
+        </p:txBody>
+      </p:sp>
+      <p:pic>
+        <p:nvPicPr>
+          <p:cNvPr id="15" name="그림 14"/>
+          <p:cNvPicPr>
+            <a:picLocks noChangeAspect="1"/>
+          </p:cNvPicPr>
+          <p:nvPr/>
+        </p:nvPicPr>
+        <p:blipFill>
+          <a:blip r:embed="rId3">
+            <a:extLst>
+              <a:ext uri="{28A0092B-C50C-407E-A947-70E740481C1C}">
+                <a14:useLocalDpi xmlns:a14="http://schemas.microsoft.com/office/drawing/2010/main" val="0"/>
+              </a:ext>
+            </a:extLst>
+          </a:blip>
+          <a:stretch>
+            <a:fillRect/>
+          </a:stretch>
+        </p:blipFill>
+        <p:spPr>
+          <a:xfrm>
+            <a:off x="5620577" y="3074998"/>
+            <a:ext cx="2692150" cy="2835350"/>
+          </a:xfrm>
+          <a:prstGeom prst="rect">
+            <a:avLst/>
+          </a:prstGeom>
+          <a:ln>
+            <a:solidFill>
+              <a:schemeClr val="accent1"/>
+            </a:solidFill>
+          </a:ln>
+        </p:spPr>
+      </p:pic>
+      <p:sp>
+        <p:nvSpPr>
+          <p:cNvPr id="16" name="오른쪽 화살표 15"/>
+          <p:cNvSpPr/>
+          <p:nvPr/>
+        </p:nvSpPr>
+        <p:spPr>
+          <a:xfrm>
+            <a:off x="5035735" y="4072880"/>
+            <a:ext cx="467290" cy="839586"/>
+          </a:xfrm>
+          <a:prstGeom prst="rightArrow">
+            <a:avLst/>
+          </a:prstGeom>
+        </p:spPr>
+        <p:style>
+          <a:lnRef idx="2">
+            <a:schemeClr val="accent1">
+              <a:shade val="50000"/>
+            </a:schemeClr>
+          </a:lnRef>
+          <a:fillRef idx="1">
+            <a:schemeClr val="accent1"/>
+          </a:fillRef>
+          <a:effectRef idx="0">
+            <a:schemeClr val="accent1"/>
+          </a:effectRef>
+          <a:fontRef idx="minor">
+            <a:schemeClr val="lt1"/>
+          </a:fontRef>
+        </p:style>
+        <p:txBody>
+          <a:bodyPr rtlCol="0" anchor="ctr"/>
+          <a:lstStyle/>
+          <a:p>
+            <a:pPr algn="ctr"/>
+            <a:endParaRPr lang="ko-KR" altLang="en-US"/>
+          </a:p>
+        </p:txBody>
+      </p:sp>
+      <p:sp>
+        <p:nvSpPr>
+          <p:cNvPr id="19" name="타원 18"/>
+          <p:cNvSpPr/>
+          <p:nvPr/>
+        </p:nvSpPr>
+        <p:spPr>
+          <a:xfrm>
+            <a:off x="2457215" y="5404574"/>
+            <a:ext cx="310926" cy="304800"/>
+          </a:xfrm>
+          <a:prstGeom prst="ellipse">
+            <a:avLst/>
+          </a:prstGeom>
+          <a:noFill/>
+        </p:spPr>
+        <p:style>
+          <a:lnRef idx="2">
+            <a:schemeClr val="accent1">
+              <a:shade val="50000"/>
+            </a:schemeClr>
+          </a:lnRef>
+          <a:fillRef idx="1">
+            <a:schemeClr val="accent1"/>
+          </a:fillRef>
+          <a:effectRef idx="0">
+            <a:schemeClr val="accent1"/>
+          </a:effectRef>
+          <a:fontRef idx="minor">
+            <a:schemeClr val="lt1"/>
+          </a:fontRef>
+        </p:style>
+        <p:txBody>
+          <a:bodyPr rtlCol="0" anchor="ctr"/>
+          <a:lstStyle/>
+          <a:p>
+            <a:pPr algn="ctr"/>
+            <a:endParaRPr lang="ko-KR" altLang="en-US"/>
+          </a:p>
+        </p:txBody>
+      </p:sp>
+      <p:sp>
+        <p:nvSpPr>
+          <p:cNvPr id="20" name="타원 19"/>
+          <p:cNvSpPr/>
+          <p:nvPr/>
+        </p:nvSpPr>
+        <p:spPr>
+          <a:xfrm>
+            <a:off x="2076216" y="5046476"/>
+            <a:ext cx="1072923" cy="304800"/>
+          </a:xfrm>
+          <a:prstGeom prst="ellipse">
+            <a:avLst/>
+          </a:prstGeom>
+          <a:noFill/>
+        </p:spPr>
+        <p:style>
+          <a:lnRef idx="2">
+            <a:schemeClr val="accent1">
+              <a:shade val="50000"/>
+            </a:schemeClr>
+          </a:lnRef>
+          <a:fillRef idx="1">
+            <a:schemeClr val="accent1"/>
+          </a:fillRef>
+          <a:effectRef idx="0">
+            <a:schemeClr val="accent1"/>
+          </a:effectRef>
+          <a:fontRef idx="minor">
+            <a:schemeClr val="lt1"/>
+          </a:fontRef>
+        </p:style>
+        <p:txBody>
+          <a:bodyPr rtlCol="0" anchor="ctr"/>
+          <a:lstStyle/>
+          <a:p>
+            <a:pPr algn="ctr"/>
+            <a:endParaRPr lang="ko-KR" altLang="en-US"/>
+          </a:p>
+        </p:txBody>
+      </p:sp>
+      <p:sp>
+        <p:nvSpPr>
+          <p:cNvPr id="21" name="타원 20"/>
+          <p:cNvSpPr/>
+          <p:nvPr/>
+        </p:nvSpPr>
+        <p:spPr>
+          <a:xfrm>
+            <a:off x="3149139" y="1271447"/>
+            <a:ext cx="1190105" cy="304800"/>
+          </a:xfrm>
+          <a:prstGeom prst="ellipse">
+            <a:avLst/>
+          </a:prstGeom>
+          <a:noFill/>
+        </p:spPr>
+        <p:style>
+          <a:lnRef idx="2">
+            <a:schemeClr val="accent1">
+              <a:shade val="50000"/>
+            </a:schemeClr>
+          </a:lnRef>
+          <a:fillRef idx="1">
+            <a:schemeClr val="accent1"/>
+          </a:fillRef>
+          <a:effectRef idx="0">
+            <a:schemeClr val="accent1"/>
+          </a:effectRef>
+          <a:fontRef idx="minor">
+            <a:schemeClr val="lt1"/>
+          </a:fontRef>
+        </p:style>
+        <p:txBody>
+          <a:bodyPr rtlCol="0" anchor="ctr"/>
+          <a:lstStyle/>
+          <a:p>
+            <a:pPr algn="ctr"/>
+            <a:endParaRPr lang="ko-KR" altLang="en-US"/>
+          </a:p>
+        </p:txBody>
+      </p:sp>
+      <p:sp>
+        <p:nvSpPr>
+          <p:cNvPr id="22" name="TextBox 21"/>
+          <p:cNvSpPr txBox="1"/>
+          <p:nvPr/>
+        </p:nvSpPr>
+        <p:spPr>
+          <a:xfrm>
+            <a:off x="8430279" y="3074998"/>
+            <a:ext cx="3390419" cy="1200329"/>
+          </a:xfrm>
+          <a:prstGeom prst="rect">
+            <a:avLst/>
+          </a:prstGeom>
+          <a:noFill/>
+          <a:ln>
+            <a:solidFill>
+              <a:schemeClr val="accent1"/>
+            </a:solidFill>
+          </a:ln>
+        </p:spPr>
+        <p:txBody>
+          <a:bodyPr wrap="square" rtlCol="0">
+            <a:spAutoFit/>
+          </a:bodyPr>
+          <a:lstStyle/>
+          <a:p>
+            <a:r>
+              <a:rPr lang="ko-KR" altLang="en-US" dirty="0" smtClean="0"/>
+              <a:t>작성 버튼을 눌러 서버에 해당</a:t>
+            </a:r>
+            <a:endParaRPr lang="en-US" altLang="ko-KR" dirty="0" smtClean="0"/>
+          </a:p>
+          <a:p>
+            <a:r>
+              <a:rPr lang="ko-KR" altLang="en-US" dirty="0" err="1" smtClean="0"/>
+              <a:t>수강평을</a:t>
+            </a:r>
+            <a:r>
+              <a:rPr lang="ko-KR" altLang="en-US" dirty="0" smtClean="0"/>
+              <a:t> 저장하고</a:t>
+            </a:r>
+            <a:r>
+              <a:rPr lang="en-US" altLang="ko-KR" dirty="0" smtClean="0"/>
+              <a:t>, </a:t>
+            </a:r>
+            <a:r>
+              <a:rPr lang="ko-KR" altLang="en-US" dirty="0" smtClean="0"/>
+              <a:t>저장된</a:t>
+            </a:r>
+            <a:endParaRPr lang="en-US" altLang="ko-KR" dirty="0" smtClean="0"/>
+          </a:p>
+          <a:p>
+            <a:r>
+              <a:rPr lang="ko-KR" altLang="en-US" dirty="0" err="1" smtClean="0"/>
+              <a:t>수강평을</a:t>
+            </a:r>
+            <a:r>
+              <a:rPr lang="ko-KR" altLang="en-US" dirty="0" smtClean="0"/>
+              <a:t> 바로 확인할 수</a:t>
+            </a:r>
+            <a:endParaRPr lang="en-US" altLang="ko-KR" dirty="0" smtClean="0"/>
+          </a:p>
+          <a:p>
+            <a:r>
+              <a:rPr lang="ko-KR" altLang="en-US" dirty="0" smtClean="0"/>
+              <a:t>있습니다</a:t>
+            </a:r>
+            <a:r>
+              <a:rPr lang="en-US" altLang="ko-KR" dirty="0" smtClean="0"/>
+              <a:t>.</a:t>
+            </a:r>
+            <a:endParaRPr lang="ko-KR" altLang="en-US" dirty="0"/>
+          </a:p>
+        </p:txBody>
+      </p:sp>
     </p:spTree>
     <p:extLst>
       <p:ext uri="{BB962C8B-B14F-4D97-AF65-F5344CB8AC3E}">
-        <p14:creationId xmlns:p14="http://schemas.microsoft.com/office/powerpoint/2010/main" val="3906069852"/>
+        <p14:creationId xmlns:p14="http://schemas.microsoft.com/office/powerpoint/2010/main" val="3290376153"/>
       </p:ext>
     </p:extLst>
   </p:cSld>
@@ -6470,6 +7692,737 @@
             <p:ph type="title"/>
           </p:nvPr>
         </p:nvSpPr>
+        <p:spPr>
+          <a:xfrm>
+            <a:off x="223058" y="148994"/>
+            <a:ext cx="11489575" cy="964911"/>
+          </a:xfrm>
+        </p:spPr>
+        <p:txBody>
+          <a:bodyPr>
+            <a:normAutofit/>
+          </a:bodyPr>
+          <a:lstStyle/>
+          <a:p>
+            <a:r>
+              <a:rPr lang="ko-KR" altLang="en-US" dirty="0" smtClean="0"/>
+              <a:t>강의 상세 페이지 </a:t>
+            </a:r>
+            <a:r>
+              <a:rPr lang="en-US" altLang="ko-KR" dirty="0" smtClean="0"/>
+              <a:t>– </a:t>
+            </a:r>
+            <a:r>
+              <a:rPr lang="ko-KR" altLang="en-US" dirty="0" err="1" smtClean="0"/>
+              <a:t>수강평</a:t>
+            </a:r>
+            <a:r>
+              <a:rPr lang="ko-KR" altLang="en-US" dirty="0" smtClean="0"/>
+              <a:t> 수정 및 삭제</a:t>
+            </a:r>
+            <a:endParaRPr lang="ko-KR" altLang="en-US" dirty="0"/>
+          </a:p>
+        </p:txBody>
+      </p:sp>
+      <p:sp>
+        <p:nvSpPr>
+          <p:cNvPr id="8" name="TextBox 7"/>
+          <p:cNvSpPr txBox="1"/>
+          <p:nvPr/>
+        </p:nvSpPr>
+        <p:spPr>
+          <a:xfrm>
+            <a:off x="4662876" y="1250143"/>
+            <a:ext cx="7338869" cy="923330"/>
+          </a:xfrm>
+          <a:prstGeom prst="rect">
+            <a:avLst/>
+          </a:prstGeom>
+          <a:noFill/>
+          <a:ln>
+            <a:solidFill>
+              <a:schemeClr val="accent1"/>
+            </a:solidFill>
+          </a:ln>
+        </p:spPr>
+        <p:txBody>
+          <a:bodyPr wrap="none" rtlCol="0">
+            <a:spAutoFit/>
+          </a:bodyPr>
+          <a:lstStyle/>
+          <a:p>
+            <a:r>
+              <a:rPr lang="ko-KR" altLang="en-US" dirty="0" smtClean="0"/>
+              <a:t>수정하기 버튼 및 삭제하기 버튼의 활성화는</a:t>
+            </a:r>
+            <a:endParaRPr lang="en-US" altLang="ko-KR" dirty="0" smtClean="0"/>
+          </a:p>
+          <a:p>
+            <a:r>
+              <a:rPr lang="ko-KR" altLang="en-US" dirty="0" smtClean="0"/>
+              <a:t>로그인 상태여야 하며</a:t>
+            </a:r>
+            <a:r>
+              <a:rPr lang="en-US" altLang="ko-KR" dirty="0" smtClean="0"/>
+              <a:t>, </a:t>
+            </a:r>
+            <a:r>
+              <a:rPr lang="ko-KR" altLang="en-US" dirty="0" smtClean="0"/>
+              <a:t>등록된 </a:t>
+            </a:r>
+            <a:r>
+              <a:rPr lang="ko-KR" altLang="en-US" dirty="0" err="1" smtClean="0"/>
+              <a:t>수강평에</a:t>
+            </a:r>
+            <a:r>
+              <a:rPr lang="ko-KR" altLang="en-US" dirty="0" smtClean="0"/>
+              <a:t> 있는 아이디 정보와</a:t>
+            </a:r>
+            <a:endParaRPr lang="en-US" altLang="ko-KR" dirty="0" smtClean="0"/>
+          </a:p>
+          <a:p>
+            <a:r>
+              <a:rPr lang="ko-KR" altLang="en-US" dirty="0" err="1" smtClean="0"/>
+              <a:t>로그인된</a:t>
+            </a:r>
+            <a:r>
+              <a:rPr lang="ko-KR" altLang="en-US" dirty="0" smtClean="0"/>
+              <a:t> 아이디정보가 일치해야 활성화되어 보이도록 설정했습니다</a:t>
+            </a:r>
+            <a:r>
+              <a:rPr lang="en-US" altLang="ko-KR" dirty="0" smtClean="0"/>
+              <a:t>.</a:t>
+            </a:r>
+            <a:endParaRPr lang="ko-KR" altLang="en-US" dirty="0"/>
+          </a:p>
+        </p:txBody>
+      </p:sp>
+      <p:pic>
+        <p:nvPicPr>
+          <p:cNvPr id="10" name="그림 9"/>
+          <p:cNvPicPr>
+            <a:picLocks noChangeAspect="1"/>
+          </p:cNvPicPr>
+          <p:nvPr/>
+        </p:nvPicPr>
+        <p:blipFill>
+          <a:blip r:embed="rId2">
+            <a:extLst>
+              <a:ext uri="{28A0092B-C50C-407E-A947-70E740481C1C}">
+                <a14:useLocalDpi xmlns:a14="http://schemas.microsoft.com/office/drawing/2010/main" val="0"/>
+              </a:ext>
+            </a:extLst>
+          </a:blip>
+          <a:stretch>
+            <a:fillRect/>
+          </a:stretch>
+        </p:blipFill>
+        <p:spPr>
+          <a:xfrm>
+            <a:off x="447028" y="1250143"/>
+            <a:ext cx="3978373" cy="5219972"/>
+          </a:xfrm>
+          <a:prstGeom prst="rect">
+            <a:avLst/>
+          </a:prstGeom>
+          <a:ln>
+            <a:solidFill>
+              <a:schemeClr val="accent1"/>
+            </a:solidFill>
+          </a:ln>
+        </p:spPr>
+      </p:pic>
+      <p:pic>
+        <p:nvPicPr>
+          <p:cNvPr id="3" name="그림 2"/>
+          <p:cNvPicPr>
+            <a:picLocks noChangeAspect="1"/>
+          </p:cNvPicPr>
+          <p:nvPr/>
+        </p:nvPicPr>
+        <p:blipFill>
+          <a:blip r:embed="rId3">
+            <a:extLst>
+              <a:ext uri="{28A0092B-C50C-407E-A947-70E740481C1C}">
+                <a14:useLocalDpi xmlns:a14="http://schemas.microsoft.com/office/drawing/2010/main" val="0"/>
+              </a:ext>
+            </a:extLst>
+          </a:blip>
+          <a:stretch>
+            <a:fillRect/>
+          </a:stretch>
+        </p:blipFill>
+        <p:spPr>
+          <a:xfrm>
+            <a:off x="4662876" y="2309711"/>
+            <a:ext cx="3745331" cy="4160404"/>
+          </a:xfrm>
+          <a:prstGeom prst="rect">
+            <a:avLst/>
+          </a:prstGeom>
+          <a:ln>
+            <a:solidFill>
+              <a:schemeClr val="accent1"/>
+            </a:solidFill>
+          </a:ln>
+        </p:spPr>
+      </p:pic>
+      <p:pic>
+        <p:nvPicPr>
+          <p:cNvPr id="4" name="그림 3"/>
+          <p:cNvPicPr>
+            <a:picLocks noChangeAspect="1"/>
+          </p:cNvPicPr>
+          <p:nvPr/>
+        </p:nvPicPr>
+        <p:blipFill>
+          <a:blip r:embed="rId4">
+            <a:extLst>
+              <a:ext uri="{28A0092B-C50C-407E-A947-70E740481C1C}">
+                <a14:useLocalDpi xmlns:a14="http://schemas.microsoft.com/office/drawing/2010/main" val="0"/>
+              </a:ext>
+            </a:extLst>
+          </a:blip>
+          <a:stretch>
+            <a:fillRect/>
+          </a:stretch>
+        </p:blipFill>
+        <p:spPr>
+          <a:xfrm>
+            <a:off x="9716116" y="2317092"/>
+            <a:ext cx="1811735" cy="2306942"/>
+          </a:xfrm>
+          <a:prstGeom prst="rect">
+            <a:avLst/>
+          </a:prstGeom>
+          <a:ln>
+            <a:solidFill>
+              <a:schemeClr val="accent1"/>
+            </a:solidFill>
+          </a:ln>
+        </p:spPr>
+      </p:pic>
+      <p:sp>
+        <p:nvSpPr>
+          <p:cNvPr id="5" name="오른쪽 화살표 4"/>
+          <p:cNvSpPr/>
+          <p:nvPr/>
+        </p:nvSpPr>
+        <p:spPr>
+          <a:xfrm>
+            <a:off x="8512233" y="2984269"/>
+            <a:ext cx="1080654" cy="972589"/>
+          </a:xfrm>
+          <a:prstGeom prst="rightArrow">
+            <a:avLst/>
+          </a:prstGeom>
+        </p:spPr>
+        <p:style>
+          <a:lnRef idx="2">
+            <a:schemeClr val="accent1">
+              <a:shade val="50000"/>
+            </a:schemeClr>
+          </a:lnRef>
+          <a:fillRef idx="1">
+            <a:schemeClr val="accent1"/>
+          </a:fillRef>
+          <a:effectRef idx="0">
+            <a:schemeClr val="accent1"/>
+          </a:effectRef>
+          <a:fontRef idx="minor">
+            <a:schemeClr val="lt1"/>
+          </a:fontRef>
+        </p:style>
+        <p:txBody>
+          <a:bodyPr rtlCol="0" anchor="ctr"/>
+          <a:lstStyle/>
+          <a:p>
+            <a:pPr algn="ctr"/>
+            <a:endParaRPr lang="ko-KR" altLang="en-US"/>
+          </a:p>
+        </p:txBody>
+      </p:sp>
+      <p:sp>
+        <p:nvSpPr>
+          <p:cNvPr id="11" name="타원 10"/>
+          <p:cNvSpPr/>
+          <p:nvPr/>
+        </p:nvSpPr>
+        <p:spPr>
+          <a:xfrm>
+            <a:off x="5687643" y="5960226"/>
+            <a:ext cx="1695796" cy="390698"/>
+          </a:xfrm>
+          <a:prstGeom prst="ellipse">
+            <a:avLst/>
+          </a:prstGeom>
+          <a:noFill/>
+        </p:spPr>
+        <p:style>
+          <a:lnRef idx="2">
+            <a:schemeClr val="accent1">
+              <a:shade val="50000"/>
+            </a:schemeClr>
+          </a:lnRef>
+          <a:fillRef idx="1">
+            <a:schemeClr val="accent1"/>
+          </a:fillRef>
+          <a:effectRef idx="0">
+            <a:schemeClr val="accent1"/>
+          </a:effectRef>
+          <a:fontRef idx="minor">
+            <a:schemeClr val="lt1"/>
+          </a:fontRef>
+        </p:style>
+        <p:txBody>
+          <a:bodyPr rtlCol="0" anchor="ctr"/>
+          <a:lstStyle/>
+          <a:p>
+            <a:pPr algn="ctr"/>
+            <a:endParaRPr lang="ko-KR" altLang="en-US"/>
+          </a:p>
+        </p:txBody>
+      </p:sp>
+      <p:sp>
+        <p:nvSpPr>
+          <p:cNvPr id="12" name="TextBox 11"/>
+          <p:cNvSpPr txBox="1"/>
+          <p:nvPr/>
+        </p:nvSpPr>
+        <p:spPr>
+          <a:xfrm>
+            <a:off x="8512233" y="4715789"/>
+            <a:ext cx="3604787" cy="1754326"/>
+          </a:xfrm>
+          <a:prstGeom prst="rect">
+            <a:avLst/>
+          </a:prstGeom>
+          <a:noFill/>
+          <a:ln>
+            <a:solidFill>
+              <a:schemeClr val="accent1"/>
+            </a:solidFill>
+          </a:ln>
+        </p:spPr>
+        <p:txBody>
+          <a:bodyPr wrap="square" rtlCol="0">
+            <a:spAutoFit/>
+          </a:bodyPr>
+          <a:lstStyle/>
+          <a:p>
+            <a:r>
+              <a:rPr lang="ko-KR" altLang="en-US" dirty="0" smtClean="0"/>
+              <a:t>수정하기 버튼을 클릭했을 때</a:t>
+            </a:r>
+            <a:endParaRPr lang="en-US" altLang="ko-KR" dirty="0" smtClean="0"/>
+          </a:p>
+          <a:p>
+            <a:r>
+              <a:rPr lang="ko-KR" altLang="en-US" dirty="0" smtClean="0"/>
+              <a:t>내용 수정 페이지로 이동할 수</a:t>
+            </a:r>
+            <a:endParaRPr lang="en-US" altLang="ko-KR" dirty="0" smtClean="0"/>
+          </a:p>
+          <a:p>
+            <a:r>
+              <a:rPr lang="ko-KR" altLang="en-US" dirty="0" smtClean="0"/>
+              <a:t>있으며</a:t>
+            </a:r>
+            <a:r>
+              <a:rPr lang="en-US" altLang="ko-KR" dirty="0" smtClean="0"/>
+              <a:t>, </a:t>
+            </a:r>
+            <a:r>
+              <a:rPr lang="ko-KR" altLang="en-US" dirty="0" smtClean="0"/>
+              <a:t>수정 후 작성 버튼을</a:t>
+            </a:r>
+            <a:endParaRPr lang="en-US" altLang="ko-KR" dirty="0" smtClean="0"/>
+          </a:p>
+          <a:p>
+            <a:r>
+              <a:rPr lang="ko-KR" altLang="en-US" dirty="0" smtClean="0"/>
+              <a:t>클릭 시 수정된 내용이 서버에</a:t>
+            </a:r>
+            <a:endParaRPr lang="en-US" altLang="ko-KR" dirty="0" smtClean="0"/>
+          </a:p>
+          <a:p>
+            <a:r>
+              <a:rPr lang="ko-KR" altLang="en-US" dirty="0" smtClean="0"/>
+              <a:t>저장되어 출력할 수 있게</a:t>
+            </a:r>
+            <a:endParaRPr lang="en-US" altLang="ko-KR" dirty="0" smtClean="0"/>
+          </a:p>
+          <a:p>
+            <a:r>
+              <a:rPr lang="ko-KR" altLang="en-US" dirty="0" smtClean="0"/>
+              <a:t>하였습니다</a:t>
+            </a:r>
+            <a:r>
+              <a:rPr lang="en-US" altLang="ko-KR" dirty="0" smtClean="0"/>
+              <a:t>.</a:t>
+            </a:r>
+            <a:endParaRPr lang="ko-KR" altLang="en-US" dirty="0"/>
+          </a:p>
+        </p:txBody>
+      </p:sp>
+      <p:sp>
+        <p:nvSpPr>
+          <p:cNvPr id="14" name="타원 13"/>
+          <p:cNvSpPr/>
+          <p:nvPr/>
+        </p:nvSpPr>
+        <p:spPr>
+          <a:xfrm>
+            <a:off x="1108948" y="5611092"/>
+            <a:ext cx="1243553" cy="590204"/>
+          </a:xfrm>
+          <a:prstGeom prst="ellipse">
+            <a:avLst/>
+          </a:prstGeom>
+          <a:noFill/>
+        </p:spPr>
+        <p:style>
+          <a:lnRef idx="2">
+            <a:schemeClr val="accent1">
+              <a:shade val="50000"/>
+            </a:schemeClr>
+          </a:lnRef>
+          <a:fillRef idx="1">
+            <a:schemeClr val="accent1"/>
+          </a:fillRef>
+          <a:effectRef idx="0">
+            <a:schemeClr val="accent1"/>
+          </a:effectRef>
+          <a:fontRef idx="minor">
+            <a:schemeClr val="lt1"/>
+          </a:fontRef>
+        </p:style>
+        <p:txBody>
+          <a:bodyPr rtlCol="0" anchor="ctr"/>
+          <a:lstStyle/>
+          <a:p>
+            <a:pPr algn="ctr"/>
+            <a:endParaRPr lang="ko-KR" altLang="en-US"/>
+          </a:p>
+        </p:txBody>
+      </p:sp>
+    </p:spTree>
+    <p:extLst>
+      <p:ext uri="{BB962C8B-B14F-4D97-AF65-F5344CB8AC3E}">
+        <p14:creationId xmlns:p14="http://schemas.microsoft.com/office/powerpoint/2010/main" val="2146683802"/>
+      </p:ext>
+    </p:extLst>
+  </p:cSld>
+  <p:clrMapOvr>
+    <a:masterClrMapping/>
+  </p:clrMapOvr>
+</p:sld>
+</file>
+
+<file path=ppt/slides/slide24.xml><?xml version="1.0" encoding="utf-8"?>
+<p:sld xmlns:a="http://schemas.openxmlformats.org/drawingml/2006/main" xmlns:r="http://schemas.openxmlformats.org/officeDocument/2006/relationships" xmlns:p="http://schemas.openxmlformats.org/presentationml/2006/main">
+  <p:cSld>
+    <p:spTree>
+      <p:nvGrpSpPr>
+        <p:cNvPr id="1" name=""/>
+        <p:cNvGrpSpPr/>
+        <p:nvPr/>
+      </p:nvGrpSpPr>
+      <p:grpSpPr>
+        <a:xfrm>
+          <a:off x="0" y="0"/>
+          <a:ext cx="0" cy="0"/>
+          <a:chOff x="0" y="0"/>
+          <a:chExt cx="0" cy="0"/>
+        </a:xfrm>
+      </p:grpSpPr>
+      <p:sp>
+        <p:nvSpPr>
+          <p:cNvPr id="2" name="제목 1"/>
+          <p:cNvSpPr>
+            <a:spLocks noGrp="1"/>
+          </p:cNvSpPr>
+          <p:nvPr>
+            <p:ph type="title"/>
+          </p:nvPr>
+        </p:nvSpPr>
+        <p:spPr>
+          <a:xfrm>
+            <a:off x="223058" y="148994"/>
+            <a:ext cx="11489575" cy="964911"/>
+          </a:xfrm>
+        </p:spPr>
+        <p:txBody>
+          <a:bodyPr>
+            <a:normAutofit/>
+          </a:bodyPr>
+          <a:lstStyle/>
+          <a:p>
+            <a:r>
+              <a:rPr lang="ko-KR" altLang="en-US" dirty="0" smtClean="0"/>
+              <a:t>강의 상세 페이지 </a:t>
+            </a:r>
+            <a:r>
+              <a:rPr lang="en-US" altLang="ko-KR" dirty="0" smtClean="0"/>
+              <a:t>– </a:t>
+            </a:r>
+            <a:r>
+              <a:rPr lang="ko-KR" altLang="en-US" dirty="0" err="1" smtClean="0"/>
+              <a:t>수강평</a:t>
+            </a:r>
+            <a:r>
+              <a:rPr lang="ko-KR" altLang="en-US" dirty="0" smtClean="0"/>
+              <a:t> 수정 및 삭제</a:t>
+            </a:r>
+            <a:endParaRPr lang="ko-KR" altLang="en-US" dirty="0"/>
+          </a:p>
+        </p:txBody>
+      </p:sp>
+      <p:sp>
+        <p:nvSpPr>
+          <p:cNvPr id="8" name="TextBox 7"/>
+          <p:cNvSpPr txBox="1"/>
+          <p:nvPr/>
+        </p:nvSpPr>
+        <p:spPr>
+          <a:xfrm>
+            <a:off x="5078513" y="1371281"/>
+            <a:ext cx="6378669" cy="369332"/>
+          </a:xfrm>
+          <a:prstGeom prst="rect">
+            <a:avLst/>
+          </a:prstGeom>
+          <a:noFill/>
+          <a:ln>
+            <a:solidFill>
+              <a:schemeClr val="accent1"/>
+            </a:solidFill>
+          </a:ln>
+        </p:spPr>
+        <p:txBody>
+          <a:bodyPr wrap="none" rtlCol="0">
+            <a:spAutoFit/>
+          </a:bodyPr>
+          <a:lstStyle/>
+          <a:p>
+            <a:r>
+              <a:rPr lang="ko-KR" altLang="en-US" dirty="0" smtClean="0"/>
+              <a:t>삭제하기 버튼을 눌러 등록된 </a:t>
+            </a:r>
+            <a:r>
+              <a:rPr lang="ko-KR" altLang="en-US" dirty="0" err="1" smtClean="0"/>
+              <a:t>수강평을</a:t>
+            </a:r>
+            <a:r>
+              <a:rPr lang="ko-KR" altLang="en-US" dirty="0" smtClean="0"/>
+              <a:t> 삭제 할 수 있습니다</a:t>
+            </a:r>
+            <a:r>
+              <a:rPr lang="en-US" altLang="ko-KR" dirty="0" smtClean="0"/>
+              <a:t>.</a:t>
+            </a:r>
+            <a:endParaRPr lang="ko-KR" altLang="en-US" dirty="0"/>
+          </a:p>
+        </p:txBody>
+      </p:sp>
+      <p:pic>
+        <p:nvPicPr>
+          <p:cNvPr id="6" name="그림 5"/>
+          <p:cNvPicPr>
+            <a:picLocks noChangeAspect="1"/>
+          </p:cNvPicPr>
+          <p:nvPr/>
+        </p:nvPicPr>
+        <p:blipFill>
+          <a:blip r:embed="rId2">
+            <a:extLst>
+              <a:ext uri="{28A0092B-C50C-407E-A947-70E740481C1C}">
+                <a14:useLocalDpi xmlns:a14="http://schemas.microsoft.com/office/drawing/2010/main" val="0"/>
+              </a:ext>
+            </a:extLst>
+          </a:blip>
+          <a:stretch>
+            <a:fillRect/>
+          </a:stretch>
+        </p:blipFill>
+        <p:spPr>
+          <a:xfrm>
+            <a:off x="223058" y="1371281"/>
+            <a:ext cx="4695433" cy="5034279"/>
+          </a:xfrm>
+          <a:prstGeom prst="rect">
+            <a:avLst/>
+          </a:prstGeom>
+          <a:ln>
+            <a:solidFill>
+              <a:schemeClr val="accent1"/>
+            </a:solidFill>
+          </a:ln>
+        </p:spPr>
+      </p:pic>
+      <p:sp>
+        <p:nvSpPr>
+          <p:cNvPr id="14" name="타원 13"/>
+          <p:cNvSpPr/>
+          <p:nvPr/>
+        </p:nvSpPr>
+        <p:spPr>
+          <a:xfrm>
+            <a:off x="2494803" y="5815356"/>
+            <a:ext cx="1243553" cy="590204"/>
+          </a:xfrm>
+          <a:prstGeom prst="ellipse">
+            <a:avLst/>
+          </a:prstGeom>
+          <a:noFill/>
+        </p:spPr>
+        <p:style>
+          <a:lnRef idx="2">
+            <a:schemeClr val="accent1">
+              <a:shade val="50000"/>
+            </a:schemeClr>
+          </a:lnRef>
+          <a:fillRef idx="1">
+            <a:schemeClr val="accent1"/>
+          </a:fillRef>
+          <a:effectRef idx="0">
+            <a:schemeClr val="accent1"/>
+          </a:effectRef>
+          <a:fontRef idx="minor">
+            <a:schemeClr val="lt1"/>
+          </a:fontRef>
+        </p:style>
+        <p:txBody>
+          <a:bodyPr rtlCol="0" anchor="ctr"/>
+          <a:lstStyle/>
+          <a:p>
+            <a:pPr algn="ctr"/>
+            <a:endParaRPr lang="ko-KR" altLang="en-US"/>
+          </a:p>
+        </p:txBody>
+      </p:sp>
+      <p:pic>
+        <p:nvPicPr>
+          <p:cNvPr id="7" name="그림 6"/>
+          <p:cNvPicPr>
+            <a:picLocks noChangeAspect="1"/>
+          </p:cNvPicPr>
+          <p:nvPr/>
+        </p:nvPicPr>
+        <p:blipFill>
+          <a:blip r:embed="rId3">
+            <a:extLst>
+              <a:ext uri="{28A0092B-C50C-407E-A947-70E740481C1C}">
+                <a14:useLocalDpi xmlns:a14="http://schemas.microsoft.com/office/drawing/2010/main" val="0"/>
+              </a:ext>
+            </a:extLst>
+          </a:blip>
+          <a:stretch>
+            <a:fillRect/>
+          </a:stretch>
+        </p:blipFill>
+        <p:spPr>
+          <a:xfrm>
+            <a:off x="6799286" y="1997989"/>
+            <a:ext cx="3292700" cy="4547062"/>
+          </a:xfrm>
+          <a:prstGeom prst="rect">
+            <a:avLst/>
+          </a:prstGeom>
+          <a:ln>
+            <a:solidFill>
+              <a:schemeClr val="accent1"/>
+            </a:solidFill>
+          </a:ln>
+        </p:spPr>
+      </p:pic>
+      <p:sp>
+        <p:nvSpPr>
+          <p:cNvPr id="9" name="오른쪽 화살표 8"/>
+          <p:cNvSpPr/>
+          <p:nvPr/>
+        </p:nvSpPr>
+        <p:spPr>
+          <a:xfrm>
+            <a:off x="5323609" y="3224116"/>
+            <a:ext cx="1288472" cy="2094807"/>
+          </a:xfrm>
+          <a:prstGeom prst="rightArrow">
+            <a:avLst/>
+          </a:prstGeom>
+        </p:spPr>
+        <p:style>
+          <a:lnRef idx="2">
+            <a:schemeClr val="accent1">
+              <a:shade val="50000"/>
+            </a:schemeClr>
+          </a:lnRef>
+          <a:fillRef idx="1">
+            <a:schemeClr val="accent1"/>
+          </a:fillRef>
+          <a:effectRef idx="0">
+            <a:schemeClr val="accent1"/>
+          </a:effectRef>
+          <a:fontRef idx="minor">
+            <a:schemeClr val="lt1"/>
+          </a:fontRef>
+        </p:style>
+        <p:txBody>
+          <a:bodyPr rtlCol="0" anchor="ctr"/>
+          <a:lstStyle/>
+          <a:p>
+            <a:pPr algn="ctr"/>
+            <a:endParaRPr lang="ko-KR" altLang="en-US"/>
+          </a:p>
+        </p:txBody>
+      </p:sp>
+    </p:spTree>
+    <p:extLst>
+      <p:ext uri="{BB962C8B-B14F-4D97-AF65-F5344CB8AC3E}">
+        <p14:creationId xmlns:p14="http://schemas.microsoft.com/office/powerpoint/2010/main" val="4140697812"/>
+      </p:ext>
+    </p:extLst>
+  </p:cSld>
+  <p:clrMapOvr>
+    <a:masterClrMapping/>
+  </p:clrMapOvr>
+  <p:timing>
+    <p:tnLst>
+      <p:par>
+        <p:cTn id="1" dur="indefinite" restart="never" nodeType="tmRoot"/>
+      </p:par>
+    </p:tnLst>
+  </p:timing>
+</p:sld>
+</file>
+
+<file path=ppt/slides/slide25.xml><?xml version="1.0" encoding="utf-8"?>
+<p:sld xmlns:a="http://schemas.openxmlformats.org/drawingml/2006/main" xmlns:r="http://schemas.openxmlformats.org/officeDocument/2006/relationships" xmlns:p="http://schemas.openxmlformats.org/presentationml/2006/main">
+  <p:cSld>
+    <p:spTree>
+      <p:nvGrpSpPr>
+        <p:cNvPr id="1" name=""/>
+        <p:cNvGrpSpPr/>
+        <p:nvPr/>
+      </p:nvGrpSpPr>
+      <p:grpSpPr>
+        <a:xfrm>
+          <a:off x="0" y="0"/>
+          <a:ext cx="0" cy="0"/>
+          <a:chOff x="0" y="0"/>
+          <a:chExt cx="0" cy="0"/>
+        </a:xfrm>
+      </p:grpSpPr>
+      <p:sp>
+        <p:nvSpPr>
+          <p:cNvPr id="2" name="제목 1"/>
+          <p:cNvSpPr>
+            <a:spLocks noGrp="1"/>
+          </p:cNvSpPr>
+          <p:nvPr>
+            <p:ph type="title"/>
+          </p:nvPr>
+        </p:nvSpPr>
         <p:spPr/>
         <p:txBody>
           <a:bodyPr/>
@@ -6477,7 +8430,11 @@
           <a:p>
             <a:r>
               <a:rPr lang="ko-KR" altLang="en-US" dirty="0" err="1" smtClean="0"/>
-              <a:t>마이페이지</a:t>
+              <a:t>수강바구니</a:t>
+            </a:r>
+            <a:r>
+              <a:rPr lang="ko-KR" altLang="en-US" dirty="0" smtClean="0"/>
+              <a:t> 페이지</a:t>
             </a:r>
             <a:endParaRPr lang="ko-KR" altLang="en-US" dirty="0"/>
           </a:p>
@@ -6501,6 +8458,151 @@
         </p:blipFill>
         <p:spPr>
           <a:xfrm>
+            <a:off x="58019" y="1690688"/>
+            <a:ext cx="5436082" cy="3720897"/>
+          </a:xfrm>
+          <a:prstGeom prst="rect">
+            <a:avLst/>
+          </a:prstGeom>
+          <a:ln>
+            <a:solidFill>
+              <a:schemeClr val="accent1"/>
+            </a:solidFill>
+          </a:ln>
+          <a:effectLst/>
+        </p:spPr>
+      </p:pic>
+      <p:pic>
+        <p:nvPicPr>
+          <p:cNvPr id="3" name="그림 2"/>
+          <p:cNvPicPr>
+            <a:picLocks noChangeAspect="1"/>
+          </p:cNvPicPr>
+          <p:nvPr/>
+        </p:nvPicPr>
+        <p:blipFill>
+          <a:blip r:embed="rId3">
+            <a:extLst>
+              <a:ext uri="{28A0092B-C50C-407E-A947-70E740481C1C}">
+                <a14:useLocalDpi xmlns:a14="http://schemas.microsoft.com/office/drawing/2010/main" val="0"/>
+              </a:ext>
+            </a:extLst>
+          </a:blip>
+          <a:stretch>
+            <a:fillRect/>
+          </a:stretch>
+        </p:blipFill>
+        <p:spPr>
+          <a:xfrm>
+            <a:off x="5665455" y="1690688"/>
+            <a:ext cx="2915163" cy="3351398"/>
+          </a:xfrm>
+          <a:prstGeom prst="rect">
+            <a:avLst/>
+          </a:prstGeom>
+        </p:spPr>
+      </p:pic>
+      <p:pic>
+        <p:nvPicPr>
+          <p:cNvPr id="5" name="그림 4"/>
+          <p:cNvPicPr>
+            <a:picLocks noChangeAspect="1"/>
+          </p:cNvPicPr>
+          <p:nvPr/>
+        </p:nvPicPr>
+        <p:blipFill>
+          <a:blip r:embed="rId4">
+            <a:extLst>
+              <a:ext uri="{28A0092B-C50C-407E-A947-70E740481C1C}">
+                <a14:useLocalDpi xmlns:a14="http://schemas.microsoft.com/office/drawing/2010/main" val="0"/>
+              </a:ext>
+            </a:extLst>
+          </a:blip>
+          <a:stretch>
+            <a:fillRect/>
+          </a:stretch>
+        </p:blipFill>
+        <p:spPr>
+          <a:xfrm>
+            <a:off x="8637171" y="1690688"/>
+            <a:ext cx="3496810" cy="4293113"/>
+          </a:xfrm>
+          <a:prstGeom prst="rect">
+            <a:avLst/>
+          </a:prstGeom>
+        </p:spPr>
+      </p:pic>
+    </p:spTree>
+    <p:extLst>
+      <p:ext uri="{BB962C8B-B14F-4D97-AF65-F5344CB8AC3E}">
+        <p14:creationId xmlns:p14="http://schemas.microsoft.com/office/powerpoint/2010/main" val="3906069852"/>
+      </p:ext>
+    </p:extLst>
+  </p:cSld>
+  <p:clrMapOvr>
+    <a:masterClrMapping/>
+  </p:clrMapOvr>
+</p:sld>
+</file>
+
+<file path=ppt/slides/slide26.xml><?xml version="1.0" encoding="utf-8"?>
+<p:sld xmlns:a="http://schemas.openxmlformats.org/drawingml/2006/main" xmlns:r="http://schemas.openxmlformats.org/officeDocument/2006/relationships" xmlns:p="http://schemas.openxmlformats.org/presentationml/2006/main">
+  <p:cSld>
+    <p:spTree>
+      <p:nvGrpSpPr>
+        <p:cNvPr id="1" name=""/>
+        <p:cNvGrpSpPr/>
+        <p:nvPr/>
+      </p:nvGrpSpPr>
+      <p:grpSpPr>
+        <a:xfrm>
+          <a:off x="0" y="0"/>
+          <a:ext cx="0" cy="0"/>
+          <a:chOff x="0" y="0"/>
+          <a:chExt cx="0" cy="0"/>
+        </a:xfrm>
+      </p:grpSpPr>
+      <p:sp>
+        <p:nvSpPr>
+          <p:cNvPr id="2" name="제목 1"/>
+          <p:cNvSpPr>
+            <a:spLocks noGrp="1"/>
+          </p:cNvSpPr>
+          <p:nvPr>
+            <p:ph type="title"/>
+          </p:nvPr>
+        </p:nvSpPr>
+        <p:spPr/>
+        <p:txBody>
+          <a:bodyPr/>
+          <a:lstStyle/>
+          <a:p>
+            <a:r>
+              <a:rPr lang="ko-KR" altLang="en-US" dirty="0" err="1" smtClean="0"/>
+              <a:t>마이페이지</a:t>
+            </a:r>
+            <a:endParaRPr lang="ko-KR" altLang="en-US" dirty="0"/>
+          </a:p>
+        </p:txBody>
+      </p:sp>
+      <p:pic>
+        <p:nvPicPr>
+          <p:cNvPr id="4" name="내용 개체 틀 3"/>
+          <p:cNvPicPr>
+            <a:picLocks noGrp="1" noChangeAspect="1"/>
+          </p:cNvPicPr>
+          <p:nvPr>
+            <p:ph idx="1"/>
+          </p:nvPr>
+        </p:nvPicPr>
+        <p:blipFill>
+          <a:blip r:embed="rId2"/>
+          <a:stretch>
+            <a:fillRect/>
+          </a:stretch>
+        </p:blipFill>
+        <p:spPr>
+          <a:xfrm>
             <a:off x="1698420" y="1825625"/>
             <a:ext cx="8795159" cy="4351338"/>
           </a:xfrm>
@@ -6522,7 +8624,7 @@
 </p:sld>
 </file>
 
-<file path=ppt/slides/slide24.xml><?xml version="1.0" encoding="utf-8"?>
+<file path=ppt/slides/slide27.xml><?xml version="1.0" encoding="utf-8"?>
 <p:sld xmlns:a="http://schemas.openxmlformats.org/drawingml/2006/main" xmlns:r="http://schemas.openxmlformats.org/officeDocument/2006/relationships" xmlns:p="http://schemas.openxmlformats.org/presentationml/2006/main">
   <p:cSld>
     <p:spTree>
@@ -7991,7 +10093,7 @@
         </p:nvSpPr>
         <p:spPr>
           <a:xfrm>
-            <a:off x="656703" y="2806127"/>
+            <a:off x="656703" y="2794674"/>
             <a:ext cx="9900467" cy="923330"/>
           </a:xfrm>
           <a:prstGeom prst="rect">
@@ -8377,11 +10479,7 @@
             </a:r>
             <a:r>
               <a:rPr lang="en-US" altLang="ko-KR" dirty="0" smtClean="0"/>
-              <a:t>– </a:t>
-            </a:r>
-            <a:r>
-              <a:rPr lang="en-US" altLang="ko-KR" dirty="0" smtClean="0"/>
-              <a:t>Main</a:t>
+              <a:t>– Main</a:t>
             </a:r>
             <a:endParaRPr lang="ko-KR" altLang="en-US" dirty="0"/>
           </a:p>
@@ -9145,8 +11243,8 @@
         </p:nvSpPr>
         <p:spPr>
           <a:xfrm>
-            <a:off x="838200" y="99753"/>
-            <a:ext cx="10515600" cy="1000732"/>
+            <a:off x="358754" y="299963"/>
+            <a:ext cx="10515600" cy="848099"/>
           </a:xfrm>
         </p:spPr>
         <p:txBody>
@@ -9154,33 +11252,90 @@
           <a:lstStyle/>
           <a:p>
             <a:r>
-              <a:rPr lang="ko-KR" altLang="en-US" dirty="0" smtClean="0"/>
-              <a:t>메인홈페이지</a:t>
-            </a:r>
+              <a:rPr lang="en-US" altLang="ko-KR" dirty="0" smtClean="0"/>
+              <a:t>2. </a:t>
+            </a:r>
+            <a:r>
+              <a:rPr lang="ko-KR" altLang="en-US" dirty="0" smtClean="0"/>
+              <a:t>개발환경 </a:t>
+            </a:r>
+            <a:r>
+              <a:rPr lang="en-US" altLang="ko-KR" dirty="0" smtClean="0"/>
+              <a:t>– DB ERD(1)</a:t>
+            </a:r>
+            <a:endParaRPr lang="ko-KR" altLang="en-US" dirty="0"/>
+          </a:p>
+        </p:txBody>
+      </p:sp>
+      <p:sp>
+        <p:nvSpPr>
+          <p:cNvPr id="4" name="직사각형 3"/>
+          <p:cNvSpPr/>
+          <p:nvPr/>
+        </p:nvSpPr>
+        <p:spPr>
+          <a:xfrm>
+            <a:off x="358754" y="1273815"/>
+            <a:ext cx="5809290" cy="5251676"/>
+          </a:xfrm>
+          <a:prstGeom prst="rect">
+            <a:avLst/>
+          </a:prstGeom>
+          <a:solidFill>
+            <a:schemeClr val="bg1">
+              <a:lumMod val="95000"/>
+            </a:schemeClr>
+          </a:solidFill>
+        </p:spPr>
+        <p:style>
+          <a:lnRef idx="2">
+            <a:schemeClr val="accent1">
+              <a:shade val="50000"/>
+            </a:schemeClr>
+          </a:lnRef>
+          <a:fillRef idx="1">
+            <a:schemeClr val="accent1"/>
+          </a:fillRef>
+          <a:effectRef idx="0">
+            <a:schemeClr val="accent1"/>
+          </a:effectRef>
+          <a:fontRef idx="minor">
+            <a:schemeClr val="lt1"/>
+          </a:fontRef>
+        </p:style>
+        <p:txBody>
+          <a:bodyPr rtlCol="0" anchor="ctr"/>
+          <a:lstStyle/>
+          <a:p>
+            <a:pPr algn="ctr"/>
             <a:endParaRPr lang="ko-KR" altLang="en-US" dirty="0"/>
           </a:p>
         </p:txBody>
       </p:sp>
       <p:pic>
         <p:nvPicPr>
-          <p:cNvPr id="7" name="내용 개체 틀 6"/>
+          <p:cNvPr id="6" name="그림 5"/>
           <p:cNvPicPr>
-            <a:picLocks noGrp="1" noChangeAspect="1"/>
+            <a:picLocks noChangeAspect="1"/>
           </p:cNvPicPr>
-          <p:nvPr>
-            <p:ph idx="1"/>
-          </p:nvPr>
+          <p:nvPr/>
         </p:nvPicPr>
         <p:blipFill>
-          <a:blip r:embed="rId2"/>
+          <a:blip r:embed="rId2">
+            <a:extLst>
+              <a:ext uri="{28A0092B-C50C-407E-A947-70E740481C1C}">
+                <a14:useLocalDpi xmlns:a14="http://schemas.microsoft.com/office/drawing/2010/main" val="0"/>
+              </a:ext>
+            </a:extLst>
+          </a:blip>
           <a:stretch>
             <a:fillRect/>
           </a:stretch>
         </p:blipFill>
         <p:spPr>
           <a:xfrm>
-            <a:off x="525780" y="1100485"/>
-            <a:ext cx="11140439" cy="5396170"/>
+            <a:off x="482063" y="1399663"/>
+            <a:ext cx="5519726" cy="4946174"/>
           </a:xfrm>
           <a:prstGeom prst="rect">
             <a:avLst/>
@@ -9192,10 +11347,380 @@
           </a:ln>
         </p:spPr>
       </p:pic>
+      <p:sp>
+        <p:nvSpPr>
+          <p:cNvPr id="8" name="TextBox 7"/>
+          <p:cNvSpPr txBox="1"/>
+          <p:nvPr/>
+        </p:nvSpPr>
+        <p:spPr>
+          <a:xfrm>
+            <a:off x="6291353" y="1273815"/>
+            <a:ext cx="1981633" cy="369332"/>
+          </a:xfrm>
+          <a:prstGeom prst="rect">
+            <a:avLst/>
+          </a:prstGeom>
+          <a:noFill/>
+        </p:spPr>
+        <p:txBody>
+          <a:bodyPr wrap="none" rtlCol="0">
+            <a:spAutoFit/>
+          </a:bodyPr>
+          <a:lstStyle/>
+          <a:p>
+            <a:r>
+              <a:rPr lang="en-US" altLang="ko-KR" dirty="0" smtClean="0"/>
+              <a:t>DB </a:t>
+            </a:r>
+            <a:r>
+              <a:rPr lang="ko-KR" altLang="en-US" dirty="0" smtClean="0"/>
+              <a:t>환경 </a:t>
+            </a:r>
+            <a:r>
+              <a:rPr lang="en-US" altLang="ko-KR" dirty="0" smtClean="0"/>
+              <a:t>: MySQ</a:t>
+            </a:r>
+            <a:r>
+              <a:rPr lang="en-US" altLang="ko-KR" dirty="0"/>
+              <a:t>L</a:t>
+            </a:r>
+            <a:endParaRPr lang="ko-KR" altLang="en-US" dirty="0"/>
+          </a:p>
+        </p:txBody>
+      </p:sp>
+      <p:sp>
+        <p:nvSpPr>
+          <p:cNvPr id="28" name="TextBox 27"/>
+          <p:cNvSpPr txBox="1"/>
+          <p:nvPr/>
+        </p:nvSpPr>
+        <p:spPr>
+          <a:xfrm>
+            <a:off x="6291352" y="1768900"/>
+            <a:ext cx="5450531" cy="4524315"/>
+          </a:xfrm>
+          <a:prstGeom prst="rect">
+            <a:avLst/>
+          </a:prstGeom>
+          <a:noFill/>
+        </p:spPr>
+        <p:txBody>
+          <a:bodyPr wrap="none" rtlCol="0">
+            <a:spAutoFit/>
+          </a:bodyPr>
+          <a:lstStyle/>
+          <a:p>
+            <a:r>
+              <a:rPr lang="en-US" altLang="ko-KR" dirty="0" smtClean="0"/>
+              <a:t>DB</a:t>
+            </a:r>
+            <a:r>
+              <a:rPr lang="ko-KR" altLang="en-US" dirty="0" smtClean="0"/>
+              <a:t>는 각각 </a:t>
+            </a:r>
+            <a:r>
+              <a:rPr lang="en-US" altLang="ko-KR" dirty="0" smtClean="0"/>
+              <a:t>user </a:t>
+            </a:r>
+            <a:r>
+              <a:rPr lang="ko-KR" altLang="en-US" dirty="0" smtClean="0"/>
+              <a:t>테이블과 </a:t>
+            </a:r>
+            <a:r>
+              <a:rPr lang="en-US" altLang="ko-KR" dirty="0" smtClean="0"/>
+              <a:t>class</a:t>
+            </a:r>
+            <a:r>
+              <a:rPr lang="ko-KR" altLang="en-US" dirty="0" smtClean="0"/>
+              <a:t>테이블을 중심으로</a:t>
+            </a:r>
+            <a:endParaRPr lang="en-US" altLang="ko-KR" dirty="0" smtClean="0"/>
+          </a:p>
+          <a:p>
+            <a:r>
+              <a:rPr lang="ko-KR" altLang="en-US" dirty="0" smtClean="0"/>
+              <a:t>구성되어 있습니다</a:t>
+            </a:r>
+            <a:r>
+              <a:rPr lang="en-US" altLang="ko-KR" dirty="0" smtClean="0"/>
+              <a:t>.</a:t>
+            </a:r>
+          </a:p>
+          <a:p>
+            <a:endParaRPr lang="en-US" altLang="ko-KR" dirty="0"/>
+          </a:p>
+          <a:p>
+            <a:r>
+              <a:rPr lang="en-US" altLang="ko-KR" dirty="0" smtClean="0"/>
+              <a:t>Class </a:t>
+            </a:r>
+            <a:r>
+              <a:rPr lang="ko-KR" altLang="en-US" dirty="0" smtClean="0"/>
+              <a:t>테이블은 </a:t>
+            </a:r>
+            <a:r>
+              <a:rPr lang="en-US" altLang="ko-KR" dirty="0" err="1" smtClean="0"/>
+              <a:t>id_class</a:t>
+            </a:r>
+            <a:r>
+              <a:rPr lang="ko-KR" altLang="en-US" dirty="0" smtClean="0"/>
+              <a:t>를 </a:t>
+            </a:r>
+            <a:r>
+              <a:rPr lang="en-US" altLang="ko-KR" dirty="0" smtClean="0"/>
+              <a:t>Primary Key</a:t>
+            </a:r>
+            <a:r>
+              <a:rPr lang="ko-KR" altLang="en-US" dirty="0" smtClean="0"/>
+              <a:t>로 설정하여</a:t>
+            </a:r>
+            <a:endParaRPr lang="en-US" altLang="ko-KR" dirty="0" smtClean="0"/>
+          </a:p>
+          <a:p>
+            <a:r>
+              <a:rPr lang="en-US" altLang="ko-KR" dirty="0" err="1" smtClean="0"/>
+              <a:t>Id_class</a:t>
+            </a:r>
+            <a:r>
+              <a:rPr lang="ko-KR" altLang="en-US" dirty="0" smtClean="0"/>
+              <a:t>에 따라 상세페이지에서 출력되는 데이터가</a:t>
+            </a:r>
+            <a:endParaRPr lang="en-US" altLang="ko-KR" dirty="0" smtClean="0"/>
+          </a:p>
+          <a:p>
+            <a:r>
+              <a:rPr lang="ko-KR" altLang="en-US" dirty="0" smtClean="0"/>
+              <a:t>달라지도록 설정하였습니다</a:t>
+            </a:r>
+            <a:r>
+              <a:rPr lang="en-US" altLang="ko-KR" dirty="0" smtClean="0"/>
+              <a:t>.</a:t>
+            </a:r>
+          </a:p>
+          <a:p>
+            <a:endParaRPr lang="en-US" altLang="ko-KR" dirty="0" smtClean="0"/>
+          </a:p>
+          <a:p>
+            <a:r>
+              <a:rPr lang="en-US" altLang="ko-KR" dirty="0" smtClean="0"/>
+              <a:t>Curriculum </a:t>
+            </a:r>
+            <a:r>
+              <a:rPr lang="ko-KR" altLang="en-US" dirty="0" smtClean="0"/>
+              <a:t>테이블과 </a:t>
+            </a:r>
+            <a:r>
+              <a:rPr lang="en-US" altLang="ko-KR" dirty="0"/>
+              <a:t>Review </a:t>
+            </a:r>
+            <a:r>
+              <a:rPr lang="ko-KR" altLang="en-US" dirty="0" smtClean="0"/>
+              <a:t>테이블은 </a:t>
+            </a:r>
+            <a:r>
+              <a:rPr lang="en-US" altLang="ko-KR" dirty="0" err="1" smtClean="0"/>
+              <a:t>Id_class</a:t>
+            </a:r>
+            <a:r>
+              <a:rPr lang="ko-KR" altLang="en-US" dirty="0" smtClean="0"/>
+              <a:t>를</a:t>
+            </a:r>
+            <a:endParaRPr lang="en-US" altLang="ko-KR" dirty="0" smtClean="0"/>
+          </a:p>
+          <a:p>
+            <a:r>
+              <a:rPr lang="ko-KR" altLang="en-US" dirty="0" err="1" smtClean="0"/>
+              <a:t>외래키로</a:t>
+            </a:r>
+            <a:r>
+              <a:rPr lang="ko-KR" altLang="en-US" dirty="0" smtClean="0"/>
+              <a:t> 설정하여 </a:t>
+            </a:r>
+            <a:r>
+              <a:rPr lang="en-US" altLang="ko-KR" dirty="0" smtClean="0"/>
+              <a:t>Class </a:t>
+            </a:r>
+            <a:r>
+              <a:rPr lang="ko-KR" altLang="en-US" dirty="0" smtClean="0"/>
+              <a:t>테이블과 연관되게</a:t>
+            </a:r>
+            <a:endParaRPr lang="en-US" altLang="ko-KR" dirty="0" smtClean="0"/>
+          </a:p>
+          <a:p>
+            <a:r>
+              <a:rPr lang="ko-KR" altLang="en-US" dirty="0" smtClean="0"/>
+              <a:t>구성하였습니다</a:t>
+            </a:r>
+            <a:r>
+              <a:rPr lang="en-US" altLang="ko-KR" dirty="0" smtClean="0"/>
+              <a:t>.</a:t>
+            </a:r>
+          </a:p>
+          <a:p>
+            <a:endParaRPr lang="en-US" altLang="ko-KR" dirty="0"/>
+          </a:p>
+          <a:p>
+            <a:r>
+              <a:rPr lang="en-US" altLang="ko-KR" dirty="0" smtClean="0"/>
+              <a:t>Instructor(</a:t>
+            </a:r>
+            <a:r>
+              <a:rPr lang="ko-KR" altLang="en-US" dirty="0" smtClean="0"/>
+              <a:t>강사</a:t>
+            </a:r>
+            <a:r>
+              <a:rPr lang="en-US" altLang="ko-KR" dirty="0" smtClean="0"/>
+              <a:t>) </a:t>
+            </a:r>
+            <a:r>
+              <a:rPr lang="ko-KR" altLang="en-US" dirty="0" smtClean="0"/>
+              <a:t>테이블은 </a:t>
+            </a:r>
+            <a:r>
+              <a:rPr lang="en-US" altLang="ko-KR" dirty="0" smtClean="0"/>
+              <a:t>class</a:t>
+            </a:r>
+            <a:r>
+              <a:rPr lang="ko-KR" altLang="en-US" dirty="0" smtClean="0"/>
+              <a:t>테이블과</a:t>
+            </a:r>
+            <a:endParaRPr lang="en-US" altLang="ko-KR" dirty="0" smtClean="0"/>
+          </a:p>
+          <a:p>
+            <a:r>
+              <a:rPr lang="en-US" altLang="ko-KR" dirty="0" smtClean="0"/>
+              <a:t>1:N</a:t>
+            </a:r>
+            <a:r>
+              <a:rPr lang="ko-KR" altLang="en-US" dirty="0" smtClean="0"/>
+              <a:t>의</a:t>
+            </a:r>
+            <a:r>
+              <a:rPr lang="en-US" altLang="ko-KR" dirty="0" smtClean="0"/>
+              <a:t> </a:t>
+            </a:r>
+            <a:r>
+              <a:rPr lang="ko-KR" altLang="en-US" dirty="0" smtClean="0"/>
+              <a:t>관계로 구성되어 있으며</a:t>
+            </a:r>
+            <a:r>
+              <a:rPr lang="en-US" altLang="ko-KR" dirty="0" smtClean="0"/>
+              <a:t>, </a:t>
+            </a:r>
+            <a:r>
+              <a:rPr lang="en-US" altLang="ko-KR" dirty="0" err="1" smtClean="0"/>
+              <a:t>id_instructor</a:t>
+            </a:r>
+            <a:r>
+              <a:rPr lang="ko-KR" altLang="en-US" dirty="0" smtClean="0"/>
+              <a:t>를</a:t>
+            </a:r>
+            <a:endParaRPr lang="en-US" altLang="ko-KR" dirty="0" smtClean="0"/>
+          </a:p>
+          <a:p>
+            <a:r>
+              <a:rPr lang="en-US" altLang="ko-KR" dirty="0" smtClean="0"/>
+              <a:t>Primary Key</a:t>
+            </a:r>
+            <a:r>
+              <a:rPr lang="ko-KR" altLang="en-US" dirty="0" smtClean="0"/>
+              <a:t>로 설정하여 </a:t>
+            </a:r>
+            <a:r>
+              <a:rPr lang="en-US" altLang="ko-KR" dirty="0" smtClean="0"/>
+              <a:t>class</a:t>
+            </a:r>
+            <a:r>
+              <a:rPr lang="ko-KR" altLang="en-US" dirty="0" smtClean="0"/>
+              <a:t>테이블에서</a:t>
+            </a:r>
+            <a:endParaRPr lang="en-US" altLang="ko-KR" dirty="0" smtClean="0"/>
+          </a:p>
+          <a:p>
+            <a:r>
+              <a:rPr lang="en-US" altLang="ko-KR" dirty="0" smtClean="0"/>
+              <a:t>Instructor </a:t>
+            </a:r>
+            <a:r>
+              <a:rPr lang="ko-KR" altLang="en-US" dirty="0" smtClean="0"/>
+              <a:t>테이블을 사용하고자 할 때</a:t>
+            </a:r>
+            <a:r>
+              <a:rPr lang="en-US" altLang="ko-KR" dirty="0" smtClean="0"/>
+              <a:t>, </a:t>
+            </a:r>
+            <a:r>
+              <a:rPr lang="ko-KR" altLang="en-US" dirty="0" err="1" smtClean="0"/>
+              <a:t>외래키로서</a:t>
+            </a:r>
+            <a:endParaRPr lang="en-US" altLang="ko-KR" dirty="0" smtClean="0"/>
+          </a:p>
+          <a:p>
+            <a:r>
+              <a:rPr lang="ko-KR" altLang="en-US" dirty="0" smtClean="0"/>
+              <a:t>사용할 수 있도록 구성하였습니다</a:t>
+            </a:r>
+            <a:r>
+              <a:rPr lang="en-US" altLang="ko-KR" dirty="0" smtClean="0"/>
+              <a:t>.</a:t>
+            </a:r>
+            <a:endParaRPr lang="en-US" altLang="ko-KR" dirty="0"/>
+          </a:p>
+        </p:txBody>
+      </p:sp>
+      <p:sp>
+        <p:nvSpPr>
+          <p:cNvPr id="33" name="직사각형 32"/>
+          <p:cNvSpPr/>
+          <p:nvPr/>
+        </p:nvSpPr>
+        <p:spPr>
+          <a:xfrm>
+            <a:off x="416943" y="1338349"/>
+            <a:ext cx="2675391" cy="4430684"/>
+          </a:xfrm>
+          <a:prstGeom prst="rect">
+            <a:avLst/>
+          </a:prstGeom>
+          <a:noFill/>
+          <a:ln w="38100">
+            <a:solidFill>
+              <a:schemeClr val="bg2">
+                <a:lumMod val="10000"/>
+              </a:schemeClr>
+            </a:solidFill>
+          </a:ln>
+        </p:spPr>
+        <p:style>
+          <a:lnRef idx="2">
+            <a:schemeClr val="accent1">
+              <a:shade val="50000"/>
+            </a:schemeClr>
+          </a:lnRef>
+          <a:fillRef idx="1">
+            <a:schemeClr val="accent1"/>
+          </a:fillRef>
+          <a:effectRef idx="0">
+            <a:schemeClr val="accent1"/>
+          </a:effectRef>
+          <a:fontRef idx="minor">
+            <a:schemeClr val="lt1"/>
+          </a:fontRef>
+        </p:style>
+        <p:txBody>
+          <a:bodyPr rtlCol="0" anchor="ctr"/>
+          <a:lstStyle/>
+          <a:p>
+            <a:pPr algn="ctr"/>
+            <a:endParaRPr lang="ko-KR" altLang="en-US"/>
+          </a:p>
+        </p:txBody>
+      </p:sp>
     </p:spTree>
     <p:extLst>
       <p:ext uri="{BB962C8B-B14F-4D97-AF65-F5344CB8AC3E}">
-        <p14:creationId xmlns:p14="http://schemas.microsoft.com/office/powerpoint/2010/main" val="3245168902"/>
+        <p14:creationId xmlns:p14="http://schemas.microsoft.com/office/powerpoint/2010/main" val="430592060"/>
       </p:ext>
     </p:extLst>
   </p:cSld>
@@ -9224,20 +11749,58 @@
       </p:grpSpPr>
       <p:sp>
         <p:nvSpPr>
-          <p:cNvPr id="18" name="직사각형 17"/>
+          <p:cNvPr id="2" name="제목 1"/>
+          <p:cNvSpPr>
+            <a:spLocks noGrp="1"/>
+          </p:cNvSpPr>
+          <p:nvPr>
+            <p:ph type="title"/>
+          </p:nvPr>
+        </p:nvSpPr>
+        <p:spPr>
+          <a:xfrm>
+            <a:off x="358754" y="299963"/>
+            <a:ext cx="10515600" cy="848099"/>
+          </a:xfrm>
+        </p:spPr>
+        <p:txBody>
+          <a:bodyPr/>
+          <a:lstStyle/>
+          <a:p>
+            <a:r>
+              <a:rPr lang="en-US" altLang="ko-KR" dirty="0" smtClean="0"/>
+              <a:t>2. </a:t>
+            </a:r>
+            <a:r>
+              <a:rPr lang="ko-KR" altLang="en-US" dirty="0" smtClean="0"/>
+              <a:t>개발환경 </a:t>
+            </a:r>
+            <a:r>
+              <a:rPr lang="en-US" altLang="ko-KR" dirty="0" smtClean="0"/>
+              <a:t>– DB ERD(2)</a:t>
+            </a:r>
+            <a:endParaRPr lang="ko-KR" altLang="en-US" dirty="0"/>
+          </a:p>
+        </p:txBody>
+      </p:sp>
+      <p:sp>
+        <p:nvSpPr>
+          <p:cNvPr id="4" name="직사각형 3"/>
           <p:cNvSpPr/>
           <p:nvPr/>
         </p:nvSpPr>
         <p:spPr>
           <a:xfrm>
-            <a:off x="86681" y="1200236"/>
-            <a:ext cx="5240848" cy="5391757"/>
+            <a:off x="358754" y="1273815"/>
+            <a:ext cx="5809290" cy="5251676"/>
           </a:xfrm>
           <a:prstGeom prst="rect">
             <a:avLst/>
           </a:prstGeom>
           <a:solidFill>
-            <a:schemeClr val="bg1"/>
+            <a:schemeClr val="bg1">
+              <a:lumMod val="95000"/>
+            </a:schemeClr>
           </a:solidFill>
         </p:spPr>
         <p:style>
@@ -9261,27 +11824,101 @@
           <a:lstStyle/>
           <a:p>
             <a:pPr algn="ctr"/>
-            <a:endParaRPr lang="ko-KR" altLang="en-US"/>
-          </a:p>
-        </p:txBody>
-      </p:sp>
-      <p:sp>
-        <p:nvSpPr>
-          <p:cNvPr id="17" name="직사각형 16"/>
+            <a:endParaRPr lang="ko-KR" altLang="en-US" dirty="0"/>
+          </a:p>
+        </p:txBody>
+      </p:sp>
+      <p:pic>
+        <p:nvPicPr>
+          <p:cNvPr id="6" name="그림 5"/>
+          <p:cNvPicPr>
+            <a:picLocks noChangeAspect="1"/>
+          </p:cNvPicPr>
+          <p:nvPr/>
+        </p:nvPicPr>
+        <p:blipFill>
+          <a:blip r:embed="rId2">
+            <a:extLst>
+              <a:ext uri="{28A0092B-C50C-407E-A947-70E740481C1C}">
+                <a14:useLocalDpi xmlns:a14="http://schemas.microsoft.com/office/drawing/2010/main" val="0"/>
+              </a:ext>
+            </a:extLst>
+          </a:blip>
+          <a:stretch>
+            <a:fillRect/>
+          </a:stretch>
+        </p:blipFill>
+        <p:spPr>
+          <a:xfrm>
+            <a:off x="482063" y="1399663"/>
+            <a:ext cx="5519726" cy="4946174"/>
+          </a:xfrm>
+          <a:prstGeom prst="rect">
+            <a:avLst/>
+          </a:prstGeom>
+          <a:ln>
+            <a:solidFill>
+              <a:schemeClr val="accent1"/>
+            </a:solidFill>
+          </a:ln>
+        </p:spPr>
+      </p:pic>
+      <p:sp>
+        <p:nvSpPr>
+          <p:cNvPr id="28" name="TextBox 27"/>
+          <p:cNvSpPr txBox="1"/>
+          <p:nvPr/>
+        </p:nvSpPr>
+        <p:spPr>
+          <a:xfrm>
+            <a:off x="6291353" y="1273815"/>
+            <a:ext cx="1737976" cy="369332"/>
+          </a:xfrm>
+          <a:prstGeom prst="rect">
+            <a:avLst/>
+          </a:prstGeom>
+          <a:noFill/>
+        </p:spPr>
+        <p:txBody>
+          <a:bodyPr wrap="none" rtlCol="0">
+            <a:spAutoFit/>
+          </a:bodyPr>
+          <a:lstStyle/>
+          <a:p>
+            <a:r>
+              <a:rPr lang="en-US" altLang="ko-KR" dirty="0" smtClean="0"/>
+              <a:t>User </a:t>
+            </a:r>
+            <a:r>
+              <a:rPr lang="ko-KR" altLang="en-US" dirty="0" smtClean="0"/>
+              <a:t>테이블은 </a:t>
+            </a:r>
+            <a:endParaRPr lang="en-US" altLang="ko-KR" dirty="0" smtClean="0"/>
+          </a:p>
+        </p:txBody>
+      </p:sp>
+      <p:sp>
+        <p:nvSpPr>
+          <p:cNvPr id="34" name="직사각형 33"/>
           <p:cNvSpPr/>
           <p:nvPr/>
         </p:nvSpPr>
         <p:spPr>
           <a:xfrm>
-            <a:off x="5455433" y="357448"/>
-            <a:ext cx="6658495" cy="6234545"/>
-          </a:xfrm>
-          <a:prstGeom prst="rect">
-            <a:avLst/>
-          </a:prstGeom>
-          <a:solidFill>
-            <a:schemeClr val="bg1"/>
-          </a:solidFill>
+            <a:off x="3374967" y="1339411"/>
+            <a:ext cx="2709949" cy="3432094"/>
+          </a:xfrm>
+          <a:prstGeom prst="rect">
+            <a:avLst/>
+          </a:prstGeom>
+          <a:noFill/>
+          <a:ln w="38100">
+            <a:solidFill>
+              <a:schemeClr val="bg2">
+                <a:lumMod val="10000"/>
+              </a:schemeClr>
+            </a:solidFill>
+          </a:ln>
         </p:spPr>
         <p:style>
           <a:lnRef idx="2">
@@ -9310,126 +11947,19 @@
       </p:sp>
       <p:sp>
         <p:nvSpPr>
-          <p:cNvPr id="2" name="제목 1"/>
-          <p:cNvSpPr>
-            <a:spLocks noGrp="1"/>
-          </p:cNvSpPr>
-          <p:nvPr>
-            <p:ph type="title"/>
-          </p:nvPr>
-        </p:nvSpPr>
-        <p:spPr>
-          <a:xfrm>
-            <a:off x="542004" y="191190"/>
-            <a:ext cx="4330202" cy="1000732"/>
-          </a:xfrm>
-        </p:spPr>
-        <p:txBody>
-          <a:bodyPr/>
-          <a:lstStyle/>
-          <a:p>
-            <a:r>
-              <a:rPr lang="ko-KR" altLang="en-US" dirty="0" smtClean="0"/>
-              <a:t>메인홈페이지</a:t>
-            </a:r>
-            <a:r>
-              <a:rPr lang="en-US" altLang="ko-KR" dirty="0" smtClean="0"/>
-              <a:t>-2</a:t>
-            </a:r>
-            <a:endParaRPr lang="ko-KR" altLang="en-US" dirty="0"/>
-          </a:p>
-        </p:txBody>
-      </p:sp>
-      <p:pic>
-        <p:nvPicPr>
-          <p:cNvPr id="4" name="그림 3"/>
-          <p:cNvPicPr>
-            <a:picLocks noChangeAspect="1"/>
-          </p:cNvPicPr>
-          <p:nvPr/>
-        </p:nvPicPr>
-        <p:blipFill>
-          <a:blip r:embed="rId2" cstate="print">
-            <a:extLst>
-              <a:ext uri="{28A0092B-C50C-407E-A947-70E740481C1C}">
-                <a14:useLocalDpi xmlns:a14="http://schemas.microsoft.com/office/drawing/2010/main" val="0"/>
-              </a:ext>
-            </a:extLst>
-          </a:blip>
-          <a:stretch>
-            <a:fillRect/>
-          </a:stretch>
-        </p:blipFill>
-        <p:spPr>
-          <a:xfrm>
-            <a:off x="214585" y="1487977"/>
-            <a:ext cx="4953817" cy="3065538"/>
-          </a:xfrm>
-          <a:prstGeom prst="rect">
-            <a:avLst/>
-          </a:prstGeom>
-          <a:ln>
-            <a:solidFill>
-              <a:schemeClr val="accent1"/>
-            </a:solidFill>
-          </a:ln>
-        </p:spPr>
-      </p:pic>
-      <p:pic>
-        <p:nvPicPr>
-          <p:cNvPr id="5" name="그림 4"/>
-          <p:cNvPicPr>
-            <a:picLocks noChangeAspect="1"/>
-          </p:cNvPicPr>
-          <p:nvPr/>
-        </p:nvPicPr>
-        <p:blipFill>
-          <a:blip r:embed="rId3">
-            <a:extLst>
-              <a:ext uri="{28A0092B-C50C-407E-A947-70E740481C1C}">
-                <a14:useLocalDpi xmlns:a14="http://schemas.microsoft.com/office/drawing/2010/main" val="0"/>
-              </a:ext>
-            </a:extLst>
-          </a:blip>
-          <a:stretch>
-            <a:fillRect/>
-          </a:stretch>
-        </p:blipFill>
-        <p:spPr>
-          <a:xfrm>
-            <a:off x="5664577" y="556952"/>
-            <a:ext cx="6046907" cy="3065538"/>
-          </a:xfrm>
-          <a:prstGeom prst="rect">
-            <a:avLst/>
-          </a:prstGeom>
-          <a:ln>
-            <a:solidFill>
-              <a:schemeClr val="accent1"/>
-            </a:solidFill>
-          </a:ln>
-        </p:spPr>
-      </p:pic>
-      <p:sp>
-        <p:nvSpPr>
-          <p:cNvPr id="6" name="TextBox 5"/>
+          <p:cNvPr id="10" name="TextBox 9"/>
           <p:cNvSpPr txBox="1"/>
           <p:nvPr/>
         </p:nvSpPr>
         <p:spPr>
           <a:xfrm>
-            <a:off x="160992" y="4829695"/>
-            <a:ext cx="5061001" cy="646331"/>
+            <a:off x="6291353" y="4934186"/>
+            <a:ext cx="2168414" cy="369332"/>
           </a:xfrm>
           <a:prstGeom prst="rect">
             <a:avLst/>
           </a:prstGeom>
           <a:noFill/>
-          <a:ln>
-            <a:solidFill>
-              <a:schemeClr val="accent1"/>
-            </a:solidFill>
-          </a:ln>
         </p:spPr>
         <p:txBody>
           <a:bodyPr wrap="none" rtlCol="0">
@@ -9438,192 +11968,21 @@
           <a:lstStyle/>
           <a:p>
             <a:r>
-              <a:rPr lang="ko-KR" altLang="en-US" dirty="0" smtClean="0"/>
-              <a:t>스크롤 기능을 통해 각 과정당 </a:t>
-            </a:r>
-            <a:r>
-              <a:rPr lang="ko-KR" altLang="en-US" dirty="0" err="1" smtClean="0"/>
-              <a:t>미리보기</a:t>
-            </a:r>
-            <a:r>
-              <a:rPr lang="ko-KR" altLang="en-US" dirty="0" smtClean="0"/>
-              <a:t> 강의를</a:t>
+              <a:rPr lang="en-US" altLang="ko-KR" dirty="0" smtClean="0"/>
+              <a:t>Cart </a:t>
+            </a:r>
+            <a:r>
+              <a:rPr lang="ko-KR" altLang="en-US" dirty="0" smtClean="0"/>
+              <a:t>테이블에서는 </a:t>
             </a:r>
             <a:endParaRPr lang="en-US" altLang="ko-KR" dirty="0" smtClean="0"/>
-          </a:p>
-          <a:p>
-            <a:r>
-              <a:rPr lang="ko-KR" altLang="en-US" dirty="0" smtClean="0"/>
-              <a:t>더 찾아 볼 수 있습니다</a:t>
-            </a:r>
-            <a:r>
-              <a:rPr lang="en-US" altLang="ko-KR" dirty="0" smtClean="0"/>
-              <a:t>.</a:t>
-            </a:r>
-            <a:endParaRPr lang="ko-KR" altLang="en-US" dirty="0"/>
-          </a:p>
-        </p:txBody>
-      </p:sp>
-      <p:sp>
-        <p:nvSpPr>
-          <p:cNvPr id="8" name="TextBox 7"/>
-          <p:cNvSpPr txBox="1"/>
-          <p:nvPr/>
-        </p:nvSpPr>
-        <p:spPr>
-          <a:xfrm>
-            <a:off x="5664577" y="3823854"/>
-            <a:ext cx="6147837" cy="646331"/>
-          </a:xfrm>
-          <a:prstGeom prst="rect">
-            <a:avLst/>
-          </a:prstGeom>
-          <a:noFill/>
-          <a:ln>
-            <a:solidFill>
-              <a:schemeClr val="accent1"/>
-            </a:solidFill>
-          </a:ln>
-        </p:spPr>
-        <p:txBody>
-          <a:bodyPr wrap="none" rtlCol="0">
-            <a:spAutoFit/>
-          </a:bodyPr>
-          <a:lstStyle/>
-          <a:p>
-            <a:r>
-              <a:rPr lang="ko-KR" altLang="en-US" dirty="0" smtClean="0"/>
-              <a:t>검색 기능을 통해 특정 키워드가 포함된 강의를 전부 찾을</a:t>
-            </a:r>
-            <a:endParaRPr lang="en-US" altLang="ko-KR" dirty="0" smtClean="0"/>
-          </a:p>
-          <a:p>
-            <a:r>
-              <a:rPr lang="ko-KR" altLang="en-US" dirty="0" smtClean="0"/>
-              <a:t>수 있습니다</a:t>
-            </a:r>
-            <a:r>
-              <a:rPr lang="en-US" altLang="ko-KR" dirty="0" smtClean="0"/>
-              <a:t>.</a:t>
-            </a:r>
-            <a:endParaRPr lang="ko-KR" altLang="en-US" dirty="0"/>
-          </a:p>
-        </p:txBody>
-      </p:sp>
-      <p:pic>
-        <p:nvPicPr>
-          <p:cNvPr id="11" name="그림 10"/>
-          <p:cNvPicPr>
-            <a:picLocks noChangeAspect="1"/>
-          </p:cNvPicPr>
-          <p:nvPr/>
-        </p:nvPicPr>
-        <p:blipFill>
-          <a:blip r:embed="rId4" cstate="print">
-            <a:extLst>
-              <a:ext uri="{28A0092B-C50C-407E-A947-70E740481C1C}">
-                <a14:useLocalDpi xmlns:a14="http://schemas.microsoft.com/office/drawing/2010/main" val="0"/>
-              </a:ext>
-            </a:extLst>
-          </a:blip>
-          <a:stretch>
-            <a:fillRect/>
-          </a:stretch>
-        </p:blipFill>
-        <p:spPr>
-          <a:xfrm>
-            <a:off x="5664577" y="5274829"/>
-            <a:ext cx="2800515" cy="700129"/>
-          </a:xfrm>
-          <a:prstGeom prst="rect">
-            <a:avLst/>
-          </a:prstGeom>
-          <a:ln>
-            <a:solidFill>
-              <a:schemeClr val="accent1"/>
-            </a:solidFill>
-          </a:ln>
-        </p:spPr>
-      </p:pic>
-      <p:pic>
-        <p:nvPicPr>
-          <p:cNvPr id="12" name="그림 11"/>
-          <p:cNvPicPr>
-            <a:picLocks noChangeAspect="1"/>
-          </p:cNvPicPr>
-          <p:nvPr/>
-        </p:nvPicPr>
-        <p:blipFill>
-          <a:blip r:embed="rId5" cstate="print">
-            <a:extLst>
-              <a:ext uri="{28A0092B-C50C-407E-A947-70E740481C1C}">
-                <a14:useLocalDpi xmlns:a14="http://schemas.microsoft.com/office/drawing/2010/main" val="0"/>
-              </a:ext>
-            </a:extLst>
-          </a:blip>
-          <a:stretch>
-            <a:fillRect/>
-          </a:stretch>
-        </p:blipFill>
-        <p:spPr>
-          <a:xfrm>
-            <a:off x="8937744" y="4910963"/>
-            <a:ext cx="2874670" cy="1427863"/>
-          </a:xfrm>
-          <a:prstGeom prst="rect">
-            <a:avLst/>
-          </a:prstGeom>
-          <a:ln>
-            <a:solidFill>
-              <a:schemeClr val="accent1"/>
-            </a:solidFill>
-          </a:ln>
-        </p:spPr>
-      </p:pic>
-      <p:sp>
-        <p:nvSpPr>
-          <p:cNvPr id="15" name="오른쪽 화살표 14"/>
-          <p:cNvSpPr/>
-          <p:nvPr/>
-        </p:nvSpPr>
-        <p:spPr>
-          <a:xfrm>
-            <a:off x="8521866" y="5394961"/>
-            <a:ext cx="373621" cy="438513"/>
-          </a:xfrm>
-          <a:prstGeom prst="rightArrow">
-            <a:avLst/>
-          </a:prstGeom>
-        </p:spPr>
-        <p:style>
-          <a:lnRef idx="2">
-            <a:schemeClr val="accent1">
-              <a:shade val="50000"/>
-            </a:schemeClr>
-          </a:lnRef>
-          <a:fillRef idx="1">
-            <a:schemeClr val="accent1"/>
-          </a:fillRef>
-          <a:effectRef idx="0">
-            <a:schemeClr val="accent1"/>
-          </a:effectRef>
-          <a:fontRef idx="minor">
-            <a:schemeClr val="lt1"/>
-          </a:fontRef>
-        </p:style>
-        <p:txBody>
-          <a:bodyPr rtlCol="0" anchor="ctr"/>
-          <a:lstStyle/>
-          <a:p>
-            <a:pPr algn="ctr"/>
-            <a:endParaRPr lang="ko-KR" altLang="en-US"/>
           </a:p>
         </p:txBody>
       </p:sp>
     </p:spTree>
     <p:extLst>
       <p:ext uri="{BB962C8B-B14F-4D97-AF65-F5344CB8AC3E}">
-        <p14:creationId xmlns:p14="http://schemas.microsoft.com/office/powerpoint/2010/main" val="2098380331"/>
+        <p14:creationId xmlns:p14="http://schemas.microsoft.com/office/powerpoint/2010/main" val="1812827661"/>
       </p:ext>
     </p:extLst>
   </p:cSld>
@@ -9652,129 +12011,6 @@
       </p:grpSpPr>
       <p:sp>
         <p:nvSpPr>
-          <p:cNvPr id="12" name="직사각형 11"/>
-          <p:cNvSpPr/>
-          <p:nvPr/>
-        </p:nvSpPr>
-        <p:spPr>
-          <a:xfrm>
-            <a:off x="66502" y="1837113"/>
-            <a:ext cx="3690851" cy="4056611"/>
-          </a:xfrm>
-          <a:prstGeom prst="rect">
-            <a:avLst/>
-          </a:prstGeom>
-          <a:noFill/>
-        </p:spPr>
-        <p:style>
-          <a:lnRef idx="2">
-            <a:schemeClr val="accent1">
-              <a:shade val="50000"/>
-            </a:schemeClr>
-          </a:lnRef>
-          <a:fillRef idx="1">
-            <a:schemeClr val="accent1"/>
-          </a:fillRef>
-          <a:effectRef idx="0">
-            <a:schemeClr val="accent1"/>
-          </a:effectRef>
-          <a:fontRef idx="minor">
-            <a:schemeClr val="lt1"/>
-          </a:fontRef>
-        </p:style>
-        <p:txBody>
-          <a:bodyPr rtlCol="0" anchor="ctr"/>
-          <a:lstStyle/>
-          <a:p>
-            <a:pPr algn="ctr"/>
-            <a:endParaRPr lang="ko-KR" altLang="en-US"/>
-          </a:p>
-        </p:txBody>
-      </p:sp>
-      <p:sp>
-        <p:nvSpPr>
-          <p:cNvPr id="13" name="직사각형 12"/>
-          <p:cNvSpPr/>
-          <p:nvPr/>
-        </p:nvSpPr>
-        <p:spPr>
-          <a:xfrm>
-            <a:off x="3757354" y="1837112"/>
-            <a:ext cx="2535382" cy="4056611"/>
-          </a:xfrm>
-          <a:prstGeom prst="rect">
-            <a:avLst/>
-          </a:prstGeom>
-          <a:noFill/>
-        </p:spPr>
-        <p:style>
-          <a:lnRef idx="2">
-            <a:schemeClr val="accent1">
-              <a:shade val="50000"/>
-            </a:schemeClr>
-          </a:lnRef>
-          <a:fillRef idx="1">
-            <a:schemeClr val="accent1"/>
-          </a:fillRef>
-          <a:effectRef idx="0">
-            <a:schemeClr val="accent1"/>
-          </a:effectRef>
-          <a:fontRef idx="minor">
-            <a:schemeClr val="lt1"/>
-          </a:fontRef>
-        </p:style>
-        <p:txBody>
-          <a:bodyPr rtlCol="0" anchor="ctr"/>
-          <a:lstStyle/>
-          <a:p>
-            <a:pPr algn="ctr"/>
-            <a:endParaRPr lang="ko-KR" altLang="en-US"/>
-          </a:p>
-        </p:txBody>
-      </p:sp>
-      <p:sp>
-        <p:nvSpPr>
-          <p:cNvPr id="14" name="직사각형 13"/>
-          <p:cNvSpPr/>
-          <p:nvPr/>
-        </p:nvSpPr>
-        <p:spPr>
-          <a:xfrm>
-            <a:off x="6292735" y="1837111"/>
-            <a:ext cx="5835534" cy="4056611"/>
-          </a:xfrm>
-          <a:prstGeom prst="rect">
-            <a:avLst/>
-          </a:prstGeom>
-          <a:noFill/>
-        </p:spPr>
-        <p:style>
-          <a:lnRef idx="2">
-            <a:schemeClr val="accent1">
-              <a:shade val="50000"/>
-            </a:schemeClr>
-          </a:lnRef>
-          <a:fillRef idx="1">
-            <a:schemeClr val="accent1"/>
-          </a:fillRef>
-          <a:effectRef idx="0">
-            <a:schemeClr val="accent1"/>
-          </a:effectRef>
-          <a:fontRef idx="minor">
-            <a:schemeClr val="lt1"/>
-          </a:fontRef>
-        </p:style>
-        <p:txBody>
-          <a:bodyPr rtlCol="0" anchor="ctr"/>
-          <a:lstStyle/>
-          <a:p>
-            <a:pPr algn="ctr"/>
-            <a:endParaRPr lang="ko-KR" altLang="en-US"/>
-          </a:p>
-        </p:txBody>
-      </p:sp>
-      <p:sp>
-        <p:nvSpPr>
           <p:cNvPr id="2" name="제목 1"/>
           <p:cNvSpPr>
             <a:spLocks noGrp="1"/>
@@ -9783,14 +12019,19 @@
             <p:ph type="title"/>
           </p:nvPr>
         </p:nvSpPr>
-        <p:spPr/>
+        <p:spPr>
+          <a:xfrm>
+            <a:off x="838200" y="99753"/>
+            <a:ext cx="10515600" cy="1000732"/>
+          </a:xfrm>
+        </p:spPr>
         <p:txBody>
           <a:bodyPr/>
           <a:lstStyle/>
           <a:p>
             <a:r>
               <a:rPr lang="ko-KR" altLang="en-US" dirty="0" smtClean="0"/>
-              <a:t>로그인 페이지</a:t>
+              <a:t>메인홈페이지</a:t>
             </a:r>
             <a:endParaRPr lang="ko-KR" altLang="en-US" dirty="0"/>
           </a:p>
@@ -9798,7 +12039,7 @@
       </p:sp>
       <p:pic>
         <p:nvPicPr>
-          <p:cNvPr id="5" name="내용 개체 틀 4"/>
+          <p:cNvPr id="7" name="내용 개체 틀 6"/>
           <p:cNvPicPr>
             <a:picLocks noGrp="1" noChangeAspect="1"/>
           </p:cNvPicPr>
@@ -9814,172 +12055,23 @@
         </p:blipFill>
         <p:spPr>
           <a:xfrm>
-            <a:off x="198121" y="2131262"/>
-            <a:ext cx="3458546" cy="3180570"/>
-          </a:xfrm>
-          <a:prstGeom prst="rect">
-            <a:avLst/>
-          </a:prstGeom>
-        </p:spPr>
-      </p:pic>
-      <p:pic>
-        <p:nvPicPr>
-          <p:cNvPr id="3" name="그림 2"/>
-          <p:cNvPicPr>
-            <a:picLocks noChangeAspect="1"/>
-          </p:cNvPicPr>
-          <p:nvPr/>
-        </p:nvPicPr>
-        <p:blipFill>
-          <a:blip r:embed="rId3">
-            <a:extLst>
-              <a:ext uri="{28A0092B-C50C-407E-A947-70E740481C1C}">
-                <a14:useLocalDpi xmlns:a14="http://schemas.microsoft.com/office/drawing/2010/main" val="0"/>
-              </a:ext>
-            </a:extLst>
-          </a:blip>
-          <a:stretch>
-            <a:fillRect/>
-          </a:stretch>
-        </p:blipFill>
-        <p:spPr>
-          <a:xfrm>
-            <a:off x="6417377" y="2621591"/>
-            <a:ext cx="5370070" cy="365745"/>
-          </a:xfrm>
-          <a:prstGeom prst="rect">
-            <a:avLst/>
-          </a:prstGeom>
-        </p:spPr>
-      </p:pic>
-      <p:pic>
-        <p:nvPicPr>
-          <p:cNvPr id="4" name="그림 3"/>
-          <p:cNvPicPr>
-            <a:picLocks noChangeAspect="1"/>
-          </p:cNvPicPr>
-          <p:nvPr/>
-        </p:nvPicPr>
-        <p:blipFill>
-          <a:blip r:embed="rId4">
-            <a:extLst>
-              <a:ext uri="{28A0092B-C50C-407E-A947-70E740481C1C}">
-                <a14:useLocalDpi xmlns:a14="http://schemas.microsoft.com/office/drawing/2010/main" val="0"/>
-              </a:ext>
-            </a:extLst>
-          </a:blip>
-          <a:stretch>
-            <a:fillRect/>
-          </a:stretch>
-        </p:blipFill>
-        <p:spPr>
-          <a:xfrm>
-            <a:off x="6417376" y="4249054"/>
-            <a:ext cx="5370070" cy="848423"/>
-          </a:xfrm>
-          <a:prstGeom prst="rect">
-            <a:avLst/>
-          </a:prstGeom>
-        </p:spPr>
-      </p:pic>
-      <p:sp>
-        <p:nvSpPr>
-          <p:cNvPr id="8" name="TextBox 7"/>
-          <p:cNvSpPr txBox="1"/>
-          <p:nvPr/>
-        </p:nvSpPr>
-        <p:spPr>
-          <a:xfrm>
-            <a:off x="6417376" y="2131262"/>
-            <a:ext cx="2507418" cy="369332"/>
-          </a:xfrm>
-          <a:prstGeom prst="rect">
-            <a:avLst/>
-          </a:prstGeom>
-          <a:noFill/>
-        </p:spPr>
-        <p:txBody>
-          <a:bodyPr wrap="none" rtlCol="0">
-            <a:spAutoFit/>
-          </a:bodyPr>
-          <a:lstStyle/>
-          <a:p>
-            <a:r>
-              <a:rPr lang="ko-KR" altLang="en-US" dirty="0" smtClean="0"/>
-              <a:t>로그인 성공 시 </a:t>
-            </a:r>
-            <a:r>
-              <a:rPr lang="ko-KR" altLang="en-US" dirty="0" err="1" smtClean="0"/>
-              <a:t>상단바</a:t>
-            </a:r>
-            <a:endParaRPr lang="ko-KR" altLang="en-US" dirty="0"/>
-          </a:p>
-        </p:txBody>
-      </p:sp>
-      <p:sp>
-        <p:nvSpPr>
-          <p:cNvPr id="9" name="TextBox 8"/>
-          <p:cNvSpPr txBox="1"/>
-          <p:nvPr/>
-        </p:nvSpPr>
-        <p:spPr>
-          <a:xfrm>
-            <a:off x="6417240" y="3694342"/>
-            <a:ext cx="2194832" cy="369332"/>
-          </a:xfrm>
-          <a:prstGeom prst="rect">
-            <a:avLst/>
-          </a:prstGeom>
-          <a:noFill/>
-        </p:spPr>
-        <p:txBody>
-          <a:bodyPr wrap="none" rtlCol="0">
-            <a:spAutoFit/>
-          </a:bodyPr>
-          <a:lstStyle/>
-          <a:p>
-            <a:r>
-              <a:rPr lang="ko-KR" altLang="en-US" dirty="0" smtClean="0"/>
-              <a:t>로그아웃 기능 포함</a:t>
-            </a:r>
-            <a:endParaRPr lang="ko-KR" altLang="en-US" dirty="0"/>
-          </a:p>
-        </p:txBody>
-      </p:sp>
-      <p:pic>
-        <p:nvPicPr>
-          <p:cNvPr id="11" name="그림 10"/>
-          <p:cNvPicPr>
-            <a:picLocks noChangeAspect="1"/>
-          </p:cNvPicPr>
-          <p:nvPr/>
-        </p:nvPicPr>
-        <p:blipFill>
-          <a:blip r:embed="rId5">
-            <a:extLst>
-              <a:ext uri="{28A0092B-C50C-407E-A947-70E740481C1C}">
-                <a14:useLocalDpi xmlns:a14="http://schemas.microsoft.com/office/drawing/2010/main" val="0"/>
-              </a:ext>
-            </a:extLst>
-          </a:blip>
-          <a:stretch>
-            <a:fillRect/>
-          </a:stretch>
-        </p:blipFill>
-        <p:spPr>
-          <a:xfrm>
-            <a:off x="3882946" y="2131262"/>
-            <a:ext cx="2308152" cy="3495493"/>
-          </a:xfrm>
-          <a:prstGeom prst="rect">
-            <a:avLst/>
-          </a:prstGeom>
+            <a:off x="525780" y="1100485"/>
+            <a:ext cx="11140439" cy="5396170"/>
+          </a:xfrm>
+          <a:prstGeom prst="rect">
+            <a:avLst/>
+          </a:prstGeom>
+          <a:ln>
+            <a:solidFill>
+              <a:schemeClr val="accent1"/>
+            </a:solidFill>
+          </a:ln>
         </p:spPr>
       </p:pic>
     </p:spTree>
     <p:extLst>
       <p:ext uri="{BB962C8B-B14F-4D97-AF65-F5344CB8AC3E}">
-        <p14:creationId xmlns:p14="http://schemas.microsoft.com/office/powerpoint/2010/main" val="4030228246"/>
+        <p14:creationId xmlns:p14="http://schemas.microsoft.com/office/powerpoint/2010/main" val="3245168902"/>
       </p:ext>
     </p:extLst>
   </p:cSld>
